--- a/PP.pptx
+++ b/PP.pptx
@@ -10,6 +10,8 @@
     <p:sldId id="258" r:id="rId4"/>
     <p:sldId id="259" r:id="rId5"/>
     <p:sldId id="260" r:id="rId6"/>
+    <p:sldId id="261" r:id="rId7"/>
+    <p:sldId id="262" r:id="rId8"/>
   </p:sldIdLst>
   <p:sldSz cx="12192000" cy="6858000"/>
   <p:notesSz cx="6858000" cy="9144000"/>
@@ -6969,6 +6971,266 @@
 </p:sld>
 </file>
 
+<file path=ppt/slides/slide6.xml><?xml version="1.0" encoding="utf-8"?>
+<p:sld xmlns:a="http://schemas.openxmlformats.org/drawingml/2006/main" xmlns:r="http://schemas.openxmlformats.org/officeDocument/2006/relationships" xmlns:p="http://schemas.openxmlformats.org/presentationml/2006/main">
+  <p:cSld>
+    <p:spTree>
+      <p:nvGrpSpPr>
+        <p:cNvPr id="1" name=""/>
+        <p:cNvGrpSpPr/>
+        <p:nvPr/>
+      </p:nvGrpSpPr>
+      <p:grpSpPr>
+        <a:xfrm>
+          <a:off x="0" y="0"/>
+          <a:ext cx="0" cy="0"/>
+          <a:chOff x="0" y="0"/>
+          <a:chExt cx="0" cy="0"/>
+        </a:xfrm>
+      </p:grpSpPr>
+      <p:sp>
+        <p:nvSpPr>
+          <p:cNvPr id="2" name="Title 1"/>
+          <p:cNvSpPr>
+            <a:spLocks noGrp="1"/>
+          </p:cNvSpPr>
+          <p:nvPr>
+            <p:ph type="title"/>
+          </p:nvPr>
+        </p:nvSpPr>
+        <p:spPr/>
+        <p:txBody>
+          <a:bodyPr/>
+          <a:lstStyle/>
+          <a:p>
+            <a:pPr lvl="0" marL="0" indent="0">
+              <a:buNone/>
+            </a:pPr>
+            <a:r>
+              <a:rPr/>
+              <a:t>Bibliographie</a:t>
+            </a:r>
+          </a:p>
+        </p:txBody>
+      </p:sp>
+      <p:sp>
+        <p:nvSpPr>
+          <p:cNvPr id="3" name="Content Placeholder 2"/>
+          <p:cNvSpPr>
+            <a:spLocks noGrp="1"/>
+          </p:cNvSpPr>
+          <p:nvPr>
+            <p:ph idx="1"/>
+          </p:nvPr>
+        </p:nvSpPr>
+        <p:spPr/>
+        <p:txBody>
+          <a:bodyPr/>
+          <a:lstStyle/>
+          <a:p>
+            <a:pPr lvl="1">
+              <a:buAutoNum type="arabicPeriod"/>
+            </a:pPr>
+            <a:r>
+              <a:rPr/>
+              <a:t>Kaggle, harlfoxen (2017). House sales in King County, USA. Récupéré le 27 février 2020 de </a:t>
+            </a:r>
+            <a:r>
+              <a:rPr>
+                <a:hlinkClick r:id="rId2"/>
+              </a:rPr>
+              <a:t>https://www.kaggle.com/harlfoxem/housesalesprediction</a:t>
+            </a:r>
+            <a:r>
+              <a:rPr/>
+              <a:t>. </a:t>
+            </a:r>
+          </a:p>
+          <a:p>
+            <a:pPr lvl="1">
+              <a:buAutoNum type="arabicPeriod"/>
+            </a:pPr>
+            <a:r>
+              <a:rPr/>
+              <a:t>Max Kuhn (2020). caret: Classification and Regression Training. R package version 6.0-85. </a:t>
+            </a:r>
+            <a:r>
+              <a:rPr>
+                <a:hlinkClick r:id="rId3"/>
+              </a:rPr>
+              <a:t>https://CRAN.R-project.org/package=caret</a:t>
+            </a:r>
+            <a:r>
+              <a:rPr/>
+              <a:t> </a:t>
+            </a:r>
+          </a:p>
+          <a:p>
+            <a:pPr lvl="1">
+              <a:buAutoNum type="arabicPeriod"/>
+            </a:pPr>
+            <a:r>
+              <a:rPr/>
+              <a:t>Terry Therneau and Beth Atkinson (2019). rpart: Recursive Partitioning and Regression Trees. R package version 4.1-15. </a:t>
+            </a:r>
+            <a:r>
+              <a:rPr>
+                <a:hlinkClick r:id="rId4"/>
+              </a:rPr>
+              <a:t>https://CRAN.R-project.org/package=rpart</a:t>
+            </a:r>
+            <a:r>
+              <a:rPr/>
+              <a:t> </a:t>
+            </a:r>
+          </a:p>
+          <a:p>
+            <a:pPr lvl="1">
+              <a:buAutoNum type="arabicPeriod"/>
+            </a:pPr>
+            <a:r>
+              <a:rPr/>
+              <a:t>Stephen Milborrow (2019). rpart.plot: Plot ‘rpart’ Models: An Enhanced Version of ‘plot.rpart’. R package version 3.0.8. </a:t>
+            </a:r>
+            <a:r>
+              <a:rPr>
+                <a:hlinkClick r:id="rId5"/>
+              </a:rPr>
+              <a:t>https://CRAN.R-project.org/package=rpart.plot</a:t>
+            </a:r>
+          </a:p>
+        </p:txBody>
+      </p:sp>
+    </p:spTree>
+  </p:cSld>
+</p:sld>
+</file>
+
+<file path=ppt/slides/slide7.xml><?xml version="1.0" encoding="utf-8"?>
+<p:sld xmlns:a="http://schemas.openxmlformats.org/drawingml/2006/main" xmlns:r="http://schemas.openxmlformats.org/officeDocument/2006/relationships" xmlns:p="http://schemas.openxmlformats.org/presentationml/2006/main">
+  <p:cSld>
+    <p:spTree>
+      <p:nvGrpSpPr>
+        <p:cNvPr id="1" name=""/>
+        <p:cNvGrpSpPr/>
+        <p:nvPr/>
+      </p:nvGrpSpPr>
+      <p:grpSpPr>
+        <a:xfrm>
+          <a:off x="0" y="0"/>
+          <a:ext cx="0" cy="0"/>
+          <a:chOff x="0" y="0"/>
+          <a:chExt cx="0" cy="0"/>
+        </a:xfrm>
+      </p:grpSpPr>
+      <p:sp>
+        <p:nvSpPr>
+          <p:cNvPr id="2" name="Title 1"/>
+          <p:cNvSpPr>
+            <a:spLocks noGrp="1"/>
+          </p:cNvSpPr>
+          <p:nvPr>
+            <p:ph type="title"/>
+          </p:nvPr>
+        </p:nvSpPr>
+        <p:spPr/>
+        <p:txBody>
+          <a:bodyPr/>
+          <a:lstStyle/>
+          <a:p>
+            <a:pPr lvl="0" marL="0" indent="0">
+              <a:buNone/>
+            </a:pPr>
+            <a:r>
+              <a:rPr/>
+              <a:t>Bibliographie</a:t>
+            </a:r>
+          </a:p>
+        </p:txBody>
+      </p:sp>
+      <p:sp>
+        <p:nvSpPr>
+          <p:cNvPr id="3" name="Content Placeholder 2"/>
+          <p:cNvSpPr>
+            <a:spLocks noGrp="1"/>
+          </p:cNvSpPr>
+          <p:nvPr>
+            <p:ph idx="1"/>
+          </p:nvPr>
+        </p:nvSpPr>
+        <p:spPr/>
+        <p:txBody>
+          <a:bodyPr/>
+          <a:lstStyle/>
+          <a:p>
+            <a:pPr lvl="1">
+              <a:buAutoNum type="arabicPeriod"/>
+            </a:pPr>
+            <a:r>
+              <a:rPr/>
+              <a:t>A. Liaw and M. Wiener (2002). Classification and Regression by randomForest. R News 2(3), 18–22. </a:t>
+            </a:r>
+          </a:p>
+          <a:p>
+            <a:pPr lvl="1">
+              <a:buAutoNum type="arabicPeriod"/>
+            </a:pPr>
+            <a:r>
+              <a:rPr/>
+              <a:t>Brandon Greenwell, Bradley Boehmke, Jay Cunningham and GBM Developers (2019). gbm: Generalized Boosted Regression Models. R package version 2.1.5. </a:t>
+            </a:r>
+            <a:r>
+              <a:rPr>
+                <a:hlinkClick r:id="rId2"/>
+              </a:rPr>
+              <a:t>https://CRAN.R-project.org/package=gbm</a:t>
+            </a:r>
+            <a:r>
+              <a:rPr/>
+              <a:t> </a:t>
+            </a:r>
+          </a:p>
+          <a:p>
+            <a:pPr lvl="1">
+              <a:buAutoNum type="arabicPeriod"/>
+            </a:pPr>
+            <a:r>
+              <a:rPr/>
+              <a:t>Jerome Friedman, Trevor Hastie, Robert Tibshirani (2010). Regularization Paths for Generalized Linear Models via Coordinate Descent. Journal of Statistical Software, 33(1), 1-22. URL </a:t>
+            </a:r>
+            <a:r>
+              <a:rPr>
+                <a:hlinkClick r:id="rId3"/>
+              </a:rPr>
+              <a:t>http://www.jstatsoft.org/v33/i01/</a:t>
+            </a:r>
+            <a:r>
+              <a:rPr/>
+              <a:t>. </a:t>
+            </a:r>
+          </a:p>
+          <a:p>
+            <a:pPr lvl="1">
+              <a:buAutoNum type="arabicPeriod"/>
+            </a:pPr>
+            <a:r>
+              <a:rPr/>
+              <a:t>Alina Beygelzimer, Sham Kakadet, John Langford, Sunil Arya, David Mount and Shengqiao Li (2019). FNN: Fast Nearest Neighbor Search Algorithms and Applications. R package version 1.1.3. </a:t>
+            </a:r>
+            <a:r>
+              <a:rPr>
+                <a:hlinkClick r:id="rId4"/>
+              </a:rPr>
+              <a:t>https://CRAN.R-project.org/package=FNN</a:t>
+            </a:r>
+          </a:p>
+        </p:txBody>
+      </p:sp>
+    </p:spTree>
+  </p:cSld>
+</p:sld>
+</file>
+
 <file path=ppt/theme/theme1.xml><?xml version="1.0" encoding="utf-8"?>
 <a:theme xmlns:a="http://schemas.openxmlformats.org/drawingml/2006/main" name="Facette">
   <a:themeElements>

--- a/PP.pptx
+++ b/PP.pptx
@@ -12,6 +12,18 @@
     <p:sldId id="260" r:id="rId6"/>
     <p:sldId id="261" r:id="rId7"/>
     <p:sldId id="262" r:id="rId8"/>
+    <p:sldId id="263" r:id="rId9"/>
+    <p:sldId id="264" r:id="rId10"/>
+    <p:sldId id="265" r:id="rId11"/>
+    <p:sldId id="266" r:id="rId12"/>
+    <p:sldId id="267" r:id="rId13"/>
+    <p:sldId id="268" r:id="rId14"/>
+    <p:sldId id="269" r:id="rId15"/>
+    <p:sldId id="270" r:id="rId16"/>
+    <p:sldId id="271" r:id="rId17"/>
+    <p:sldId id="272" r:id="rId18"/>
+    <p:sldId id="273" r:id="rId19"/>
+    <p:sldId id="274" r:id="rId20"/>
   </p:sldIdLst>
   <p:sldSz cx="12192000" cy="6858000"/>
   <p:notesSz cx="6858000" cy="9144000"/>
@@ -6547,6 +6559,1382 @@
 </p:sld>
 </file>
 
+<file path=ppt/slides/slide10.xml><?xml version="1.0" encoding="utf-8"?>
+<p:sld xmlns:a="http://schemas.openxmlformats.org/drawingml/2006/main" xmlns:r="http://schemas.openxmlformats.org/officeDocument/2006/relationships" xmlns:p="http://schemas.openxmlformats.org/presentationml/2006/main">
+  <p:cSld>
+    <p:spTree>
+      <p:nvGrpSpPr>
+        <p:cNvPr id="1" name=""/>
+        <p:cNvGrpSpPr/>
+        <p:nvPr/>
+      </p:nvGrpSpPr>
+      <p:grpSpPr>
+        <a:xfrm>
+          <a:off x="0" y="0"/>
+          <a:ext cx="0" cy="0"/>
+          <a:chOff x="0" y="0"/>
+          <a:chExt cx="0" cy="0"/>
+        </a:xfrm>
+      </p:grpSpPr>
+      <p:sp>
+        <p:nvSpPr>
+          <p:cNvPr id="2" name="Title 1"/>
+          <p:cNvSpPr>
+            <a:spLocks noGrp="1"/>
+          </p:cNvSpPr>
+          <p:nvPr>
+            <p:ph type="title"/>
+          </p:nvPr>
+        </p:nvSpPr>
+        <p:spPr/>
+        <p:txBody>
+          <a:bodyPr/>
+          <a:lstStyle/>
+          <a:p>
+            <a:pPr lvl="0" marL="0" indent="0">
+              <a:buNone/>
+            </a:pPr>
+            <a:r>
+              <a:rPr/>
+              <a:t>Modèles</a:t>
+            </a:r>
+            <a:r>
+              <a:rPr/>
+              <a:t> </a:t>
+            </a:r>
+            <a:r>
+              <a:rPr/>
+              <a:t>testés</a:t>
+            </a:r>
+            <a:r>
+              <a:rPr/>
+              <a:t> </a:t>
+            </a:r>
+            <a:r>
+              <a:rPr/>
+              <a:t>-</a:t>
+            </a:r>
+            <a:r>
+              <a:rPr/>
+              <a:t> </a:t>
+            </a:r>
+            <a:r>
+              <a:rPr/>
+              <a:t>Modèle</a:t>
+            </a:r>
+            <a:r>
+              <a:rPr/>
+              <a:t> </a:t>
+            </a:r>
+            <a:r>
+              <a:rPr/>
+              <a:t>des</a:t>
+            </a:r>
+            <a:r>
+              <a:rPr/>
+              <a:t> </a:t>
+            </a:r>
+            <a:r>
+              <a:rPr i="1"/>
+              <a:t>k</a:t>
+            </a:r>
+            <a:r>
+              <a:rPr/>
+              <a:t> </a:t>
+            </a:r>
+            <a:r>
+              <a:rPr/>
+              <a:t>plus</a:t>
+            </a:r>
+            <a:r>
+              <a:rPr/>
+              <a:t> </a:t>
+            </a:r>
+            <a:r>
+              <a:rPr/>
+              <a:t>proches</a:t>
+            </a:r>
+            <a:r>
+              <a:rPr/>
+              <a:t> </a:t>
+            </a:r>
+            <a:r>
+              <a:rPr/>
+              <a:t>voisins</a:t>
+            </a:r>
+          </a:p>
+        </p:txBody>
+      </p:sp>
+    </p:spTree>
+  </p:cSld>
+</p:sld>
+</file>
+
+<file path=ppt/slides/slide11.xml><?xml version="1.0" encoding="utf-8"?>
+<p:sld xmlns:a="http://schemas.openxmlformats.org/drawingml/2006/main" xmlns:r="http://schemas.openxmlformats.org/officeDocument/2006/relationships" xmlns:p="http://schemas.openxmlformats.org/presentationml/2006/main">
+  <p:cSld>
+    <p:spTree>
+      <p:nvGrpSpPr>
+        <p:cNvPr id="1" name=""/>
+        <p:cNvGrpSpPr/>
+        <p:nvPr/>
+      </p:nvGrpSpPr>
+      <p:grpSpPr>
+        <a:xfrm>
+          <a:off x="0" y="0"/>
+          <a:ext cx="0" cy="0"/>
+          <a:chOff x="0" y="0"/>
+          <a:chExt cx="0" cy="0"/>
+        </a:xfrm>
+      </p:grpSpPr>
+      <p:sp>
+        <p:nvSpPr>
+          <p:cNvPr id="2" name="Title 1"/>
+          <p:cNvSpPr>
+            <a:spLocks noGrp="1"/>
+          </p:cNvSpPr>
+          <p:nvPr>
+            <p:ph type="title"/>
+          </p:nvPr>
+        </p:nvSpPr>
+        <p:spPr/>
+        <p:txBody>
+          <a:bodyPr/>
+          <a:lstStyle/>
+          <a:p>
+            <a:pPr lvl="0" marL="0" indent="0">
+              <a:buNone/>
+            </a:pPr>
+            <a:r>
+              <a:rPr/>
+              <a:t>Modèles</a:t>
+            </a:r>
+            <a:r>
+              <a:rPr/>
+              <a:t> </a:t>
+            </a:r>
+            <a:r>
+              <a:rPr/>
+              <a:t>testés</a:t>
+            </a:r>
+            <a:r>
+              <a:rPr/>
+              <a:t> </a:t>
+            </a:r>
+            <a:r>
+              <a:rPr/>
+              <a:t>-</a:t>
+            </a:r>
+            <a:r>
+              <a:rPr/>
+              <a:t> </a:t>
+            </a:r>
+            <a:r>
+              <a:rPr/>
+              <a:t>Arbre</a:t>
+            </a:r>
+            <a:r>
+              <a:rPr/>
+              <a:t> </a:t>
+            </a:r>
+            <a:r>
+              <a:rPr/>
+              <a:t>de</a:t>
+            </a:r>
+            <a:r>
+              <a:rPr/>
+              <a:t> </a:t>
+            </a:r>
+            <a:r>
+              <a:rPr/>
+              <a:t>décision</a:t>
+            </a:r>
+          </a:p>
+        </p:txBody>
+      </p:sp>
+    </p:spTree>
+  </p:cSld>
+</p:sld>
+</file>
+
+<file path=ppt/slides/slide12.xml><?xml version="1.0" encoding="utf-8"?>
+<p:sld xmlns:a="http://schemas.openxmlformats.org/drawingml/2006/main" xmlns:r="http://schemas.openxmlformats.org/officeDocument/2006/relationships" xmlns:p="http://schemas.openxmlformats.org/presentationml/2006/main">
+  <p:cSld>
+    <p:spTree>
+      <p:nvGrpSpPr>
+        <p:cNvPr id="1" name=""/>
+        <p:cNvGrpSpPr/>
+        <p:nvPr/>
+      </p:nvGrpSpPr>
+      <p:grpSpPr>
+        <a:xfrm>
+          <a:off x="0" y="0"/>
+          <a:ext cx="0" cy="0"/>
+          <a:chOff x="0" y="0"/>
+          <a:chExt cx="0" cy="0"/>
+        </a:xfrm>
+      </p:grpSpPr>
+      <p:sp>
+        <p:nvSpPr>
+          <p:cNvPr id="2" name="Title 1"/>
+          <p:cNvSpPr>
+            <a:spLocks noGrp="1"/>
+          </p:cNvSpPr>
+          <p:nvPr>
+            <p:ph type="title"/>
+          </p:nvPr>
+        </p:nvSpPr>
+        <p:spPr/>
+        <p:txBody>
+          <a:bodyPr/>
+          <a:lstStyle/>
+          <a:p>
+            <a:pPr lvl="0" marL="0" indent="0">
+              <a:buNone/>
+            </a:pPr>
+            <a:r>
+              <a:rPr/>
+              <a:t>Modèles</a:t>
+            </a:r>
+            <a:r>
+              <a:rPr/>
+              <a:t> </a:t>
+            </a:r>
+            <a:r>
+              <a:rPr/>
+              <a:t>testés</a:t>
+            </a:r>
+            <a:r>
+              <a:rPr/>
+              <a:t> </a:t>
+            </a:r>
+            <a:r>
+              <a:rPr/>
+              <a:t>-</a:t>
+            </a:r>
+            <a:r>
+              <a:rPr/>
+              <a:t> </a:t>
+            </a:r>
+            <a:r>
+              <a:rPr/>
+              <a:t>Ensemble</a:t>
+            </a:r>
+            <a:r>
+              <a:rPr/>
+              <a:t> </a:t>
+            </a:r>
+            <a:r>
+              <a:rPr/>
+              <a:t>d’arbres</a:t>
+            </a:r>
+            <a:r>
+              <a:rPr/>
+              <a:t> </a:t>
+            </a:r>
+            <a:r>
+              <a:rPr/>
+              <a:t>de</a:t>
+            </a:r>
+            <a:r>
+              <a:rPr/>
+              <a:t> </a:t>
+            </a:r>
+            <a:r>
+              <a:rPr/>
+              <a:t>décision</a:t>
+            </a:r>
+            <a:r>
+              <a:rPr/>
+              <a:t> </a:t>
+            </a:r>
+            <a:r>
+              <a:rPr/>
+              <a:t>agrégées</a:t>
+            </a:r>
+            <a:r>
+              <a:rPr/>
+              <a:t> </a:t>
+            </a:r>
+            <a:r>
+              <a:rPr/>
+              <a:t>par</a:t>
+            </a:r>
+            <a:r>
+              <a:rPr/>
+              <a:t> </a:t>
+            </a:r>
+            <a:r>
+              <a:rPr i="1"/>
+              <a:t>bagging</a:t>
+            </a:r>
+          </a:p>
+        </p:txBody>
+      </p:sp>
+    </p:spTree>
+  </p:cSld>
+</p:sld>
+</file>
+
+<file path=ppt/slides/slide13.xml><?xml version="1.0" encoding="utf-8"?>
+<p:sld xmlns:a="http://schemas.openxmlformats.org/drawingml/2006/main" xmlns:r="http://schemas.openxmlformats.org/officeDocument/2006/relationships" xmlns:p="http://schemas.openxmlformats.org/presentationml/2006/main">
+  <p:cSld>
+    <p:spTree>
+      <p:nvGrpSpPr>
+        <p:cNvPr id="1" name=""/>
+        <p:cNvGrpSpPr/>
+        <p:nvPr/>
+      </p:nvGrpSpPr>
+      <p:grpSpPr>
+        <a:xfrm>
+          <a:off x="0" y="0"/>
+          <a:ext cx="0" cy="0"/>
+          <a:chOff x="0" y="0"/>
+          <a:chExt cx="0" cy="0"/>
+        </a:xfrm>
+      </p:grpSpPr>
+      <p:sp>
+        <p:nvSpPr>
+          <p:cNvPr id="2" name="Title 1"/>
+          <p:cNvSpPr>
+            <a:spLocks noGrp="1"/>
+          </p:cNvSpPr>
+          <p:nvPr>
+            <p:ph type="title"/>
+          </p:nvPr>
+        </p:nvSpPr>
+        <p:spPr/>
+        <p:txBody>
+          <a:bodyPr/>
+          <a:lstStyle/>
+          <a:p>
+            <a:pPr lvl="0" marL="0" indent="0">
+              <a:buNone/>
+            </a:pPr>
+            <a:r>
+              <a:rPr/>
+              <a:t>Modèle</a:t>
+            </a:r>
+            <a:r>
+              <a:rPr/>
+              <a:t> </a:t>
+            </a:r>
+            <a:r>
+              <a:rPr/>
+              <a:t>testés</a:t>
+            </a:r>
+            <a:r>
+              <a:rPr/>
+              <a:t> </a:t>
+            </a:r>
+            <a:r>
+              <a:rPr/>
+              <a:t>-</a:t>
+            </a:r>
+            <a:r>
+              <a:rPr/>
+              <a:t> </a:t>
+            </a:r>
+            <a:r>
+              <a:rPr/>
+              <a:t>Forêt</a:t>
+            </a:r>
+            <a:r>
+              <a:rPr/>
+              <a:t> </a:t>
+            </a:r>
+            <a:r>
+              <a:rPr/>
+              <a:t>aléatoire</a:t>
+            </a:r>
+          </a:p>
+        </p:txBody>
+      </p:sp>
+    </p:spTree>
+  </p:cSld>
+</p:sld>
+</file>
+
+<file path=ppt/slides/slide14.xml><?xml version="1.0" encoding="utf-8"?>
+<p:sld xmlns:a="http://schemas.openxmlformats.org/drawingml/2006/main" xmlns:r="http://schemas.openxmlformats.org/officeDocument/2006/relationships" xmlns:p="http://schemas.openxmlformats.org/presentationml/2006/main">
+  <p:cSld>
+    <p:spTree>
+      <p:nvGrpSpPr>
+        <p:cNvPr id="1" name=""/>
+        <p:cNvGrpSpPr/>
+        <p:nvPr/>
+      </p:nvGrpSpPr>
+      <p:grpSpPr>
+        <a:xfrm>
+          <a:off x="0" y="0"/>
+          <a:ext cx="0" cy="0"/>
+          <a:chOff x="0" y="0"/>
+          <a:chExt cx="0" cy="0"/>
+        </a:xfrm>
+      </p:grpSpPr>
+      <p:sp>
+        <p:nvSpPr>
+          <p:cNvPr id="2" name="Title 1"/>
+          <p:cNvSpPr>
+            <a:spLocks noGrp="1"/>
+          </p:cNvSpPr>
+          <p:nvPr>
+            <p:ph type="title"/>
+          </p:nvPr>
+        </p:nvSpPr>
+        <p:spPr/>
+        <p:txBody>
+          <a:bodyPr/>
+          <a:lstStyle/>
+          <a:p>
+            <a:pPr lvl="0" marL="0" indent="0">
+              <a:buNone/>
+            </a:pPr>
+            <a:r>
+              <a:rPr/>
+              <a:t>Modèles</a:t>
+            </a:r>
+            <a:r>
+              <a:rPr/>
+              <a:t> </a:t>
+            </a:r>
+            <a:r>
+              <a:rPr/>
+              <a:t>testés</a:t>
+            </a:r>
+            <a:r>
+              <a:rPr/>
+              <a:t> </a:t>
+            </a:r>
+            <a:r>
+              <a:rPr/>
+              <a:t>-</a:t>
+            </a:r>
+            <a:r>
+              <a:rPr/>
+              <a:t> </a:t>
+            </a:r>
+            <a:r>
+              <a:rPr/>
+              <a:t>Modèle</a:t>
+            </a:r>
+            <a:r>
+              <a:rPr/>
+              <a:t> </a:t>
+            </a:r>
+            <a:r>
+              <a:rPr/>
+              <a:t>de</a:t>
+            </a:r>
+            <a:r>
+              <a:rPr/>
+              <a:t> </a:t>
+            </a:r>
+            <a:r>
+              <a:rPr i="1"/>
+              <a:t>gradient</a:t>
+            </a:r>
+            <a:r>
+              <a:rPr i="1"/>
+              <a:t> </a:t>
+            </a:r>
+            <a:r>
+              <a:rPr i="1"/>
+              <a:t>boosting</a:t>
+            </a:r>
+          </a:p>
+        </p:txBody>
+      </p:sp>
+    </p:spTree>
+  </p:cSld>
+</p:sld>
+</file>
+
+<file path=ppt/slides/slide15.xml><?xml version="1.0" encoding="utf-8"?>
+<p:sld xmlns:a="http://schemas.openxmlformats.org/drawingml/2006/main" xmlns:r="http://schemas.openxmlformats.org/officeDocument/2006/relationships" xmlns:p="http://schemas.openxmlformats.org/presentationml/2006/main">
+  <p:cSld>
+    <p:spTree>
+      <p:nvGrpSpPr>
+        <p:cNvPr id="1" name=""/>
+        <p:cNvGrpSpPr/>
+        <p:nvPr/>
+      </p:nvGrpSpPr>
+      <p:grpSpPr>
+        <a:xfrm>
+          <a:off x="0" y="0"/>
+          <a:ext cx="0" cy="0"/>
+          <a:chOff x="0" y="0"/>
+          <a:chExt cx="0" cy="0"/>
+        </a:xfrm>
+      </p:grpSpPr>
+      <p:sp>
+        <p:nvSpPr>
+          <p:cNvPr id="2" name="Title 1"/>
+          <p:cNvSpPr>
+            <a:spLocks noGrp="1"/>
+          </p:cNvSpPr>
+          <p:nvPr>
+            <p:ph type="title"/>
+          </p:nvPr>
+        </p:nvSpPr>
+        <p:spPr/>
+        <p:txBody>
+          <a:bodyPr/>
+          <a:lstStyle/>
+          <a:p>
+            <a:pPr lvl="0" marL="0" indent="0">
+              <a:buNone/>
+            </a:pPr>
+            <a:r>
+              <a:rPr/>
+              <a:t>Comparaison</a:t>
+            </a:r>
+            <a:r>
+              <a:rPr/>
+              <a:t> </a:t>
+            </a:r>
+            <a:r>
+              <a:rPr/>
+              <a:t>des</a:t>
+            </a:r>
+            <a:r>
+              <a:rPr/>
+              <a:t> </a:t>
+            </a:r>
+            <a:r>
+              <a:rPr/>
+              <a:t>modèles</a:t>
+            </a:r>
+          </a:p>
+        </p:txBody>
+      </p:sp>
+      <p:graphicFrame>
+        <p:nvGraphicFramePr>
+          <p:cNvPr id="6" name="Content Placeholder 5"/>
+          <p:cNvGraphicFramePr>
+            <a:graphicFrameLocks noGrp="1"/>
+          </p:cNvGraphicFramePr>
+          <p:nvPr>
+            <p:ph idx="1"/>
+          </p:nvPr>
+        </p:nvGraphicFramePr>
+        <p:xfrm>
+          <a:off x="673100" y="2159000"/>
+          <a:ext cx="8585200" cy="3365500"/>
+        </p:xfrm>
+        <a:graphic>
+          <a:graphicData uri="http://schemas.openxmlformats.org/drawingml/2006/table">
+            <a:tbl>
+              <a:tblPr firstRow="1" bandRow="1">
+                <a:tableStyleId>{5C22544A-7EE6-4342-B048-85BDC9FD1C3A}</a:tableStyleId>
+              </a:tblPr>
+              <a:tblGrid>
+                <a:gridCol w="4292600"/>
+                <a:gridCol w="4292600"/>
+              </a:tblGrid>
+              <a:tr h="0">
+                <a:tc>
+                  <a:txBody>
+                    <a:bodyPr/>
+                    <a:lstStyle/>
+                    <a:p>
+                      <a:pPr lvl="0" marL="0" indent="0" algn="l">
+                        <a:buNone/>
+                      </a:pPr>
+                      <a:r>
+                        <a:rPr/>
+                        <a:t>Modèles</a:t>
+                      </a:r>
+                    </a:p>
+                  </a:txBody>
+                  <a:tcPr/>
+                </a:tc>
+                <a:tc>
+                  <a:txBody>
+                    <a:bodyPr/>
+                    <a:lstStyle/>
+                    <a:p>
+                      <a:pPr lvl="0" marL="0" indent="0" algn="r">
+                        <a:buNone/>
+                      </a:pPr>
+                      <a:r>
+                        <a:rPr/>
+                        <a:t>EQM</a:t>
+                      </a:r>
+                    </a:p>
+                  </a:txBody>
+                  <a:tcPr/>
+                </a:tc>
+              </a:tr>
+              <a:tr h="0">
+                <a:tc>
+                  <a:txBody>
+                    <a:bodyPr/>
+                    <a:lstStyle/>
+                    <a:p>
+                      <a:pPr lvl="0" marL="0" indent="0" algn="l">
+                        <a:buNone/>
+                      </a:pPr>
+                      <a:r>
+                        <a:rPr/>
+                        <a:t>Modèle</a:t>
+                      </a:r>
+                      <a:r>
+                        <a:rPr/>
+                        <a:t> </a:t>
+                      </a:r>
+                      <a:r>
+                        <a:rPr/>
+                        <a:t>de</a:t>
+                      </a:r>
+                      <a:r>
+                        <a:rPr/>
+                        <a:t> </a:t>
+                      </a:r>
+                      <a:r>
+                        <a:rPr/>
+                        <a:t>base</a:t>
+                      </a:r>
+                    </a:p>
+                  </a:txBody>
+                </a:tc>
+                <a:tc>
+                  <a:txBody>
+                    <a:bodyPr/>
+                    <a:lstStyle/>
+                    <a:p>
+                      <a:pPr lvl="0" marL="0" indent="0" algn="r">
+                        <a:buNone/>
+                      </a:pPr>
+                      <a:r>
+                        <a:rPr/>
+                        <a:t>0.05300</a:t>
+                      </a:r>
+                    </a:p>
+                  </a:txBody>
+                </a:tc>
+              </a:tr>
+              <a:tr h="0">
+                <a:tc>
+                  <a:txBody>
+                    <a:bodyPr/>
+                    <a:lstStyle/>
+                    <a:p>
+                      <a:pPr lvl="0" marL="0" indent="0" algn="l">
+                        <a:buNone/>
+                      </a:pPr>
+                      <a:r>
+                        <a:rPr/>
+                        <a:t>Modèle</a:t>
+                      </a:r>
+                      <a:r>
+                        <a:rPr/>
+                        <a:t> </a:t>
+                      </a:r>
+                      <a:r>
+                        <a:rPr/>
+                        <a:t>Lasso</a:t>
+                      </a:r>
+                    </a:p>
+                  </a:txBody>
+                </a:tc>
+                <a:tc>
+                  <a:txBody>
+                    <a:bodyPr/>
+                    <a:lstStyle/>
+                    <a:p>
+                      <a:pPr lvl="0" marL="0" indent="0" algn="r">
+                        <a:buNone/>
+                      </a:pPr>
+                      <a:r>
+                        <a:rPr/>
+                        <a:t>0.05245</a:t>
+                      </a:r>
+                    </a:p>
+                  </a:txBody>
+                </a:tc>
+              </a:tr>
+              <a:tr h="0">
+                <a:tc>
+                  <a:txBody>
+                    <a:bodyPr/>
+                    <a:lstStyle/>
+                    <a:p>
+                      <a:pPr lvl="0" marL="0" indent="0" algn="l">
+                        <a:buNone/>
+                      </a:pPr>
+                      <a:r>
+                        <a:rPr/>
+                        <a:t>K</a:t>
+                      </a:r>
+                      <a:r>
+                        <a:rPr/>
+                        <a:t> </a:t>
+                      </a:r>
+                      <a:r>
+                        <a:rPr/>
+                        <a:t>plus</a:t>
+                      </a:r>
+                      <a:r>
+                        <a:rPr/>
+                        <a:t> </a:t>
+                      </a:r>
+                      <a:r>
+                        <a:rPr/>
+                        <a:t>proches</a:t>
+                      </a:r>
+                      <a:r>
+                        <a:rPr/>
+                        <a:t> </a:t>
+                      </a:r>
+                      <a:r>
+                        <a:rPr/>
+                        <a:t>voisins</a:t>
+                      </a:r>
+                    </a:p>
+                  </a:txBody>
+                </a:tc>
+                <a:tc>
+                  <a:txBody>
+                    <a:bodyPr/>
+                    <a:lstStyle/>
+                    <a:p>
+                      <a:pPr lvl="0" marL="0" indent="0" algn="r">
+                        <a:buNone/>
+                      </a:pPr>
+                      <a:r>
+                        <a:rPr/>
+                        <a:t>0.04570</a:t>
+                      </a:r>
+                    </a:p>
+                  </a:txBody>
+                </a:tc>
+              </a:tr>
+              <a:tr h="0">
+                <a:tc>
+                  <a:txBody>
+                    <a:bodyPr/>
+                    <a:lstStyle/>
+                    <a:p>
+                      <a:pPr lvl="0" marL="0" indent="0" algn="l">
+                        <a:buNone/>
+                      </a:pPr>
+                      <a:r>
+                        <a:rPr/>
+                        <a:t>Arbre</a:t>
+                      </a:r>
+                      <a:r>
+                        <a:rPr/>
+                        <a:t> </a:t>
+                      </a:r>
+                      <a:r>
+                        <a:rPr/>
+                        <a:t>de</a:t>
+                      </a:r>
+                      <a:r>
+                        <a:rPr/>
+                        <a:t> </a:t>
+                      </a:r>
+                      <a:r>
+                        <a:rPr/>
+                        <a:t>décision</a:t>
+                      </a:r>
+                    </a:p>
+                  </a:txBody>
+                </a:tc>
+                <a:tc>
+                  <a:txBody>
+                    <a:bodyPr/>
+                    <a:lstStyle/>
+                    <a:p>
+                      <a:pPr lvl="0" marL="0" indent="0" algn="r">
+                        <a:buNone/>
+                      </a:pPr>
+                      <a:r>
+                        <a:rPr/>
+                        <a:t>0.04777</a:t>
+                      </a:r>
+                    </a:p>
+                  </a:txBody>
+                </a:tc>
+              </a:tr>
+              <a:tr h="0">
+                <a:tc>
+                  <a:txBody>
+                    <a:bodyPr/>
+                    <a:lstStyle/>
+                    <a:p>
+                      <a:pPr lvl="0" marL="0" indent="0" algn="l">
+                        <a:buNone/>
+                      </a:pPr>
+                      <a:r>
+                        <a:rPr/>
+                        <a:t>Bagging</a:t>
+                      </a:r>
+                    </a:p>
+                  </a:txBody>
+                </a:tc>
+                <a:tc>
+                  <a:txBody>
+                    <a:bodyPr/>
+                    <a:lstStyle/>
+                    <a:p>
+                      <a:pPr lvl="0" marL="0" indent="0" algn="r">
+                        <a:buNone/>
+                      </a:pPr>
+                      <a:r>
+                        <a:rPr/>
+                        <a:t>0.03352</a:t>
+                      </a:r>
+                    </a:p>
+                  </a:txBody>
+                </a:tc>
+              </a:tr>
+              <a:tr h="0">
+                <a:tc>
+                  <a:txBody>
+                    <a:bodyPr/>
+                    <a:lstStyle/>
+                    <a:p>
+                      <a:pPr lvl="0" marL="0" indent="0" algn="l">
+                        <a:buNone/>
+                      </a:pPr>
+                      <a:r>
+                        <a:rPr/>
+                        <a:t>Forêt</a:t>
+                      </a:r>
+                      <a:r>
+                        <a:rPr/>
+                        <a:t> </a:t>
+                      </a:r>
+                      <a:r>
+                        <a:rPr/>
+                        <a:t>aléatoire</a:t>
+                      </a:r>
+                    </a:p>
+                  </a:txBody>
+                </a:tc>
+                <a:tc>
+                  <a:txBody>
+                    <a:bodyPr/>
+                    <a:lstStyle/>
+                    <a:p>
+                      <a:pPr lvl="0" marL="0" indent="0" algn="r">
+                        <a:buNone/>
+                      </a:pPr>
+                      <a:r>
+                        <a:rPr/>
+                        <a:t>0.03247</a:t>
+                      </a:r>
+                    </a:p>
+                  </a:txBody>
+                </a:tc>
+              </a:tr>
+              <a:tr h="0">
+                <a:tc>
+                  <a:txBody>
+                    <a:bodyPr/>
+                    <a:lstStyle/>
+                    <a:p>
+                      <a:pPr lvl="0" marL="0" indent="0" algn="l">
+                        <a:buNone/>
+                      </a:pPr>
+                      <a:r>
+                        <a:rPr/>
+                        <a:t>Gradient</a:t>
+                      </a:r>
+                      <a:r>
+                        <a:rPr/>
+                        <a:t> </a:t>
+                      </a:r>
+                      <a:r>
+                        <a:rPr/>
+                        <a:t>boosting</a:t>
+                      </a:r>
+                      <a:r>
+                        <a:rPr/>
+                        <a:t> </a:t>
+                      </a:r>
+                      <a:r>
+                        <a:rPr/>
+                        <a:t>(GBM)</a:t>
+                      </a:r>
+                    </a:p>
+                  </a:txBody>
+                </a:tc>
+                <a:tc>
+                  <a:txBody>
+                    <a:bodyPr/>
+                    <a:lstStyle/>
+                    <a:p>
+                      <a:pPr lvl="0" marL="0" indent="0" algn="r">
+                        <a:buNone/>
+                      </a:pPr>
+                      <a:r>
+                        <a:rPr/>
+                        <a:t>3.00000</a:t>
+                      </a:r>
+                    </a:p>
+                  </a:txBody>
+                </a:tc>
+              </a:tr>
+            </a:tbl>
+          </a:graphicData>
+        </a:graphic>
+      </p:graphicFrame>
+      <p:sp>
+        <p:nvSpPr>
+          <p:cNvPr id="1" name="TextBox 3"/>
+          <p:cNvSpPr txBox="1"/>
+          <p:nvPr/>
+        </p:nvSpPr>
+        <p:spPr>
+          <a:xfrm>
+            <a:off x="673100" y="5524500"/>
+            <a:ext cx="8585200" cy="508000"/>
+          </a:xfrm>
+          <a:prstGeom prst="rect">
+            <a:avLst/>
+          </a:prstGeom>
+          <a:noFill/>
+        </p:spPr>
+        <p:txBody>
+          <a:bodyPr/>
+          <a:lstStyle/>
+          <a:p>
+            <a:pPr lvl="0" marL="0" indent="0" algn="ctr">
+              <a:buNone/>
+            </a:pPr>
+            <a:r>
+              <a:rPr/>
+              <a:t>L’EQM</a:t>
+            </a:r>
+            <a:r>
+              <a:rPr/>
+              <a:t> </a:t>
+            </a:r>
+            <a:r>
+              <a:rPr/>
+              <a:t>des</a:t>
+            </a:r>
+            <a:r>
+              <a:rPr/>
+              <a:t> </a:t>
+            </a:r>
+            <a:r>
+              <a:rPr/>
+              <a:t>sept</a:t>
+            </a:r>
+            <a:r>
+              <a:rPr/>
+              <a:t> </a:t>
+            </a:r>
+            <a:r>
+              <a:rPr/>
+              <a:t>modèles</a:t>
+            </a:r>
+            <a:r>
+              <a:rPr/>
+              <a:t> </a:t>
+            </a:r>
+            <a:r>
+              <a:rPr/>
+              <a:t>testés</a:t>
+            </a:r>
+          </a:p>
+        </p:txBody>
+      </p:sp>
+    </p:spTree>
+  </p:cSld>
+</p:sld>
+</file>
+
+<file path=ppt/slides/slide16.xml><?xml version="1.0" encoding="utf-8"?>
+<p:sld xmlns:a="http://schemas.openxmlformats.org/drawingml/2006/main" xmlns:r="http://schemas.openxmlformats.org/officeDocument/2006/relationships" xmlns:p="http://schemas.openxmlformats.org/presentationml/2006/main">
+  <p:cSld>
+    <p:spTree>
+      <p:nvGrpSpPr>
+        <p:cNvPr id="1" name=""/>
+        <p:cNvGrpSpPr/>
+        <p:nvPr/>
+      </p:nvGrpSpPr>
+      <p:grpSpPr>
+        <a:xfrm>
+          <a:off x="0" y="0"/>
+          <a:ext cx="0" cy="0"/>
+          <a:chOff x="0" y="0"/>
+          <a:chExt cx="0" cy="0"/>
+        </a:xfrm>
+      </p:grpSpPr>
+      <p:sp>
+        <p:nvSpPr>
+          <p:cNvPr id="2" name="Title 1"/>
+          <p:cNvSpPr>
+            <a:spLocks noGrp="1"/>
+          </p:cNvSpPr>
+          <p:nvPr>
+            <p:ph type="title"/>
+          </p:nvPr>
+        </p:nvSpPr>
+        <p:spPr/>
+        <p:txBody>
+          <a:bodyPr/>
+          <a:lstStyle/>
+          <a:p>
+            <a:pPr lvl="0" marL="0" indent="0">
+              <a:buNone/>
+            </a:pPr>
+            <a:r>
+              <a:rPr/>
+              <a:t>Forêt</a:t>
+            </a:r>
+            <a:r>
+              <a:rPr/>
+              <a:t> </a:t>
+            </a:r>
+            <a:r>
+              <a:rPr/>
+              <a:t>aléatoire</a:t>
+            </a:r>
+          </a:p>
+        </p:txBody>
+      </p:sp>
+    </p:spTree>
+  </p:cSld>
+</p:sld>
+</file>
+
+<file path=ppt/slides/slide17.xml><?xml version="1.0" encoding="utf-8"?>
+<p:sld xmlns:a="http://schemas.openxmlformats.org/drawingml/2006/main" xmlns:r="http://schemas.openxmlformats.org/officeDocument/2006/relationships" xmlns:p="http://schemas.openxmlformats.org/presentationml/2006/main">
+  <p:cSld>
+    <p:spTree>
+      <p:nvGrpSpPr>
+        <p:cNvPr id="1" name=""/>
+        <p:cNvGrpSpPr/>
+        <p:nvPr/>
+      </p:nvGrpSpPr>
+      <p:grpSpPr>
+        <a:xfrm>
+          <a:off x="0" y="0"/>
+          <a:ext cx="0" cy="0"/>
+          <a:chOff x="0" y="0"/>
+          <a:chExt cx="0" cy="0"/>
+        </a:xfrm>
+      </p:grpSpPr>
+      <p:sp>
+        <p:nvSpPr>
+          <p:cNvPr id="2" name="Title 1"/>
+          <p:cNvSpPr>
+            <a:spLocks noGrp="1"/>
+          </p:cNvSpPr>
+          <p:nvPr>
+            <p:ph type="title"/>
+          </p:nvPr>
+        </p:nvSpPr>
+        <p:spPr/>
+        <p:txBody>
+          <a:bodyPr/>
+          <a:lstStyle/>
+          <a:p>
+            <a:pPr lvl="0" marL="0" indent="0">
+              <a:buNone/>
+            </a:pPr>
+            <a:r>
+              <a:rPr/>
+              <a:t>Modèle</a:t>
+            </a:r>
+            <a:r>
+              <a:rPr/>
+              <a:t> </a:t>
+            </a:r>
+            <a:r>
+              <a:rPr/>
+              <a:t>de</a:t>
+            </a:r>
+            <a:r>
+              <a:rPr/>
+              <a:t> </a:t>
+            </a:r>
+            <a:r>
+              <a:rPr i="1"/>
+              <a:t>gradient</a:t>
+            </a:r>
+            <a:r>
+              <a:rPr i="1"/>
+              <a:t> </a:t>
+            </a:r>
+            <a:r>
+              <a:rPr i="1"/>
+              <a:t>boosting</a:t>
+            </a:r>
+          </a:p>
+        </p:txBody>
+      </p:sp>
+    </p:spTree>
+  </p:cSld>
+</p:sld>
+</file>
+
+<file path=ppt/slides/slide18.xml><?xml version="1.0" encoding="utf-8"?>
+<p:sld xmlns:a="http://schemas.openxmlformats.org/drawingml/2006/main" xmlns:r="http://schemas.openxmlformats.org/officeDocument/2006/relationships" xmlns:p="http://schemas.openxmlformats.org/presentationml/2006/main">
+  <p:cSld>
+    <p:spTree>
+      <p:nvGrpSpPr>
+        <p:cNvPr id="1" name=""/>
+        <p:cNvGrpSpPr/>
+        <p:nvPr/>
+      </p:nvGrpSpPr>
+      <p:grpSpPr>
+        <a:xfrm>
+          <a:off x="0" y="0"/>
+          <a:ext cx="0" cy="0"/>
+          <a:chOff x="0" y="0"/>
+          <a:chExt cx="0" cy="0"/>
+        </a:xfrm>
+      </p:grpSpPr>
+      <p:sp>
+        <p:nvSpPr>
+          <p:cNvPr id="2" name="Title 1"/>
+          <p:cNvSpPr>
+            <a:spLocks noGrp="1"/>
+          </p:cNvSpPr>
+          <p:nvPr>
+            <p:ph type="title"/>
+          </p:nvPr>
+        </p:nvSpPr>
+        <p:spPr/>
+        <p:txBody>
+          <a:bodyPr/>
+          <a:lstStyle/>
+          <a:p>
+            <a:pPr lvl="0" marL="0" indent="0">
+              <a:buNone/>
+            </a:pPr>
+            <a:r>
+              <a:rPr/>
+              <a:t>Bibliographie</a:t>
+            </a:r>
+          </a:p>
+        </p:txBody>
+      </p:sp>
+      <p:sp>
+        <p:nvSpPr>
+          <p:cNvPr id="3" name="Content Placeholder 2"/>
+          <p:cNvSpPr>
+            <a:spLocks noGrp="1"/>
+          </p:cNvSpPr>
+          <p:nvPr>
+            <p:ph idx="1"/>
+          </p:nvPr>
+        </p:nvSpPr>
+        <p:spPr/>
+        <p:txBody>
+          <a:bodyPr/>
+          <a:lstStyle/>
+          <a:p>
+            <a:pPr lvl="1">
+              <a:buAutoNum type="arabicPeriod"/>
+            </a:pPr>
+            <a:r>
+              <a:rPr/>
+              <a:t>Kaggle, harlfoxen (2017). House sales in King County, USA. Récupéré le 27 février 2020 de </a:t>
+            </a:r>
+            <a:r>
+              <a:rPr>
+                <a:hlinkClick r:id="rId2"/>
+              </a:rPr>
+              <a:t>https://www.kaggle.com/harlfoxem/housesalesprediction</a:t>
+            </a:r>
+            <a:r>
+              <a:rPr/>
+              <a:t>. </a:t>
+            </a:r>
+          </a:p>
+          <a:p>
+            <a:pPr lvl="1">
+              <a:buAutoNum type="arabicPeriod"/>
+            </a:pPr>
+            <a:r>
+              <a:rPr/>
+              <a:t>Max Kuhn (2020). caret: Classification and Regression Training. R package version 6.0-85. </a:t>
+            </a:r>
+            <a:r>
+              <a:rPr>
+                <a:hlinkClick r:id="rId3"/>
+              </a:rPr>
+              <a:t>https://CRAN.R-project.org/package=caret</a:t>
+            </a:r>
+            <a:r>
+              <a:rPr/>
+              <a:t> </a:t>
+            </a:r>
+          </a:p>
+          <a:p>
+            <a:pPr lvl="1">
+              <a:buAutoNum type="arabicPeriod"/>
+            </a:pPr>
+            <a:r>
+              <a:rPr/>
+              <a:t>Terry Therneau and Beth Atkinson (2019). rpart: Recursive Partitioning and Regression Trees. R package version 4.1-15. </a:t>
+            </a:r>
+            <a:r>
+              <a:rPr>
+                <a:hlinkClick r:id="rId4"/>
+              </a:rPr>
+              <a:t>https://CRAN.R-project.org/package=rpart</a:t>
+            </a:r>
+            <a:r>
+              <a:rPr/>
+              <a:t> </a:t>
+            </a:r>
+          </a:p>
+          <a:p>
+            <a:pPr lvl="1">
+              <a:buAutoNum type="arabicPeriod"/>
+            </a:pPr>
+            <a:r>
+              <a:rPr/>
+              <a:t>Stephen Milborrow (2019). rpart.plot: Plot ‘rpart’ Models: An Enhanced Version of ‘plot.rpart’. R package version 3.0.8. </a:t>
+            </a:r>
+            <a:r>
+              <a:rPr>
+                <a:hlinkClick r:id="rId5"/>
+              </a:rPr>
+              <a:t>https://CRAN.R-project.org/package=rpart.plot</a:t>
+            </a:r>
+          </a:p>
+        </p:txBody>
+      </p:sp>
+    </p:spTree>
+  </p:cSld>
+</p:sld>
+</file>
+
+<file path=ppt/slides/slide19.xml><?xml version="1.0" encoding="utf-8"?>
+<p:sld xmlns:a="http://schemas.openxmlformats.org/drawingml/2006/main" xmlns:r="http://schemas.openxmlformats.org/officeDocument/2006/relationships" xmlns:p="http://schemas.openxmlformats.org/presentationml/2006/main">
+  <p:cSld>
+    <p:spTree>
+      <p:nvGrpSpPr>
+        <p:cNvPr id="1" name=""/>
+        <p:cNvGrpSpPr/>
+        <p:nvPr/>
+      </p:nvGrpSpPr>
+      <p:grpSpPr>
+        <a:xfrm>
+          <a:off x="0" y="0"/>
+          <a:ext cx="0" cy="0"/>
+          <a:chOff x="0" y="0"/>
+          <a:chExt cx="0" cy="0"/>
+        </a:xfrm>
+      </p:grpSpPr>
+      <p:sp>
+        <p:nvSpPr>
+          <p:cNvPr id="2" name="Title 1"/>
+          <p:cNvSpPr>
+            <a:spLocks noGrp="1"/>
+          </p:cNvSpPr>
+          <p:nvPr>
+            <p:ph type="title"/>
+          </p:nvPr>
+        </p:nvSpPr>
+        <p:spPr/>
+        <p:txBody>
+          <a:bodyPr/>
+          <a:lstStyle/>
+          <a:p>
+            <a:pPr lvl="0" marL="0" indent="0">
+              <a:buNone/>
+            </a:pPr>
+            <a:r>
+              <a:rPr/>
+              <a:t>Bibliographie</a:t>
+            </a:r>
+          </a:p>
+        </p:txBody>
+      </p:sp>
+      <p:sp>
+        <p:nvSpPr>
+          <p:cNvPr id="3" name="Content Placeholder 2"/>
+          <p:cNvSpPr>
+            <a:spLocks noGrp="1"/>
+          </p:cNvSpPr>
+          <p:nvPr>
+            <p:ph idx="1"/>
+          </p:nvPr>
+        </p:nvSpPr>
+        <p:spPr/>
+        <p:txBody>
+          <a:bodyPr/>
+          <a:lstStyle/>
+          <a:p>
+            <a:pPr lvl="1">
+              <a:buAutoNum type="arabicPeriod"/>
+            </a:pPr>
+            <a:r>
+              <a:rPr/>
+              <a:t>A. Liaw and M. Wiener (2002). Classification and Regression by randomForest. R News 2(3), 18–22. </a:t>
+            </a:r>
+          </a:p>
+          <a:p>
+            <a:pPr lvl="1">
+              <a:buAutoNum type="arabicPeriod"/>
+            </a:pPr>
+            <a:r>
+              <a:rPr/>
+              <a:t>Brandon Greenwell, Bradley Boehmke, Jay Cunningham and GBM Developers (2019). gbm: Generalized Boosted Regression Models. R package version 2.1.5. </a:t>
+            </a:r>
+            <a:r>
+              <a:rPr>
+                <a:hlinkClick r:id="rId2"/>
+              </a:rPr>
+              <a:t>https://CRAN.R-project.org/package=gbm</a:t>
+            </a:r>
+            <a:r>
+              <a:rPr/>
+              <a:t> </a:t>
+            </a:r>
+          </a:p>
+          <a:p>
+            <a:pPr lvl="1">
+              <a:buAutoNum type="arabicPeriod"/>
+            </a:pPr>
+            <a:r>
+              <a:rPr/>
+              <a:t>Jerome Friedman, Trevor Hastie, Robert Tibshirani (2010). Regularization Paths for Generalized Linear Models via Coordinate Descent. Journal of Statistical Software, 33(1), 1-22. URL </a:t>
+            </a:r>
+            <a:r>
+              <a:rPr>
+                <a:hlinkClick r:id="rId3"/>
+              </a:rPr>
+              <a:t>http://www.jstatsoft.org/v33/i01/</a:t>
+            </a:r>
+            <a:r>
+              <a:rPr/>
+              <a:t>. </a:t>
+            </a:r>
+          </a:p>
+          <a:p>
+            <a:pPr lvl="1">
+              <a:buAutoNum type="arabicPeriod"/>
+            </a:pPr>
+            <a:r>
+              <a:rPr/>
+              <a:t>Alina Beygelzimer, Sham Kakadet, John Langford, Sunil Arya, David Mount and Shengqiao Li (2019). FNN: Fast Nearest Neighbor Search Algorithms and Applications. R package version 1.1.3. </a:t>
+            </a:r>
+            <a:r>
+              <a:rPr>
+                <a:hlinkClick r:id="rId4"/>
+              </a:rPr>
+              <a:t>https://CRAN.R-project.org/package=FNN</a:t>
+            </a:r>
+          </a:p>
+        </p:txBody>
+      </p:sp>
+    </p:spTree>
+  </p:cSld>
+</p:sld>
+</file>
+
 <file path=ppt/slides/slide2.xml><?xml version="1.0" encoding="utf-8"?>
 <p:sld xmlns:a="http://schemas.openxmlformats.org/drawingml/2006/main" xmlns:r="http://schemas.openxmlformats.org/officeDocument/2006/relationships" xmlns:p="http://schemas.openxmlformats.org/presentationml/2006/main">
   <p:cSld>
@@ -6584,67 +7972,7 @@
             </a:pPr>
             <a:r>
               <a:rPr/>
-              <a:t>R</a:t>
-            </a:r>
-            <a:r>
-              <a:rPr/>
-              <a:t> </a:t>
-            </a:r>
-            <a:r>
-              <a:rPr/>
-              <a:t>Markdown</a:t>
-            </a:r>
-          </a:p>
-        </p:txBody>
-      </p:sp>
-      <p:sp>
-        <p:nvSpPr>
-          <p:cNvPr id="3" name="Content Placeholder 2"/>
-          <p:cNvSpPr>
-            <a:spLocks noGrp="1"/>
-          </p:cNvSpPr>
-          <p:nvPr>
-            <p:ph idx="1"/>
-          </p:nvPr>
-        </p:nvSpPr>
-        <p:spPr/>
-        <p:txBody>
-          <a:bodyPr/>
-          <a:lstStyle/>
-          <a:p>
-            <a:pPr lvl="0" marL="0" indent="0">
-              <a:buNone/>
-            </a:pPr>
-            <a:r>
-              <a:rPr/>
-              <a:t>This is an R Markdown presentation. Markdown is a simple formatting syntax for authoring HTML, PDF, and MS Word documents. For more details on using R Markdown see </a:t>
-            </a:r>
-            <a:r>
-              <a:rPr>
-                <a:hlinkClick r:id="rId2"/>
-              </a:rPr>
-              <a:t>http://rmarkdown.rstudio.com</a:t>
-            </a:r>
-            <a:r>
-              <a:rPr/>
-              <a:t>.</a:t>
-            </a:r>
-          </a:p>
-          <a:p>
-            <a:pPr lvl="0" marL="0" indent="0">
-              <a:buNone/>
-            </a:pPr>
-            <a:r>
-              <a:rPr/>
-              <a:t>When you click the </a:t>
-            </a:r>
-            <a:r>
-              <a:rPr b="1"/>
-              <a:t>Knit</a:t>
-            </a:r>
-            <a:r>
-              <a:rPr/>
-              <a:t> button a document will be generated that includes both content as well as the output of any embedded R code chunks within the document.</a:t>
+              <a:t>Introduction</a:t>
             </a:r>
           </a:p>
         </p:txBody>
@@ -6691,7 +8019,7 @@
             </a:pPr>
             <a:r>
               <a:rPr/>
-              <a:t>Slide</a:t>
+              <a:t>Plan</a:t>
             </a:r>
             <a:r>
               <a:rPr/>
@@ -6699,7 +8027,7 @@
             </a:r>
             <a:r>
               <a:rPr/>
-              <a:t>with</a:t>
+              <a:t>de</a:t>
             </a:r>
             <a:r>
               <a:rPr/>
@@ -6707,7 +8035,15 @@
             </a:r>
             <a:r>
               <a:rPr/>
-              <a:t>Bullets</a:t>
+              <a:t>la</a:t>
+            </a:r>
+            <a:r>
+              <a:rPr/>
+              <a:t> </a:t>
+            </a:r>
+            <a:r>
+              <a:rPr/>
+              <a:t>présentation</a:t>
             </a:r>
           </a:p>
         </p:txBody>
@@ -6730,21 +8066,49 @@
             <a:pPr lvl="1"/>
             <a:r>
               <a:rPr/>
-              <a:t>Bullet 1</a:t>
+              <a:t>Base de données à l’étude</a:t>
             </a:r>
           </a:p>
           <a:p>
             <a:pPr lvl="1"/>
             <a:r>
               <a:rPr/>
-              <a:t>Bullet 2</a:t>
+              <a:t>Prétraitement des données</a:t>
             </a:r>
           </a:p>
           <a:p>
             <a:pPr lvl="1"/>
             <a:r>
               <a:rPr/>
-              <a:t>Bullet 3</a:t>
+              <a:t>Analyse exploratoire</a:t>
+            </a:r>
+          </a:p>
+          <a:p>
+            <a:pPr lvl="1"/>
+            <a:r>
+              <a:rPr/>
+              <a:t>Modèles testés</a:t>
+            </a:r>
+          </a:p>
+          <a:p>
+            <a:pPr lvl="1"/>
+            <a:r>
+              <a:rPr/>
+              <a:t>Comparaison des modèles</a:t>
+            </a:r>
+          </a:p>
+          <a:p>
+            <a:pPr lvl="1"/>
+            <a:r>
+              <a:rPr/>
+              <a:t>Forêt aléatoire</a:t>
+            </a:r>
+          </a:p>
+          <a:p>
+            <a:pPr lvl="1"/>
+            <a:r>
+              <a:rPr/>
+              <a:t>GBM</a:t>
             </a:r>
           </a:p>
         </p:txBody>
@@ -6791,7 +8155,7 @@
             </a:pPr>
             <a:r>
               <a:rPr/>
-              <a:t>Slide</a:t>
+              <a:t>Base</a:t>
             </a:r>
             <a:r>
               <a:rPr/>
@@ -6799,7 +8163,7 @@
             </a:r>
             <a:r>
               <a:rPr/>
-              <a:t>with</a:t>
+              <a:t>de</a:t>
             </a:r>
             <a:r>
               <a:rPr/>
@@ -6807,7 +8171,7 @@
             </a:r>
             <a:r>
               <a:rPr/>
-              <a:t>R</a:t>
+              <a:t>données</a:t>
             </a:r>
             <a:r>
               <a:rPr/>
@@ -6815,60 +8179,15 @@
             </a:r>
             <a:r>
               <a:rPr/>
-              <a:t>Output</a:t>
-            </a:r>
-          </a:p>
-        </p:txBody>
-      </p:sp>
-      <p:sp>
-        <p:nvSpPr>
-          <p:cNvPr id="3" name="Content Placeholder 2"/>
-          <p:cNvSpPr>
-            <a:spLocks noGrp="1"/>
-          </p:cNvSpPr>
-          <p:nvPr>
-            <p:ph idx="1"/>
-          </p:nvPr>
-        </p:nvSpPr>
-        <p:spPr/>
-        <p:txBody>
-          <a:bodyPr/>
-          <a:lstStyle/>
-          <a:p>
-            <a:pPr lvl="0" marL="1270000" indent="0">
-              <a:buNone/>
-            </a:pPr>
-            <a:r>
-              <a:rPr sz="1800" b="1">
-                <a:solidFill>
-                  <a:srgbClr val="007020"/>
-                </a:solidFill>
-                <a:latin typeface="Courier"/>
-              </a:rPr>
-              <a:t>summary</a:t>
-            </a:r>
-            <a:r>
-              <a:rPr sz="1800">
-                <a:latin typeface="Courier"/>
-              </a:rPr>
-              <a:t>(cars)</a:t>
-            </a:r>
-          </a:p>
-          <a:p>
-            <a:pPr lvl="0" marL="1270000" indent="0">
-              <a:buNone/>
-            </a:pPr>
-            <a:r>
-              <a:rPr sz="1800">
-                <a:latin typeface="Courier"/>
-              </a:rPr>
-              <a:t>##      speed           dist       
-##  Min.   : 4.0   Min.   :  2.00  
-##  1st Qu.:12.0   1st Qu.: 26.00  
-##  Median :15.0   Median : 36.00  
-##  Mean   :15.4   Mean   : 42.98  
-##  3rd Qu.:19.0   3rd Qu.: 56.00  
-##  Max.   :25.0   Max.   :120.00</a:t>
+              <a:t>à</a:t>
+            </a:r>
+            <a:r>
+              <a:rPr/>
+              <a:t> </a:t>
+            </a:r>
+            <a:r>
+              <a:rPr/>
+              <a:t>l’étude</a:t>
             </a:r>
           </a:p>
         </p:txBody>
@@ -6915,7 +8234,7 @@
             </a:pPr>
             <a:r>
               <a:rPr/>
-              <a:t>Slide</a:t>
+              <a:t>Prétraitement</a:t>
             </a:r>
             <a:r>
               <a:rPr/>
@@ -6923,7 +8242,7 @@
             </a:r>
             <a:r>
               <a:rPr/>
-              <a:t>with</a:t>
+              <a:t>des</a:t>
             </a:r>
             <a:r>
               <a:rPr/>
@@ -6931,7 +8250,7 @@
             </a:r>
             <a:r>
               <a:rPr/>
-              <a:t>Plot</a:t>
+              <a:t>données</a:t>
             </a:r>
           </a:p>
         </p:txBody>
@@ -7008,95 +8327,15 @@
             </a:pPr>
             <a:r>
               <a:rPr/>
-              <a:t>Bibliographie</a:t>
-            </a:r>
-          </a:p>
-        </p:txBody>
-      </p:sp>
-      <p:sp>
-        <p:nvSpPr>
-          <p:cNvPr id="3" name="Content Placeholder 2"/>
-          <p:cNvSpPr>
-            <a:spLocks noGrp="1"/>
-          </p:cNvSpPr>
-          <p:nvPr>
-            <p:ph idx="1"/>
-          </p:nvPr>
-        </p:nvSpPr>
-        <p:spPr/>
-        <p:txBody>
-          <a:bodyPr/>
-          <a:lstStyle/>
-          <a:p>
-            <a:pPr lvl="1">
-              <a:buAutoNum type="arabicPeriod"/>
-            </a:pPr>
-            <a:r>
-              <a:rPr/>
-              <a:t>Kaggle, harlfoxen (2017). House sales in King County, USA. Récupéré le 27 février 2020 de </a:t>
-            </a:r>
-            <a:r>
-              <a:rPr>
-                <a:hlinkClick r:id="rId2"/>
-              </a:rPr>
-              <a:t>https://www.kaggle.com/harlfoxem/housesalesprediction</a:t>
-            </a:r>
-            <a:r>
-              <a:rPr/>
-              <a:t>. </a:t>
-            </a:r>
-          </a:p>
-          <a:p>
-            <a:pPr lvl="1">
-              <a:buAutoNum type="arabicPeriod"/>
-            </a:pPr>
-            <a:r>
-              <a:rPr/>
-              <a:t>Max Kuhn (2020). caret: Classification and Regression Training. R package version 6.0-85. </a:t>
-            </a:r>
-            <a:r>
-              <a:rPr>
-                <a:hlinkClick r:id="rId3"/>
-              </a:rPr>
-              <a:t>https://CRAN.R-project.org/package=caret</a:t>
+              <a:t>Analyse</a:t>
             </a:r>
             <a:r>
               <a:rPr/>
               <a:t> </a:t>
             </a:r>
-          </a:p>
-          <a:p>
-            <a:pPr lvl="1">
-              <a:buAutoNum type="arabicPeriod"/>
-            </a:pPr>
-            <a:r>
-              <a:rPr/>
-              <a:t>Terry Therneau and Beth Atkinson (2019). rpart: Recursive Partitioning and Regression Trees. R package version 4.1-15. </a:t>
-            </a:r>
-            <a:r>
-              <a:rPr>
-                <a:hlinkClick r:id="rId4"/>
-              </a:rPr>
-              <a:t>https://CRAN.R-project.org/package=rpart</a:t>
-            </a:r>
-            <a:r>
-              <a:rPr/>
-              <a:t> </a:t>
-            </a:r>
-          </a:p>
-          <a:p>
-            <a:pPr lvl="1">
-              <a:buAutoNum type="arabicPeriod"/>
-            </a:pPr>
-            <a:r>
-              <a:rPr/>
-              <a:t>Stephen Milborrow (2019). rpart.plot: Plot ‘rpart’ Models: An Enhanced Version of ‘plot.rpart’. R package version 3.0.8. </a:t>
-            </a:r>
-            <a:r>
-              <a:rPr>
-                <a:hlinkClick r:id="rId5"/>
-              </a:rPr>
-              <a:t>https://CRAN.R-project.org/package=rpart.plot</a:t>
+            <a:r>
+              <a:rPr/>
+              <a:t>exploratoire</a:t>
             </a:r>
           </a:p>
         </p:txBody>
@@ -7143,7 +8382,15 @@
             </a:pPr>
             <a:r>
               <a:rPr/>
-              <a:t>Bibliographie</a:t>
+              <a:t>Modèles</a:t>
+            </a:r>
+            <a:r>
+              <a:rPr/>
+              <a:t> </a:t>
+            </a:r>
+            <a:r>
+              <a:rPr/>
+              <a:t>testés</a:t>
             </a:r>
           </a:p>
         </p:txBody>
@@ -7163,65 +8410,266 @@
           <a:bodyPr/>
           <a:lstStyle/>
           <a:p>
-            <a:pPr lvl="1">
-              <a:buAutoNum type="arabicPeriod"/>
+            <a:pPr lvl="1"/>
+            <a:r>
+              <a:rPr/>
+              <a:t>Modèle de base</a:t>
+            </a:r>
+          </a:p>
+          <a:p>
+            <a:pPr lvl="1"/>
+            <a:r>
+              <a:rPr/>
+              <a:t>Modèle linéaire généralisé avec régression Lasso</a:t>
+            </a:r>
+          </a:p>
+          <a:p>
+            <a:pPr lvl="1"/>
+            <a:r>
+              <a:rPr/>
+              <a:t>Modèle des </a:t>
+            </a:r>
+            <a:r>
+              <a:rPr i="1"/>
+              <a:t>k</a:t>
+            </a:r>
+            <a:r>
+              <a:rPr/>
+              <a:t> plus proches voisins</a:t>
+            </a:r>
+          </a:p>
+          <a:p>
+            <a:pPr lvl="1"/>
+            <a:r>
+              <a:rPr/>
+              <a:t>Arbre de décision</a:t>
+            </a:r>
+          </a:p>
+          <a:p>
+            <a:pPr lvl="1"/>
+            <a:r>
+              <a:rPr/>
+              <a:t>Ensemble d’arbres de décision agrégées par </a:t>
+            </a:r>
+            <a:r>
+              <a:rPr i="1"/>
+              <a:t>bagging</a:t>
+            </a:r>
+          </a:p>
+          <a:p>
+            <a:pPr lvl="1"/>
+            <a:r>
+              <a:rPr/>
+              <a:t>Forêt aléatoire</a:t>
+            </a:r>
+          </a:p>
+          <a:p>
+            <a:pPr lvl="1"/>
+            <a:r>
+              <a:rPr/>
+              <a:t>Modèle de </a:t>
+            </a:r>
+            <a:r>
+              <a:rPr i="1"/>
+              <a:t>gradient boosting</a:t>
+            </a:r>
+          </a:p>
+        </p:txBody>
+      </p:sp>
+    </p:spTree>
+  </p:cSld>
+</p:sld>
+</file>
+
+<file path=ppt/slides/slide8.xml><?xml version="1.0" encoding="utf-8"?>
+<p:sld xmlns:a="http://schemas.openxmlformats.org/drawingml/2006/main" xmlns:r="http://schemas.openxmlformats.org/officeDocument/2006/relationships" xmlns:p="http://schemas.openxmlformats.org/presentationml/2006/main">
+  <p:cSld>
+    <p:spTree>
+      <p:nvGrpSpPr>
+        <p:cNvPr id="1" name=""/>
+        <p:cNvGrpSpPr/>
+        <p:nvPr/>
+      </p:nvGrpSpPr>
+      <p:grpSpPr>
+        <a:xfrm>
+          <a:off x="0" y="0"/>
+          <a:ext cx="0" cy="0"/>
+          <a:chOff x="0" y="0"/>
+          <a:chExt cx="0" cy="0"/>
+        </a:xfrm>
+      </p:grpSpPr>
+      <p:sp>
+        <p:nvSpPr>
+          <p:cNvPr id="2" name="Title 1"/>
+          <p:cNvSpPr>
+            <a:spLocks noGrp="1"/>
+          </p:cNvSpPr>
+          <p:nvPr>
+            <p:ph type="title"/>
+          </p:nvPr>
+        </p:nvSpPr>
+        <p:spPr/>
+        <p:txBody>
+          <a:bodyPr/>
+          <a:lstStyle/>
+          <a:p>
+            <a:pPr lvl="0" marL="0" indent="0">
+              <a:buNone/>
             </a:pPr>
             <a:r>
               <a:rPr/>
-              <a:t>A. Liaw and M. Wiener (2002). Classification and Regression by randomForest. R News 2(3), 18–22. </a:t>
-            </a:r>
-          </a:p>
-          <a:p>
-            <a:pPr lvl="1">
-              <a:buAutoNum type="arabicPeriod"/>
+              <a:t>Modèles</a:t>
+            </a:r>
+            <a:r>
+              <a:rPr/>
+              <a:t> </a:t>
+            </a:r>
+            <a:r>
+              <a:rPr/>
+              <a:t>testés</a:t>
+            </a:r>
+            <a:r>
+              <a:rPr/>
+              <a:t> </a:t>
+            </a:r>
+            <a:r>
+              <a:rPr/>
+              <a:t>-</a:t>
+            </a:r>
+            <a:r>
+              <a:rPr/>
+              <a:t> </a:t>
+            </a:r>
+            <a:r>
+              <a:rPr/>
+              <a:t>Modèle</a:t>
+            </a:r>
+            <a:r>
+              <a:rPr/>
+              <a:t> </a:t>
+            </a:r>
+            <a:r>
+              <a:rPr/>
+              <a:t>de</a:t>
+            </a:r>
+            <a:r>
+              <a:rPr/>
+              <a:t> </a:t>
+            </a:r>
+            <a:r>
+              <a:rPr/>
+              <a:t>base</a:t>
+            </a:r>
+          </a:p>
+        </p:txBody>
+      </p:sp>
+    </p:spTree>
+  </p:cSld>
+</p:sld>
+</file>
+
+<file path=ppt/slides/slide9.xml><?xml version="1.0" encoding="utf-8"?>
+<p:sld xmlns:a="http://schemas.openxmlformats.org/drawingml/2006/main" xmlns:r="http://schemas.openxmlformats.org/officeDocument/2006/relationships" xmlns:p="http://schemas.openxmlformats.org/presentationml/2006/main">
+  <p:cSld>
+    <p:spTree>
+      <p:nvGrpSpPr>
+        <p:cNvPr id="1" name=""/>
+        <p:cNvGrpSpPr/>
+        <p:nvPr/>
+      </p:nvGrpSpPr>
+      <p:grpSpPr>
+        <a:xfrm>
+          <a:off x="0" y="0"/>
+          <a:ext cx="0" cy="0"/>
+          <a:chOff x="0" y="0"/>
+          <a:chExt cx="0" cy="0"/>
+        </a:xfrm>
+      </p:grpSpPr>
+      <p:sp>
+        <p:nvSpPr>
+          <p:cNvPr id="2" name="Title 1"/>
+          <p:cNvSpPr>
+            <a:spLocks noGrp="1"/>
+          </p:cNvSpPr>
+          <p:nvPr>
+            <p:ph type="title"/>
+          </p:nvPr>
+        </p:nvSpPr>
+        <p:spPr/>
+        <p:txBody>
+          <a:bodyPr/>
+          <a:lstStyle/>
+          <a:p>
+            <a:pPr lvl="0" marL="0" indent="0">
+              <a:buNone/>
             </a:pPr>
             <a:r>
               <a:rPr/>
-              <a:t>Brandon Greenwell, Bradley Boehmke, Jay Cunningham and GBM Developers (2019). gbm: Generalized Boosted Regression Models. R package version 2.1.5. </a:t>
-            </a:r>
-            <a:r>
-              <a:rPr>
-                <a:hlinkClick r:id="rId2"/>
-              </a:rPr>
-              <a:t>https://CRAN.R-project.org/package=gbm</a:t>
+              <a:t>Modèles</a:t>
             </a:r>
             <a:r>
               <a:rPr/>
               <a:t> </a:t>
             </a:r>
-          </a:p>
-          <a:p>
-            <a:pPr lvl="1">
-              <a:buAutoNum type="arabicPeriod"/>
-            </a:pPr>
-            <a:r>
-              <a:rPr/>
-              <a:t>Jerome Friedman, Trevor Hastie, Robert Tibshirani (2010). Regularization Paths for Generalized Linear Models via Coordinate Descent. Journal of Statistical Software, 33(1), 1-22. URL </a:t>
-            </a:r>
-            <a:r>
-              <a:rPr>
-                <a:hlinkClick r:id="rId3"/>
-              </a:rPr>
-              <a:t>http://www.jstatsoft.org/v33/i01/</a:t>
-            </a:r>
-            <a:r>
-              <a:rPr/>
-              <a:t>. </a:t>
-            </a:r>
-          </a:p>
-          <a:p>
-            <a:pPr lvl="1">
-              <a:buAutoNum type="arabicPeriod"/>
-            </a:pPr>
-            <a:r>
-              <a:rPr/>
-              <a:t>Alina Beygelzimer, Sham Kakadet, John Langford, Sunil Arya, David Mount and Shengqiao Li (2019). FNN: Fast Nearest Neighbor Search Algorithms and Applications. R package version 1.1.3. </a:t>
-            </a:r>
-            <a:r>
-              <a:rPr>
-                <a:hlinkClick r:id="rId4"/>
-              </a:rPr>
-              <a:t>https://CRAN.R-project.org/package=FNN</a:t>
+            <a:r>
+              <a:rPr/>
+              <a:t>testés</a:t>
+            </a:r>
+            <a:r>
+              <a:rPr/>
+              <a:t> </a:t>
+            </a:r>
+            <a:r>
+              <a:rPr/>
+              <a:t>-</a:t>
+            </a:r>
+            <a:r>
+              <a:rPr/>
+              <a:t> </a:t>
+            </a:r>
+            <a:r>
+              <a:rPr/>
+              <a:t>Modèle</a:t>
+            </a:r>
+            <a:r>
+              <a:rPr/>
+              <a:t> </a:t>
+            </a:r>
+            <a:r>
+              <a:rPr/>
+              <a:t>linéaire</a:t>
+            </a:r>
+            <a:r>
+              <a:rPr/>
+              <a:t> </a:t>
+            </a:r>
+            <a:r>
+              <a:rPr/>
+              <a:t>généralisé</a:t>
+            </a:r>
+            <a:r>
+              <a:rPr/>
+              <a:t> </a:t>
+            </a:r>
+            <a:r>
+              <a:rPr/>
+              <a:t>avec</a:t>
+            </a:r>
+            <a:r>
+              <a:rPr/>
+              <a:t> </a:t>
+            </a:r>
+            <a:r>
+              <a:rPr/>
+              <a:t>régression</a:t>
+            </a:r>
+            <a:r>
+              <a:rPr/>
+              <a:t> </a:t>
+            </a:r>
+            <a:r>
+              <a:rPr/>
+              <a:t>Lasso</a:t>
             </a:r>
           </a:p>
         </p:txBody>

--- a/PP.pptx
+++ b/PP.pptx
@@ -24,6 +24,10 @@
     <p:sldId id="272" r:id="rId18"/>
     <p:sldId id="273" r:id="rId19"/>
     <p:sldId id="274" r:id="rId20"/>
+    <p:sldId id="275" r:id="rId21"/>
+    <p:sldId id="276" r:id="rId22"/>
+    <p:sldId id="277" r:id="rId23"/>
+    <p:sldId id="278" r:id="rId24"/>
   </p:sldIdLst>
   <p:sldSz cx="12192000" cy="6858000"/>
   <p:notesSz cx="6858000" cy="9144000"/>
@@ -5842,536 +5846,6 @@
           <a:chExt cx="0" cy="0"/>
         </a:xfrm>
       </p:grpSpPr>
-      <p:grpSp>
-        <p:nvGrpSpPr>
-          <p:cNvPr id="7" name="Group 6"/>
-          <p:cNvGrpSpPr/>
-          <p:nvPr/>
-        </p:nvGrpSpPr>
-        <p:grpSpPr>
-          <a:xfrm>
-            <a:off x="0" y="-8467"/>
-            <a:ext cx="12192000" cy="6866467"/>
-            <a:chOff x="0" y="-8467"/>
-            <a:chExt cx="12192000" cy="6866467"/>
-          </a:xfrm>
-        </p:grpSpPr>
-        <p:cxnSp>
-          <p:nvCxnSpPr>
-            <p:cNvPr id="32" name="Straight Connector 31"/>
-            <p:cNvCxnSpPr/>
-            <p:nvPr/>
-          </p:nvCxnSpPr>
-          <p:spPr>
-            <a:xfrm>
-              <a:off x="9371012" y="0"/>
-              <a:ext cx="1219200" cy="6858000"/>
-            </a:xfrm>
-            <a:prstGeom prst="line">
-              <a:avLst/>
-            </a:prstGeom>
-            <a:ln w="9525">
-              <a:solidFill>
-                <a:schemeClr val="bg1">
-                  <a:lumMod val="75000"/>
-                </a:schemeClr>
-              </a:solidFill>
-            </a:ln>
-          </p:spPr>
-          <p:style>
-            <a:lnRef idx="2">
-              <a:schemeClr val="accent1"/>
-            </a:lnRef>
-            <a:fillRef idx="0">
-              <a:schemeClr val="accent1"/>
-            </a:fillRef>
-            <a:effectRef idx="1">
-              <a:schemeClr val="accent1"/>
-            </a:effectRef>
-            <a:fontRef idx="minor">
-              <a:schemeClr val="tx1"/>
-            </a:fontRef>
-          </p:style>
-        </p:cxnSp>
-        <p:cxnSp>
-          <p:nvCxnSpPr>
-            <p:cNvPr id="21" name="Straight Connector 20"/>
-            <p:cNvCxnSpPr/>
-            <p:nvPr/>
-          </p:nvCxnSpPr>
-          <p:spPr>
-            <a:xfrm flipH="1">
-              <a:off x="7425267" y="3681413"/>
-              <a:ext cx="4763558" cy="3176587"/>
-            </a:xfrm>
-            <a:prstGeom prst="line">
-              <a:avLst/>
-            </a:prstGeom>
-            <a:ln w="9525">
-              <a:solidFill>
-                <a:schemeClr val="bg1">
-                  <a:lumMod val="85000"/>
-                </a:schemeClr>
-              </a:solidFill>
-            </a:ln>
-          </p:spPr>
-          <p:style>
-            <a:lnRef idx="2">
-              <a:schemeClr val="accent1"/>
-            </a:lnRef>
-            <a:fillRef idx="0">
-              <a:schemeClr val="accent1"/>
-            </a:fillRef>
-            <a:effectRef idx="1">
-              <a:schemeClr val="accent1"/>
-            </a:effectRef>
-            <a:fontRef idx="minor">
-              <a:schemeClr val="tx1"/>
-            </a:fontRef>
-          </p:style>
-        </p:cxnSp>
-        <p:sp>
-          <p:nvSpPr>
-            <p:cNvPr id="24" name="Rectangle 23"/>
-            <p:cNvSpPr/>
-            <p:nvPr/>
-          </p:nvSpPr>
-          <p:spPr>
-            <a:xfrm>
-              <a:off x="9181476" y="-8467"/>
-              <a:ext cx="3007349" cy="6866467"/>
-            </a:xfrm>
-            <a:custGeom>
-              <a:avLst/>
-              <a:gdLst/>
-              <a:ahLst/>
-              <a:cxnLst/>
-              <a:rect l="l" t="t" r="r" b="b"/>
-              <a:pathLst>
-                <a:path w="3007349" h="6866467">
-                  <a:moveTo>
-                    <a:pt x="2045532" y="0"/>
-                  </a:moveTo>
-                  <a:lnTo>
-                    <a:pt x="3007349" y="0"/>
-                  </a:lnTo>
-                  <a:lnTo>
-                    <a:pt x="3007349" y="6866467"/>
-                  </a:lnTo>
-                  <a:lnTo>
-                    <a:pt x="0" y="6866467"/>
-                  </a:lnTo>
-                  <a:lnTo>
-                    <a:pt x="2045532" y="0"/>
-                  </a:lnTo>
-                  <a:close/>
-                </a:path>
-              </a:pathLst>
-            </a:custGeom>
-            <a:solidFill>
-              <a:schemeClr val="accent1">
-                <a:alpha val="30000"/>
-              </a:schemeClr>
-            </a:solidFill>
-            <a:ln>
-              <a:noFill/>
-            </a:ln>
-            <a:effectLst/>
-          </p:spPr>
-          <p:style>
-            <a:lnRef idx="1">
-              <a:schemeClr val="accent1"/>
-            </a:lnRef>
-            <a:fillRef idx="3">
-              <a:schemeClr val="accent1"/>
-            </a:fillRef>
-            <a:effectRef idx="2">
-              <a:schemeClr val="accent1"/>
-            </a:effectRef>
-            <a:fontRef idx="minor">
-              <a:schemeClr val="lt1"/>
-            </a:fontRef>
-          </p:style>
-        </p:sp>
-        <p:sp>
-          <p:nvSpPr>
-            <p:cNvPr id="26" name="Rectangle 25"/>
-            <p:cNvSpPr/>
-            <p:nvPr/>
-          </p:nvSpPr>
-          <p:spPr>
-            <a:xfrm>
-              <a:off x="9603442" y="-8467"/>
-              <a:ext cx="2588558" cy="6866467"/>
-            </a:xfrm>
-            <a:custGeom>
-              <a:avLst/>
-              <a:gdLst/>
-              <a:ahLst/>
-              <a:cxnLst/>
-              <a:rect l="l" t="t" r="r" b="b"/>
-              <a:pathLst>
-                <a:path w="2573311" h="6866467">
-                  <a:moveTo>
-                    <a:pt x="0" y="0"/>
-                  </a:moveTo>
-                  <a:lnTo>
-                    <a:pt x="2573311" y="0"/>
-                  </a:lnTo>
-                  <a:lnTo>
-                    <a:pt x="2573311" y="6866467"/>
-                  </a:lnTo>
-                  <a:lnTo>
-                    <a:pt x="1202336" y="6866467"/>
-                  </a:lnTo>
-                  <a:lnTo>
-                    <a:pt x="0" y="0"/>
-                  </a:lnTo>
-                  <a:close/>
-                </a:path>
-              </a:pathLst>
-            </a:custGeom>
-            <a:solidFill>
-              <a:schemeClr val="accent1">
-                <a:alpha val="20000"/>
-              </a:schemeClr>
-            </a:solidFill>
-            <a:ln>
-              <a:noFill/>
-            </a:ln>
-            <a:effectLst/>
-          </p:spPr>
-          <p:style>
-            <a:lnRef idx="1">
-              <a:schemeClr val="accent1"/>
-            </a:lnRef>
-            <a:fillRef idx="3">
-              <a:schemeClr val="accent1"/>
-            </a:fillRef>
-            <a:effectRef idx="2">
-              <a:schemeClr val="accent1"/>
-            </a:effectRef>
-            <a:fontRef idx="minor">
-              <a:schemeClr val="lt1"/>
-            </a:fontRef>
-          </p:style>
-        </p:sp>
-        <p:sp>
-          <p:nvSpPr>
-            <p:cNvPr id="27" name="Isosceles Triangle 26"/>
-            <p:cNvSpPr/>
-            <p:nvPr/>
-          </p:nvSpPr>
-          <p:spPr>
-            <a:xfrm>
-              <a:off x="8932333" y="3048000"/>
-              <a:ext cx="3259667" cy="3810000"/>
-            </a:xfrm>
-            <a:prstGeom prst="triangle">
-              <a:avLst>
-                <a:gd name="adj" fmla="val 100000"/>
-              </a:avLst>
-            </a:prstGeom>
-            <a:solidFill>
-              <a:schemeClr val="accent2">
-                <a:alpha val="72000"/>
-              </a:schemeClr>
-            </a:solidFill>
-            <a:ln>
-              <a:noFill/>
-            </a:ln>
-            <a:effectLst/>
-          </p:spPr>
-          <p:style>
-            <a:lnRef idx="1">
-              <a:schemeClr val="accent1"/>
-            </a:lnRef>
-            <a:fillRef idx="3">
-              <a:schemeClr val="accent1"/>
-            </a:fillRef>
-            <a:effectRef idx="2">
-              <a:schemeClr val="accent1"/>
-            </a:effectRef>
-            <a:fontRef idx="minor">
-              <a:schemeClr val="lt1"/>
-            </a:fontRef>
-          </p:style>
-        </p:sp>
-        <p:sp>
-          <p:nvSpPr>
-            <p:cNvPr id="28" name="Rectangle 27"/>
-            <p:cNvSpPr/>
-            <p:nvPr/>
-          </p:nvSpPr>
-          <p:spPr>
-            <a:xfrm>
-              <a:off x="9334500" y="-8467"/>
-              <a:ext cx="2854326" cy="6866467"/>
-            </a:xfrm>
-            <a:custGeom>
-              <a:avLst/>
-              <a:gdLst/>
-              <a:ahLst/>
-              <a:cxnLst/>
-              <a:rect l="l" t="t" r="r" b="b"/>
-              <a:pathLst>
-                <a:path w="2858013" h="6866467">
-                  <a:moveTo>
-                    <a:pt x="0" y="0"/>
-                  </a:moveTo>
-                  <a:lnTo>
-                    <a:pt x="2858013" y="0"/>
-                  </a:lnTo>
-                  <a:lnTo>
-                    <a:pt x="2858013" y="6866467"/>
-                  </a:lnTo>
-                  <a:lnTo>
-                    <a:pt x="2473942" y="6866467"/>
-                  </a:lnTo>
-                  <a:lnTo>
-                    <a:pt x="0" y="0"/>
-                  </a:lnTo>
-                  <a:close/>
-                </a:path>
-              </a:pathLst>
-            </a:custGeom>
-            <a:solidFill>
-              <a:schemeClr val="accent2">
-                <a:lumMod val="75000"/>
-                <a:alpha val="70000"/>
-              </a:schemeClr>
-            </a:solidFill>
-            <a:ln>
-              <a:noFill/>
-            </a:ln>
-            <a:effectLst/>
-          </p:spPr>
-          <p:style>
-            <a:lnRef idx="1">
-              <a:schemeClr val="accent1"/>
-            </a:lnRef>
-            <a:fillRef idx="3">
-              <a:schemeClr val="accent1"/>
-            </a:fillRef>
-            <a:effectRef idx="2">
-              <a:schemeClr val="accent1"/>
-            </a:effectRef>
-            <a:fontRef idx="minor">
-              <a:schemeClr val="lt1"/>
-            </a:fontRef>
-          </p:style>
-        </p:sp>
-        <p:sp>
-          <p:nvSpPr>
-            <p:cNvPr id="29" name="Rectangle 28"/>
-            <p:cNvSpPr/>
-            <p:nvPr/>
-          </p:nvSpPr>
-          <p:spPr>
-            <a:xfrm>
-              <a:off x="10898730" y="-8467"/>
-              <a:ext cx="1290094" cy="6866467"/>
-            </a:xfrm>
-            <a:custGeom>
-              <a:avLst/>
-              <a:gdLst/>
-              <a:ahLst/>
-              <a:cxnLst/>
-              <a:rect l="l" t="t" r="r" b="b"/>
-              <a:pathLst>
-                <a:path w="1290094" h="6858000">
-                  <a:moveTo>
-                    <a:pt x="1019735" y="0"/>
-                  </a:moveTo>
-                  <a:lnTo>
-                    <a:pt x="1290094" y="0"/>
-                  </a:lnTo>
-                  <a:lnTo>
-                    <a:pt x="1290094" y="6858000"/>
-                  </a:lnTo>
-                  <a:lnTo>
-                    <a:pt x="0" y="6858000"/>
-                  </a:lnTo>
-                  <a:lnTo>
-                    <a:pt x="1019735" y="0"/>
-                  </a:lnTo>
-                  <a:close/>
-                </a:path>
-              </a:pathLst>
-            </a:custGeom>
-            <a:solidFill>
-              <a:schemeClr val="accent1">
-                <a:lumMod val="60000"/>
-                <a:lumOff val="40000"/>
-                <a:alpha val="70000"/>
-              </a:schemeClr>
-            </a:solidFill>
-            <a:ln>
-              <a:noFill/>
-            </a:ln>
-            <a:effectLst/>
-          </p:spPr>
-          <p:style>
-            <a:lnRef idx="1">
-              <a:schemeClr val="accent1"/>
-            </a:lnRef>
-            <a:fillRef idx="3">
-              <a:schemeClr val="accent1"/>
-            </a:fillRef>
-            <a:effectRef idx="2">
-              <a:schemeClr val="accent1"/>
-            </a:effectRef>
-            <a:fontRef idx="minor">
-              <a:schemeClr val="lt1"/>
-            </a:fontRef>
-          </p:style>
-        </p:sp>
-        <p:sp>
-          <p:nvSpPr>
-            <p:cNvPr id="30" name="Rectangle 29"/>
-            <p:cNvSpPr/>
-            <p:nvPr/>
-          </p:nvSpPr>
-          <p:spPr>
-            <a:xfrm>
-              <a:off x="10938999" y="-8467"/>
-              <a:ext cx="1249825" cy="6866467"/>
-            </a:xfrm>
-            <a:custGeom>
-              <a:avLst/>
-              <a:gdLst/>
-              <a:ahLst/>
-              <a:cxnLst/>
-              <a:rect l="l" t="t" r="r" b="b"/>
-              <a:pathLst>
-                <a:path w="1249825" h="6858000">
-                  <a:moveTo>
-                    <a:pt x="0" y="0"/>
-                  </a:moveTo>
-                  <a:lnTo>
-                    <a:pt x="1249825" y="0"/>
-                  </a:lnTo>
-                  <a:lnTo>
-                    <a:pt x="1249825" y="6858000"/>
-                  </a:lnTo>
-                  <a:lnTo>
-                    <a:pt x="1109382" y="6858000"/>
-                  </a:lnTo>
-                  <a:lnTo>
-                    <a:pt x="0" y="0"/>
-                  </a:lnTo>
-                  <a:close/>
-                </a:path>
-              </a:pathLst>
-            </a:custGeom>
-            <a:solidFill>
-              <a:schemeClr val="accent1">
-                <a:alpha val="65000"/>
-              </a:schemeClr>
-            </a:solidFill>
-            <a:ln>
-              <a:noFill/>
-            </a:ln>
-            <a:effectLst/>
-          </p:spPr>
-          <p:style>
-            <a:lnRef idx="1">
-              <a:schemeClr val="accent1"/>
-            </a:lnRef>
-            <a:fillRef idx="3">
-              <a:schemeClr val="accent1"/>
-            </a:fillRef>
-            <a:effectRef idx="2">
-              <a:schemeClr val="accent1"/>
-            </a:effectRef>
-            <a:fontRef idx="minor">
-              <a:schemeClr val="lt1"/>
-            </a:fontRef>
-          </p:style>
-        </p:sp>
-        <p:sp>
-          <p:nvSpPr>
-            <p:cNvPr id="31" name="Isosceles Triangle 30"/>
-            <p:cNvSpPr/>
-            <p:nvPr/>
-          </p:nvSpPr>
-          <p:spPr>
-            <a:xfrm>
-              <a:off x="10371666" y="3589867"/>
-              <a:ext cx="1817159" cy="3268133"/>
-            </a:xfrm>
-            <a:prstGeom prst="triangle">
-              <a:avLst>
-                <a:gd name="adj" fmla="val 100000"/>
-              </a:avLst>
-            </a:prstGeom>
-            <a:solidFill>
-              <a:schemeClr val="accent1">
-                <a:alpha val="80000"/>
-              </a:schemeClr>
-            </a:solidFill>
-            <a:ln>
-              <a:noFill/>
-            </a:ln>
-            <a:effectLst/>
-          </p:spPr>
-          <p:style>
-            <a:lnRef idx="1">
-              <a:schemeClr val="accent1"/>
-            </a:lnRef>
-            <a:fillRef idx="3">
-              <a:schemeClr val="accent1"/>
-            </a:fillRef>
-            <a:effectRef idx="2">
-              <a:schemeClr val="accent1"/>
-            </a:effectRef>
-            <a:fontRef idx="minor">
-              <a:schemeClr val="lt1"/>
-            </a:fontRef>
-          </p:style>
-        </p:sp>
-        <p:sp>
-          <p:nvSpPr>
-            <p:cNvPr id="19" name="Isosceles Triangle 18"/>
-            <p:cNvSpPr/>
-            <p:nvPr/>
-          </p:nvSpPr>
-          <p:spPr>
-            <a:xfrm rot="10800000">
-              <a:off x="0" y="0"/>
-              <a:ext cx="842596" cy="5666154"/>
-            </a:xfrm>
-            <a:prstGeom prst="triangle">
-              <a:avLst>
-                <a:gd name="adj" fmla="val 100000"/>
-              </a:avLst>
-            </a:prstGeom>
-            <a:solidFill>
-              <a:schemeClr val="accent1">
-                <a:alpha val="85000"/>
-              </a:schemeClr>
-            </a:solidFill>
-            <a:ln>
-              <a:noFill/>
-            </a:ln>
-            <a:effectLst/>
-          </p:spPr>
-          <p:style>
-            <a:lnRef idx="1">
-              <a:schemeClr val="accent1"/>
-            </a:lnRef>
-            <a:fillRef idx="3">
-              <a:schemeClr val="accent1"/>
-            </a:fillRef>
-            <a:effectRef idx="2">
-              <a:schemeClr val="accent1"/>
-            </a:effectRef>
-            <a:fontRef idx="minor">
-              <a:schemeClr val="lt1"/>
-            </a:fontRef>
-          </p:style>
-        </p:sp>
-      </p:grpSp>
       <p:sp>
         <p:nvSpPr>
           <p:cNvPr id="2" name="Title 1"/>
@@ -6628,39 +6102,39 @@
             </a:r>
             <a:r>
               <a:rPr/>
-              <a:t>des</a:t>
-            </a:r>
-            <a:r>
-              <a:rPr/>
-              <a:t> </a:t>
-            </a:r>
-            <a:r>
-              <a:rPr i="1"/>
-              <a:t>k</a:t>
-            </a:r>
-            <a:r>
-              <a:rPr/>
-              <a:t> </a:t>
-            </a:r>
-            <a:r>
-              <a:rPr/>
-              <a:t>plus</a:t>
-            </a:r>
-            <a:r>
-              <a:rPr/>
-              <a:t> </a:t>
-            </a:r>
-            <a:r>
-              <a:rPr/>
-              <a:t>proches</a:t>
-            </a:r>
-            <a:r>
-              <a:rPr/>
-              <a:t> </a:t>
-            </a:r>
-            <a:r>
-              <a:rPr/>
-              <a:t>voisins</a:t>
+              <a:t>linéaire</a:t>
+            </a:r>
+            <a:r>
+              <a:rPr/>
+              <a:t> </a:t>
+            </a:r>
+            <a:r>
+              <a:rPr/>
+              <a:t>généralisé</a:t>
+            </a:r>
+            <a:r>
+              <a:rPr/>
+              <a:t> </a:t>
+            </a:r>
+            <a:r>
+              <a:rPr/>
+              <a:t>avec</a:t>
+            </a:r>
+            <a:r>
+              <a:rPr/>
+              <a:t> </a:t>
+            </a:r>
+            <a:r>
+              <a:rPr/>
+              <a:t>régression</a:t>
+            </a:r>
+            <a:r>
+              <a:rPr/>
+              <a:t> </a:t>
+            </a:r>
+            <a:r>
+              <a:rPr/>
+              <a:t>Lasso</a:t>
             </a:r>
           </a:p>
         </p:txBody>
@@ -6731,23 +6205,47 @@
             </a:r>
             <a:r>
               <a:rPr/>
-              <a:t>Arbre</a:t>
-            </a:r>
-            <a:r>
-              <a:rPr/>
-              <a:t> </a:t>
-            </a:r>
-            <a:r>
-              <a:rPr/>
-              <a:t>de</a:t>
-            </a:r>
-            <a:r>
-              <a:rPr/>
-              <a:t> </a:t>
-            </a:r>
-            <a:r>
-              <a:rPr/>
-              <a:t>décision</a:t>
+              <a:t>Modèle</a:t>
+            </a:r>
+            <a:r>
+              <a:rPr/>
+              <a:t> </a:t>
+            </a:r>
+            <a:r>
+              <a:rPr/>
+              <a:t>des</a:t>
+            </a:r>
+            <a:r>
+              <a:rPr/>
+              <a:t> </a:t>
+            </a:r>
+            <a:r>
+              <a:rPr i="1"/>
+              <a:t>k</a:t>
+            </a:r>
+            <a:r>
+              <a:rPr/>
+              <a:t> </a:t>
+            </a:r>
+            <a:r>
+              <a:rPr/>
+              <a:t>plus</a:t>
+            </a:r>
+            <a:r>
+              <a:rPr/>
+              <a:t> </a:t>
+            </a:r>
+            <a:r>
+              <a:rPr/>
+              <a:t>proches</a:t>
+            </a:r>
+            <a:r>
+              <a:rPr/>
+              <a:t> </a:t>
+            </a:r>
+            <a:r>
+              <a:rPr/>
+              <a:t>voisins</a:t>
             </a:r>
           </a:p>
         </p:txBody>
@@ -6818,15 +6316,7 @@
             </a:r>
             <a:r>
               <a:rPr/>
-              <a:t>Ensemble</a:t>
-            </a:r>
-            <a:r>
-              <a:rPr/>
-              <a:t> </a:t>
-            </a:r>
-            <a:r>
-              <a:rPr/>
-              <a:t>d’arbres</a:t>
+              <a:t>Arbre</a:t>
             </a:r>
             <a:r>
               <a:rPr/>
@@ -6843,30 +6333,6 @@
             <a:r>
               <a:rPr/>
               <a:t>décision</a:t>
-            </a:r>
-            <a:r>
-              <a:rPr/>
-              <a:t> </a:t>
-            </a:r>
-            <a:r>
-              <a:rPr/>
-              <a:t>agrégées</a:t>
-            </a:r>
-            <a:r>
-              <a:rPr/>
-              <a:t> </a:t>
-            </a:r>
-            <a:r>
-              <a:rPr/>
-              <a:t>par</a:t>
-            </a:r>
-            <a:r>
-              <a:rPr/>
-              <a:t> </a:t>
-            </a:r>
-            <a:r>
-              <a:rPr i="1"/>
-              <a:t>bagging</a:t>
             </a:r>
           </a:p>
         </p:txBody>
@@ -6913,7 +6379,7 @@
             </a:pPr>
             <a:r>
               <a:rPr/>
-              <a:t>Modèle</a:t>
+              <a:t>Modèles</a:t>
             </a:r>
             <a:r>
               <a:rPr/>
@@ -6937,15 +6403,55 @@
             </a:r>
             <a:r>
               <a:rPr/>
-              <a:t>Forêt</a:t>
-            </a:r>
-            <a:r>
-              <a:rPr/>
-              <a:t> </a:t>
-            </a:r>
-            <a:r>
-              <a:rPr/>
-              <a:t>aléatoire</a:t>
+              <a:t>Ensemble</a:t>
+            </a:r>
+            <a:r>
+              <a:rPr/>
+              <a:t> </a:t>
+            </a:r>
+            <a:r>
+              <a:rPr/>
+              <a:t>d’arbres</a:t>
+            </a:r>
+            <a:r>
+              <a:rPr/>
+              <a:t> </a:t>
+            </a:r>
+            <a:r>
+              <a:rPr/>
+              <a:t>de</a:t>
+            </a:r>
+            <a:r>
+              <a:rPr/>
+              <a:t> </a:t>
+            </a:r>
+            <a:r>
+              <a:rPr/>
+              <a:t>décision</a:t>
+            </a:r>
+            <a:r>
+              <a:rPr/>
+              <a:t> </a:t>
+            </a:r>
+            <a:r>
+              <a:rPr/>
+              <a:t>agrégées</a:t>
+            </a:r>
+            <a:r>
+              <a:rPr/>
+              <a:t> </a:t>
+            </a:r>
+            <a:r>
+              <a:rPr/>
+              <a:t>par</a:t>
+            </a:r>
+            <a:r>
+              <a:rPr/>
+              <a:t> </a:t>
+            </a:r>
+            <a:r>
+              <a:rPr i="1"/>
+              <a:t>bagging</a:t>
             </a:r>
           </a:p>
         </p:txBody>
@@ -6992,7 +6498,7 @@
             </a:pPr>
             <a:r>
               <a:rPr/>
-              <a:t>Modèles</a:t>
+              <a:t>Modèle</a:t>
             </a:r>
             <a:r>
               <a:rPr/>
@@ -7016,31 +6522,15 @@
             </a:r>
             <a:r>
               <a:rPr/>
-              <a:t>Modèle</a:t>
-            </a:r>
-            <a:r>
-              <a:rPr/>
-              <a:t> </a:t>
-            </a:r>
-            <a:r>
-              <a:rPr/>
-              <a:t>de</a:t>
-            </a:r>
-            <a:r>
-              <a:rPr/>
-              <a:t> </a:t>
-            </a:r>
-            <a:r>
-              <a:rPr i="1"/>
-              <a:t>gradient</a:t>
-            </a:r>
-            <a:r>
-              <a:rPr i="1"/>
-              <a:t> </a:t>
-            </a:r>
-            <a:r>
-              <a:rPr i="1"/>
-              <a:t>boosting</a:t>
+              <a:t>Forêt</a:t>
+            </a:r>
+            <a:r>
+              <a:rPr/>
+              <a:t> </a:t>
+            </a:r>
+            <a:r>
+              <a:rPr/>
+              <a:t>aléatoire</a:t>
             </a:r>
           </a:p>
         </p:txBody>
@@ -7051,6 +6541,101 @@
 </file>
 
 <file path=ppt/slides/slide15.xml><?xml version="1.0" encoding="utf-8"?>
+<p:sld xmlns:a="http://schemas.openxmlformats.org/drawingml/2006/main" xmlns:r="http://schemas.openxmlformats.org/officeDocument/2006/relationships" xmlns:p="http://schemas.openxmlformats.org/presentationml/2006/main">
+  <p:cSld>
+    <p:spTree>
+      <p:nvGrpSpPr>
+        <p:cNvPr id="1" name=""/>
+        <p:cNvGrpSpPr/>
+        <p:nvPr/>
+      </p:nvGrpSpPr>
+      <p:grpSpPr>
+        <a:xfrm>
+          <a:off x="0" y="0"/>
+          <a:ext cx="0" cy="0"/>
+          <a:chOff x="0" y="0"/>
+          <a:chExt cx="0" cy="0"/>
+        </a:xfrm>
+      </p:grpSpPr>
+      <p:sp>
+        <p:nvSpPr>
+          <p:cNvPr id="2" name="Title 1"/>
+          <p:cNvSpPr>
+            <a:spLocks noGrp="1"/>
+          </p:cNvSpPr>
+          <p:nvPr>
+            <p:ph type="title"/>
+          </p:nvPr>
+        </p:nvSpPr>
+        <p:spPr/>
+        <p:txBody>
+          <a:bodyPr/>
+          <a:lstStyle/>
+          <a:p>
+            <a:pPr lvl="0" marL="0" indent="0">
+              <a:buNone/>
+            </a:pPr>
+            <a:r>
+              <a:rPr/>
+              <a:t>Modèles</a:t>
+            </a:r>
+            <a:r>
+              <a:rPr/>
+              <a:t> </a:t>
+            </a:r>
+            <a:r>
+              <a:rPr/>
+              <a:t>testés</a:t>
+            </a:r>
+            <a:r>
+              <a:rPr/>
+              <a:t> </a:t>
+            </a:r>
+            <a:r>
+              <a:rPr/>
+              <a:t>-</a:t>
+            </a:r>
+            <a:r>
+              <a:rPr/>
+              <a:t> </a:t>
+            </a:r>
+            <a:r>
+              <a:rPr/>
+              <a:t>Modèle</a:t>
+            </a:r>
+            <a:r>
+              <a:rPr/>
+              <a:t> </a:t>
+            </a:r>
+            <a:r>
+              <a:rPr/>
+              <a:t>de</a:t>
+            </a:r>
+            <a:r>
+              <a:rPr/>
+              <a:t> </a:t>
+            </a:r>
+            <a:r>
+              <a:rPr i="1"/>
+              <a:t>gradient</a:t>
+            </a:r>
+            <a:r>
+              <a:rPr i="1"/>
+              <a:t> </a:t>
+            </a:r>
+            <a:r>
+              <a:rPr i="1"/>
+              <a:t>boosting</a:t>
+            </a:r>
+          </a:p>
+        </p:txBody>
+      </p:sp>
+    </p:spTree>
+  </p:cSld>
+</p:sld>
+</file>
+
+<file path=ppt/slides/slide16.xml><?xml version="1.0" encoding="utf-8"?>
 <p:sld xmlns:a="http://schemas.openxmlformats.org/drawingml/2006/main" xmlns:r="http://schemas.openxmlformats.org/officeDocument/2006/relationships" xmlns:p="http://schemas.openxmlformats.org/presentationml/2006/main">
   <p:cSld>
     <p:spTree>
@@ -7352,7 +6937,7 @@
                       </a:pPr>
                       <a:r>
                         <a:rPr/>
-                        <a:t>0.04777</a:t>
+                        <a:t>0.04962</a:t>
                       </a:r>
                     </a:p>
                   </a:txBody>
@@ -7384,7 +6969,7 @@
                       </a:pPr>
                       <a:r>
                         <a:rPr/>
-                        <a:t>0.03352</a:t>
+                        <a:t>0.03350</a:t>
                       </a:r>
                     </a:p>
                   </a:txBody>
@@ -7424,7 +7009,7 @@
                       </a:pPr>
                       <a:r>
                         <a:rPr/>
-                        <a:t>0.03247</a:t>
+                        <a:t>0.03253</a:t>
                       </a:r>
                     </a:p>
                   </a:txBody>
@@ -7549,61 +7134,6 @@
 </p:sld>
 </file>
 
-<file path=ppt/slides/slide16.xml><?xml version="1.0" encoding="utf-8"?>
-<p:sld xmlns:a="http://schemas.openxmlformats.org/drawingml/2006/main" xmlns:r="http://schemas.openxmlformats.org/officeDocument/2006/relationships" xmlns:p="http://schemas.openxmlformats.org/presentationml/2006/main">
-  <p:cSld>
-    <p:spTree>
-      <p:nvGrpSpPr>
-        <p:cNvPr id="1" name=""/>
-        <p:cNvGrpSpPr/>
-        <p:nvPr/>
-      </p:nvGrpSpPr>
-      <p:grpSpPr>
-        <a:xfrm>
-          <a:off x="0" y="0"/>
-          <a:ext cx="0" cy="0"/>
-          <a:chOff x="0" y="0"/>
-          <a:chExt cx="0" cy="0"/>
-        </a:xfrm>
-      </p:grpSpPr>
-      <p:sp>
-        <p:nvSpPr>
-          <p:cNvPr id="2" name="Title 1"/>
-          <p:cNvSpPr>
-            <a:spLocks noGrp="1"/>
-          </p:cNvSpPr>
-          <p:nvPr>
-            <p:ph type="title"/>
-          </p:nvPr>
-        </p:nvSpPr>
-        <p:spPr/>
-        <p:txBody>
-          <a:bodyPr/>
-          <a:lstStyle/>
-          <a:p>
-            <a:pPr lvl="0" marL="0" indent="0">
-              <a:buNone/>
-            </a:pPr>
-            <a:r>
-              <a:rPr/>
-              <a:t>Forêt</a:t>
-            </a:r>
-            <a:r>
-              <a:rPr/>
-              <a:t> </a:t>
-            </a:r>
-            <a:r>
-              <a:rPr/>
-              <a:t>aléatoire</a:t>
-            </a:r>
-          </a:p>
-        </p:txBody>
-      </p:sp>
-    </p:spTree>
-  </p:cSld>
-</p:sld>
-</file>
-
 <file path=ppt/slides/slide17.xml><?xml version="1.0" encoding="utf-8"?>
 <p:sld xmlns:a="http://schemas.openxmlformats.org/drawingml/2006/main" xmlns:r="http://schemas.openxmlformats.org/officeDocument/2006/relationships" xmlns:p="http://schemas.openxmlformats.org/presentationml/2006/main">
   <p:cSld>
@@ -7641,35 +7171,49 @@
             </a:pPr>
             <a:r>
               <a:rPr/>
-              <a:t>Modèle</a:t>
-            </a:r>
-            <a:r>
-              <a:rPr/>
-              <a:t> </a:t>
-            </a:r>
-            <a:r>
-              <a:rPr/>
-              <a:t>de</a:t>
-            </a:r>
-            <a:r>
-              <a:rPr/>
-              <a:t> </a:t>
-            </a:r>
-            <a:r>
-              <a:rPr i="1"/>
-              <a:t>gradient</a:t>
-            </a:r>
-            <a:r>
-              <a:rPr i="1"/>
-              <a:t> </a:t>
-            </a:r>
-            <a:r>
-              <a:rPr i="1"/>
-              <a:t>boosting</a:t>
-            </a:r>
-          </a:p>
-        </p:txBody>
-      </p:sp>
+              <a:t>Forêt</a:t>
+            </a:r>
+            <a:r>
+              <a:rPr/>
+              <a:t> </a:t>
+            </a:r>
+            <a:r>
+              <a:rPr/>
+              <a:t>aléatoire</a:t>
+            </a:r>
+          </a:p>
+        </p:txBody>
+      </p:sp>
+      <p:pic>
+        <p:nvPicPr>
+          <p:cNvPr descr="PP_files/figure-pptx/unnamed-chunk-3-1.png" id="0" name="Picture 1"/>
+          <p:cNvPicPr>
+            <a:picLocks noGrp="1" noChangeAspect="1"/>
+          </p:cNvPicPr>
+          <p:nvPr/>
+        </p:nvPicPr>
+        <p:blipFill>
+          <a:blip r:embed="rId2"/>
+          <a:stretch>
+            <a:fillRect/>
+          </a:stretch>
+        </p:blipFill>
+        <p:spPr bwMode="auto">
+          <a:xfrm>
+            <a:off x="2540000" y="2159000"/>
+            <a:ext cx="4838700" cy="3873500"/>
+          </a:xfrm>
+          <a:prstGeom prst="rect">
+            <a:avLst/>
+          </a:prstGeom>
+          <a:noFill/>
+          <a:ln w="9525">
+            <a:noFill/>
+            <a:headEnd/>
+            <a:tailEnd/>
+          </a:ln>
+        </p:spPr>
+      </p:pic>
     </p:spTree>
   </p:cSld>
 </p:sld>
@@ -7712,95 +7256,23 @@
             </a:pPr>
             <a:r>
               <a:rPr/>
-              <a:t>Bibliographie</a:t>
-            </a:r>
-          </a:p>
-        </p:txBody>
-      </p:sp>
-      <p:sp>
-        <p:nvSpPr>
-          <p:cNvPr id="3" name="Content Placeholder 2"/>
-          <p:cNvSpPr>
-            <a:spLocks noGrp="1"/>
-          </p:cNvSpPr>
-          <p:nvPr>
-            <p:ph idx="1"/>
-          </p:nvPr>
-        </p:nvSpPr>
-        <p:spPr/>
-        <p:txBody>
-          <a:bodyPr/>
-          <a:lstStyle/>
-          <a:p>
-            <a:pPr lvl="1">
-              <a:buAutoNum type="arabicPeriod"/>
-            </a:pPr>
-            <a:r>
-              <a:rPr/>
-              <a:t>Kaggle, harlfoxen (2017). House sales in King County, USA. Récupéré le 27 février 2020 de </a:t>
-            </a:r>
-            <a:r>
-              <a:rPr>
-                <a:hlinkClick r:id="rId2"/>
-              </a:rPr>
-              <a:t>https://www.kaggle.com/harlfoxem/housesalesprediction</a:t>
-            </a:r>
-            <a:r>
-              <a:rPr/>
-              <a:t>. </a:t>
-            </a:r>
-          </a:p>
-          <a:p>
-            <a:pPr lvl="1">
-              <a:buAutoNum type="arabicPeriod"/>
-            </a:pPr>
-            <a:r>
-              <a:rPr/>
-              <a:t>Max Kuhn (2020). caret: Classification and Regression Training. R package version 6.0-85. </a:t>
-            </a:r>
-            <a:r>
-              <a:rPr>
-                <a:hlinkClick r:id="rId3"/>
-              </a:rPr>
-              <a:t>https://CRAN.R-project.org/package=caret</a:t>
-            </a:r>
-            <a:r>
-              <a:rPr/>
-              <a:t> </a:t>
-            </a:r>
-          </a:p>
-          <a:p>
-            <a:pPr lvl="1">
-              <a:buAutoNum type="arabicPeriod"/>
-            </a:pPr>
-            <a:r>
-              <a:rPr/>
-              <a:t>Terry Therneau and Beth Atkinson (2019). rpart: Recursive Partitioning and Regression Trees. R package version 4.1-15. </a:t>
-            </a:r>
-            <a:r>
-              <a:rPr>
-                <a:hlinkClick r:id="rId4"/>
-              </a:rPr>
-              <a:t>https://CRAN.R-project.org/package=rpart</a:t>
-            </a:r>
-            <a:r>
-              <a:rPr/>
-              <a:t> </a:t>
-            </a:r>
-          </a:p>
-          <a:p>
-            <a:pPr lvl="1">
-              <a:buAutoNum type="arabicPeriod"/>
-            </a:pPr>
-            <a:r>
-              <a:rPr/>
-              <a:t>Stephen Milborrow (2019). rpart.plot: Plot ‘rpart’ Models: An Enhanced Version of ‘plot.rpart’. R package version 3.0.8. </a:t>
-            </a:r>
-            <a:r>
-              <a:rPr>
-                <a:hlinkClick r:id="rId5"/>
-              </a:rPr>
-              <a:t>https://CRAN.R-project.org/package=rpart.plot</a:t>
+              <a:t>Forêt</a:t>
+            </a:r>
+            <a:r>
+              <a:rPr/>
+              <a:t> </a:t>
+            </a:r>
+            <a:r>
+              <a:rPr/>
+              <a:t>aléatoire</a:t>
+            </a:r>
+            <a:r>
+              <a:rPr/>
+              <a:t> </a:t>
+            </a:r>
+            <a:r>
+              <a:rPr/>
+              <a:t>(suite)</a:t>
             </a:r>
           </a:p>
         </p:txBody>
@@ -7847,85 +7319,23 @@
             </a:pPr>
             <a:r>
               <a:rPr/>
-              <a:t>Bibliographie</a:t>
-            </a:r>
-          </a:p>
-        </p:txBody>
-      </p:sp>
-      <p:sp>
-        <p:nvSpPr>
-          <p:cNvPr id="3" name="Content Placeholder 2"/>
-          <p:cNvSpPr>
-            <a:spLocks noGrp="1"/>
-          </p:cNvSpPr>
-          <p:nvPr>
-            <p:ph idx="1"/>
-          </p:nvPr>
-        </p:nvSpPr>
-        <p:spPr/>
-        <p:txBody>
-          <a:bodyPr/>
-          <a:lstStyle/>
-          <a:p>
-            <a:pPr lvl="1">
-              <a:buAutoNum type="arabicPeriod"/>
-            </a:pPr>
-            <a:r>
-              <a:rPr/>
-              <a:t>A. Liaw and M. Wiener (2002). Classification and Regression by randomForest. R News 2(3), 18–22. </a:t>
-            </a:r>
-          </a:p>
-          <a:p>
-            <a:pPr lvl="1">
-              <a:buAutoNum type="arabicPeriod"/>
-            </a:pPr>
-            <a:r>
-              <a:rPr/>
-              <a:t>Brandon Greenwell, Bradley Boehmke, Jay Cunningham and GBM Developers (2019). gbm: Generalized Boosted Regression Models. R package version 2.1.5. </a:t>
-            </a:r>
-            <a:r>
-              <a:rPr>
-                <a:hlinkClick r:id="rId2"/>
-              </a:rPr>
-              <a:t>https://CRAN.R-project.org/package=gbm</a:t>
-            </a:r>
-            <a:r>
-              <a:rPr/>
-              <a:t> </a:t>
-            </a:r>
-          </a:p>
-          <a:p>
-            <a:pPr lvl="1">
-              <a:buAutoNum type="arabicPeriod"/>
-            </a:pPr>
-            <a:r>
-              <a:rPr/>
-              <a:t>Jerome Friedman, Trevor Hastie, Robert Tibshirani (2010). Regularization Paths for Generalized Linear Models via Coordinate Descent. Journal of Statistical Software, 33(1), 1-22. URL </a:t>
-            </a:r>
-            <a:r>
-              <a:rPr>
-                <a:hlinkClick r:id="rId3"/>
-              </a:rPr>
-              <a:t>http://www.jstatsoft.org/v33/i01/</a:t>
-            </a:r>
-            <a:r>
-              <a:rPr/>
-              <a:t>. </a:t>
-            </a:r>
-          </a:p>
-          <a:p>
-            <a:pPr lvl="1">
-              <a:buAutoNum type="arabicPeriod"/>
-            </a:pPr>
-            <a:r>
-              <a:rPr/>
-              <a:t>Alina Beygelzimer, Sham Kakadet, John Langford, Sunil Arya, David Mount and Shengqiao Li (2019). FNN: Fast Nearest Neighbor Search Algorithms and Applications. R package version 1.1.3. </a:t>
-            </a:r>
-            <a:r>
-              <a:rPr>
-                <a:hlinkClick r:id="rId4"/>
-              </a:rPr>
-              <a:t>https://CRAN.R-project.org/package=FNN</a:t>
+              <a:t>Forêt</a:t>
+            </a:r>
+            <a:r>
+              <a:rPr/>
+              <a:t> </a:t>
+            </a:r>
+            <a:r>
+              <a:rPr/>
+              <a:t>aléatoire</a:t>
+            </a:r>
+            <a:r>
+              <a:rPr/>
+              <a:t> </a:t>
+            </a:r>
+            <a:r>
+              <a:rPr/>
+              <a:t>(suite)</a:t>
             </a:r>
           </a:p>
         </p:txBody>
@@ -7973,6 +7383,400 @@
             <a:r>
               <a:rPr/>
               <a:t>Introduction</a:t>
+            </a:r>
+          </a:p>
+        </p:txBody>
+      </p:sp>
+    </p:spTree>
+  </p:cSld>
+</p:sld>
+</file>
+
+<file path=ppt/slides/slide20.xml><?xml version="1.0" encoding="utf-8"?>
+<p:sld xmlns:a="http://schemas.openxmlformats.org/drawingml/2006/main" xmlns:r="http://schemas.openxmlformats.org/officeDocument/2006/relationships" xmlns:p="http://schemas.openxmlformats.org/presentationml/2006/main">
+  <p:cSld>
+    <p:spTree>
+      <p:nvGrpSpPr>
+        <p:cNvPr id="1" name=""/>
+        <p:cNvGrpSpPr/>
+        <p:nvPr/>
+      </p:nvGrpSpPr>
+      <p:grpSpPr>
+        <a:xfrm>
+          <a:off x="0" y="0"/>
+          <a:ext cx="0" cy="0"/>
+          <a:chOff x="0" y="0"/>
+          <a:chExt cx="0" cy="0"/>
+        </a:xfrm>
+      </p:grpSpPr>
+      <p:sp>
+        <p:nvSpPr>
+          <p:cNvPr id="2" name="Title 1"/>
+          <p:cNvSpPr>
+            <a:spLocks noGrp="1"/>
+          </p:cNvSpPr>
+          <p:nvPr>
+            <p:ph type="title"/>
+          </p:nvPr>
+        </p:nvSpPr>
+        <p:spPr/>
+        <p:txBody>
+          <a:bodyPr/>
+          <a:lstStyle/>
+          <a:p>
+            <a:pPr lvl="0" marL="0" indent="0">
+              <a:buNone/>
+            </a:pPr>
+            <a:r>
+              <a:rPr/>
+              <a:t>Forêt</a:t>
+            </a:r>
+            <a:r>
+              <a:rPr/>
+              <a:t> </a:t>
+            </a:r>
+            <a:r>
+              <a:rPr/>
+              <a:t>aléatoire</a:t>
+            </a:r>
+            <a:r>
+              <a:rPr/>
+              <a:t> </a:t>
+            </a:r>
+            <a:r>
+              <a:rPr/>
+              <a:t>(suite)</a:t>
+            </a:r>
+          </a:p>
+        </p:txBody>
+      </p:sp>
+    </p:spTree>
+  </p:cSld>
+</p:sld>
+</file>
+
+<file path=ppt/slides/slide21.xml><?xml version="1.0" encoding="utf-8"?>
+<p:sld xmlns:a="http://schemas.openxmlformats.org/drawingml/2006/main" xmlns:r="http://schemas.openxmlformats.org/officeDocument/2006/relationships" xmlns:p="http://schemas.openxmlformats.org/presentationml/2006/main">
+  <p:cSld>
+    <p:spTree>
+      <p:nvGrpSpPr>
+        <p:cNvPr id="1" name=""/>
+        <p:cNvGrpSpPr/>
+        <p:nvPr/>
+      </p:nvGrpSpPr>
+      <p:grpSpPr>
+        <a:xfrm>
+          <a:off x="0" y="0"/>
+          <a:ext cx="0" cy="0"/>
+          <a:chOff x="0" y="0"/>
+          <a:chExt cx="0" cy="0"/>
+        </a:xfrm>
+      </p:grpSpPr>
+      <p:sp>
+        <p:nvSpPr>
+          <p:cNvPr id="2" name="Title 1"/>
+          <p:cNvSpPr>
+            <a:spLocks noGrp="1"/>
+          </p:cNvSpPr>
+          <p:nvPr>
+            <p:ph type="title"/>
+          </p:nvPr>
+        </p:nvSpPr>
+        <p:spPr/>
+        <p:txBody>
+          <a:bodyPr/>
+          <a:lstStyle/>
+          <a:p>
+            <a:pPr lvl="0" marL="0" indent="0">
+              <a:buNone/>
+            </a:pPr>
+            <a:r>
+              <a:rPr/>
+              <a:t>Modèle</a:t>
+            </a:r>
+            <a:r>
+              <a:rPr/>
+              <a:t> </a:t>
+            </a:r>
+            <a:r>
+              <a:rPr/>
+              <a:t>de</a:t>
+            </a:r>
+            <a:r>
+              <a:rPr/>
+              <a:t> </a:t>
+            </a:r>
+            <a:r>
+              <a:rPr i="1"/>
+              <a:t>gradient</a:t>
+            </a:r>
+            <a:r>
+              <a:rPr i="1"/>
+              <a:t> </a:t>
+            </a:r>
+            <a:r>
+              <a:rPr i="1"/>
+              <a:t>boosting</a:t>
+            </a:r>
+          </a:p>
+        </p:txBody>
+      </p:sp>
+    </p:spTree>
+  </p:cSld>
+</p:sld>
+</file>
+
+<file path=ppt/slides/slide22.xml><?xml version="1.0" encoding="utf-8"?>
+<p:sld xmlns:a="http://schemas.openxmlformats.org/drawingml/2006/main" xmlns:r="http://schemas.openxmlformats.org/officeDocument/2006/relationships" xmlns:p="http://schemas.openxmlformats.org/presentationml/2006/main">
+  <p:cSld>
+    <p:spTree>
+      <p:nvGrpSpPr>
+        <p:cNvPr id="1" name=""/>
+        <p:cNvGrpSpPr/>
+        <p:nvPr/>
+      </p:nvGrpSpPr>
+      <p:grpSpPr>
+        <a:xfrm>
+          <a:off x="0" y="0"/>
+          <a:ext cx="0" cy="0"/>
+          <a:chOff x="0" y="0"/>
+          <a:chExt cx="0" cy="0"/>
+        </a:xfrm>
+      </p:grpSpPr>
+      <p:sp>
+        <p:nvSpPr>
+          <p:cNvPr id="2" name="Title 1"/>
+          <p:cNvSpPr>
+            <a:spLocks noGrp="1"/>
+          </p:cNvSpPr>
+          <p:nvPr>
+            <p:ph type="title"/>
+          </p:nvPr>
+        </p:nvSpPr>
+        <p:spPr/>
+        <p:txBody>
+          <a:bodyPr/>
+          <a:lstStyle/>
+          <a:p>
+            <a:pPr lvl="0" marL="0" indent="0">
+              <a:buNone/>
+            </a:pPr>
+            <a:r>
+              <a:rPr/>
+              <a:t>Bibliographie</a:t>
+            </a:r>
+          </a:p>
+        </p:txBody>
+      </p:sp>
+      <p:sp>
+        <p:nvSpPr>
+          <p:cNvPr id="3" name="Content Placeholder 2"/>
+          <p:cNvSpPr>
+            <a:spLocks noGrp="1"/>
+          </p:cNvSpPr>
+          <p:nvPr>
+            <p:ph idx="1"/>
+          </p:nvPr>
+        </p:nvSpPr>
+        <p:spPr/>
+        <p:txBody>
+          <a:bodyPr/>
+          <a:lstStyle/>
+          <a:p>
+            <a:pPr lvl="1">
+              <a:buAutoNum type="arabicPeriod"/>
+            </a:pPr>
+            <a:r>
+              <a:rPr/>
+              <a:t>Kaggle, harlfoxen (2017). House sales in King County, USA. Récupéré le 27 février 2020 de </a:t>
+            </a:r>
+            <a:r>
+              <a:rPr>
+                <a:hlinkClick r:id="rId2"/>
+              </a:rPr>
+              <a:t>https://www.kaggle.com/harlfoxem/housesalesprediction</a:t>
+            </a:r>
+            <a:r>
+              <a:rPr/>
+              <a:t>. </a:t>
+            </a:r>
+          </a:p>
+          <a:p>
+            <a:pPr lvl="1">
+              <a:buAutoNum type="arabicPeriod"/>
+            </a:pPr>
+            <a:r>
+              <a:rPr/>
+              <a:t>Max Kuhn (2020). caret: Classification and Regression Training. R package version 6.0-85. </a:t>
+            </a:r>
+            <a:r>
+              <a:rPr>
+                <a:hlinkClick r:id="rId3"/>
+              </a:rPr>
+              <a:t>https://CRAN.R-project.org/package=caret</a:t>
+            </a:r>
+            <a:r>
+              <a:rPr/>
+              <a:t> </a:t>
+            </a:r>
+          </a:p>
+          <a:p>
+            <a:pPr lvl="1">
+              <a:buAutoNum type="arabicPeriod"/>
+            </a:pPr>
+            <a:r>
+              <a:rPr/>
+              <a:t>Terry Therneau and Beth Atkinson (2019). rpart: Recursive Partitioning and Regression Trees. R package version 4.1-15. </a:t>
+            </a:r>
+            <a:r>
+              <a:rPr>
+                <a:hlinkClick r:id="rId4"/>
+              </a:rPr>
+              <a:t>https://CRAN.R-project.org/package=rpart</a:t>
+            </a:r>
+            <a:r>
+              <a:rPr/>
+              <a:t> </a:t>
+            </a:r>
+          </a:p>
+          <a:p>
+            <a:pPr lvl="1">
+              <a:buAutoNum type="arabicPeriod"/>
+            </a:pPr>
+            <a:r>
+              <a:rPr/>
+              <a:t>Stephen Milborrow (2019). rpart.plot: Plot ‘rpart’ Models: An Enhanced Version of ‘plot.rpart’. R package version 3.0.8. </a:t>
+            </a:r>
+            <a:r>
+              <a:rPr>
+                <a:hlinkClick r:id="rId5"/>
+              </a:rPr>
+              <a:t>https://CRAN.R-project.org/package=rpart.plot</a:t>
+            </a:r>
+          </a:p>
+        </p:txBody>
+      </p:sp>
+    </p:spTree>
+  </p:cSld>
+</p:sld>
+</file>
+
+<file path=ppt/slides/slide23.xml><?xml version="1.0" encoding="utf-8"?>
+<p:sld xmlns:a="http://schemas.openxmlformats.org/drawingml/2006/main" xmlns:r="http://schemas.openxmlformats.org/officeDocument/2006/relationships" xmlns:p="http://schemas.openxmlformats.org/presentationml/2006/main">
+  <p:cSld>
+    <p:spTree>
+      <p:nvGrpSpPr>
+        <p:cNvPr id="1" name=""/>
+        <p:cNvGrpSpPr/>
+        <p:nvPr/>
+      </p:nvGrpSpPr>
+      <p:grpSpPr>
+        <a:xfrm>
+          <a:off x="0" y="0"/>
+          <a:ext cx="0" cy="0"/>
+          <a:chOff x="0" y="0"/>
+          <a:chExt cx="0" cy="0"/>
+        </a:xfrm>
+      </p:grpSpPr>
+      <p:sp>
+        <p:nvSpPr>
+          <p:cNvPr id="2" name="Title 1"/>
+          <p:cNvSpPr>
+            <a:spLocks noGrp="1"/>
+          </p:cNvSpPr>
+          <p:nvPr>
+            <p:ph type="title"/>
+          </p:nvPr>
+        </p:nvSpPr>
+        <p:spPr/>
+        <p:txBody>
+          <a:bodyPr/>
+          <a:lstStyle/>
+          <a:p>
+            <a:pPr lvl="0" marL="0" indent="0">
+              <a:buNone/>
+            </a:pPr>
+            <a:r>
+              <a:rPr/>
+              <a:t>Bibliographie</a:t>
+            </a:r>
+          </a:p>
+        </p:txBody>
+      </p:sp>
+      <p:sp>
+        <p:nvSpPr>
+          <p:cNvPr id="3" name="Content Placeholder 2"/>
+          <p:cNvSpPr>
+            <a:spLocks noGrp="1"/>
+          </p:cNvSpPr>
+          <p:nvPr>
+            <p:ph idx="1"/>
+          </p:nvPr>
+        </p:nvSpPr>
+        <p:spPr/>
+        <p:txBody>
+          <a:bodyPr/>
+          <a:lstStyle/>
+          <a:p>
+            <a:pPr lvl="1">
+              <a:buAutoNum startAt="5" type="arabicPeriod"/>
+            </a:pPr>
+            <a:r>
+              <a:rPr/>
+              <a:t>A. Liaw and M. Wiener (2002). Classification and Regression by randomForest. R News 2(3), 18–22. </a:t>
+            </a:r>
+          </a:p>
+          <a:p>
+            <a:pPr lvl="1">
+              <a:buAutoNum startAt="5" type="arabicPeriod"/>
+            </a:pPr>
+            <a:r>
+              <a:rPr/>
+              <a:t>Brandon Greenwell, Bradley Boehmke, Jay Cunningham and GBM Developers (2019). gbm: Generalized Boosted Regression Models. R package version 2.1.5. </a:t>
+            </a:r>
+            <a:r>
+              <a:rPr>
+                <a:hlinkClick r:id="rId2"/>
+              </a:rPr>
+              <a:t>https://CRAN.R-project.org/package=gbm</a:t>
+            </a:r>
+            <a:r>
+              <a:rPr/>
+              <a:t> </a:t>
+            </a:r>
+          </a:p>
+          <a:p>
+            <a:pPr lvl="1">
+              <a:buAutoNum startAt="5" type="arabicPeriod"/>
+            </a:pPr>
+            <a:r>
+              <a:rPr/>
+              <a:t>Jerome Friedman, Trevor Hastie, Robert Tibshirani (2010). Regularization Paths for Generalized Linear Models via Coordinate Descent. Journal of Statistical Software, 33(1), 1-22. URL </a:t>
+            </a:r>
+            <a:r>
+              <a:rPr>
+                <a:hlinkClick r:id="rId3"/>
+              </a:rPr>
+              <a:t>http://www.jstatsoft.org/v33/i01/</a:t>
+            </a:r>
+            <a:r>
+              <a:rPr/>
+              <a:t>. </a:t>
+            </a:r>
+          </a:p>
+          <a:p>
+            <a:pPr lvl="1">
+              <a:buAutoNum startAt="5" type="arabicPeriod"/>
+            </a:pPr>
+            <a:r>
+              <a:rPr/>
+              <a:t>Alina Beygelzimer, Sham Kakadet, John Langford, Sunil Arya, David Mount and Shengqiao Li (2019). FNN: Fast Nearest Neighbor Search Algorithms and Applications. R package version 1.1.3. </a:t>
+            </a:r>
+            <a:r>
+              <a:rPr>
+                <a:hlinkClick r:id="rId4"/>
+              </a:rPr>
+              <a:t>https://CRAN.R-project.org/package=FNN</a:t>
             </a:r>
           </a:p>
         </p:txBody>
@@ -8335,11 +8139,57 @@
             </a:r>
             <a:r>
               <a:rPr/>
-              <a:t>exploratoire</a:t>
-            </a:r>
-          </a:p>
-        </p:txBody>
-      </p:sp>
+              <a:t>en</a:t>
+            </a:r>
+            <a:r>
+              <a:rPr/>
+              <a:t> </a:t>
+            </a:r>
+            <a:r>
+              <a:rPr/>
+              <a:t>composante</a:t>
+            </a:r>
+            <a:r>
+              <a:rPr/>
+              <a:t> </a:t>
+            </a:r>
+            <a:r>
+              <a:rPr/>
+              <a:t>principales</a:t>
+            </a:r>
+          </a:p>
+        </p:txBody>
+      </p:sp>
+      <p:pic>
+        <p:nvPicPr>
+          <p:cNvPr descr="PP_files/figure-pptx/unnamed-chunk-1-1.png" id="0" name="Picture 1"/>
+          <p:cNvPicPr>
+            <a:picLocks noGrp="1" noChangeAspect="1"/>
+          </p:cNvPicPr>
+          <p:nvPr/>
+        </p:nvPicPr>
+        <p:blipFill>
+          <a:blip r:embed="rId2"/>
+          <a:stretch>
+            <a:fillRect/>
+          </a:stretch>
+        </p:blipFill>
+        <p:spPr bwMode="auto">
+          <a:xfrm>
+            <a:off x="2540000" y="2159000"/>
+            <a:ext cx="4838700" cy="3873500"/>
+          </a:xfrm>
+          <a:prstGeom prst="rect">
+            <a:avLst/>
+          </a:prstGeom>
+          <a:noFill/>
+          <a:ln w="9525">
+            <a:noFill/>
+            <a:headEnd/>
+            <a:tailEnd/>
+          </a:ln>
+        </p:spPr>
+      </p:pic>
     </p:spTree>
   </p:cSld>
 </p:sld>
@@ -8382,96 +8232,15 @@
             </a:pPr>
             <a:r>
               <a:rPr/>
-              <a:t>Modèles</a:t>
-            </a:r>
-            <a:r>
-              <a:rPr/>
-              <a:t> </a:t>
-            </a:r>
-            <a:r>
-              <a:rPr/>
-              <a:t>testés</a:t>
-            </a:r>
-          </a:p>
-        </p:txBody>
-      </p:sp>
-      <p:sp>
-        <p:nvSpPr>
-          <p:cNvPr id="3" name="Content Placeholder 2"/>
-          <p:cNvSpPr>
-            <a:spLocks noGrp="1"/>
-          </p:cNvSpPr>
-          <p:nvPr>
-            <p:ph idx="1"/>
-          </p:nvPr>
-        </p:nvSpPr>
-        <p:spPr/>
-        <p:txBody>
-          <a:bodyPr/>
-          <a:lstStyle/>
-          <a:p>
-            <a:pPr lvl="1"/>
-            <a:r>
-              <a:rPr/>
-              <a:t>Modèle de base</a:t>
-            </a:r>
-          </a:p>
-          <a:p>
-            <a:pPr lvl="1"/>
-            <a:r>
-              <a:rPr/>
-              <a:t>Modèle linéaire généralisé avec régression Lasso</a:t>
-            </a:r>
-          </a:p>
-          <a:p>
-            <a:pPr lvl="1"/>
-            <a:r>
-              <a:rPr/>
-              <a:t>Modèle des </a:t>
-            </a:r>
-            <a:r>
-              <a:rPr i="1"/>
-              <a:t>k</a:t>
-            </a:r>
-            <a:r>
-              <a:rPr/>
-              <a:t> plus proches voisins</a:t>
-            </a:r>
-          </a:p>
-          <a:p>
-            <a:pPr lvl="1"/>
-            <a:r>
-              <a:rPr/>
-              <a:t>Arbre de décision</a:t>
-            </a:r>
-          </a:p>
-          <a:p>
-            <a:pPr lvl="1"/>
-            <a:r>
-              <a:rPr/>
-              <a:t>Ensemble d’arbres de décision agrégées par </a:t>
-            </a:r>
-            <a:r>
-              <a:rPr i="1"/>
-              <a:t>bagging</a:t>
-            </a:r>
-          </a:p>
-          <a:p>
-            <a:pPr lvl="1"/>
-            <a:r>
-              <a:rPr/>
-              <a:t>Forêt aléatoire</a:t>
-            </a:r>
-          </a:p>
-          <a:p>
-            <a:pPr lvl="1"/>
-            <a:r>
-              <a:rPr/>
-              <a:t>Modèle de </a:t>
-            </a:r>
-            <a:r>
-              <a:rPr i="1"/>
-              <a:t>gradient boosting</a:t>
+              <a:t>Analyse</a:t>
+            </a:r>
+            <a:r>
+              <a:rPr/>
+              <a:t> </a:t>
+            </a:r>
+            <a:r>
+              <a:rPr/>
+              <a:t>exploratoire</a:t>
             </a:r>
           </a:p>
         </p:txBody>
@@ -8528,37 +8297,86 @@
               <a:rPr/>
               <a:t>testés</a:t>
             </a:r>
-            <a:r>
-              <a:rPr/>
-              <a:t> </a:t>
-            </a:r>
-            <a:r>
-              <a:rPr/>
-              <a:t>-</a:t>
-            </a:r>
-            <a:r>
-              <a:rPr/>
-              <a:t> </a:t>
-            </a:r>
-            <a:r>
-              <a:rPr/>
-              <a:t>Modèle</a:t>
-            </a:r>
-            <a:r>
-              <a:rPr/>
-              <a:t> </a:t>
-            </a:r>
-            <a:r>
-              <a:rPr/>
-              <a:t>de</a:t>
-            </a:r>
-            <a:r>
-              <a:rPr/>
-              <a:t> </a:t>
-            </a:r>
-            <a:r>
-              <a:rPr/>
-              <a:t>base</a:t>
+          </a:p>
+        </p:txBody>
+      </p:sp>
+      <p:sp>
+        <p:nvSpPr>
+          <p:cNvPr id="3" name="Content Placeholder 2"/>
+          <p:cNvSpPr>
+            <a:spLocks noGrp="1"/>
+          </p:cNvSpPr>
+          <p:nvPr>
+            <p:ph idx="1"/>
+          </p:nvPr>
+        </p:nvSpPr>
+        <p:spPr/>
+        <p:txBody>
+          <a:bodyPr/>
+          <a:lstStyle/>
+          <a:p>
+            <a:pPr lvl="1"/>
+            <a:r>
+              <a:rPr/>
+              <a:t>Modèle de base</a:t>
+            </a:r>
+          </a:p>
+          <a:p>
+            <a:pPr lvl="1"/>
+            <a:r>
+              <a:rPr/>
+              <a:t>Modèle linéaire généralisé avec régression Lasso</a:t>
+            </a:r>
+          </a:p>
+          <a:p>
+            <a:pPr lvl="1"/>
+            <a:r>
+              <a:rPr/>
+              <a:t>Modèle des </a:t>
+            </a:r>
+            <a:r>
+              <a:rPr i="1"/>
+              <a:t>k</a:t>
+            </a:r>
+            <a:r>
+              <a:rPr/>
+              <a:t> plus proches voisins</a:t>
+            </a:r>
+          </a:p>
+          <a:p>
+            <a:pPr lvl="1"/>
+            <a:r>
+              <a:rPr/>
+              <a:t>Arbre de décision</a:t>
+            </a:r>
+          </a:p>
+          <a:p>
+            <a:pPr lvl="1"/>
+            <a:r>
+              <a:rPr/>
+              <a:t>Ensemble d’arbres de décision agrégées par </a:t>
+            </a:r>
+            <a:r>
+              <a:rPr i="1"/>
+              <a:t>bagging</a:t>
+            </a:r>
+          </a:p>
+          <a:p>
+            <a:pPr lvl="1"/>
+            <a:r>
+              <a:rPr/>
+              <a:t>Forêt aléatoire</a:t>
+            </a:r>
+          </a:p>
+          <a:p>
+            <a:pPr lvl="1"/>
+            <a:r>
+              <a:rPr/>
+              <a:t>Modèle de </a:t>
+            </a:r>
+            <a:r>
+              <a:rPr i="1"/>
+              <a:t>gradient boosting</a:t>
             </a:r>
           </a:p>
         </p:txBody>
@@ -8637,39 +8455,15 @@
             </a:r>
             <a:r>
               <a:rPr/>
-              <a:t>linéaire</a:t>
-            </a:r>
-            <a:r>
-              <a:rPr/>
-              <a:t> </a:t>
-            </a:r>
-            <a:r>
-              <a:rPr/>
-              <a:t>généralisé</a:t>
-            </a:r>
-            <a:r>
-              <a:rPr/>
-              <a:t> </a:t>
-            </a:r>
-            <a:r>
-              <a:rPr/>
-              <a:t>avec</a:t>
-            </a:r>
-            <a:r>
-              <a:rPr/>
-              <a:t> </a:t>
-            </a:r>
-            <a:r>
-              <a:rPr/>
-              <a:t>régression</a:t>
-            </a:r>
-            <a:r>
-              <a:rPr/>
-              <a:t> </a:t>
-            </a:r>
-            <a:r>
-              <a:rPr/>
-              <a:t>Lasso</a:t>
+              <a:t>de</a:t>
+            </a:r>
+            <a:r>
+              <a:rPr/>
+              <a:t> </a:t>
+            </a:r>
+            <a:r>
+              <a:rPr/>
+              <a:t>base</a:t>
             </a:r>
           </a:p>
         </p:txBody>

--- a/PP.pptx
+++ b/PP.pptx
@@ -28,6 +28,8 @@
     <p:sldId id="276" r:id="rId22"/>
     <p:sldId id="277" r:id="rId23"/>
     <p:sldId id="278" r:id="rId24"/>
+    <p:sldId id="279" r:id="rId25"/>
+    <p:sldId id="280" r:id="rId26"/>
   </p:sldIdLst>
   <p:sldSz cx="12192000" cy="6858000"/>
   <p:notesSz cx="6858000" cy="9144000"/>
@@ -6456,6 +6458,67 @@
           </a:p>
         </p:txBody>
       </p:sp>
+      <p:sp>
+        <p:nvSpPr>
+          <p:cNvPr id="3" name="Content Placeholder 2"/>
+          <p:cNvSpPr>
+            <a:spLocks noGrp="1"/>
+          </p:cNvSpPr>
+          <p:nvPr>
+            <p:ph idx="1"/>
+          </p:nvPr>
+        </p:nvSpPr>
+        <p:spPr/>
+        <p:txBody>
+          <a:bodyPr/>
+          <a:lstStyle/>
+          <a:p>
+            <a:pPr lvl="1"/>
+            <a:r>
+              <a:rPr>
+                <a:latin typeface="Courier"/>
+              </a:rPr>
+              <a:t>sampsize= nrow(donnees.train)</a:t>
+            </a:r>
+          </a:p>
+          <a:p>
+            <a:pPr lvl="1"/>
+            <a:r>
+              <a:rPr>
+                <a:latin typeface="Courier"/>
+              </a:rPr>
+              <a:t>mtry=17</a:t>
+            </a:r>
+          </a:p>
+          <a:p>
+            <a:pPr lvl="1"/>
+            <a:r>
+              <a:rPr>
+                <a:latin typeface="Courier"/>
+              </a:rPr>
+              <a:t>cp=0</a:t>
+            </a:r>
+          </a:p>
+          <a:p>
+            <a:pPr lvl="1"/>
+            <a:r>
+              <a:rPr>
+                <a:latin typeface="Courier"/>
+              </a:rPr>
+              <a:t>nodesize=5</a:t>
+            </a:r>
+          </a:p>
+          <a:p>
+            <a:pPr lvl="1"/>
+            <a:r>
+              <a:rPr>
+                <a:latin typeface="Courier"/>
+              </a:rPr>
+              <a:t>ntree=500</a:t>
+            </a:r>
+          </a:p>
+        </p:txBody>
+      </p:sp>
     </p:spTree>
   </p:cSld>
 </p:sld>
@@ -6478,63 +6541,36 @@
           <a:chExt cx="0" cy="0"/>
         </a:xfrm>
       </p:grpSpPr>
-      <p:sp>
-        <p:nvSpPr>
-          <p:cNvPr id="2" name="Title 1"/>
-          <p:cNvSpPr>
-            <a:spLocks noGrp="1"/>
-          </p:cNvSpPr>
-          <p:nvPr>
-            <p:ph type="title"/>
-          </p:nvPr>
-        </p:nvSpPr>
-        <p:spPr/>
-        <p:txBody>
-          <a:bodyPr/>
-          <a:lstStyle/>
-          <a:p>
-            <a:pPr lvl="0" marL="0" indent="0">
-              <a:buNone/>
-            </a:pPr>
-            <a:r>
-              <a:rPr/>
-              <a:t>Modèle</a:t>
-            </a:r>
-            <a:r>
-              <a:rPr/>
-              <a:t> </a:t>
-            </a:r>
-            <a:r>
-              <a:rPr/>
-              <a:t>testés</a:t>
-            </a:r>
-            <a:r>
-              <a:rPr/>
-              <a:t> </a:t>
-            </a:r>
-            <a:r>
-              <a:rPr/>
-              <a:t>-</a:t>
-            </a:r>
-            <a:r>
-              <a:rPr/>
-              <a:t> </a:t>
-            </a:r>
-            <a:r>
-              <a:rPr/>
-              <a:t>Forêt</a:t>
-            </a:r>
-            <a:r>
-              <a:rPr/>
-              <a:t> </a:t>
-            </a:r>
-            <a:r>
-              <a:rPr/>
-              <a:t>aléatoire</a:t>
-            </a:r>
-          </a:p>
-        </p:txBody>
-      </p:sp>
+      <p:pic>
+        <p:nvPicPr>
+          <p:cNvPr descr="PP_files/figure-pptx/unnamed-chunk-2-1.png" id="0" name="Picture 1"/>
+          <p:cNvPicPr>
+            <a:picLocks noGrp="1" noChangeAspect="1"/>
+          </p:cNvPicPr>
+          <p:nvPr/>
+        </p:nvPicPr>
+        <p:blipFill>
+          <a:blip r:embed="rId2"/>
+          <a:stretch>
+            <a:fillRect/>
+          </a:stretch>
+        </p:blipFill>
+        <p:spPr bwMode="auto">
+          <a:xfrm>
+            <a:off x="2540000" y="2159000"/>
+            <a:ext cx="4838700" cy="3873500"/>
+          </a:xfrm>
+          <a:prstGeom prst="rect">
+            <a:avLst/>
+          </a:prstGeom>
+          <a:noFill/>
+          <a:ln w="9525">
+            <a:noFill/>
+            <a:headEnd/>
+            <a:tailEnd/>
+          </a:ln>
+        </p:spPr>
+      </p:pic>
     </p:spTree>
   </p:cSld>
 </p:sld>
@@ -6577,7 +6613,7 @@
             </a:pPr>
             <a:r>
               <a:rPr/>
-              <a:t>Modèles</a:t>
+              <a:t>Modèle</a:t>
             </a:r>
             <a:r>
               <a:rPr/>
@@ -6601,31 +6637,76 @@
             </a:r>
             <a:r>
               <a:rPr/>
-              <a:t>Modèle</a:t>
-            </a:r>
-            <a:r>
-              <a:rPr/>
-              <a:t> </a:t>
-            </a:r>
-            <a:r>
-              <a:rPr/>
-              <a:t>de</a:t>
-            </a:r>
-            <a:r>
-              <a:rPr/>
-              <a:t> </a:t>
-            </a:r>
-            <a:r>
-              <a:rPr i="1"/>
-              <a:t>gradient</a:t>
-            </a:r>
-            <a:r>
-              <a:rPr i="1"/>
-              <a:t> </a:t>
-            </a:r>
-            <a:r>
-              <a:rPr i="1"/>
-              <a:t>boosting</a:t>
+              <a:t>Forêt</a:t>
+            </a:r>
+            <a:r>
+              <a:rPr/>
+              <a:t> </a:t>
+            </a:r>
+            <a:r>
+              <a:rPr/>
+              <a:t>aléatoire</a:t>
+            </a:r>
+          </a:p>
+        </p:txBody>
+      </p:sp>
+      <p:sp>
+        <p:nvSpPr>
+          <p:cNvPr id="3" name="Content Placeholder 2"/>
+          <p:cNvSpPr>
+            <a:spLocks noGrp="1"/>
+          </p:cNvSpPr>
+          <p:nvPr>
+            <p:ph idx="1"/>
+          </p:nvPr>
+        </p:nvSpPr>
+        <p:spPr/>
+        <p:txBody>
+          <a:bodyPr/>
+          <a:lstStyle/>
+          <a:p>
+            <a:pPr lvl="1"/>
+            <a:r>
+              <a:rPr>
+                <a:latin typeface="Courier"/>
+              </a:rPr>
+              <a:t>sampsize= 0.75*nrow(donnees.train)</a:t>
+            </a:r>
+          </a:p>
+          <a:p>
+            <a:pPr lvl="1"/>
+            <a:r>
+              <a:rPr>
+                <a:latin typeface="Courier"/>
+              </a:rPr>
+              <a:t>cp=0</a:t>
+            </a:r>
+          </a:p>
+          <a:p>
+            <a:pPr lvl="1"/>
+            <a:r>
+              <a:rPr>
+                <a:latin typeface="Courier"/>
+              </a:rPr>
+              <a:t>nodesize=5</a:t>
+            </a:r>
+          </a:p>
+          <a:p>
+            <a:pPr lvl="1"/>
+            <a:r>
+              <a:rPr>
+                <a:latin typeface="Courier"/>
+              </a:rPr>
+              <a:t>ntree=150</a:t>
+            </a:r>
+          </a:p>
+          <a:p>
+            <a:pPr lvl="1"/>
+            <a:r>
+              <a:rPr>
+                <a:latin typeface="Courier"/>
+              </a:rPr>
+              <a:t>mtry=8</a:t>
             </a:r>
           </a:p>
         </p:txBody>
@@ -6636,6 +6717,153 @@
 </file>
 
 <file path=ppt/slides/slide16.xml><?xml version="1.0" encoding="utf-8"?>
+<p:sld xmlns:a="http://schemas.openxmlformats.org/drawingml/2006/main" xmlns:r="http://schemas.openxmlformats.org/officeDocument/2006/relationships" xmlns:p="http://schemas.openxmlformats.org/presentationml/2006/main">
+  <p:cSld>
+    <p:spTree>
+      <p:nvGrpSpPr>
+        <p:cNvPr id="1" name=""/>
+        <p:cNvGrpSpPr/>
+        <p:nvPr/>
+      </p:nvGrpSpPr>
+      <p:grpSpPr>
+        <a:xfrm>
+          <a:off x="0" y="0"/>
+          <a:ext cx="0" cy="0"/>
+          <a:chOff x="0" y="0"/>
+          <a:chExt cx="0" cy="0"/>
+        </a:xfrm>
+      </p:grpSpPr>
+      <p:pic>
+        <p:nvPicPr>
+          <p:cNvPr descr="PP_files/figure-pptx/unnamed-chunk-3-1.png" id="0" name="Picture 1"/>
+          <p:cNvPicPr>
+            <a:picLocks noGrp="1" noChangeAspect="1"/>
+          </p:cNvPicPr>
+          <p:nvPr/>
+        </p:nvPicPr>
+        <p:blipFill>
+          <a:blip r:embed="rId2"/>
+          <a:stretch>
+            <a:fillRect/>
+          </a:stretch>
+        </p:blipFill>
+        <p:spPr bwMode="auto">
+          <a:xfrm>
+            <a:off x="2540000" y="2159000"/>
+            <a:ext cx="4838700" cy="3873500"/>
+          </a:xfrm>
+          <a:prstGeom prst="rect">
+            <a:avLst/>
+          </a:prstGeom>
+          <a:noFill/>
+          <a:ln w="9525">
+            <a:noFill/>
+            <a:headEnd/>
+            <a:tailEnd/>
+          </a:ln>
+        </p:spPr>
+      </p:pic>
+    </p:spTree>
+  </p:cSld>
+</p:sld>
+</file>
+
+<file path=ppt/slides/slide17.xml><?xml version="1.0" encoding="utf-8"?>
+<p:sld xmlns:a="http://schemas.openxmlformats.org/drawingml/2006/main" xmlns:r="http://schemas.openxmlformats.org/officeDocument/2006/relationships" xmlns:p="http://schemas.openxmlformats.org/presentationml/2006/main">
+  <p:cSld>
+    <p:spTree>
+      <p:nvGrpSpPr>
+        <p:cNvPr id="1" name=""/>
+        <p:cNvGrpSpPr/>
+        <p:nvPr/>
+      </p:nvGrpSpPr>
+      <p:grpSpPr>
+        <a:xfrm>
+          <a:off x="0" y="0"/>
+          <a:ext cx="0" cy="0"/>
+          <a:chOff x="0" y="0"/>
+          <a:chExt cx="0" cy="0"/>
+        </a:xfrm>
+      </p:grpSpPr>
+      <p:sp>
+        <p:nvSpPr>
+          <p:cNvPr id="2" name="Title 1"/>
+          <p:cNvSpPr>
+            <a:spLocks noGrp="1"/>
+          </p:cNvSpPr>
+          <p:nvPr>
+            <p:ph type="title"/>
+          </p:nvPr>
+        </p:nvSpPr>
+        <p:spPr/>
+        <p:txBody>
+          <a:bodyPr/>
+          <a:lstStyle/>
+          <a:p>
+            <a:pPr lvl="0" marL="0" indent="0">
+              <a:buNone/>
+            </a:pPr>
+            <a:r>
+              <a:rPr/>
+              <a:t>Modèles</a:t>
+            </a:r>
+            <a:r>
+              <a:rPr/>
+              <a:t> </a:t>
+            </a:r>
+            <a:r>
+              <a:rPr/>
+              <a:t>testés</a:t>
+            </a:r>
+            <a:r>
+              <a:rPr/>
+              <a:t> </a:t>
+            </a:r>
+            <a:r>
+              <a:rPr/>
+              <a:t>-</a:t>
+            </a:r>
+            <a:r>
+              <a:rPr/>
+              <a:t> </a:t>
+            </a:r>
+            <a:r>
+              <a:rPr/>
+              <a:t>Modèle</a:t>
+            </a:r>
+            <a:r>
+              <a:rPr/>
+              <a:t> </a:t>
+            </a:r>
+            <a:r>
+              <a:rPr/>
+              <a:t>de</a:t>
+            </a:r>
+            <a:r>
+              <a:rPr/>
+              <a:t> </a:t>
+            </a:r>
+            <a:r>
+              <a:rPr i="1"/>
+              <a:t>gradient</a:t>
+            </a:r>
+            <a:r>
+              <a:rPr i="1"/>
+              <a:t> </a:t>
+            </a:r>
+            <a:r>
+              <a:rPr i="1"/>
+              <a:t>boosting</a:t>
+            </a:r>
+          </a:p>
+        </p:txBody>
+      </p:sp>
+    </p:spTree>
+  </p:cSld>
+</p:sld>
+</file>
+
+<file path=ppt/slides/slide18.xml><?xml version="1.0" encoding="utf-8"?>
 <p:sld xmlns:a="http://schemas.openxmlformats.org/drawingml/2006/main" xmlns:r="http://schemas.openxmlformats.org/officeDocument/2006/relationships" xmlns:p="http://schemas.openxmlformats.org/presentationml/2006/main">
   <p:cSld>
     <p:spTree>
@@ -7134,7 +7362,7 @@
 </p:sld>
 </file>
 
-<file path=ppt/slides/slide17.xml><?xml version="1.0" encoding="utf-8"?>
+<file path=ppt/slides/slide19.xml><?xml version="1.0" encoding="utf-8"?>
 <p:sld xmlns:a="http://schemas.openxmlformats.org/drawingml/2006/main" xmlns:r="http://schemas.openxmlformats.org/officeDocument/2006/relationships" xmlns:p="http://schemas.openxmlformats.org/presentationml/2006/main">
   <p:cSld>
     <p:spTree>
@@ -7186,7 +7414,7 @@
       </p:sp>
       <p:pic>
         <p:nvPicPr>
-          <p:cNvPr descr="PP_files/figure-pptx/unnamed-chunk-3-1.png" id="0" name="Picture 1"/>
+          <p:cNvPr descr="PP_files/figure-pptx/unnamed-chunk-5-1.png" id="0" name="Picture 1"/>
           <p:cNvPicPr>
             <a:picLocks noGrp="1" noChangeAspect="1"/>
           </p:cNvPicPr>
@@ -7219,132 +7447,6 @@
 </p:sld>
 </file>
 
-<file path=ppt/slides/slide18.xml><?xml version="1.0" encoding="utf-8"?>
-<p:sld xmlns:a="http://schemas.openxmlformats.org/drawingml/2006/main" xmlns:r="http://schemas.openxmlformats.org/officeDocument/2006/relationships" xmlns:p="http://schemas.openxmlformats.org/presentationml/2006/main">
-  <p:cSld>
-    <p:spTree>
-      <p:nvGrpSpPr>
-        <p:cNvPr id="1" name=""/>
-        <p:cNvGrpSpPr/>
-        <p:nvPr/>
-      </p:nvGrpSpPr>
-      <p:grpSpPr>
-        <a:xfrm>
-          <a:off x="0" y="0"/>
-          <a:ext cx="0" cy="0"/>
-          <a:chOff x="0" y="0"/>
-          <a:chExt cx="0" cy="0"/>
-        </a:xfrm>
-      </p:grpSpPr>
-      <p:sp>
-        <p:nvSpPr>
-          <p:cNvPr id="2" name="Title 1"/>
-          <p:cNvSpPr>
-            <a:spLocks noGrp="1"/>
-          </p:cNvSpPr>
-          <p:nvPr>
-            <p:ph type="title"/>
-          </p:nvPr>
-        </p:nvSpPr>
-        <p:spPr/>
-        <p:txBody>
-          <a:bodyPr/>
-          <a:lstStyle/>
-          <a:p>
-            <a:pPr lvl="0" marL="0" indent="0">
-              <a:buNone/>
-            </a:pPr>
-            <a:r>
-              <a:rPr/>
-              <a:t>Forêt</a:t>
-            </a:r>
-            <a:r>
-              <a:rPr/>
-              <a:t> </a:t>
-            </a:r>
-            <a:r>
-              <a:rPr/>
-              <a:t>aléatoire</a:t>
-            </a:r>
-            <a:r>
-              <a:rPr/>
-              <a:t> </a:t>
-            </a:r>
-            <a:r>
-              <a:rPr/>
-              <a:t>(suite)</a:t>
-            </a:r>
-          </a:p>
-        </p:txBody>
-      </p:sp>
-    </p:spTree>
-  </p:cSld>
-</p:sld>
-</file>
-
-<file path=ppt/slides/slide19.xml><?xml version="1.0" encoding="utf-8"?>
-<p:sld xmlns:a="http://schemas.openxmlformats.org/drawingml/2006/main" xmlns:r="http://schemas.openxmlformats.org/officeDocument/2006/relationships" xmlns:p="http://schemas.openxmlformats.org/presentationml/2006/main">
-  <p:cSld>
-    <p:spTree>
-      <p:nvGrpSpPr>
-        <p:cNvPr id="1" name=""/>
-        <p:cNvGrpSpPr/>
-        <p:nvPr/>
-      </p:nvGrpSpPr>
-      <p:grpSpPr>
-        <a:xfrm>
-          <a:off x="0" y="0"/>
-          <a:ext cx="0" cy="0"/>
-          <a:chOff x="0" y="0"/>
-          <a:chExt cx="0" cy="0"/>
-        </a:xfrm>
-      </p:grpSpPr>
-      <p:sp>
-        <p:nvSpPr>
-          <p:cNvPr id="2" name="Title 1"/>
-          <p:cNvSpPr>
-            <a:spLocks noGrp="1"/>
-          </p:cNvSpPr>
-          <p:nvPr>
-            <p:ph type="title"/>
-          </p:nvPr>
-        </p:nvSpPr>
-        <p:spPr/>
-        <p:txBody>
-          <a:bodyPr/>
-          <a:lstStyle/>
-          <a:p>
-            <a:pPr lvl="0" marL="0" indent="0">
-              <a:buNone/>
-            </a:pPr>
-            <a:r>
-              <a:rPr/>
-              <a:t>Forêt</a:t>
-            </a:r>
-            <a:r>
-              <a:rPr/>
-              <a:t> </a:t>
-            </a:r>
-            <a:r>
-              <a:rPr/>
-              <a:t>aléatoire</a:t>
-            </a:r>
-            <a:r>
-              <a:rPr/>
-              <a:t> </a:t>
-            </a:r>
-            <a:r>
-              <a:rPr/>
-              <a:t>(suite)</a:t>
-            </a:r>
-          </a:p>
-        </p:txBody>
-      </p:sp>
-    </p:spTree>
-  </p:cSld>
-</p:sld>
-</file>
-
 <file path=ppt/slides/slide2.xml><?xml version="1.0" encoding="utf-8"?>
 <p:sld xmlns:a="http://schemas.openxmlformats.org/drawingml/2006/main" xmlns:r="http://schemas.openxmlformats.org/officeDocument/2006/relationships" xmlns:p="http://schemas.openxmlformats.org/presentationml/2006/main">
   <p:cSld>
@@ -7450,6 +7552,36 @@
           </a:p>
         </p:txBody>
       </p:sp>
+      <p:pic>
+        <p:nvPicPr>
+          <p:cNvPr descr="PP_files/figure-pptx/unnamed-chunk-6-1.png" id="0" name="Picture 1"/>
+          <p:cNvPicPr>
+            <a:picLocks noGrp="1" noChangeAspect="1"/>
+          </p:cNvPicPr>
+          <p:nvPr/>
+        </p:nvPicPr>
+        <p:blipFill>
+          <a:blip r:embed="rId2"/>
+          <a:stretch>
+            <a:fillRect/>
+          </a:stretch>
+        </p:blipFill>
+        <p:spPr bwMode="auto">
+          <a:xfrm>
+            <a:off x="2540000" y="2159000"/>
+            <a:ext cx="4838700" cy="3873500"/>
+          </a:xfrm>
+          <a:prstGeom prst="rect">
+            <a:avLst/>
+          </a:prstGeom>
+          <a:noFill/>
+          <a:ln w="9525">
+            <a:noFill/>
+            <a:headEnd/>
+            <a:tailEnd/>
+          </a:ln>
+        </p:spPr>
+      </p:pic>
     </p:spTree>
   </p:cSld>
 </p:sld>
@@ -7492,35 +7624,57 @@
             </a:pPr>
             <a:r>
               <a:rPr/>
-              <a:t>Modèle</a:t>
-            </a:r>
-            <a:r>
-              <a:rPr/>
-              <a:t> </a:t>
-            </a:r>
-            <a:r>
-              <a:rPr/>
-              <a:t>de</a:t>
-            </a:r>
-            <a:r>
-              <a:rPr/>
-              <a:t> </a:t>
-            </a:r>
-            <a:r>
-              <a:rPr i="1"/>
-              <a:t>gradient</a:t>
-            </a:r>
-            <a:r>
-              <a:rPr i="1"/>
-              <a:t> </a:t>
-            </a:r>
-            <a:r>
-              <a:rPr i="1"/>
-              <a:t>boosting</a:t>
-            </a:r>
-          </a:p>
-        </p:txBody>
-      </p:sp>
+              <a:t>Forêt</a:t>
+            </a:r>
+            <a:r>
+              <a:rPr/>
+              <a:t> </a:t>
+            </a:r>
+            <a:r>
+              <a:rPr/>
+              <a:t>aléatoire</a:t>
+            </a:r>
+            <a:r>
+              <a:rPr/>
+              <a:t> </a:t>
+            </a:r>
+            <a:r>
+              <a:rPr/>
+              <a:t>(suite)</a:t>
+            </a:r>
+          </a:p>
+        </p:txBody>
+      </p:sp>
+      <p:pic>
+        <p:nvPicPr>
+          <p:cNvPr descr="PP_files/figure-pptx/unnamed-chunk-7-1.png" id="0" name="Picture 1"/>
+          <p:cNvPicPr>
+            <a:picLocks noGrp="1" noChangeAspect="1"/>
+          </p:cNvPicPr>
+          <p:nvPr/>
+        </p:nvPicPr>
+        <p:blipFill>
+          <a:blip r:embed="rId2"/>
+          <a:stretch>
+            <a:fillRect/>
+          </a:stretch>
+        </p:blipFill>
+        <p:spPr bwMode="auto">
+          <a:xfrm>
+            <a:off x="2540000" y="2159000"/>
+            <a:ext cx="4838700" cy="3873500"/>
+          </a:xfrm>
+          <a:prstGeom prst="rect">
+            <a:avLst/>
+          </a:prstGeom>
+          <a:noFill/>
+          <a:ln w="9525">
+            <a:noFill/>
+            <a:headEnd/>
+            <a:tailEnd/>
+          </a:ln>
+        </p:spPr>
+      </p:pic>
     </p:spTree>
   </p:cSld>
 </p:sld>
@@ -7563,99 +7717,57 @@
             </a:pPr>
             <a:r>
               <a:rPr/>
-              <a:t>Bibliographie</a:t>
-            </a:r>
-          </a:p>
-        </p:txBody>
-      </p:sp>
-      <p:sp>
-        <p:nvSpPr>
-          <p:cNvPr id="3" name="Content Placeholder 2"/>
-          <p:cNvSpPr>
-            <a:spLocks noGrp="1"/>
-          </p:cNvSpPr>
-          <p:nvPr>
-            <p:ph idx="1"/>
-          </p:nvPr>
-        </p:nvSpPr>
-        <p:spPr/>
-        <p:txBody>
-          <a:bodyPr/>
-          <a:lstStyle/>
-          <a:p>
-            <a:pPr lvl="1">
-              <a:buAutoNum type="arabicPeriod"/>
-            </a:pPr>
-            <a:r>
-              <a:rPr/>
-              <a:t>Kaggle, harlfoxen (2017). House sales in King County, USA. Récupéré le 27 février 2020 de </a:t>
-            </a:r>
-            <a:r>
-              <a:rPr>
-                <a:hlinkClick r:id="rId2"/>
-              </a:rPr>
-              <a:t>https://www.kaggle.com/harlfoxem/housesalesprediction</a:t>
-            </a:r>
-            <a:r>
-              <a:rPr/>
-              <a:t>. </a:t>
-            </a:r>
-          </a:p>
-          <a:p>
-            <a:pPr lvl="1">
-              <a:buAutoNum type="arabicPeriod"/>
-            </a:pPr>
-            <a:r>
-              <a:rPr/>
-              <a:t>Max Kuhn (2020). caret: Classification and Regression Training. R package version 6.0-85. </a:t>
-            </a:r>
-            <a:r>
-              <a:rPr>
-                <a:hlinkClick r:id="rId3"/>
-              </a:rPr>
-              <a:t>https://CRAN.R-project.org/package=caret</a:t>
-            </a:r>
-            <a:r>
-              <a:rPr/>
-              <a:t> </a:t>
-            </a:r>
-          </a:p>
-          <a:p>
-            <a:pPr lvl="1">
-              <a:buAutoNum type="arabicPeriod"/>
-            </a:pPr>
-            <a:r>
-              <a:rPr/>
-              <a:t>Terry Therneau and Beth Atkinson (2019). rpart: Recursive Partitioning and Regression Trees. R package version 4.1-15. </a:t>
-            </a:r>
-            <a:r>
-              <a:rPr>
-                <a:hlinkClick r:id="rId4"/>
-              </a:rPr>
-              <a:t>https://CRAN.R-project.org/package=rpart</a:t>
-            </a:r>
-            <a:r>
-              <a:rPr/>
-              <a:t> </a:t>
-            </a:r>
-          </a:p>
-          <a:p>
-            <a:pPr lvl="1">
-              <a:buAutoNum type="arabicPeriod"/>
-            </a:pPr>
-            <a:r>
-              <a:rPr/>
-              <a:t>Stephen Milborrow (2019). rpart.plot: Plot ‘rpart’ Models: An Enhanced Version of ‘plot.rpart’. R package version 3.0.8. </a:t>
-            </a:r>
-            <a:r>
-              <a:rPr>
-                <a:hlinkClick r:id="rId5"/>
-              </a:rPr>
-              <a:t>https://CRAN.R-project.org/package=rpart.plot</a:t>
-            </a:r>
-          </a:p>
-        </p:txBody>
-      </p:sp>
+              <a:t>Forêt</a:t>
+            </a:r>
+            <a:r>
+              <a:rPr/>
+              <a:t> </a:t>
+            </a:r>
+            <a:r>
+              <a:rPr/>
+              <a:t>aléatoire</a:t>
+            </a:r>
+            <a:r>
+              <a:rPr/>
+              <a:t> </a:t>
+            </a:r>
+            <a:r>
+              <a:rPr/>
+              <a:t>(suite)</a:t>
+            </a:r>
+          </a:p>
+        </p:txBody>
+      </p:sp>
+      <p:pic>
+        <p:nvPicPr>
+          <p:cNvPr descr="PP_files/figure-pptx/unnamed-chunk-8-1.png" id="0" name="Picture 1"/>
+          <p:cNvPicPr>
+            <a:picLocks noGrp="1" noChangeAspect="1"/>
+          </p:cNvPicPr>
+          <p:nvPr/>
+        </p:nvPicPr>
+        <p:blipFill>
+          <a:blip r:embed="rId2"/>
+          <a:stretch>
+            <a:fillRect/>
+          </a:stretch>
+        </p:blipFill>
+        <p:spPr bwMode="auto">
+          <a:xfrm>
+            <a:off x="2540000" y="2159000"/>
+            <a:ext cx="4838700" cy="3873500"/>
+          </a:xfrm>
+          <a:prstGeom prst="rect">
+            <a:avLst/>
+          </a:prstGeom>
+          <a:noFill/>
+          <a:ln w="9525">
+            <a:noFill/>
+            <a:headEnd/>
+            <a:tailEnd/>
+          </a:ln>
+        </p:spPr>
+      </p:pic>
     </p:spTree>
   </p:cSld>
 </p:sld>
@@ -7698,6 +7810,212 @@
             </a:pPr>
             <a:r>
               <a:rPr/>
+              <a:t>Modèle</a:t>
+            </a:r>
+            <a:r>
+              <a:rPr/>
+              <a:t> </a:t>
+            </a:r>
+            <a:r>
+              <a:rPr/>
+              <a:t>de</a:t>
+            </a:r>
+            <a:r>
+              <a:rPr/>
+              <a:t> </a:t>
+            </a:r>
+            <a:r>
+              <a:rPr i="1"/>
+              <a:t>gradient</a:t>
+            </a:r>
+            <a:r>
+              <a:rPr i="1"/>
+              <a:t> </a:t>
+            </a:r>
+            <a:r>
+              <a:rPr i="1"/>
+              <a:t>boosting</a:t>
+            </a:r>
+          </a:p>
+        </p:txBody>
+      </p:sp>
+    </p:spTree>
+  </p:cSld>
+</p:sld>
+</file>
+
+<file path=ppt/slides/slide24.xml><?xml version="1.0" encoding="utf-8"?>
+<p:sld xmlns:a="http://schemas.openxmlformats.org/drawingml/2006/main" xmlns:r="http://schemas.openxmlformats.org/officeDocument/2006/relationships" xmlns:p="http://schemas.openxmlformats.org/presentationml/2006/main">
+  <p:cSld>
+    <p:spTree>
+      <p:nvGrpSpPr>
+        <p:cNvPr id="1" name=""/>
+        <p:cNvGrpSpPr/>
+        <p:nvPr/>
+      </p:nvGrpSpPr>
+      <p:grpSpPr>
+        <a:xfrm>
+          <a:off x="0" y="0"/>
+          <a:ext cx="0" cy="0"/>
+          <a:chOff x="0" y="0"/>
+          <a:chExt cx="0" cy="0"/>
+        </a:xfrm>
+      </p:grpSpPr>
+      <p:sp>
+        <p:nvSpPr>
+          <p:cNvPr id="2" name="Title 1"/>
+          <p:cNvSpPr>
+            <a:spLocks noGrp="1"/>
+          </p:cNvSpPr>
+          <p:nvPr>
+            <p:ph type="title"/>
+          </p:nvPr>
+        </p:nvSpPr>
+        <p:spPr/>
+        <p:txBody>
+          <a:bodyPr/>
+          <a:lstStyle/>
+          <a:p>
+            <a:pPr lvl="0" marL="0" indent="0">
+              <a:buNone/>
+            </a:pPr>
+            <a:r>
+              <a:rPr/>
+              <a:t>Bibliographie</a:t>
+            </a:r>
+          </a:p>
+        </p:txBody>
+      </p:sp>
+      <p:sp>
+        <p:nvSpPr>
+          <p:cNvPr id="3" name="Content Placeholder 2"/>
+          <p:cNvSpPr>
+            <a:spLocks noGrp="1"/>
+          </p:cNvSpPr>
+          <p:nvPr>
+            <p:ph idx="1"/>
+          </p:nvPr>
+        </p:nvSpPr>
+        <p:spPr/>
+        <p:txBody>
+          <a:bodyPr/>
+          <a:lstStyle/>
+          <a:p>
+            <a:pPr lvl="1">
+              <a:buAutoNum type="arabicPeriod"/>
+            </a:pPr>
+            <a:r>
+              <a:rPr/>
+              <a:t>Kaggle, harlfoxen (2017). House sales in King County, USA. Récupéré le 27 février 2020 de </a:t>
+            </a:r>
+            <a:r>
+              <a:rPr>
+                <a:hlinkClick r:id="rId2"/>
+              </a:rPr>
+              <a:t>https://www.kaggle.com/harlfoxem/housesalesprediction</a:t>
+            </a:r>
+            <a:r>
+              <a:rPr/>
+              <a:t>. </a:t>
+            </a:r>
+          </a:p>
+          <a:p>
+            <a:pPr lvl="1">
+              <a:buAutoNum type="arabicPeriod"/>
+            </a:pPr>
+            <a:r>
+              <a:rPr/>
+              <a:t>Max Kuhn (2020). caret: Classification and Regression Training. R package version 6.0-85. </a:t>
+            </a:r>
+            <a:r>
+              <a:rPr>
+                <a:hlinkClick r:id="rId3"/>
+              </a:rPr>
+              <a:t>https://CRAN.R-project.org/package=caret</a:t>
+            </a:r>
+            <a:r>
+              <a:rPr/>
+              <a:t> </a:t>
+            </a:r>
+          </a:p>
+          <a:p>
+            <a:pPr lvl="1">
+              <a:buAutoNum type="arabicPeriod"/>
+            </a:pPr>
+            <a:r>
+              <a:rPr/>
+              <a:t>Terry Therneau and Beth Atkinson (2019). rpart: Recursive Partitioning and Regression Trees. R package version 4.1-15. </a:t>
+            </a:r>
+            <a:r>
+              <a:rPr>
+                <a:hlinkClick r:id="rId4"/>
+              </a:rPr>
+              <a:t>https://CRAN.R-project.org/package=rpart</a:t>
+            </a:r>
+            <a:r>
+              <a:rPr/>
+              <a:t> </a:t>
+            </a:r>
+          </a:p>
+          <a:p>
+            <a:pPr lvl="1">
+              <a:buAutoNum type="arabicPeriod"/>
+            </a:pPr>
+            <a:r>
+              <a:rPr/>
+              <a:t>Stephen Milborrow (2019). rpart.plot: Plot ‘rpart’ Models: An Enhanced Version of ‘plot.rpart’. R package version 3.0.8. </a:t>
+            </a:r>
+            <a:r>
+              <a:rPr>
+                <a:hlinkClick r:id="rId5"/>
+              </a:rPr>
+              <a:t>https://CRAN.R-project.org/package=rpart.plot</a:t>
+            </a:r>
+          </a:p>
+        </p:txBody>
+      </p:sp>
+    </p:spTree>
+  </p:cSld>
+</p:sld>
+</file>
+
+<file path=ppt/slides/slide25.xml><?xml version="1.0" encoding="utf-8"?>
+<p:sld xmlns:a="http://schemas.openxmlformats.org/drawingml/2006/main" xmlns:r="http://schemas.openxmlformats.org/officeDocument/2006/relationships" xmlns:p="http://schemas.openxmlformats.org/presentationml/2006/main">
+  <p:cSld>
+    <p:spTree>
+      <p:nvGrpSpPr>
+        <p:cNvPr id="1" name=""/>
+        <p:cNvGrpSpPr/>
+        <p:nvPr/>
+      </p:nvGrpSpPr>
+      <p:grpSpPr>
+        <a:xfrm>
+          <a:off x="0" y="0"/>
+          <a:ext cx="0" cy="0"/>
+          <a:chOff x="0" y="0"/>
+          <a:chExt cx="0" cy="0"/>
+        </a:xfrm>
+      </p:grpSpPr>
+      <p:sp>
+        <p:nvSpPr>
+          <p:cNvPr id="2" name="Title 1"/>
+          <p:cNvSpPr>
+            <a:spLocks noGrp="1"/>
+          </p:cNvSpPr>
+          <p:nvPr>
+            <p:ph type="title"/>
+          </p:nvPr>
+        </p:nvSpPr>
+        <p:spPr/>
+        <p:txBody>
+          <a:bodyPr/>
+          <a:lstStyle/>
+          <a:p>
+            <a:pPr lvl="0" marL="0" indent="0">
+              <a:buNone/>
+            </a:pPr>
+            <a:r>
+              <a:rPr/>
               <a:t>Bibliographie</a:t>
             </a:r>
           </a:p>
@@ -7992,6 +8310,64 @@
             <a:r>
               <a:rPr/>
               <a:t>l’étude</a:t>
+            </a:r>
+          </a:p>
+        </p:txBody>
+      </p:sp>
+      <p:sp>
+        <p:nvSpPr>
+          <p:cNvPr id="3" name="Content Placeholder 2"/>
+          <p:cNvSpPr>
+            <a:spLocks noGrp="1"/>
+          </p:cNvSpPr>
+          <p:nvPr>
+            <p:ph idx="1"/>
+          </p:nvPr>
+        </p:nvSpPr>
+        <p:spPr/>
+        <p:txBody>
+          <a:bodyPr/>
+          <a:lstStyle/>
+          <a:p>
+            <a:pPr lvl="1"/>
+            <a:r>
+              <a:rPr/>
+              <a:t>Prix de vente des maisons dans le conté de King County (Washington, USA)</a:t>
+            </a:r>
+          </a:p>
+          <a:p>
+            <a:pPr lvl="1"/>
+            <a:r>
+              <a:rPr/>
+              <a:t>Maisons vendues entre mai 2014 et mai 2015</a:t>
+            </a:r>
+          </a:p>
+          <a:p>
+            <a:pPr lvl="1"/>
+            <a:r>
+              <a:rPr/>
+              <a:t>21 613 lignes pour 21 colonnes (variables)</a:t>
+            </a:r>
+          </a:p>
+          <a:p>
+            <a:pPr lvl="1"/>
+            <a:r>
+              <a:rPr/>
+              <a:t>Quelques utilités actuariels…</a:t>
+            </a:r>
+          </a:p>
+          <a:p>
+            <a:pPr lvl="1"/>
+            <a:r>
+              <a:rPr/>
+              <a:t>Futures soumissions d’assurance habitation</a:t>
+            </a:r>
+          </a:p>
+          <a:p>
+            <a:pPr lvl="1"/>
+            <a:r>
+              <a:rPr/>
+              <a:t>Prêts hypothécaire à des fins de hedging</a:t>
             </a:r>
           </a:p>
         </p:txBody>
@@ -8147,7 +8523,7 @@
             </a:r>
             <a:r>
               <a:rPr/>
-              <a:t>composante</a:t>
+              <a:t>composantes</a:t>
             </a:r>
             <a:r>
               <a:rPr/>

--- a/PP.pptx
+++ b/PP.pptx
@@ -30,6 +30,7 @@
     <p:sldId id="278" r:id="rId24"/>
     <p:sldId id="279" r:id="rId25"/>
     <p:sldId id="280" r:id="rId26"/>
+    <p:sldId id="281" r:id="rId27"/>
   </p:sldIdLst>
   <p:sldSz cx="12192000" cy="6858000"/>
   <p:notesSz cx="6858000" cy="9144000"/>
@@ -5848,6 +5849,536 @@
           <a:chExt cx="0" cy="0"/>
         </a:xfrm>
       </p:grpSpPr>
+      <p:grpSp>
+        <p:nvGrpSpPr>
+          <p:cNvPr id="7" name="Group 6"/>
+          <p:cNvGrpSpPr/>
+          <p:nvPr/>
+        </p:nvGrpSpPr>
+        <p:grpSpPr>
+          <a:xfrm>
+            <a:off x="0" y="-8467"/>
+            <a:ext cx="12192000" cy="6866467"/>
+            <a:chOff x="0" y="-8467"/>
+            <a:chExt cx="12192000" cy="6866467"/>
+          </a:xfrm>
+        </p:grpSpPr>
+        <p:cxnSp>
+          <p:nvCxnSpPr>
+            <p:cNvPr id="32" name="Straight Connector 31"/>
+            <p:cNvCxnSpPr/>
+            <p:nvPr/>
+          </p:nvCxnSpPr>
+          <p:spPr>
+            <a:xfrm>
+              <a:off x="9371012" y="0"/>
+              <a:ext cx="1219200" cy="6858000"/>
+            </a:xfrm>
+            <a:prstGeom prst="line">
+              <a:avLst/>
+            </a:prstGeom>
+            <a:ln w="9525">
+              <a:solidFill>
+                <a:schemeClr val="bg1">
+                  <a:lumMod val="75000"/>
+                </a:schemeClr>
+              </a:solidFill>
+            </a:ln>
+          </p:spPr>
+          <p:style>
+            <a:lnRef idx="2">
+              <a:schemeClr val="accent1"/>
+            </a:lnRef>
+            <a:fillRef idx="0">
+              <a:schemeClr val="accent1"/>
+            </a:fillRef>
+            <a:effectRef idx="1">
+              <a:schemeClr val="accent1"/>
+            </a:effectRef>
+            <a:fontRef idx="minor">
+              <a:schemeClr val="tx1"/>
+            </a:fontRef>
+          </p:style>
+        </p:cxnSp>
+        <p:cxnSp>
+          <p:nvCxnSpPr>
+            <p:cNvPr id="21" name="Straight Connector 20"/>
+            <p:cNvCxnSpPr/>
+            <p:nvPr/>
+          </p:nvCxnSpPr>
+          <p:spPr>
+            <a:xfrm flipH="1">
+              <a:off x="7425267" y="3681413"/>
+              <a:ext cx="4763558" cy="3176587"/>
+            </a:xfrm>
+            <a:prstGeom prst="line">
+              <a:avLst/>
+            </a:prstGeom>
+            <a:ln w="9525">
+              <a:solidFill>
+                <a:schemeClr val="bg1">
+                  <a:lumMod val="85000"/>
+                </a:schemeClr>
+              </a:solidFill>
+            </a:ln>
+          </p:spPr>
+          <p:style>
+            <a:lnRef idx="2">
+              <a:schemeClr val="accent1"/>
+            </a:lnRef>
+            <a:fillRef idx="0">
+              <a:schemeClr val="accent1"/>
+            </a:fillRef>
+            <a:effectRef idx="1">
+              <a:schemeClr val="accent1"/>
+            </a:effectRef>
+            <a:fontRef idx="minor">
+              <a:schemeClr val="tx1"/>
+            </a:fontRef>
+          </p:style>
+        </p:cxnSp>
+        <p:sp>
+          <p:nvSpPr>
+            <p:cNvPr id="24" name="Rectangle 23"/>
+            <p:cNvSpPr/>
+            <p:nvPr/>
+          </p:nvSpPr>
+          <p:spPr>
+            <a:xfrm>
+              <a:off x="9181476" y="-8467"/>
+              <a:ext cx="3007349" cy="6866467"/>
+            </a:xfrm>
+            <a:custGeom>
+              <a:avLst/>
+              <a:gdLst/>
+              <a:ahLst/>
+              <a:cxnLst/>
+              <a:rect l="l" t="t" r="r" b="b"/>
+              <a:pathLst>
+                <a:path w="3007349" h="6866467">
+                  <a:moveTo>
+                    <a:pt x="2045532" y="0"/>
+                  </a:moveTo>
+                  <a:lnTo>
+                    <a:pt x="3007349" y="0"/>
+                  </a:lnTo>
+                  <a:lnTo>
+                    <a:pt x="3007349" y="6866467"/>
+                  </a:lnTo>
+                  <a:lnTo>
+                    <a:pt x="0" y="6866467"/>
+                  </a:lnTo>
+                  <a:lnTo>
+                    <a:pt x="2045532" y="0"/>
+                  </a:lnTo>
+                  <a:close/>
+                </a:path>
+              </a:pathLst>
+            </a:custGeom>
+            <a:solidFill>
+              <a:schemeClr val="accent1">
+                <a:alpha val="30000"/>
+              </a:schemeClr>
+            </a:solidFill>
+            <a:ln>
+              <a:noFill/>
+            </a:ln>
+            <a:effectLst/>
+          </p:spPr>
+          <p:style>
+            <a:lnRef idx="1">
+              <a:schemeClr val="accent1"/>
+            </a:lnRef>
+            <a:fillRef idx="3">
+              <a:schemeClr val="accent1"/>
+            </a:fillRef>
+            <a:effectRef idx="2">
+              <a:schemeClr val="accent1"/>
+            </a:effectRef>
+            <a:fontRef idx="minor">
+              <a:schemeClr val="lt1"/>
+            </a:fontRef>
+          </p:style>
+        </p:sp>
+        <p:sp>
+          <p:nvSpPr>
+            <p:cNvPr id="26" name="Rectangle 25"/>
+            <p:cNvSpPr/>
+            <p:nvPr/>
+          </p:nvSpPr>
+          <p:spPr>
+            <a:xfrm>
+              <a:off x="9603442" y="-8467"/>
+              <a:ext cx="2588558" cy="6866467"/>
+            </a:xfrm>
+            <a:custGeom>
+              <a:avLst/>
+              <a:gdLst/>
+              <a:ahLst/>
+              <a:cxnLst/>
+              <a:rect l="l" t="t" r="r" b="b"/>
+              <a:pathLst>
+                <a:path w="2573311" h="6866467">
+                  <a:moveTo>
+                    <a:pt x="0" y="0"/>
+                  </a:moveTo>
+                  <a:lnTo>
+                    <a:pt x="2573311" y="0"/>
+                  </a:lnTo>
+                  <a:lnTo>
+                    <a:pt x="2573311" y="6866467"/>
+                  </a:lnTo>
+                  <a:lnTo>
+                    <a:pt x="1202336" y="6866467"/>
+                  </a:lnTo>
+                  <a:lnTo>
+                    <a:pt x="0" y="0"/>
+                  </a:lnTo>
+                  <a:close/>
+                </a:path>
+              </a:pathLst>
+            </a:custGeom>
+            <a:solidFill>
+              <a:schemeClr val="accent1">
+                <a:alpha val="20000"/>
+              </a:schemeClr>
+            </a:solidFill>
+            <a:ln>
+              <a:noFill/>
+            </a:ln>
+            <a:effectLst/>
+          </p:spPr>
+          <p:style>
+            <a:lnRef idx="1">
+              <a:schemeClr val="accent1"/>
+            </a:lnRef>
+            <a:fillRef idx="3">
+              <a:schemeClr val="accent1"/>
+            </a:fillRef>
+            <a:effectRef idx="2">
+              <a:schemeClr val="accent1"/>
+            </a:effectRef>
+            <a:fontRef idx="minor">
+              <a:schemeClr val="lt1"/>
+            </a:fontRef>
+          </p:style>
+        </p:sp>
+        <p:sp>
+          <p:nvSpPr>
+            <p:cNvPr id="27" name="Isosceles Triangle 26"/>
+            <p:cNvSpPr/>
+            <p:nvPr/>
+          </p:nvSpPr>
+          <p:spPr>
+            <a:xfrm>
+              <a:off x="8932333" y="3048000"/>
+              <a:ext cx="3259667" cy="3810000"/>
+            </a:xfrm>
+            <a:prstGeom prst="triangle">
+              <a:avLst>
+                <a:gd name="adj" fmla="val 100000"/>
+              </a:avLst>
+            </a:prstGeom>
+            <a:solidFill>
+              <a:schemeClr val="accent2">
+                <a:alpha val="72000"/>
+              </a:schemeClr>
+            </a:solidFill>
+            <a:ln>
+              <a:noFill/>
+            </a:ln>
+            <a:effectLst/>
+          </p:spPr>
+          <p:style>
+            <a:lnRef idx="1">
+              <a:schemeClr val="accent1"/>
+            </a:lnRef>
+            <a:fillRef idx="3">
+              <a:schemeClr val="accent1"/>
+            </a:fillRef>
+            <a:effectRef idx="2">
+              <a:schemeClr val="accent1"/>
+            </a:effectRef>
+            <a:fontRef idx="minor">
+              <a:schemeClr val="lt1"/>
+            </a:fontRef>
+          </p:style>
+        </p:sp>
+        <p:sp>
+          <p:nvSpPr>
+            <p:cNvPr id="28" name="Rectangle 27"/>
+            <p:cNvSpPr/>
+            <p:nvPr/>
+          </p:nvSpPr>
+          <p:spPr>
+            <a:xfrm>
+              <a:off x="9334500" y="-8467"/>
+              <a:ext cx="2854326" cy="6866467"/>
+            </a:xfrm>
+            <a:custGeom>
+              <a:avLst/>
+              <a:gdLst/>
+              <a:ahLst/>
+              <a:cxnLst/>
+              <a:rect l="l" t="t" r="r" b="b"/>
+              <a:pathLst>
+                <a:path w="2858013" h="6866467">
+                  <a:moveTo>
+                    <a:pt x="0" y="0"/>
+                  </a:moveTo>
+                  <a:lnTo>
+                    <a:pt x="2858013" y="0"/>
+                  </a:lnTo>
+                  <a:lnTo>
+                    <a:pt x="2858013" y="6866467"/>
+                  </a:lnTo>
+                  <a:lnTo>
+                    <a:pt x="2473942" y="6866467"/>
+                  </a:lnTo>
+                  <a:lnTo>
+                    <a:pt x="0" y="0"/>
+                  </a:lnTo>
+                  <a:close/>
+                </a:path>
+              </a:pathLst>
+            </a:custGeom>
+            <a:solidFill>
+              <a:schemeClr val="accent2">
+                <a:lumMod val="75000"/>
+                <a:alpha val="70000"/>
+              </a:schemeClr>
+            </a:solidFill>
+            <a:ln>
+              <a:noFill/>
+            </a:ln>
+            <a:effectLst/>
+          </p:spPr>
+          <p:style>
+            <a:lnRef idx="1">
+              <a:schemeClr val="accent1"/>
+            </a:lnRef>
+            <a:fillRef idx="3">
+              <a:schemeClr val="accent1"/>
+            </a:fillRef>
+            <a:effectRef idx="2">
+              <a:schemeClr val="accent1"/>
+            </a:effectRef>
+            <a:fontRef idx="minor">
+              <a:schemeClr val="lt1"/>
+            </a:fontRef>
+          </p:style>
+        </p:sp>
+        <p:sp>
+          <p:nvSpPr>
+            <p:cNvPr id="29" name="Rectangle 28"/>
+            <p:cNvSpPr/>
+            <p:nvPr/>
+          </p:nvSpPr>
+          <p:spPr>
+            <a:xfrm>
+              <a:off x="10898730" y="-8467"/>
+              <a:ext cx="1290094" cy="6866467"/>
+            </a:xfrm>
+            <a:custGeom>
+              <a:avLst/>
+              <a:gdLst/>
+              <a:ahLst/>
+              <a:cxnLst/>
+              <a:rect l="l" t="t" r="r" b="b"/>
+              <a:pathLst>
+                <a:path w="1290094" h="6858000">
+                  <a:moveTo>
+                    <a:pt x="1019735" y="0"/>
+                  </a:moveTo>
+                  <a:lnTo>
+                    <a:pt x="1290094" y="0"/>
+                  </a:lnTo>
+                  <a:lnTo>
+                    <a:pt x="1290094" y="6858000"/>
+                  </a:lnTo>
+                  <a:lnTo>
+                    <a:pt x="0" y="6858000"/>
+                  </a:lnTo>
+                  <a:lnTo>
+                    <a:pt x="1019735" y="0"/>
+                  </a:lnTo>
+                  <a:close/>
+                </a:path>
+              </a:pathLst>
+            </a:custGeom>
+            <a:solidFill>
+              <a:schemeClr val="accent1">
+                <a:lumMod val="60000"/>
+                <a:lumOff val="40000"/>
+                <a:alpha val="70000"/>
+              </a:schemeClr>
+            </a:solidFill>
+            <a:ln>
+              <a:noFill/>
+            </a:ln>
+            <a:effectLst/>
+          </p:spPr>
+          <p:style>
+            <a:lnRef idx="1">
+              <a:schemeClr val="accent1"/>
+            </a:lnRef>
+            <a:fillRef idx="3">
+              <a:schemeClr val="accent1"/>
+            </a:fillRef>
+            <a:effectRef idx="2">
+              <a:schemeClr val="accent1"/>
+            </a:effectRef>
+            <a:fontRef idx="minor">
+              <a:schemeClr val="lt1"/>
+            </a:fontRef>
+          </p:style>
+        </p:sp>
+        <p:sp>
+          <p:nvSpPr>
+            <p:cNvPr id="30" name="Rectangle 29"/>
+            <p:cNvSpPr/>
+            <p:nvPr/>
+          </p:nvSpPr>
+          <p:spPr>
+            <a:xfrm>
+              <a:off x="10938999" y="-8467"/>
+              <a:ext cx="1249825" cy="6866467"/>
+            </a:xfrm>
+            <a:custGeom>
+              <a:avLst/>
+              <a:gdLst/>
+              <a:ahLst/>
+              <a:cxnLst/>
+              <a:rect l="l" t="t" r="r" b="b"/>
+              <a:pathLst>
+                <a:path w="1249825" h="6858000">
+                  <a:moveTo>
+                    <a:pt x="0" y="0"/>
+                  </a:moveTo>
+                  <a:lnTo>
+                    <a:pt x="1249825" y="0"/>
+                  </a:lnTo>
+                  <a:lnTo>
+                    <a:pt x="1249825" y="6858000"/>
+                  </a:lnTo>
+                  <a:lnTo>
+                    <a:pt x="1109382" y="6858000"/>
+                  </a:lnTo>
+                  <a:lnTo>
+                    <a:pt x="0" y="0"/>
+                  </a:lnTo>
+                  <a:close/>
+                </a:path>
+              </a:pathLst>
+            </a:custGeom>
+            <a:solidFill>
+              <a:schemeClr val="accent1">
+                <a:alpha val="65000"/>
+              </a:schemeClr>
+            </a:solidFill>
+            <a:ln>
+              <a:noFill/>
+            </a:ln>
+            <a:effectLst/>
+          </p:spPr>
+          <p:style>
+            <a:lnRef idx="1">
+              <a:schemeClr val="accent1"/>
+            </a:lnRef>
+            <a:fillRef idx="3">
+              <a:schemeClr val="accent1"/>
+            </a:fillRef>
+            <a:effectRef idx="2">
+              <a:schemeClr val="accent1"/>
+            </a:effectRef>
+            <a:fontRef idx="minor">
+              <a:schemeClr val="lt1"/>
+            </a:fontRef>
+          </p:style>
+        </p:sp>
+        <p:sp>
+          <p:nvSpPr>
+            <p:cNvPr id="31" name="Isosceles Triangle 30"/>
+            <p:cNvSpPr/>
+            <p:nvPr/>
+          </p:nvSpPr>
+          <p:spPr>
+            <a:xfrm>
+              <a:off x="10371666" y="3589867"/>
+              <a:ext cx="1817159" cy="3268133"/>
+            </a:xfrm>
+            <a:prstGeom prst="triangle">
+              <a:avLst>
+                <a:gd name="adj" fmla="val 100000"/>
+              </a:avLst>
+            </a:prstGeom>
+            <a:solidFill>
+              <a:schemeClr val="accent1">
+                <a:alpha val="80000"/>
+              </a:schemeClr>
+            </a:solidFill>
+            <a:ln>
+              <a:noFill/>
+            </a:ln>
+            <a:effectLst/>
+          </p:spPr>
+          <p:style>
+            <a:lnRef idx="1">
+              <a:schemeClr val="accent1"/>
+            </a:lnRef>
+            <a:fillRef idx="3">
+              <a:schemeClr val="accent1"/>
+            </a:fillRef>
+            <a:effectRef idx="2">
+              <a:schemeClr val="accent1"/>
+            </a:effectRef>
+            <a:fontRef idx="minor">
+              <a:schemeClr val="lt1"/>
+            </a:fontRef>
+          </p:style>
+        </p:sp>
+        <p:sp>
+          <p:nvSpPr>
+            <p:cNvPr id="19" name="Isosceles Triangle 18"/>
+            <p:cNvSpPr/>
+            <p:nvPr/>
+          </p:nvSpPr>
+          <p:spPr>
+            <a:xfrm rot="10800000">
+              <a:off x="0" y="0"/>
+              <a:ext cx="842596" cy="5666154"/>
+            </a:xfrm>
+            <a:prstGeom prst="triangle">
+              <a:avLst>
+                <a:gd name="adj" fmla="val 100000"/>
+              </a:avLst>
+            </a:prstGeom>
+            <a:solidFill>
+              <a:schemeClr val="accent1">
+                <a:alpha val="85000"/>
+              </a:schemeClr>
+            </a:solidFill>
+            <a:ln>
+              <a:noFill/>
+            </a:ln>
+            <a:effectLst/>
+          </p:spPr>
+          <p:style>
+            <a:lnRef idx="1">
+              <a:schemeClr val="accent1"/>
+            </a:lnRef>
+            <a:fillRef idx="3">
+              <a:schemeClr val="accent1"/>
+            </a:fillRef>
+            <a:effectRef idx="2">
+              <a:schemeClr val="accent1"/>
+            </a:effectRef>
+            <a:fontRef idx="minor">
+              <a:schemeClr val="lt1"/>
+            </a:fontRef>
+          </p:style>
+        </p:sp>
+      </p:grpSp>
       <p:sp>
         <p:nvSpPr>
           <p:cNvPr id="2" name="Title 1"/>
@@ -6104,7 +6635,7 @@
             </a:r>
             <a:r>
               <a:rPr/>
-              <a:t>linéaire</a:t>
+              <a:t>de</a:t>
             </a:r>
             <a:r>
               <a:rPr/>
@@ -6112,31 +6643,44 @@
             </a:r>
             <a:r>
               <a:rPr/>
-              <a:t>généralisé</a:t>
-            </a:r>
-            <a:r>
-              <a:rPr/>
-              <a:t> </a:t>
-            </a:r>
-            <a:r>
-              <a:rPr/>
-              <a:t>avec</a:t>
-            </a:r>
-            <a:r>
-              <a:rPr/>
-              <a:t> </a:t>
-            </a:r>
-            <a:r>
-              <a:rPr/>
-              <a:t>régression</a:t>
-            </a:r>
-            <a:r>
-              <a:rPr/>
-              <a:t> </a:t>
-            </a:r>
-            <a:r>
-              <a:rPr/>
-              <a:t>Lasso</a:t>
+              <a:t>base</a:t>
+            </a:r>
+          </a:p>
+        </p:txBody>
+      </p:sp>
+      <p:sp>
+        <p:nvSpPr>
+          <p:cNvPr id="3" name="Content Placeholder 2"/>
+          <p:cNvSpPr>
+            <a:spLocks noGrp="1"/>
+          </p:cNvSpPr>
+          <p:nvPr>
+            <p:ph idx="1"/>
+          </p:nvPr>
+        </p:nvSpPr>
+        <p:spPr/>
+        <p:txBody>
+          <a:bodyPr/>
+          <a:lstStyle/>
+          <a:p>
+            <a:pPr lvl="1"/>
+            <a:r>
+              <a:rPr/>
+              <a:t>Régression linéaire multiple avec transformation logarithmique</a:t>
+            </a:r>
+          </a:p>
+          <a:p>
+            <a:pPr lvl="1"/>
+            <a:r>
+              <a:rPr/>
+              <a:t>Aucune interaction</a:t>
+            </a:r>
+          </a:p>
+          <a:p>
+            <a:pPr lvl="1"/>
+            <a:r>
+              <a:rPr/>
+              <a:t>Aucune sélection formelle de variables</a:t>
             </a:r>
           </a:p>
         </p:txBody>
@@ -6215,15 +6759,15 @@
             </a:r>
             <a:r>
               <a:rPr/>
-              <a:t>des</a:t>
+              <a:t>linéaire</a:t>
             </a:r>
             <a:r>
               <a:rPr/>
               <a:t> </a:t>
             </a:r>
             <a:r>
-              <a:rPr i="1"/>
-              <a:t>k</a:t>
+              <a:rPr/>
+              <a:t>généralisé</a:t>
             </a:r>
             <a:r>
               <a:rPr/>
@@ -6231,7 +6775,7 @@
             </a:r>
             <a:r>
               <a:rPr/>
-              <a:t>plus</a:t>
+              <a:t>avec</a:t>
             </a:r>
             <a:r>
               <a:rPr/>
@@ -6239,7 +6783,7 @@
             </a:r>
             <a:r>
               <a:rPr/>
-              <a:t>proches</a:t>
+              <a:t>régression</a:t>
             </a:r>
             <a:r>
               <a:rPr/>
@@ -6247,7 +6791,7 @@
             </a:r>
             <a:r>
               <a:rPr/>
-              <a:t>voisins</a:t>
+              <a:t>Lasso</a:t>
             </a:r>
           </a:p>
         </p:txBody>
@@ -6318,7 +6862,7 @@
             </a:r>
             <a:r>
               <a:rPr/>
-              <a:t>Arbre</a:t>
+              <a:t>Modèle</a:t>
             </a:r>
             <a:r>
               <a:rPr/>
@@ -6326,15 +6870,39 @@
             </a:r>
             <a:r>
               <a:rPr/>
-              <a:t>de</a:t>
+              <a:t>des</a:t>
             </a:r>
             <a:r>
               <a:rPr/>
               <a:t> </a:t>
             </a:r>
             <a:r>
-              <a:rPr/>
-              <a:t>décision</a:t>
+              <a:rPr i="1"/>
+              <a:t>k</a:t>
+            </a:r>
+            <a:r>
+              <a:rPr/>
+              <a:t> </a:t>
+            </a:r>
+            <a:r>
+              <a:rPr/>
+              <a:t>plus</a:t>
+            </a:r>
+            <a:r>
+              <a:rPr/>
+              <a:t> </a:t>
+            </a:r>
+            <a:r>
+              <a:rPr/>
+              <a:t>proches</a:t>
+            </a:r>
+            <a:r>
+              <a:rPr/>
+              <a:t> </a:t>
+            </a:r>
+            <a:r>
+              <a:rPr/>
+              <a:t>voisins</a:t>
             </a:r>
           </a:p>
         </p:txBody>
@@ -6405,7 +6973,7 @@
             </a:r>
             <a:r>
               <a:rPr/>
-              <a:t>Ensemble</a:t>
+              <a:t>Arbre</a:t>
             </a:r>
             <a:r>
               <a:rPr/>
@@ -6413,7 +6981,7 @@
             </a:r>
             <a:r>
               <a:rPr/>
-              <a:t>d’arbres</a:t>
+              <a:t>de</a:t>
             </a:r>
             <a:r>
               <a:rPr/>
@@ -6421,40 +6989,8 @@
             </a:r>
             <a:r>
               <a:rPr/>
-              <a:t>de</a:t>
-            </a:r>
-            <a:r>
-              <a:rPr/>
-              <a:t> </a:t>
-            </a:r>
-            <a:r>
-              <a:rPr/>
               <a:t>décision</a:t>
             </a:r>
-            <a:r>
-              <a:rPr/>
-              <a:t> </a:t>
-            </a:r>
-            <a:r>
-              <a:rPr/>
-              <a:t>agrégées</a:t>
-            </a:r>
-            <a:r>
-              <a:rPr/>
-              <a:t> </a:t>
-            </a:r>
-            <a:r>
-              <a:rPr/>
-              <a:t>par</a:t>
-            </a:r>
-            <a:r>
-              <a:rPr/>
-              <a:t> </a:t>
-            </a:r>
-            <a:r>
-              <a:rPr i="1"/>
-              <a:t>bagging</a:t>
-            </a:r>
           </a:p>
         </p:txBody>
       </p:sp>
@@ -6475,46 +7011,51 @@
           <a:p>
             <a:pPr lvl="1"/>
             <a:r>
-              <a:rPr>
+              <a:rPr/>
+              <a:t>Optimisation de </a:t>
+            </a:r>
+            <a:r>
+              <a:rPr sz="1800">
                 <a:latin typeface="Courier"/>
               </a:rPr>
-              <a:t>sampsize= nrow(donnees.train)</a:t>
+              <a:t>minbucket</a:t>
             </a:r>
           </a:p>
           <a:p>
             <a:pPr lvl="1"/>
             <a:r>
-              <a:rPr>
+              <a:rPr/>
+              <a:t>Optimisation du paramètre de compléxité (</a:t>
+            </a:r>
+            <a:r>
+              <a:rPr sz="1800">
                 <a:latin typeface="Courier"/>
               </a:rPr>
-              <a:t>mtry=17</a:t>
+              <a:t>cp</a:t>
+            </a:r>
+            <a:r>
+              <a:rPr/>
+              <a:t>)</a:t>
             </a:r>
           </a:p>
           <a:p>
             <a:pPr lvl="1"/>
             <a:r>
-              <a:rPr>
+              <a:rPr sz="1800">
                 <a:latin typeface="Courier"/>
               </a:rPr>
-              <a:t>cp=0</a:t>
+              <a:t>method="anova"</a:t>
+            </a:r>
+            <a:r>
+              <a:rPr/>
+              <a:t>, donc la fonction de perte est l’EQM</a:t>
             </a:r>
           </a:p>
           <a:p>
             <a:pPr lvl="1"/>
             <a:r>
-              <a:rPr>
-                <a:latin typeface="Courier"/>
-              </a:rPr>
-              <a:t>nodesize=5</a:t>
-            </a:r>
-          </a:p>
-          <a:p>
-            <a:pPr lvl="1"/>
-            <a:r>
-              <a:rPr>
-                <a:latin typeface="Courier"/>
-              </a:rPr>
-              <a:t>ntree=500</a:t>
+              <a:rPr/>
+              <a:t>Arbre élagué trop gros pour être représenté graphiquement</a:t>
             </a:r>
           </a:p>
         </p:txBody>
@@ -6525,6 +7066,186 @@
 </file>
 
 <file path=ppt/slides/slide14.xml><?xml version="1.0" encoding="utf-8"?>
+<p:sld xmlns:a="http://schemas.openxmlformats.org/drawingml/2006/main" xmlns:r="http://schemas.openxmlformats.org/officeDocument/2006/relationships" xmlns:p="http://schemas.openxmlformats.org/presentationml/2006/main">
+  <p:cSld>
+    <p:spTree>
+      <p:nvGrpSpPr>
+        <p:cNvPr id="1" name=""/>
+        <p:cNvGrpSpPr/>
+        <p:nvPr/>
+      </p:nvGrpSpPr>
+      <p:grpSpPr>
+        <a:xfrm>
+          <a:off x="0" y="0"/>
+          <a:ext cx="0" cy="0"/>
+          <a:chOff x="0" y="0"/>
+          <a:chExt cx="0" cy="0"/>
+        </a:xfrm>
+      </p:grpSpPr>
+      <p:sp>
+        <p:nvSpPr>
+          <p:cNvPr id="2" name="Title 1"/>
+          <p:cNvSpPr>
+            <a:spLocks noGrp="1"/>
+          </p:cNvSpPr>
+          <p:nvPr>
+            <p:ph type="title"/>
+          </p:nvPr>
+        </p:nvSpPr>
+        <p:spPr/>
+        <p:txBody>
+          <a:bodyPr/>
+          <a:lstStyle/>
+          <a:p>
+            <a:pPr lvl="0" marL="0" indent="0">
+              <a:buNone/>
+            </a:pPr>
+            <a:r>
+              <a:rPr/>
+              <a:t>Modèles</a:t>
+            </a:r>
+            <a:r>
+              <a:rPr/>
+              <a:t> </a:t>
+            </a:r>
+            <a:r>
+              <a:rPr/>
+              <a:t>testés</a:t>
+            </a:r>
+            <a:r>
+              <a:rPr/>
+              <a:t> </a:t>
+            </a:r>
+            <a:r>
+              <a:rPr/>
+              <a:t>-</a:t>
+            </a:r>
+            <a:r>
+              <a:rPr/>
+              <a:t> </a:t>
+            </a:r>
+            <a:r>
+              <a:rPr/>
+              <a:t>Ensemble</a:t>
+            </a:r>
+            <a:r>
+              <a:rPr/>
+              <a:t> </a:t>
+            </a:r>
+            <a:r>
+              <a:rPr/>
+              <a:t>d’arbres</a:t>
+            </a:r>
+            <a:r>
+              <a:rPr/>
+              <a:t> </a:t>
+            </a:r>
+            <a:r>
+              <a:rPr/>
+              <a:t>de</a:t>
+            </a:r>
+            <a:r>
+              <a:rPr/>
+              <a:t> </a:t>
+            </a:r>
+            <a:r>
+              <a:rPr/>
+              <a:t>décision</a:t>
+            </a:r>
+            <a:r>
+              <a:rPr/>
+              <a:t> </a:t>
+            </a:r>
+            <a:r>
+              <a:rPr/>
+              <a:t>agrégées</a:t>
+            </a:r>
+            <a:r>
+              <a:rPr/>
+              <a:t> </a:t>
+            </a:r>
+            <a:r>
+              <a:rPr/>
+              <a:t>par</a:t>
+            </a:r>
+            <a:r>
+              <a:rPr/>
+              <a:t> </a:t>
+            </a:r>
+            <a:r>
+              <a:rPr i="1"/>
+              <a:t>bagging</a:t>
+            </a:r>
+          </a:p>
+        </p:txBody>
+      </p:sp>
+      <p:sp>
+        <p:nvSpPr>
+          <p:cNvPr id="3" name="Content Placeholder 2"/>
+          <p:cNvSpPr>
+            <a:spLocks noGrp="1"/>
+          </p:cNvSpPr>
+          <p:nvPr>
+            <p:ph idx="1"/>
+          </p:nvPr>
+        </p:nvSpPr>
+        <p:spPr/>
+        <p:txBody>
+          <a:bodyPr/>
+          <a:lstStyle/>
+          <a:p>
+            <a:pPr lvl="1"/>
+            <a:r>
+              <a:rPr sz="1800">
+                <a:latin typeface="Courier"/>
+              </a:rPr>
+              <a:t>sampsize= nrow(donnees.train)</a:t>
+            </a:r>
+          </a:p>
+          <a:p>
+            <a:pPr lvl="1"/>
+            <a:r>
+              <a:rPr sz="1800">
+                <a:latin typeface="Courier"/>
+              </a:rPr>
+              <a:t>mtry=17</a:t>
+            </a:r>
+          </a:p>
+          <a:p>
+            <a:pPr lvl="1"/>
+            <a:r>
+              <a:rPr sz="1800">
+                <a:latin typeface="Courier"/>
+              </a:rPr>
+              <a:t>cp=0</a:t>
+            </a:r>
+          </a:p>
+          <a:p>
+            <a:pPr lvl="1"/>
+            <a:r>
+              <a:rPr sz="1800">
+                <a:latin typeface="Courier"/>
+              </a:rPr>
+              <a:t>nodesize=5</a:t>
+            </a:r>
+          </a:p>
+          <a:p>
+            <a:pPr lvl="1"/>
+            <a:r>
+              <a:rPr sz="1800">
+                <a:latin typeface="Courier"/>
+              </a:rPr>
+              <a:t>ntree=500</a:t>
+            </a:r>
+          </a:p>
+        </p:txBody>
+      </p:sp>
+    </p:spTree>
+  </p:cSld>
+</p:sld>
+</file>
+
+<file path=ppt/slides/slide15.xml><?xml version="1.0" encoding="utf-8"?>
 <p:sld xmlns:a="http://schemas.openxmlformats.org/drawingml/2006/main" xmlns:r="http://schemas.openxmlformats.org/officeDocument/2006/relationships" xmlns:p="http://schemas.openxmlformats.org/presentationml/2006/main">
   <p:cSld>
     <p:spTree>
@@ -6576,7 +7297,7 @@
 </p:sld>
 </file>
 
-<file path=ppt/slides/slide15.xml><?xml version="1.0" encoding="utf-8"?>
+<file path=ppt/slides/slide16.xml><?xml version="1.0" encoding="utf-8"?>
 <p:sld xmlns:a="http://schemas.openxmlformats.org/drawingml/2006/main" xmlns:r="http://schemas.openxmlformats.org/officeDocument/2006/relationships" xmlns:p="http://schemas.openxmlformats.org/presentationml/2006/main">
   <p:cSld>
     <p:spTree>
@@ -6667,7 +7388,7 @@
           <a:p>
             <a:pPr lvl="1"/>
             <a:r>
-              <a:rPr>
+              <a:rPr sz="1800">
                 <a:latin typeface="Courier"/>
               </a:rPr>
               <a:t>sampsize= 0.75*nrow(donnees.train)</a:t>
@@ -6676,7 +7397,7 @@
           <a:p>
             <a:pPr lvl="1"/>
             <a:r>
-              <a:rPr>
+              <a:rPr sz="1800">
                 <a:latin typeface="Courier"/>
               </a:rPr>
               <a:t>cp=0</a:t>
@@ -6685,7 +7406,7 @@
           <a:p>
             <a:pPr lvl="1"/>
             <a:r>
-              <a:rPr>
+              <a:rPr sz="1800">
                 <a:latin typeface="Courier"/>
               </a:rPr>
               <a:t>nodesize=5</a:t>
@@ -6694,7 +7415,7 @@
           <a:p>
             <a:pPr lvl="1"/>
             <a:r>
-              <a:rPr>
+              <a:rPr sz="1800">
                 <a:latin typeface="Courier"/>
               </a:rPr>
               <a:t>ntree=150</a:t>
@@ -6703,7 +7424,7 @@
           <a:p>
             <a:pPr lvl="1"/>
             <a:r>
-              <a:rPr>
+              <a:rPr sz="1800">
                 <a:latin typeface="Courier"/>
               </a:rPr>
               <a:t>mtry=8</a:t>
@@ -6716,7 +7437,7 @@
 </p:sld>
 </file>
 
-<file path=ppt/slides/slide16.xml><?xml version="1.0" encoding="utf-8"?>
+<file path=ppt/slides/slide17.xml><?xml version="1.0" encoding="utf-8"?>
 <p:sld xmlns:a="http://schemas.openxmlformats.org/drawingml/2006/main" xmlns:r="http://schemas.openxmlformats.org/officeDocument/2006/relationships" xmlns:p="http://schemas.openxmlformats.org/presentationml/2006/main">
   <p:cSld>
     <p:spTree>
@@ -6768,7 +7489,7 @@
 </p:sld>
 </file>
 
-<file path=ppt/slides/slide17.xml><?xml version="1.0" encoding="utf-8"?>
+<file path=ppt/slides/slide18.xml><?xml version="1.0" encoding="utf-8"?>
 <p:sld xmlns:a="http://schemas.openxmlformats.org/drawingml/2006/main" xmlns:r="http://schemas.openxmlformats.org/officeDocument/2006/relationships" xmlns:p="http://schemas.openxmlformats.org/presentationml/2006/main">
   <p:cSld>
     <p:spTree>
@@ -6863,7 +7584,7 @@
 </p:sld>
 </file>
 
-<file path=ppt/slides/slide18.xml><?xml version="1.0" encoding="utf-8"?>
+<file path=ppt/slides/slide19.xml><?xml version="1.0" encoding="utf-8"?>
 <p:sld xmlns:a="http://schemas.openxmlformats.org/drawingml/2006/main" xmlns:r="http://schemas.openxmlformats.org/officeDocument/2006/relationships" xmlns:p="http://schemas.openxmlformats.org/presentationml/2006/main">
   <p:cSld>
     <p:spTree>
@@ -7362,91 +8083,6 @@
 </p:sld>
 </file>
 
-<file path=ppt/slides/slide19.xml><?xml version="1.0" encoding="utf-8"?>
-<p:sld xmlns:a="http://schemas.openxmlformats.org/drawingml/2006/main" xmlns:r="http://schemas.openxmlformats.org/officeDocument/2006/relationships" xmlns:p="http://schemas.openxmlformats.org/presentationml/2006/main">
-  <p:cSld>
-    <p:spTree>
-      <p:nvGrpSpPr>
-        <p:cNvPr id="1" name=""/>
-        <p:cNvGrpSpPr/>
-        <p:nvPr/>
-      </p:nvGrpSpPr>
-      <p:grpSpPr>
-        <a:xfrm>
-          <a:off x="0" y="0"/>
-          <a:ext cx="0" cy="0"/>
-          <a:chOff x="0" y="0"/>
-          <a:chExt cx="0" cy="0"/>
-        </a:xfrm>
-      </p:grpSpPr>
-      <p:sp>
-        <p:nvSpPr>
-          <p:cNvPr id="2" name="Title 1"/>
-          <p:cNvSpPr>
-            <a:spLocks noGrp="1"/>
-          </p:cNvSpPr>
-          <p:nvPr>
-            <p:ph type="title"/>
-          </p:nvPr>
-        </p:nvSpPr>
-        <p:spPr/>
-        <p:txBody>
-          <a:bodyPr/>
-          <a:lstStyle/>
-          <a:p>
-            <a:pPr lvl="0" marL="0" indent="0">
-              <a:buNone/>
-            </a:pPr>
-            <a:r>
-              <a:rPr/>
-              <a:t>Forêt</a:t>
-            </a:r>
-            <a:r>
-              <a:rPr/>
-              <a:t> </a:t>
-            </a:r>
-            <a:r>
-              <a:rPr/>
-              <a:t>aléatoire</a:t>
-            </a:r>
-          </a:p>
-        </p:txBody>
-      </p:sp>
-      <p:pic>
-        <p:nvPicPr>
-          <p:cNvPr descr="PP_files/figure-pptx/unnamed-chunk-5-1.png" id="0" name="Picture 1"/>
-          <p:cNvPicPr>
-            <a:picLocks noGrp="1" noChangeAspect="1"/>
-          </p:cNvPicPr>
-          <p:nvPr/>
-        </p:nvPicPr>
-        <p:blipFill>
-          <a:blip r:embed="rId2"/>
-          <a:stretch>
-            <a:fillRect/>
-          </a:stretch>
-        </p:blipFill>
-        <p:spPr bwMode="auto">
-          <a:xfrm>
-            <a:off x="2540000" y="2159000"/>
-            <a:ext cx="4838700" cy="3873500"/>
-          </a:xfrm>
-          <a:prstGeom prst="rect">
-            <a:avLst/>
-          </a:prstGeom>
-          <a:noFill/>
-          <a:ln w="9525">
-            <a:noFill/>
-            <a:headEnd/>
-            <a:tailEnd/>
-          </a:ln>
-        </p:spPr>
-      </p:pic>
-    </p:spTree>
-  </p:cSld>
-</p:sld>
-</file>
-
 <file path=ppt/slides/slide2.xml><?xml version="1.0" encoding="utf-8"?>
 <p:sld xmlns:a="http://schemas.openxmlformats.org/drawingml/2006/main" xmlns:r="http://schemas.openxmlformats.org/officeDocument/2006/relationships" xmlns:p="http://schemas.openxmlformats.org/presentationml/2006/main">
   <p:cSld>
@@ -7541,20 +8177,12 @@
               <a:rPr/>
               <a:t>aléatoire</a:t>
             </a:r>
-            <a:r>
-              <a:rPr/>
-              <a:t> </a:t>
-            </a:r>
-            <a:r>
-              <a:rPr/>
-              <a:t>(suite)</a:t>
-            </a:r>
           </a:p>
         </p:txBody>
       </p:sp>
       <p:pic>
         <p:nvPicPr>
-          <p:cNvPr descr="PP_files/figure-pptx/unnamed-chunk-6-1.png" id="0" name="Picture 1"/>
+          <p:cNvPr descr="PP_files/figure-pptx/unnamed-chunk-5-1.png" id="0" name="Picture 1"/>
           <p:cNvPicPr>
             <a:picLocks noGrp="1" noChangeAspect="1"/>
           </p:cNvPicPr>
@@ -7647,7 +8275,7 @@
       </p:sp>
       <p:pic>
         <p:nvPicPr>
-          <p:cNvPr descr="PP_files/figure-pptx/unnamed-chunk-7-1.png" id="0" name="Picture 1"/>
+          <p:cNvPr descr="PP_files/figure-pptx/unnamed-chunk-6-1.png" id="0" name="Picture 1"/>
           <p:cNvPicPr>
             <a:picLocks noGrp="1" noChangeAspect="1"/>
           </p:cNvPicPr>
@@ -7740,7 +8368,7 @@
       </p:sp>
       <p:pic>
         <p:nvPicPr>
-          <p:cNvPr descr="PP_files/figure-pptx/unnamed-chunk-8-1.png" id="0" name="Picture 1"/>
+          <p:cNvPr descr="PP_files/figure-pptx/unnamed-chunk-7-1.png" id="0" name="Picture 1"/>
           <p:cNvPicPr>
             <a:picLocks noGrp="1" noChangeAspect="1"/>
           </p:cNvPicPr>
@@ -7810,7 +8438,7 @@
             </a:pPr>
             <a:r>
               <a:rPr/>
-              <a:t>Modèle</a:t>
+              <a:t>Forêt</a:t>
             </a:r>
             <a:r>
               <a:rPr/>
@@ -7818,626 +8446,22 @@
             </a:r>
             <a:r>
               <a:rPr/>
-              <a:t>de</a:t>
+              <a:t>aléatoire</a:t>
             </a:r>
             <a:r>
               <a:rPr/>
               <a:t> </a:t>
             </a:r>
             <a:r>
-              <a:rPr i="1"/>
-              <a:t>gradient</a:t>
-            </a:r>
-            <a:r>
-              <a:rPr i="1"/>
-              <a:t> </a:t>
-            </a:r>
-            <a:r>
-              <a:rPr i="1"/>
-              <a:t>boosting</a:t>
-            </a:r>
-          </a:p>
-        </p:txBody>
-      </p:sp>
-    </p:spTree>
-  </p:cSld>
-</p:sld>
-</file>
-
-<file path=ppt/slides/slide24.xml><?xml version="1.0" encoding="utf-8"?>
-<p:sld xmlns:a="http://schemas.openxmlformats.org/drawingml/2006/main" xmlns:r="http://schemas.openxmlformats.org/officeDocument/2006/relationships" xmlns:p="http://schemas.openxmlformats.org/presentationml/2006/main">
-  <p:cSld>
-    <p:spTree>
-      <p:nvGrpSpPr>
-        <p:cNvPr id="1" name=""/>
-        <p:cNvGrpSpPr/>
-        <p:nvPr/>
-      </p:nvGrpSpPr>
-      <p:grpSpPr>
-        <a:xfrm>
-          <a:off x="0" y="0"/>
-          <a:ext cx="0" cy="0"/>
-          <a:chOff x="0" y="0"/>
-          <a:chExt cx="0" cy="0"/>
-        </a:xfrm>
-      </p:grpSpPr>
-      <p:sp>
-        <p:nvSpPr>
-          <p:cNvPr id="2" name="Title 1"/>
-          <p:cNvSpPr>
-            <a:spLocks noGrp="1"/>
-          </p:cNvSpPr>
-          <p:nvPr>
-            <p:ph type="title"/>
-          </p:nvPr>
-        </p:nvSpPr>
-        <p:spPr/>
-        <p:txBody>
-          <a:bodyPr/>
-          <a:lstStyle/>
-          <a:p>
-            <a:pPr lvl="0" marL="0" indent="0">
-              <a:buNone/>
-            </a:pPr>
-            <a:r>
-              <a:rPr/>
-              <a:t>Bibliographie</a:t>
-            </a:r>
-          </a:p>
-        </p:txBody>
-      </p:sp>
-      <p:sp>
-        <p:nvSpPr>
-          <p:cNvPr id="3" name="Content Placeholder 2"/>
-          <p:cNvSpPr>
-            <a:spLocks noGrp="1"/>
-          </p:cNvSpPr>
-          <p:nvPr>
-            <p:ph idx="1"/>
-          </p:nvPr>
-        </p:nvSpPr>
-        <p:spPr/>
-        <p:txBody>
-          <a:bodyPr/>
-          <a:lstStyle/>
-          <a:p>
-            <a:pPr lvl="1">
-              <a:buAutoNum type="arabicPeriod"/>
-            </a:pPr>
-            <a:r>
-              <a:rPr/>
-              <a:t>Kaggle, harlfoxen (2017). House sales in King County, USA. Récupéré le 27 février 2020 de </a:t>
-            </a:r>
-            <a:r>
-              <a:rPr>
-                <a:hlinkClick r:id="rId2"/>
-              </a:rPr>
-              <a:t>https://www.kaggle.com/harlfoxem/housesalesprediction</a:t>
-            </a:r>
-            <a:r>
-              <a:rPr/>
-              <a:t>. </a:t>
-            </a:r>
-          </a:p>
-          <a:p>
-            <a:pPr lvl="1">
-              <a:buAutoNum type="arabicPeriod"/>
-            </a:pPr>
-            <a:r>
-              <a:rPr/>
-              <a:t>Max Kuhn (2020). caret: Classification and Regression Training. R package version 6.0-85. </a:t>
-            </a:r>
-            <a:r>
-              <a:rPr>
-                <a:hlinkClick r:id="rId3"/>
-              </a:rPr>
-              <a:t>https://CRAN.R-project.org/package=caret</a:t>
-            </a:r>
-            <a:r>
-              <a:rPr/>
-              <a:t> </a:t>
-            </a:r>
-          </a:p>
-          <a:p>
-            <a:pPr lvl="1">
-              <a:buAutoNum type="arabicPeriod"/>
-            </a:pPr>
-            <a:r>
-              <a:rPr/>
-              <a:t>Terry Therneau and Beth Atkinson (2019). rpart: Recursive Partitioning and Regression Trees. R package version 4.1-15. </a:t>
-            </a:r>
-            <a:r>
-              <a:rPr>
-                <a:hlinkClick r:id="rId4"/>
-              </a:rPr>
-              <a:t>https://CRAN.R-project.org/package=rpart</a:t>
-            </a:r>
-            <a:r>
-              <a:rPr/>
-              <a:t> </a:t>
-            </a:r>
-          </a:p>
-          <a:p>
-            <a:pPr lvl="1">
-              <a:buAutoNum type="arabicPeriod"/>
-            </a:pPr>
-            <a:r>
-              <a:rPr/>
-              <a:t>Stephen Milborrow (2019). rpart.plot: Plot ‘rpart’ Models: An Enhanced Version of ‘plot.rpart’. R package version 3.0.8. </a:t>
-            </a:r>
-            <a:r>
-              <a:rPr>
-                <a:hlinkClick r:id="rId5"/>
-              </a:rPr>
-              <a:t>https://CRAN.R-project.org/package=rpart.plot</a:t>
-            </a:r>
-          </a:p>
-        </p:txBody>
-      </p:sp>
-    </p:spTree>
-  </p:cSld>
-</p:sld>
-</file>
-
-<file path=ppt/slides/slide25.xml><?xml version="1.0" encoding="utf-8"?>
-<p:sld xmlns:a="http://schemas.openxmlformats.org/drawingml/2006/main" xmlns:r="http://schemas.openxmlformats.org/officeDocument/2006/relationships" xmlns:p="http://schemas.openxmlformats.org/presentationml/2006/main">
-  <p:cSld>
-    <p:spTree>
-      <p:nvGrpSpPr>
-        <p:cNvPr id="1" name=""/>
-        <p:cNvGrpSpPr/>
-        <p:nvPr/>
-      </p:nvGrpSpPr>
-      <p:grpSpPr>
-        <a:xfrm>
-          <a:off x="0" y="0"/>
-          <a:ext cx="0" cy="0"/>
-          <a:chOff x="0" y="0"/>
-          <a:chExt cx="0" cy="0"/>
-        </a:xfrm>
-      </p:grpSpPr>
-      <p:sp>
-        <p:nvSpPr>
-          <p:cNvPr id="2" name="Title 1"/>
-          <p:cNvSpPr>
-            <a:spLocks noGrp="1"/>
-          </p:cNvSpPr>
-          <p:nvPr>
-            <p:ph type="title"/>
-          </p:nvPr>
-        </p:nvSpPr>
-        <p:spPr/>
-        <p:txBody>
-          <a:bodyPr/>
-          <a:lstStyle/>
-          <a:p>
-            <a:pPr lvl="0" marL="0" indent="0">
-              <a:buNone/>
-            </a:pPr>
-            <a:r>
-              <a:rPr/>
-              <a:t>Bibliographie</a:t>
-            </a:r>
-          </a:p>
-        </p:txBody>
-      </p:sp>
-      <p:sp>
-        <p:nvSpPr>
-          <p:cNvPr id="3" name="Content Placeholder 2"/>
-          <p:cNvSpPr>
-            <a:spLocks noGrp="1"/>
-          </p:cNvSpPr>
-          <p:nvPr>
-            <p:ph idx="1"/>
-          </p:nvPr>
-        </p:nvSpPr>
-        <p:spPr/>
-        <p:txBody>
-          <a:bodyPr/>
-          <a:lstStyle/>
-          <a:p>
-            <a:pPr lvl="1">
-              <a:buAutoNum startAt="5" type="arabicPeriod"/>
-            </a:pPr>
-            <a:r>
-              <a:rPr/>
-              <a:t>A. Liaw and M. Wiener (2002). Classification and Regression by randomForest. R News 2(3), 18–22. </a:t>
-            </a:r>
-          </a:p>
-          <a:p>
-            <a:pPr lvl="1">
-              <a:buAutoNum startAt="5" type="arabicPeriod"/>
-            </a:pPr>
-            <a:r>
-              <a:rPr/>
-              <a:t>Brandon Greenwell, Bradley Boehmke, Jay Cunningham and GBM Developers (2019). gbm: Generalized Boosted Regression Models. R package version 2.1.5. </a:t>
-            </a:r>
-            <a:r>
-              <a:rPr>
-                <a:hlinkClick r:id="rId2"/>
-              </a:rPr>
-              <a:t>https://CRAN.R-project.org/package=gbm</a:t>
-            </a:r>
-            <a:r>
-              <a:rPr/>
-              <a:t> </a:t>
-            </a:r>
-          </a:p>
-          <a:p>
-            <a:pPr lvl="1">
-              <a:buAutoNum startAt="5" type="arabicPeriod"/>
-            </a:pPr>
-            <a:r>
-              <a:rPr/>
-              <a:t>Jerome Friedman, Trevor Hastie, Robert Tibshirani (2010). Regularization Paths for Generalized Linear Models via Coordinate Descent. Journal of Statistical Software, 33(1), 1-22. URL </a:t>
-            </a:r>
-            <a:r>
-              <a:rPr>
-                <a:hlinkClick r:id="rId3"/>
-              </a:rPr>
-              <a:t>http://www.jstatsoft.org/v33/i01/</a:t>
-            </a:r>
-            <a:r>
-              <a:rPr/>
-              <a:t>. </a:t>
-            </a:r>
-          </a:p>
-          <a:p>
-            <a:pPr lvl="1">
-              <a:buAutoNum startAt="5" type="arabicPeriod"/>
-            </a:pPr>
-            <a:r>
-              <a:rPr/>
-              <a:t>Alina Beygelzimer, Sham Kakadet, John Langford, Sunil Arya, David Mount and Shengqiao Li (2019). FNN: Fast Nearest Neighbor Search Algorithms and Applications. R package version 1.1.3. </a:t>
-            </a:r>
-            <a:r>
-              <a:rPr>
-                <a:hlinkClick r:id="rId4"/>
-              </a:rPr>
-              <a:t>https://CRAN.R-project.org/package=FNN</a:t>
-            </a:r>
-          </a:p>
-        </p:txBody>
-      </p:sp>
-    </p:spTree>
-  </p:cSld>
-</p:sld>
-</file>
-
-<file path=ppt/slides/slide3.xml><?xml version="1.0" encoding="utf-8"?>
-<p:sld xmlns:a="http://schemas.openxmlformats.org/drawingml/2006/main" xmlns:r="http://schemas.openxmlformats.org/officeDocument/2006/relationships" xmlns:p="http://schemas.openxmlformats.org/presentationml/2006/main">
-  <p:cSld>
-    <p:spTree>
-      <p:nvGrpSpPr>
-        <p:cNvPr id="1" name=""/>
-        <p:cNvGrpSpPr/>
-        <p:nvPr/>
-      </p:nvGrpSpPr>
-      <p:grpSpPr>
-        <a:xfrm>
-          <a:off x="0" y="0"/>
-          <a:ext cx="0" cy="0"/>
-          <a:chOff x="0" y="0"/>
-          <a:chExt cx="0" cy="0"/>
-        </a:xfrm>
-      </p:grpSpPr>
-      <p:sp>
-        <p:nvSpPr>
-          <p:cNvPr id="2" name="Title 1"/>
-          <p:cNvSpPr>
-            <a:spLocks noGrp="1"/>
-          </p:cNvSpPr>
-          <p:nvPr>
-            <p:ph type="title"/>
-          </p:nvPr>
-        </p:nvSpPr>
-        <p:spPr/>
-        <p:txBody>
-          <a:bodyPr/>
-          <a:lstStyle/>
-          <a:p>
-            <a:pPr lvl="0" marL="0" indent="0">
-              <a:buNone/>
-            </a:pPr>
-            <a:r>
-              <a:rPr/>
-              <a:t>Plan</a:t>
-            </a:r>
-            <a:r>
-              <a:rPr/>
-              <a:t> </a:t>
-            </a:r>
-            <a:r>
-              <a:rPr/>
-              <a:t>de</a:t>
-            </a:r>
-            <a:r>
-              <a:rPr/>
-              <a:t> </a:t>
-            </a:r>
-            <a:r>
-              <a:rPr/>
-              <a:t>la</a:t>
-            </a:r>
-            <a:r>
-              <a:rPr/>
-              <a:t> </a:t>
-            </a:r>
-            <a:r>
-              <a:rPr/>
-              <a:t>présentation</a:t>
-            </a:r>
-          </a:p>
-        </p:txBody>
-      </p:sp>
-      <p:sp>
-        <p:nvSpPr>
-          <p:cNvPr id="3" name="Content Placeholder 2"/>
-          <p:cNvSpPr>
-            <a:spLocks noGrp="1"/>
-          </p:cNvSpPr>
-          <p:nvPr>
-            <p:ph idx="1"/>
-          </p:nvPr>
-        </p:nvSpPr>
-        <p:spPr/>
-        <p:txBody>
-          <a:bodyPr/>
-          <a:lstStyle/>
-          <a:p>
-            <a:pPr lvl="1"/>
-            <a:r>
-              <a:rPr/>
-              <a:t>Base de données à l’étude</a:t>
-            </a:r>
-          </a:p>
-          <a:p>
-            <a:pPr lvl="1"/>
-            <a:r>
-              <a:rPr/>
-              <a:t>Prétraitement des données</a:t>
-            </a:r>
-          </a:p>
-          <a:p>
-            <a:pPr lvl="1"/>
-            <a:r>
-              <a:rPr/>
-              <a:t>Analyse exploratoire</a:t>
-            </a:r>
-          </a:p>
-          <a:p>
-            <a:pPr lvl="1"/>
-            <a:r>
-              <a:rPr/>
-              <a:t>Modèles testés</a:t>
-            </a:r>
-          </a:p>
-          <a:p>
-            <a:pPr lvl="1"/>
-            <a:r>
-              <a:rPr/>
-              <a:t>Comparaison des modèles</a:t>
-            </a:r>
-          </a:p>
-          <a:p>
-            <a:pPr lvl="1"/>
-            <a:r>
-              <a:rPr/>
-              <a:t>Forêt aléatoire</a:t>
-            </a:r>
-          </a:p>
-          <a:p>
-            <a:pPr lvl="1"/>
-            <a:r>
-              <a:rPr/>
-              <a:t>GBM</a:t>
-            </a:r>
-          </a:p>
-        </p:txBody>
-      </p:sp>
-    </p:spTree>
-  </p:cSld>
-</p:sld>
-</file>
-
-<file path=ppt/slides/slide4.xml><?xml version="1.0" encoding="utf-8"?>
-<p:sld xmlns:a="http://schemas.openxmlformats.org/drawingml/2006/main" xmlns:r="http://schemas.openxmlformats.org/officeDocument/2006/relationships" xmlns:p="http://schemas.openxmlformats.org/presentationml/2006/main">
-  <p:cSld>
-    <p:spTree>
-      <p:nvGrpSpPr>
-        <p:cNvPr id="1" name=""/>
-        <p:cNvGrpSpPr/>
-        <p:nvPr/>
-      </p:nvGrpSpPr>
-      <p:grpSpPr>
-        <a:xfrm>
-          <a:off x="0" y="0"/>
-          <a:ext cx="0" cy="0"/>
-          <a:chOff x="0" y="0"/>
-          <a:chExt cx="0" cy="0"/>
-        </a:xfrm>
-      </p:grpSpPr>
-      <p:sp>
-        <p:nvSpPr>
-          <p:cNvPr id="2" name="Title 1"/>
-          <p:cNvSpPr>
-            <a:spLocks noGrp="1"/>
-          </p:cNvSpPr>
-          <p:nvPr>
-            <p:ph type="title"/>
-          </p:nvPr>
-        </p:nvSpPr>
-        <p:spPr/>
-        <p:txBody>
-          <a:bodyPr/>
-          <a:lstStyle/>
-          <a:p>
-            <a:pPr lvl="0" marL="0" indent="0">
-              <a:buNone/>
-            </a:pPr>
-            <a:r>
-              <a:rPr/>
-              <a:t>Base</a:t>
-            </a:r>
-            <a:r>
-              <a:rPr/>
-              <a:t> </a:t>
-            </a:r>
-            <a:r>
-              <a:rPr/>
-              <a:t>de</a:t>
-            </a:r>
-            <a:r>
-              <a:rPr/>
-              <a:t> </a:t>
-            </a:r>
-            <a:r>
-              <a:rPr/>
-              <a:t>données</a:t>
-            </a:r>
-            <a:r>
-              <a:rPr/>
-              <a:t> </a:t>
-            </a:r>
-            <a:r>
-              <a:rPr/>
-              <a:t>à</a:t>
-            </a:r>
-            <a:r>
-              <a:rPr/>
-              <a:t> </a:t>
-            </a:r>
-            <a:r>
-              <a:rPr/>
-              <a:t>l’étude</a:t>
-            </a:r>
-          </a:p>
-        </p:txBody>
-      </p:sp>
-      <p:sp>
-        <p:nvSpPr>
-          <p:cNvPr id="3" name="Content Placeholder 2"/>
-          <p:cNvSpPr>
-            <a:spLocks noGrp="1"/>
-          </p:cNvSpPr>
-          <p:nvPr>
-            <p:ph idx="1"/>
-          </p:nvPr>
-        </p:nvSpPr>
-        <p:spPr/>
-        <p:txBody>
-          <a:bodyPr/>
-          <a:lstStyle/>
-          <a:p>
-            <a:pPr lvl="1"/>
-            <a:r>
-              <a:rPr/>
-              <a:t>Prix de vente des maisons dans le conté de King County (Washington, USA)</a:t>
-            </a:r>
-          </a:p>
-          <a:p>
-            <a:pPr lvl="1"/>
-            <a:r>
-              <a:rPr/>
-              <a:t>Maisons vendues entre mai 2014 et mai 2015</a:t>
-            </a:r>
-          </a:p>
-          <a:p>
-            <a:pPr lvl="1"/>
-            <a:r>
-              <a:rPr/>
-              <a:t>21 613 lignes pour 21 colonnes (variables)</a:t>
-            </a:r>
-          </a:p>
-          <a:p>
-            <a:pPr lvl="1"/>
-            <a:r>
-              <a:rPr/>
-              <a:t>Quelques utilités actuariels…</a:t>
-            </a:r>
-          </a:p>
-          <a:p>
-            <a:pPr lvl="1"/>
-            <a:r>
-              <a:rPr/>
-              <a:t>Futures soumissions d’assurance habitation</a:t>
-            </a:r>
-          </a:p>
-          <a:p>
-            <a:pPr lvl="1"/>
-            <a:r>
-              <a:rPr/>
-              <a:t>Prêts hypothécaire à des fins de hedging</a:t>
-            </a:r>
-          </a:p>
-        </p:txBody>
-      </p:sp>
-    </p:spTree>
-  </p:cSld>
-</p:sld>
-</file>
-
-<file path=ppt/slides/slide5.xml><?xml version="1.0" encoding="utf-8"?>
-<p:sld xmlns:a="http://schemas.openxmlformats.org/drawingml/2006/main" xmlns:r="http://schemas.openxmlformats.org/officeDocument/2006/relationships" xmlns:p="http://schemas.openxmlformats.org/presentationml/2006/main">
-  <p:cSld>
-    <p:spTree>
-      <p:nvGrpSpPr>
-        <p:cNvPr id="1" name=""/>
-        <p:cNvGrpSpPr/>
-        <p:nvPr/>
-      </p:nvGrpSpPr>
-      <p:grpSpPr>
-        <a:xfrm>
-          <a:off x="0" y="0"/>
-          <a:ext cx="0" cy="0"/>
-          <a:chOff x="0" y="0"/>
-          <a:chExt cx="0" cy="0"/>
-        </a:xfrm>
-      </p:grpSpPr>
-      <p:sp>
-        <p:nvSpPr>
-          <p:cNvPr id="2" name="Title 1"/>
-          <p:cNvSpPr>
-            <a:spLocks noGrp="1"/>
-          </p:cNvSpPr>
-          <p:nvPr>
-            <p:ph type="title"/>
-          </p:nvPr>
-        </p:nvSpPr>
-        <p:spPr/>
-        <p:txBody>
-          <a:bodyPr/>
-          <a:lstStyle/>
-          <a:p>
-            <a:pPr lvl="0" marL="0" indent="0">
-              <a:buNone/>
-            </a:pPr>
-            <a:r>
-              <a:rPr/>
-              <a:t>Prétraitement</a:t>
-            </a:r>
-            <a:r>
-              <a:rPr/>
-              <a:t> </a:t>
-            </a:r>
-            <a:r>
-              <a:rPr/>
-              <a:t>des</a:t>
-            </a:r>
-            <a:r>
-              <a:rPr/>
-              <a:t> </a:t>
-            </a:r>
-            <a:r>
-              <a:rPr/>
-              <a:t>données</a:t>
+              <a:rPr/>
+              <a:t>(suite)</a:t>
             </a:r>
           </a:p>
         </p:txBody>
       </p:sp>
       <p:pic>
         <p:nvPicPr>
-          <p:cNvPr descr="PP_files/figure-pptx/pressure-1.png" id="0" name="Picture 1"/>
+          <p:cNvPr descr="PP_files/figure-pptx/unnamed-chunk-8-1.png" id="0" name="Picture 1"/>
           <p:cNvPicPr>
             <a:picLocks noGrp="1" noChangeAspect="1"/>
           </p:cNvPicPr>
@@ -8470,6 +8494,735 @@
 </p:sld>
 </file>
 
+<file path=ppt/slides/slide24.xml><?xml version="1.0" encoding="utf-8"?>
+<p:sld xmlns:a="http://schemas.openxmlformats.org/drawingml/2006/main" xmlns:r="http://schemas.openxmlformats.org/officeDocument/2006/relationships" xmlns:p="http://schemas.openxmlformats.org/presentationml/2006/main">
+  <p:cSld>
+    <p:spTree>
+      <p:nvGrpSpPr>
+        <p:cNvPr id="1" name=""/>
+        <p:cNvGrpSpPr/>
+        <p:nvPr/>
+      </p:nvGrpSpPr>
+      <p:grpSpPr>
+        <a:xfrm>
+          <a:off x="0" y="0"/>
+          <a:ext cx="0" cy="0"/>
+          <a:chOff x="0" y="0"/>
+          <a:chExt cx="0" cy="0"/>
+        </a:xfrm>
+      </p:grpSpPr>
+      <p:sp>
+        <p:nvSpPr>
+          <p:cNvPr id="2" name="Title 1"/>
+          <p:cNvSpPr>
+            <a:spLocks noGrp="1"/>
+          </p:cNvSpPr>
+          <p:nvPr>
+            <p:ph type="title"/>
+          </p:nvPr>
+        </p:nvSpPr>
+        <p:spPr/>
+        <p:txBody>
+          <a:bodyPr/>
+          <a:lstStyle/>
+          <a:p>
+            <a:pPr lvl="0" marL="0" indent="0">
+              <a:buNone/>
+            </a:pPr>
+            <a:r>
+              <a:rPr/>
+              <a:t>Modèle</a:t>
+            </a:r>
+            <a:r>
+              <a:rPr/>
+              <a:t> </a:t>
+            </a:r>
+            <a:r>
+              <a:rPr/>
+              <a:t>de</a:t>
+            </a:r>
+            <a:r>
+              <a:rPr/>
+              <a:t> </a:t>
+            </a:r>
+            <a:r>
+              <a:rPr i="1"/>
+              <a:t>gradient</a:t>
+            </a:r>
+            <a:r>
+              <a:rPr i="1"/>
+              <a:t> </a:t>
+            </a:r>
+            <a:r>
+              <a:rPr i="1"/>
+              <a:t>boosting</a:t>
+            </a:r>
+          </a:p>
+        </p:txBody>
+      </p:sp>
+    </p:spTree>
+  </p:cSld>
+</p:sld>
+</file>
+
+<file path=ppt/slides/slide25.xml><?xml version="1.0" encoding="utf-8"?>
+<p:sld xmlns:a="http://schemas.openxmlformats.org/drawingml/2006/main" xmlns:r="http://schemas.openxmlformats.org/officeDocument/2006/relationships" xmlns:p="http://schemas.openxmlformats.org/presentationml/2006/main">
+  <p:cSld>
+    <p:spTree>
+      <p:nvGrpSpPr>
+        <p:cNvPr id="1" name=""/>
+        <p:cNvGrpSpPr/>
+        <p:nvPr/>
+      </p:nvGrpSpPr>
+      <p:grpSpPr>
+        <a:xfrm>
+          <a:off x="0" y="0"/>
+          <a:ext cx="0" cy="0"/>
+          <a:chOff x="0" y="0"/>
+          <a:chExt cx="0" cy="0"/>
+        </a:xfrm>
+      </p:grpSpPr>
+      <p:sp>
+        <p:nvSpPr>
+          <p:cNvPr id="2" name="Title 1"/>
+          <p:cNvSpPr>
+            <a:spLocks noGrp="1"/>
+          </p:cNvSpPr>
+          <p:nvPr>
+            <p:ph type="title"/>
+          </p:nvPr>
+        </p:nvSpPr>
+        <p:spPr/>
+        <p:txBody>
+          <a:bodyPr/>
+          <a:lstStyle/>
+          <a:p>
+            <a:pPr lvl="0" marL="0" indent="0">
+              <a:buNone/>
+            </a:pPr>
+            <a:r>
+              <a:rPr/>
+              <a:t>Conclusion</a:t>
+            </a:r>
+          </a:p>
+        </p:txBody>
+      </p:sp>
+      <p:sp>
+        <p:nvSpPr>
+          <p:cNvPr id="3" name="Content Placeholder 2"/>
+          <p:cNvSpPr>
+            <a:spLocks noGrp="1"/>
+          </p:cNvSpPr>
+          <p:nvPr>
+            <p:ph idx="1"/>
+          </p:nvPr>
+        </p:nvSpPr>
+        <p:spPr/>
+        <p:txBody>
+          <a:bodyPr/>
+          <a:lstStyle/>
+          <a:p>
+            <a:pPr lvl="1"/>
+            <a:r>
+              <a:rPr/>
+              <a:t>Modèle GBM retenu</a:t>
+            </a:r>
+          </a:p>
+          <a:p>
+            <a:pPr lvl="1"/>
+            <a:r>
+              <a:rPr/>
+              <a:t>Limitations</a:t>
+            </a:r>
+          </a:p>
+          <a:p>
+            <a:pPr lvl="1"/>
+            <a:r>
+              <a:rPr/>
+              <a:t>Possibilité d’utilisation dans d’autres zones géographiques</a:t>
+            </a:r>
+          </a:p>
+        </p:txBody>
+      </p:sp>
+    </p:spTree>
+  </p:cSld>
+</p:sld>
+</file>
+
+<file path=ppt/slides/slide26.xml><?xml version="1.0" encoding="utf-8"?>
+<p:sld xmlns:a="http://schemas.openxmlformats.org/drawingml/2006/main" xmlns:r="http://schemas.openxmlformats.org/officeDocument/2006/relationships" xmlns:p="http://schemas.openxmlformats.org/presentationml/2006/main">
+  <p:cSld>
+    <p:spTree>
+      <p:nvGrpSpPr>
+        <p:cNvPr id="1" name=""/>
+        <p:cNvGrpSpPr/>
+        <p:nvPr/>
+      </p:nvGrpSpPr>
+      <p:grpSpPr>
+        <a:xfrm>
+          <a:off x="0" y="0"/>
+          <a:ext cx="0" cy="0"/>
+          <a:chOff x="0" y="0"/>
+          <a:chExt cx="0" cy="0"/>
+        </a:xfrm>
+      </p:grpSpPr>
+      <p:sp>
+        <p:nvSpPr>
+          <p:cNvPr id="2" name="Title 1"/>
+          <p:cNvSpPr>
+            <a:spLocks noGrp="1"/>
+          </p:cNvSpPr>
+          <p:nvPr>
+            <p:ph type="title"/>
+          </p:nvPr>
+        </p:nvSpPr>
+        <p:spPr/>
+        <p:txBody>
+          <a:bodyPr/>
+          <a:lstStyle/>
+          <a:p>
+            <a:pPr lvl="0" marL="0" indent="0">
+              <a:buNone/>
+            </a:pPr>
+            <a:r>
+              <a:rPr/>
+              <a:t>Bibliographie</a:t>
+            </a:r>
+          </a:p>
+        </p:txBody>
+      </p:sp>
+      <p:sp>
+        <p:nvSpPr>
+          <p:cNvPr id="3" name="Content Placeholder 2"/>
+          <p:cNvSpPr>
+            <a:spLocks noGrp="1"/>
+          </p:cNvSpPr>
+          <p:nvPr>
+            <p:ph idx="1"/>
+          </p:nvPr>
+        </p:nvSpPr>
+        <p:spPr/>
+        <p:txBody>
+          <a:bodyPr/>
+          <a:lstStyle/>
+          <a:p>
+            <a:pPr lvl="1">
+              <a:buAutoNum type="arabicPeriod"/>
+            </a:pPr>
+            <a:r>
+              <a:rPr/>
+              <a:t>Kaggle, harlfoxen (2017). House sales in King County, USA. Récupéré le 27 février 2020 de </a:t>
+            </a:r>
+            <a:r>
+              <a:rPr>
+                <a:hlinkClick r:id="rId2"/>
+              </a:rPr>
+              <a:t>https://www.kaggle.com/harlfoxem/housesalesprediction</a:t>
+            </a:r>
+            <a:r>
+              <a:rPr/>
+              <a:t>. </a:t>
+            </a:r>
+          </a:p>
+          <a:p>
+            <a:pPr lvl="1">
+              <a:buAutoNum type="arabicPeriod"/>
+            </a:pPr>
+            <a:r>
+              <a:rPr/>
+              <a:t>Max Kuhn (2020). caret: Classification and Regression Training. R package version 6.0-85. </a:t>
+            </a:r>
+            <a:r>
+              <a:rPr>
+                <a:hlinkClick r:id="rId3"/>
+              </a:rPr>
+              <a:t>https://CRAN.R-project.org/package=caret</a:t>
+            </a:r>
+            <a:r>
+              <a:rPr/>
+              <a:t> </a:t>
+            </a:r>
+          </a:p>
+          <a:p>
+            <a:pPr lvl="1">
+              <a:buAutoNum type="arabicPeriod"/>
+            </a:pPr>
+            <a:r>
+              <a:rPr/>
+              <a:t>Terry Therneau and Beth Atkinson (2019). rpart: Recursive Partitioning and Regression Trees. R package version 4.1-15. </a:t>
+            </a:r>
+            <a:r>
+              <a:rPr>
+                <a:hlinkClick r:id="rId4"/>
+              </a:rPr>
+              <a:t>https://CRAN.R-project.org/package=rpart</a:t>
+            </a:r>
+            <a:r>
+              <a:rPr/>
+              <a:t> </a:t>
+            </a:r>
+          </a:p>
+          <a:p>
+            <a:pPr lvl="1">
+              <a:buAutoNum type="arabicPeriod"/>
+            </a:pPr>
+            <a:r>
+              <a:rPr/>
+              <a:t>Stephen Milborrow (2019). rpart.plot: Plot ‘rpart’ Models: An Enhanced Version of ‘plot.rpart’. R package version 3.0.8. </a:t>
+            </a:r>
+            <a:r>
+              <a:rPr>
+                <a:hlinkClick r:id="rId5"/>
+              </a:rPr>
+              <a:t>https://CRAN.R-project.org/package=rpart.plot</a:t>
+            </a:r>
+            <a:r>
+              <a:rPr/>
+              <a:t> </a:t>
+            </a:r>
+          </a:p>
+          <a:p>
+            <a:pPr lvl="1">
+              <a:buAutoNum type="arabicPeriod"/>
+            </a:pPr>
+            <a:r>
+              <a:rPr/>
+              <a:t>A. Liaw and M. Wiener (2002). Classification and Regression by randomForest. R News 2(3), 18–22. </a:t>
+            </a:r>
+          </a:p>
+          <a:p>
+            <a:pPr lvl="1">
+              <a:buAutoNum type="arabicPeriod"/>
+            </a:pPr>
+            <a:r>
+              <a:rPr/>
+              <a:t>Brandon Greenwell, Bradley Boehmke, Jay Cunningham and GBM Developers (2019). gbm: Generalized Boosted Regression Models. R package version 2.1.5. </a:t>
+            </a:r>
+            <a:r>
+              <a:rPr>
+                <a:hlinkClick r:id="rId6"/>
+              </a:rPr>
+              <a:t>https://CRAN.R-project.org/package=gbm</a:t>
+            </a:r>
+            <a:r>
+              <a:rPr/>
+              <a:t> </a:t>
+            </a:r>
+          </a:p>
+          <a:p>
+            <a:pPr lvl="1">
+              <a:buAutoNum type="arabicPeriod"/>
+            </a:pPr>
+            <a:r>
+              <a:rPr/>
+              <a:t>Jerome Friedman, Trevor Hastie, Robert Tibshirani (2010). Regularization Paths for Generalized Linear Models via Coordinate Descent. Journal of Statistical Software, 33(1), 1-22. URL </a:t>
+            </a:r>
+            <a:r>
+              <a:rPr>
+                <a:hlinkClick r:id="rId7"/>
+              </a:rPr>
+              <a:t>http://www.jstatsoft.org/v33/i01/</a:t>
+            </a:r>
+            <a:r>
+              <a:rPr/>
+              <a:t>. </a:t>
+            </a:r>
+          </a:p>
+          <a:p>
+            <a:pPr lvl="1">
+              <a:buAutoNum type="arabicPeriod"/>
+            </a:pPr>
+            <a:r>
+              <a:rPr/>
+              <a:t>Alina Beygelzimer, Sham Kakadet, John Langford, Sunil Arya, David Mount and Shengqiao Li (2019). FNN: Fast Nearest Neighbor Search Algorithms and Applications. R package version 1.1.3. </a:t>
+            </a:r>
+            <a:r>
+              <a:rPr>
+                <a:hlinkClick r:id="rId8"/>
+              </a:rPr>
+              <a:t>https://CRAN.R-project.org/package=FNN</a:t>
+            </a:r>
+          </a:p>
+        </p:txBody>
+      </p:sp>
+    </p:spTree>
+  </p:cSld>
+</p:sld>
+</file>
+
+<file path=ppt/slides/slide3.xml><?xml version="1.0" encoding="utf-8"?>
+<p:sld xmlns:a="http://schemas.openxmlformats.org/drawingml/2006/main" xmlns:r="http://schemas.openxmlformats.org/officeDocument/2006/relationships" xmlns:p="http://schemas.openxmlformats.org/presentationml/2006/main">
+  <p:cSld>
+    <p:spTree>
+      <p:nvGrpSpPr>
+        <p:cNvPr id="1" name=""/>
+        <p:cNvGrpSpPr/>
+        <p:nvPr/>
+      </p:nvGrpSpPr>
+      <p:grpSpPr>
+        <a:xfrm>
+          <a:off x="0" y="0"/>
+          <a:ext cx="0" cy="0"/>
+          <a:chOff x="0" y="0"/>
+          <a:chExt cx="0" cy="0"/>
+        </a:xfrm>
+      </p:grpSpPr>
+      <p:sp>
+        <p:nvSpPr>
+          <p:cNvPr id="2" name="Title 1"/>
+          <p:cNvSpPr>
+            <a:spLocks noGrp="1"/>
+          </p:cNvSpPr>
+          <p:nvPr>
+            <p:ph type="title"/>
+          </p:nvPr>
+        </p:nvSpPr>
+        <p:spPr/>
+        <p:txBody>
+          <a:bodyPr/>
+          <a:lstStyle/>
+          <a:p>
+            <a:pPr lvl="0" marL="0" indent="0">
+              <a:buNone/>
+            </a:pPr>
+            <a:r>
+              <a:rPr/>
+              <a:t>Plan</a:t>
+            </a:r>
+            <a:r>
+              <a:rPr/>
+              <a:t> </a:t>
+            </a:r>
+            <a:r>
+              <a:rPr/>
+              <a:t>de</a:t>
+            </a:r>
+            <a:r>
+              <a:rPr/>
+              <a:t> </a:t>
+            </a:r>
+            <a:r>
+              <a:rPr/>
+              <a:t>la</a:t>
+            </a:r>
+            <a:r>
+              <a:rPr/>
+              <a:t> </a:t>
+            </a:r>
+            <a:r>
+              <a:rPr/>
+              <a:t>présentation</a:t>
+            </a:r>
+          </a:p>
+        </p:txBody>
+      </p:sp>
+      <p:sp>
+        <p:nvSpPr>
+          <p:cNvPr id="3" name="Content Placeholder 2"/>
+          <p:cNvSpPr>
+            <a:spLocks noGrp="1"/>
+          </p:cNvSpPr>
+          <p:nvPr>
+            <p:ph idx="1"/>
+          </p:nvPr>
+        </p:nvSpPr>
+        <p:spPr/>
+        <p:txBody>
+          <a:bodyPr/>
+          <a:lstStyle/>
+          <a:p>
+            <a:pPr lvl="1"/>
+            <a:r>
+              <a:rPr/>
+              <a:t>Description du problème</a:t>
+            </a:r>
+          </a:p>
+          <a:p>
+            <a:pPr lvl="1"/>
+            <a:r>
+              <a:rPr/>
+              <a:t>Base de données à l’étude</a:t>
+            </a:r>
+          </a:p>
+          <a:p>
+            <a:pPr lvl="1"/>
+            <a:r>
+              <a:rPr/>
+              <a:t>Prétraitement des données</a:t>
+            </a:r>
+          </a:p>
+          <a:p>
+            <a:pPr lvl="1"/>
+            <a:r>
+              <a:rPr/>
+              <a:t>Analyse exploratoire</a:t>
+            </a:r>
+          </a:p>
+          <a:p>
+            <a:pPr lvl="1"/>
+            <a:r>
+              <a:rPr/>
+              <a:t>Modèles testés</a:t>
+            </a:r>
+          </a:p>
+          <a:p>
+            <a:pPr lvl="1"/>
+            <a:r>
+              <a:rPr/>
+              <a:t>Comparaison des modèles</a:t>
+            </a:r>
+          </a:p>
+          <a:p>
+            <a:pPr lvl="1"/>
+            <a:r>
+              <a:rPr/>
+              <a:t>Forêt aléatoire</a:t>
+            </a:r>
+          </a:p>
+          <a:p>
+            <a:pPr lvl="1"/>
+            <a:r>
+              <a:rPr/>
+              <a:t>GBM</a:t>
+            </a:r>
+          </a:p>
+        </p:txBody>
+      </p:sp>
+    </p:spTree>
+  </p:cSld>
+</p:sld>
+</file>
+
+<file path=ppt/slides/slide4.xml><?xml version="1.0" encoding="utf-8"?>
+<p:sld xmlns:a="http://schemas.openxmlformats.org/drawingml/2006/main" xmlns:r="http://schemas.openxmlformats.org/officeDocument/2006/relationships" xmlns:p="http://schemas.openxmlformats.org/presentationml/2006/main">
+  <p:cSld>
+    <p:spTree>
+      <p:nvGrpSpPr>
+        <p:cNvPr id="1" name=""/>
+        <p:cNvGrpSpPr/>
+        <p:nvPr/>
+      </p:nvGrpSpPr>
+      <p:grpSpPr>
+        <a:xfrm>
+          <a:off x="0" y="0"/>
+          <a:ext cx="0" cy="0"/>
+          <a:chOff x="0" y="0"/>
+          <a:chExt cx="0" cy="0"/>
+        </a:xfrm>
+      </p:grpSpPr>
+      <p:sp>
+        <p:nvSpPr>
+          <p:cNvPr id="2" name="Title 1"/>
+          <p:cNvSpPr>
+            <a:spLocks noGrp="1"/>
+          </p:cNvSpPr>
+          <p:nvPr>
+            <p:ph type="title"/>
+          </p:nvPr>
+        </p:nvSpPr>
+        <p:spPr/>
+        <p:txBody>
+          <a:bodyPr/>
+          <a:lstStyle/>
+          <a:p>
+            <a:pPr lvl="0" marL="0" indent="0">
+              <a:buNone/>
+            </a:pPr>
+            <a:r>
+              <a:rPr/>
+              <a:t>Description</a:t>
+            </a:r>
+            <a:r>
+              <a:rPr/>
+              <a:t> </a:t>
+            </a:r>
+            <a:r>
+              <a:rPr/>
+              <a:t>du</a:t>
+            </a:r>
+            <a:r>
+              <a:rPr/>
+              <a:t> </a:t>
+            </a:r>
+            <a:r>
+              <a:rPr/>
+              <a:t>problème</a:t>
+            </a:r>
+          </a:p>
+        </p:txBody>
+      </p:sp>
+      <p:sp>
+        <p:nvSpPr>
+          <p:cNvPr id="3" name="Content Placeholder 2"/>
+          <p:cNvSpPr>
+            <a:spLocks noGrp="1"/>
+          </p:cNvSpPr>
+          <p:nvPr>
+            <p:ph idx="1"/>
+          </p:nvPr>
+        </p:nvSpPr>
+        <p:spPr/>
+        <p:txBody>
+          <a:bodyPr/>
+          <a:lstStyle/>
+          <a:p>
+            <a:pPr lvl="1"/>
+            <a:r>
+              <a:rPr/>
+              <a:t>Futures soumissions d’assurance habitation</a:t>
+            </a:r>
+          </a:p>
+          <a:p>
+            <a:pPr lvl="1"/>
+            <a:r>
+              <a:rPr/>
+              <a:t>Prêts hypothécaire à des fins de hedging</a:t>
+            </a:r>
+          </a:p>
+        </p:txBody>
+      </p:sp>
+    </p:spTree>
+  </p:cSld>
+</p:sld>
+</file>
+
+<file path=ppt/slides/slide5.xml><?xml version="1.0" encoding="utf-8"?>
+<p:sld xmlns:a="http://schemas.openxmlformats.org/drawingml/2006/main" xmlns:r="http://schemas.openxmlformats.org/officeDocument/2006/relationships" xmlns:p="http://schemas.openxmlformats.org/presentationml/2006/main">
+  <p:cSld>
+    <p:spTree>
+      <p:nvGrpSpPr>
+        <p:cNvPr id="1" name=""/>
+        <p:cNvGrpSpPr/>
+        <p:nvPr/>
+      </p:nvGrpSpPr>
+      <p:grpSpPr>
+        <a:xfrm>
+          <a:off x="0" y="0"/>
+          <a:ext cx="0" cy="0"/>
+          <a:chOff x="0" y="0"/>
+          <a:chExt cx="0" cy="0"/>
+        </a:xfrm>
+      </p:grpSpPr>
+      <p:sp>
+        <p:nvSpPr>
+          <p:cNvPr id="2" name="Title 1"/>
+          <p:cNvSpPr>
+            <a:spLocks noGrp="1"/>
+          </p:cNvSpPr>
+          <p:nvPr>
+            <p:ph type="title"/>
+          </p:nvPr>
+        </p:nvSpPr>
+        <p:spPr/>
+        <p:txBody>
+          <a:bodyPr/>
+          <a:lstStyle/>
+          <a:p>
+            <a:pPr lvl="0" marL="0" indent="0">
+              <a:buNone/>
+            </a:pPr>
+            <a:r>
+              <a:rPr/>
+              <a:t>Base</a:t>
+            </a:r>
+            <a:r>
+              <a:rPr/>
+              <a:t> </a:t>
+            </a:r>
+            <a:r>
+              <a:rPr/>
+              <a:t>de</a:t>
+            </a:r>
+            <a:r>
+              <a:rPr/>
+              <a:t> </a:t>
+            </a:r>
+            <a:r>
+              <a:rPr/>
+              <a:t>données</a:t>
+            </a:r>
+            <a:r>
+              <a:rPr/>
+              <a:t> </a:t>
+            </a:r>
+            <a:r>
+              <a:rPr/>
+              <a:t>à</a:t>
+            </a:r>
+            <a:r>
+              <a:rPr/>
+              <a:t> </a:t>
+            </a:r>
+            <a:r>
+              <a:rPr/>
+              <a:t>l’étude</a:t>
+            </a:r>
+          </a:p>
+        </p:txBody>
+      </p:sp>
+      <p:sp>
+        <p:nvSpPr>
+          <p:cNvPr id="3" name="Content Placeholder 2"/>
+          <p:cNvSpPr>
+            <a:spLocks noGrp="1"/>
+          </p:cNvSpPr>
+          <p:nvPr>
+            <p:ph idx="1"/>
+          </p:nvPr>
+        </p:nvSpPr>
+        <p:spPr/>
+        <p:txBody>
+          <a:bodyPr/>
+          <a:lstStyle/>
+          <a:p>
+            <a:pPr lvl="1"/>
+            <a:r>
+              <a:rPr/>
+              <a:t>Prix de vente des maisons dans le conté de King County (Washington, USA)</a:t>
+            </a:r>
+          </a:p>
+          <a:p>
+            <a:pPr lvl="1"/>
+            <a:r>
+              <a:rPr/>
+              <a:t>Maisons vendues entre mai 2014 et mai 2015</a:t>
+            </a:r>
+          </a:p>
+          <a:p>
+            <a:pPr lvl="1"/>
+            <a:r>
+              <a:rPr/>
+              <a:t>21 613 lignes pour 21 colonnes (variables)</a:t>
+            </a:r>
+          </a:p>
+          <a:p>
+            <a:pPr lvl="1"/>
+            <a:r>
+              <a:rPr/>
+              <a:t>Quelques utilités actuariels…</a:t>
+            </a:r>
+          </a:p>
+          <a:p>
+            <a:pPr lvl="1"/>
+            <a:r>
+              <a:rPr/>
+              <a:t>Futures soumissions d’assurance habitation</a:t>
+            </a:r>
+          </a:p>
+          <a:p>
+            <a:pPr lvl="1"/>
+            <a:r>
+              <a:rPr/>
+              <a:t>Prêts hypothécaire à des fins de hedging</a:t>
+            </a:r>
+          </a:p>
+        </p:txBody>
+      </p:sp>
+    </p:spTree>
+  </p:cSld>
+</p:sld>
+</file>
+
 <file path=ppt/slides/slide6.xml><?xml version="1.0" encoding="utf-8"?>
 <p:sld xmlns:a="http://schemas.openxmlformats.org/drawingml/2006/main" xmlns:r="http://schemas.openxmlformats.org/officeDocument/2006/relationships" xmlns:p="http://schemas.openxmlformats.org/presentationml/2006/main">
   <p:cSld>
@@ -8507,7 +9260,7 @@
             </a:pPr>
             <a:r>
               <a:rPr/>
-              <a:t>Analyse</a:t>
+              <a:t>Prétraitement</a:t>
             </a:r>
             <a:r>
               <a:rPr/>
@@ -8515,7 +9268,7 @@
             </a:r>
             <a:r>
               <a:rPr/>
-              <a:t>en</a:t>
+              <a:t>des</a:t>
             </a:r>
             <a:r>
               <a:rPr/>
@@ -8523,22 +9276,14 @@
             </a:r>
             <a:r>
               <a:rPr/>
-              <a:t>composantes</a:t>
-            </a:r>
-            <a:r>
-              <a:rPr/>
-              <a:t> </a:t>
-            </a:r>
-            <a:r>
-              <a:rPr/>
-              <a:t>principales</a:t>
+              <a:t>données</a:t>
             </a:r>
           </a:p>
         </p:txBody>
       </p:sp>
       <p:pic>
         <p:nvPicPr>
-          <p:cNvPr descr="PP_files/figure-pptx/unnamed-chunk-1-1.png" id="0" name="Picture 1"/>
+          <p:cNvPr descr="PP_files/figure-pptx/pressure-1.png" id="0" name="Picture 1"/>
           <p:cNvPicPr>
             <a:picLocks noGrp="1" noChangeAspect="1"/>
           </p:cNvPicPr>
@@ -8616,11 +9361,57 @@
             </a:r>
             <a:r>
               <a:rPr/>
-              <a:t>exploratoire</a:t>
-            </a:r>
-          </a:p>
-        </p:txBody>
-      </p:sp>
+              <a:t>en</a:t>
+            </a:r>
+            <a:r>
+              <a:rPr/>
+              <a:t> </a:t>
+            </a:r>
+            <a:r>
+              <a:rPr/>
+              <a:t>composantes</a:t>
+            </a:r>
+            <a:r>
+              <a:rPr/>
+              <a:t> </a:t>
+            </a:r>
+            <a:r>
+              <a:rPr/>
+              <a:t>principales</a:t>
+            </a:r>
+          </a:p>
+        </p:txBody>
+      </p:sp>
+      <p:pic>
+        <p:nvPicPr>
+          <p:cNvPr descr="PP_files/figure-pptx/unnamed-chunk-1-1.png" id="0" name="Picture 1"/>
+          <p:cNvPicPr>
+            <a:picLocks noGrp="1" noChangeAspect="1"/>
+          </p:cNvPicPr>
+          <p:nvPr/>
+        </p:nvPicPr>
+        <p:blipFill>
+          <a:blip r:embed="rId2"/>
+          <a:stretch>
+            <a:fillRect/>
+          </a:stretch>
+        </p:blipFill>
+        <p:spPr bwMode="auto">
+          <a:xfrm>
+            <a:off x="2540000" y="2159000"/>
+            <a:ext cx="4838700" cy="3873500"/>
+          </a:xfrm>
+          <a:prstGeom prst="rect">
+            <a:avLst/>
+          </a:prstGeom>
+          <a:noFill/>
+          <a:ln w="9525">
+            <a:noFill/>
+            <a:headEnd/>
+            <a:tailEnd/>
+          </a:ln>
+        </p:spPr>
+      </p:pic>
     </p:spTree>
   </p:cSld>
 </p:sld>
@@ -8663,7 +9454,7 @@
             </a:pPr>
             <a:r>
               <a:rPr/>
-              <a:t>Modèles</a:t>
+              <a:t>Analyse</a:t>
             </a:r>
             <a:r>
               <a:rPr/>
@@ -8671,88 +9462,7 @@
             </a:r>
             <a:r>
               <a:rPr/>
-              <a:t>testés</a:t>
-            </a:r>
-          </a:p>
-        </p:txBody>
-      </p:sp>
-      <p:sp>
-        <p:nvSpPr>
-          <p:cNvPr id="3" name="Content Placeholder 2"/>
-          <p:cNvSpPr>
-            <a:spLocks noGrp="1"/>
-          </p:cNvSpPr>
-          <p:nvPr>
-            <p:ph idx="1"/>
-          </p:nvPr>
-        </p:nvSpPr>
-        <p:spPr/>
-        <p:txBody>
-          <a:bodyPr/>
-          <a:lstStyle/>
-          <a:p>
-            <a:pPr lvl="1"/>
-            <a:r>
-              <a:rPr/>
-              <a:t>Modèle de base</a:t>
-            </a:r>
-          </a:p>
-          <a:p>
-            <a:pPr lvl="1"/>
-            <a:r>
-              <a:rPr/>
-              <a:t>Modèle linéaire généralisé avec régression Lasso</a:t>
-            </a:r>
-          </a:p>
-          <a:p>
-            <a:pPr lvl="1"/>
-            <a:r>
-              <a:rPr/>
-              <a:t>Modèle des </a:t>
-            </a:r>
-            <a:r>
-              <a:rPr i="1"/>
-              <a:t>k</a:t>
-            </a:r>
-            <a:r>
-              <a:rPr/>
-              <a:t> plus proches voisins</a:t>
-            </a:r>
-          </a:p>
-          <a:p>
-            <a:pPr lvl="1"/>
-            <a:r>
-              <a:rPr/>
-              <a:t>Arbre de décision</a:t>
-            </a:r>
-          </a:p>
-          <a:p>
-            <a:pPr lvl="1"/>
-            <a:r>
-              <a:rPr/>
-              <a:t>Ensemble d’arbres de décision agrégées par </a:t>
-            </a:r>
-            <a:r>
-              <a:rPr i="1"/>
-              <a:t>bagging</a:t>
-            </a:r>
-          </a:p>
-          <a:p>
-            <a:pPr lvl="1"/>
-            <a:r>
-              <a:rPr/>
-              <a:t>Forêt aléatoire</a:t>
-            </a:r>
-          </a:p>
-          <a:p>
-            <a:pPr lvl="1"/>
-            <a:r>
-              <a:rPr/>
-              <a:t>Modèle de </a:t>
-            </a:r>
-            <a:r>
-              <a:rPr i="1"/>
-              <a:t>gradient boosting</a:t>
+              <a:t>exploratoire</a:t>
             </a:r>
           </a:p>
         </p:txBody>
@@ -8809,37 +9519,86 @@
               <a:rPr/>
               <a:t>testés</a:t>
             </a:r>
-            <a:r>
-              <a:rPr/>
-              <a:t> </a:t>
-            </a:r>
-            <a:r>
-              <a:rPr/>
-              <a:t>-</a:t>
-            </a:r>
-            <a:r>
-              <a:rPr/>
-              <a:t> </a:t>
-            </a:r>
-            <a:r>
-              <a:rPr/>
-              <a:t>Modèle</a:t>
-            </a:r>
-            <a:r>
-              <a:rPr/>
-              <a:t> </a:t>
-            </a:r>
-            <a:r>
-              <a:rPr/>
-              <a:t>de</a:t>
-            </a:r>
-            <a:r>
-              <a:rPr/>
-              <a:t> </a:t>
-            </a:r>
-            <a:r>
-              <a:rPr/>
-              <a:t>base</a:t>
+          </a:p>
+        </p:txBody>
+      </p:sp>
+      <p:sp>
+        <p:nvSpPr>
+          <p:cNvPr id="3" name="Content Placeholder 2"/>
+          <p:cNvSpPr>
+            <a:spLocks noGrp="1"/>
+          </p:cNvSpPr>
+          <p:nvPr>
+            <p:ph idx="1"/>
+          </p:nvPr>
+        </p:nvSpPr>
+        <p:spPr/>
+        <p:txBody>
+          <a:bodyPr/>
+          <a:lstStyle/>
+          <a:p>
+            <a:pPr lvl="1"/>
+            <a:r>
+              <a:rPr/>
+              <a:t>Modèle de base</a:t>
+            </a:r>
+          </a:p>
+          <a:p>
+            <a:pPr lvl="1"/>
+            <a:r>
+              <a:rPr/>
+              <a:t>Modèle linéaire généralisé avec régression Lasso</a:t>
+            </a:r>
+          </a:p>
+          <a:p>
+            <a:pPr lvl="1"/>
+            <a:r>
+              <a:rPr/>
+              <a:t>Modèle des </a:t>
+            </a:r>
+            <a:r>
+              <a:rPr i="1"/>
+              <a:t>k</a:t>
+            </a:r>
+            <a:r>
+              <a:rPr/>
+              <a:t> plus proches voisins</a:t>
+            </a:r>
+          </a:p>
+          <a:p>
+            <a:pPr lvl="1"/>
+            <a:r>
+              <a:rPr/>
+              <a:t>Arbre de décision</a:t>
+            </a:r>
+          </a:p>
+          <a:p>
+            <a:pPr lvl="1"/>
+            <a:r>
+              <a:rPr/>
+              <a:t>Ensemble d’arbres de décision agrégées par </a:t>
+            </a:r>
+            <a:r>
+              <a:rPr i="1"/>
+              <a:t>bagging</a:t>
+            </a:r>
+          </a:p>
+          <a:p>
+            <a:pPr lvl="1"/>
+            <a:r>
+              <a:rPr/>
+              <a:t>Forêt aléatoire</a:t>
+            </a:r>
+          </a:p>
+          <a:p>
+            <a:pPr lvl="1"/>
+            <a:r>
+              <a:rPr/>
+              <a:t>Modèle de </a:t>
+            </a:r>
+            <a:r>
+              <a:rPr i="1"/>
+              <a:t>gradient boosting</a:t>
             </a:r>
           </a:p>
         </p:txBody>

--- a/PP.pptx
+++ b/PP.pptx
@@ -31,6 +31,8 @@
     <p:sldId id="279" r:id="rId25"/>
     <p:sldId id="280" r:id="rId26"/>
     <p:sldId id="281" r:id="rId27"/>
+    <p:sldId id="282" r:id="rId28"/>
+    <p:sldId id="283" r:id="rId29"/>
   </p:sldIdLst>
   <p:sldSz cx="12192000" cy="6858000"/>
   <p:notesSz cx="6858000" cy="9144000"/>
@@ -6613,38 +6615,6 @@
               <a:rPr/>
               <a:t>testés</a:t>
             </a:r>
-            <a:r>
-              <a:rPr/>
-              <a:t> </a:t>
-            </a:r>
-            <a:r>
-              <a:rPr/>
-              <a:t>-</a:t>
-            </a:r>
-            <a:r>
-              <a:rPr/>
-              <a:t> </a:t>
-            </a:r>
-            <a:r>
-              <a:rPr/>
-              <a:t>Modèle</a:t>
-            </a:r>
-            <a:r>
-              <a:rPr/>
-              <a:t> </a:t>
-            </a:r>
-            <a:r>
-              <a:rPr/>
-              <a:t>de</a:t>
-            </a:r>
-            <a:r>
-              <a:rPr/>
-              <a:t> </a:t>
-            </a:r>
-            <a:r>
-              <a:rPr/>
-              <a:t>base</a:t>
-            </a:r>
           </a:p>
         </p:txBody>
       </p:sp>
@@ -6666,21 +6636,65 @@
             <a:pPr lvl="1"/>
             <a:r>
               <a:rPr/>
-              <a:t>Régression linéaire multiple avec transformation logarithmique</a:t>
+              <a:t>Modèle de base</a:t>
             </a:r>
           </a:p>
           <a:p>
             <a:pPr lvl="1"/>
             <a:r>
               <a:rPr/>
-              <a:t>Aucune interaction</a:t>
+              <a:t>Modèle linéaire généralisé avec régression Lasso</a:t>
             </a:r>
           </a:p>
           <a:p>
             <a:pPr lvl="1"/>
             <a:r>
               <a:rPr/>
-              <a:t>Aucune sélection formelle de variables</a:t>
+              <a:t>Modèle des </a:t>
+            </a:r>
+            <a:r>
+              <a:rPr i="1"/>
+              <a:t>k</a:t>
+            </a:r>
+            <a:r>
+              <a:rPr/>
+              <a:t> plus proches voisins</a:t>
+            </a:r>
+          </a:p>
+          <a:p>
+            <a:pPr lvl="1"/>
+            <a:r>
+              <a:rPr/>
+              <a:t>Arbre de décision</a:t>
+            </a:r>
+          </a:p>
+          <a:p>
+            <a:pPr lvl="1"/>
+            <a:r>
+              <a:rPr/>
+              <a:t>Ensemble d’arbres de décision agrégées par </a:t>
+            </a:r>
+            <a:r>
+              <a:rPr i="1"/>
+              <a:t>bagging</a:t>
+            </a:r>
+          </a:p>
+          <a:p>
+            <a:pPr lvl="1"/>
+            <a:r>
+              <a:rPr/>
+              <a:t>Forêt aléatoire</a:t>
+            </a:r>
+          </a:p>
+          <a:p>
+            <a:pPr lvl="1"/>
+            <a:r>
+              <a:rPr/>
+              <a:t>Modèle de </a:t>
+            </a:r>
+            <a:r>
+              <a:rPr i="1"/>
+              <a:t>gradient boosting</a:t>
             </a:r>
           </a:p>
         </p:txBody>
@@ -6759,7 +6773,7 @@
             </a:r>
             <a:r>
               <a:rPr/>
-              <a:t>linéaire</a:t>
+              <a:t>de</a:t>
             </a:r>
             <a:r>
               <a:rPr/>
@@ -6767,31 +6781,44 @@
             </a:r>
             <a:r>
               <a:rPr/>
-              <a:t>généralisé</a:t>
-            </a:r>
-            <a:r>
-              <a:rPr/>
-              <a:t> </a:t>
-            </a:r>
-            <a:r>
-              <a:rPr/>
-              <a:t>avec</a:t>
-            </a:r>
-            <a:r>
-              <a:rPr/>
-              <a:t> </a:t>
-            </a:r>
-            <a:r>
-              <a:rPr/>
-              <a:t>régression</a:t>
-            </a:r>
-            <a:r>
-              <a:rPr/>
-              <a:t> </a:t>
-            </a:r>
-            <a:r>
-              <a:rPr/>
-              <a:t>Lasso</a:t>
+              <a:t>base</a:t>
+            </a:r>
+          </a:p>
+        </p:txBody>
+      </p:sp>
+      <p:sp>
+        <p:nvSpPr>
+          <p:cNvPr id="3" name="Content Placeholder 2"/>
+          <p:cNvSpPr>
+            <a:spLocks noGrp="1"/>
+          </p:cNvSpPr>
+          <p:nvPr>
+            <p:ph idx="1"/>
+          </p:nvPr>
+        </p:nvSpPr>
+        <p:spPr/>
+        <p:txBody>
+          <a:bodyPr/>
+          <a:lstStyle/>
+          <a:p>
+            <a:pPr lvl="1"/>
+            <a:r>
+              <a:rPr/>
+              <a:t>Régression linéaire multiple avec transformation logarithmique</a:t>
+            </a:r>
+          </a:p>
+          <a:p>
+            <a:pPr lvl="1"/>
+            <a:r>
+              <a:rPr/>
+              <a:t>Aucune interaction</a:t>
+            </a:r>
+          </a:p>
+          <a:p>
+            <a:pPr lvl="1"/>
+            <a:r>
+              <a:rPr/>
+              <a:t>Aucune sélection formelle de variables</a:t>
             </a:r>
           </a:p>
         </p:txBody>
@@ -6870,15 +6897,15 @@
             </a:r>
             <a:r>
               <a:rPr/>
-              <a:t>des</a:t>
+              <a:t>linéaire</a:t>
             </a:r>
             <a:r>
               <a:rPr/>
               <a:t> </a:t>
             </a:r>
             <a:r>
-              <a:rPr i="1"/>
-              <a:t>k</a:t>
+              <a:rPr/>
+              <a:t>généralisé</a:t>
             </a:r>
             <a:r>
               <a:rPr/>
@@ -6886,7 +6913,7 @@
             </a:r>
             <a:r>
               <a:rPr/>
-              <a:t>plus</a:t>
+              <a:t>avec</a:t>
             </a:r>
             <a:r>
               <a:rPr/>
@@ -6894,7 +6921,7 @@
             </a:r>
             <a:r>
               <a:rPr/>
-              <a:t>proches</a:t>
+              <a:t>régression</a:t>
             </a:r>
             <a:r>
               <a:rPr/>
@@ -6902,7 +6929,7 @@
             </a:r>
             <a:r>
               <a:rPr/>
-              <a:t>voisins</a:t>
+              <a:t>Lasso</a:t>
             </a:r>
           </a:p>
         </p:txBody>
@@ -6973,7 +7000,7 @@
             </a:r>
             <a:r>
               <a:rPr/>
-              <a:t>Arbre</a:t>
+              <a:t>Modèle</a:t>
             </a:r>
             <a:r>
               <a:rPr/>
@@ -6981,81 +7008,39 @@
             </a:r>
             <a:r>
               <a:rPr/>
-              <a:t>de</a:t>
+              <a:t>des</a:t>
             </a:r>
             <a:r>
               <a:rPr/>
               <a:t> </a:t>
             </a:r>
             <a:r>
-              <a:rPr/>
-              <a:t>décision</a:t>
-            </a:r>
-          </a:p>
-        </p:txBody>
-      </p:sp>
-      <p:sp>
-        <p:nvSpPr>
-          <p:cNvPr id="3" name="Content Placeholder 2"/>
-          <p:cNvSpPr>
-            <a:spLocks noGrp="1"/>
-          </p:cNvSpPr>
-          <p:nvPr>
-            <p:ph idx="1"/>
-          </p:nvPr>
-        </p:nvSpPr>
-        <p:spPr/>
-        <p:txBody>
-          <a:bodyPr/>
-          <a:lstStyle/>
-          <a:p>
-            <a:pPr lvl="1"/>
-            <a:r>
-              <a:rPr/>
-              <a:t>Optimisation de </a:t>
-            </a:r>
-            <a:r>
-              <a:rPr sz="1800">
-                <a:latin typeface="Courier"/>
-              </a:rPr>
-              <a:t>minbucket</a:t>
-            </a:r>
-          </a:p>
-          <a:p>
-            <a:pPr lvl="1"/>
-            <a:r>
-              <a:rPr/>
-              <a:t>Optimisation du paramètre de compléxité (</a:t>
-            </a:r>
-            <a:r>
-              <a:rPr sz="1800">
-                <a:latin typeface="Courier"/>
-              </a:rPr>
-              <a:t>cp</a:t>
-            </a:r>
-            <a:r>
-              <a:rPr/>
-              <a:t>)</a:t>
-            </a:r>
-          </a:p>
-          <a:p>
-            <a:pPr lvl="1"/>
-            <a:r>
-              <a:rPr sz="1800">
-                <a:latin typeface="Courier"/>
-              </a:rPr>
-              <a:t>method="anova"</a:t>
-            </a:r>
-            <a:r>
-              <a:rPr/>
-              <a:t>, donc la fonction de perte est l’EQM</a:t>
-            </a:r>
-          </a:p>
-          <a:p>
-            <a:pPr lvl="1"/>
-            <a:r>
-              <a:rPr/>
-              <a:t>Arbre élagué trop gros pour être représenté graphiquement</a:t>
+              <a:rPr i="1"/>
+              <a:t>k</a:t>
+            </a:r>
+            <a:r>
+              <a:rPr/>
+              <a:t> </a:t>
+            </a:r>
+            <a:r>
+              <a:rPr/>
+              <a:t>plus</a:t>
+            </a:r>
+            <a:r>
+              <a:rPr/>
+              <a:t> </a:t>
+            </a:r>
+            <a:r>
+              <a:rPr/>
+              <a:t>proches</a:t>
+            </a:r>
+            <a:r>
+              <a:rPr/>
+              <a:t> </a:t>
+            </a:r>
+            <a:r>
+              <a:rPr/>
+              <a:t>voisins</a:t>
             </a:r>
           </a:p>
         </p:txBody>
@@ -7126,7 +7111,7 @@
             </a:r>
             <a:r>
               <a:rPr/>
-              <a:t>Ensemble</a:t>
+              <a:t>Arbre</a:t>
             </a:r>
             <a:r>
               <a:rPr/>
@@ -7134,7 +7119,7 @@
             </a:r>
             <a:r>
               <a:rPr/>
-              <a:t>d’arbres</a:t>
+              <a:t>de</a:t>
             </a:r>
             <a:r>
               <a:rPr/>
@@ -7142,40 +7127,8 @@
             </a:r>
             <a:r>
               <a:rPr/>
-              <a:t>de</a:t>
-            </a:r>
-            <a:r>
-              <a:rPr/>
-              <a:t> </a:t>
-            </a:r>
-            <a:r>
-              <a:rPr/>
               <a:t>décision</a:t>
             </a:r>
-            <a:r>
-              <a:rPr/>
-              <a:t> </a:t>
-            </a:r>
-            <a:r>
-              <a:rPr/>
-              <a:t>agrégées</a:t>
-            </a:r>
-            <a:r>
-              <a:rPr/>
-              <a:t> </a:t>
-            </a:r>
-            <a:r>
-              <a:rPr/>
-              <a:t>par</a:t>
-            </a:r>
-            <a:r>
-              <a:rPr/>
-              <a:t> </a:t>
-            </a:r>
-            <a:r>
-              <a:rPr i="1"/>
-              <a:t>bagging</a:t>
-            </a:r>
           </a:p>
         </p:txBody>
       </p:sp>
@@ -7195,20 +7148,32 @@
           <a:lstStyle/>
           <a:p>
             <a:pPr lvl="1"/>
+            <a:r>
+              <a:rPr/>
+              <a:t>Optimisation de </a:t>
+            </a:r>
             <a:r>
               <a:rPr sz="1800">
                 <a:latin typeface="Courier"/>
               </a:rPr>
-              <a:t>sampsize= nrow(donnees.train)</a:t>
+              <a:t>minbucket</a:t>
             </a:r>
           </a:p>
           <a:p>
             <a:pPr lvl="1"/>
+            <a:r>
+              <a:rPr/>
+              <a:t>Optimisation du paramètre de compléxité (</a:t>
+            </a:r>
             <a:r>
               <a:rPr sz="1800">
                 <a:latin typeface="Courier"/>
               </a:rPr>
-              <a:t>mtry=17</a:t>
+              <a:t>cp</a:t>
+            </a:r>
+            <a:r>
+              <a:rPr/>
+              <a:t>)</a:t>
             </a:r>
           </a:p>
           <a:p>
@@ -7217,25 +7182,18 @@
               <a:rPr sz="1800">
                 <a:latin typeface="Courier"/>
               </a:rPr>
-              <a:t>cp=0</a:t>
+              <a:t>method="anova"</a:t>
+            </a:r>
+            <a:r>
+              <a:rPr/>
+              <a:t>, donc la fonction de perte est l’EQM</a:t>
             </a:r>
           </a:p>
           <a:p>
             <a:pPr lvl="1"/>
             <a:r>
-              <a:rPr sz="1800">
-                <a:latin typeface="Courier"/>
-              </a:rPr>
-              <a:t>nodesize=5</a:t>
-            </a:r>
-          </a:p>
-          <a:p>
-            <a:pPr lvl="1"/>
-            <a:r>
-              <a:rPr sz="1800">
-                <a:latin typeface="Courier"/>
-              </a:rPr>
-              <a:t>ntree=500</a:t>
+              <a:rPr/>
+              <a:t>Arbre élagué trop gros pour être représenté graphiquement</a:t>
             </a:r>
           </a:p>
         </p:txBody>
@@ -7262,9 +7220,189 @@
           <a:chExt cx="0" cy="0"/>
         </a:xfrm>
       </p:grpSpPr>
+      <p:sp>
+        <p:nvSpPr>
+          <p:cNvPr id="2" name="Title 1"/>
+          <p:cNvSpPr>
+            <a:spLocks noGrp="1"/>
+          </p:cNvSpPr>
+          <p:nvPr>
+            <p:ph type="title"/>
+          </p:nvPr>
+        </p:nvSpPr>
+        <p:spPr/>
+        <p:txBody>
+          <a:bodyPr/>
+          <a:lstStyle/>
+          <a:p>
+            <a:pPr lvl="0" marL="0" indent="0">
+              <a:buNone/>
+            </a:pPr>
+            <a:r>
+              <a:rPr/>
+              <a:t>Modèles</a:t>
+            </a:r>
+            <a:r>
+              <a:rPr/>
+              <a:t> </a:t>
+            </a:r>
+            <a:r>
+              <a:rPr/>
+              <a:t>testés</a:t>
+            </a:r>
+            <a:r>
+              <a:rPr/>
+              <a:t> </a:t>
+            </a:r>
+            <a:r>
+              <a:rPr/>
+              <a:t>-</a:t>
+            </a:r>
+            <a:r>
+              <a:rPr/>
+              <a:t> </a:t>
+            </a:r>
+            <a:r>
+              <a:rPr/>
+              <a:t>Ensemble</a:t>
+            </a:r>
+            <a:r>
+              <a:rPr/>
+              <a:t> </a:t>
+            </a:r>
+            <a:r>
+              <a:rPr/>
+              <a:t>d’arbres</a:t>
+            </a:r>
+            <a:r>
+              <a:rPr/>
+              <a:t> </a:t>
+            </a:r>
+            <a:r>
+              <a:rPr/>
+              <a:t>de</a:t>
+            </a:r>
+            <a:r>
+              <a:rPr/>
+              <a:t> </a:t>
+            </a:r>
+            <a:r>
+              <a:rPr/>
+              <a:t>décision</a:t>
+            </a:r>
+            <a:r>
+              <a:rPr/>
+              <a:t> </a:t>
+            </a:r>
+            <a:r>
+              <a:rPr/>
+              <a:t>agrégées</a:t>
+            </a:r>
+            <a:r>
+              <a:rPr/>
+              <a:t> </a:t>
+            </a:r>
+            <a:r>
+              <a:rPr/>
+              <a:t>par</a:t>
+            </a:r>
+            <a:r>
+              <a:rPr/>
+              <a:t> </a:t>
+            </a:r>
+            <a:r>
+              <a:rPr i="1"/>
+              <a:t>bagging</a:t>
+            </a:r>
+          </a:p>
+        </p:txBody>
+      </p:sp>
+      <p:sp>
+        <p:nvSpPr>
+          <p:cNvPr id="3" name="Content Placeholder 2"/>
+          <p:cNvSpPr>
+            <a:spLocks noGrp="1"/>
+          </p:cNvSpPr>
+          <p:nvPr>
+            <p:ph idx="1"/>
+          </p:nvPr>
+        </p:nvSpPr>
+        <p:spPr/>
+        <p:txBody>
+          <a:bodyPr/>
+          <a:lstStyle/>
+          <a:p>
+            <a:pPr lvl="1"/>
+            <a:r>
+              <a:rPr sz="1800">
+                <a:latin typeface="Courier"/>
+              </a:rPr>
+              <a:t>sampsize= nrow(donnees.train)</a:t>
+            </a:r>
+          </a:p>
+          <a:p>
+            <a:pPr lvl="1"/>
+            <a:r>
+              <a:rPr sz="1800">
+                <a:latin typeface="Courier"/>
+              </a:rPr>
+              <a:t>mtry=17</a:t>
+            </a:r>
+          </a:p>
+          <a:p>
+            <a:pPr lvl="1"/>
+            <a:r>
+              <a:rPr sz="1800">
+                <a:latin typeface="Courier"/>
+              </a:rPr>
+              <a:t>cp=0</a:t>
+            </a:r>
+          </a:p>
+          <a:p>
+            <a:pPr lvl="1"/>
+            <a:r>
+              <a:rPr sz="1800">
+                <a:latin typeface="Courier"/>
+              </a:rPr>
+              <a:t>nodesize=5</a:t>
+            </a:r>
+          </a:p>
+          <a:p>
+            <a:pPr lvl="1"/>
+            <a:r>
+              <a:rPr sz="1800">
+                <a:latin typeface="Courier"/>
+              </a:rPr>
+              <a:t>ntree=500</a:t>
+            </a:r>
+          </a:p>
+        </p:txBody>
+      </p:sp>
+    </p:spTree>
+  </p:cSld>
+</p:sld>
+</file>
+
+<file path=ppt/slides/slide16.xml><?xml version="1.0" encoding="utf-8"?>
+<p:sld xmlns:a="http://schemas.openxmlformats.org/drawingml/2006/main" xmlns:r="http://schemas.openxmlformats.org/officeDocument/2006/relationships" xmlns:p="http://schemas.openxmlformats.org/presentationml/2006/main">
+  <p:cSld>
+    <p:spTree>
+      <p:nvGrpSpPr>
+        <p:cNvPr id="1" name=""/>
+        <p:cNvGrpSpPr/>
+        <p:nvPr/>
+      </p:nvGrpSpPr>
+      <p:grpSpPr>
+        <a:xfrm>
+          <a:off x="0" y="0"/>
+          <a:ext cx="0" cy="0"/>
+          <a:chOff x="0" y="0"/>
+          <a:chExt cx="0" cy="0"/>
+        </a:xfrm>
+      </p:grpSpPr>
       <p:pic>
         <p:nvPicPr>
-          <p:cNvPr descr="PP_files/figure-pptx/unnamed-chunk-2-1.png" id="0" name="Picture 1"/>
+          <p:cNvPr descr="PP_files/figure-pptx/unnamed-chunk-4-1.png" id="0" name="Picture 1"/>
           <p:cNvPicPr>
             <a:picLocks noGrp="1" noChangeAspect="1"/>
           </p:cNvPicPr>
@@ -7297,7 +7435,7 @@
 </p:sld>
 </file>
 
-<file path=ppt/slides/slide16.xml><?xml version="1.0" encoding="utf-8"?>
+<file path=ppt/slides/slide17.xml><?xml version="1.0" encoding="utf-8"?>
 <p:sld xmlns:a="http://schemas.openxmlformats.org/drawingml/2006/main" xmlns:r="http://schemas.openxmlformats.org/officeDocument/2006/relationships" xmlns:p="http://schemas.openxmlformats.org/presentationml/2006/main">
   <p:cSld>
     <p:spTree>
@@ -7437,7 +7575,7 @@
 </p:sld>
 </file>
 
-<file path=ppt/slides/slide17.xml><?xml version="1.0" encoding="utf-8"?>
+<file path=ppt/slides/slide18.xml><?xml version="1.0" encoding="utf-8"?>
 <p:sld xmlns:a="http://schemas.openxmlformats.org/drawingml/2006/main" xmlns:r="http://schemas.openxmlformats.org/officeDocument/2006/relationships" xmlns:p="http://schemas.openxmlformats.org/presentationml/2006/main">
   <p:cSld>
     <p:spTree>
@@ -7456,7 +7594,7 @@
       </p:grpSpPr>
       <p:pic>
         <p:nvPicPr>
-          <p:cNvPr descr="PP_files/figure-pptx/unnamed-chunk-3-1.png" id="0" name="Picture 1"/>
+          <p:cNvPr descr="PP_files/figure-pptx/unnamed-chunk-5-1.png" id="0" name="Picture 1"/>
           <p:cNvPicPr>
             <a:picLocks noGrp="1" noChangeAspect="1"/>
           </p:cNvPicPr>
@@ -7489,7 +7627,7 @@
 </p:sld>
 </file>
 
-<file path=ppt/slides/slide18.xml><?xml version="1.0" encoding="utf-8"?>
+<file path=ppt/slides/slide19.xml><?xml version="1.0" encoding="utf-8"?>
 <p:sld xmlns:a="http://schemas.openxmlformats.org/drawingml/2006/main" xmlns:r="http://schemas.openxmlformats.org/officeDocument/2006/relationships" xmlns:p="http://schemas.openxmlformats.org/presentationml/2006/main">
   <p:cSld>
     <p:spTree>
@@ -7584,7 +7722,54 @@
 </p:sld>
 </file>
 
-<file path=ppt/slides/slide19.xml><?xml version="1.0" encoding="utf-8"?>
+<file path=ppt/slides/slide2.xml><?xml version="1.0" encoding="utf-8"?>
+<p:sld xmlns:a="http://schemas.openxmlformats.org/drawingml/2006/main" xmlns:r="http://schemas.openxmlformats.org/officeDocument/2006/relationships" xmlns:p="http://schemas.openxmlformats.org/presentationml/2006/main">
+  <p:cSld>
+    <p:spTree>
+      <p:nvGrpSpPr>
+        <p:cNvPr id="1" name=""/>
+        <p:cNvGrpSpPr/>
+        <p:nvPr/>
+      </p:nvGrpSpPr>
+      <p:grpSpPr>
+        <a:xfrm>
+          <a:off x="0" y="0"/>
+          <a:ext cx="0" cy="0"/>
+          <a:chOff x="0" y="0"/>
+          <a:chExt cx="0" cy="0"/>
+        </a:xfrm>
+      </p:grpSpPr>
+      <p:sp>
+        <p:nvSpPr>
+          <p:cNvPr id="2" name="Title 1"/>
+          <p:cNvSpPr>
+            <a:spLocks noGrp="1"/>
+          </p:cNvSpPr>
+          <p:nvPr>
+            <p:ph type="title"/>
+          </p:nvPr>
+        </p:nvSpPr>
+        <p:spPr/>
+        <p:txBody>
+          <a:bodyPr/>
+          <a:lstStyle/>
+          <a:p>
+            <a:pPr lvl="0" marL="0" indent="0">
+              <a:buNone/>
+            </a:pPr>
+            <a:r>
+              <a:rPr/>
+              <a:t>Introduction</a:t>
+            </a:r>
+          </a:p>
+        </p:txBody>
+      </p:sp>
+    </p:spTree>
+  </p:cSld>
+</p:sld>
+</file>
+
+<file path=ppt/slides/slide20.xml><?xml version="1.0" encoding="utf-8"?>
 <p:sld xmlns:a="http://schemas.openxmlformats.org/drawingml/2006/main" xmlns:r="http://schemas.openxmlformats.org/officeDocument/2006/relationships" xmlns:p="http://schemas.openxmlformats.org/presentationml/2006/main">
   <p:cSld>
     <p:spTree>
@@ -8083,138 +8268,6 @@
 </p:sld>
 </file>
 
-<file path=ppt/slides/slide2.xml><?xml version="1.0" encoding="utf-8"?>
-<p:sld xmlns:a="http://schemas.openxmlformats.org/drawingml/2006/main" xmlns:r="http://schemas.openxmlformats.org/officeDocument/2006/relationships" xmlns:p="http://schemas.openxmlformats.org/presentationml/2006/main">
-  <p:cSld>
-    <p:spTree>
-      <p:nvGrpSpPr>
-        <p:cNvPr id="1" name=""/>
-        <p:cNvGrpSpPr/>
-        <p:nvPr/>
-      </p:nvGrpSpPr>
-      <p:grpSpPr>
-        <a:xfrm>
-          <a:off x="0" y="0"/>
-          <a:ext cx="0" cy="0"/>
-          <a:chOff x="0" y="0"/>
-          <a:chExt cx="0" cy="0"/>
-        </a:xfrm>
-      </p:grpSpPr>
-      <p:sp>
-        <p:nvSpPr>
-          <p:cNvPr id="2" name="Title 1"/>
-          <p:cNvSpPr>
-            <a:spLocks noGrp="1"/>
-          </p:cNvSpPr>
-          <p:nvPr>
-            <p:ph type="title"/>
-          </p:nvPr>
-        </p:nvSpPr>
-        <p:spPr/>
-        <p:txBody>
-          <a:bodyPr/>
-          <a:lstStyle/>
-          <a:p>
-            <a:pPr lvl="0" marL="0" indent="0">
-              <a:buNone/>
-            </a:pPr>
-            <a:r>
-              <a:rPr/>
-              <a:t>Introduction</a:t>
-            </a:r>
-          </a:p>
-        </p:txBody>
-      </p:sp>
-    </p:spTree>
-  </p:cSld>
-</p:sld>
-</file>
-
-<file path=ppt/slides/slide20.xml><?xml version="1.0" encoding="utf-8"?>
-<p:sld xmlns:a="http://schemas.openxmlformats.org/drawingml/2006/main" xmlns:r="http://schemas.openxmlformats.org/officeDocument/2006/relationships" xmlns:p="http://schemas.openxmlformats.org/presentationml/2006/main">
-  <p:cSld>
-    <p:spTree>
-      <p:nvGrpSpPr>
-        <p:cNvPr id="1" name=""/>
-        <p:cNvGrpSpPr/>
-        <p:nvPr/>
-      </p:nvGrpSpPr>
-      <p:grpSpPr>
-        <a:xfrm>
-          <a:off x="0" y="0"/>
-          <a:ext cx="0" cy="0"/>
-          <a:chOff x="0" y="0"/>
-          <a:chExt cx="0" cy="0"/>
-        </a:xfrm>
-      </p:grpSpPr>
-      <p:sp>
-        <p:nvSpPr>
-          <p:cNvPr id="2" name="Title 1"/>
-          <p:cNvSpPr>
-            <a:spLocks noGrp="1"/>
-          </p:cNvSpPr>
-          <p:nvPr>
-            <p:ph type="title"/>
-          </p:nvPr>
-        </p:nvSpPr>
-        <p:spPr/>
-        <p:txBody>
-          <a:bodyPr/>
-          <a:lstStyle/>
-          <a:p>
-            <a:pPr lvl="0" marL="0" indent="0">
-              <a:buNone/>
-            </a:pPr>
-            <a:r>
-              <a:rPr/>
-              <a:t>Forêt</a:t>
-            </a:r>
-            <a:r>
-              <a:rPr/>
-              <a:t> </a:t>
-            </a:r>
-            <a:r>
-              <a:rPr/>
-              <a:t>aléatoire</a:t>
-            </a:r>
-          </a:p>
-        </p:txBody>
-      </p:sp>
-      <p:pic>
-        <p:nvPicPr>
-          <p:cNvPr descr="PP_files/figure-pptx/unnamed-chunk-5-1.png" id="0" name="Picture 1"/>
-          <p:cNvPicPr>
-            <a:picLocks noGrp="1" noChangeAspect="1"/>
-          </p:cNvPicPr>
-          <p:nvPr/>
-        </p:nvPicPr>
-        <p:blipFill>
-          <a:blip r:embed="rId2"/>
-          <a:stretch>
-            <a:fillRect/>
-          </a:stretch>
-        </p:blipFill>
-        <p:spPr bwMode="auto">
-          <a:xfrm>
-            <a:off x="2540000" y="2159000"/>
-            <a:ext cx="4838700" cy="3873500"/>
-          </a:xfrm>
-          <a:prstGeom prst="rect">
-            <a:avLst/>
-          </a:prstGeom>
-          <a:noFill/>
-          <a:ln w="9525">
-            <a:noFill/>
-            <a:headEnd/>
-            <a:tailEnd/>
-          </a:ln>
-        </p:spPr>
-      </p:pic>
-    </p:spTree>
-  </p:cSld>
-</p:sld>
-</file>
-
 <file path=ppt/slides/slide21.xml><?xml version="1.0" encoding="utf-8"?>
 <p:sld xmlns:a="http://schemas.openxmlformats.org/drawingml/2006/main" xmlns:r="http://schemas.openxmlformats.org/officeDocument/2006/relationships" xmlns:p="http://schemas.openxmlformats.org/presentationml/2006/main">
   <p:cSld>
@@ -8262,20 +8315,12 @@
               <a:rPr/>
               <a:t>aléatoire</a:t>
             </a:r>
-            <a:r>
-              <a:rPr/>
-              <a:t> </a:t>
-            </a:r>
-            <a:r>
-              <a:rPr/>
-              <a:t>(suite)</a:t>
-            </a:r>
           </a:p>
         </p:txBody>
       </p:sp>
       <p:pic>
         <p:nvPicPr>
-          <p:cNvPr descr="PP_files/figure-pptx/unnamed-chunk-6-1.png" id="0" name="Picture 1"/>
+          <p:cNvPr descr="PP_files/figure-pptx/unnamed-chunk-7-1.png" id="0" name="Picture 1"/>
           <p:cNvPicPr>
             <a:picLocks noGrp="1" noChangeAspect="1"/>
           </p:cNvPicPr>
@@ -8368,7 +8413,7 @@
       </p:sp>
       <p:pic>
         <p:nvPicPr>
-          <p:cNvPr descr="PP_files/figure-pptx/unnamed-chunk-7-1.png" id="0" name="Picture 1"/>
+          <p:cNvPr descr="PP_files/figure-pptx/unnamed-chunk-8-1.png" id="0" name="Picture 1"/>
           <p:cNvPicPr>
             <a:picLocks noGrp="1" noChangeAspect="1"/>
           </p:cNvPicPr>
@@ -8461,7 +8506,7 @@
       </p:sp>
       <p:pic>
         <p:nvPicPr>
-          <p:cNvPr descr="PP_files/figure-pptx/unnamed-chunk-8-1.png" id="0" name="Picture 1"/>
+          <p:cNvPr descr="PP_files/figure-pptx/unnamed-chunk-9-1.png" id="0" name="Picture 1"/>
           <p:cNvPicPr>
             <a:picLocks noGrp="1" noChangeAspect="1"/>
           </p:cNvPicPr>
@@ -8531,7 +8576,7 @@
             </a:pPr>
             <a:r>
               <a:rPr/>
-              <a:t>Modèle</a:t>
+              <a:t>Forêt</a:t>
             </a:r>
             <a:r>
               <a:rPr/>
@@ -8539,751 +8584,22 @@
             </a:r>
             <a:r>
               <a:rPr/>
-              <a:t>de</a:t>
+              <a:t>aléatoire</a:t>
             </a:r>
             <a:r>
               <a:rPr/>
               <a:t> </a:t>
             </a:r>
             <a:r>
-              <a:rPr i="1"/>
-              <a:t>gradient</a:t>
-            </a:r>
-            <a:r>
-              <a:rPr i="1"/>
-              <a:t> </a:t>
-            </a:r>
-            <a:r>
-              <a:rPr i="1"/>
-              <a:t>boosting</a:t>
-            </a:r>
-          </a:p>
-        </p:txBody>
-      </p:sp>
-    </p:spTree>
-  </p:cSld>
-</p:sld>
-</file>
-
-<file path=ppt/slides/slide25.xml><?xml version="1.0" encoding="utf-8"?>
-<p:sld xmlns:a="http://schemas.openxmlformats.org/drawingml/2006/main" xmlns:r="http://schemas.openxmlformats.org/officeDocument/2006/relationships" xmlns:p="http://schemas.openxmlformats.org/presentationml/2006/main">
-  <p:cSld>
-    <p:spTree>
-      <p:nvGrpSpPr>
-        <p:cNvPr id="1" name=""/>
-        <p:cNvGrpSpPr/>
-        <p:nvPr/>
-      </p:nvGrpSpPr>
-      <p:grpSpPr>
-        <a:xfrm>
-          <a:off x="0" y="0"/>
-          <a:ext cx="0" cy="0"/>
-          <a:chOff x="0" y="0"/>
-          <a:chExt cx="0" cy="0"/>
-        </a:xfrm>
-      </p:grpSpPr>
-      <p:sp>
-        <p:nvSpPr>
-          <p:cNvPr id="2" name="Title 1"/>
-          <p:cNvSpPr>
-            <a:spLocks noGrp="1"/>
-          </p:cNvSpPr>
-          <p:nvPr>
-            <p:ph type="title"/>
-          </p:nvPr>
-        </p:nvSpPr>
-        <p:spPr/>
-        <p:txBody>
-          <a:bodyPr/>
-          <a:lstStyle/>
-          <a:p>
-            <a:pPr lvl="0" marL="0" indent="0">
-              <a:buNone/>
-            </a:pPr>
-            <a:r>
-              <a:rPr/>
-              <a:t>Conclusion</a:t>
-            </a:r>
-          </a:p>
-        </p:txBody>
-      </p:sp>
-      <p:sp>
-        <p:nvSpPr>
-          <p:cNvPr id="3" name="Content Placeholder 2"/>
-          <p:cNvSpPr>
-            <a:spLocks noGrp="1"/>
-          </p:cNvSpPr>
-          <p:nvPr>
-            <p:ph idx="1"/>
-          </p:nvPr>
-        </p:nvSpPr>
-        <p:spPr/>
-        <p:txBody>
-          <a:bodyPr/>
-          <a:lstStyle/>
-          <a:p>
-            <a:pPr lvl="1"/>
-            <a:r>
-              <a:rPr/>
-              <a:t>Modèle GBM retenu</a:t>
-            </a:r>
-          </a:p>
-          <a:p>
-            <a:pPr lvl="1"/>
-            <a:r>
-              <a:rPr/>
-              <a:t>Limitations</a:t>
-            </a:r>
-          </a:p>
-          <a:p>
-            <a:pPr lvl="1"/>
-            <a:r>
-              <a:rPr/>
-              <a:t>Possibilité d’utilisation dans d’autres zones géographiques</a:t>
-            </a:r>
-          </a:p>
-        </p:txBody>
-      </p:sp>
-    </p:spTree>
-  </p:cSld>
-</p:sld>
-</file>
-
-<file path=ppt/slides/slide26.xml><?xml version="1.0" encoding="utf-8"?>
-<p:sld xmlns:a="http://schemas.openxmlformats.org/drawingml/2006/main" xmlns:r="http://schemas.openxmlformats.org/officeDocument/2006/relationships" xmlns:p="http://schemas.openxmlformats.org/presentationml/2006/main">
-  <p:cSld>
-    <p:spTree>
-      <p:nvGrpSpPr>
-        <p:cNvPr id="1" name=""/>
-        <p:cNvGrpSpPr/>
-        <p:nvPr/>
-      </p:nvGrpSpPr>
-      <p:grpSpPr>
-        <a:xfrm>
-          <a:off x="0" y="0"/>
-          <a:ext cx="0" cy="0"/>
-          <a:chOff x="0" y="0"/>
-          <a:chExt cx="0" cy="0"/>
-        </a:xfrm>
-      </p:grpSpPr>
-      <p:sp>
-        <p:nvSpPr>
-          <p:cNvPr id="2" name="Title 1"/>
-          <p:cNvSpPr>
-            <a:spLocks noGrp="1"/>
-          </p:cNvSpPr>
-          <p:nvPr>
-            <p:ph type="title"/>
-          </p:nvPr>
-        </p:nvSpPr>
-        <p:spPr/>
-        <p:txBody>
-          <a:bodyPr/>
-          <a:lstStyle/>
-          <a:p>
-            <a:pPr lvl="0" marL="0" indent="0">
-              <a:buNone/>
-            </a:pPr>
-            <a:r>
-              <a:rPr/>
-              <a:t>Bibliographie</a:t>
-            </a:r>
-          </a:p>
-        </p:txBody>
-      </p:sp>
-      <p:sp>
-        <p:nvSpPr>
-          <p:cNvPr id="3" name="Content Placeholder 2"/>
-          <p:cNvSpPr>
-            <a:spLocks noGrp="1"/>
-          </p:cNvSpPr>
-          <p:nvPr>
-            <p:ph idx="1"/>
-          </p:nvPr>
-        </p:nvSpPr>
-        <p:spPr/>
-        <p:txBody>
-          <a:bodyPr/>
-          <a:lstStyle/>
-          <a:p>
-            <a:pPr lvl="1">
-              <a:buAutoNum type="arabicPeriod"/>
-            </a:pPr>
-            <a:r>
-              <a:rPr/>
-              <a:t>Kaggle, harlfoxen (2017). House sales in King County, USA. Récupéré le 27 février 2020 de </a:t>
-            </a:r>
-            <a:r>
-              <a:rPr>
-                <a:hlinkClick r:id="rId2"/>
-              </a:rPr>
-              <a:t>https://www.kaggle.com/harlfoxem/housesalesprediction</a:t>
-            </a:r>
-            <a:r>
-              <a:rPr/>
-              <a:t>. </a:t>
-            </a:r>
-          </a:p>
-          <a:p>
-            <a:pPr lvl="1">
-              <a:buAutoNum type="arabicPeriod"/>
-            </a:pPr>
-            <a:r>
-              <a:rPr/>
-              <a:t>Max Kuhn (2020). caret: Classification and Regression Training. R package version 6.0-85. </a:t>
-            </a:r>
-            <a:r>
-              <a:rPr>
-                <a:hlinkClick r:id="rId3"/>
-              </a:rPr>
-              <a:t>https://CRAN.R-project.org/package=caret</a:t>
-            </a:r>
-            <a:r>
-              <a:rPr/>
-              <a:t> </a:t>
-            </a:r>
-          </a:p>
-          <a:p>
-            <a:pPr lvl="1">
-              <a:buAutoNum type="arabicPeriod"/>
-            </a:pPr>
-            <a:r>
-              <a:rPr/>
-              <a:t>Terry Therneau and Beth Atkinson (2019). rpart: Recursive Partitioning and Regression Trees. R package version 4.1-15. </a:t>
-            </a:r>
-            <a:r>
-              <a:rPr>
-                <a:hlinkClick r:id="rId4"/>
-              </a:rPr>
-              <a:t>https://CRAN.R-project.org/package=rpart</a:t>
-            </a:r>
-            <a:r>
-              <a:rPr/>
-              <a:t> </a:t>
-            </a:r>
-          </a:p>
-          <a:p>
-            <a:pPr lvl="1">
-              <a:buAutoNum type="arabicPeriod"/>
-            </a:pPr>
-            <a:r>
-              <a:rPr/>
-              <a:t>Stephen Milborrow (2019). rpart.plot: Plot ‘rpart’ Models: An Enhanced Version of ‘plot.rpart’. R package version 3.0.8. </a:t>
-            </a:r>
-            <a:r>
-              <a:rPr>
-                <a:hlinkClick r:id="rId5"/>
-              </a:rPr>
-              <a:t>https://CRAN.R-project.org/package=rpart.plot</a:t>
-            </a:r>
-            <a:r>
-              <a:rPr/>
-              <a:t> </a:t>
-            </a:r>
-          </a:p>
-          <a:p>
-            <a:pPr lvl="1">
-              <a:buAutoNum type="arabicPeriod"/>
-            </a:pPr>
-            <a:r>
-              <a:rPr/>
-              <a:t>A. Liaw and M. Wiener (2002). Classification and Regression by randomForest. R News 2(3), 18–22. </a:t>
-            </a:r>
-          </a:p>
-          <a:p>
-            <a:pPr lvl="1">
-              <a:buAutoNum type="arabicPeriod"/>
-            </a:pPr>
-            <a:r>
-              <a:rPr/>
-              <a:t>Brandon Greenwell, Bradley Boehmke, Jay Cunningham and GBM Developers (2019). gbm: Generalized Boosted Regression Models. R package version 2.1.5. </a:t>
-            </a:r>
-            <a:r>
-              <a:rPr>
-                <a:hlinkClick r:id="rId6"/>
-              </a:rPr>
-              <a:t>https://CRAN.R-project.org/package=gbm</a:t>
-            </a:r>
-            <a:r>
-              <a:rPr/>
-              <a:t> </a:t>
-            </a:r>
-          </a:p>
-          <a:p>
-            <a:pPr lvl="1">
-              <a:buAutoNum type="arabicPeriod"/>
-            </a:pPr>
-            <a:r>
-              <a:rPr/>
-              <a:t>Jerome Friedman, Trevor Hastie, Robert Tibshirani (2010). Regularization Paths for Generalized Linear Models via Coordinate Descent. Journal of Statistical Software, 33(1), 1-22. URL </a:t>
-            </a:r>
-            <a:r>
-              <a:rPr>
-                <a:hlinkClick r:id="rId7"/>
-              </a:rPr>
-              <a:t>http://www.jstatsoft.org/v33/i01/</a:t>
-            </a:r>
-            <a:r>
-              <a:rPr/>
-              <a:t>. </a:t>
-            </a:r>
-          </a:p>
-          <a:p>
-            <a:pPr lvl="1">
-              <a:buAutoNum type="arabicPeriod"/>
-            </a:pPr>
-            <a:r>
-              <a:rPr/>
-              <a:t>Alina Beygelzimer, Sham Kakadet, John Langford, Sunil Arya, David Mount and Shengqiao Li (2019). FNN: Fast Nearest Neighbor Search Algorithms and Applications. R package version 1.1.3. </a:t>
-            </a:r>
-            <a:r>
-              <a:rPr>
-                <a:hlinkClick r:id="rId8"/>
-              </a:rPr>
-              <a:t>https://CRAN.R-project.org/package=FNN</a:t>
-            </a:r>
-          </a:p>
-        </p:txBody>
-      </p:sp>
-    </p:spTree>
-  </p:cSld>
-</p:sld>
-</file>
-
-<file path=ppt/slides/slide3.xml><?xml version="1.0" encoding="utf-8"?>
-<p:sld xmlns:a="http://schemas.openxmlformats.org/drawingml/2006/main" xmlns:r="http://schemas.openxmlformats.org/officeDocument/2006/relationships" xmlns:p="http://schemas.openxmlformats.org/presentationml/2006/main">
-  <p:cSld>
-    <p:spTree>
-      <p:nvGrpSpPr>
-        <p:cNvPr id="1" name=""/>
-        <p:cNvGrpSpPr/>
-        <p:nvPr/>
-      </p:nvGrpSpPr>
-      <p:grpSpPr>
-        <a:xfrm>
-          <a:off x="0" y="0"/>
-          <a:ext cx="0" cy="0"/>
-          <a:chOff x="0" y="0"/>
-          <a:chExt cx="0" cy="0"/>
-        </a:xfrm>
-      </p:grpSpPr>
-      <p:sp>
-        <p:nvSpPr>
-          <p:cNvPr id="2" name="Title 1"/>
-          <p:cNvSpPr>
-            <a:spLocks noGrp="1"/>
-          </p:cNvSpPr>
-          <p:nvPr>
-            <p:ph type="title"/>
-          </p:nvPr>
-        </p:nvSpPr>
-        <p:spPr/>
-        <p:txBody>
-          <a:bodyPr/>
-          <a:lstStyle/>
-          <a:p>
-            <a:pPr lvl="0" marL="0" indent="0">
-              <a:buNone/>
-            </a:pPr>
-            <a:r>
-              <a:rPr/>
-              <a:t>Plan</a:t>
-            </a:r>
-            <a:r>
-              <a:rPr/>
-              <a:t> </a:t>
-            </a:r>
-            <a:r>
-              <a:rPr/>
-              <a:t>de</a:t>
-            </a:r>
-            <a:r>
-              <a:rPr/>
-              <a:t> </a:t>
-            </a:r>
-            <a:r>
-              <a:rPr/>
-              <a:t>la</a:t>
-            </a:r>
-            <a:r>
-              <a:rPr/>
-              <a:t> </a:t>
-            </a:r>
-            <a:r>
-              <a:rPr/>
-              <a:t>présentation</a:t>
-            </a:r>
-          </a:p>
-        </p:txBody>
-      </p:sp>
-      <p:sp>
-        <p:nvSpPr>
-          <p:cNvPr id="3" name="Content Placeholder 2"/>
-          <p:cNvSpPr>
-            <a:spLocks noGrp="1"/>
-          </p:cNvSpPr>
-          <p:nvPr>
-            <p:ph idx="1"/>
-          </p:nvPr>
-        </p:nvSpPr>
-        <p:spPr/>
-        <p:txBody>
-          <a:bodyPr/>
-          <a:lstStyle/>
-          <a:p>
-            <a:pPr lvl="1"/>
-            <a:r>
-              <a:rPr/>
-              <a:t>Description du problème</a:t>
-            </a:r>
-          </a:p>
-          <a:p>
-            <a:pPr lvl="1"/>
-            <a:r>
-              <a:rPr/>
-              <a:t>Base de données à l’étude</a:t>
-            </a:r>
-          </a:p>
-          <a:p>
-            <a:pPr lvl="1"/>
-            <a:r>
-              <a:rPr/>
-              <a:t>Prétraitement des données</a:t>
-            </a:r>
-          </a:p>
-          <a:p>
-            <a:pPr lvl="1"/>
-            <a:r>
-              <a:rPr/>
-              <a:t>Analyse exploratoire</a:t>
-            </a:r>
-          </a:p>
-          <a:p>
-            <a:pPr lvl="1"/>
-            <a:r>
-              <a:rPr/>
-              <a:t>Modèles testés</a:t>
-            </a:r>
-          </a:p>
-          <a:p>
-            <a:pPr lvl="1"/>
-            <a:r>
-              <a:rPr/>
-              <a:t>Comparaison des modèles</a:t>
-            </a:r>
-          </a:p>
-          <a:p>
-            <a:pPr lvl="1"/>
-            <a:r>
-              <a:rPr/>
-              <a:t>Forêt aléatoire</a:t>
-            </a:r>
-          </a:p>
-          <a:p>
-            <a:pPr lvl="1"/>
-            <a:r>
-              <a:rPr/>
-              <a:t>GBM</a:t>
-            </a:r>
-          </a:p>
-        </p:txBody>
-      </p:sp>
-    </p:spTree>
-  </p:cSld>
-</p:sld>
-</file>
-
-<file path=ppt/slides/slide4.xml><?xml version="1.0" encoding="utf-8"?>
-<p:sld xmlns:a="http://schemas.openxmlformats.org/drawingml/2006/main" xmlns:r="http://schemas.openxmlformats.org/officeDocument/2006/relationships" xmlns:p="http://schemas.openxmlformats.org/presentationml/2006/main">
-  <p:cSld>
-    <p:spTree>
-      <p:nvGrpSpPr>
-        <p:cNvPr id="1" name=""/>
-        <p:cNvGrpSpPr/>
-        <p:nvPr/>
-      </p:nvGrpSpPr>
-      <p:grpSpPr>
-        <a:xfrm>
-          <a:off x="0" y="0"/>
-          <a:ext cx="0" cy="0"/>
-          <a:chOff x="0" y="0"/>
-          <a:chExt cx="0" cy="0"/>
-        </a:xfrm>
-      </p:grpSpPr>
-      <p:sp>
-        <p:nvSpPr>
-          <p:cNvPr id="2" name="Title 1"/>
-          <p:cNvSpPr>
-            <a:spLocks noGrp="1"/>
-          </p:cNvSpPr>
-          <p:nvPr>
-            <p:ph type="title"/>
-          </p:nvPr>
-        </p:nvSpPr>
-        <p:spPr/>
-        <p:txBody>
-          <a:bodyPr/>
-          <a:lstStyle/>
-          <a:p>
-            <a:pPr lvl="0" marL="0" indent="0">
-              <a:buNone/>
-            </a:pPr>
-            <a:r>
-              <a:rPr/>
-              <a:t>Description</a:t>
-            </a:r>
-            <a:r>
-              <a:rPr/>
-              <a:t> </a:t>
-            </a:r>
-            <a:r>
-              <a:rPr/>
-              <a:t>du</a:t>
-            </a:r>
-            <a:r>
-              <a:rPr/>
-              <a:t> </a:t>
-            </a:r>
-            <a:r>
-              <a:rPr/>
-              <a:t>problème</a:t>
-            </a:r>
-          </a:p>
-        </p:txBody>
-      </p:sp>
-      <p:sp>
-        <p:nvSpPr>
-          <p:cNvPr id="3" name="Content Placeholder 2"/>
-          <p:cNvSpPr>
-            <a:spLocks noGrp="1"/>
-          </p:cNvSpPr>
-          <p:nvPr>
-            <p:ph idx="1"/>
-          </p:nvPr>
-        </p:nvSpPr>
-        <p:spPr/>
-        <p:txBody>
-          <a:bodyPr/>
-          <a:lstStyle/>
-          <a:p>
-            <a:pPr lvl="1"/>
-            <a:r>
-              <a:rPr/>
-              <a:t>Futures soumissions d’assurance habitation</a:t>
-            </a:r>
-          </a:p>
-          <a:p>
-            <a:pPr lvl="1"/>
-            <a:r>
-              <a:rPr/>
-              <a:t>Prêts hypothécaire à des fins de hedging</a:t>
-            </a:r>
-          </a:p>
-        </p:txBody>
-      </p:sp>
-    </p:spTree>
-  </p:cSld>
-</p:sld>
-</file>
-
-<file path=ppt/slides/slide5.xml><?xml version="1.0" encoding="utf-8"?>
-<p:sld xmlns:a="http://schemas.openxmlformats.org/drawingml/2006/main" xmlns:r="http://schemas.openxmlformats.org/officeDocument/2006/relationships" xmlns:p="http://schemas.openxmlformats.org/presentationml/2006/main">
-  <p:cSld>
-    <p:spTree>
-      <p:nvGrpSpPr>
-        <p:cNvPr id="1" name=""/>
-        <p:cNvGrpSpPr/>
-        <p:nvPr/>
-      </p:nvGrpSpPr>
-      <p:grpSpPr>
-        <a:xfrm>
-          <a:off x="0" y="0"/>
-          <a:ext cx="0" cy="0"/>
-          <a:chOff x="0" y="0"/>
-          <a:chExt cx="0" cy="0"/>
-        </a:xfrm>
-      </p:grpSpPr>
-      <p:sp>
-        <p:nvSpPr>
-          <p:cNvPr id="2" name="Title 1"/>
-          <p:cNvSpPr>
-            <a:spLocks noGrp="1"/>
-          </p:cNvSpPr>
-          <p:nvPr>
-            <p:ph type="title"/>
-          </p:nvPr>
-        </p:nvSpPr>
-        <p:spPr/>
-        <p:txBody>
-          <a:bodyPr/>
-          <a:lstStyle/>
-          <a:p>
-            <a:pPr lvl="0" marL="0" indent="0">
-              <a:buNone/>
-            </a:pPr>
-            <a:r>
-              <a:rPr/>
-              <a:t>Base</a:t>
-            </a:r>
-            <a:r>
-              <a:rPr/>
-              <a:t> </a:t>
-            </a:r>
-            <a:r>
-              <a:rPr/>
-              <a:t>de</a:t>
-            </a:r>
-            <a:r>
-              <a:rPr/>
-              <a:t> </a:t>
-            </a:r>
-            <a:r>
-              <a:rPr/>
-              <a:t>données</a:t>
-            </a:r>
-            <a:r>
-              <a:rPr/>
-              <a:t> </a:t>
-            </a:r>
-            <a:r>
-              <a:rPr/>
-              <a:t>à</a:t>
-            </a:r>
-            <a:r>
-              <a:rPr/>
-              <a:t> </a:t>
-            </a:r>
-            <a:r>
-              <a:rPr/>
-              <a:t>l’étude</a:t>
-            </a:r>
-          </a:p>
-        </p:txBody>
-      </p:sp>
-      <p:sp>
-        <p:nvSpPr>
-          <p:cNvPr id="3" name="Content Placeholder 2"/>
-          <p:cNvSpPr>
-            <a:spLocks noGrp="1"/>
-          </p:cNvSpPr>
-          <p:nvPr>
-            <p:ph idx="1"/>
-          </p:nvPr>
-        </p:nvSpPr>
-        <p:spPr/>
-        <p:txBody>
-          <a:bodyPr/>
-          <a:lstStyle/>
-          <a:p>
-            <a:pPr lvl="1"/>
-            <a:r>
-              <a:rPr/>
-              <a:t>Prix de vente des maisons dans le conté de King County (Washington, USA)</a:t>
-            </a:r>
-          </a:p>
-          <a:p>
-            <a:pPr lvl="1"/>
-            <a:r>
-              <a:rPr/>
-              <a:t>Maisons vendues entre mai 2014 et mai 2015</a:t>
-            </a:r>
-          </a:p>
-          <a:p>
-            <a:pPr lvl="1"/>
-            <a:r>
-              <a:rPr/>
-              <a:t>21 613 lignes pour 21 colonnes (variables)</a:t>
-            </a:r>
-          </a:p>
-          <a:p>
-            <a:pPr lvl="1"/>
-            <a:r>
-              <a:rPr/>
-              <a:t>Quelques utilités actuariels…</a:t>
-            </a:r>
-          </a:p>
-          <a:p>
-            <a:pPr lvl="1"/>
-            <a:r>
-              <a:rPr/>
-              <a:t>Futures soumissions d’assurance habitation</a:t>
-            </a:r>
-          </a:p>
-          <a:p>
-            <a:pPr lvl="1"/>
-            <a:r>
-              <a:rPr/>
-              <a:t>Prêts hypothécaire à des fins de hedging</a:t>
-            </a:r>
-          </a:p>
-        </p:txBody>
-      </p:sp>
-    </p:spTree>
-  </p:cSld>
-</p:sld>
-</file>
-
-<file path=ppt/slides/slide6.xml><?xml version="1.0" encoding="utf-8"?>
-<p:sld xmlns:a="http://schemas.openxmlformats.org/drawingml/2006/main" xmlns:r="http://schemas.openxmlformats.org/officeDocument/2006/relationships" xmlns:p="http://schemas.openxmlformats.org/presentationml/2006/main">
-  <p:cSld>
-    <p:spTree>
-      <p:nvGrpSpPr>
-        <p:cNvPr id="1" name=""/>
-        <p:cNvGrpSpPr/>
-        <p:nvPr/>
-      </p:nvGrpSpPr>
-      <p:grpSpPr>
-        <a:xfrm>
-          <a:off x="0" y="0"/>
-          <a:ext cx="0" cy="0"/>
-          <a:chOff x="0" y="0"/>
-          <a:chExt cx="0" cy="0"/>
-        </a:xfrm>
-      </p:grpSpPr>
-      <p:sp>
-        <p:nvSpPr>
-          <p:cNvPr id="2" name="Title 1"/>
-          <p:cNvSpPr>
-            <a:spLocks noGrp="1"/>
-          </p:cNvSpPr>
-          <p:nvPr>
-            <p:ph type="title"/>
-          </p:nvPr>
-        </p:nvSpPr>
-        <p:spPr/>
-        <p:txBody>
-          <a:bodyPr/>
-          <a:lstStyle/>
-          <a:p>
-            <a:pPr lvl="0" marL="0" indent="0">
-              <a:buNone/>
-            </a:pPr>
-            <a:r>
-              <a:rPr/>
-              <a:t>Prétraitement</a:t>
-            </a:r>
-            <a:r>
-              <a:rPr/>
-              <a:t> </a:t>
-            </a:r>
-            <a:r>
-              <a:rPr/>
-              <a:t>des</a:t>
-            </a:r>
-            <a:r>
-              <a:rPr/>
-              <a:t> </a:t>
-            </a:r>
-            <a:r>
-              <a:rPr/>
-              <a:t>données</a:t>
+              <a:rPr/>
+              <a:t>(suite)</a:t>
             </a:r>
           </a:p>
         </p:txBody>
       </p:sp>
       <p:pic>
         <p:nvPicPr>
-          <p:cNvPr descr="PP_files/figure-pptx/pressure-1.png" id="0" name="Picture 1"/>
+          <p:cNvPr descr="PP_files/figure-pptx/unnamed-chunk-10-1.png" id="0" name="Picture 1"/>
           <p:cNvPicPr>
             <a:picLocks noGrp="1" noChangeAspect="1"/>
           </p:cNvPicPr>
@@ -9316,6 +8632,936 @@
 </p:sld>
 </file>
 
+<file path=ppt/slides/slide25.xml><?xml version="1.0" encoding="utf-8"?>
+<p:sld xmlns:a="http://schemas.openxmlformats.org/drawingml/2006/main" xmlns:r="http://schemas.openxmlformats.org/officeDocument/2006/relationships" xmlns:p="http://schemas.openxmlformats.org/presentationml/2006/main">
+  <p:cSld>
+    <p:spTree>
+      <p:nvGrpSpPr>
+        <p:cNvPr id="1" name=""/>
+        <p:cNvGrpSpPr/>
+        <p:nvPr/>
+      </p:nvGrpSpPr>
+      <p:grpSpPr>
+        <a:xfrm>
+          <a:off x="0" y="0"/>
+          <a:ext cx="0" cy="0"/>
+          <a:chOff x="0" y="0"/>
+          <a:chExt cx="0" cy="0"/>
+        </a:xfrm>
+      </p:grpSpPr>
+      <p:sp>
+        <p:nvSpPr>
+          <p:cNvPr id="2" name="Title 1"/>
+          <p:cNvSpPr>
+            <a:spLocks noGrp="1"/>
+          </p:cNvSpPr>
+          <p:nvPr>
+            <p:ph type="title"/>
+          </p:nvPr>
+        </p:nvSpPr>
+        <p:spPr/>
+        <p:txBody>
+          <a:bodyPr/>
+          <a:lstStyle/>
+          <a:p>
+            <a:pPr lvl="0" marL="0" indent="0">
+              <a:buNone/>
+            </a:pPr>
+            <a:r>
+              <a:rPr/>
+              <a:t>Modèle</a:t>
+            </a:r>
+            <a:r>
+              <a:rPr/>
+              <a:t> </a:t>
+            </a:r>
+            <a:r>
+              <a:rPr/>
+              <a:t>de</a:t>
+            </a:r>
+            <a:r>
+              <a:rPr/>
+              <a:t> </a:t>
+            </a:r>
+            <a:r>
+              <a:rPr i="1"/>
+              <a:t>gradient</a:t>
+            </a:r>
+            <a:r>
+              <a:rPr i="1"/>
+              <a:t> </a:t>
+            </a:r>
+            <a:r>
+              <a:rPr i="1"/>
+              <a:t>boosting</a:t>
+            </a:r>
+          </a:p>
+        </p:txBody>
+      </p:sp>
+    </p:spTree>
+  </p:cSld>
+</p:sld>
+</file>
+
+<file path=ppt/slides/slide26.xml><?xml version="1.0" encoding="utf-8"?>
+<p:sld xmlns:a="http://schemas.openxmlformats.org/drawingml/2006/main" xmlns:r="http://schemas.openxmlformats.org/officeDocument/2006/relationships" xmlns:p="http://schemas.openxmlformats.org/presentationml/2006/main">
+  <p:cSld>
+    <p:spTree>
+      <p:nvGrpSpPr>
+        <p:cNvPr id="1" name=""/>
+        <p:cNvGrpSpPr/>
+        <p:nvPr/>
+      </p:nvGrpSpPr>
+      <p:grpSpPr>
+        <a:xfrm>
+          <a:off x="0" y="0"/>
+          <a:ext cx="0" cy="0"/>
+          <a:chOff x="0" y="0"/>
+          <a:chExt cx="0" cy="0"/>
+        </a:xfrm>
+      </p:grpSpPr>
+      <p:sp>
+        <p:nvSpPr>
+          <p:cNvPr id="2" name="Title 1"/>
+          <p:cNvSpPr>
+            <a:spLocks noGrp="1"/>
+          </p:cNvSpPr>
+          <p:nvPr>
+            <p:ph type="title"/>
+          </p:nvPr>
+        </p:nvSpPr>
+        <p:spPr/>
+        <p:txBody>
+          <a:bodyPr/>
+          <a:lstStyle/>
+          <a:p>
+            <a:pPr lvl="0" marL="0" indent="0">
+              <a:buNone/>
+            </a:pPr>
+            <a:r>
+              <a:rPr/>
+              <a:t>Conclusion</a:t>
+            </a:r>
+          </a:p>
+        </p:txBody>
+      </p:sp>
+      <p:sp>
+        <p:nvSpPr>
+          <p:cNvPr id="3" name="Content Placeholder 2"/>
+          <p:cNvSpPr>
+            <a:spLocks noGrp="1"/>
+          </p:cNvSpPr>
+          <p:nvPr>
+            <p:ph idx="1"/>
+          </p:nvPr>
+        </p:nvSpPr>
+        <p:spPr/>
+        <p:txBody>
+          <a:bodyPr/>
+          <a:lstStyle/>
+          <a:p>
+            <a:pPr lvl="1"/>
+            <a:r>
+              <a:rPr/>
+              <a:t>Modèle GBM retenu</a:t>
+            </a:r>
+          </a:p>
+          <a:p>
+            <a:pPr lvl="1"/>
+            <a:r>
+              <a:rPr/>
+              <a:t>Limitations</a:t>
+            </a:r>
+          </a:p>
+          <a:p>
+            <a:pPr lvl="2"/>
+            <a:r>
+              <a:rPr/>
+              <a:t>Échelle logarithmique</a:t>
+            </a:r>
+          </a:p>
+          <a:p>
+            <a:pPr lvl="2"/>
+            <a:r>
+              <a:rPr/>
+              <a:t>Effet de l’inflation</a:t>
+            </a:r>
+          </a:p>
+          <a:p>
+            <a:pPr lvl="1"/>
+            <a:r>
+              <a:rPr/>
+              <a:t>Possibilité d’utilisation dans d’autres zones géographiques</a:t>
+            </a:r>
+          </a:p>
+        </p:txBody>
+      </p:sp>
+    </p:spTree>
+  </p:cSld>
+</p:sld>
+</file>
+
+<file path=ppt/slides/slide27.xml><?xml version="1.0" encoding="utf-8"?>
+<p:sld xmlns:a="http://schemas.openxmlformats.org/drawingml/2006/main" xmlns:r="http://schemas.openxmlformats.org/officeDocument/2006/relationships" xmlns:p="http://schemas.openxmlformats.org/presentationml/2006/main">
+  <p:cSld>
+    <p:spTree>
+      <p:nvGrpSpPr>
+        <p:cNvPr id="1" name=""/>
+        <p:cNvGrpSpPr/>
+        <p:nvPr/>
+      </p:nvGrpSpPr>
+      <p:grpSpPr>
+        <a:xfrm>
+          <a:off x="0" y="0"/>
+          <a:ext cx="0" cy="0"/>
+          <a:chOff x="0" y="0"/>
+          <a:chExt cx="0" cy="0"/>
+        </a:xfrm>
+      </p:grpSpPr>
+      <p:sp>
+        <p:nvSpPr>
+          <p:cNvPr id="2" name="Title 1"/>
+          <p:cNvSpPr>
+            <a:spLocks noGrp="1"/>
+          </p:cNvSpPr>
+          <p:nvPr>
+            <p:ph type="title"/>
+          </p:nvPr>
+        </p:nvSpPr>
+        <p:spPr/>
+        <p:txBody>
+          <a:bodyPr/>
+          <a:lstStyle/>
+          <a:p>
+            <a:pPr lvl="0" marL="0" indent="0">
+              <a:buNone/>
+            </a:pPr>
+            <a:r>
+              <a:rPr/>
+              <a:t>Bibliographie</a:t>
+            </a:r>
+          </a:p>
+        </p:txBody>
+      </p:sp>
+      <p:sp>
+        <p:nvSpPr>
+          <p:cNvPr id="3" name="Content Placeholder 2"/>
+          <p:cNvSpPr>
+            <a:spLocks noGrp="1"/>
+          </p:cNvSpPr>
+          <p:nvPr>
+            <p:ph idx="1"/>
+          </p:nvPr>
+        </p:nvSpPr>
+        <p:spPr/>
+        <p:txBody>
+          <a:bodyPr/>
+          <a:lstStyle/>
+          <a:p>
+            <a:pPr lvl="1">
+              <a:buAutoNum type="arabicPeriod"/>
+            </a:pPr>
+            <a:r>
+              <a:rPr/>
+              <a:t>Kaggle, harlfoxen (2017). House sales in King County, USA. Récupéré le 27 février 2020 de </a:t>
+            </a:r>
+            <a:r>
+              <a:rPr>
+                <a:hlinkClick r:id="rId2"/>
+              </a:rPr>
+              <a:t>https://www.kaggle.com/harlfoxem/housesalesprediction</a:t>
+            </a:r>
+            <a:r>
+              <a:rPr/>
+              <a:t>. </a:t>
+            </a:r>
+          </a:p>
+          <a:p>
+            <a:pPr lvl="1">
+              <a:buAutoNum type="arabicPeriod"/>
+            </a:pPr>
+            <a:r>
+              <a:rPr/>
+              <a:t>Max Kuhn (2020). caret: Classification and Regression Training. R package version 6.0-85. </a:t>
+            </a:r>
+            <a:r>
+              <a:rPr>
+                <a:hlinkClick r:id="rId3"/>
+              </a:rPr>
+              <a:t>https://CRAN.R-project.org/package=caret</a:t>
+            </a:r>
+            <a:r>
+              <a:rPr/>
+              <a:t> </a:t>
+            </a:r>
+          </a:p>
+          <a:p>
+            <a:pPr lvl="1">
+              <a:buAutoNum type="arabicPeriod"/>
+            </a:pPr>
+            <a:r>
+              <a:rPr/>
+              <a:t>Terry Therneau and Beth Atkinson (2019). rpart: Recursive Partitioning and Regression Trees. R package version 4.1-15. </a:t>
+            </a:r>
+            <a:r>
+              <a:rPr>
+                <a:hlinkClick r:id="rId4"/>
+              </a:rPr>
+              <a:t>https://CRAN.R-project.org/package=rpart</a:t>
+            </a:r>
+            <a:r>
+              <a:rPr/>
+              <a:t> </a:t>
+            </a:r>
+          </a:p>
+          <a:p>
+            <a:pPr lvl="1">
+              <a:buAutoNum type="arabicPeriod"/>
+            </a:pPr>
+            <a:r>
+              <a:rPr/>
+              <a:t>Stephen Milborrow (2019). rpart.plot: Plot ‘rpart’ Models: An Enhanced Version of ‘plot.rpart’. R package version 3.0.8. </a:t>
+            </a:r>
+            <a:r>
+              <a:rPr>
+                <a:hlinkClick r:id="rId5"/>
+              </a:rPr>
+              <a:t>https://CRAN.R-project.org/package=rpart.plot</a:t>
+            </a:r>
+          </a:p>
+        </p:txBody>
+      </p:sp>
+    </p:spTree>
+  </p:cSld>
+</p:sld>
+</file>
+
+<file path=ppt/slides/slide28.xml><?xml version="1.0" encoding="utf-8"?>
+<p:sld xmlns:a="http://schemas.openxmlformats.org/drawingml/2006/main" xmlns:r="http://schemas.openxmlformats.org/officeDocument/2006/relationships" xmlns:p="http://schemas.openxmlformats.org/presentationml/2006/main">
+  <p:cSld>
+    <p:spTree>
+      <p:nvGrpSpPr>
+        <p:cNvPr id="1" name=""/>
+        <p:cNvGrpSpPr/>
+        <p:nvPr/>
+      </p:nvGrpSpPr>
+      <p:grpSpPr>
+        <a:xfrm>
+          <a:off x="0" y="0"/>
+          <a:ext cx="0" cy="0"/>
+          <a:chOff x="0" y="0"/>
+          <a:chExt cx="0" cy="0"/>
+        </a:xfrm>
+      </p:grpSpPr>
+      <p:sp>
+        <p:nvSpPr>
+          <p:cNvPr id="2" name="Title 1"/>
+          <p:cNvSpPr>
+            <a:spLocks noGrp="1"/>
+          </p:cNvSpPr>
+          <p:nvPr>
+            <p:ph type="title"/>
+          </p:nvPr>
+        </p:nvSpPr>
+        <p:spPr/>
+        <p:txBody>
+          <a:bodyPr/>
+          <a:lstStyle/>
+          <a:p>
+            <a:pPr lvl="0" marL="0" indent="0">
+              <a:buNone/>
+            </a:pPr>
+            <a:r>
+              <a:rPr/>
+              <a:t>Bibliographie</a:t>
+            </a:r>
+          </a:p>
+        </p:txBody>
+      </p:sp>
+      <p:sp>
+        <p:nvSpPr>
+          <p:cNvPr id="3" name="Content Placeholder 2"/>
+          <p:cNvSpPr>
+            <a:spLocks noGrp="1"/>
+          </p:cNvSpPr>
+          <p:nvPr>
+            <p:ph idx="1"/>
+          </p:nvPr>
+        </p:nvSpPr>
+        <p:spPr/>
+        <p:txBody>
+          <a:bodyPr/>
+          <a:lstStyle/>
+          <a:p>
+            <a:pPr lvl="1">
+              <a:buAutoNum type="arabicPeriod"/>
+            </a:pPr>
+            <a:r>
+              <a:rPr/>
+              <a:t>A. Liaw and M. Wiener (2002). Classification and Regression by randomForest. R News 2(3), 18–22. </a:t>
+            </a:r>
+          </a:p>
+          <a:p>
+            <a:pPr lvl="1">
+              <a:buAutoNum type="arabicPeriod"/>
+            </a:pPr>
+            <a:r>
+              <a:rPr/>
+              <a:t>Brandon Greenwell, Bradley Boehmke, Jay Cunningham and GBM Developers (2019). gbm: Generalized Boosted Regression Models. R package version 2.1.5. </a:t>
+            </a:r>
+            <a:r>
+              <a:rPr>
+                <a:hlinkClick r:id="rId2"/>
+              </a:rPr>
+              <a:t>https://CRAN.R-project.org/package=gbm</a:t>
+            </a:r>
+            <a:r>
+              <a:rPr/>
+              <a:t> </a:t>
+            </a:r>
+          </a:p>
+          <a:p>
+            <a:pPr lvl="1">
+              <a:buAutoNum type="arabicPeriod"/>
+            </a:pPr>
+            <a:r>
+              <a:rPr/>
+              <a:t>Jerome Friedman, Trevor Hastie, Robert Tibshirani (2010). Regularization Paths for Generalized Linear Models via Coordinate Descent. Journal of Statistical Software, 33(1), 1-22. URL </a:t>
+            </a:r>
+            <a:r>
+              <a:rPr>
+                <a:hlinkClick r:id="rId3"/>
+              </a:rPr>
+              <a:t>http://www.jstatsoft.org/v33/i01/</a:t>
+            </a:r>
+            <a:r>
+              <a:rPr/>
+              <a:t>. </a:t>
+            </a:r>
+          </a:p>
+          <a:p>
+            <a:pPr lvl="1">
+              <a:buAutoNum type="arabicPeriod"/>
+            </a:pPr>
+            <a:r>
+              <a:rPr/>
+              <a:t>Alina Beygelzimer, Sham Kakadet, John Langford, Sunil Arya, David Mount and Shengqiao Li (2019). FNN: Fast Nearest Neighbor Search Algorithms and Applications. R package version 1.1.3. </a:t>
+            </a:r>
+            <a:r>
+              <a:rPr>
+                <a:hlinkClick r:id="rId4"/>
+              </a:rPr>
+              <a:t>https://CRAN.R-project.org/package=FNN</a:t>
+            </a:r>
+          </a:p>
+        </p:txBody>
+      </p:sp>
+    </p:spTree>
+  </p:cSld>
+</p:sld>
+</file>
+
+<file path=ppt/slides/slide3.xml><?xml version="1.0" encoding="utf-8"?>
+<p:sld xmlns:a="http://schemas.openxmlformats.org/drawingml/2006/main" xmlns:r="http://schemas.openxmlformats.org/officeDocument/2006/relationships" xmlns:p="http://schemas.openxmlformats.org/presentationml/2006/main">
+  <p:cSld>
+    <p:spTree>
+      <p:nvGrpSpPr>
+        <p:cNvPr id="1" name=""/>
+        <p:cNvGrpSpPr/>
+        <p:nvPr/>
+      </p:nvGrpSpPr>
+      <p:grpSpPr>
+        <a:xfrm>
+          <a:off x="0" y="0"/>
+          <a:ext cx="0" cy="0"/>
+          <a:chOff x="0" y="0"/>
+          <a:chExt cx="0" cy="0"/>
+        </a:xfrm>
+      </p:grpSpPr>
+      <p:sp>
+        <p:nvSpPr>
+          <p:cNvPr id="2" name="Title 1"/>
+          <p:cNvSpPr>
+            <a:spLocks noGrp="1"/>
+          </p:cNvSpPr>
+          <p:nvPr>
+            <p:ph type="title"/>
+          </p:nvPr>
+        </p:nvSpPr>
+        <p:spPr/>
+        <p:txBody>
+          <a:bodyPr/>
+          <a:lstStyle/>
+          <a:p>
+            <a:pPr lvl="0" marL="0" indent="0">
+              <a:buNone/>
+            </a:pPr>
+            <a:r>
+              <a:rPr/>
+              <a:t>Plan</a:t>
+            </a:r>
+            <a:r>
+              <a:rPr/>
+              <a:t> </a:t>
+            </a:r>
+            <a:r>
+              <a:rPr/>
+              <a:t>de</a:t>
+            </a:r>
+            <a:r>
+              <a:rPr/>
+              <a:t> </a:t>
+            </a:r>
+            <a:r>
+              <a:rPr/>
+              <a:t>la</a:t>
+            </a:r>
+            <a:r>
+              <a:rPr/>
+              <a:t> </a:t>
+            </a:r>
+            <a:r>
+              <a:rPr/>
+              <a:t>présentation</a:t>
+            </a:r>
+          </a:p>
+        </p:txBody>
+      </p:sp>
+      <p:sp>
+        <p:nvSpPr>
+          <p:cNvPr id="3" name="Content Placeholder 2"/>
+          <p:cNvSpPr>
+            <a:spLocks noGrp="1"/>
+          </p:cNvSpPr>
+          <p:nvPr>
+            <p:ph idx="1"/>
+          </p:nvPr>
+        </p:nvSpPr>
+        <p:spPr/>
+        <p:txBody>
+          <a:bodyPr/>
+          <a:lstStyle/>
+          <a:p>
+            <a:pPr lvl="1"/>
+            <a:r>
+              <a:rPr/>
+              <a:t>Description du problème</a:t>
+            </a:r>
+          </a:p>
+          <a:p>
+            <a:pPr lvl="1"/>
+            <a:r>
+              <a:rPr/>
+              <a:t>Base de données à l’étude</a:t>
+            </a:r>
+          </a:p>
+          <a:p>
+            <a:pPr lvl="1"/>
+            <a:r>
+              <a:rPr/>
+              <a:t>Prétraitement des données</a:t>
+            </a:r>
+          </a:p>
+          <a:p>
+            <a:pPr lvl="1"/>
+            <a:r>
+              <a:rPr/>
+              <a:t>Analyse exploratoire</a:t>
+            </a:r>
+          </a:p>
+          <a:p>
+            <a:pPr lvl="1"/>
+            <a:r>
+              <a:rPr/>
+              <a:t>Modèles testés</a:t>
+            </a:r>
+          </a:p>
+          <a:p>
+            <a:pPr lvl="1"/>
+            <a:r>
+              <a:rPr/>
+              <a:t>Comparaison des modèles</a:t>
+            </a:r>
+          </a:p>
+          <a:p>
+            <a:pPr lvl="1"/>
+            <a:r>
+              <a:rPr/>
+              <a:t>Forêt aléatoire</a:t>
+            </a:r>
+          </a:p>
+          <a:p>
+            <a:pPr lvl="1"/>
+            <a:r>
+              <a:rPr/>
+              <a:t>GBM</a:t>
+            </a:r>
+          </a:p>
+          <a:p>
+            <a:pPr lvl="1"/>
+            <a:r>
+              <a:rPr/>
+              <a:t>Conclusion</a:t>
+            </a:r>
+          </a:p>
+        </p:txBody>
+      </p:sp>
+    </p:spTree>
+  </p:cSld>
+</p:sld>
+</file>
+
+<file path=ppt/slides/slide4.xml><?xml version="1.0" encoding="utf-8"?>
+<p:sld xmlns:a="http://schemas.openxmlformats.org/drawingml/2006/main" xmlns:r="http://schemas.openxmlformats.org/officeDocument/2006/relationships" xmlns:p="http://schemas.openxmlformats.org/presentationml/2006/main">
+  <p:cSld>
+    <p:spTree>
+      <p:nvGrpSpPr>
+        <p:cNvPr id="1" name=""/>
+        <p:cNvGrpSpPr/>
+        <p:nvPr/>
+      </p:nvGrpSpPr>
+      <p:grpSpPr>
+        <a:xfrm>
+          <a:off x="0" y="0"/>
+          <a:ext cx="0" cy="0"/>
+          <a:chOff x="0" y="0"/>
+          <a:chExt cx="0" cy="0"/>
+        </a:xfrm>
+      </p:grpSpPr>
+      <p:sp>
+        <p:nvSpPr>
+          <p:cNvPr id="2" name="Title 1"/>
+          <p:cNvSpPr>
+            <a:spLocks noGrp="1"/>
+          </p:cNvSpPr>
+          <p:nvPr>
+            <p:ph type="title"/>
+          </p:nvPr>
+        </p:nvSpPr>
+        <p:spPr/>
+        <p:txBody>
+          <a:bodyPr/>
+          <a:lstStyle/>
+          <a:p>
+            <a:pPr lvl="0" marL="0" indent="0">
+              <a:buNone/>
+            </a:pPr>
+            <a:r>
+              <a:rPr/>
+              <a:t>Description</a:t>
+            </a:r>
+            <a:r>
+              <a:rPr/>
+              <a:t> </a:t>
+            </a:r>
+            <a:r>
+              <a:rPr/>
+              <a:t>du</a:t>
+            </a:r>
+            <a:r>
+              <a:rPr/>
+              <a:t> </a:t>
+            </a:r>
+            <a:r>
+              <a:rPr/>
+              <a:t>problème</a:t>
+            </a:r>
+          </a:p>
+        </p:txBody>
+      </p:sp>
+      <p:sp>
+        <p:nvSpPr>
+          <p:cNvPr id="3" name="Content Placeholder 2"/>
+          <p:cNvSpPr>
+            <a:spLocks noGrp="1"/>
+          </p:cNvSpPr>
+          <p:nvPr>
+            <p:ph idx="1"/>
+          </p:nvPr>
+        </p:nvSpPr>
+        <p:spPr/>
+        <p:txBody>
+          <a:bodyPr/>
+          <a:lstStyle/>
+          <a:p>
+            <a:pPr lvl="1"/>
+            <a:r>
+              <a:rPr/>
+              <a:t>Quelques utilités actuariels</a:t>
+            </a:r>
+          </a:p>
+          <a:p>
+            <a:pPr lvl="2"/>
+            <a:r>
+              <a:rPr/>
+              <a:t>Futures soumissions d’assurance habitation</a:t>
+            </a:r>
+          </a:p>
+          <a:p>
+            <a:pPr lvl="2"/>
+            <a:r>
+              <a:rPr/>
+              <a:t>Prêts hypothécaire à des fins de hedging</a:t>
+            </a:r>
+          </a:p>
+        </p:txBody>
+      </p:sp>
+    </p:spTree>
+  </p:cSld>
+</p:sld>
+</file>
+
+<file path=ppt/slides/slide5.xml><?xml version="1.0" encoding="utf-8"?>
+<p:sld xmlns:a="http://schemas.openxmlformats.org/drawingml/2006/main" xmlns:r="http://schemas.openxmlformats.org/officeDocument/2006/relationships" xmlns:p="http://schemas.openxmlformats.org/presentationml/2006/main">
+  <p:cSld>
+    <p:spTree>
+      <p:nvGrpSpPr>
+        <p:cNvPr id="1" name=""/>
+        <p:cNvGrpSpPr/>
+        <p:nvPr/>
+      </p:nvGrpSpPr>
+      <p:grpSpPr>
+        <a:xfrm>
+          <a:off x="0" y="0"/>
+          <a:ext cx="0" cy="0"/>
+          <a:chOff x="0" y="0"/>
+          <a:chExt cx="0" cy="0"/>
+        </a:xfrm>
+      </p:grpSpPr>
+      <p:sp>
+        <p:nvSpPr>
+          <p:cNvPr id="2" name="Title 1"/>
+          <p:cNvSpPr>
+            <a:spLocks noGrp="1"/>
+          </p:cNvSpPr>
+          <p:nvPr>
+            <p:ph type="title"/>
+          </p:nvPr>
+        </p:nvSpPr>
+        <p:spPr/>
+        <p:txBody>
+          <a:bodyPr/>
+          <a:lstStyle/>
+          <a:p>
+            <a:pPr lvl="0" marL="0" indent="0">
+              <a:buNone/>
+            </a:pPr>
+            <a:r>
+              <a:rPr/>
+              <a:t>Base</a:t>
+            </a:r>
+            <a:r>
+              <a:rPr/>
+              <a:t> </a:t>
+            </a:r>
+            <a:r>
+              <a:rPr/>
+              <a:t>de</a:t>
+            </a:r>
+            <a:r>
+              <a:rPr/>
+              <a:t> </a:t>
+            </a:r>
+            <a:r>
+              <a:rPr/>
+              <a:t>données</a:t>
+            </a:r>
+            <a:r>
+              <a:rPr/>
+              <a:t> </a:t>
+            </a:r>
+            <a:r>
+              <a:rPr/>
+              <a:t>à</a:t>
+            </a:r>
+            <a:r>
+              <a:rPr/>
+              <a:t> </a:t>
+            </a:r>
+            <a:r>
+              <a:rPr/>
+              <a:t>l’étude</a:t>
+            </a:r>
+          </a:p>
+        </p:txBody>
+      </p:sp>
+      <p:sp>
+        <p:nvSpPr>
+          <p:cNvPr id="3" name="Content Placeholder 2"/>
+          <p:cNvSpPr>
+            <a:spLocks noGrp="1"/>
+          </p:cNvSpPr>
+          <p:nvPr>
+            <p:ph idx="1"/>
+          </p:nvPr>
+        </p:nvSpPr>
+        <p:spPr/>
+        <p:txBody>
+          <a:bodyPr/>
+          <a:lstStyle/>
+          <a:p>
+            <a:pPr lvl="1"/>
+            <a:r>
+              <a:rPr/>
+              <a:t>Prix de vente des maisons dans le conté de King County (Washington, USA)</a:t>
+            </a:r>
+          </a:p>
+          <a:p>
+            <a:pPr lvl="1"/>
+            <a:r>
+              <a:rPr/>
+              <a:t>Maisons vendues entre mai 2014 et mai 2015</a:t>
+            </a:r>
+          </a:p>
+          <a:p>
+            <a:pPr lvl="1"/>
+            <a:r>
+              <a:rPr/>
+              <a:t>21 613 lignes pour 21 colonnes (variables)</a:t>
+            </a:r>
+          </a:p>
+        </p:txBody>
+      </p:sp>
+    </p:spTree>
+  </p:cSld>
+</p:sld>
+</file>
+
+<file path=ppt/slides/slide6.xml><?xml version="1.0" encoding="utf-8"?>
+<p:sld xmlns:a="http://schemas.openxmlformats.org/drawingml/2006/main" xmlns:r="http://schemas.openxmlformats.org/officeDocument/2006/relationships" xmlns:p="http://schemas.openxmlformats.org/presentationml/2006/main">
+  <p:cSld>
+    <p:spTree>
+      <p:nvGrpSpPr>
+        <p:cNvPr id="1" name=""/>
+        <p:cNvGrpSpPr/>
+        <p:nvPr/>
+      </p:nvGrpSpPr>
+      <p:grpSpPr>
+        <a:xfrm>
+          <a:off x="0" y="0"/>
+          <a:ext cx="0" cy="0"/>
+          <a:chOff x="0" y="0"/>
+          <a:chExt cx="0" cy="0"/>
+        </a:xfrm>
+      </p:grpSpPr>
+      <p:sp>
+        <p:nvSpPr>
+          <p:cNvPr id="2" name="Title 1"/>
+          <p:cNvSpPr>
+            <a:spLocks noGrp="1"/>
+          </p:cNvSpPr>
+          <p:nvPr>
+            <p:ph type="title"/>
+          </p:nvPr>
+        </p:nvSpPr>
+        <p:spPr/>
+        <p:txBody>
+          <a:bodyPr/>
+          <a:lstStyle/>
+          <a:p>
+            <a:pPr lvl="0" marL="0" indent="0">
+              <a:buNone/>
+            </a:pPr>
+            <a:r>
+              <a:rPr/>
+              <a:t>Prétraitement</a:t>
+            </a:r>
+            <a:r>
+              <a:rPr/>
+              <a:t> </a:t>
+            </a:r>
+            <a:r>
+              <a:rPr/>
+              <a:t>des</a:t>
+            </a:r>
+            <a:r>
+              <a:rPr/>
+              <a:t> </a:t>
+            </a:r>
+            <a:r>
+              <a:rPr/>
+              <a:t>données</a:t>
+            </a:r>
+          </a:p>
+        </p:txBody>
+      </p:sp>
+      <p:sp>
+        <p:nvSpPr>
+          <p:cNvPr id="3" name="Content Placeholder 2"/>
+          <p:cNvSpPr>
+            <a:spLocks noGrp="1"/>
+          </p:cNvSpPr>
+          <p:nvPr>
+            <p:ph idx="1"/>
+          </p:nvPr>
+        </p:nvSpPr>
+        <p:spPr/>
+        <p:txBody>
+          <a:bodyPr/>
+          <a:lstStyle/>
+          <a:p>
+            <a:pPr lvl="1"/>
+            <a:r>
+              <a:rPr/>
+              <a:t>Traitements des erreurs</a:t>
+            </a:r>
+          </a:p>
+          <a:p>
+            <a:pPr lvl="2"/>
+            <a:r>
+              <a:rPr/>
+              <a:t>Doublons</a:t>
+            </a:r>
+          </a:p>
+          <a:p>
+            <a:pPr lvl="2"/>
+            <a:r>
+              <a:rPr/>
+              <a:t>Suppression de données</a:t>
+            </a:r>
+          </a:p>
+          <a:p>
+            <a:pPr lvl="1"/>
+            <a:r>
+              <a:rPr/>
+              <a:t>Variables retirées</a:t>
+            </a:r>
+          </a:p>
+          <a:p>
+            <a:pPr lvl="1"/>
+            <a:r>
+              <a:rPr/>
+              <a:t>Création de variables</a:t>
+            </a:r>
+          </a:p>
+          <a:p>
+            <a:pPr lvl="2"/>
+            <a:r>
+              <a:rPr i="1"/>
+              <a:t>age</a:t>
+            </a:r>
+          </a:p>
+          <a:p>
+            <a:pPr lvl="2"/>
+            <a:r>
+              <a:rPr i="1"/>
+              <a:t>reno</a:t>
+            </a:r>
+          </a:p>
+          <a:p>
+            <a:pPr lvl="2"/>
+            <a:r>
+              <a:rPr i="1"/>
+              <a:t>expensive_area</a:t>
+            </a:r>
+          </a:p>
+        </p:txBody>
+      </p:sp>
+    </p:spTree>
+  </p:cSld>
+</p:sld>
+</file>
+
 <file path=ppt/slides/slide7.xml><?xml version="1.0" encoding="utf-8"?>
 <p:sld xmlns:a="http://schemas.openxmlformats.org/drawingml/2006/main" xmlns:r="http://schemas.openxmlformats.org/officeDocument/2006/relationships" xmlns:p="http://schemas.openxmlformats.org/presentationml/2006/main">
   <p:cSld>
@@ -9361,7 +9607,7 @@
             </a:r>
             <a:r>
               <a:rPr/>
-              <a:t>en</a:t>
+              <a:t>exploratoire</a:t>
             </a:r>
             <a:r>
               <a:rPr/>
@@ -9369,7 +9615,7 @@
             </a:r>
             <a:r>
               <a:rPr/>
-              <a:t>composantes</a:t>
+              <a:t>-</a:t>
             </a:r>
             <a:r>
               <a:rPr/>
@@ -9377,7 +9623,15 @@
             </a:r>
             <a:r>
               <a:rPr/>
-              <a:t>principales</a:t>
+              <a:t>Variable</a:t>
+            </a:r>
+            <a:r>
+              <a:rPr/>
+              <a:t> </a:t>
+            </a:r>
+            <a:r>
+              <a:rPr/>
+              <a:t>réponse</a:t>
             </a:r>
           </a:p>
         </p:txBody>
@@ -9464,9 +9718,63 @@
               <a:rPr/>
               <a:t>exploratoire</a:t>
             </a:r>
-          </a:p>
-        </p:txBody>
-      </p:sp>
+            <a:r>
+              <a:rPr/>
+              <a:t> </a:t>
+            </a:r>
+            <a:r>
+              <a:rPr/>
+              <a:t>-</a:t>
+            </a:r>
+            <a:r>
+              <a:rPr/>
+              <a:t> </a:t>
+            </a:r>
+            <a:r>
+              <a:rPr/>
+              <a:t>Carte</a:t>
+            </a:r>
+            <a:r>
+              <a:rPr/>
+              <a:t> </a:t>
+            </a:r>
+            <a:r>
+              <a:rPr/>
+              <a:t>thermique</a:t>
+            </a:r>
+          </a:p>
+        </p:txBody>
+      </p:sp>
+      <p:pic>
+        <p:nvPicPr>
+          <p:cNvPr descr="PP_files/figure-pptx/unnamed-chunk-2-1.png" id="0" name="Picture 1"/>
+          <p:cNvPicPr>
+            <a:picLocks noGrp="1" noChangeAspect="1"/>
+          </p:cNvPicPr>
+          <p:nvPr/>
+        </p:nvPicPr>
+        <p:blipFill>
+          <a:blip r:embed="rId2"/>
+          <a:stretch>
+            <a:fillRect/>
+          </a:stretch>
+        </p:blipFill>
+        <p:spPr bwMode="auto">
+          <a:xfrm>
+            <a:off x="2540000" y="2159000"/>
+            <a:ext cx="4838700" cy="3873500"/>
+          </a:xfrm>
+          <a:prstGeom prst="rect">
+            <a:avLst/>
+          </a:prstGeom>
+          <a:noFill/>
+          <a:ln w="9525">
+            <a:noFill/>
+            <a:headEnd/>
+            <a:tailEnd/>
+          </a:ln>
+        </p:spPr>
+      </p:pic>
     </p:spTree>
   </p:cSld>
 </p:sld>
@@ -9509,7 +9817,7 @@
             </a:pPr>
             <a:r>
               <a:rPr/>
-              <a:t>Modèles</a:t>
+              <a:t>Analyse</a:t>
             </a:r>
             <a:r>
               <a:rPr/>
@@ -9517,92 +9825,57 @@
             </a:r>
             <a:r>
               <a:rPr/>
-              <a:t>testés</a:t>
-            </a:r>
-          </a:p>
-        </p:txBody>
-      </p:sp>
-      <p:sp>
-        <p:nvSpPr>
-          <p:cNvPr id="3" name="Content Placeholder 2"/>
-          <p:cNvSpPr>
-            <a:spLocks noGrp="1"/>
-          </p:cNvSpPr>
-          <p:nvPr>
-            <p:ph idx="1"/>
-          </p:nvPr>
-        </p:nvSpPr>
-        <p:spPr/>
-        <p:txBody>
-          <a:bodyPr/>
-          <a:lstStyle/>
-          <a:p>
-            <a:pPr lvl="1"/>
-            <a:r>
-              <a:rPr/>
-              <a:t>Modèle de base</a:t>
-            </a:r>
-          </a:p>
-          <a:p>
-            <a:pPr lvl="1"/>
-            <a:r>
-              <a:rPr/>
-              <a:t>Modèle linéaire généralisé avec régression Lasso</a:t>
-            </a:r>
-          </a:p>
-          <a:p>
-            <a:pPr lvl="1"/>
-            <a:r>
-              <a:rPr/>
-              <a:t>Modèle des </a:t>
-            </a:r>
-            <a:r>
-              <a:rPr i="1"/>
-              <a:t>k</a:t>
-            </a:r>
-            <a:r>
-              <a:rPr/>
-              <a:t> plus proches voisins</a:t>
-            </a:r>
-          </a:p>
-          <a:p>
-            <a:pPr lvl="1"/>
-            <a:r>
-              <a:rPr/>
-              <a:t>Arbre de décision</a:t>
-            </a:r>
-          </a:p>
-          <a:p>
-            <a:pPr lvl="1"/>
-            <a:r>
-              <a:rPr/>
-              <a:t>Ensemble d’arbres de décision agrégées par </a:t>
-            </a:r>
-            <a:r>
-              <a:rPr i="1"/>
-              <a:t>bagging</a:t>
-            </a:r>
-          </a:p>
-          <a:p>
-            <a:pPr lvl="1"/>
-            <a:r>
-              <a:rPr/>
-              <a:t>Forêt aléatoire</a:t>
-            </a:r>
-          </a:p>
-          <a:p>
-            <a:pPr lvl="1"/>
-            <a:r>
-              <a:rPr/>
-              <a:t>Modèle de </a:t>
-            </a:r>
-            <a:r>
-              <a:rPr i="1"/>
-              <a:t>gradient boosting</a:t>
-            </a:r>
-          </a:p>
-        </p:txBody>
-      </p:sp>
+              <a:t>en</a:t>
+            </a:r>
+            <a:r>
+              <a:rPr/>
+              <a:t> </a:t>
+            </a:r>
+            <a:r>
+              <a:rPr/>
+              <a:t>composantes</a:t>
+            </a:r>
+            <a:r>
+              <a:rPr/>
+              <a:t> </a:t>
+            </a:r>
+            <a:r>
+              <a:rPr/>
+              <a:t>principales</a:t>
+            </a:r>
+          </a:p>
+        </p:txBody>
+      </p:sp>
+      <p:pic>
+        <p:nvPicPr>
+          <p:cNvPr descr="PP_files/figure-pptx/unnamed-chunk-3-1.png" id="0" name="Picture 1"/>
+          <p:cNvPicPr>
+            <a:picLocks noGrp="1" noChangeAspect="1"/>
+          </p:cNvPicPr>
+          <p:nvPr/>
+        </p:nvPicPr>
+        <p:blipFill>
+          <a:blip r:embed="rId2"/>
+          <a:stretch>
+            <a:fillRect/>
+          </a:stretch>
+        </p:blipFill>
+        <p:spPr bwMode="auto">
+          <a:xfrm>
+            <a:off x="2540000" y="2159000"/>
+            <a:ext cx="4838700" cy="3873500"/>
+          </a:xfrm>
+          <a:prstGeom prst="rect">
+            <a:avLst/>
+          </a:prstGeom>
+          <a:noFill/>
+          <a:ln w="9525">
+            <a:noFill/>
+            <a:headEnd/>
+            <a:tailEnd/>
+          </a:ln>
+        </p:spPr>
+      </p:pic>
     </p:spTree>
   </p:cSld>
 </p:sld>

--- a/PP.pptx
+++ b/PP.pptx
@@ -5851,536 +5851,6 @@
           <a:chExt cx="0" cy="0"/>
         </a:xfrm>
       </p:grpSpPr>
-      <p:grpSp>
-        <p:nvGrpSpPr>
-          <p:cNvPr id="7" name="Group 6"/>
-          <p:cNvGrpSpPr/>
-          <p:nvPr/>
-        </p:nvGrpSpPr>
-        <p:grpSpPr>
-          <a:xfrm>
-            <a:off x="0" y="-8467"/>
-            <a:ext cx="12192000" cy="6866467"/>
-            <a:chOff x="0" y="-8467"/>
-            <a:chExt cx="12192000" cy="6866467"/>
-          </a:xfrm>
-        </p:grpSpPr>
-        <p:cxnSp>
-          <p:nvCxnSpPr>
-            <p:cNvPr id="32" name="Straight Connector 31"/>
-            <p:cNvCxnSpPr/>
-            <p:nvPr/>
-          </p:nvCxnSpPr>
-          <p:spPr>
-            <a:xfrm>
-              <a:off x="9371012" y="0"/>
-              <a:ext cx="1219200" cy="6858000"/>
-            </a:xfrm>
-            <a:prstGeom prst="line">
-              <a:avLst/>
-            </a:prstGeom>
-            <a:ln w="9525">
-              <a:solidFill>
-                <a:schemeClr val="bg1">
-                  <a:lumMod val="75000"/>
-                </a:schemeClr>
-              </a:solidFill>
-            </a:ln>
-          </p:spPr>
-          <p:style>
-            <a:lnRef idx="2">
-              <a:schemeClr val="accent1"/>
-            </a:lnRef>
-            <a:fillRef idx="0">
-              <a:schemeClr val="accent1"/>
-            </a:fillRef>
-            <a:effectRef idx="1">
-              <a:schemeClr val="accent1"/>
-            </a:effectRef>
-            <a:fontRef idx="minor">
-              <a:schemeClr val="tx1"/>
-            </a:fontRef>
-          </p:style>
-        </p:cxnSp>
-        <p:cxnSp>
-          <p:nvCxnSpPr>
-            <p:cNvPr id="21" name="Straight Connector 20"/>
-            <p:cNvCxnSpPr/>
-            <p:nvPr/>
-          </p:nvCxnSpPr>
-          <p:spPr>
-            <a:xfrm flipH="1">
-              <a:off x="7425267" y="3681413"/>
-              <a:ext cx="4763558" cy="3176587"/>
-            </a:xfrm>
-            <a:prstGeom prst="line">
-              <a:avLst/>
-            </a:prstGeom>
-            <a:ln w="9525">
-              <a:solidFill>
-                <a:schemeClr val="bg1">
-                  <a:lumMod val="85000"/>
-                </a:schemeClr>
-              </a:solidFill>
-            </a:ln>
-          </p:spPr>
-          <p:style>
-            <a:lnRef idx="2">
-              <a:schemeClr val="accent1"/>
-            </a:lnRef>
-            <a:fillRef idx="0">
-              <a:schemeClr val="accent1"/>
-            </a:fillRef>
-            <a:effectRef idx="1">
-              <a:schemeClr val="accent1"/>
-            </a:effectRef>
-            <a:fontRef idx="minor">
-              <a:schemeClr val="tx1"/>
-            </a:fontRef>
-          </p:style>
-        </p:cxnSp>
-        <p:sp>
-          <p:nvSpPr>
-            <p:cNvPr id="24" name="Rectangle 23"/>
-            <p:cNvSpPr/>
-            <p:nvPr/>
-          </p:nvSpPr>
-          <p:spPr>
-            <a:xfrm>
-              <a:off x="9181476" y="-8467"/>
-              <a:ext cx="3007349" cy="6866467"/>
-            </a:xfrm>
-            <a:custGeom>
-              <a:avLst/>
-              <a:gdLst/>
-              <a:ahLst/>
-              <a:cxnLst/>
-              <a:rect l="l" t="t" r="r" b="b"/>
-              <a:pathLst>
-                <a:path w="3007349" h="6866467">
-                  <a:moveTo>
-                    <a:pt x="2045532" y="0"/>
-                  </a:moveTo>
-                  <a:lnTo>
-                    <a:pt x="3007349" y="0"/>
-                  </a:lnTo>
-                  <a:lnTo>
-                    <a:pt x="3007349" y="6866467"/>
-                  </a:lnTo>
-                  <a:lnTo>
-                    <a:pt x="0" y="6866467"/>
-                  </a:lnTo>
-                  <a:lnTo>
-                    <a:pt x="2045532" y="0"/>
-                  </a:lnTo>
-                  <a:close/>
-                </a:path>
-              </a:pathLst>
-            </a:custGeom>
-            <a:solidFill>
-              <a:schemeClr val="accent1">
-                <a:alpha val="30000"/>
-              </a:schemeClr>
-            </a:solidFill>
-            <a:ln>
-              <a:noFill/>
-            </a:ln>
-            <a:effectLst/>
-          </p:spPr>
-          <p:style>
-            <a:lnRef idx="1">
-              <a:schemeClr val="accent1"/>
-            </a:lnRef>
-            <a:fillRef idx="3">
-              <a:schemeClr val="accent1"/>
-            </a:fillRef>
-            <a:effectRef idx="2">
-              <a:schemeClr val="accent1"/>
-            </a:effectRef>
-            <a:fontRef idx="minor">
-              <a:schemeClr val="lt1"/>
-            </a:fontRef>
-          </p:style>
-        </p:sp>
-        <p:sp>
-          <p:nvSpPr>
-            <p:cNvPr id="26" name="Rectangle 25"/>
-            <p:cNvSpPr/>
-            <p:nvPr/>
-          </p:nvSpPr>
-          <p:spPr>
-            <a:xfrm>
-              <a:off x="9603442" y="-8467"/>
-              <a:ext cx="2588558" cy="6866467"/>
-            </a:xfrm>
-            <a:custGeom>
-              <a:avLst/>
-              <a:gdLst/>
-              <a:ahLst/>
-              <a:cxnLst/>
-              <a:rect l="l" t="t" r="r" b="b"/>
-              <a:pathLst>
-                <a:path w="2573311" h="6866467">
-                  <a:moveTo>
-                    <a:pt x="0" y="0"/>
-                  </a:moveTo>
-                  <a:lnTo>
-                    <a:pt x="2573311" y="0"/>
-                  </a:lnTo>
-                  <a:lnTo>
-                    <a:pt x="2573311" y="6866467"/>
-                  </a:lnTo>
-                  <a:lnTo>
-                    <a:pt x="1202336" y="6866467"/>
-                  </a:lnTo>
-                  <a:lnTo>
-                    <a:pt x="0" y="0"/>
-                  </a:lnTo>
-                  <a:close/>
-                </a:path>
-              </a:pathLst>
-            </a:custGeom>
-            <a:solidFill>
-              <a:schemeClr val="accent1">
-                <a:alpha val="20000"/>
-              </a:schemeClr>
-            </a:solidFill>
-            <a:ln>
-              <a:noFill/>
-            </a:ln>
-            <a:effectLst/>
-          </p:spPr>
-          <p:style>
-            <a:lnRef idx="1">
-              <a:schemeClr val="accent1"/>
-            </a:lnRef>
-            <a:fillRef idx="3">
-              <a:schemeClr val="accent1"/>
-            </a:fillRef>
-            <a:effectRef idx="2">
-              <a:schemeClr val="accent1"/>
-            </a:effectRef>
-            <a:fontRef idx="minor">
-              <a:schemeClr val="lt1"/>
-            </a:fontRef>
-          </p:style>
-        </p:sp>
-        <p:sp>
-          <p:nvSpPr>
-            <p:cNvPr id="27" name="Isosceles Triangle 26"/>
-            <p:cNvSpPr/>
-            <p:nvPr/>
-          </p:nvSpPr>
-          <p:spPr>
-            <a:xfrm>
-              <a:off x="8932333" y="3048000"/>
-              <a:ext cx="3259667" cy="3810000"/>
-            </a:xfrm>
-            <a:prstGeom prst="triangle">
-              <a:avLst>
-                <a:gd name="adj" fmla="val 100000"/>
-              </a:avLst>
-            </a:prstGeom>
-            <a:solidFill>
-              <a:schemeClr val="accent2">
-                <a:alpha val="72000"/>
-              </a:schemeClr>
-            </a:solidFill>
-            <a:ln>
-              <a:noFill/>
-            </a:ln>
-            <a:effectLst/>
-          </p:spPr>
-          <p:style>
-            <a:lnRef idx="1">
-              <a:schemeClr val="accent1"/>
-            </a:lnRef>
-            <a:fillRef idx="3">
-              <a:schemeClr val="accent1"/>
-            </a:fillRef>
-            <a:effectRef idx="2">
-              <a:schemeClr val="accent1"/>
-            </a:effectRef>
-            <a:fontRef idx="minor">
-              <a:schemeClr val="lt1"/>
-            </a:fontRef>
-          </p:style>
-        </p:sp>
-        <p:sp>
-          <p:nvSpPr>
-            <p:cNvPr id="28" name="Rectangle 27"/>
-            <p:cNvSpPr/>
-            <p:nvPr/>
-          </p:nvSpPr>
-          <p:spPr>
-            <a:xfrm>
-              <a:off x="9334500" y="-8467"/>
-              <a:ext cx="2854326" cy="6866467"/>
-            </a:xfrm>
-            <a:custGeom>
-              <a:avLst/>
-              <a:gdLst/>
-              <a:ahLst/>
-              <a:cxnLst/>
-              <a:rect l="l" t="t" r="r" b="b"/>
-              <a:pathLst>
-                <a:path w="2858013" h="6866467">
-                  <a:moveTo>
-                    <a:pt x="0" y="0"/>
-                  </a:moveTo>
-                  <a:lnTo>
-                    <a:pt x="2858013" y="0"/>
-                  </a:lnTo>
-                  <a:lnTo>
-                    <a:pt x="2858013" y="6866467"/>
-                  </a:lnTo>
-                  <a:lnTo>
-                    <a:pt x="2473942" y="6866467"/>
-                  </a:lnTo>
-                  <a:lnTo>
-                    <a:pt x="0" y="0"/>
-                  </a:lnTo>
-                  <a:close/>
-                </a:path>
-              </a:pathLst>
-            </a:custGeom>
-            <a:solidFill>
-              <a:schemeClr val="accent2">
-                <a:lumMod val="75000"/>
-                <a:alpha val="70000"/>
-              </a:schemeClr>
-            </a:solidFill>
-            <a:ln>
-              <a:noFill/>
-            </a:ln>
-            <a:effectLst/>
-          </p:spPr>
-          <p:style>
-            <a:lnRef idx="1">
-              <a:schemeClr val="accent1"/>
-            </a:lnRef>
-            <a:fillRef idx="3">
-              <a:schemeClr val="accent1"/>
-            </a:fillRef>
-            <a:effectRef idx="2">
-              <a:schemeClr val="accent1"/>
-            </a:effectRef>
-            <a:fontRef idx="minor">
-              <a:schemeClr val="lt1"/>
-            </a:fontRef>
-          </p:style>
-        </p:sp>
-        <p:sp>
-          <p:nvSpPr>
-            <p:cNvPr id="29" name="Rectangle 28"/>
-            <p:cNvSpPr/>
-            <p:nvPr/>
-          </p:nvSpPr>
-          <p:spPr>
-            <a:xfrm>
-              <a:off x="10898730" y="-8467"/>
-              <a:ext cx="1290094" cy="6866467"/>
-            </a:xfrm>
-            <a:custGeom>
-              <a:avLst/>
-              <a:gdLst/>
-              <a:ahLst/>
-              <a:cxnLst/>
-              <a:rect l="l" t="t" r="r" b="b"/>
-              <a:pathLst>
-                <a:path w="1290094" h="6858000">
-                  <a:moveTo>
-                    <a:pt x="1019735" y="0"/>
-                  </a:moveTo>
-                  <a:lnTo>
-                    <a:pt x="1290094" y="0"/>
-                  </a:lnTo>
-                  <a:lnTo>
-                    <a:pt x="1290094" y="6858000"/>
-                  </a:lnTo>
-                  <a:lnTo>
-                    <a:pt x="0" y="6858000"/>
-                  </a:lnTo>
-                  <a:lnTo>
-                    <a:pt x="1019735" y="0"/>
-                  </a:lnTo>
-                  <a:close/>
-                </a:path>
-              </a:pathLst>
-            </a:custGeom>
-            <a:solidFill>
-              <a:schemeClr val="accent1">
-                <a:lumMod val="60000"/>
-                <a:lumOff val="40000"/>
-                <a:alpha val="70000"/>
-              </a:schemeClr>
-            </a:solidFill>
-            <a:ln>
-              <a:noFill/>
-            </a:ln>
-            <a:effectLst/>
-          </p:spPr>
-          <p:style>
-            <a:lnRef idx="1">
-              <a:schemeClr val="accent1"/>
-            </a:lnRef>
-            <a:fillRef idx="3">
-              <a:schemeClr val="accent1"/>
-            </a:fillRef>
-            <a:effectRef idx="2">
-              <a:schemeClr val="accent1"/>
-            </a:effectRef>
-            <a:fontRef idx="minor">
-              <a:schemeClr val="lt1"/>
-            </a:fontRef>
-          </p:style>
-        </p:sp>
-        <p:sp>
-          <p:nvSpPr>
-            <p:cNvPr id="30" name="Rectangle 29"/>
-            <p:cNvSpPr/>
-            <p:nvPr/>
-          </p:nvSpPr>
-          <p:spPr>
-            <a:xfrm>
-              <a:off x="10938999" y="-8467"/>
-              <a:ext cx="1249825" cy="6866467"/>
-            </a:xfrm>
-            <a:custGeom>
-              <a:avLst/>
-              <a:gdLst/>
-              <a:ahLst/>
-              <a:cxnLst/>
-              <a:rect l="l" t="t" r="r" b="b"/>
-              <a:pathLst>
-                <a:path w="1249825" h="6858000">
-                  <a:moveTo>
-                    <a:pt x="0" y="0"/>
-                  </a:moveTo>
-                  <a:lnTo>
-                    <a:pt x="1249825" y="0"/>
-                  </a:lnTo>
-                  <a:lnTo>
-                    <a:pt x="1249825" y="6858000"/>
-                  </a:lnTo>
-                  <a:lnTo>
-                    <a:pt x="1109382" y="6858000"/>
-                  </a:lnTo>
-                  <a:lnTo>
-                    <a:pt x="0" y="0"/>
-                  </a:lnTo>
-                  <a:close/>
-                </a:path>
-              </a:pathLst>
-            </a:custGeom>
-            <a:solidFill>
-              <a:schemeClr val="accent1">
-                <a:alpha val="65000"/>
-              </a:schemeClr>
-            </a:solidFill>
-            <a:ln>
-              <a:noFill/>
-            </a:ln>
-            <a:effectLst/>
-          </p:spPr>
-          <p:style>
-            <a:lnRef idx="1">
-              <a:schemeClr val="accent1"/>
-            </a:lnRef>
-            <a:fillRef idx="3">
-              <a:schemeClr val="accent1"/>
-            </a:fillRef>
-            <a:effectRef idx="2">
-              <a:schemeClr val="accent1"/>
-            </a:effectRef>
-            <a:fontRef idx="minor">
-              <a:schemeClr val="lt1"/>
-            </a:fontRef>
-          </p:style>
-        </p:sp>
-        <p:sp>
-          <p:nvSpPr>
-            <p:cNvPr id="31" name="Isosceles Triangle 30"/>
-            <p:cNvSpPr/>
-            <p:nvPr/>
-          </p:nvSpPr>
-          <p:spPr>
-            <a:xfrm>
-              <a:off x="10371666" y="3589867"/>
-              <a:ext cx="1817159" cy="3268133"/>
-            </a:xfrm>
-            <a:prstGeom prst="triangle">
-              <a:avLst>
-                <a:gd name="adj" fmla="val 100000"/>
-              </a:avLst>
-            </a:prstGeom>
-            <a:solidFill>
-              <a:schemeClr val="accent1">
-                <a:alpha val="80000"/>
-              </a:schemeClr>
-            </a:solidFill>
-            <a:ln>
-              <a:noFill/>
-            </a:ln>
-            <a:effectLst/>
-          </p:spPr>
-          <p:style>
-            <a:lnRef idx="1">
-              <a:schemeClr val="accent1"/>
-            </a:lnRef>
-            <a:fillRef idx="3">
-              <a:schemeClr val="accent1"/>
-            </a:fillRef>
-            <a:effectRef idx="2">
-              <a:schemeClr val="accent1"/>
-            </a:effectRef>
-            <a:fontRef idx="minor">
-              <a:schemeClr val="lt1"/>
-            </a:fontRef>
-          </p:style>
-        </p:sp>
-        <p:sp>
-          <p:nvSpPr>
-            <p:cNvPr id="19" name="Isosceles Triangle 18"/>
-            <p:cNvSpPr/>
-            <p:nvPr/>
-          </p:nvSpPr>
-          <p:spPr>
-            <a:xfrm rot="10800000">
-              <a:off x="0" y="0"/>
-              <a:ext cx="842596" cy="5666154"/>
-            </a:xfrm>
-            <a:prstGeom prst="triangle">
-              <a:avLst>
-                <a:gd name="adj" fmla="val 100000"/>
-              </a:avLst>
-            </a:prstGeom>
-            <a:solidFill>
-              <a:schemeClr val="accent1">
-                <a:alpha val="85000"/>
-              </a:schemeClr>
-            </a:solidFill>
-            <a:ln>
-              <a:noFill/>
-            </a:ln>
-            <a:effectLst/>
-          </p:spPr>
-          <p:style>
-            <a:lnRef idx="1">
-              <a:schemeClr val="accent1"/>
-            </a:lnRef>
-            <a:fillRef idx="3">
-              <a:schemeClr val="accent1"/>
-            </a:fillRef>
-            <a:effectRef idx="2">
-              <a:schemeClr val="accent1"/>
-            </a:effectRef>
-            <a:fontRef idx="minor">
-              <a:schemeClr val="lt1"/>
-            </a:fontRef>
-          </p:style>
-        </p:sp>
-      </p:grpSp>
       <p:sp>
         <p:nvSpPr>
           <p:cNvPr id="2" name="Title 1"/>
@@ -7153,7 +6623,7 @@
               <a:t>Optimisation de </a:t>
             </a:r>
             <a:r>
-              <a:rPr sz="1800">
+              <a:rPr>
                 <a:latin typeface="Courier"/>
               </a:rPr>
               <a:t>minbucket</a:t>
@@ -7166,7 +6636,7 @@
               <a:t>Optimisation du paramètre de compléxité (</a:t>
             </a:r>
             <a:r>
-              <a:rPr sz="1800">
+              <a:rPr>
                 <a:latin typeface="Courier"/>
               </a:rPr>
               <a:t>cp</a:t>
@@ -7179,7 +6649,7 @@
           <a:p>
             <a:pPr lvl="1"/>
             <a:r>
-              <a:rPr sz="1800">
+              <a:rPr>
                 <a:latin typeface="Courier"/>
               </a:rPr>
               <a:t>method="anova"</a:t>
@@ -7334,7 +6804,7 @@
           <a:p>
             <a:pPr lvl="1"/>
             <a:r>
-              <a:rPr sz="1800">
+              <a:rPr>
                 <a:latin typeface="Courier"/>
               </a:rPr>
               <a:t>sampsize= nrow(donnees.train)</a:t>
@@ -7343,7 +6813,7 @@
           <a:p>
             <a:pPr lvl="1"/>
             <a:r>
-              <a:rPr sz="1800">
+              <a:rPr>
                 <a:latin typeface="Courier"/>
               </a:rPr>
               <a:t>mtry=17</a:t>
@@ -7352,7 +6822,7 @@
           <a:p>
             <a:pPr lvl="1"/>
             <a:r>
-              <a:rPr sz="1800">
+              <a:rPr>
                 <a:latin typeface="Courier"/>
               </a:rPr>
               <a:t>cp=0</a:t>
@@ -7361,7 +6831,7 @@
           <a:p>
             <a:pPr lvl="1"/>
             <a:r>
-              <a:rPr sz="1800">
+              <a:rPr>
                 <a:latin typeface="Courier"/>
               </a:rPr>
               <a:t>nodesize=5</a:t>
@@ -7370,7 +6840,7 @@
           <a:p>
             <a:pPr lvl="1"/>
             <a:r>
-              <a:rPr sz="1800">
+              <a:rPr>
                 <a:latin typeface="Courier"/>
               </a:rPr>
               <a:t>ntree=500</a:t>
@@ -7526,7 +6996,7 @@
           <a:p>
             <a:pPr lvl="1"/>
             <a:r>
-              <a:rPr sz="1800">
+              <a:rPr>
                 <a:latin typeface="Courier"/>
               </a:rPr>
               <a:t>sampsize= 0.75*nrow(donnees.train)</a:t>
@@ -7535,7 +7005,7 @@
           <a:p>
             <a:pPr lvl="1"/>
             <a:r>
-              <a:rPr sz="1800">
+              <a:rPr>
                 <a:latin typeface="Courier"/>
               </a:rPr>
               <a:t>cp=0</a:t>
@@ -7544,7 +7014,7 @@
           <a:p>
             <a:pPr lvl="1"/>
             <a:r>
-              <a:rPr sz="1800">
+              <a:rPr>
                 <a:latin typeface="Courier"/>
               </a:rPr>
               <a:t>nodesize=5</a:t>
@@ -7553,7 +7023,7 @@
           <a:p>
             <a:pPr lvl="1"/>
             <a:r>
-              <a:rPr sz="1800">
+              <a:rPr>
                 <a:latin typeface="Courier"/>
               </a:rPr>
               <a:t>ntree=150</a:t>
@@ -7562,7 +7032,7 @@
           <a:p>
             <a:pPr lvl="1"/>
             <a:r>
-              <a:rPr sz="1800">
+              <a:rPr>
                 <a:latin typeface="Courier"/>
               </a:rPr>
               <a:t>mtry=8</a:t>
@@ -8994,7 +8464,7 @@
           <a:lstStyle/>
           <a:p>
             <a:pPr lvl="1">
-              <a:buAutoNum type="arabicPeriod"/>
+              <a:buAutoNum startAt="5" type="arabicPeriod"/>
             </a:pPr>
             <a:r>
               <a:rPr/>
@@ -9003,7 +8473,7 @@
           </a:p>
           <a:p>
             <a:pPr lvl="1">
-              <a:buAutoNum type="arabicPeriod"/>
+              <a:buAutoNum startAt="5" type="arabicPeriod"/>
             </a:pPr>
             <a:r>
               <a:rPr/>
@@ -9022,7 +8492,7 @@
           </a:p>
           <a:p>
             <a:pPr lvl="1">
-              <a:buAutoNum type="arabicPeriod"/>
+              <a:buAutoNum startAt="5" type="arabicPeriod"/>
             </a:pPr>
             <a:r>
               <a:rPr/>
@@ -9041,7 +8511,7 @@
           </a:p>
           <a:p>
             <a:pPr lvl="1">
-              <a:buAutoNum type="arabicPeriod"/>
+              <a:buAutoNum startAt="5" type="arabicPeriod"/>
             </a:pPr>
             <a:r>
               <a:rPr/>
@@ -9403,7 +8873,7 @@
             <a:pPr lvl="1"/>
             <a:r>
               <a:rPr/>
-              <a:t>Prix de vente des maisons dans le conté de King County (Washington, USA)</a:t>
+              <a:t>Prix de vente des maisons dans le comté de King County (Washington, USA)</a:t>
             </a:r>
           </a:p>
           <a:p>

--- a/PP.pptx
+++ b/PP.pptx
@@ -33,6 +33,8 @@
     <p:sldId id="281" r:id="rId27"/>
     <p:sldId id="282" r:id="rId28"/>
     <p:sldId id="283" r:id="rId29"/>
+    <p:sldId id="284" r:id="rId30"/>
+    <p:sldId id="285" r:id="rId31"/>
   </p:sldIdLst>
   <p:sldSz cx="12192000" cy="6858000"/>
   <p:notesSz cx="6858000" cy="9144000"/>
@@ -8139,35 +8141,57 @@
             </a:pPr>
             <a:r>
               <a:rPr/>
-              <a:t>Modèle</a:t>
-            </a:r>
-            <a:r>
-              <a:rPr/>
-              <a:t> </a:t>
-            </a:r>
-            <a:r>
-              <a:rPr/>
-              <a:t>de</a:t>
-            </a:r>
-            <a:r>
-              <a:rPr/>
-              <a:t> </a:t>
-            </a:r>
-            <a:r>
-              <a:rPr i="1"/>
-              <a:t>gradient</a:t>
-            </a:r>
-            <a:r>
-              <a:rPr i="1"/>
-              <a:t> </a:t>
-            </a:r>
-            <a:r>
-              <a:rPr i="1"/>
-              <a:t>boosting</a:t>
-            </a:r>
-          </a:p>
-        </p:txBody>
-      </p:sp>
+              <a:t>Forêt</a:t>
+            </a:r>
+            <a:r>
+              <a:rPr/>
+              <a:t> </a:t>
+            </a:r>
+            <a:r>
+              <a:rPr/>
+              <a:t>aléatoire</a:t>
+            </a:r>
+            <a:r>
+              <a:rPr/>
+              <a:t> </a:t>
+            </a:r>
+            <a:r>
+              <a:rPr/>
+              <a:t>(suite)</a:t>
+            </a:r>
+          </a:p>
+        </p:txBody>
+      </p:sp>
+      <p:pic>
+        <p:nvPicPr>
+          <p:cNvPr descr="PP_files/figure-pptx/unnamed-chunk-11-1.png" id="0" name="Picture 1"/>
+          <p:cNvPicPr>
+            <a:picLocks noGrp="1" noChangeAspect="1"/>
+          </p:cNvPicPr>
+          <p:nvPr/>
+        </p:nvPicPr>
+        <p:blipFill>
+          <a:blip r:embed="rId2"/>
+          <a:stretch>
+            <a:fillRect/>
+          </a:stretch>
+        </p:blipFill>
+        <p:spPr bwMode="auto">
+          <a:xfrm>
+            <a:off x="2540000" y="2159000"/>
+            <a:ext cx="4838700" cy="3873500"/>
+          </a:xfrm>
+          <a:prstGeom prst="rect">
+            <a:avLst/>
+          </a:prstGeom>
+          <a:noFill/>
+          <a:ln w="9525">
+            <a:noFill/>
+            <a:headEnd/>
+            <a:tailEnd/>
+          </a:ln>
+        </p:spPr>
+      </p:pic>
     </p:spTree>
   </p:cSld>
 </p:sld>
@@ -8210,62 +8234,57 @@
             </a:pPr>
             <a:r>
               <a:rPr/>
-              <a:t>Conclusion</a:t>
-            </a:r>
-          </a:p>
-        </p:txBody>
-      </p:sp>
-      <p:sp>
-        <p:nvSpPr>
-          <p:cNvPr id="3" name="Content Placeholder 2"/>
-          <p:cNvSpPr>
-            <a:spLocks noGrp="1"/>
-          </p:cNvSpPr>
-          <p:nvPr>
-            <p:ph idx="1"/>
-          </p:nvPr>
-        </p:nvSpPr>
-        <p:spPr/>
-        <p:txBody>
-          <a:bodyPr/>
-          <a:lstStyle/>
-          <a:p>
-            <a:pPr lvl="1"/>
-            <a:r>
-              <a:rPr/>
-              <a:t>Modèle GBM retenu</a:t>
-            </a:r>
-          </a:p>
-          <a:p>
-            <a:pPr lvl="1"/>
-            <a:r>
-              <a:rPr/>
-              <a:t>Limitations</a:t>
-            </a:r>
-          </a:p>
-          <a:p>
-            <a:pPr lvl="2"/>
-            <a:r>
-              <a:rPr/>
-              <a:t>Échelle logarithmique</a:t>
-            </a:r>
-          </a:p>
-          <a:p>
-            <a:pPr lvl="2"/>
-            <a:r>
-              <a:rPr/>
-              <a:t>Effet de l’inflation</a:t>
-            </a:r>
-          </a:p>
-          <a:p>
-            <a:pPr lvl="1"/>
-            <a:r>
-              <a:rPr/>
-              <a:t>Possibilité d’utilisation dans d’autres zones géographiques</a:t>
-            </a:r>
-          </a:p>
-        </p:txBody>
-      </p:sp>
+              <a:t>Forêt</a:t>
+            </a:r>
+            <a:r>
+              <a:rPr/>
+              <a:t> </a:t>
+            </a:r>
+            <a:r>
+              <a:rPr/>
+              <a:t>aléatoire</a:t>
+            </a:r>
+            <a:r>
+              <a:rPr/>
+              <a:t> </a:t>
+            </a:r>
+            <a:r>
+              <a:rPr/>
+              <a:t>(suite)</a:t>
+            </a:r>
+          </a:p>
+        </p:txBody>
+      </p:sp>
+      <p:pic>
+        <p:nvPicPr>
+          <p:cNvPr descr="PP_files/figure-pptx/unnamed-chunk-12-1.png" id="0" name="Picture 1"/>
+          <p:cNvPicPr>
+            <a:picLocks noGrp="1" noChangeAspect="1"/>
+          </p:cNvPicPr>
+          <p:nvPr/>
+        </p:nvPicPr>
+        <p:blipFill>
+          <a:blip r:embed="rId2"/>
+          <a:stretch>
+            <a:fillRect/>
+          </a:stretch>
+        </p:blipFill>
+        <p:spPr bwMode="auto">
+          <a:xfrm>
+            <a:off x="2540000" y="2159000"/>
+            <a:ext cx="4838700" cy="3873500"/>
+          </a:xfrm>
+          <a:prstGeom prst="rect">
+            <a:avLst/>
+          </a:prstGeom>
+          <a:noFill/>
+          <a:ln w="9525">
+            <a:noFill/>
+            <a:headEnd/>
+            <a:tailEnd/>
+          </a:ln>
+        </p:spPr>
+      </p:pic>
     </p:spTree>
   </p:cSld>
 </p:sld>
@@ -8308,95 +8327,31 @@
             </a:pPr>
             <a:r>
               <a:rPr/>
-              <a:t>Bibliographie</a:t>
-            </a:r>
-          </a:p>
-        </p:txBody>
-      </p:sp>
-      <p:sp>
-        <p:nvSpPr>
-          <p:cNvPr id="3" name="Content Placeholder 2"/>
-          <p:cNvSpPr>
-            <a:spLocks noGrp="1"/>
-          </p:cNvSpPr>
-          <p:nvPr>
-            <p:ph idx="1"/>
-          </p:nvPr>
-        </p:nvSpPr>
-        <p:spPr/>
-        <p:txBody>
-          <a:bodyPr/>
-          <a:lstStyle/>
-          <a:p>
-            <a:pPr lvl="1">
-              <a:buAutoNum type="arabicPeriod"/>
-            </a:pPr>
-            <a:r>
-              <a:rPr/>
-              <a:t>Kaggle, harlfoxen (2017). House sales in King County, USA. Récupéré le 27 février 2020 de </a:t>
-            </a:r>
-            <a:r>
-              <a:rPr>
-                <a:hlinkClick r:id="rId2"/>
-              </a:rPr>
-              <a:t>https://www.kaggle.com/harlfoxem/housesalesprediction</a:t>
-            </a:r>
-            <a:r>
-              <a:rPr/>
-              <a:t>. </a:t>
-            </a:r>
-          </a:p>
-          <a:p>
-            <a:pPr lvl="1">
-              <a:buAutoNum type="arabicPeriod"/>
-            </a:pPr>
-            <a:r>
-              <a:rPr/>
-              <a:t>Max Kuhn (2020). caret: Classification and Regression Training. R package version 6.0-85. </a:t>
-            </a:r>
-            <a:r>
-              <a:rPr>
-                <a:hlinkClick r:id="rId3"/>
-              </a:rPr>
-              <a:t>https://CRAN.R-project.org/package=caret</a:t>
-            </a:r>
-            <a:r>
-              <a:rPr/>
-              <a:t> </a:t>
-            </a:r>
-          </a:p>
-          <a:p>
-            <a:pPr lvl="1">
-              <a:buAutoNum type="arabicPeriod"/>
-            </a:pPr>
-            <a:r>
-              <a:rPr/>
-              <a:t>Terry Therneau and Beth Atkinson (2019). rpart: Recursive Partitioning and Regression Trees. R package version 4.1-15. </a:t>
-            </a:r>
-            <a:r>
-              <a:rPr>
-                <a:hlinkClick r:id="rId4"/>
-              </a:rPr>
-              <a:t>https://CRAN.R-project.org/package=rpart</a:t>
-            </a:r>
-            <a:r>
-              <a:rPr/>
-              <a:t> </a:t>
-            </a:r>
-          </a:p>
-          <a:p>
-            <a:pPr lvl="1">
-              <a:buAutoNum type="arabicPeriod"/>
-            </a:pPr>
-            <a:r>
-              <a:rPr/>
-              <a:t>Stephen Milborrow (2019). rpart.plot: Plot ‘rpart’ Models: An Enhanced Version of ‘plot.rpart’. R package version 3.0.8. </a:t>
-            </a:r>
-            <a:r>
-              <a:rPr>
-                <a:hlinkClick r:id="rId5"/>
-              </a:rPr>
-              <a:t>https://CRAN.R-project.org/package=rpart.plot</a:t>
+              <a:t>Modèle</a:t>
+            </a:r>
+            <a:r>
+              <a:rPr/>
+              <a:t> </a:t>
+            </a:r>
+            <a:r>
+              <a:rPr/>
+              <a:t>de</a:t>
+            </a:r>
+            <a:r>
+              <a:rPr/>
+              <a:t> </a:t>
+            </a:r>
+            <a:r>
+              <a:rPr i="1"/>
+              <a:t>gradient</a:t>
+            </a:r>
+            <a:r>
+              <a:rPr i="1"/>
+              <a:t> </a:t>
+            </a:r>
+            <a:r>
+              <a:rPr i="1"/>
+              <a:t>boosting</a:t>
             </a:r>
           </a:p>
         </p:txBody>
@@ -8443,6 +8398,104 @@
             </a:pPr>
             <a:r>
               <a:rPr/>
+              <a:t>Conclusion</a:t>
+            </a:r>
+          </a:p>
+        </p:txBody>
+      </p:sp>
+      <p:sp>
+        <p:nvSpPr>
+          <p:cNvPr id="3" name="Content Placeholder 2"/>
+          <p:cNvSpPr>
+            <a:spLocks noGrp="1"/>
+          </p:cNvSpPr>
+          <p:nvPr>
+            <p:ph idx="1"/>
+          </p:nvPr>
+        </p:nvSpPr>
+        <p:spPr/>
+        <p:txBody>
+          <a:bodyPr/>
+          <a:lstStyle/>
+          <a:p>
+            <a:pPr lvl="1"/>
+            <a:r>
+              <a:rPr/>
+              <a:t>Modèle GBM retenu</a:t>
+            </a:r>
+          </a:p>
+          <a:p>
+            <a:pPr lvl="1"/>
+            <a:r>
+              <a:rPr/>
+              <a:t>Limitations</a:t>
+            </a:r>
+          </a:p>
+          <a:p>
+            <a:pPr lvl="2"/>
+            <a:r>
+              <a:rPr/>
+              <a:t>Échelle logarithmique</a:t>
+            </a:r>
+          </a:p>
+          <a:p>
+            <a:pPr lvl="2"/>
+            <a:r>
+              <a:rPr/>
+              <a:t>Effet de l’inflation</a:t>
+            </a:r>
+          </a:p>
+          <a:p>
+            <a:pPr lvl="1"/>
+            <a:r>
+              <a:rPr/>
+              <a:t>Possibilité d’utilisation dans d’autres zones géographiques</a:t>
+            </a:r>
+          </a:p>
+        </p:txBody>
+      </p:sp>
+    </p:spTree>
+  </p:cSld>
+</p:sld>
+</file>
+
+<file path=ppt/slides/slide29.xml><?xml version="1.0" encoding="utf-8"?>
+<p:sld xmlns:a="http://schemas.openxmlformats.org/drawingml/2006/main" xmlns:r="http://schemas.openxmlformats.org/officeDocument/2006/relationships" xmlns:p="http://schemas.openxmlformats.org/presentationml/2006/main">
+  <p:cSld>
+    <p:spTree>
+      <p:nvGrpSpPr>
+        <p:cNvPr id="1" name=""/>
+        <p:cNvGrpSpPr/>
+        <p:nvPr/>
+      </p:nvGrpSpPr>
+      <p:grpSpPr>
+        <a:xfrm>
+          <a:off x="0" y="0"/>
+          <a:ext cx="0" cy="0"/>
+          <a:chOff x="0" y="0"/>
+          <a:chExt cx="0" cy="0"/>
+        </a:xfrm>
+      </p:grpSpPr>
+      <p:sp>
+        <p:nvSpPr>
+          <p:cNvPr id="2" name="Title 1"/>
+          <p:cNvSpPr>
+            <a:spLocks noGrp="1"/>
+          </p:cNvSpPr>
+          <p:nvPr>
+            <p:ph type="title"/>
+          </p:nvPr>
+        </p:nvSpPr>
+        <p:spPr/>
+        <p:txBody>
+          <a:bodyPr/>
+          <a:lstStyle/>
+          <a:p>
+            <a:pPr lvl="0" marL="0" indent="0">
+              <a:buNone/>
+            </a:pPr>
+            <a:r>
+              <a:rPr/>
               <a:t>Bibliographie</a:t>
             </a:r>
           </a:p>
@@ -8464,64 +8517,74 @@
           <a:lstStyle/>
           <a:p>
             <a:pPr lvl="1">
-              <a:buAutoNum startAt="5" type="arabicPeriod"/>
+              <a:buAutoNum type="arabicPeriod"/>
             </a:pPr>
             <a:r>
               <a:rPr/>
-              <a:t>A. Liaw and M. Wiener (2002). Classification and Regression by randomForest. R News 2(3), 18–22. </a:t>
-            </a:r>
-          </a:p>
-          <a:p>
-            <a:pPr lvl="1">
-              <a:buAutoNum startAt="5" type="arabicPeriod"/>
-            </a:pPr>
-            <a:r>
-              <a:rPr/>
-              <a:t>Brandon Greenwell, Bradley Boehmke, Jay Cunningham and GBM Developers (2019). gbm: Generalized Boosted Regression Models. R package version 2.1.5. </a:t>
+              <a:t>Kaggle, harlfoxen (2017). House sales in King County, USA. Récupéré le 27 février 2020 de </a:t>
             </a:r>
             <a:r>
               <a:rPr>
                 <a:hlinkClick r:id="rId2"/>
               </a:rPr>
-              <a:t>https://CRAN.R-project.org/package=gbm</a:t>
-            </a:r>
-            <a:r>
-              <a:rPr/>
-              <a:t> </a:t>
+              <a:t>https://www.kaggle.com/harlfoxem/housesalesprediction</a:t>
+            </a:r>
+            <a:r>
+              <a:rPr/>
+              <a:t>. </a:t>
             </a:r>
           </a:p>
           <a:p>
             <a:pPr lvl="1">
-              <a:buAutoNum startAt="5" type="arabicPeriod"/>
+              <a:buAutoNum type="arabicPeriod"/>
             </a:pPr>
             <a:r>
               <a:rPr/>
-              <a:t>Jerome Friedman, Trevor Hastie, Robert Tibshirani (2010). Regularization Paths for Generalized Linear Models via Coordinate Descent. Journal of Statistical Software, 33(1), 1-22. URL </a:t>
+              <a:t>Max Kuhn (2020). caret: Classification and Regression Training. R package version 6.0-85. </a:t>
             </a:r>
             <a:r>
               <a:rPr>
                 <a:hlinkClick r:id="rId3"/>
               </a:rPr>
-              <a:t>http://www.jstatsoft.org/v33/i01/</a:t>
-            </a:r>
-            <a:r>
-              <a:rPr/>
-              <a:t>. </a:t>
+              <a:t>https://CRAN.R-project.org/package=caret</a:t>
+            </a:r>
+            <a:r>
+              <a:rPr/>
+              <a:t> </a:t>
             </a:r>
           </a:p>
           <a:p>
             <a:pPr lvl="1">
-              <a:buAutoNum startAt="5" type="arabicPeriod"/>
+              <a:buAutoNum type="arabicPeriod"/>
             </a:pPr>
             <a:r>
               <a:rPr/>
-              <a:t>Alina Beygelzimer, Sham Kakadet, John Langford, Sunil Arya, David Mount and Shengqiao Li (2019). FNN: Fast Nearest Neighbor Search Algorithms and Applications. R package version 1.1.3. </a:t>
+              <a:t>Terry Therneau and Beth Atkinson (2019). rpart: Recursive Partitioning and Regression Trees. R package version 4.1-15. </a:t>
             </a:r>
             <a:r>
               <a:rPr>
                 <a:hlinkClick r:id="rId4"/>
               </a:rPr>
-              <a:t>https://CRAN.R-project.org/package=FNN</a:t>
+              <a:t>https://CRAN.R-project.org/package=rpart</a:t>
+            </a:r>
+            <a:r>
+              <a:rPr/>
+              <a:t> </a:t>
+            </a:r>
+          </a:p>
+          <a:p>
+            <a:pPr lvl="1">
+              <a:buAutoNum type="arabicPeriod"/>
+            </a:pPr>
+            <a:r>
+              <a:rPr/>
+              <a:t>Stephen Milborrow (2019). rpart.plot: Plot ‘rpart’ Models: An Enhanced Version of ‘plot.rpart’. R package version 3.0.8. </a:t>
+            </a:r>
+            <a:r>
+              <a:rPr>
+                <a:hlinkClick r:id="rId5"/>
+              </a:rPr>
+              <a:t>https://CRAN.R-project.org/package=rpart.plot</a:t>
             </a:r>
           </a:p>
         </p:txBody>
@@ -8672,6 +8735,131 @@
             <a:r>
               <a:rPr/>
               <a:t>Conclusion</a:t>
+            </a:r>
+          </a:p>
+        </p:txBody>
+      </p:sp>
+    </p:spTree>
+  </p:cSld>
+</p:sld>
+</file>
+
+<file path=ppt/slides/slide30.xml><?xml version="1.0" encoding="utf-8"?>
+<p:sld xmlns:a="http://schemas.openxmlformats.org/drawingml/2006/main" xmlns:r="http://schemas.openxmlformats.org/officeDocument/2006/relationships" xmlns:p="http://schemas.openxmlformats.org/presentationml/2006/main">
+  <p:cSld>
+    <p:spTree>
+      <p:nvGrpSpPr>
+        <p:cNvPr id="1" name=""/>
+        <p:cNvGrpSpPr/>
+        <p:nvPr/>
+      </p:nvGrpSpPr>
+      <p:grpSpPr>
+        <a:xfrm>
+          <a:off x="0" y="0"/>
+          <a:ext cx="0" cy="0"/>
+          <a:chOff x="0" y="0"/>
+          <a:chExt cx="0" cy="0"/>
+        </a:xfrm>
+      </p:grpSpPr>
+      <p:sp>
+        <p:nvSpPr>
+          <p:cNvPr id="2" name="Title 1"/>
+          <p:cNvSpPr>
+            <a:spLocks noGrp="1"/>
+          </p:cNvSpPr>
+          <p:nvPr>
+            <p:ph type="title"/>
+          </p:nvPr>
+        </p:nvSpPr>
+        <p:spPr/>
+        <p:txBody>
+          <a:bodyPr/>
+          <a:lstStyle/>
+          <a:p>
+            <a:pPr lvl="0" marL="0" indent="0">
+              <a:buNone/>
+            </a:pPr>
+            <a:r>
+              <a:rPr/>
+              <a:t>Bibliographie</a:t>
+            </a:r>
+          </a:p>
+        </p:txBody>
+      </p:sp>
+      <p:sp>
+        <p:nvSpPr>
+          <p:cNvPr id="3" name="Content Placeholder 2"/>
+          <p:cNvSpPr>
+            <a:spLocks noGrp="1"/>
+          </p:cNvSpPr>
+          <p:nvPr>
+            <p:ph idx="1"/>
+          </p:nvPr>
+        </p:nvSpPr>
+        <p:spPr/>
+        <p:txBody>
+          <a:bodyPr/>
+          <a:lstStyle/>
+          <a:p>
+            <a:pPr lvl="1">
+              <a:buAutoNum startAt="5" type="arabicPeriod"/>
+            </a:pPr>
+            <a:r>
+              <a:rPr/>
+              <a:t>A. Liaw and M. Wiener (2002). Classification and Regression by randomForest. R News 2(3), 18–22. </a:t>
+            </a:r>
+          </a:p>
+          <a:p>
+            <a:pPr lvl="1">
+              <a:buAutoNum startAt="5" type="arabicPeriod"/>
+            </a:pPr>
+            <a:r>
+              <a:rPr/>
+              <a:t>Brandon Greenwell, Bradley Boehmke, Jay Cunningham and GBM Developers (2019). gbm: Generalized Boosted Regression Models. R package version 2.1.5. </a:t>
+            </a:r>
+            <a:r>
+              <a:rPr>
+                <a:hlinkClick r:id="rId2"/>
+              </a:rPr>
+              <a:t>https://CRAN.R-project.org/package=gbm</a:t>
+            </a:r>
+            <a:r>
+              <a:rPr/>
+              <a:t> </a:t>
+            </a:r>
+          </a:p>
+          <a:p>
+            <a:pPr lvl="1">
+              <a:buAutoNum startAt="5" type="arabicPeriod"/>
+            </a:pPr>
+            <a:r>
+              <a:rPr/>
+              <a:t>Jerome Friedman, Trevor Hastie, Robert Tibshirani (2010). Regularization Paths for Generalized Linear Models via Coordinate Descent. Journal of Statistical Software, 33(1), 1-22. URL </a:t>
+            </a:r>
+            <a:r>
+              <a:rPr>
+                <a:hlinkClick r:id="rId3"/>
+              </a:rPr>
+              <a:t>http://www.jstatsoft.org/v33/i01/</a:t>
+            </a:r>
+            <a:r>
+              <a:rPr/>
+              <a:t>. </a:t>
+            </a:r>
+          </a:p>
+          <a:p>
+            <a:pPr lvl="1">
+              <a:buAutoNum startAt="5" type="arabicPeriod"/>
+            </a:pPr>
+            <a:r>
+              <a:rPr/>
+              <a:t>Alina Beygelzimer, Sham Kakadet, John Langford, Sunil Arya, David Mount and Shengqiao Li (2019). FNN: Fast Nearest Neighbor Search Algorithms and Applications. R package version 1.1.3. </a:t>
+            </a:r>
+            <a:r>
+              <a:rPr>
+                <a:hlinkClick r:id="rId4"/>
+              </a:rPr>
+              <a:t>https://CRAN.R-project.org/package=FNN</a:t>
             </a:r>
           </a:p>
         </p:txBody>

--- a/PP.pptx
+++ b/PP.pptx
@@ -5853,6 +5853,536 @@
           <a:chExt cx="0" cy="0"/>
         </a:xfrm>
       </p:grpSpPr>
+      <p:grpSp>
+        <p:nvGrpSpPr>
+          <p:cNvPr id="7" name="Group 6"/>
+          <p:cNvGrpSpPr/>
+          <p:nvPr/>
+        </p:nvGrpSpPr>
+        <p:grpSpPr>
+          <a:xfrm>
+            <a:off x="0" y="-8467"/>
+            <a:ext cx="12192000" cy="6866467"/>
+            <a:chOff x="0" y="-8467"/>
+            <a:chExt cx="12192000" cy="6866467"/>
+          </a:xfrm>
+        </p:grpSpPr>
+        <p:cxnSp>
+          <p:nvCxnSpPr>
+            <p:cNvPr id="32" name="Straight Connector 31"/>
+            <p:cNvCxnSpPr/>
+            <p:nvPr/>
+          </p:nvCxnSpPr>
+          <p:spPr>
+            <a:xfrm>
+              <a:off x="9371012" y="0"/>
+              <a:ext cx="1219200" cy="6858000"/>
+            </a:xfrm>
+            <a:prstGeom prst="line">
+              <a:avLst/>
+            </a:prstGeom>
+            <a:ln w="9525">
+              <a:solidFill>
+                <a:schemeClr val="bg1">
+                  <a:lumMod val="75000"/>
+                </a:schemeClr>
+              </a:solidFill>
+            </a:ln>
+          </p:spPr>
+          <p:style>
+            <a:lnRef idx="2">
+              <a:schemeClr val="accent1"/>
+            </a:lnRef>
+            <a:fillRef idx="0">
+              <a:schemeClr val="accent1"/>
+            </a:fillRef>
+            <a:effectRef idx="1">
+              <a:schemeClr val="accent1"/>
+            </a:effectRef>
+            <a:fontRef idx="minor">
+              <a:schemeClr val="tx1"/>
+            </a:fontRef>
+          </p:style>
+        </p:cxnSp>
+        <p:cxnSp>
+          <p:nvCxnSpPr>
+            <p:cNvPr id="21" name="Straight Connector 20"/>
+            <p:cNvCxnSpPr/>
+            <p:nvPr/>
+          </p:nvCxnSpPr>
+          <p:spPr>
+            <a:xfrm flipH="1">
+              <a:off x="7425267" y="3681413"/>
+              <a:ext cx="4763558" cy="3176587"/>
+            </a:xfrm>
+            <a:prstGeom prst="line">
+              <a:avLst/>
+            </a:prstGeom>
+            <a:ln w="9525">
+              <a:solidFill>
+                <a:schemeClr val="bg1">
+                  <a:lumMod val="85000"/>
+                </a:schemeClr>
+              </a:solidFill>
+            </a:ln>
+          </p:spPr>
+          <p:style>
+            <a:lnRef idx="2">
+              <a:schemeClr val="accent1"/>
+            </a:lnRef>
+            <a:fillRef idx="0">
+              <a:schemeClr val="accent1"/>
+            </a:fillRef>
+            <a:effectRef idx="1">
+              <a:schemeClr val="accent1"/>
+            </a:effectRef>
+            <a:fontRef idx="minor">
+              <a:schemeClr val="tx1"/>
+            </a:fontRef>
+          </p:style>
+        </p:cxnSp>
+        <p:sp>
+          <p:nvSpPr>
+            <p:cNvPr id="24" name="Rectangle 23"/>
+            <p:cNvSpPr/>
+            <p:nvPr/>
+          </p:nvSpPr>
+          <p:spPr>
+            <a:xfrm>
+              <a:off x="9181476" y="-8467"/>
+              <a:ext cx="3007349" cy="6866467"/>
+            </a:xfrm>
+            <a:custGeom>
+              <a:avLst/>
+              <a:gdLst/>
+              <a:ahLst/>
+              <a:cxnLst/>
+              <a:rect l="l" t="t" r="r" b="b"/>
+              <a:pathLst>
+                <a:path w="3007349" h="6866467">
+                  <a:moveTo>
+                    <a:pt x="2045532" y="0"/>
+                  </a:moveTo>
+                  <a:lnTo>
+                    <a:pt x="3007349" y="0"/>
+                  </a:lnTo>
+                  <a:lnTo>
+                    <a:pt x="3007349" y="6866467"/>
+                  </a:lnTo>
+                  <a:lnTo>
+                    <a:pt x="0" y="6866467"/>
+                  </a:lnTo>
+                  <a:lnTo>
+                    <a:pt x="2045532" y="0"/>
+                  </a:lnTo>
+                  <a:close/>
+                </a:path>
+              </a:pathLst>
+            </a:custGeom>
+            <a:solidFill>
+              <a:schemeClr val="accent1">
+                <a:alpha val="30000"/>
+              </a:schemeClr>
+            </a:solidFill>
+            <a:ln>
+              <a:noFill/>
+            </a:ln>
+            <a:effectLst/>
+          </p:spPr>
+          <p:style>
+            <a:lnRef idx="1">
+              <a:schemeClr val="accent1"/>
+            </a:lnRef>
+            <a:fillRef idx="3">
+              <a:schemeClr val="accent1"/>
+            </a:fillRef>
+            <a:effectRef idx="2">
+              <a:schemeClr val="accent1"/>
+            </a:effectRef>
+            <a:fontRef idx="minor">
+              <a:schemeClr val="lt1"/>
+            </a:fontRef>
+          </p:style>
+        </p:sp>
+        <p:sp>
+          <p:nvSpPr>
+            <p:cNvPr id="26" name="Rectangle 25"/>
+            <p:cNvSpPr/>
+            <p:nvPr/>
+          </p:nvSpPr>
+          <p:spPr>
+            <a:xfrm>
+              <a:off x="9603442" y="-8467"/>
+              <a:ext cx="2588558" cy="6866467"/>
+            </a:xfrm>
+            <a:custGeom>
+              <a:avLst/>
+              <a:gdLst/>
+              <a:ahLst/>
+              <a:cxnLst/>
+              <a:rect l="l" t="t" r="r" b="b"/>
+              <a:pathLst>
+                <a:path w="2573311" h="6866467">
+                  <a:moveTo>
+                    <a:pt x="0" y="0"/>
+                  </a:moveTo>
+                  <a:lnTo>
+                    <a:pt x="2573311" y="0"/>
+                  </a:lnTo>
+                  <a:lnTo>
+                    <a:pt x="2573311" y="6866467"/>
+                  </a:lnTo>
+                  <a:lnTo>
+                    <a:pt x="1202336" y="6866467"/>
+                  </a:lnTo>
+                  <a:lnTo>
+                    <a:pt x="0" y="0"/>
+                  </a:lnTo>
+                  <a:close/>
+                </a:path>
+              </a:pathLst>
+            </a:custGeom>
+            <a:solidFill>
+              <a:schemeClr val="accent1">
+                <a:alpha val="20000"/>
+              </a:schemeClr>
+            </a:solidFill>
+            <a:ln>
+              <a:noFill/>
+            </a:ln>
+            <a:effectLst/>
+          </p:spPr>
+          <p:style>
+            <a:lnRef idx="1">
+              <a:schemeClr val="accent1"/>
+            </a:lnRef>
+            <a:fillRef idx="3">
+              <a:schemeClr val="accent1"/>
+            </a:fillRef>
+            <a:effectRef idx="2">
+              <a:schemeClr val="accent1"/>
+            </a:effectRef>
+            <a:fontRef idx="minor">
+              <a:schemeClr val="lt1"/>
+            </a:fontRef>
+          </p:style>
+        </p:sp>
+        <p:sp>
+          <p:nvSpPr>
+            <p:cNvPr id="27" name="Isosceles Triangle 26"/>
+            <p:cNvSpPr/>
+            <p:nvPr/>
+          </p:nvSpPr>
+          <p:spPr>
+            <a:xfrm>
+              <a:off x="8932333" y="3048000"/>
+              <a:ext cx="3259667" cy="3810000"/>
+            </a:xfrm>
+            <a:prstGeom prst="triangle">
+              <a:avLst>
+                <a:gd name="adj" fmla="val 100000"/>
+              </a:avLst>
+            </a:prstGeom>
+            <a:solidFill>
+              <a:schemeClr val="accent2">
+                <a:alpha val="72000"/>
+              </a:schemeClr>
+            </a:solidFill>
+            <a:ln>
+              <a:noFill/>
+            </a:ln>
+            <a:effectLst/>
+          </p:spPr>
+          <p:style>
+            <a:lnRef idx="1">
+              <a:schemeClr val="accent1"/>
+            </a:lnRef>
+            <a:fillRef idx="3">
+              <a:schemeClr val="accent1"/>
+            </a:fillRef>
+            <a:effectRef idx="2">
+              <a:schemeClr val="accent1"/>
+            </a:effectRef>
+            <a:fontRef idx="minor">
+              <a:schemeClr val="lt1"/>
+            </a:fontRef>
+          </p:style>
+        </p:sp>
+        <p:sp>
+          <p:nvSpPr>
+            <p:cNvPr id="28" name="Rectangle 27"/>
+            <p:cNvSpPr/>
+            <p:nvPr/>
+          </p:nvSpPr>
+          <p:spPr>
+            <a:xfrm>
+              <a:off x="9334500" y="-8467"/>
+              <a:ext cx="2854326" cy="6866467"/>
+            </a:xfrm>
+            <a:custGeom>
+              <a:avLst/>
+              <a:gdLst/>
+              <a:ahLst/>
+              <a:cxnLst/>
+              <a:rect l="l" t="t" r="r" b="b"/>
+              <a:pathLst>
+                <a:path w="2858013" h="6866467">
+                  <a:moveTo>
+                    <a:pt x="0" y="0"/>
+                  </a:moveTo>
+                  <a:lnTo>
+                    <a:pt x="2858013" y="0"/>
+                  </a:lnTo>
+                  <a:lnTo>
+                    <a:pt x="2858013" y="6866467"/>
+                  </a:lnTo>
+                  <a:lnTo>
+                    <a:pt x="2473942" y="6866467"/>
+                  </a:lnTo>
+                  <a:lnTo>
+                    <a:pt x="0" y="0"/>
+                  </a:lnTo>
+                  <a:close/>
+                </a:path>
+              </a:pathLst>
+            </a:custGeom>
+            <a:solidFill>
+              <a:schemeClr val="accent2">
+                <a:lumMod val="75000"/>
+                <a:alpha val="70000"/>
+              </a:schemeClr>
+            </a:solidFill>
+            <a:ln>
+              <a:noFill/>
+            </a:ln>
+            <a:effectLst/>
+          </p:spPr>
+          <p:style>
+            <a:lnRef idx="1">
+              <a:schemeClr val="accent1"/>
+            </a:lnRef>
+            <a:fillRef idx="3">
+              <a:schemeClr val="accent1"/>
+            </a:fillRef>
+            <a:effectRef idx="2">
+              <a:schemeClr val="accent1"/>
+            </a:effectRef>
+            <a:fontRef idx="minor">
+              <a:schemeClr val="lt1"/>
+            </a:fontRef>
+          </p:style>
+        </p:sp>
+        <p:sp>
+          <p:nvSpPr>
+            <p:cNvPr id="29" name="Rectangle 28"/>
+            <p:cNvSpPr/>
+            <p:nvPr/>
+          </p:nvSpPr>
+          <p:spPr>
+            <a:xfrm>
+              <a:off x="10898730" y="-8467"/>
+              <a:ext cx="1290094" cy="6866467"/>
+            </a:xfrm>
+            <a:custGeom>
+              <a:avLst/>
+              <a:gdLst/>
+              <a:ahLst/>
+              <a:cxnLst/>
+              <a:rect l="l" t="t" r="r" b="b"/>
+              <a:pathLst>
+                <a:path w="1290094" h="6858000">
+                  <a:moveTo>
+                    <a:pt x="1019735" y="0"/>
+                  </a:moveTo>
+                  <a:lnTo>
+                    <a:pt x="1290094" y="0"/>
+                  </a:lnTo>
+                  <a:lnTo>
+                    <a:pt x="1290094" y="6858000"/>
+                  </a:lnTo>
+                  <a:lnTo>
+                    <a:pt x="0" y="6858000"/>
+                  </a:lnTo>
+                  <a:lnTo>
+                    <a:pt x="1019735" y="0"/>
+                  </a:lnTo>
+                  <a:close/>
+                </a:path>
+              </a:pathLst>
+            </a:custGeom>
+            <a:solidFill>
+              <a:schemeClr val="accent1">
+                <a:lumMod val="60000"/>
+                <a:lumOff val="40000"/>
+                <a:alpha val="70000"/>
+              </a:schemeClr>
+            </a:solidFill>
+            <a:ln>
+              <a:noFill/>
+            </a:ln>
+            <a:effectLst/>
+          </p:spPr>
+          <p:style>
+            <a:lnRef idx="1">
+              <a:schemeClr val="accent1"/>
+            </a:lnRef>
+            <a:fillRef idx="3">
+              <a:schemeClr val="accent1"/>
+            </a:fillRef>
+            <a:effectRef idx="2">
+              <a:schemeClr val="accent1"/>
+            </a:effectRef>
+            <a:fontRef idx="minor">
+              <a:schemeClr val="lt1"/>
+            </a:fontRef>
+          </p:style>
+        </p:sp>
+        <p:sp>
+          <p:nvSpPr>
+            <p:cNvPr id="30" name="Rectangle 29"/>
+            <p:cNvSpPr/>
+            <p:nvPr/>
+          </p:nvSpPr>
+          <p:spPr>
+            <a:xfrm>
+              <a:off x="10938999" y="-8467"/>
+              <a:ext cx="1249825" cy="6866467"/>
+            </a:xfrm>
+            <a:custGeom>
+              <a:avLst/>
+              <a:gdLst/>
+              <a:ahLst/>
+              <a:cxnLst/>
+              <a:rect l="l" t="t" r="r" b="b"/>
+              <a:pathLst>
+                <a:path w="1249825" h="6858000">
+                  <a:moveTo>
+                    <a:pt x="0" y="0"/>
+                  </a:moveTo>
+                  <a:lnTo>
+                    <a:pt x="1249825" y="0"/>
+                  </a:lnTo>
+                  <a:lnTo>
+                    <a:pt x="1249825" y="6858000"/>
+                  </a:lnTo>
+                  <a:lnTo>
+                    <a:pt x="1109382" y="6858000"/>
+                  </a:lnTo>
+                  <a:lnTo>
+                    <a:pt x="0" y="0"/>
+                  </a:lnTo>
+                  <a:close/>
+                </a:path>
+              </a:pathLst>
+            </a:custGeom>
+            <a:solidFill>
+              <a:schemeClr val="accent1">
+                <a:alpha val="65000"/>
+              </a:schemeClr>
+            </a:solidFill>
+            <a:ln>
+              <a:noFill/>
+            </a:ln>
+            <a:effectLst/>
+          </p:spPr>
+          <p:style>
+            <a:lnRef idx="1">
+              <a:schemeClr val="accent1"/>
+            </a:lnRef>
+            <a:fillRef idx="3">
+              <a:schemeClr val="accent1"/>
+            </a:fillRef>
+            <a:effectRef idx="2">
+              <a:schemeClr val="accent1"/>
+            </a:effectRef>
+            <a:fontRef idx="minor">
+              <a:schemeClr val="lt1"/>
+            </a:fontRef>
+          </p:style>
+        </p:sp>
+        <p:sp>
+          <p:nvSpPr>
+            <p:cNvPr id="31" name="Isosceles Triangle 30"/>
+            <p:cNvSpPr/>
+            <p:nvPr/>
+          </p:nvSpPr>
+          <p:spPr>
+            <a:xfrm>
+              <a:off x="10371666" y="3589867"/>
+              <a:ext cx="1817159" cy="3268133"/>
+            </a:xfrm>
+            <a:prstGeom prst="triangle">
+              <a:avLst>
+                <a:gd name="adj" fmla="val 100000"/>
+              </a:avLst>
+            </a:prstGeom>
+            <a:solidFill>
+              <a:schemeClr val="accent1">
+                <a:alpha val="80000"/>
+              </a:schemeClr>
+            </a:solidFill>
+            <a:ln>
+              <a:noFill/>
+            </a:ln>
+            <a:effectLst/>
+          </p:spPr>
+          <p:style>
+            <a:lnRef idx="1">
+              <a:schemeClr val="accent1"/>
+            </a:lnRef>
+            <a:fillRef idx="3">
+              <a:schemeClr val="accent1"/>
+            </a:fillRef>
+            <a:effectRef idx="2">
+              <a:schemeClr val="accent1"/>
+            </a:effectRef>
+            <a:fontRef idx="minor">
+              <a:schemeClr val="lt1"/>
+            </a:fontRef>
+          </p:style>
+        </p:sp>
+        <p:sp>
+          <p:nvSpPr>
+            <p:cNvPr id="19" name="Isosceles Triangle 18"/>
+            <p:cNvSpPr/>
+            <p:nvPr/>
+          </p:nvSpPr>
+          <p:spPr>
+            <a:xfrm rot="10800000">
+              <a:off x="0" y="0"/>
+              <a:ext cx="842596" cy="5666154"/>
+            </a:xfrm>
+            <a:prstGeom prst="triangle">
+              <a:avLst>
+                <a:gd name="adj" fmla="val 100000"/>
+              </a:avLst>
+            </a:prstGeom>
+            <a:solidFill>
+              <a:schemeClr val="accent1">
+                <a:alpha val="85000"/>
+              </a:schemeClr>
+            </a:solidFill>
+            <a:ln>
+              <a:noFill/>
+            </a:ln>
+            <a:effectLst/>
+          </p:spPr>
+          <p:style>
+            <a:lnRef idx="1">
+              <a:schemeClr val="accent1"/>
+            </a:lnRef>
+            <a:fillRef idx="3">
+              <a:schemeClr val="accent1"/>
+            </a:fillRef>
+            <a:effectRef idx="2">
+              <a:schemeClr val="accent1"/>
+            </a:effectRef>
+            <a:fontRef idx="minor">
+              <a:schemeClr val="lt1"/>
+            </a:fontRef>
+          </p:style>
+        </p:sp>
+      </p:grpSp>
       <p:sp>
         <p:nvSpPr>
           <p:cNvPr id="2" name="Title 1"/>
@@ -6406,6 +6936,54 @@
           </a:p>
         </p:txBody>
       </p:sp>
+      <mc:AlternateContent xmlns:mc="http://schemas.openxmlformats.org/markup-compatibility/2006">
+        <mc:Choice xmlns:a14="http://schemas.microsoft.com/office/drawing/2010/main" Requires="a14">
+          <p:sp>
+            <p:nvSpPr>
+              <p:cNvPr id="3" name="Content Placeholder 2"/>
+              <p:cNvSpPr>
+                <a:spLocks noGrp="1"/>
+              </p:cNvSpPr>
+              <p:nvPr>
+                <p:ph idx="1"/>
+              </p:nvPr>
+            </p:nvSpPr>
+            <p:spPr/>
+            <p:txBody>
+              <a:bodyPr/>
+              <a:lstStyle/>
+              <a:p>
+                <a:pPr lvl="1"/>
+                <a:r>
+                  <a:rPr/>
+                  <a:t>Sélection des variables</a:t>
+                </a:r>
+              </a:p>
+              <a:p>
+                <a:pPr lvl="1"/>
+                <a:r>
+                  <a:rPr/>
+                  <a:t>Optimisation du paramètre de régularisation </a:t>
+                </a:r>
+                <a14:m>
+                  <m:oMath xmlns:m="http://schemas.openxmlformats.org/officeDocument/2006/math">
+                    <m:r>
+                      <m:t>λ</m:t>
+                    </m:r>
+                  </m:oMath>
+                </a14:m>
+              </a:p>
+              <a:p>
+                <a:pPr lvl="1"/>
+                <a:r>
+                  <a:rPr/>
+                  <a:t>Sept variables explicatives et 22 interactions</a:t>
+                </a:r>
+              </a:p>
+            </p:txBody>
+          </p:sp>
+        </mc:Choice>
+      </mc:AlternateContent>
     </p:spTree>
   </p:cSld>
 </p:sld>
@@ -6517,6 +7095,56 @@
           </a:p>
         </p:txBody>
       </p:sp>
+      <mc:AlternateContent xmlns:mc="http://schemas.openxmlformats.org/markup-compatibility/2006">
+        <mc:Choice xmlns:a14="http://schemas.microsoft.com/office/drawing/2010/main" Requires="a14">
+          <p:sp>
+            <p:nvSpPr>
+              <p:cNvPr id="3" name="Content Placeholder 2"/>
+              <p:cNvSpPr>
+                <a:spLocks noGrp="1"/>
+              </p:cNvSpPr>
+              <p:nvPr>
+                <p:ph idx="1"/>
+              </p:nvPr>
+            </p:nvSpPr>
+            <p:spPr/>
+            <p:txBody>
+              <a:bodyPr/>
+              <a:lstStyle/>
+              <a:p>
+                <a:pPr lvl="1"/>
+                <a:r>
+                  <a:rPr/>
+                  <a:t>Optimisation de </a:t>
+                </a:r>
+                <a14:m>
+                  <m:oMath xmlns:m="http://schemas.openxmlformats.org/officeDocument/2006/math">
+                    <m:r>
+                      <m:t>k</m:t>
+                    </m:r>
+                  </m:oMath>
+                </a14:m>
+              </a:p>
+              <a:p>
+                <a:pPr lvl="1"/>
+                <a:r>
+                  <a:rPr/>
+                  <a:t>Standardisation des données</a:t>
+                </a:r>
+              </a:p>
+              <a:p>
+                <a:pPr lvl="1"/>
+                <a:r>
+                  <a:rPr sz="1800">
+                    <a:latin typeface="Courier"/>
+                  </a:rPr>
+                  <a:t>metric = "RMSE"</a:t>
+                </a:r>
+              </a:p>
+            </p:txBody>
+          </p:sp>
+        </mc:Choice>
+      </mc:AlternateContent>
     </p:spTree>
   </p:cSld>
 </p:sld>
@@ -6625,7 +7253,7 @@
               <a:t>Optimisation de </a:t>
             </a:r>
             <a:r>
-              <a:rPr>
+              <a:rPr sz="1800">
                 <a:latin typeface="Courier"/>
               </a:rPr>
               <a:t>minbucket</a:t>
@@ -6638,7 +7266,7 @@
               <a:t>Optimisation du paramètre de compléxité (</a:t>
             </a:r>
             <a:r>
-              <a:rPr>
+              <a:rPr sz="1800">
                 <a:latin typeface="Courier"/>
               </a:rPr>
               <a:t>cp</a:t>
@@ -6651,7 +7279,7 @@
           <a:p>
             <a:pPr lvl="1"/>
             <a:r>
-              <a:rPr>
+              <a:rPr sz="1800">
                 <a:latin typeface="Courier"/>
               </a:rPr>
               <a:t>method="anova"</a:t>
@@ -6806,7 +7434,7 @@
           <a:p>
             <a:pPr lvl="1"/>
             <a:r>
-              <a:rPr>
+              <a:rPr sz="1800">
                 <a:latin typeface="Courier"/>
               </a:rPr>
               <a:t>sampsize= nrow(donnees.train)</a:t>
@@ -6815,7 +7443,7 @@
           <a:p>
             <a:pPr lvl="1"/>
             <a:r>
-              <a:rPr>
+              <a:rPr sz="1800">
                 <a:latin typeface="Courier"/>
               </a:rPr>
               <a:t>mtry=17</a:t>
@@ -6824,7 +7452,7 @@
           <a:p>
             <a:pPr lvl="1"/>
             <a:r>
-              <a:rPr>
+              <a:rPr sz="1800">
                 <a:latin typeface="Courier"/>
               </a:rPr>
               <a:t>cp=0</a:t>
@@ -6833,7 +7461,7 @@
           <a:p>
             <a:pPr lvl="1"/>
             <a:r>
-              <a:rPr>
+              <a:rPr sz="1800">
                 <a:latin typeface="Courier"/>
               </a:rPr>
               <a:t>nodesize=5</a:t>
@@ -6842,7 +7470,7 @@
           <a:p>
             <a:pPr lvl="1"/>
             <a:r>
-              <a:rPr>
+              <a:rPr sz="1800">
                 <a:latin typeface="Courier"/>
               </a:rPr>
               <a:t>ntree=500</a:t>
@@ -6998,7 +7626,7 @@
           <a:p>
             <a:pPr lvl="1"/>
             <a:r>
-              <a:rPr>
+              <a:rPr sz="1800">
                 <a:latin typeface="Courier"/>
               </a:rPr>
               <a:t>sampsize= 0.75*nrow(donnees.train)</a:t>
@@ -7007,7 +7635,7 @@
           <a:p>
             <a:pPr lvl="1"/>
             <a:r>
-              <a:rPr>
+              <a:rPr sz="1800">
                 <a:latin typeface="Courier"/>
               </a:rPr>
               <a:t>cp=0</a:t>
@@ -7016,7 +7644,7 @@
           <a:p>
             <a:pPr lvl="1"/>
             <a:r>
-              <a:rPr>
+              <a:rPr sz="1800">
                 <a:latin typeface="Courier"/>
               </a:rPr>
               <a:t>nodesize=5</a:t>
@@ -7025,7 +7653,7 @@
           <a:p>
             <a:pPr lvl="1"/>
             <a:r>
-              <a:rPr>
+              <a:rPr sz="1800">
                 <a:latin typeface="Courier"/>
               </a:rPr>
               <a:t>ntree=150</a:t>
@@ -7034,7 +7662,7 @@
           <a:p>
             <a:pPr lvl="1"/>
             <a:r>
-              <a:rPr>
+              <a:rPr sz="1800">
                 <a:latin typeface="Courier"/>
               </a:rPr>
               <a:t>mtry=8</a:t>
@@ -8802,7 +9430,7 @@
           <a:lstStyle/>
           <a:p>
             <a:pPr lvl="1">
-              <a:buAutoNum startAt="5" type="arabicPeriod"/>
+              <a:buAutoNum type="arabicPeriod"/>
             </a:pPr>
             <a:r>
               <a:rPr/>
@@ -8811,7 +9439,7 @@
           </a:p>
           <a:p>
             <a:pPr lvl="1">
-              <a:buAutoNum startAt="5" type="arabicPeriod"/>
+              <a:buAutoNum type="arabicPeriod"/>
             </a:pPr>
             <a:r>
               <a:rPr/>
@@ -8830,7 +9458,7 @@
           </a:p>
           <a:p>
             <a:pPr lvl="1">
-              <a:buAutoNum startAt="5" type="arabicPeriod"/>
+              <a:buAutoNum type="arabicPeriod"/>
             </a:pPr>
             <a:r>
               <a:rPr/>
@@ -8849,7 +9477,7 @@
           </a:p>
           <a:p>
             <a:pPr lvl="1">
-              <a:buAutoNum startAt="5" type="arabicPeriod"/>
+              <a:buAutoNum type="arabicPeriod"/>
             </a:pPr>
             <a:r>
               <a:rPr/>

--- a/PP.pptx
+++ b/PP.pptx
@@ -35,6 +35,16 @@
     <p:sldId id="283" r:id="rId29"/>
     <p:sldId id="284" r:id="rId30"/>
     <p:sldId id="285" r:id="rId31"/>
+    <p:sldId id="286" r:id="rId32"/>
+    <p:sldId id="287" r:id="rId33"/>
+    <p:sldId id="288" r:id="rId34"/>
+    <p:sldId id="289" r:id="rId35"/>
+    <p:sldId id="290" r:id="rId36"/>
+    <p:sldId id="291" r:id="rId37"/>
+    <p:sldId id="292" r:id="rId38"/>
+    <p:sldId id="293" r:id="rId39"/>
+    <p:sldId id="294" r:id="rId40"/>
+    <p:sldId id="295" r:id="rId41"/>
   </p:sldIdLst>
   <p:sldSz cx="12192000" cy="6858000"/>
   <p:notesSz cx="6858000" cy="9144000"/>
@@ -6162,11 +6172,15 @@
             <a:pPr lvl="1"/>
             <a:r>
               <a:rPr/>
-              <a:t>Modèle de </a:t>
+              <a:t>Modèle de boosting de gradient stochastique (</a:t>
             </a:r>
             <a:r>
               <a:rPr i="1"/>
-              <a:t>gradient boosting</a:t>
+              <a:t>GBM</a:t>
+            </a:r>
+            <a:r>
+              <a:rPr/>
+              <a:t>)</a:t>
             </a:r>
           </a:p>
         </p:txBody>
@@ -6625,7 +6639,7 @@
               <a:t>Optimisation de </a:t>
             </a:r>
             <a:r>
-              <a:rPr>
+              <a:rPr sz="1800">
                 <a:latin typeface="Courier"/>
               </a:rPr>
               <a:t>minbucket</a:t>
@@ -6638,7 +6652,7 @@
               <a:t>Optimisation du paramètre de compléxité (</a:t>
             </a:r>
             <a:r>
-              <a:rPr>
+              <a:rPr sz="1800">
                 <a:latin typeface="Courier"/>
               </a:rPr>
               <a:t>cp</a:t>
@@ -6651,7 +6665,7 @@
           <a:p>
             <a:pPr lvl="1"/>
             <a:r>
-              <a:rPr>
+              <a:rPr sz="1800">
                 <a:latin typeface="Courier"/>
               </a:rPr>
               <a:t>method="anova"</a:t>
@@ -6806,7 +6820,7 @@
           <a:p>
             <a:pPr lvl="1"/>
             <a:r>
-              <a:rPr>
+              <a:rPr sz="1800">
                 <a:latin typeface="Courier"/>
               </a:rPr>
               <a:t>sampsize= nrow(donnees.train)</a:t>
@@ -6815,7 +6829,7 @@
           <a:p>
             <a:pPr lvl="1"/>
             <a:r>
-              <a:rPr>
+              <a:rPr sz="1800">
                 <a:latin typeface="Courier"/>
               </a:rPr>
               <a:t>mtry=17</a:t>
@@ -6824,7 +6838,7 @@
           <a:p>
             <a:pPr lvl="1"/>
             <a:r>
-              <a:rPr>
+              <a:rPr sz="1800">
                 <a:latin typeface="Courier"/>
               </a:rPr>
               <a:t>cp=0</a:t>
@@ -6833,7 +6847,7 @@
           <a:p>
             <a:pPr lvl="1"/>
             <a:r>
-              <a:rPr>
+              <a:rPr sz="1800">
                 <a:latin typeface="Courier"/>
               </a:rPr>
               <a:t>nodesize=5</a:t>
@@ -6842,7 +6856,7 @@
           <a:p>
             <a:pPr lvl="1"/>
             <a:r>
-              <a:rPr>
+              <a:rPr sz="1800">
                 <a:latin typeface="Courier"/>
               </a:rPr>
               <a:t>ntree=500</a:t>
@@ -6998,7 +7012,7 @@
           <a:p>
             <a:pPr lvl="1"/>
             <a:r>
-              <a:rPr>
+              <a:rPr sz="1800">
                 <a:latin typeface="Courier"/>
               </a:rPr>
               <a:t>sampsize= 0.75*nrow(donnees.train)</a:t>
@@ -7007,7 +7021,7 @@
           <a:p>
             <a:pPr lvl="1"/>
             <a:r>
-              <a:rPr>
+              <a:rPr sz="1800">
                 <a:latin typeface="Courier"/>
               </a:rPr>
               <a:t>cp=0</a:t>
@@ -7016,7 +7030,7 @@
           <a:p>
             <a:pPr lvl="1"/>
             <a:r>
-              <a:rPr>
+              <a:rPr sz="1800">
                 <a:latin typeface="Courier"/>
               </a:rPr>
               <a:t>nodesize=5</a:t>
@@ -7025,7 +7039,7 @@
           <a:p>
             <a:pPr lvl="1"/>
             <a:r>
-              <a:rPr>
+              <a:rPr sz="1800">
                 <a:latin typeface="Courier"/>
               </a:rPr>
               <a:t>ntree=150</a:t>
@@ -7034,7 +7048,7 @@
           <a:p>
             <a:pPr lvl="1"/>
             <a:r>
-              <a:rPr>
+              <a:rPr sz="1800">
                 <a:latin typeface="Courier"/>
               </a:rPr>
               <a:t>mtry=8</a:t>
@@ -7175,16 +7189,71 @@
               <a:t> </a:t>
             </a:r>
             <a:r>
+              <a:rPr/>
+              <a:t>boosting</a:t>
+            </a:r>
+            <a:r>
+              <a:rPr/>
+              <a:t> </a:t>
+            </a:r>
+            <a:r>
+              <a:rPr/>
+              <a:t>de</a:t>
+            </a:r>
+            <a:r>
+              <a:rPr/>
+              <a:t> </a:t>
+            </a:r>
+            <a:r>
+              <a:rPr/>
+              <a:t>gradient</a:t>
+            </a:r>
+            <a:r>
+              <a:rPr/>
+              <a:t> </a:t>
+            </a:r>
+            <a:r>
+              <a:rPr/>
+              <a:t>stochastique</a:t>
+            </a:r>
+            <a:r>
+              <a:rPr/>
+              <a:t> </a:t>
+            </a:r>
+            <a:r>
+              <a:rPr/>
+              <a:t>(</a:t>
+            </a:r>
+            <a:r>
               <a:rPr i="1"/>
-              <a:t>gradient</a:t>
-            </a:r>
-            <a:r>
-              <a:rPr i="1"/>
-              <a:t> </a:t>
-            </a:r>
-            <a:r>
-              <a:rPr i="1"/>
-              <a:t>boosting</a:t>
+              <a:t>GBM</a:t>
+            </a:r>
+            <a:r>
+              <a:rPr/>
+              <a:t>)</a:t>
+            </a:r>
+          </a:p>
+        </p:txBody>
+      </p:sp>
+      <p:sp>
+        <p:nvSpPr>
+          <p:cNvPr id="3" name="Content Placeholder 2"/>
+          <p:cNvSpPr>
+            <a:spLocks noGrp="1"/>
+          </p:cNvSpPr>
+          <p:nvPr>
+            <p:ph idx="1"/>
+          </p:nvPr>
+        </p:nvSpPr>
+        <p:spPr/>
+        <p:txBody>
+          <a:bodyPr/>
+          <a:lstStyle/>
+          <a:p>
+            <a:pPr lvl="1"/>
+            <a:r>
+              <a:rPr/>
+              <a:t>Sélection des hyparamètres à optimiser</a:t>
             </a:r>
           </a:p>
         </p:txBody>
@@ -7242,6 +7311,632 @@
 </file>
 
 <file path=ppt/slides/slide20.xml><?xml version="1.0" encoding="utf-8"?>
+<p:sld xmlns:a="http://schemas.openxmlformats.org/drawingml/2006/main" xmlns:r="http://schemas.openxmlformats.org/officeDocument/2006/relationships" xmlns:p="http://schemas.openxmlformats.org/presentationml/2006/main">
+  <p:cSld>
+    <p:spTree>
+      <p:nvGrpSpPr>
+        <p:cNvPr id="1" name=""/>
+        <p:cNvGrpSpPr/>
+        <p:nvPr/>
+      </p:nvGrpSpPr>
+      <p:grpSpPr>
+        <a:xfrm>
+          <a:off x="0" y="0"/>
+          <a:ext cx="0" cy="0"/>
+          <a:chOff x="0" y="0"/>
+          <a:chExt cx="0" cy="0"/>
+        </a:xfrm>
+      </p:grpSpPr>
+      <p:pic>
+        <p:nvPicPr>
+          <p:cNvPr descr="PP_files/figure-pptx/unnamed-chunk-6-1.png" id="0" name="Picture 1"/>
+          <p:cNvPicPr>
+            <a:picLocks noGrp="1" noChangeAspect="1"/>
+          </p:cNvPicPr>
+          <p:nvPr/>
+        </p:nvPicPr>
+        <p:blipFill>
+          <a:blip r:embed="rId2"/>
+          <a:stretch>
+            <a:fillRect/>
+          </a:stretch>
+        </p:blipFill>
+        <p:spPr bwMode="auto">
+          <a:xfrm>
+            <a:off x="2540000" y="2159000"/>
+            <a:ext cx="4838700" cy="3873500"/>
+          </a:xfrm>
+          <a:prstGeom prst="rect">
+            <a:avLst/>
+          </a:prstGeom>
+          <a:noFill/>
+          <a:ln w="9525">
+            <a:noFill/>
+            <a:headEnd/>
+            <a:tailEnd/>
+          </a:ln>
+        </p:spPr>
+      </p:pic>
+    </p:spTree>
+  </p:cSld>
+</p:sld>
+</file>
+
+<file path=ppt/slides/slide21.xml><?xml version="1.0" encoding="utf-8"?>
+<p:sld xmlns:a="http://schemas.openxmlformats.org/drawingml/2006/main" xmlns:r="http://schemas.openxmlformats.org/officeDocument/2006/relationships" xmlns:p="http://schemas.openxmlformats.org/presentationml/2006/main">
+  <p:cSld>
+    <p:spTree>
+      <p:nvGrpSpPr>
+        <p:cNvPr id="1" name=""/>
+        <p:cNvGrpSpPr/>
+        <p:nvPr/>
+      </p:nvGrpSpPr>
+      <p:grpSpPr>
+        <a:xfrm>
+          <a:off x="0" y="0"/>
+          <a:ext cx="0" cy="0"/>
+          <a:chOff x="0" y="0"/>
+          <a:chExt cx="0" cy="0"/>
+        </a:xfrm>
+      </p:grpSpPr>
+      <p:sp>
+        <p:nvSpPr>
+          <p:cNvPr id="2" name="Title 1"/>
+          <p:cNvSpPr>
+            <a:spLocks noGrp="1"/>
+          </p:cNvSpPr>
+          <p:nvPr>
+            <p:ph type="title"/>
+          </p:nvPr>
+        </p:nvSpPr>
+        <p:spPr/>
+        <p:txBody>
+          <a:bodyPr/>
+          <a:lstStyle/>
+          <a:p>
+            <a:pPr lvl="0" marL="0" indent="0">
+              <a:buNone/>
+            </a:pPr>
+            <a:r>
+              <a:rPr/>
+              <a:t>Modèles</a:t>
+            </a:r>
+            <a:r>
+              <a:rPr/>
+              <a:t> </a:t>
+            </a:r>
+            <a:r>
+              <a:rPr/>
+              <a:t>testés</a:t>
+            </a:r>
+            <a:r>
+              <a:rPr/>
+              <a:t> </a:t>
+            </a:r>
+            <a:r>
+              <a:rPr/>
+              <a:t>-</a:t>
+            </a:r>
+            <a:r>
+              <a:rPr/>
+              <a:t> </a:t>
+            </a:r>
+            <a:r>
+              <a:rPr/>
+              <a:t>Modèle</a:t>
+            </a:r>
+            <a:r>
+              <a:rPr/>
+              <a:t> </a:t>
+            </a:r>
+            <a:r>
+              <a:rPr/>
+              <a:t>de</a:t>
+            </a:r>
+            <a:r>
+              <a:rPr/>
+              <a:t> </a:t>
+            </a:r>
+            <a:r>
+              <a:rPr/>
+              <a:t>boosting</a:t>
+            </a:r>
+            <a:r>
+              <a:rPr/>
+              <a:t> </a:t>
+            </a:r>
+            <a:r>
+              <a:rPr/>
+              <a:t>de</a:t>
+            </a:r>
+            <a:r>
+              <a:rPr/>
+              <a:t> </a:t>
+            </a:r>
+            <a:r>
+              <a:rPr/>
+              <a:t>gradient</a:t>
+            </a:r>
+            <a:r>
+              <a:rPr/>
+              <a:t> </a:t>
+            </a:r>
+            <a:r>
+              <a:rPr/>
+              <a:t>stochastique</a:t>
+            </a:r>
+            <a:r>
+              <a:rPr/>
+              <a:t> </a:t>
+            </a:r>
+            <a:r>
+              <a:rPr/>
+              <a:t>(</a:t>
+            </a:r>
+            <a:r>
+              <a:rPr i="1"/>
+              <a:t>GBM</a:t>
+            </a:r>
+            <a:r>
+              <a:rPr/>
+              <a:t>)</a:t>
+            </a:r>
+            <a:r>
+              <a:rPr/>
+              <a:t> </a:t>
+            </a:r>
+            <a:r>
+              <a:rPr/>
+              <a:t>(suite)</a:t>
+            </a:r>
+          </a:p>
+        </p:txBody>
+      </p:sp>
+      <p:graphicFrame>
+        <p:nvGraphicFramePr>
+          <p:cNvPr id="6" name="Content Placeholder 5"/>
+          <p:cNvGraphicFramePr>
+            <a:graphicFrameLocks noGrp="1"/>
+          </p:cNvGraphicFramePr>
+          <p:nvPr>
+            <p:ph idx="1"/>
+          </p:nvPr>
+        </p:nvGraphicFramePr>
+        <p:xfrm>
+          <a:off x="673100" y="2159000"/>
+          <a:ext cx="8585200" cy="3365500"/>
+        </p:xfrm>
+        <a:graphic>
+          <a:graphicData uri="http://schemas.openxmlformats.org/drawingml/2006/table">
+            <a:tbl>
+              <a:tblPr firstRow="1" bandRow="1">
+                <a:tableStyleId>{5C22544A-7EE6-4342-B048-85BDC9FD1C3A}</a:tableStyleId>
+              </a:tblPr>
+              <a:tblGrid>
+                <a:gridCol w="2857500"/>
+                <a:gridCol w="2857500"/>
+                <a:gridCol w="2857500"/>
+              </a:tblGrid>
+              <a:tr h="0">
+                <a:tc>
+                  <a:txBody>
+                    <a:bodyPr/>
+                    <a:lstStyle/>
+                    <a:p>
+                      <a:pPr lvl="0" marL="0" indent="0" algn="r">
+                        <a:buNone/>
+                      </a:pPr>
+                      <a:r>
+                        <a:rPr/>
+                        <a:t>Profondeur</a:t>
+                      </a:r>
+                      <a:r>
+                        <a:rPr/>
+                        <a:t> </a:t>
+                      </a:r>
+                      <a:r>
+                        <a:rPr/>
+                        <a:t>d</a:t>
+                      </a:r>
+                    </a:p>
+                  </a:txBody>
+                  <a:tcPr/>
+                </a:tc>
+                <a:tc>
+                  <a:txBody>
+                    <a:bodyPr/>
+                    <a:lstStyle/>
+                    <a:p>
+                      <a:pPr lvl="0" marL="0" indent="0" algn="r">
+                        <a:buNone/>
+                      </a:pPr>
+                      <a:r>
+                        <a:rPr/>
+                        <a:t>Nombre</a:t>
+                      </a:r>
+                      <a:r>
+                        <a:rPr/>
+                        <a:t> </a:t>
+                      </a:r>
+                      <a:r>
+                        <a:rPr/>
+                        <a:t>d’itérations</a:t>
+                      </a:r>
+                      <a:r>
+                        <a:rPr/>
+                        <a:t> </a:t>
+                      </a:r>
+                      <a:r>
+                        <a:rPr/>
+                        <a:t>optimal</a:t>
+                      </a:r>
+                    </a:p>
+                  </a:txBody>
+                  <a:tcPr/>
+                </a:tc>
+                <a:tc>
+                  <a:txBody>
+                    <a:bodyPr/>
+                    <a:lstStyle/>
+                    <a:p>
+                      <a:pPr lvl="0" marL="0" indent="0" algn="r">
+                        <a:buNone/>
+                      </a:pPr>
+                      <a:r>
+                        <a:rPr/>
+                        <a:t>EQM</a:t>
+                      </a:r>
+                      <a:r>
+                        <a:rPr/>
+                        <a:t> </a:t>
+                      </a:r>
+                      <a:r>
+                        <a:rPr/>
+                        <a:t>de</a:t>
+                      </a:r>
+                      <a:r>
+                        <a:rPr/>
+                        <a:t> </a:t>
+                      </a:r>
+                      <a:r>
+                        <a:rPr/>
+                        <a:t>validation</a:t>
+                      </a:r>
+                      <a:r>
+                        <a:rPr/>
+                        <a:t> </a:t>
+                      </a:r>
+                      <a:r>
+                        <a:rPr/>
+                        <a:t>croisée</a:t>
+                      </a:r>
+                    </a:p>
+                  </a:txBody>
+                  <a:tcPr/>
+                </a:tc>
+              </a:tr>
+              <a:tr h="0">
+                <a:tc>
+                  <a:txBody>
+                    <a:bodyPr/>
+                    <a:lstStyle/>
+                    <a:p>
+                      <a:pPr lvl="0" marL="0" indent="0" algn="r">
+                        <a:buNone/>
+                      </a:pPr>
+                      <a:r>
+                        <a:rPr/>
+                        <a:t>3</a:t>
+                      </a:r>
+                    </a:p>
+                  </a:txBody>
+                </a:tc>
+                <a:tc>
+                  <a:txBody>
+                    <a:bodyPr/>
+                    <a:lstStyle/>
+                    <a:p>
+                      <a:pPr lvl="0" marL="0" indent="0" algn="r">
+                        <a:buNone/>
+                      </a:pPr>
+                      <a:r>
+                        <a:rPr/>
+                        <a:t>29884</a:t>
+                      </a:r>
+                    </a:p>
+                  </a:txBody>
+                </a:tc>
+                <a:tc>
+                  <a:txBody>
+                    <a:bodyPr/>
+                    <a:lstStyle/>
+                    <a:p>
+                      <a:pPr lvl="0" marL="0" indent="0" algn="r">
+                        <a:buNone/>
+                      </a:pPr>
+                      <a:r>
+                        <a:rPr/>
+                        <a:t>0.027029</a:t>
+                      </a:r>
+                    </a:p>
+                  </a:txBody>
+                </a:tc>
+              </a:tr>
+              <a:tr h="0">
+                <a:tc>
+                  <a:txBody>
+                    <a:bodyPr/>
+                    <a:lstStyle/>
+                    <a:p>
+                      <a:pPr lvl="0" marL="0" indent="0" algn="r">
+                        <a:buNone/>
+                      </a:pPr>
+                      <a:r>
+                        <a:rPr/>
+                        <a:t>5</a:t>
+                      </a:r>
+                    </a:p>
+                  </a:txBody>
+                </a:tc>
+                <a:tc>
+                  <a:txBody>
+                    <a:bodyPr/>
+                    <a:lstStyle/>
+                    <a:p>
+                      <a:pPr lvl="0" marL="0" indent="0" algn="r">
+                        <a:buNone/>
+                      </a:pPr>
+                      <a:r>
+                        <a:rPr/>
+                        <a:t>18905</a:t>
+                      </a:r>
+                    </a:p>
+                  </a:txBody>
+                </a:tc>
+                <a:tc>
+                  <a:txBody>
+                    <a:bodyPr/>
+                    <a:lstStyle/>
+                    <a:p>
+                      <a:pPr lvl="0" marL="0" indent="0" algn="r">
+                        <a:buNone/>
+                      </a:pPr>
+                      <a:r>
+                        <a:rPr/>
+                        <a:t>0.026559</a:t>
+                      </a:r>
+                    </a:p>
+                  </a:txBody>
+                </a:tc>
+              </a:tr>
+              <a:tr h="0">
+                <a:tc>
+                  <a:txBody>
+                    <a:bodyPr/>
+                    <a:lstStyle/>
+                    <a:p>
+                      <a:pPr lvl="0" marL="0" indent="0" algn="r">
+                        <a:buNone/>
+                      </a:pPr>
+                      <a:r>
+                        <a:rPr/>
+                        <a:t>7</a:t>
+                      </a:r>
+                    </a:p>
+                  </a:txBody>
+                </a:tc>
+                <a:tc>
+                  <a:txBody>
+                    <a:bodyPr/>
+                    <a:lstStyle/>
+                    <a:p>
+                      <a:pPr lvl="0" marL="0" indent="0" algn="r">
+                        <a:buNone/>
+                      </a:pPr>
+                      <a:r>
+                        <a:rPr/>
+                        <a:t>12676</a:t>
+                      </a:r>
+                    </a:p>
+                  </a:txBody>
+                </a:tc>
+                <a:tc>
+                  <a:txBody>
+                    <a:bodyPr/>
+                    <a:lstStyle/>
+                    <a:p>
+                      <a:pPr lvl="0" marL="0" indent="0" algn="r">
+                        <a:buNone/>
+                      </a:pPr>
+                      <a:r>
+                        <a:rPr/>
+                        <a:t>0.026556</a:t>
+                      </a:r>
+                    </a:p>
+                  </a:txBody>
+                </a:tc>
+              </a:tr>
+              <a:tr h="0">
+                <a:tc>
+                  <a:txBody>
+                    <a:bodyPr/>
+                    <a:lstStyle/>
+                    <a:p>
+                      <a:pPr lvl="0" marL="0" indent="0" algn="r">
+                        <a:buNone/>
+                      </a:pPr>
+                      <a:r>
+                        <a:rPr/>
+                        <a:t>9</a:t>
+                      </a:r>
+                    </a:p>
+                  </a:txBody>
+                </a:tc>
+                <a:tc>
+                  <a:txBody>
+                    <a:bodyPr/>
+                    <a:lstStyle/>
+                    <a:p>
+                      <a:pPr lvl="0" marL="0" indent="0" algn="r">
+                        <a:buNone/>
+                      </a:pPr>
+                      <a:r>
+                        <a:rPr/>
+                        <a:t>10515</a:t>
+                      </a:r>
+                    </a:p>
+                  </a:txBody>
+                </a:tc>
+                <a:tc>
+                  <a:txBody>
+                    <a:bodyPr/>
+                    <a:lstStyle/>
+                    <a:p>
+                      <a:pPr lvl="0" marL="0" indent="0" algn="r">
+                        <a:buNone/>
+                      </a:pPr>
+                      <a:r>
+                        <a:rPr/>
+                        <a:t>0.026378</a:t>
+                      </a:r>
+                    </a:p>
+                  </a:txBody>
+                </a:tc>
+              </a:tr>
+            </a:tbl>
+          </a:graphicData>
+        </a:graphic>
+      </p:graphicFrame>
+      <p:sp>
+        <p:nvSpPr>
+          <p:cNvPr id="1" name="TextBox 3"/>
+          <p:cNvSpPr txBox="1"/>
+          <p:nvPr/>
+        </p:nvSpPr>
+        <p:spPr>
+          <a:xfrm>
+            <a:off x="673100" y="5524500"/>
+            <a:ext cx="8585200" cy="508000"/>
+          </a:xfrm>
+          <a:prstGeom prst="rect">
+            <a:avLst/>
+          </a:prstGeom>
+          <a:noFill/>
+        </p:spPr>
+        <p:txBody>
+          <a:bodyPr/>
+          <a:lstStyle/>
+          <a:p>
+            <a:pPr lvl="0" marL="0" indent="0" algn="ctr">
+              <a:buNone/>
+            </a:pPr>
+            <a:r>
+              <a:rPr/>
+              <a:t>L’EQM</a:t>
+            </a:r>
+            <a:r>
+              <a:rPr/>
+              <a:t> </a:t>
+            </a:r>
+            <a:r>
+              <a:rPr/>
+              <a:t>des</a:t>
+            </a:r>
+            <a:r>
+              <a:rPr/>
+              <a:t> </a:t>
+            </a:r>
+            <a:r>
+              <a:rPr/>
+              <a:t>modèles</a:t>
+            </a:r>
+            <a:r>
+              <a:rPr/>
+              <a:t> </a:t>
+            </a:r>
+            <a:r>
+              <a:rPr/>
+              <a:t>testés</a:t>
+            </a:r>
+          </a:p>
+        </p:txBody>
+      </p:sp>
+    </p:spTree>
+  </p:cSld>
+</p:sld>
+</file>
+
+<file path=ppt/slides/slide22.xml><?xml version="1.0" encoding="utf-8"?>
+<p:sld xmlns:a="http://schemas.openxmlformats.org/drawingml/2006/main" xmlns:r="http://schemas.openxmlformats.org/officeDocument/2006/relationships" xmlns:p="http://schemas.openxmlformats.org/presentationml/2006/main">
+  <p:cSld>
+    <p:spTree>
+      <p:nvGrpSpPr>
+        <p:cNvPr id="1" name=""/>
+        <p:cNvGrpSpPr/>
+        <p:nvPr/>
+      </p:nvGrpSpPr>
+      <p:grpSpPr>
+        <a:xfrm>
+          <a:off x="0" y="0"/>
+          <a:ext cx="0" cy="0"/>
+          <a:chOff x="0" y="0"/>
+          <a:chExt cx="0" cy="0"/>
+        </a:xfrm>
+      </p:grpSpPr>
+      <p:sp>
+        <p:nvSpPr>
+          <p:cNvPr id="3" name="Content Placeholder 2"/>
+          <p:cNvSpPr>
+            <a:spLocks noGrp="1"/>
+          </p:cNvSpPr>
+          <p:nvPr>
+            <p:ph idx="1"/>
+          </p:nvPr>
+        </p:nvSpPr>
+        <p:spPr/>
+        <p:txBody>
+          <a:bodyPr/>
+          <a:lstStyle/>
+          <a:p>
+            <a:pPr lvl="1"/>
+            <a:r>
+              <a:rPr/>
+              <a:t>Comparaison selon l’EQM de validation croisée</a:t>
+            </a:r>
+          </a:p>
+          <a:p>
+            <a:pPr lvl="1"/>
+            <a:r>
+              <a:rPr/>
+              <a:t>Modèle final:</a:t>
+            </a:r>
+          </a:p>
+          <a:p>
+            <a:pPr lvl="2"/>
+            <a:r>
+              <a:rPr sz="1800">
+                <a:latin typeface="Courier"/>
+              </a:rPr>
+              <a:t>d=9</a:t>
+            </a:r>
+          </a:p>
+          <a:p>
+            <a:pPr lvl="2"/>
+            <a:r>
+              <a:rPr sz="1800">
+                <a:latin typeface="Courier"/>
+              </a:rPr>
+              <a:t>T=10515</a:t>
+            </a:r>
+          </a:p>
+        </p:txBody>
+      </p:sp>
+    </p:spTree>
+  </p:cSld>
+</p:sld>
+</file>
+
+<file path=ppt/slides/slide23.xml><?xml version="1.0" encoding="utf-8"?>
 <p:sld xmlns:a="http://schemas.openxmlformats.org/drawingml/2006/main" xmlns:r="http://schemas.openxmlformats.org/officeDocument/2006/relationships" xmlns:p="http://schemas.openxmlformats.org/presentationml/2006/main">
   <p:cSld>
     <p:spTree>
@@ -7740,277 +8435,6 @@
 </p:sld>
 </file>
 
-<file path=ppt/slides/slide21.xml><?xml version="1.0" encoding="utf-8"?>
-<p:sld xmlns:a="http://schemas.openxmlformats.org/drawingml/2006/main" xmlns:r="http://schemas.openxmlformats.org/officeDocument/2006/relationships" xmlns:p="http://schemas.openxmlformats.org/presentationml/2006/main">
-  <p:cSld>
-    <p:spTree>
-      <p:nvGrpSpPr>
-        <p:cNvPr id="1" name=""/>
-        <p:cNvGrpSpPr/>
-        <p:nvPr/>
-      </p:nvGrpSpPr>
-      <p:grpSpPr>
-        <a:xfrm>
-          <a:off x="0" y="0"/>
-          <a:ext cx="0" cy="0"/>
-          <a:chOff x="0" y="0"/>
-          <a:chExt cx="0" cy="0"/>
-        </a:xfrm>
-      </p:grpSpPr>
-      <p:sp>
-        <p:nvSpPr>
-          <p:cNvPr id="2" name="Title 1"/>
-          <p:cNvSpPr>
-            <a:spLocks noGrp="1"/>
-          </p:cNvSpPr>
-          <p:nvPr>
-            <p:ph type="title"/>
-          </p:nvPr>
-        </p:nvSpPr>
-        <p:spPr/>
-        <p:txBody>
-          <a:bodyPr/>
-          <a:lstStyle/>
-          <a:p>
-            <a:pPr lvl="0" marL="0" indent="0">
-              <a:buNone/>
-            </a:pPr>
-            <a:r>
-              <a:rPr/>
-              <a:t>Forêt</a:t>
-            </a:r>
-            <a:r>
-              <a:rPr/>
-              <a:t> </a:t>
-            </a:r>
-            <a:r>
-              <a:rPr/>
-              <a:t>aléatoire</a:t>
-            </a:r>
-          </a:p>
-        </p:txBody>
-      </p:sp>
-      <p:pic>
-        <p:nvPicPr>
-          <p:cNvPr descr="PP_files/figure-pptx/unnamed-chunk-7-1.png" id="0" name="Picture 1"/>
-          <p:cNvPicPr>
-            <a:picLocks noGrp="1" noChangeAspect="1"/>
-          </p:cNvPicPr>
-          <p:nvPr/>
-        </p:nvPicPr>
-        <p:blipFill>
-          <a:blip r:embed="rId2"/>
-          <a:stretch>
-            <a:fillRect/>
-          </a:stretch>
-        </p:blipFill>
-        <p:spPr bwMode="auto">
-          <a:xfrm>
-            <a:off x="2540000" y="2159000"/>
-            <a:ext cx="4838700" cy="3873500"/>
-          </a:xfrm>
-          <a:prstGeom prst="rect">
-            <a:avLst/>
-          </a:prstGeom>
-          <a:noFill/>
-          <a:ln w="9525">
-            <a:noFill/>
-            <a:headEnd/>
-            <a:tailEnd/>
-          </a:ln>
-        </p:spPr>
-      </p:pic>
-    </p:spTree>
-  </p:cSld>
-</p:sld>
-</file>
-
-<file path=ppt/slides/slide22.xml><?xml version="1.0" encoding="utf-8"?>
-<p:sld xmlns:a="http://schemas.openxmlformats.org/drawingml/2006/main" xmlns:r="http://schemas.openxmlformats.org/officeDocument/2006/relationships" xmlns:p="http://schemas.openxmlformats.org/presentationml/2006/main">
-  <p:cSld>
-    <p:spTree>
-      <p:nvGrpSpPr>
-        <p:cNvPr id="1" name=""/>
-        <p:cNvGrpSpPr/>
-        <p:nvPr/>
-      </p:nvGrpSpPr>
-      <p:grpSpPr>
-        <a:xfrm>
-          <a:off x="0" y="0"/>
-          <a:ext cx="0" cy="0"/>
-          <a:chOff x="0" y="0"/>
-          <a:chExt cx="0" cy="0"/>
-        </a:xfrm>
-      </p:grpSpPr>
-      <p:sp>
-        <p:nvSpPr>
-          <p:cNvPr id="2" name="Title 1"/>
-          <p:cNvSpPr>
-            <a:spLocks noGrp="1"/>
-          </p:cNvSpPr>
-          <p:nvPr>
-            <p:ph type="title"/>
-          </p:nvPr>
-        </p:nvSpPr>
-        <p:spPr/>
-        <p:txBody>
-          <a:bodyPr/>
-          <a:lstStyle/>
-          <a:p>
-            <a:pPr lvl="0" marL="0" indent="0">
-              <a:buNone/>
-            </a:pPr>
-            <a:r>
-              <a:rPr/>
-              <a:t>Forêt</a:t>
-            </a:r>
-            <a:r>
-              <a:rPr/>
-              <a:t> </a:t>
-            </a:r>
-            <a:r>
-              <a:rPr/>
-              <a:t>aléatoire</a:t>
-            </a:r>
-            <a:r>
-              <a:rPr/>
-              <a:t> </a:t>
-            </a:r>
-            <a:r>
-              <a:rPr/>
-              <a:t>(suite)</a:t>
-            </a:r>
-          </a:p>
-        </p:txBody>
-      </p:sp>
-      <p:pic>
-        <p:nvPicPr>
-          <p:cNvPr descr="PP_files/figure-pptx/unnamed-chunk-8-1.png" id="0" name="Picture 1"/>
-          <p:cNvPicPr>
-            <a:picLocks noGrp="1" noChangeAspect="1"/>
-          </p:cNvPicPr>
-          <p:nvPr/>
-        </p:nvPicPr>
-        <p:blipFill>
-          <a:blip r:embed="rId2"/>
-          <a:stretch>
-            <a:fillRect/>
-          </a:stretch>
-        </p:blipFill>
-        <p:spPr bwMode="auto">
-          <a:xfrm>
-            <a:off x="2540000" y="2159000"/>
-            <a:ext cx="4838700" cy="3873500"/>
-          </a:xfrm>
-          <a:prstGeom prst="rect">
-            <a:avLst/>
-          </a:prstGeom>
-          <a:noFill/>
-          <a:ln w="9525">
-            <a:noFill/>
-            <a:headEnd/>
-            <a:tailEnd/>
-          </a:ln>
-        </p:spPr>
-      </p:pic>
-    </p:spTree>
-  </p:cSld>
-</p:sld>
-</file>
-
-<file path=ppt/slides/slide23.xml><?xml version="1.0" encoding="utf-8"?>
-<p:sld xmlns:a="http://schemas.openxmlformats.org/drawingml/2006/main" xmlns:r="http://schemas.openxmlformats.org/officeDocument/2006/relationships" xmlns:p="http://schemas.openxmlformats.org/presentationml/2006/main">
-  <p:cSld>
-    <p:spTree>
-      <p:nvGrpSpPr>
-        <p:cNvPr id="1" name=""/>
-        <p:cNvGrpSpPr/>
-        <p:nvPr/>
-      </p:nvGrpSpPr>
-      <p:grpSpPr>
-        <a:xfrm>
-          <a:off x="0" y="0"/>
-          <a:ext cx="0" cy="0"/>
-          <a:chOff x="0" y="0"/>
-          <a:chExt cx="0" cy="0"/>
-        </a:xfrm>
-      </p:grpSpPr>
-      <p:sp>
-        <p:nvSpPr>
-          <p:cNvPr id="2" name="Title 1"/>
-          <p:cNvSpPr>
-            <a:spLocks noGrp="1"/>
-          </p:cNvSpPr>
-          <p:nvPr>
-            <p:ph type="title"/>
-          </p:nvPr>
-        </p:nvSpPr>
-        <p:spPr/>
-        <p:txBody>
-          <a:bodyPr/>
-          <a:lstStyle/>
-          <a:p>
-            <a:pPr lvl="0" marL="0" indent="0">
-              <a:buNone/>
-            </a:pPr>
-            <a:r>
-              <a:rPr/>
-              <a:t>Forêt</a:t>
-            </a:r>
-            <a:r>
-              <a:rPr/>
-              <a:t> </a:t>
-            </a:r>
-            <a:r>
-              <a:rPr/>
-              <a:t>aléatoire</a:t>
-            </a:r>
-            <a:r>
-              <a:rPr/>
-              <a:t> </a:t>
-            </a:r>
-            <a:r>
-              <a:rPr/>
-              <a:t>(suite)</a:t>
-            </a:r>
-          </a:p>
-        </p:txBody>
-      </p:sp>
-      <p:pic>
-        <p:nvPicPr>
-          <p:cNvPr descr="PP_files/figure-pptx/unnamed-chunk-9-1.png" id="0" name="Picture 1"/>
-          <p:cNvPicPr>
-            <a:picLocks noGrp="1" noChangeAspect="1"/>
-          </p:cNvPicPr>
-          <p:nvPr/>
-        </p:nvPicPr>
-        <p:blipFill>
-          <a:blip r:embed="rId2"/>
-          <a:stretch>
-            <a:fillRect/>
-          </a:stretch>
-        </p:blipFill>
-        <p:spPr bwMode="auto">
-          <a:xfrm>
-            <a:off x="2540000" y="2159000"/>
-            <a:ext cx="4838700" cy="3873500"/>
-          </a:xfrm>
-          <a:prstGeom prst="rect">
-            <a:avLst/>
-          </a:prstGeom>
-          <a:noFill/>
-          <a:ln w="9525">
-            <a:noFill/>
-            <a:headEnd/>
-            <a:tailEnd/>
-          </a:ln>
-        </p:spPr>
-      </p:pic>
-    </p:spTree>
-  </p:cSld>
-</p:sld>
-</file>
-
 <file path=ppt/slides/slide24.xml><?xml version="1.0" encoding="utf-8"?>
 <p:sld xmlns:a="http://schemas.openxmlformats.org/drawingml/2006/main" xmlns:r="http://schemas.openxmlformats.org/officeDocument/2006/relationships" xmlns:p="http://schemas.openxmlformats.org/presentationml/2006/main">
   <p:cSld>
@@ -8058,20 +8482,12 @@
               <a:rPr/>
               <a:t>aléatoire</a:t>
             </a:r>
-            <a:r>
-              <a:rPr/>
-              <a:t> </a:t>
-            </a:r>
-            <a:r>
-              <a:rPr/>
-              <a:t>(suite)</a:t>
-            </a:r>
           </a:p>
         </p:txBody>
       </p:sp>
       <p:pic>
         <p:nvPicPr>
-          <p:cNvPr descr="PP_files/figure-pptx/unnamed-chunk-10-1.png" id="0" name="Picture 1"/>
+          <p:cNvPr descr="PP_files/figure-pptx/unnamed-chunk-9-1.png" id="0" name="Picture 1"/>
           <p:cNvPicPr>
             <a:picLocks noGrp="1" noChangeAspect="1"/>
           </p:cNvPicPr>
@@ -8164,7 +8580,7 @@
       </p:sp>
       <p:pic>
         <p:nvPicPr>
-          <p:cNvPr descr="PP_files/figure-pptx/unnamed-chunk-11-1.png" id="0" name="Picture 1"/>
+          <p:cNvPr descr="PP_files/figure-pptx/unnamed-chunk-10-1.png" id="0" name="Picture 1"/>
           <p:cNvPicPr>
             <a:picLocks noGrp="1" noChangeAspect="1"/>
           </p:cNvPicPr>
@@ -8257,7 +8673,7 @@
       </p:sp>
       <p:pic>
         <p:nvPicPr>
-          <p:cNvPr descr="PP_files/figure-pptx/unnamed-chunk-12-1.png" id="0" name="Picture 1"/>
+          <p:cNvPr descr="PP_files/figure-pptx/unnamed-chunk-11-1.png" id="0" name="Picture 1"/>
           <p:cNvPicPr>
             <a:picLocks noGrp="1" noChangeAspect="1"/>
           </p:cNvPicPr>
@@ -8327,35 +8743,57 @@
             </a:pPr>
             <a:r>
               <a:rPr/>
-              <a:t>Modèle</a:t>
-            </a:r>
-            <a:r>
-              <a:rPr/>
-              <a:t> </a:t>
-            </a:r>
-            <a:r>
-              <a:rPr/>
-              <a:t>de</a:t>
-            </a:r>
-            <a:r>
-              <a:rPr/>
-              <a:t> </a:t>
-            </a:r>
-            <a:r>
-              <a:rPr i="1"/>
-              <a:t>gradient</a:t>
-            </a:r>
-            <a:r>
-              <a:rPr i="1"/>
-              <a:t> </a:t>
-            </a:r>
-            <a:r>
-              <a:rPr i="1"/>
-              <a:t>boosting</a:t>
-            </a:r>
-          </a:p>
-        </p:txBody>
-      </p:sp>
+              <a:t>Forêt</a:t>
+            </a:r>
+            <a:r>
+              <a:rPr/>
+              <a:t> </a:t>
+            </a:r>
+            <a:r>
+              <a:rPr/>
+              <a:t>aléatoire</a:t>
+            </a:r>
+            <a:r>
+              <a:rPr/>
+              <a:t> </a:t>
+            </a:r>
+            <a:r>
+              <a:rPr/>
+              <a:t>(suite)</a:t>
+            </a:r>
+          </a:p>
+        </p:txBody>
+      </p:sp>
+      <p:pic>
+        <p:nvPicPr>
+          <p:cNvPr descr="PP_files/figure-pptx/unnamed-chunk-12-1.png" id="0" name="Picture 1"/>
+          <p:cNvPicPr>
+            <a:picLocks noGrp="1" noChangeAspect="1"/>
+          </p:cNvPicPr>
+          <p:nvPr/>
+        </p:nvPicPr>
+        <p:blipFill>
+          <a:blip r:embed="rId2"/>
+          <a:stretch>
+            <a:fillRect/>
+          </a:stretch>
+        </p:blipFill>
+        <p:spPr bwMode="auto">
+          <a:xfrm>
+            <a:off x="2540000" y="2159000"/>
+            <a:ext cx="4838700" cy="3873500"/>
+          </a:xfrm>
+          <a:prstGeom prst="rect">
+            <a:avLst/>
+          </a:prstGeom>
+          <a:noFill/>
+          <a:ln w="9525">
+            <a:noFill/>
+            <a:headEnd/>
+            <a:tailEnd/>
+          </a:ln>
+        </p:spPr>
+      </p:pic>
     </p:spTree>
   </p:cSld>
 </p:sld>
@@ -8398,62 +8836,57 @@
             </a:pPr>
             <a:r>
               <a:rPr/>
-              <a:t>Conclusion</a:t>
-            </a:r>
-          </a:p>
-        </p:txBody>
-      </p:sp>
-      <p:sp>
-        <p:nvSpPr>
-          <p:cNvPr id="3" name="Content Placeholder 2"/>
-          <p:cNvSpPr>
-            <a:spLocks noGrp="1"/>
-          </p:cNvSpPr>
-          <p:nvPr>
-            <p:ph idx="1"/>
-          </p:nvPr>
-        </p:nvSpPr>
-        <p:spPr/>
-        <p:txBody>
-          <a:bodyPr/>
-          <a:lstStyle/>
-          <a:p>
-            <a:pPr lvl="1"/>
-            <a:r>
-              <a:rPr/>
-              <a:t>Modèle GBM retenu</a:t>
-            </a:r>
-          </a:p>
-          <a:p>
-            <a:pPr lvl="1"/>
-            <a:r>
-              <a:rPr/>
-              <a:t>Limitations</a:t>
-            </a:r>
-          </a:p>
-          <a:p>
-            <a:pPr lvl="2"/>
-            <a:r>
-              <a:rPr/>
-              <a:t>Échelle logarithmique</a:t>
-            </a:r>
-          </a:p>
-          <a:p>
-            <a:pPr lvl="2"/>
-            <a:r>
-              <a:rPr/>
-              <a:t>Effet de l’inflation</a:t>
-            </a:r>
-          </a:p>
-          <a:p>
-            <a:pPr lvl="1"/>
-            <a:r>
-              <a:rPr/>
-              <a:t>Possibilité d’utilisation dans d’autres zones géographiques</a:t>
-            </a:r>
-          </a:p>
-        </p:txBody>
-      </p:sp>
+              <a:t>Forêt</a:t>
+            </a:r>
+            <a:r>
+              <a:rPr/>
+              <a:t> </a:t>
+            </a:r>
+            <a:r>
+              <a:rPr/>
+              <a:t>aléatoire</a:t>
+            </a:r>
+            <a:r>
+              <a:rPr/>
+              <a:t> </a:t>
+            </a:r>
+            <a:r>
+              <a:rPr/>
+              <a:t>(suite)</a:t>
+            </a:r>
+          </a:p>
+        </p:txBody>
+      </p:sp>
+      <p:pic>
+        <p:nvPicPr>
+          <p:cNvPr descr="PP_files/figure-pptx/unnamed-chunk-13-1.png" id="0" name="Picture 1"/>
+          <p:cNvPicPr>
+            <a:picLocks noGrp="1" noChangeAspect="1"/>
+          </p:cNvPicPr>
+          <p:nvPr/>
+        </p:nvPicPr>
+        <p:blipFill>
+          <a:blip r:embed="rId2"/>
+          <a:stretch>
+            <a:fillRect/>
+          </a:stretch>
+        </p:blipFill>
+        <p:spPr bwMode="auto">
+          <a:xfrm>
+            <a:off x="2540000" y="2159000"/>
+            <a:ext cx="4838700" cy="3873500"/>
+          </a:xfrm>
+          <a:prstGeom prst="rect">
+            <a:avLst/>
+          </a:prstGeom>
+          <a:noFill/>
+          <a:ln w="9525">
+            <a:noFill/>
+            <a:headEnd/>
+            <a:tailEnd/>
+          </a:ln>
+        </p:spPr>
+      </p:pic>
     </p:spTree>
   </p:cSld>
 </p:sld>
@@ -8496,99 +8929,57 @@
             </a:pPr>
             <a:r>
               <a:rPr/>
-              <a:t>Bibliographie</a:t>
-            </a:r>
-          </a:p>
-        </p:txBody>
-      </p:sp>
-      <p:sp>
-        <p:nvSpPr>
-          <p:cNvPr id="3" name="Content Placeholder 2"/>
-          <p:cNvSpPr>
-            <a:spLocks noGrp="1"/>
-          </p:cNvSpPr>
-          <p:nvPr>
-            <p:ph idx="1"/>
-          </p:nvPr>
-        </p:nvSpPr>
-        <p:spPr/>
-        <p:txBody>
-          <a:bodyPr/>
-          <a:lstStyle/>
-          <a:p>
-            <a:pPr lvl="1">
-              <a:buAutoNum type="arabicPeriod"/>
-            </a:pPr>
-            <a:r>
-              <a:rPr/>
-              <a:t>Kaggle, harlfoxen (2017). House sales in King County, USA. Récupéré le 27 février 2020 de </a:t>
-            </a:r>
-            <a:r>
-              <a:rPr>
-                <a:hlinkClick r:id="rId2"/>
-              </a:rPr>
-              <a:t>https://www.kaggle.com/harlfoxem/housesalesprediction</a:t>
-            </a:r>
-            <a:r>
-              <a:rPr/>
-              <a:t>. </a:t>
-            </a:r>
-          </a:p>
-          <a:p>
-            <a:pPr lvl="1">
-              <a:buAutoNum type="arabicPeriod"/>
-            </a:pPr>
-            <a:r>
-              <a:rPr/>
-              <a:t>Max Kuhn (2020). caret: Classification and Regression Training. R package version 6.0-85. </a:t>
-            </a:r>
-            <a:r>
-              <a:rPr>
-                <a:hlinkClick r:id="rId3"/>
-              </a:rPr>
-              <a:t>https://CRAN.R-project.org/package=caret</a:t>
-            </a:r>
-            <a:r>
-              <a:rPr/>
-              <a:t> </a:t>
-            </a:r>
-          </a:p>
-          <a:p>
-            <a:pPr lvl="1">
-              <a:buAutoNum type="arabicPeriod"/>
-            </a:pPr>
-            <a:r>
-              <a:rPr/>
-              <a:t>Terry Therneau and Beth Atkinson (2019). rpart: Recursive Partitioning and Regression Trees. R package version 4.1-15. </a:t>
-            </a:r>
-            <a:r>
-              <a:rPr>
-                <a:hlinkClick r:id="rId4"/>
-              </a:rPr>
-              <a:t>https://CRAN.R-project.org/package=rpart</a:t>
-            </a:r>
-            <a:r>
-              <a:rPr/>
-              <a:t> </a:t>
-            </a:r>
-          </a:p>
-          <a:p>
-            <a:pPr lvl="1">
-              <a:buAutoNum type="arabicPeriod"/>
-            </a:pPr>
-            <a:r>
-              <a:rPr/>
-              <a:t>Stephen Milborrow (2019). rpart.plot: Plot ‘rpart’ Models: An Enhanced Version of ‘plot.rpart’. R package version 3.0.8. </a:t>
-            </a:r>
-            <a:r>
-              <a:rPr>
-                <a:hlinkClick r:id="rId5"/>
-              </a:rPr>
-              <a:t>https://CRAN.R-project.org/package=rpart.plot</a:t>
-            </a:r>
-          </a:p>
-        </p:txBody>
-      </p:sp>
+              <a:t>Forêt</a:t>
+            </a:r>
+            <a:r>
+              <a:rPr/>
+              <a:t> </a:t>
+            </a:r>
+            <a:r>
+              <a:rPr/>
+              <a:t>aléatoire</a:t>
+            </a:r>
+            <a:r>
+              <a:rPr/>
+              <a:t> </a:t>
+            </a:r>
+            <a:r>
+              <a:rPr/>
+              <a:t>(suite)</a:t>
+            </a:r>
+          </a:p>
+        </p:txBody>
+      </p:sp>
+      <p:pic>
+        <p:nvPicPr>
+          <p:cNvPr descr="PP_files/figure-pptx/unnamed-chunk-14-1.png" id="0" name="Picture 1"/>
+          <p:cNvPicPr>
+            <a:picLocks noGrp="1" noChangeAspect="1"/>
+          </p:cNvPicPr>
+          <p:nvPr/>
+        </p:nvPicPr>
+        <p:blipFill>
+          <a:blip r:embed="rId2"/>
+          <a:stretch>
+            <a:fillRect/>
+          </a:stretch>
+        </p:blipFill>
+        <p:spPr bwMode="auto">
+          <a:xfrm>
+            <a:off x="2540000" y="2159000"/>
+            <a:ext cx="4838700" cy="3873500"/>
+          </a:xfrm>
+          <a:prstGeom prst="rect">
+            <a:avLst/>
+          </a:prstGeom>
+          <a:noFill/>
+          <a:ln w="9525">
+            <a:noFill/>
+            <a:headEnd/>
+            <a:tailEnd/>
+          </a:ln>
+        </p:spPr>
+      </p:pic>
     </p:spTree>
   </p:cSld>
 </p:sld>
@@ -8781,6 +9172,1104 @@
             </a:pPr>
             <a:r>
               <a:rPr/>
+              <a:t>Modèle</a:t>
+            </a:r>
+            <a:r>
+              <a:rPr/>
+              <a:t> </a:t>
+            </a:r>
+            <a:r>
+              <a:rPr/>
+              <a:t>de</a:t>
+            </a:r>
+            <a:r>
+              <a:rPr/>
+              <a:t> </a:t>
+            </a:r>
+            <a:r>
+              <a:rPr/>
+              <a:t>boosting</a:t>
+            </a:r>
+            <a:r>
+              <a:rPr/>
+              <a:t> </a:t>
+            </a:r>
+            <a:r>
+              <a:rPr/>
+              <a:t>de</a:t>
+            </a:r>
+            <a:r>
+              <a:rPr/>
+              <a:t> </a:t>
+            </a:r>
+            <a:r>
+              <a:rPr/>
+              <a:t>gradient</a:t>
+            </a:r>
+            <a:r>
+              <a:rPr/>
+              <a:t> </a:t>
+            </a:r>
+            <a:r>
+              <a:rPr/>
+              <a:t>stochastique</a:t>
+            </a:r>
+          </a:p>
+        </p:txBody>
+      </p:sp>
+      <p:pic>
+        <p:nvPicPr>
+          <p:cNvPr descr="PP_files/figure-pptx/unnamed-chunk-15-1.png" id="0" name="Picture 1"/>
+          <p:cNvPicPr>
+            <a:picLocks noGrp="1" noChangeAspect="1"/>
+          </p:cNvPicPr>
+          <p:nvPr/>
+        </p:nvPicPr>
+        <p:blipFill>
+          <a:blip r:embed="rId2"/>
+          <a:stretch>
+            <a:fillRect/>
+          </a:stretch>
+        </p:blipFill>
+        <p:spPr bwMode="auto">
+          <a:xfrm>
+            <a:off x="2540000" y="2159000"/>
+            <a:ext cx="4838700" cy="3873500"/>
+          </a:xfrm>
+          <a:prstGeom prst="rect">
+            <a:avLst/>
+          </a:prstGeom>
+          <a:noFill/>
+          <a:ln w="9525">
+            <a:noFill/>
+            <a:headEnd/>
+            <a:tailEnd/>
+          </a:ln>
+        </p:spPr>
+      </p:pic>
+    </p:spTree>
+  </p:cSld>
+</p:sld>
+</file>
+
+<file path=ppt/slides/slide31.xml><?xml version="1.0" encoding="utf-8"?>
+<p:sld xmlns:a="http://schemas.openxmlformats.org/drawingml/2006/main" xmlns:r="http://schemas.openxmlformats.org/officeDocument/2006/relationships" xmlns:p="http://schemas.openxmlformats.org/presentationml/2006/main">
+  <p:cSld>
+    <p:spTree>
+      <p:nvGrpSpPr>
+        <p:cNvPr id="1" name=""/>
+        <p:cNvGrpSpPr/>
+        <p:nvPr/>
+      </p:nvGrpSpPr>
+      <p:grpSpPr>
+        <a:xfrm>
+          <a:off x="0" y="0"/>
+          <a:ext cx="0" cy="0"/>
+          <a:chOff x="0" y="0"/>
+          <a:chExt cx="0" cy="0"/>
+        </a:xfrm>
+      </p:grpSpPr>
+      <p:sp>
+        <p:nvSpPr>
+          <p:cNvPr id="2" name="Title 1"/>
+          <p:cNvSpPr>
+            <a:spLocks noGrp="1"/>
+          </p:cNvSpPr>
+          <p:nvPr>
+            <p:ph type="title"/>
+          </p:nvPr>
+        </p:nvSpPr>
+        <p:spPr/>
+        <p:txBody>
+          <a:bodyPr/>
+          <a:lstStyle/>
+          <a:p>
+            <a:pPr lvl="0" marL="0" indent="0">
+              <a:buNone/>
+            </a:pPr>
+            <a:r>
+              <a:rPr/>
+              <a:t>Modèle</a:t>
+            </a:r>
+            <a:r>
+              <a:rPr/>
+              <a:t> </a:t>
+            </a:r>
+            <a:r>
+              <a:rPr/>
+              <a:t>de</a:t>
+            </a:r>
+            <a:r>
+              <a:rPr/>
+              <a:t> </a:t>
+            </a:r>
+            <a:r>
+              <a:rPr/>
+              <a:t>boosting</a:t>
+            </a:r>
+            <a:r>
+              <a:rPr/>
+              <a:t> </a:t>
+            </a:r>
+            <a:r>
+              <a:rPr/>
+              <a:t>de</a:t>
+            </a:r>
+            <a:r>
+              <a:rPr/>
+              <a:t> </a:t>
+            </a:r>
+            <a:r>
+              <a:rPr/>
+              <a:t>gradient</a:t>
+            </a:r>
+            <a:r>
+              <a:rPr/>
+              <a:t> </a:t>
+            </a:r>
+            <a:r>
+              <a:rPr/>
+              <a:t>stochastique</a:t>
+            </a:r>
+            <a:r>
+              <a:rPr/>
+              <a:t> </a:t>
+            </a:r>
+            <a:r>
+              <a:rPr/>
+              <a:t>(suite)</a:t>
+            </a:r>
+          </a:p>
+        </p:txBody>
+      </p:sp>
+      <p:pic>
+        <p:nvPicPr>
+          <p:cNvPr descr="PP_files/figure-pptx/unnamed-chunk-16-1.png" id="0" name="Picture 1"/>
+          <p:cNvPicPr>
+            <a:picLocks noGrp="1" noChangeAspect="1"/>
+          </p:cNvPicPr>
+          <p:nvPr/>
+        </p:nvPicPr>
+        <p:blipFill>
+          <a:blip r:embed="rId2"/>
+          <a:stretch>
+            <a:fillRect/>
+          </a:stretch>
+        </p:blipFill>
+        <p:spPr bwMode="auto">
+          <a:xfrm>
+            <a:off x="2540000" y="2159000"/>
+            <a:ext cx="4838700" cy="3873500"/>
+          </a:xfrm>
+          <a:prstGeom prst="rect">
+            <a:avLst/>
+          </a:prstGeom>
+          <a:noFill/>
+          <a:ln w="9525">
+            <a:noFill/>
+            <a:headEnd/>
+            <a:tailEnd/>
+          </a:ln>
+        </p:spPr>
+      </p:pic>
+    </p:spTree>
+  </p:cSld>
+</p:sld>
+</file>
+
+<file path=ppt/slides/slide32.xml><?xml version="1.0" encoding="utf-8"?>
+<p:sld xmlns:a="http://schemas.openxmlformats.org/drawingml/2006/main" xmlns:r="http://schemas.openxmlformats.org/officeDocument/2006/relationships" xmlns:p="http://schemas.openxmlformats.org/presentationml/2006/main">
+  <p:cSld>
+    <p:spTree>
+      <p:nvGrpSpPr>
+        <p:cNvPr id="1" name=""/>
+        <p:cNvGrpSpPr/>
+        <p:nvPr/>
+      </p:nvGrpSpPr>
+      <p:grpSpPr>
+        <a:xfrm>
+          <a:off x="0" y="0"/>
+          <a:ext cx="0" cy="0"/>
+          <a:chOff x="0" y="0"/>
+          <a:chExt cx="0" cy="0"/>
+        </a:xfrm>
+      </p:grpSpPr>
+      <p:sp>
+        <p:nvSpPr>
+          <p:cNvPr id="2" name="Title 1"/>
+          <p:cNvSpPr>
+            <a:spLocks noGrp="1"/>
+          </p:cNvSpPr>
+          <p:nvPr>
+            <p:ph type="title"/>
+          </p:nvPr>
+        </p:nvSpPr>
+        <p:spPr/>
+        <p:txBody>
+          <a:bodyPr/>
+          <a:lstStyle/>
+          <a:p>
+            <a:pPr lvl="0" marL="0" indent="0">
+              <a:buNone/>
+            </a:pPr>
+            <a:r>
+              <a:rPr/>
+              <a:t>Modèle</a:t>
+            </a:r>
+            <a:r>
+              <a:rPr/>
+              <a:t> </a:t>
+            </a:r>
+            <a:r>
+              <a:rPr/>
+              <a:t>de</a:t>
+            </a:r>
+            <a:r>
+              <a:rPr/>
+              <a:t> </a:t>
+            </a:r>
+            <a:r>
+              <a:rPr/>
+              <a:t>boosting</a:t>
+            </a:r>
+            <a:r>
+              <a:rPr/>
+              <a:t> </a:t>
+            </a:r>
+            <a:r>
+              <a:rPr/>
+              <a:t>de</a:t>
+            </a:r>
+            <a:r>
+              <a:rPr/>
+              <a:t> </a:t>
+            </a:r>
+            <a:r>
+              <a:rPr/>
+              <a:t>gradient</a:t>
+            </a:r>
+            <a:r>
+              <a:rPr/>
+              <a:t> </a:t>
+            </a:r>
+            <a:r>
+              <a:rPr/>
+              <a:t>stochastique</a:t>
+            </a:r>
+            <a:r>
+              <a:rPr/>
+              <a:t> </a:t>
+            </a:r>
+            <a:r>
+              <a:rPr/>
+              <a:t>(suite)</a:t>
+            </a:r>
+          </a:p>
+        </p:txBody>
+      </p:sp>
+      <p:pic>
+        <p:nvPicPr>
+          <p:cNvPr descr="PP_files/figure-pptx/unnamed-chunk-17-1.png" id="0" name="Picture 1"/>
+          <p:cNvPicPr>
+            <a:picLocks noGrp="1" noChangeAspect="1"/>
+          </p:cNvPicPr>
+          <p:nvPr/>
+        </p:nvPicPr>
+        <p:blipFill>
+          <a:blip r:embed="rId2"/>
+          <a:stretch>
+            <a:fillRect/>
+          </a:stretch>
+        </p:blipFill>
+        <p:spPr bwMode="auto">
+          <a:xfrm>
+            <a:off x="2540000" y="2159000"/>
+            <a:ext cx="4838700" cy="3873500"/>
+          </a:xfrm>
+          <a:prstGeom prst="rect">
+            <a:avLst/>
+          </a:prstGeom>
+          <a:noFill/>
+          <a:ln w="9525">
+            <a:noFill/>
+            <a:headEnd/>
+            <a:tailEnd/>
+          </a:ln>
+        </p:spPr>
+      </p:pic>
+    </p:spTree>
+  </p:cSld>
+</p:sld>
+</file>
+
+<file path=ppt/slides/slide33.xml><?xml version="1.0" encoding="utf-8"?>
+<p:sld xmlns:a="http://schemas.openxmlformats.org/drawingml/2006/main" xmlns:r="http://schemas.openxmlformats.org/officeDocument/2006/relationships" xmlns:p="http://schemas.openxmlformats.org/presentationml/2006/main">
+  <p:cSld>
+    <p:spTree>
+      <p:nvGrpSpPr>
+        <p:cNvPr id="1" name=""/>
+        <p:cNvGrpSpPr/>
+        <p:nvPr/>
+      </p:nvGrpSpPr>
+      <p:grpSpPr>
+        <a:xfrm>
+          <a:off x="0" y="0"/>
+          <a:ext cx="0" cy="0"/>
+          <a:chOff x="0" y="0"/>
+          <a:chExt cx="0" cy="0"/>
+        </a:xfrm>
+      </p:grpSpPr>
+      <p:sp>
+        <p:nvSpPr>
+          <p:cNvPr id="2" name="Title 1"/>
+          <p:cNvSpPr>
+            <a:spLocks noGrp="1"/>
+          </p:cNvSpPr>
+          <p:nvPr>
+            <p:ph type="title"/>
+          </p:nvPr>
+        </p:nvSpPr>
+        <p:spPr/>
+        <p:txBody>
+          <a:bodyPr/>
+          <a:lstStyle/>
+          <a:p>
+            <a:pPr lvl="0" marL="0" indent="0">
+              <a:buNone/>
+            </a:pPr>
+            <a:r>
+              <a:rPr/>
+              <a:t>Modèle</a:t>
+            </a:r>
+            <a:r>
+              <a:rPr/>
+              <a:t> </a:t>
+            </a:r>
+            <a:r>
+              <a:rPr/>
+              <a:t>de</a:t>
+            </a:r>
+            <a:r>
+              <a:rPr/>
+              <a:t> </a:t>
+            </a:r>
+            <a:r>
+              <a:rPr/>
+              <a:t>boosting</a:t>
+            </a:r>
+            <a:r>
+              <a:rPr/>
+              <a:t> </a:t>
+            </a:r>
+            <a:r>
+              <a:rPr/>
+              <a:t>de</a:t>
+            </a:r>
+            <a:r>
+              <a:rPr/>
+              <a:t> </a:t>
+            </a:r>
+            <a:r>
+              <a:rPr/>
+              <a:t>gradient</a:t>
+            </a:r>
+            <a:r>
+              <a:rPr/>
+              <a:t> </a:t>
+            </a:r>
+            <a:r>
+              <a:rPr/>
+              <a:t>stochastique</a:t>
+            </a:r>
+            <a:r>
+              <a:rPr/>
+              <a:t> </a:t>
+            </a:r>
+            <a:r>
+              <a:rPr/>
+              <a:t>(suite)</a:t>
+            </a:r>
+          </a:p>
+        </p:txBody>
+      </p:sp>
+      <p:pic>
+        <p:nvPicPr>
+          <p:cNvPr descr="PP_files/figure-pptx/unnamed-chunk-18-1.png" id="0" name="Picture 1"/>
+          <p:cNvPicPr>
+            <a:picLocks noGrp="1" noChangeAspect="1"/>
+          </p:cNvPicPr>
+          <p:nvPr/>
+        </p:nvPicPr>
+        <p:blipFill>
+          <a:blip r:embed="rId2"/>
+          <a:stretch>
+            <a:fillRect/>
+          </a:stretch>
+        </p:blipFill>
+        <p:spPr bwMode="auto">
+          <a:xfrm>
+            <a:off x="2540000" y="2159000"/>
+            <a:ext cx="4838700" cy="3873500"/>
+          </a:xfrm>
+          <a:prstGeom prst="rect">
+            <a:avLst/>
+          </a:prstGeom>
+          <a:noFill/>
+          <a:ln w="9525">
+            <a:noFill/>
+            <a:headEnd/>
+            <a:tailEnd/>
+          </a:ln>
+        </p:spPr>
+      </p:pic>
+    </p:spTree>
+  </p:cSld>
+</p:sld>
+</file>
+
+<file path=ppt/slides/slide34.xml><?xml version="1.0" encoding="utf-8"?>
+<p:sld xmlns:a="http://schemas.openxmlformats.org/drawingml/2006/main" xmlns:r="http://schemas.openxmlformats.org/officeDocument/2006/relationships" xmlns:p="http://schemas.openxmlformats.org/presentationml/2006/main">
+  <p:cSld>
+    <p:spTree>
+      <p:nvGrpSpPr>
+        <p:cNvPr id="1" name=""/>
+        <p:cNvGrpSpPr/>
+        <p:nvPr/>
+      </p:nvGrpSpPr>
+      <p:grpSpPr>
+        <a:xfrm>
+          <a:off x="0" y="0"/>
+          <a:ext cx="0" cy="0"/>
+          <a:chOff x="0" y="0"/>
+          <a:chExt cx="0" cy="0"/>
+        </a:xfrm>
+      </p:grpSpPr>
+      <p:sp>
+        <p:nvSpPr>
+          <p:cNvPr id="2" name="Title 1"/>
+          <p:cNvSpPr>
+            <a:spLocks noGrp="1"/>
+          </p:cNvSpPr>
+          <p:nvPr>
+            <p:ph type="title"/>
+          </p:nvPr>
+        </p:nvSpPr>
+        <p:spPr/>
+        <p:txBody>
+          <a:bodyPr/>
+          <a:lstStyle/>
+          <a:p>
+            <a:pPr lvl="0" marL="0" indent="0">
+              <a:buNone/>
+            </a:pPr>
+            <a:r>
+              <a:rPr/>
+              <a:t>Modèle</a:t>
+            </a:r>
+            <a:r>
+              <a:rPr/>
+              <a:t> </a:t>
+            </a:r>
+            <a:r>
+              <a:rPr/>
+              <a:t>de</a:t>
+            </a:r>
+            <a:r>
+              <a:rPr/>
+              <a:t> </a:t>
+            </a:r>
+            <a:r>
+              <a:rPr/>
+              <a:t>boosting</a:t>
+            </a:r>
+            <a:r>
+              <a:rPr/>
+              <a:t> </a:t>
+            </a:r>
+            <a:r>
+              <a:rPr/>
+              <a:t>de</a:t>
+            </a:r>
+            <a:r>
+              <a:rPr/>
+              <a:t> </a:t>
+            </a:r>
+            <a:r>
+              <a:rPr/>
+              <a:t>gradient</a:t>
+            </a:r>
+            <a:r>
+              <a:rPr/>
+              <a:t> </a:t>
+            </a:r>
+            <a:r>
+              <a:rPr/>
+              <a:t>stochastique</a:t>
+            </a:r>
+            <a:r>
+              <a:rPr/>
+              <a:t> </a:t>
+            </a:r>
+            <a:r>
+              <a:rPr/>
+              <a:t>(suite)</a:t>
+            </a:r>
+          </a:p>
+        </p:txBody>
+      </p:sp>
+      <p:pic>
+        <p:nvPicPr>
+          <p:cNvPr descr="PP_files/figure-pptx/unnamed-chunk-19-1.png" id="0" name="Picture 1"/>
+          <p:cNvPicPr>
+            <a:picLocks noGrp="1" noChangeAspect="1"/>
+          </p:cNvPicPr>
+          <p:nvPr/>
+        </p:nvPicPr>
+        <p:blipFill>
+          <a:blip r:embed="rId2"/>
+          <a:stretch>
+            <a:fillRect/>
+          </a:stretch>
+        </p:blipFill>
+        <p:spPr bwMode="auto">
+          <a:xfrm>
+            <a:off x="2540000" y="2159000"/>
+            <a:ext cx="4838700" cy="3873500"/>
+          </a:xfrm>
+          <a:prstGeom prst="rect">
+            <a:avLst/>
+          </a:prstGeom>
+          <a:noFill/>
+          <a:ln w="9525">
+            <a:noFill/>
+            <a:headEnd/>
+            <a:tailEnd/>
+          </a:ln>
+        </p:spPr>
+      </p:pic>
+    </p:spTree>
+  </p:cSld>
+</p:sld>
+</file>
+
+<file path=ppt/slides/slide35.xml><?xml version="1.0" encoding="utf-8"?>
+<p:sld xmlns:a="http://schemas.openxmlformats.org/drawingml/2006/main" xmlns:r="http://schemas.openxmlformats.org/officeDocument/2006/relationships" xmlns:p="http://schemas.openxmlformats.org/presentationml/2006/main">
+  <p:cSld>
+    <p:spTree>
+      <p:nvGrpSpPr>
+        <p:cNvPr id="1" name=""/>
+        <p:cNvGrpSpPr/>
+        <p:nvPr/>
+      </p:nvGrpSpPr>
+      <p:grpSpPr>
+        <a:xfrm>
+          <a:off x="0" y="0"/>
+          <a:ext cx="0" cy="0"/>
+          <a:chOff x="0" y="0"/>
+          <a:chExt cx="0" cy="0"/>
+        </a:xfrm>
+      </p:grpSpPr>
+      <p:sp>
+        <p:nvSpPr>
+          <p:cNvPr id="2" name="Title 1"/>
+          <p:cNvSpPr>
+            <a:spLocks noGrp="1"/>
+          </p:cNvSpPr>
+          <p:nvPr>
+            <p:ph type="title"/>
+          </p:nvPr>
+        </p:nvSpPr>
+        <p:spPr/>
+        <p:txBody>
+          <a:bodyPr/>
+          <a:lstStyle/>
+          <a:p>
+            <a:pPr lvl="0" marL="0" indent="0">
+              <a:buNone/>
+            </a:pPr>
+            <a:r>
+              <a:rPr/>
+              <a:t>Modèle</a:t>
+            </a:r>
+            <a:r>
+              <a:rPr/>
+              <a:t> </a:t>
+            </a:r>
+            <a:r>
+              <a:rPr/>
+              <a:t>de</a:t>
+            </a:r>
+            <a:r>
+              <a:rPr/>
+              <a:t> </a:t>
+            </a:r>
+            <a:r>
+              <a:rPr/>
+              <a:t>boosting</a:t>
+            </a:r>
+            <a:r>
+              <a:rPr/>
+              <a:t> </a:t>
+            </a:r>
+            <a:r>
+              <a:rPr/>
+              <a:t>de</a:t>
+            </a:r>
+            <a:r>
+              <a:rPr/>
+              <a:t> </a:t>
+            </a:r>
+            <a:r>
+              <a:rPr/>
+              <a:t>gradient</a:t>
+            </a:r>
+            <a:r>
+              <a:rPr/>
+              <a:t> </a:t>
+            </a:r>
+            <a:r>
+              <a:rPr/>
+              <a:t>stochastique</a:t>
+            </a:r>
+            <a:r>
+              <a:rPr/>
+              <a:t> </a:t>
+            </a:r>
+            <a:r>
+              <a:rPr/>
+              <a:t>(suite)</a:t>
+            </a:r>
+          </a:p>
+        </p:txBody>
+      </p:sp>
+      <p:pic>
+        <p:nvPicPr>
+          <p:cNvPr descr="PP_files/figure-pptx/unnamed-chunk-20-1.png" id="0" name="Picture 1"/>
+          <p:cNvPicPr>
+            <a:picLocks noGrp="1" noChangeAspect="1"/>
+          </p:cNvPicPr>
+          <p:nvPr/>
+        </p:nvPicPr>
+        <p:blipFill>
+          <a:blip r:embed="rId2"/>
+          <a:stretch>
+            <a:fillRect/>
+          </a:stretch>
+        </p:blipFill>
+        <p:spPr bwMode="auto">
+          <a:xfrm>
+            <a:off x="2540000" y="2159000"/>
+            <a:ext cx="4838700" cy="3873500"/>
+          </a:xfrm>
+          <a:prstGeom prst="rect">
+            <a:avLst/>
+          </a:prstGeom>
+          <a:noFill/>
+          <a:ln w="9525">
+            <a:noFill/>
+            <a:headEnd/>
+            <a:tailEnd/>
+          </a:ln>
+        </p:spPr>
+      </p:pic>
+    </p:spTree>
+  </p:cSld>
+</p:sld>
+</file>
+
+<file path=ppt/slides/slide36.xml><?xml version="1.0" encoding="utf-8"?>
+<p:sld xmlns:a="http://schemas.openxmlformats.org/drawingml/2006/main" xmlns:r="http://schemas.openxmlformats.org/officeDocument/2006/relationships" xmlns:p="http://schemas.openxmlformats.org/presentationml/2006/main">
+  <p:cSld>
+    <p:spTree>
+      <p:nvGrpSpPr>
+        <p:cNvPr id="1" name=""/>
+        <p:cNvGrpSpPr/>
+        <p:nvPr/>
+      </p:nvGrpSpPr>
+      <p:grpSpPr>
+        <a:xfrm>
+          <a:off x="0" y="0"/>
+          <a:ext cx="0" cy="0"/>
+          <a:chOff x="0" y="0"/>
+          <a:chExt cx="0" cy="0"/>
+        </a:xfrm>
+      </p:grpSpPr>
+      <p:sp>
+        <p:nvSpPr>
+          <p:cNvPr id="2" name="Title 1"/>
+          <p:cNvSpPr>
+            <a:spLocks noGrp="1"/>
+          </p:cNvSpPr>
+          <p:nvPr>
+            <p:ph type="title"/>
+          </p:nvPr>
+        </p:nvSpPr>
+        <p:spPr/>
+        <p:txBody>
+          <a:bodyPr/>
+          <a:lstStyle/>
+          <a:p>
+            <a:pPr lvl="0" marL="0" indent="0">
+              <a:buNone/>
+            </a:pPr>
+            <a:r>
+              <a:rPr/>
+              <a:t>Modèle</a:t>
+            </a:r>
+            <a:r>
+              <a:rPr/>
+              <a:t> </a:t>
+            </a:r>
+            <a:r>
+              <a:rPr/>
+              <a:t>de</a:t>
+            </a:r>
+            <a:r>
+              <a:rPr/>
+              <a:t> </a:t>
+            </a:r>
+            <a:r>
+              <a:rPr/>
+              <a:t>boosting</a:t>
+            </a:r>
+            <a:r>
+              <a:rPr/>
+              <a:t> </a:t>
+            </a:r>
+            <a:r>
+              <a:rPr/>
+              <a:t>de</a:t>
+            </a:r>
+            <a:r>
+              <a:rPr/>
+              <a:t> </a:t>
+            </a:r>
+            <a:r>
+              <a:rPr/>
+              <a:t>gradient</a:t>
+            </a:r>
+            <a:r>
+              <a:rPr/>
+              <a:t> </a:t>
+            </a:r>
+            <a:r>
+              <a:rPr/>
+              <a:t>stochastique</a:t>
+            </a:r>
+            <a:r>
+              <a:rPr/>
+              <a:t> </a:t>
+            </a:r>
+            <a:r>
+              <a:rPr/>
+              <a:t>(suite)</a:t>
+            </a:r>
+          </a:p>
+        </p:txBody>
+      </p:sp>
+      <p:pic>
+        <p:nvPicPr>
+          <p:cNvPr descr="PP_files/figure-pptx/unnamed-chunk-21-1.png" id="0" name="Picture 1"/>
+          <p:cNvPicPr>
+            <a:picLocks noGrp="1" noChangeAspect="1"/>
+          </p:cNvPicPr>
+          <p:nvPr/>
+        </p:nvPicPr>
+        <p:blipFill>
+          <a:blip r:embed="rId2"/>
+          <a:stretch>
+            <a:fillRect/>
+          </a:stretch>
+        </p:blipFill>
+        <p:spPr bwMode="auto">
+          <a:xfrm>
+            <a:off x="2540000" y="2159000"/>
+            <a:ext cx="4838700" cy="3873500"/>
+          </a:xfrm>
+          <a:prstGeom prst="rect">
+            <a:avLst/>
+          </a:prstGeom>
+          <a:noFill/>
+          <a:ln w="9525">
+            <a:noFill/>
+            <a:headEnd/>
+            <a:tailEnd/>
+          </a:ln>
+        </p:spPr>
+      </p:pic>
+    </p:spTree>
+  </p:cSld>
+</p:sld>
+</file>
+
+<file path=ppt/slides/slide37.xml><?xml version="1.0" encoding="utf-8"?>
+<p:sld xmlns:a="http://schemas.openxmlformats.org/drawingml/2006/main" xmlns:r="http://schemas.openxmlformats.org/officeDocument/2006/relationships" xmlns:p="http://schemas.openxmlformats.org/presentationml/2006/main">
+  <p:cSld>
+    <p:spTree>
+      <p:nvGrpSpPr>
+        <p:cNvPr id="1" name=""/>
+        <p:cNvGrpSpPr/>
+        <p:nvPr/>
+      </p:nvGrpSpPr>
+      <p:grpSpPr>
+        <a:xfrm>
+          <a:off x="0" y="0"/>
+          <a:ext cx="0" cy="0"/>
+          <a:chOff x="0" y="0"/>
+          <a:chExt cx="0" cy="0"/>
+        </a:xfrm>
+      </p:grpSpPr>
+      <p:sp>
+        <p:nvSpPr>
+          <p:cNvPr id="2" name="Title 1"/>
+          <p:cNvSpPr>
+            <a:spLocks noGrp="1"/>
+          </p:cNvSpPr>
+          <p:nvPr>
+            <p:ph type="title"/>
+          </p:nvPr>
+        </p:nvSpPr>
+        <p:spPr/>
+        <p:txBody>
+          <a:bodyPr/>
+          <a:lstStyle/>
+          <a:p>
+            <a:pPr lvl="0" marL="0" indent="0">
+              <a:buNone/>
+            </a:pPr>
+            <a:r>
+              <a:rPr/>
+              <a:t>Modèle</a:t>
+            </a:r>
+            <a:r>
+              <a:rPr/>
+              <a:t> </a:t>
+            </a:r>
+            <a:r>
+              <a:rPr/>
+              <a:t>de</a:t>
+            </a:r>
+            <a:r>
+              <a:rPr/>
+              <a:t> </a:t>
+            </a:r>
+            <a:r>
+              <a:rPr/>
+              <a:t>boosting</a:t>
+            </a:r>
+            <a:r>
+              <a:rPr/>
+              <a:t> </a:t>
+            </a:r>
+            <a:r>
+              <a:rPr/>
+              <a:t>de</a:t>
+            </a:r>
+            <a:r>
+              <a:rPr/>
+              <a:t> </a:t>
+            </a:r>
+            <a:r>
+              <a:rPr/>
+              <a:t>gradient</a:t>
+            </a:r>
+            <a:r>
+              <a:rPr/>
+              <a:t> </a:t>
+            </a:r>
+            <a:r>
+              <a:rPr/>
+              <a:t>stochastique</a:t>
+            </a:r>
+            <a:r>
+              <a:rPr/>
+              <a:t> </a:t>
+            </a:r>
+            <a:r>
+              <a:rPr/>
+              <a:t>(suite)</a:t>
+            </a:r>
+          </a:p>
+        </p:txBody>
+      </p:sp>
+      <p:pic>
+        <p:nvPicPr>
+          <p:cNvPr descr="PP_files/figure-pptx/unnamed-chunk-22-1.png" id="0" name="Picture 1"/>
+          <p:cNvPicPr>
+            <a:picLocks noGrp="1" noChangeAspect="1"/>
+          </p:cNvPicPr>
+          <p:nvPr/>
+        </p:nvPicPr>
+        <p:blipFill>
+          <a:blip r:embed="rId2"/>
+          <a:stretch>
+            <a:fillRect/>
+          </a:stretch>
+        </p:blipFill>
+        <p:spPr bwMode="auto">
+          <a:xfrm>
+            <a:off x="2540000" y="2159000"/>
+            <a:ext cx="4838700" cy="3873500"/>
+          </a:xfrm>
+          <a:prstGeom prst="rect">
+            <a:avLst/>
+          </a:prstGeom>
+          <a:noFill/>
+          <a:ln w="9525">
+            <a:noFill/>
+            <a:headEnd/>
+            <a:tailEnd/>
+          </a:ln>
+        </p:spPr>
+      </p:pic>
+    </p:spTree>
+  </p:cSld>
+</p:sld>
+</file>
+
+<file path=ppt/slides/slide38.xml><?xml version="1.0" encoding="utf-8"?>
+<p:sld xmlns:a="http://schemas.openxmlformats.org/drawingml/2006/main" xmlns:r="http://schemas.openxmlformats.org/officeDocument/2006/relationships" xmlns:p="http://schemas.openxmlformats.org/presentationml/2006/main">
+  <p:cSld>
+    <p:spTree>
+      <p:nvGrpSpPr>
+        <p:cNvPr id="1" name=""/>
+        <p:cNvGrpSpPr/>
+        <p:nvPr/>
+      </p:nvGrpSpPr>
+      <p:grpSpPr>
+        <a:xfrm>
+          <a:off x="0" y="0"/>
+          <a:ext cx="0" cy="0"/>
+          <a:chOff x="0" y="0"/>
+          <a:chExt cx="0" cy="0"/>
+        </a:xfrm>
+      </p:grpSpPr>
+      <p:sp>
+        <p:nvSpPr>
+          <p:cNvPr id="2" name="Title 1"/>
+          <p:cNvSpPr>
+            <a:spLocks noGrp="1"/>
+          </p:cNvSpPr>
+          <p:nvPr>
+            <p:ph type="title"/>
+          </p:nvPr>
+        </p:nvSpPr>
+        <p:spPr/>
+        <p:txBody>
+          <a:bodyPr/>
+          <a:lstStyle/>
+          <a:p>
+            <a:pPr lvl="0" marL="0" indent="0">
+              <a:buNone/>
+            </a:pPr>
+            <a:r>
+              <a:rPr/>
+              <a:t>Conclusion</a:t>
+            </a:r>
+          </a:p>
+        </p:txBody>
+      </p:sp>
+      <p:sp>
+        <p:nvSpPr>
+          <p:cNvPr id="3" name="Content Placeholder 2"/>
+          <p:cNvSpPr>
+            <a:spLocks noGrp="1"/>
+          </p:cNvSpPr>
+          <p:nvPr>
+            <p:ph idx="1"/>
+          </p:nvPr>
+        </p:nvSpPr>
+        <p:spPr/>
+        <p:txBody>
+          <a:bodyPr/>
+          <a:lstStyle/>
+          <a:p>
+            <a:pPr lvl="1"/>
+            <a:r>
+              <a:rPr/>
+              <a:t>Modèle </a:t>
+            </a:r>
+            <a:r>
+              <a:rPr i="1"/>
+              <a:t>GBM</a:t>
+            </a:r>
+            <a:r>
+              <a:rPr/>
+              <a:t> retenu</a:t>
+            </a:r>
+          </a:p>
+          <a:p>
+            <a:pPr lvl="1"/>
+            <a:r>
+              <a:rPr/>
+              <a:t>Limitations</a:t>
+            </a:r>
+          </a:p>
+          <a:p>
+            <a:pPr lvl="2"/>
+            <a:r>
+              <a:rPr/>
+              <a:t>Échelle logarithmique</a:t>
+            </a:r>
+          </a:p>
+          <a:p>
+            <a:pPr lvl="2"/>
+            <a:r>
+              <a:rPr/>
+              <a:t>Effet de l’inflation</a:t>
+            </a:r>
+          </a:p>
+          <a:p>
+            <a:pPr lvl="1"/>
+            <a:r>
+              <a:rPr/>
+              <a:t>Possibilité d’utilisation dans d’autres zones géographiques</a:t>
+            </a:r>
+          </a:p>
+        </p:txBody>
+      </p:sp>
+    </p:spTree>
+  </p:cSld>
+</p:sld>
+</file>
+
+<file path=ppt/slides/slide39.xml><?xml version="1.0" encoding="utf-8"?>
+<p:sld xmlns:a="http://schemas.openxmlformats.org/drawingml/2006/main" xmlns:r="http://schemas.openxmlformats.org/officeDocument/2006/relationships" xmlns:p="http://schemas.openxmlformats.org/presentationml/2006/main">
+  <p:cSld>
+    <p:spTree>
+      <p:nvGrpSpPr>
+        <p:cNvPr id="1" name=""/>
+        <p:cNvGrpSpPr/>
+        <p:nvPr/>
+      </p:nvGrpSpPr>
+      <p:grpSpPr>
+        <a:xfrm>
+          <a:off x="0" y="0"/>
+          <a:ext cx="0" cy="0"/>
+          <a:chOff x="0" y="0"/>
+          <a:chExt cx="0" cy="0"/>
+        </a:xfrm>
+      </p:grpSpPr>
+      <p:sp>
+        <p:nvSpPr>
+          <p:cNvPr id="2" name="Title 1"/>
+          <p:cNvSpPr>
+            <a:spLocks noGrp="1"/>
+          </p:cNvSpPr>
+          <p:nvPr>
+            <p:ph type="title"/>
+          </p:nvPr>
+        </p:nvSpPr>
+        <p:spPr/>
+        <p:txBody>
+          <a:bodyPr/>
+          <a:lstStyle/>
+          <a:p>
+            <a:pPr lvl="0" marL="0" indent="0">
+              <a:buNone/>
+            </a:pPr>
+            <a:r>
+              <a:rPr/>
               <a:t>Bibliographie</a:t>
             </a:r>
           </a:p>
@@ -8802,64 +10291,74 @@
           <a:lstStyle/>
           <a:p>
             <a:pPr lvl="1">
-              <a:buAutoNum startAt="5" type="arabicPeriod"/>
+              <a:buAutoNum type="arabicPeriod"/>
             </a:pPr>
             <a:r>
               <a:rPr/>
-              <a:t>A. Liaw and M. Wiener (2002). Classification and Regression by randomForest. R News 2(3), 18–22. </a:t>
-            </a:r>
-          </a:p>
-          <a:p>
-            <a:pPr lvl="1">
-              <a:buAutoNum startAt="5" type="arabicPeriod"/>
-            </a:pPr>
-            <a:r>
-              <a:rPr/>
-              <a:t>Brandon Greenwell, Bradley Boehmke, Jay Cunningham and GBM Developers (2019). gbm: Generalized Boosted Regression Models. R package version 2.1.5. </a:t>
+              <a:t>Kaggle, harlfoxen (2017). House sales in King County, USA. Récupéré le 27 février 2020 de </a:t>
             </a:r>
             <a:r>
               <a:rPr>
                 <a:hlinkClick r:id="rId2"/>
               </a:rPr>
-              <a:t>https://CRAN.R-project.org/package=gbm</a:t>
-            </a:r>
-            <a:r>
-              <a:rPr/>
-              <a:t> </a:t>
+              <a:t>https://www.kaggle.com/harlfoxem/housesalesprediction</a:t>
+            </a:r>
+            <a:r>
+              <a:rPr/>
+              <a:t>. </a:t>
             </a:r>
           </a:p>
           <a:p>
             <a:pPr lvl="1">
-              <a:buAutoNum startAt="5" type="arabicPeriod"/>
+              <a:buAutoNum type="arabicPeriod"/>
             </a:pPr>
             <a:r>
               <a:rPr/>
-              <a:t>Jerome Friedman, Trevor Hastie, Robert Tibshirani (2010). Regularization Paths for Generalized Linear Models via Coordinate Descent. Journal of Statistical Software, 33(1), 1-22. URL </a:t>
+              <a:t>Max Kuhn (2020). caret: Classification and Regression Training. R package version 6.0-85. </a:t>
             </a:r>
             <a:r>
               <a:rPr>
                 <a:hlinkClick r:id="rId3"/>
               </a:rPr>
-              <a:t>http://www.jstatsoft.org/v33/i01/</a:t>
-            </a:r>
-            <a:r>
-              <a:rPr/>
-              <a:t>. </a:t>
+              <a:t>https://CRAN.R-project.org/package=caret</a:t>
+            </a:r>
+            <a:r>
+              <a:rPr/>
+              <a:t> </a:t>
             </a:r>
           </a:p>
           <a:p>
             <a:pPr lvl="1">
-              <a:buAutoNum startAt="5" type="arabicPeriod"/>
+              <a:buAutoNum type="arabicPeriod"/>
             </a:pPr>
             <a:r>
               <a:rPr/>
-              <a:t>Alina Beygelzimer, Sham Kakadet, John Langford, Sunil Arya, David Mount and Shengqiao Li (2019). FNN: Fast Nearest Neighbor Search Algorithms and Applications. R package version 1.1.3. </a:t>
+              <a:t>Terry Therneau and Beth Atkinson (2019). rpart: Recursive Partitioning and Regression Trees. R package version 4.1-15. </a:t>
             </a:r>
             <a:r>
               <a:rPr>
                 <a:hlinkClick r:id="rId4"/>
               </a:rPr>
-              <a:t>https://CRAN.R-project.org/package=FNN</a:t>
+              <a:t>https://CRAN.R-project.org/package=rpart</a:t>
+            </a:r>
+            <a:r>
+              <a:rPr/>
+              <a:t> </a:t>
+            </a:r>
+          </a:p>
+          <a:p>
+            <a:pPr lvl="1">
+              <a:buAutoNum type="arabicPeriod"/>
+            </a:pPr>
+            <a:r>
+              <a:rPr/>
+              <a:t>Stephen Milborrow (2019). rpart.plot: Plot ‘rpart’ Models: An Enhanced Version of ‘plot.rpart’. R package version 3.0.8. </a:t>
+            </a:r>
+            <a:r>
+              <a:rPr>
+                <a:hlinkClick r:id="rId5"/>
+              </a:rPr>
+              <a:t>https://CRAN.R-project.org/package=rpart.plot</a:t>
             </a:r>
           </a:p>
         </p:txBody>
@@ -8945,7 +10444,7 @@
             <a:pPr lvl="1"/>
             <a:r>
               <a:rPr/>
-              <a:t>Quelques utilités actuariels</a:t>
+              <a:t>Quelques utilités actuarielles</a:t>
             </a:r>
           </a:p>
           <a:p>
@@ -8960,6 +10459,131 @@
             <a:r>
               <a:rPr/>
               <a:t>Prêts hypothécaire à des fins de hedging</a:t>
+            </a:r>
+          </a:p>
+        </p:txBody>
+      </p:sp>
+    </p:spTree>
+  </p:cSld>
+</p:sld>
+</file>
+
+<file path=ppt/slides/slide40.xml><?xml version="1.0" encoding="utf-8"?>
+<p:sld xmlns:a="http://schemas.openxmlformats.org/drawingml/2006/main" xmlns:r="http://schemas.openxmlformats.org/officeDocument/2006/relationships" xmlns:p="http://schemas.openxmlformats.org/presentationml/2006/main">
+  <p:cSld>
+    <p:spTree>
+      <p:nvGrpSpPr>
+        <p:cNvPr id="1" name=""/>
+        <p:cNvGrpSpPr/>
+        <p:nvPr/>
+      </p:nvGrpSpPr>
+      <p:grpSpPr>
+        <a:xfrm>
+          <a:off x="0" y="0"/>
+          <a:ext cx="0" cy="0"/>
+          <a:chOff x="0" y="0"/>
+          <a:chExt cx="0" cy="0"/>
+        </a:xfrm>
+      </p:grpSpPr>
+      <p:sp>
+        <p:nvSpPr>
+          <p:cNvPr id="2" name="Title 1"/>
+          <p:cNvSpPr>
+            <a:spLocks noGrp="1"/>
+          </p:cNvSpPr>
+          <p:nvPr>
+            <p:ph type="title"/>
+          </p:nvPr>
+        </p:nvSpPr>
+        <p:spPr/>
+        <p:txBody>
+          <a:bodyPr/>
+          <a:lstStyle/>
+          <a:p>
+            <a:pPr lvl="0" marL="0" indent="0">
+              <a:buNone/>
+            </a:pPr>
+            <a:r>
+              <a:rPr/>
+              <a:t>Bibliographie</a:t>
+            </a:r>
+          </a:p>
+        </p:txBody>
+      </p:sp>
+      <p:sp>
+        <p:nvSpPr>
+          <p:cNvPr id="3" name="Content Placeholder 2"/>
+          <p:cNvSpPr>
+            <a:spLocks noGrp="1"/>
+          </p:cNvSpPr>
+          <p:nvPr>
+            <p:ph idx="1"/>
+          </p:nvPr>
+        </p:nvSpPr>
+        <p:spPr/>
+        <p:txBody>
+          <a:bodyPr/>
+          <a:lstStyle/>
+          <a:p>
+            <a:pPr lvl="1">
+              <a:buAutoNum type="arabicPeriod"/>
+            </a:pPr>
+            <a:r>
+              <a:rPr/>
+              <a:t>A. Liaw and M. Wiener (2002). Classification and Regression by randomForest. R News 2(3), 18–22. </a:t>
+            </a:r>
+          </a:p>
+          <a:p>
+            <a:pPr lvl="1">
+              <a:buAutoNum type="arabicPeriod"/>
+            </a:pPr>
+            <a:r>
+              <a:rPr/>
+              <a:t>Brandon Greenwell, Bradley Boehmke, Jay Cunningham and GBM Developers (2019). gbm: Generalized Boosted Regression Models. R package version 2.1.5. </a:t>
+            </a:r>
+            <a:r>
+              <a:rPr>
+                <a:hlinkClick r:id="rId2"/>
+              </a:rPr>
+              <a:t>https://CRAN.R-project.org/package=gbm</a:t>
+            </a:r>
+            <a:r>
+              <a:rPr/>
+              <a:t> </a:t>
+            </a:r>
+          </a:p>
+          <a:p>
+            <a:pPr lvl="1">
+              <a:buAutoNum type="arabicPeriod"/>
+            </a:pPr>
+            <a:r>
+              <a:rPr/>
+              <a:t>Jerome Friedman, Trevor Hastie, Robert Tibshirani (2010). Regularization Paths for Generalized Linear Models via Coordinate Descent. Journal of Statistical Software, 33(1), 1-22. URL </a:t>
+            </a:r>
+            <a:r>
+              <a:rPr>
+                <a:hlinkClick r:id="rId3"/>
+              </a:rPr>
+              <a:t>http://www.jstatsoft.org/v33/i01/</a:t>
+            </a:r>
+            <a:r>
+              <a:rPr/>
+              <a:t>. </a:t>
+            </a:r>
+          </a:p>
+          <a:p>
+            <a:pPr lvl="1">
+              <a:buAutoNum type="arabicPeriod"/>
+            </a:pPr>
+            <a:r>
+              <a:rPr/>
+              <a:t>Alina Beygelzimer, Sham Kakadet, John Langford, Sunil Arya, David Mount and Shengqiao Li (2019). FNN: Fast Nearest Neighbor Search Algorithms and Applications. R package version 1.1.3. </a:t>
+            </a:r>
+            <a:r>
+              <a:rPr>
+                <a:hlinkClick r:id="rId4"/>
+              </a:rPr>
+              <a:t>https://CRAN.R-project.org/package=FNN</a:t>
             </a:r>
           </a:p>
         </p:txBody>

--- a/PP.pptx
+++ b/PP.pptx
@@ -20,31 +20,26 @@
     <p:sldId id="268" r:id="rId14"/>
     <p:sldId id="269" r:id="rId15"/>
     <p:sldId id="270" r:id="rId16"/>
-    <p:sldId id="271" r:id="rId17"/>
-    <p:sldId id="272" r:id="rId18"/>
-    <p:sldId id="273" r:id="rId19"/>
-    <p:sldId id="274" r:id="rId20"/>
-    <p:sldId id="275" r:id="rId21"/>
-    <p:sldId id="276" r:id="rId22"/>
-    <p:sldId id="277" r:id="rId23"/>
-    <p:sldId id="278" r:id="rId24"/>
-    <p:sldId id="279" r:id="rId25"/>
-    <p:sldId id="280" r:id="rId26"/>
-    <p:sldId id="281" r:id="rId27"/>
-    <p:sldId id="282" r:id="rId28"/>
-    <p:sldId id="283" r:id="rId29"/>
-    <p:sldId id="284" r:id="rId30"/>
-    <p:sldId id="285" r:id="rId31"/>
-    <p:sldId id="286" r:id="rId32"/>
-    <p:sldId id="287" r:id="rId33"/>
-    <p:sldId id="288" r:id="rId34"/>
-    <p:sldId id="289" r:id="rId35"/>
-    <p:sldId id="290" r:id="rId36"/>
-    <p:sldId id="291" r:id="rId37"/>
-    <p:sldId id="292" r:id="rId38"/>
-    <p:sldId id="293" r:id="rId39"/>
-    <p:sldId id="294" r:id="rId40"/>
-    <p:sldId id="295" r:id="rId41"/>
+    <p:sldId id="272" r:id="rId17"/>
+    <p:sldId id="274" r:id="rId18"/>
+    <p:sldId id="275" r:id="rId19"/>
+    <p:sldId id="276" r:id="rId20"/>
+    <p:sldId id="277" r:id="rId21"/>
+    <p:sldId id="278" r:id="rId22"/>
+    <p:sldId id="279" r:id="rId23"/>
+    <p:sldId id="280" r:id="rId24"/>
+    <p:sldId id="281" r:id="rId25"/>
+    <p:sldId id="282" r:id="rId26"/>
+    <p:sldId id="283" r:id="rId27"/>
+    <p:sldId id="284" r:id="rId28"/>
+    <p:sldId id="285" r:id="rId29"/>
+    <p:sldId id="286" r:id="rId30"/>
+    <p:sldId id="287" r:id="rId31"/>
+    <p:sldId id="288" r:id="rId32"/>
+    <p:sldId id="289" r:id="rId33"/>
+    <p:sldId id="290" r:id="rId34"/>
+    <p:sldId id="291" r:id="rId35"/>
+    <p:sldId id="292" r:id="rId36"/>
   </p:sldIdLst>
   <p:sldSz cx="12192000" cy="6858000"/>
   <p:notesSz cx="6858000" cy="9144000"/>
@@ -143,6 +138,11 @@
       </a:defRPr>
     </a:lvl9pPr>
   </p:defaultTextStyle>
+  <p:extLst>
+    <p:ext uri="{EFAFB233-063F-42B5-8137-9DF3F51BA10A}">
+      <p15:sldGuideLst xmlns:p15="http://schemas.microsoft.com/office/powerpoint/2012/main"/>
+    </p:ext>
+  </p:extLst>
 </p:presentation>
 </file>
 
@@ -868,7 +868,7 @@
           <a:p>
             <a:fld id="{27F54CF7-68EA-2049-AF1D-68CFF274CF67}" type="datetimeFigureOut">
               <a:rPr lang="fr-FR" smtClean="0"/>
-              <a:t>15/04/2020</a:t>
+              <a:t>21/04/2020</a:t>
             </a:fld>
             <a:endParaRPr lang="fr-FR"/>
           </a:p>
@@ -910,7 +910,7 @@
           <a:p>
             <a:fld id="{5D5A7ACE-5314-0049-B55A-2FB85FFC4206}" type="slidenum">
               <a:rPr lang="fr-FR" smtClean="0"/>
-              <a:t>‹n°›</a:t>
+              <a:t>‹N°›</a:t>
             </a:fld>
             <a:endParaRPr lang="fr-FR"/>
           </a:p>
@@ -1119,7 +1119,7 @@
           <a:p>
             <a:fld id="{27F54CF7-68EA-2049-AF1D-68CFF274CF67}" type="datetimeFigureOut">
               <a:rPr lang="fr-FR" smtClean="0"/>
-              <a:t>15/04/2020</a:t>
+              <a:t>21/04/2020</a:t>
             </a:fld>
             <a:endParaRPr lang="fr-FR"/>
           </a:p>
@@ -1161,7 +1161,7 @@
           <a:p>
             <a:fld id="{5D5A7ACE-5314-0049-B55A-2FB85FFC4206}" type="slidenum">
               <a:rPr lang="fr-FR" smtClean="0"/>
-              <a:t>‹n°›</a:t>
+              <a:t>‹N°›</a:t>
             </a:fld>
             <a:endParaRPr lang="fr-FR"/>
           </a:p>
@@ -1433,7 +1433,7 @@
           <a:p>
             <a:fld id="{27F54CF7-68EA-2049-AF1D-68CFF274CF67}" type="datetimeFigureOut">
               <a:rPr lang="fr-FR" smtClean="0"/>
-              <a:t>15/04/2020</a:t>
+              <a:t>21/04/2020</a:t>
             </a:fld>
             <a:endParaRPr lang="fr-FR"/>
           </a:p>
@@ -1475,7 +1475,7 @@
           <a:p>
             <a:fld id="{5D5A7ACE-5314-0049-B55A-2FB85FFC4206}" type="slidenum">
               <a:rPr lang="fr-FR" smtClean="0"/>
-              <a:t>‹n°›</a:t>
+              <a:t>‹N°›</a:t>
             </a:fld>
             <a:endParaRPr lang="fr-FR"/>
           </a:p>
@@ -1774,7 +1774,7 @@
           <a:p>
             <a:fld id="{27F54CF7-68EA-2049-AF1D-68CFF274CF67}" type="datetimeFigureOut">
               <a:rPr lang="fr-FR" smtClean="0"/>
-              <a:t>15/04/2020</a:t>
+              <a:t>21/04/2020</a:t>
             </a:fld>
             <a:endParaRPr lang="fr-FR"/>
           </a:p>
@@ -1816,7 +1816,7 @@
           <a:p>
             <a:fld id="{5D5A7ACE-5314-0049-B55A-2FB85FFC4206}" type="slidenum">
               <a:rPr lang="fr-FR" smtClean="0"/>
-              <a:t>‹n°›</a:t>
+              <a:t>‹N°›</a:t>
             </a:fld>
             <a:endParaRPr lang="fr-FR"/>
           </a:p>
@@ -2088,7 +2088,7 @@
           <a:p>
             <a:fld id="{27F54CF7-68EA-2049-AF1D-68CFF274CF67}" type="datetimeFigureOut">
               <a:rPr lang="fr-FR" smtClean="0"/>
-              <a:t>15/04/2020</a:t>
+              <a:t>21/04/2020</a:t>
             </a:fld>
             <a:endParaRPr lang="fr-FR"/>
           </a:p>
@@ -2130,7 +2130,7 @@
           <a:p>
             <a:fld id="{5D5A7ACE-5314-0049-B55A-2FB85FFC4206}" type="slidenum">
               <a:rPr lang="fr-FR" smtClean="0"/>
-              <a:t>‹n°›</a:t>
+              <a:t>‹N°›</a:t>
             </a:fld>
             <a:endParaRPr lang="fr-FR"/>
           </a:p>
@@ -2481,7 +2481,7 @@
           <a:p>
             <a:fld id="{27F54CF7-68EA-2049-AF1D-68CFF274CF67}" type="datetimeFigureOut">
               <a:rPr lang="fr-FR" smtClean="0"/>
-              <a:t>15/04/2020</a:t>
+              <a:t>21/04/2020</a:t>
             </a:fld>
             <a:endParaRPr lang="fr-FR"/>
           </a:p>
@@ -2523,7 +2523,7 @@
           <a:p>
             <a:fld id="{5D5A7ACE-5314-0049-B55A-2FB85FFC4206}" type="slidenum">
               <a:rPr lang="fr-FR" smtClean="0"/>
-              <a:t>‹n°›</a:t>
+              <a:t>‹N°›</a:t>
             </a:fld>
             <a:endParaRPr lang="fr-FR"/>
           </a:p>
@@ -2651,7 +2651,7 @@
           <a:p>
             <a:fld id="{27F54CF7-68EA-2049-AF1D-68CFF274CF67}" type="datetimeFigureOut">
               <a:rPr lang="fr-FR" smtClean="0"/>
-              <a:t>15/04/2020</a:t>
+              <a:t>21/04/2020</a:t>
             </a:fld>
             <a:endParaRPr lang="fr-FR"/>
           </a:p>
@@ -2693,7 +2693,7 @@
           <a:p>
             <a:fld id="{5D5A7ACE-5314-0049-B55A-2FB85FFC4206}" type="slidenum">
               <a:rPr lang="fr-FR" smtClean="0"/>
-              <a:t>‹n°›</a:t>
+              <a:t>‹N°›</a:t>
             </a:fld>
             <a:endParaRPr lang="fr-FR"/>
           </a:p>
@@ -2831,7 +2831,7 @@
           <a:p>
             <a:fld id="{27F54CF7-68EA-2049-AF1D-68CFF274CF67}" type="datetimeFigureOut">
               <a:rPr lang="fr-FR" smtClean="0"/>
-              <a:t>15/04/2020</a:t>
+              <a:t>21/04/2020</a:t>
             </a:fld>
             <a:endParaRPr lang="fr-FR"/>
           </a:p>
@@ -2873,7 +2873,7 @@
           <a:p>
             <a:fld id="{5D5A7ACE-5314-0049-B55A-2FB85FFC4206}" type="slidenum">
               <a:rPr lang="fr-FR" smtClean="0"/>
-              <a:t>‹n°›</a:t>
+              <a:t>‹N°›</a:t>
             </a:fld>
             <a:endParaRPr lang="fr-FR"/>
           </a:p>
@@ -3007,7 +3007,7 @@
           <a:p>
             <a:fld id="{27F54CF7-68EA-2049-AF1D-68CFF274CF67}" type="datetimeFigureOut">
               <a:rPr lang="fr-FR" smtClean="0"/>
-              <a:t>15/04/2020</a:t>
+              <a:t>21/04/2020</a:t>
             </a:fld>
             <a:endParaRPr lang="fr-FR"/>
           </a:p>
@@ -3049,7 +3049,7 @@
           <a:p>
             <a:fld id="{5D5A7ACE-5314-0049-B55A-2FB85FFC4206}" type="slidenum">
               <a:rPr lang="fr-FR" smtClean="0"/>
-              <a:t>‹n°›</a:t>
+              <a:t>‹N°›</a:t>
             </a:fld>
             <a:endParaRPr lang="fr-FR"/>
           </a:p>
@@ -3254,7 +3254,7 @@
           <a:p>
             <a:fld id="{27F54CF7-68EA-2049-AF1D-68CFF274CF67}" type="datetimeFigureOut">
               <a:rPr lang="fr-FR" smtClean="0"/>
-              <a:t>15/04/2020</a:t>
+              <a:t>21/04/2020</a:t>
             </a:fld>
             <a:endParaRPr lang="fr-FR"/>
           </a:p>
@@ -3296,7 +3296,7 @@
           <a:p>
             <a:fld id="{5D5A7ACE-5314-0049-B55A-2FB85FFC4206}" type="slidenum">
               <a:rPr lang="fr-FR" smtClean="0"/>
-              <a:t>‹n°›</a:t>
+              <a:t>‹N°›</a:t>
             </a:fld>
             <a:endParaRPr lang="fr-FR"/>
           </a:p>
@@ -3486,7 +3486,7 @@
           <a:p>
             <a:fld id="{27F54CF7-68EA-2049-AF1D-68CFF274CF67}" type="datetimeFigureOut">
               <a:rPr lang="fr-FR" smtClean="0"/>
-              <a:t>15/04/2020</a:t>
+              <a:t>21/04/2020</a:t>
             </a:fld>
             <a:endParaRPr lang="fr-FR"/>
           </a:p>
@@ -3528,7 +3528,7 @@
           <a:p>
             <a:fld id="{5D5A7ACE-5314-0049-B55A-2FB85FFC4206}" type="slidenum">
               <a:rPr lang="fr-FR" smtClean="0"/>
-              <a:t>‹n°›</a:t>
+              <a:t>‹N°›</a:t>
             </a:fld>
             <a:endParaRPr lang="fr-FR"/>
           </a:p>
@@ -3860,7 +3860,7 @@
           <a:p>
             <a:fld id="{27F54CF7-68EA-2049-AF1D-68CFF274CF67}" type="datetimeFigureOut">
               <a:rPr lang="fr-FR" smtClean="0"/>
-              <a:t>15/04/2020</a:t>
+              <a:t>21/04/2020</a:t>
             </a:fld>
             <a:endParaRPr lang="fr-FR"/>
           </a:p>
@@ -3902,7 +3902,7 @@
           <a:p>
             <a:fld id="{5D5A7ACE-5314-0049-B55A-2FB85FFC4206}" type="slidenum">
               <a:rPr lang="fr-FR" smtClean="0"/>
-              <a:t>‹n°›</a:t>
+              <a:t>‹N°›</a:t>
             </a:fld>
             <a:endParaRPr lang="fr-FR"/>
           </a:p>
@@ -3983,7 +3983,7 @@
           <a:p>
             <a:fld id="{27F54CF7-68EA-2049-AF1D-68CFF274CF67}" type="datetimeFigureOut">
               <a:rPr lang="fr-FR" smtClean="0"/>
-              <a:t>15/04/2020</a:t>
+              <a:t>21/04/2020</a:t>
             </a:fld>
             <a:endParaRPr lang="fr-FR"/>
           </a:p>
@@ -4025,7 +4025,7 @@
           <a:p>
             <a:fld id="{5D5A7ACE-5314-0049-B55A-2FB85FFC4206}" type="slidenum">
               <a:rPr lang="fr-FR" smtClean="0"/>
-              <a:t>‹n°›</a:t>
+              <a:t>‹N°›</a:t>
             </a:fld>
             <a:endParaRPr lang="fr-FR"/>
           </a:p>
@@ -4078,7 +4078,7 @@
           <a:p>
             <a:fld id="{27F54CF7-68EA-2049-AF1D-68CFF274CF67}" type="datetimeFigureOut">
               <a:rPr lang="fr-FR" smtClean="0"/>
-              <a:t>15/04/2020</a:t>
+              <a:t>21/04/2020</a:t>
             </a:fld>
             <a:endParaRPr lang="fr-FR"/>
           </a:p>
@@ -4120,7 +4120,7 @@
           <a:p>
             <a:fld id="{5D5A7ACE-5314-0049-B55A-2FB85FFC4206}" type="slidenum">
               <a:rPr lang="fr-FR" smtClean="0"/>
-              <a:t>‹n°›</a:t>
+              <a:t>‹N°›</a:t>
             </a:fld>
             <a:endParaRPr lang="fr-FR"/>
           </a:p>
@@ -4333,7 +4333,7 @@
           <a:p>
             <a:fld id="{27F54CF7-68EA-2049-AF1D-68CFF274CF67}" type="datetimeFigureOut">
               <a:rPr lang="fr-FR" smtClean="0"/>
-              <a:t>15/04/2020</a:t>
+              <a:t>21/04/2020</a:t>
             </a:fld>
             <a:endParaRPr lang="fr-FR"/>
           </a:p>
@@ -4375,7 +4375,7 @@
           <a:p>
             <a:fld id="{5D5A7ACE-5314-0049-B55A-2FB85FFC4206}" type="slidenum">
               <a:rPr lang="fr-FR" smtClean="0"/>
-              <a:t>‹n°›</a:t>
+              <a:t>‹N°›</a:t>
             </a:fld>
             <a:endParaRPr lang="fr-FR"/>
           </a:p>
@@ -4596,7 +4596,7 @@
           <a:p>
             <a:fld id="{27F54CF7-68EA-2049-AF1D-68CFF274CF67}" type="datetimeFigureOut">
               <a:rPr lang="fr-FR" smtClean="0"/>
-              <a:t>15/04/2020</a:t>
+              <a:t>21/04/2020</a:t>
             </a:fld>
             <a:endParaRPr lang="fr-FR"/>
           </a:p>
@@ -4638,7 +4638,7 @@
           <a:p>
             <a:fld id="{5D5A7ACE-5314-0049-B55A-2FB85FFC4206}" type="slidenum">
               <a:rPr lang="fr-FR" smtClean="0"/>
-              <a:t>‹n°›</a:t>
+              <a:t>‹N°›</a:t>
             </a:fld>
             <a:endParaRPr lang="fr-FR"/>
           </a:p>
@@ -5339,7 +5339,7 @@
           <a:p>
             <a:fld id="{27F54CF7-68EA-2049-AF1D-68CFF274CF67}" type="datetimeFigureOut">
               <a:rPr lang="fr-FR" smtClean="0"/>
-              <a:t>15/04/2020</a:t>
+              <a:t>21/04/2020</a:t>
             </a:fld>
             <a:endParaRPr lang="fr-FR"/>
           </a:p>
@@ -5415,7 +5415,7 @@
           <a:p>
             <a:fld id="{5D5A7ACE-5314-0049-B55A-2FB85FFC4206}" type="slidenum">
               <a:rPr lang="fr-FR" smtClean="0"/>
-              <a:t>‹n°›</a:t>
+              <a:t>‹N°›</a:t>
             </a:fld>
             <a:endParaRPr lang="fr-FR"/>
           </a:p>
@@ -5883,68 +5883,11 @@
           <a:bodyPr/>
           <a:lstStyle/>
           <a:p>
-            <a:pPr lvl="0" marL="0" indent="0">
+            <a:pPr marL="0" lvl="0" indent="0">
               <a:buNone/>
             </a:pPr>
             <a:r>
-              <a:rPr/>
-              <a:t>Prix</a:t>
-            </a:r>
-            <a:r>
-              <a:rPr/>
-              <a:t> </a:t>
-            </a:r>
-            <a:r>
-              <a:rPr/>
-              <a:t>de</a:t>
-            </a:r>
-            <a:r>
-              <a:rPr/>
-              <a:t> </a:t>
-            </a:r>
-            <a:r>
-              <a:rPr/>
-              <a:t>vente</a:t>
-            </a:r>
-            <a:r>
-              <a:rPr/>
-              <a:t> </a:t>
-            </a:r>
-            <a:r>
-              <a:rPr/>
-              <a:t>de</a:t>
-            </a:r>
-            <a:r>
-              <a:rPr/>
-              <a:t> </a:t>
-            </a:r>
-            <a:r>
-              <a:rPr/>
-              <a:t>maisons</a:t>
-            </a:r>
-            <a:r>
-              <a:rPr/>
-              <a:t> </a:t>
-            </a:r>
-            <a:r>
-              <a:rPr/>
-              <a:t>à</a:t>
-            </a:r>
-            <a:r>
-              <a:rPr/>
-              <a:t> </a:t>
-            </a:r>
-            <a:r>
-              <a:rPr/>
-              <a:t>King</a:t>
-            </a:r>
-            <a:r>
-              <a:rPr/>
-              <a:t> </a:t>
-            </a:r>
-            <a:r>
-              <a:rPr/>
-              <a:t>County</a:t>
+              <a:t>Prix de vente de maisons à King County</a:t>
             </a:r>
           </a:p>
         </p:txBody>
@@ -5966,87 +5909,27 @@
           </a:xfrm>
         </p:spPr>
         <p:txBody>
-          <a:bodyPr/>
+          <a:bodyPr>
+            <a:normAutofit lnSpcReduction="10000"/>
+          </a:bodyPr>
           <a:lstStyle/>
           <a:p>
-            <a:pPr lvl="0" marL="0" indent="0">
+            <a:pPr marL="0" lvl="0" indent="0">
               <a:buNone/>
             </a:pPr>
             <a:br/>
             <a:br/>
             <a:r>
-              <a:rPr/>
-              <a:t>Matis</a:t>
-            </a:r>
-            <a:r>
-              <a:rPr/>
-              <a:t> </a:t>
-            </a:r>
-            <a:r>
-              <a:rPr/>
-              <a:t>Brassard-Verrier,</a:t>
-            </a:r>
-            <a:r>
-              <a:rPr/>
-              <a:t> </a:t>
-            </a:r>
-            <a:r>
-              <a:rPr/>
-              <a:t>Alyson</a:t>
-            </a:r>
-            <a:r>
-              <a:rPr/>
-              <a:t> </a:t>
-            </a:r>
-            <a:r>
-              <a:rPr/>
-              <a:t>Marquis,</a:t>
-            </a:r>
-            <a:r>
-              <a:rPr/>
-              <a:t> </a:t>
-            </a:r>
-            <a:r>
-              <a:rPr/>
-              <a:t>Alexis</a:t>
-            </a:r>
-            <a:r>
-              <a:rPr/>
-              <a:t> </a:t>
-            </a:r>
-            <a:r>
-              <a:rPr/>
-              <a:t>Picard</a:t>
-            </a:r>
-            <a:r>
-              <a:rPr/>
-              <a:t> </a:t>
-            </a:r>
-            <a:r>
-              <a:rPr/>
-              <a:t>et</a:t>
-            </a:r>
-            <a:r>
-              <a:rPr/>
-              <a:t> </a:t>
-            </a:r>
-            <a:r>
-              <a:rPr/>
-              <a:t>Samuel</a:t>
-            </a:r>
-            <a:r>
-              <a:rPr/>
-              <a:t> </a:t>
-            </a:r>
-            <a:r>
-              <a:rPr/>
-              <a:t>Provencher</a:t>
+              <a:t>Matis Brassard-Verrier, Alyson Marquis, Alexis Picard et Samuel Provencher</a:t>
             </a:r>
           </a:p>
         </p:txBody>
       </p:sp>
     </p:spTree>
   </p:cSld>
+  <p:clrMapOvr>
+    <a:masterClrMapping/>
+  </p:clrMapOvr>
 </p:sld>
 </file>
 
@@ -6082,20 +5965,11 @@
           <a:bodyPr/>
           <a:lstStyle/>
           <a:p>
-            <a:pPr lvl="0" marL="0" indent="0">
+            <a:pPr marL="0" lvl="0" indent="0">
               <a:buNone/>
             </a:pPr>
             <a:r>
-              <a:rPr/>
-              <a:t>Modèles</a:t>
-            </a:r>
-            <a:r>
-              <a:rPr/>
-              <a:t> </a:t>
-            </a:r>
-            <a:r>
-              <a:rPr/>
-              <a:t>testés</a:t>
+              <a:t>Modèles testés</a:t>
             </a:r>
           </a:p>
         </p:txBody>
@@ -6117,76 +5991,183 @@
           <a:p>
             <a:pPr lvl="1"/>
             <a:r>
-              <a:rPr/>
-              <a:t>Modèle de base</a:t>
+              <a:rPr sz="1800" dirty="0" err="1"/>
+              <a:t>Modèle</a:t>
+            </a:r>
+            <a:r>
+              <a:rPr sz="1800" dirty="0"/>
+              <a:t> de base</a:t>
             </a:r>
           </a:p>
           <a:p>
             <a:pPr lvl="1"/>
             <a:r>
-              <a:rPr/>
-              <a:t>Modèle linéaire généralisé avec régression Lasso</a:t>
+              <a:rPr sz="1800" dirty="0" err="1"/>
+              <a:t>Modèle</a:t>
+            </a:r>
+            <a:r>
+              <a:rPr sz="1800" dirty="0"/>
+              <a:t> </a:t>
+            </a:r>
+            <a:r>
+              <a:rPr sz="1800" dirty="0" err="1"/>
+              <a:t>linéaire</a:t>
+            </a:r>
+            <a:r>
+              <a:rPr sz="1800" dirty="0"/>
+              <a:t> </a:t>
+            </a:r>
+            <a:r>
+              <a:rPr sz="1800" dirty="0" err="1"/>
+              <a:t>généralisé</a:t>
+            </a:r>
+            <a:r>
+              <a:rPr sz="1800" dirty="0"/>
+              <a:t> avec </a:t>
+            </a:r>
+            <a:r>
+              <a:rPr sz="1800" dirty="0" err="1"/>
+              <a:t>régression</a:t>
+            </a:r>
+            <a:r>
+              <a:rPr sz="1800" dirty="0"/>
+              <a:t> Lasso</a:t>
             </a:r>
           </a:p>
           <a:p>
             <a:pPr lvl="1"/>
             <a:r>
-              <a:rPr/>
-              <a:t>Modèle des </a:t>
-            </a:r>
-            <a:r>
-              <a:rPr i="1"/>
+              <a:rPr sz="1800" dirty="0" err="1"/>
+              <a:t>Modèle</a:t>
+            </a:r>
+            <a:r>
+              <a:rPr sz="1800" dirty="0"/>
+              <a:t> des </a:t>
+            </a:r>
+            <a:r>
+              <a:rPr sz="1800" i="1" dirty="0"/>
               <a:t>k</a:t>
             </a:r>
             <a:r>
-              <a:rPr/>
-              <a:t> plus proches voisins</a:t>
-            </a:r>
+              <a:rPr sz="1800" dirty="0"/>
+              <a:t> plus </a:t>
+            </a:r>
+            <a:r>
+              <a:rPr sz="1800" dirty="0" err="1"/>
+              <a:t>proches</a:t>
+            </a:r>
+            <a:r>
+              <a:rPr sz="1800" dirty="0"/>
+              <a:t> </a:t>
+            </a:r>
+            <a:r>
+              <a:rPr sz="1800" dirty="0" err="1"/>
+              <a:t>voisins</a:t>
+            </a:r>
+            <a:endParaRPr sz="1800" dirty="0"/>
           </a:p>
           <a:p>
             <a:pPr lvl="1"/>
             <a:r>
-              <a:rPr/>
-              <a:t>Arbre de décision</a:t>
-            </a:r>
+              <a:rPr sz="1800" dirty="0" err="1"/>
+              <a:t>Arbre</a:t>
+            </a:r>
+            <a:r>
+              <a:rPr sz="1800" dirty="0"/>
+              <a:t> de </a:t>
+            </a:r>
+            <a:r>
+              <a:rPr sz="1800" dirty="0" err="1"/>
+              <a:t>décision</a:t>
+            </a:r>
+            <a:endParaRPr sz="1800" dirty="0"/>
           </a:p>
           <a:p>
             <a:pPr lvl="1"/>
             <a:r>
-              <a:rPr/>
-              <a:t>Ensemble d’arbres de décision agrégées par </a:t>
-            </a:r>
-            <a:r>
-              <a:rPr i="1"/>
+              <a:rPr sz="1800" dirty="0"/>
+              <a:t>Ensemble </a:t>
+            </a:r>
+            <a:r>
+              <a:rPr sz="1800" dirty="0" err="1"/>
+              <a:t>d’arbres</a:t>
+            </a:r>
+            <a:r>
+              <a:rPr sz="1800" dirty="0"/>
+              <a:t> de </a:t>
+            </a:r>
+            <a:r>
+              <a:rPr sz="1800" dirty="0" err="1"/>
+              <a:t>décision</a:t>
+            </a:r>
+            <a:r>
+              <a:rPr sz="1800" dirty="0"/>
+              <a:t> </a:t>
+            </a:r>
+            <a:r>
+              <a:rPr sz="1800" dirty="0" err="1"/>
+              <a:t>agrégées</a:t>
+            </a:r>
+            <a:r>
+              <a:rPr sz="1800" dirty="0"/>
+              <a:t> par </a:t>
+            </a:r>
+            <a:r>
+              <a:rPr sz="1800" i="1" dirty="0"/>
               <a:t>bagging</a:t>
             </a:r>
           </a:p>
           <a:p>
             <a:pPr lvl="1"/>
             <a:r>
-              <a:rPr/>
-              <a:t>Forêt aléatoire</a:t>
-            </a:r>
+              <a:rPr sz="1800" dirty="0" err="1"/>
+              <a:t>Forêt</a:t>
+            </a:r>
+            <a:r>
+              <a:rPr sz="1800" dirty="0"/>
+              <a:t> </a:t>
+            </a:r>
+            <a:r>
+              <a:rPr sz="1800" dirty="0" err="1"/>
+              <a:t>aléatoire</a:t>
+            </a:r>
+            <a:endParaRPr sz="1800" dirty="0"/>
           </a:p>
           <a:p>
             <a:pPr lvl="1"/>
             <a:r>
-              <a:rPr/>
-              <a:t>Modèle de boosting de gradient stochastique (</a:t>
-            </a:r>
-            <a:r>
-              <a:rPr i="1"/>
+              <a:rPr sz="1800" dirty="0" err="1"/>
+              <a:t>Modèle</a:t>
+            </a:r>
+            <a:r>
+              <a:rPr sz="1800" dirty="0"/>
+              <a:t> de boosting de gradient </a:t>
+            </a:r>
+            <a:r>
+              <a:rPr sz="1800" dirty="0" err="1"/>
+              <a:t>stochastique</a:t>
+            </a:r>
+            <a:r>
+              <a:rPr sz="1800" dirty="0"/>
+              <a:t> (</a:t>
+            </a:r>
+            <a:r>
+              <a:rPr sz="1800" i="1" dirty="0"/>
               <a:t>GBM</a:t>
             </a:r>
             <a:r>
-              <a:rPr/>
+              <a:rPr sz="1800" dirty="0"/>
               <a:t>)</a:t>
             </a:r>
+            <a:endParaRPr dirty="0"/>
           </a:p>
         </p:txBody>
       </p:sp>
     </p:spTree>
   </p:cSld>
+  <p:clrMapOvr>
+    <a:masterClrMapping/>
+  </p:clrMapOvr>
 </p:sld>
 </file>
 
@@ -6222,95 +6203,100 @@
           <a:bodyPr/>
           <a:lstStyle/>
           <a:p>
-            <a:pPr lvl="0" marL="0" indent="0">
+            <a:pPr marL="0" lvl="0" indent="0">
               <a:buNone/>
             </a:pPr>
             <a:r>
-              <a:rPr/>
-              <a:t>Modèles</a:t>
-            </a:r>
-            <a:r>
-              <a:rPr/>
+              <a:t>Modèles testés - Modèle de base</a:t>
+            </a:r>
+          </a:p>
+        </p:txBody>
+      </p:sp>
+      <p:sp>
+        <p:nvSpPr>
+          <p:cNvPr id="3" name="Content Placeholder 2"/>
+          <p:cNvSpPr>
+            <a:spLocks noGrp="1"/>
+          </p:cNvSpPr>
+          <p:nvPr>
+            <p:ph idx="1"/>
+          </p:nvPr>
+        </p:nvSpPr>
+        <p:spPr/>
+        <p:txBody>
+          <a:bodyPr>
+            <a:normAutofit/>
+          </a:bodyPr>
+          <a:lstStyle/>
+          <a:p>
+            <a:pPr lvl="1"/>
+            <a:r>
+              <a:rPr sz="1800" dirty="0" err="1"/>
+              <a:t>Régression</a:t>
+            </a:r>
+            <a:r>
+              <a:rPr sz="1800" dirty="0"/>
               <a:t> </a:t>
             </a:r>
             <a:r>
-              <a:rPr/>
-              <a:t>testés</a:t>
-            </a:r>
-            <a:r>
-              <a:rPr/>
+              <a:rPr sz="1800" dirty="0" err="1"/>
+              <a:t>linéaire</a:t>
+            </a:r>
+            <a:r>
+              <a:rPr sz="1800" dirty="0"/>
+              <a:t> multiple avec transformation </a:t>
+            </a:r>
+            <a:r>
+              <a:rPr sz="1800" dirty="0" err="1"/>
+              <a:t>logarithmique</a:t>
+            </a:r>
+            <a:endParaRPr sz="1800" dirty="0"/>
+          </a:p>
+          <a:p>
+            <a:pPr lvl="1"/>
+            <a:r>
+              <a:rPr sz="1800" dirty="0" err="1"/>
+              <a:t>Aucune</a:t>
+            </a:r>
+            <a:r>
+              <a:rPr sz="1800" dirty="0"/>
+              <a:t> interaction</a:t>
+            </a:r>
+          </a:p>
+          <a:p>
+            <a:pPr lvl="1"/>
+            <a:r>
+              <a:rPr sz="1800" dirty="0" err="1"/>
+              <a:t>Aucune</a:t>
+            </a:r>
+            <a:r>
+              <a:rPr sz="1800" dirty="0"/>
               <a:t> </a:t>
             </a:r>
             <a:r>
-              <a:rPr/>
-              <a:t>-</a:t>
-            </a:r>
-            <a:r>
-              <a:rPr/>
+              <a:rPr sz="1800" dirty="0" err="1"/>
+              <a:t>sélection</a:t>
+            </a:r>
+            <a:r>
+              <a:rPr sz="1800" dirty="0"/>
               <a:t> </a:t>
             </a:r>
             <a:r>
-              <a:rPr/>
-              <a:t>Modèle</a:t>
-            </a:r>
-            <a:r>
-              <a:rPr/>
-              <a:t> </a:t>
-            </a:r>
-            <a:r>
-              <a:rPr/>
-              <a:t>de</a:t>
-            </a:r>
-            <a:r>
-              <a:rPr/>
-              <a:t> </a:t>
-            </a:r>
-            <a:r>
-              <a:rPr/>
-              <a:t>base</a:t>
-            </a:r>
-          </a:p>
-        </p:txBody>
-      </p:sp>
-      <p:sp>
-        <p:nvSpPr>
-          <p:cNvPr id="3" name="Content Placeholder 2"/>
-          <p:cNvSpPr>
-            <a:spLocks noGrp="1"/>
-          </p:cNvSpPr>
-          <p:nvPr>
-            <p:ph idx="1"/>
-          </p:nvPr>
-        </p:nvSpPr>
-        <p:spPr/>
-        <p:txBody>
-          <a:bodyPr/>
-          <a:lstStyle/>
-          <a:p>
-            <a:pPr lvl="1"/>
-            <a:r>
-              <a:rPr/>
-              <a:t>Régression linéaire multiple avec transformation logarithmique</a:t>
-            </a:r>
-          </a:p>
-          <a:p>
-            <a:pPr lvl="1"/>
-            <a:r>
-              <a:rPr/>
-              <a:t>Aucune interaction</a:t>
-            </a:r>
-          </a:p>
-          <a:p>
-            <a:pPr lvl="1"/>
-            <a:r>
-              <a:rPr/>
-              <a:t>Aucune sélection formelle de variables</a:t>
+              <a:rPr sz="1800" dirty="0" err="1"/>
+              <a:t>formelle</a:t>
+            </a:r>
+            <a:r>
+              <a:rPr sz="1800" dirty="0"/>
+              <a:t> de variables</a:t>
             </a:r>
           </a:p>
         </p:txBody>
       </p:sp>
     </p:spTree>
   </p:cSld>
+  <p:clrMapOvr>
+    <a:masterClrMapping/>
+  </p:clrMapOvr>
 </p:sld>
 </file>
 
@@ -6346,76 +6332,11 @@
           <a:bodyPr/>
           <a:lstStyle/>
           <a:p>
-            <a:pPr lvl="0" marL="0" indent="0">
+            <a:pPr marL="0" lvl="0" indent="0">
               <a:buNone/>
             </a:pPr>
             <a:r>
-              <a:rPr/>
-              <a:t>Modèles</a:t>
-            </a:r>
-            <a:r>
-              <a:rPr/>
-              <a:t> </a:t>
-            </a:r>
-            <a:r>
-              <a:rPr/>
-              <a:t>testés</a:t>
-            </a:r>
-            <a:r>
-              <a:rPr/>
-              <a:t> </a:t>
-            </a:r>
-            <a:r>
-              <a:rPr/>
-              <a:t>-</a:t>
-            </a:r>
-            <a:r>
-              <a:rPr/>
-              <a:t> </a:t>
-            </a:r>
-            <a:r>
-              <a:rPr/>
-              <a:t>Modèle</a:t>
-            </a:r>
-            <a:r>
-              <a:rPr/>
-              <a:t> </a:t>
-            </a:r>
-            <a:r>
-              <a:rPr/>
-              <a:t>linéaire</a:t>
-            </a:r>
-            <a:r>
-              <a:rPr/>
-              <a:t> </a:t>
-            </a:r>
-            <a:r>
-              <a:rPr/>
-              <a:t>généralisé</a:t>
-            </a:r>
-            <a:r>
-              <a:rPr/>
-              <a:t> </a:t>
-            </a:r>
-            <a:r>
-              <a:rPr/>
-              <a:t>avec</a:t>
-            </a:r>
-            <a:r>
-              <a:rPr/>
-              <a:t> </a:t>
-            </a:r>
-            <a:r>
-              <a:rPr/>
-              <a:t>régression</a:t>
-            </a:r>
-            <a:r>
-              <a:rPr/>
-              <a:t> </a:t>
-            </a:r>
-            <a:r>
-              <a:rPr/>
-              <a:t>Lasso</a:t>
+              <a:t>Modèles testés - Modèle linéaire généralisé avec régression Lasso</a:t>
             </a:r>
           </a:p>
         </p:txBody>
@@ -6434,42 +6355,116 @@
             </p:nvSpPr>
             <p:spPr/>
             <p:txBody>
-              <a:bodyPr/>
+              <a:bodyPr>
+                <a:normAutofit/>
+              </a:bodyPr>
               <a:lstStyle/>
               <a:p>
                 <a:pPr lvl="1"/>
                 <a:r>
-                  <a:rPr/>
-                  <a:t>Sélection des variables</a:t>
+                  <a:rPr sz="1800" dirty="0" err="1"/>
+                  <a:t>Sélection</a:t>
+                </a:r>
+                <a:r>
+                  <a:rPr sz="1800" dirty="0"/>
+                  <a:t> des variables</a:t>
                 </a:r>
               </a:p>
               <a:p>
                 <a:pPr lvl="1"/>
                 <a:r>
-                  <a:rPr/>
-                  <a:t>Optimisation du paramètre de régularisation </a:t>
+                  <a:rPr sz="1800" dirty="0" err="1"/>
+                  <a:t>Optimisation</a:t>
+                </a:r>
+                <a:r>
+                  <a:rPr sz="1800" dirty="0"/>
+                  <a:t> du </a:t>
+                </a:r>
+                <a:r>
+                  <a:rPr sz="1800" dirty="0" err="1"/>
+                  <a:t>paramètre</a:t>
+                </a:r>
+                <a:r>
+                  <a:rPr sz="1800" dirty="0"/>
+                  <a:t> de </a:t>
+                </a:r>
+                <a:r>
+                  <a:rPr sz="1800" dirty="0" err="1"/>
+                  <a:t>régularisation</a:t>
+                </a:r>
+                <a:r>
+                  <a:rPr sz="1800" dirty="0"/>
+                  <a:t> </a:t>
                 </a:r>
                 <a14:m>
                   <m:oMath xmlns:m="http://schemas.openxmlformats.org/officeDocument/2006/math">
                     <m:r>
-                      <m:t>λ</m:t>
+                      <a:rPr sz="1800">
+                        <a:latin typeface="Cambria Math" panose="02040503050406030204" pitchFamily="18" charset="0"/>
+                      </a:rPr>
+                      <m:t>𝜆</m:t>
                     </m:r>
                   </m:oMath>
                 </a14:m>
+                <a:endParaRPr sz="1800" dirty="0"/>
               </a:p>
               <a:p>
                 <a:pPr lvl="1"/>
                 <a:r>
-                  <a:rPr/>
-                  <a:t>Sept variables explicatives et 22 interactions</a:t>
+                  <a:rPr sz="1800" dirty="0"/>
+                  <a:t>Sept variables </a:t>
+                </a:r>
+                <a:r>
+                  <a:rPr sz="1800" dirty="0" err="1"/>
+                  <a:t>explicatives</a:t>
+                </a:r>
+                <a:r>
+                  <a:rPr sz="1800" dirty="0"/>
+                  <a:t> et 22 interactions</a:t>
                 </a:r>
               </a:p>
             </p:txBody>
           </p:sp>
         </mc:Choice>
+        <mc:Fallback>
+          <p:sp>
+            <p:nvSpPr>
+              <p:cNvPr id="3" name="Content Placeholder 2"/>
+              <p:cNvSpPr>
+                <a:spLocks noGrp="1" noRot="1" noChangeAspect="1" noMove="1" noResize="1" noEditPoints="1" noAdjustHandles="1" noChangeArrowheads="1" noChangeShapeType="1" noTextEdit="1"/>
+              </p:cNvSpPr>
+              <p:nvPr>
+                <p:ph idx="1"/>
+              </p:nvPr>
+            </p:nvSpPr>
+            <p:spPr>
+              <a:blipFill>
+                <a:blip r:embed="rId2"/>
+                <a:stretch>
+                  <a:fillRect t="-942"/>
+                </a:stretch>
+              </a:blipFill>
+            </p:spPr>
+            <p:txBody>
+              <a:bodyPr/>
+              <a:lstStyle/>
+              <a:p>
+                <a:r>
+                  <a:rPr lang="fr-CA">
+                    <a:noFill/>
+                  </a:rPr>
+                  <a:t> </a:t>
+                </a:r>
+              </a:p>
+            </p:txBody>
+          </p:sp>
+        </mc:Fallback>
       </mc:AlternateContent>
     </p:spTree>
   </p:cSld>
+  <p:clrMapOvr>
+    <a:masterClrMapping/>
+  </p:clrMapOvr>
 </p:sld>
 </file>
 
@@ -6505,76 +6500,18 @@
           <a:bodyPr/>
           <a:lstStyle/>
           <a:p>
-            <a:pPr lvl="0" marL="0" indent="0">
+            <a:pPr marL="0" lvl="0" indent="0">
               <a:buNone/>
             </a:pPr>
             <a:r>
-              <a:rPr/>
-              <a:t>Modèles</a:t>
-            </a:r>
-            <a:r>
-              <a:rPr/>
-              <a:t> </a:t>
-            </a:r>
-            <a:r>
-              <a:rPr/>
-              <a:t>testés</a:t>
-            </a:r>
-            <a:r>
-              <a:rPr/>
-              <a:t> </a:t>
-            </a:r>
-            <a:r>
-              <a:rPr/>
-              <a:t>-</a:t>
-            </a:r>
-            <a:r>
-              <a:rPr/>
-              <a:t> </a:t>
-            </a:r>
-            <a:r>
-              <a:rPr/>
-              <a:t>Modèle</a:t>
-            </a:r>
-            <a:r>
-              <a:rPr/>
-              <a:t> </a:t>
-            </a:r>
-            <a:r>
-              <a:rPr/>
-              <a:t>des</a:t>
-            </a:r>
-            <a:r>
-              <a:rPr/>
-              <a:t> </a:t>
+              <a:t>Modèles testés - Modèle des </a:t>
             </a:r>
             <a:r>
               <a:rPr i="1"/>
               <a:t>k</a:t>
             </a:r>
             <a:r>
-              <a:rPr/>
-              <a:t> </a:t>
-            </a:r>
-            <a:r>
-              <a:rPr/>
-              <a:t>plus</a:t>
-            </a:r>
-            <a:r>
-              <a:rPr/>
-              <a:t> </a:t>
-            </a:r>
-            <a:r>
-              <a:rPr/>
-              <a:t>proches</a:t>
-            </a:r>
-            <a:r>
-              <a:rPr/>
-              <a:t> </a:t>
-            </a:r>
-            <a:r>
-              <a:rPr/>
-              <a:t>voisins</a:t>
+              <a:t> plus proches voisins</a:t>
             </a:r>
           </a:p>
         </p:txBody>
@@ -6593,33 +6530,52 @@
             </p:nvSpPr>
             <p:spPr/>
             <p:txBody>
-              <a:bodyPr/>
+              <a:bodyPr>
+                <a:normAutofit/>
+              </a:bodyPr>
               <a:lstStyle/>
               <a:p>
                 <a:pPr lvl="1"/>
                 <a:r>
-                  <a:rPr/>
-                  <a:t>Optimisation de </a:t>
+                  <a:rPr sz="1800" dirty="0" err="1"/>
+                  <a:t>Optimisation</a:t>
+                </a:r>
+                <a:r>
+                  <a:rPr sz="1800" dirty="0"/>
+                  <a:t> de </a:t>
                 </a:r>
                 <a14:m>
                   <m:oMath xmlns:m="http://schemas.openxmlformats.org/officeDocument/2006/math">
                     <m:r>
-                      <m:t>k</m:t>
+                      <a:rPr sz="1800">
+                        <a:latin typeface="Cambria Math" panose="02040503050406030204" pitchFamily="18" charset="0"/>
+                      </a:rPr>
+                      <m:t>𝑘</m:t>
                     </m:r>
                   </m:oMath>
                 </a14:m>
+                <a:endParaRPr sz="1800" dirty="0"/>
               </a:p>
               <a:p>
                 <a:pPr lvl="1"/>
                 <a:r>
-                  <a:rPr/>
-                  <a:t>Standardisation des données</a:t>
+                  <a:rPr sz="1800" dirty="0" err="1"/>
+                  <a:t>Standardisation</a:t>
                 </a:r>
+                <a:r>
+                  <a:rPr sz="1800" dirty="0"/>
+                  <a:t> des </a:t>
+                </a:r>
+                <a:r>
+                  <a:rPr sz="1800" dirty="0" err="1"/>
+                  <a:t>données</a:t>
+                </a:r>
+                <a:endParaRPr sz="1800" dirty="0"/>
               </a:p>
               <a:p>
                 <a:pPr lvl="1"/>
                 <a:r>
-                  <a:rPr sz="1800">
+                  <a:rPr sz="1800" dirty="0">
                     <a:latin typeface="Courier"/>
                   </a:rPr>
                   <a:t>metric = "RMSE"</a:t>
@@ -6628,9 +6584,75 @@
             </p:txBody>
           </p:sp>
         </mc:Choice>
+        <mc:Fallback>
+          <p:sp>
+            <p:nvSpPr>
+              <p:cNvPr id="3" name="Content Placeholder 2"/>
+              <p:cNvSpPr>
+                <a:spLocks noGrp="1" noRot="1" noChangeAspect="1" noMove="1" noResize="1" noEditPoints="1" noAdjustHandles="1" noChangeArrowheads="1" noChangeShapeType="1" noTextEdit="1"/>
+              </p:cNvSpPr>
+              <p:nvPr>
+                <p:ph idx="1"/>
+              </p:nvPr>
+            </p:nvSpPr>
+            <p:spPr>
+              <a:blipFill>
+                <a:blip r:embed="rId2"/>
+                <a:stretch>
+                  <a:fillRect t="-942"/>
+                </a:stretch>
+              </a:blipFill>
+            </p:spPr>
+            <p:txBody>
+              <a:bodyPr/>
+              <a:lstStyle/>
+              <a:p>
+                <a:r>
+                  <a:rPr lang="fr-CA">
+                    <a:noFill/>
+                  </a:rPr>
+                  <a:t> </a:t>
+                </a:r>
+              </a:p>
+            </p:txBody>
+          </p:sp>
+        </mc:Fallback>
       </mc:AlternateContent>
+      <p:pic>
+        <p:nvPicPr>
+          <p:cNvPr id="4" name="Image 3">
+            <a:extLst>
+              <a:ext uri="{FF2B5EF4-FFF2-40B4-BE49-F238E27FC236}">
+                <a16:creationId xmlns:a16="http://schemas.microsoft.com/office/drawing/2014/main" id="{36606CEE-FF73-416A-8511-405BDF60B8EA}"/>
+              </a:ext>
+            </a:extLst>
+          </p:cNvPr>
+          <p:cNvPicPr>
+            <a:picLocks noChangeAspect="1"/>
+          </p:cNvPicPr>
+          <p:nvPr/>
+        </p:nvPicPr>
+        <p:blipFill>
+          <a:blip r:embed="rId3"/>
+          <a:stretch>
+            <a:fillRect/>
+          </a:stretch>
+        </p:blipFill>
+        <p:spPr>
+          <a:xfrm>
+            <a:off x="4752054" y="1902495"/>
+            <a:ext cx="5708621" cy="4955505"/>
+          </a:xfrm>
+          <a:prstGeom prst="rect">
+            <a:avLst/>
+          </a:prstGeom>
+        </p:spPr>
+      </p:pic>
     </p:spTree>
   </p:cSld>
+  <p:clrMapOvr>
+    <a:masterClrMapping/>
+  </p:clrMapOvr>
 </p:sld>
 </file>
 
@@ -6666,52 +6688,11 @@
           <a:bodyPr/>
           <a:lstStyle/>
           <a:p>
-            <a:pPr lvl="0" marL="0" indent="0">
+            <a:pPr marL="0" lvl="0" indent="0">
               <a:buNone/>
             </a:pPr>
             <a:r>
-              <a:rPr/>
-              <a:t>Modèles</a:t>
-            </a:r>
-            <a:r>
-              <a:rPr/>
-              <a:t> </a:t>
-            </a:r>
-            <a:r>
-              <a:rPr/>
-              <a:t>testés</a:t>
-            </a:r>
-            <a:r>
-              <a:rPr/>
-              <a:t> </a:t>
-            </a:r>
-            <a:r>
-              <a:rPr/>
-              <a:t>-</a:t>
-            </a:r>
-            <a:r>
-              <a:rPr/>
-              <a:t> </a:t>
-            </a:r>
-            <a:r>
-              <a:rPr/>
-              <a:t>Arbre</a:t>
-            </a:r>
-            <a:r>
-              <a:rPr/>
-              <a:t> </a:t>
-            </a:r>
-            <a:r>
-              <a:rPr/>
-              <a:t>de</a:t>
-            </a:r>
-            <a:r>
-              <a:rPr/>
-              <a:t> </a:t>
-            </a:r>
-            <a:r>
-              <a:rPr/>
-              <a:t>décision</a:t>
+              <a:t>Modèles testés - Arbre de décision</a:t>
             </a:r>
           </a:p>
         </p:txBody>
@@ -6728,62 +6709,184 @@
         </p:nvSpPr>
         <p:spPr/>
         <p:txBody>
-          <a:bodyPr/>
+          <a:bodyPr>
+            <a:normAutofit/>
+          </a:bodyPr>
           <a:lstStyle/>
           <a:p>
             <a:pPr lvl="1"/>
             <a:r>
-              <a:rPr/>
-              <a:t>Optimisation de </a:t>
-            </a:r>
-            <a:r>
-              <a:rPr sz="1800">
+              <a:rPr sz="1800" dirty="0" err="1"/>
+              <a:t>Optimisation</a:t>
+            </a:r>
+            <a:r>
+              <a:rPr sz="1800" dirty="0"/>
+              <a:t> de </a:t>
+            </a:r>
+            <a:r>
+              <a:rPr sz="1800" dirty="0" err="1">
                 <a:latin typeface="Courier"/>
               </a:rPr>
               <a:t>minbucket</a:t>
             </a:r>
+            <a:endParaRPr sz="1800" dirty="0">
+              <a:latin typeface="Courier"/>
+            </a:endParaRPr>
           </a:p>
           <a:p>
             <a:pPr lvl="1"/>
             <a:r>
-              <a:rPr/>
-              <a:t>Optimisation du paramètre de compléxité (</a:t>
-            </a:r>
-            <a:r>
-              <a:rPr sz="1800">
+              <a:rPr sz="1800" dirty="0" err="1"/>
+              <a:t>Optimisation</a:t>
+            </a:r>
+            <a:r>
+              <a:rPr sz="1800" dirty="0"/>
+              <a:t> du </a:t>
+            </a:r>
+            <a:r>
+              <a:rPr sz="1800" dirty="0" err="1"/>
+              <a:t>paramètre</a:t>
+            </a:r>
+            <a:r>
+              <a:rPr sz="1800" dirty="0"/>
+              <a:t> de </a:t>
+            </a:r>
+            <a:r>
+              <a:rPr sz="1800" dirty="0" err="1"/>
+              <a:t>compléxité</a:t>
+            </a:r>
+            <a:r>
+              <a:rPr sz="1800" dirty="0"/>
+              <a:t> (</a:t>
+            </a:r>
+            <a:r>
+              <a:rPr sz="1800" dirty="0">
                 <a:latin typeface="Courier"/>
               </a:rPr>
               <a:t>cp</a:t>
             </a:r>
             <a:r>
-              <a:rPr/>
+              <a:rPr sz="1800" dirty="0"/>
               <a:t>)</a:t>
             </a:r>
           </a:p>
           <a:p>
             <a:pPr lvl="1"/>
             <a:r>
-              <a:rPr sz="1800">
+              <a:rPr sz="1800" dirty="0">
                 <a:latin typeface="Courier"/>
               </a:rPr>
-              <a:t>method="anova"</a:t>
-            </a:r>
-            <a:r>
-              <a:rPr/>
-              <a:t>, donc la fonction de perte est l’EQM</a:t>
-            </a:r>
+              <a:t>method="</a:t>
+            </a:r>
+            <a:r>
+              <a:rPr sz="1800" dirty="0" err="1">
+                <a:latin typeface="Courier"/>
+              </a:rPr>
+              <a:t>anova</a:t>
+            </a:r>
+            <a:r>
+              <a:rPr sz="1800" dirty="0">
+                <a:latin typeface="Courier"/>
+              </a:rPr>
+              <a:t>"</a:t>
+            </a:r>
+            <a:r>
+              <a:rPr sz="1800" dirty="0"/>
+              <a:t>, </a:t>
+            </a:r>
+            <a:r>
+              <a:rPr sz="1800" dirty="0" err="1"/>
+              <a:t>donc</a:t>
+            </a:r>
+            <a:r>
+              <a:rPr sz="1800" dirty="0"/>
+              <a:t> la </a:t>
+            </a:r>
+            <a:r>
+              <a:rPr sz="1800" dirty="0" err="1"/>
+              <a:t>fonction</a:t>
+            </a:r>
+            <a:r>
+              <a:rPr sz="1800" dirty="0"/>
+              <a:t> de </a:t>
+            </a:r>
+            <a:r>
+              <a:rPr sz="1800" dirty="0" err="1"/>
+              <a:t>perte</a:t>
+            </a:r>
+            <a:r>
+              <a:rPr sz="1800" dirty="0"/>
+              <a:t> </a:t>
+            </a:r>
+            <a:r>
+              <a:rPr sz="1800" dirty="0" err="1"/>
+              <a:t>est</a:t>
+            </a:r>
+            <a:r>
+              <a:rPr sz="1800" dirty="0"/>
+              <a:t> </a:t>
+            </a:r>
+            <a:r>
+              <a:rPr sz="1800" dirty="0" err="1"/>
+              <a:t>l’EQM</a:t>
+            </a:r>
+            <a:endParaRPr sz="1800" dirty="0"/>
           </a:p>
           <a:p>
             <a:pPr lvl="1"/>
             <a:r>
-              <a:rPr/>
-              <a:t>Arbre élagué trop gros pour être représenté graphiquement</a:t>
-            </a:r>
+              <a:rPr sz="1800" dirty="0" err="1"/>
+              <a:t>Arbre</a:t>
+            </a:r>
+            <a:r>
+              <a:rPr sz="1800" dirty="0"/>
+              <a:t> </a:t>
+            </a:r>
+            <a:r>
+              <a:rPr sz="1800" dirty="0" err="1"/>
+              <a:t>élagué</a:t>
+            </a:r>
+            <a:r>
+              <a:rPr sz="1800" dirty="0"/>
+              <a:t> trop </a:t>
+            </a:r>
+            <a:r>
+              <a:rPr sz="1800" dirty="0" err="1"/>
+              <a:t>gros</a:t>
+            </a:r>
+            <a:r>
+              <a:rPr sz="1800" dirty="0"/>
+              <a:t> pour </a:t>
+            </a:r>
+            <a:r>
+              <a:rPr sz="1800" dirty="0" err="1"/>
+              <a:t>être</a:t>
+            </a:r>
+            <a:r>
+              <a:rPr sz="1800" dirty="0"/>
+              <a:t> </a:t>
+            </a:r>
+            <a:r>
+              <a:rPr sz="1800" dirty="0" err="1"/>
+              <a:t>représenté</a:t>
+            </a:r>
+            <a:r>
+              <a:rPr sz="1800" dirty="0"/>
+              <a:t> </a:t>
+            </a:r>
+            <a:r>
+              <a:rPr sz="1800" dirty="0" err="1"/>
+              <a:t>graphiquement</a:t>
+            </a:r>
+            <a:endParaRPr sz="1800" dirty="0"/>
           </a:p>
         </p:txBody>
       </p:sp>
     </p:spTree>
   </p:cSld>
+  <p:clrMapOvr>
+    <a:masterClrMapping/>
+  </p:clrMapOvr>
 </p:sld>
 </file>
 
@@ -6819,80 +6922,11 @@
           <a:bodyPr/>
           <a:lstStyle/>
           <a:p>
-            <a:pPr lvl="0" marL="0" indent="0">
+            <a:pPr marL="0" lvl="0" indent="0">
               <a:buNone/>
             </a:pPr>
             <a:r>
-              <a:rPr/>
-              <a:t>Modèles</a:t>
-            </a:r>
-            <a:r>
-              <a:rPr/>
-              <a:t> </a:t>
-            </a:r>
-            <a:r>
-              <a:rPr/>
-              <a:t>testés</a:t>
-            </a:r>
-            <a:r>
-              <a:rPr/>
-              <a:t> </a:t>
-            </a:r>
-            <a:r>
-              <a:rPr/>
-              <a:t>-</a:t>
-            </a:r>
-            <a:r>
-              <a:rPr/>
-              <a:t> </a:t>
-            </a:r>
-            <a:r>
-              <a:rPr/>
-              <a:t>Ensemble</a:t>
-            </a:r>
-            <a:r>
-              <a:rPr/>
-              <a:t> </a:t>
-            </a:r>
-            <a:r>
-              <a:rPr/>
-              <a:t>d’arbres</a:t>
-            </a:r>
-            <a:r>
-              <a:rPr/>
-              <a:t> </a:t>
-            </a:r>
-            <a:r>
-              <a:rPr/>
-              <a:t>de</a:t>
-            </a:r>
-            <a:r>
-              <a:rPr/>
-              <a:t> </a:t>
-            </a:r>
-            <a:r>
-              <a:rPr/>
-              <a:t>décision</a:t>
-            </a:r>
-            <a:r>
-              <a:rPr/>
-              <a:t> </a:t>
-            </a:r>
-            <a:r>
-              <a:rPr/>
-              <a:t>agrégées</a:t>
-            </a:r>
-            <a:r>
-              <a:rPr/>
-              <a:t> </a:t>
-            </a:r>
-            <a:r>
-              <a:rPr/>
-              <a:t>par</a:t>
-            </a:r>
-            <a:r>
-              <a:rPr/>
-              <a:t> </a:t>
+              <a:t>Modèles testés - Ensemble d’arbres de décision agrégées par </a:t>
             </a:r>
             <a:r>
               <a:rPr i="1"/>
@@ -6913,30 +6947,68 @@
         </p:nvSpPr>
         <p:spPr/>
         <p:txBody>
-          <a:bodyPr/>
+          <a:bodyPr>
+            <a:normAutofit/>
+          </a:bodyPr>
           <a:lstStyle/>
           <a:p>
             <a:pPr lvl="1"/>
             <a:r>
-              <a:rPr sz="1800">
+              <a:rPr sz="1800" dirty="0" err="1">
                 <a:latin typeface="Courier"/>
               </a:rPr>
-              <a:t>sampsize= nrow(donnees.train)</a:t>
-            </a:r>
-          </a:p>
-          <a:p>
-            <a:pPr lvl="1"/>
-            <a:r>
-              <a:rPr sz="1800">
+              <a:t>sampsize</a:t>
+            </a:r>
+            <a:r>
+              <a:rPr sz="1800" dirty="0">
                 <a:latin typeface="Courier"/>
               </a:rPr>
-              <a:t>mtry=17</a:t>
+              <a:t>= </a:t>
+            </a:r>
+            <a:r>
+              <a:rPr sz="1800" dirty="0" err="1">
+                <a:latin typeface="Courier"/>
+              </a:rPr>
+              <a:t>nrow</a:t>
+            </a:r>
+            <a:r>
+              <a:rPr sz="1800" dirty="0">
+                <a:latin typeface="Courier"/>
+              </a:rPr>
+              <a:t>(</a:t>
+            </a:r>
+            <a:r>
+              <a:rPr sz="1800" dirty="0" err="1">
+                <a:latin typeface="Courier"/>
+              </a:rPr>
+              <a:t>donnees.train</a:t>
+            </a:r>
+            <a:r>
+              <a:rPr sz="1800" dirty="0">
+                <a:latin typeface="Courier"/>
+              </a:rPr>
+              <a:t>)</a:t>
             </a:r>
           </a:p>
           <a:p>
             <a:pPr lvl="1"/>
             <a:r>
-              <a:rPr sz="1800">
+              <a:rPr sz="1800" dirty="0" err="1">
+                <a:latin typeface="Courier"/>
+              </a:rPr>
+              <a:t>mtry</a:t>
+            </a:r>
+            <a:r>
+              <a:rPr sz="1800" dirty="0">
+                <a:latin typeface="Courier"/>
+              </a:rPr>
+              <a:t>=17</a:t>
+            </a:r>
+          </a:p>
+          <a:p>
+            <a:pPr lvl="1"/>
+            <a:r>
+              <a:rPr sz="1800" dirty="0">
                 <a:latin typeface="Courier"/>
               </a:rPr>
               <a:t>cp=0</a:t>
@@ -6945,25 +7017,70 @@
           <a:p>
             <a:pPr lvl="1"/>
             <a:r>
-              <a:rPr sz="1800">
+              <a:rPr sz="1800" dirty="0" err="1">
                 <a:latin typeface="Courier"/>
               </a:rPr>
-              <a:t>nodesize=5</a:t>
-            </a:r>
-          </a:p>
-          <a:p>
-            <a:pPr lvl="1"/>
-            <a:r>
-              <a:rPr sz="1800">
+              <a:t>nodesize</a:t>
+            </a:r>
+            <a:r>
+              <a:rPr sz="1800" dirty="0">
                 <a:latin typeface="Courier"/>
               </a:rPr>
-              <a:t>ntree=500</a:t>
-            </a:r>
-          </a:p>
-        </p:txBody>
-      </p:sp>
+              <a:t>=5</a:t>
+            </a:r>
+          </a:p>
+          <a:p>
+            <a:pPr lvl="1"/>
+            <a:r>
+              <a:rPr sz="1800" dirty="0" err="1">
+                <a:latin typeface="Courier"/>
+              </a:rPr>
+              <a:t>ntree</a:t>
+            </a:r>
+            <a:r>
+              <a:rPr sz="1800" dirty="0">
+                <a:latin typeface="Courier"/>
+              </a:rPr>
+              <a:t>=500</a:t>
+            </a:r>
+          </a:p>
+        </p:txBody>
+      </p:sp>
+      <p:pic>
+        <p:nvPicPr>
+          <p:cNvPr id="5" name="Image 4">
+            <a:extLst>
+              <a:ext uri="{FF2B5EF4-FFF2-40B4-BE49-F238E27FC236}">
+                <a16:creationId xmlns:a16="http://schemas.microsoft.com/office/drawing/2014/main" id="{EE833EF6-15B1-48FF-A6D9-5DBCED9A3CDB}"/>
+              </a:ext>
+            </a:extLst>
+          </p:cNvPr>
+          <p:cNvPicPr>
+            <a:picLocks noChangeAspect="1"/>
+          </p:cNvPicPr>
+          <p:nvPr/>
+        </p:nvPicPr>
+        <p:blipFill>
+          <a:blip r:embed="rId2"/>
+          <a:stretch>
+            <a:fillRect/>
+          </a:stretch>
+        </p:blipFill>
+        <p:spPr>
+          <a:xfrm>
+            <a:off x="5289453" y="1908792"/>
+            <a:ext cx="5776106" cy="4948759"/>
+          </a:xfrm>
+          <a:prstGeom prst="rect">
+            <a:avLst/>
+          </a:prstGeom>
+        </p:spPr>
+      </p:pic>
     </p:spTree>
   </p:cSld>
+  <p:clrMapOvr>
+    <a:masterClrMapping/>
+  </p:clrMapOvr>
 </p:sld>
 </file>
 
@@ -6984,9 +7101,2547 @@
           <a:chExt cx="0" cy="0"/>
         </a:xfrm>
       </p:grpSpPr>
+      <p:sp>
+        <p:nvSpPr>
+          <p:cNvPr id="2" name="Title 1"/>
+          <p:cNvSpPr>
+            <a:spLocks noGrp="1"/>
+          </p:cNvSpPr>
+          <p:nvPr>
+            <p:ph type="title"/>
+          </p:nvPr>
+        </p:nvSpPr>
+        <p:spPr/>
+        <p:txBody>
+          <a:bodyPr/>
+          <a:lstStyle/>
+          <a:p>
+            <a:pPr marL="0" lvl="0" indent="0">
+              <a:buNone/>
+            </a:pPr>
+            <a:r>
+              <a:t>Modèle testés - Forêt aléatoire</a:t>
+            </a:r>
+          </a:p>
+        </p:txBody>
+      </p:sp>
+      <p:sp>
+        <p:nvSpPr>
+          <p:cNvPr id="3" name="Content Placeholder 2"/>
+          <p:cNvSpPr>
+            <a:spLocks noGrp="1"/>
+          </p:cNvSpPr>
+          <p:nvPr>
+            <p:ph idx="1"/>
+          </p:nvPr>
+        </p:nvSpPr>
+        <p:spPr>
+          <a:xfrm>
+            <a:off x="677334" y="1701902"/>
+            <a:ext cx="8596668" cy="3880773"/>
+          </a:xfrm>
+        </p:spPr>
+        <p:txBody>
+          <a:bodyPr>
+            <a:normAutofit/>
+          </a:bodyPr>
+          <a:lstStyle/>
+          <a:p>
+            <a:pPr lvl="1"/>
+            <a:r>
+              <a:rPr sz="1800" dirty="0" err="1">
+                <a:latin typeface="Courier"/>
+              </a:rPr>
+              <a:t>sampsize</a:t>
+            </a:r>
+            <a:r>
+              <a:rPr sz="1800" dirty="0">
+                <a:latin typeface="Courier"/>
+              </a:rPr>
+              <a:t>= 0.75*</a:t>
+            </a:r>
+            <a:r>
+              <a:rPr sz="1800" dirty="0" err="1">
+                <a:latin typeface="Courier"/>
+              </a:rPr>
+              <a:t>nrow</a:t>
+            </a:r>
+            <a:r>
+              <a:rPr sz="1800" dirty="0">
+                <a:latin typeface="Courier"/>
+              </a:rPr>
+              <a:t>(</a:t>
+            </a:r>
+            <a:r>
+              <a:rPr sz="1800" dirty="0" err="1">
+                <a:latin typeface="Courier"/>
+              </a:rPr>
+              <a:t>donnees.train</a:t>
+            </a:r>
+            <a:r>
+              <a:rPr sz="1800" dirty="0">
+                <a:latin typeface="Courier"/>
+              </a:rPr>
+              <a:t>)</a:t>
+            </a:r>
+          </a:p>
+          <a:p>
+            <a:pPr lvl="1"/>
+            <a:r>
+              <a:rPr sz="1800" dirty="0">
+                <a:latin typeface="Courier"/>
+              </a:rPr>
+              <a:t>cp=0</a:t>
+            </a:r>
+          </a:p>
+          <a:p>
+            <a:pPr lvl="1"/>
+            <a:r>
+              <a:rPr sz="1800" dirty="0" err="1">
+                <a:latin typeface="Courier"/>
+              </a:rPr>
+              <a:t>nodesize</a:t>
+            </a:r>
+            <a:r>
+              <a:rPr sz="1800" dirty="0">
+                <a:latin typeface="Courier"/>
+              </a:rPr>
+              <a:t>=5</a:t>
+            </a:r>
+          </a:p>
+          <a:p>
+            <a:pPr lvl="1"/>
+            <a:r>
+              <a:rPr sz="1800" dirty="0" err="1">
+                <a:latin typeface="Courier"/>
+              </a:rPr>
+              <a:t>ntree</a:t>
+            </a:r>
+            <a:r>
+              <a:rPr sz="1800" dirty="0">
+                <a:latin typeface="Courier"/>
+              </a:rPr>
+              <a:t>=150</a:t>
+            </a:r>
+          </a:p>
+          <a:p>
+            <a:pPr lvl="1"/>
+            <a:r>
+              <a:rPr sz="1800" dirty="0" err="1">
+                <a:latin typeface="Courier"/>
+              </a:rPr>
+              <a:t>mtry</a:t>
+            </a:r>
+            <a:r>
+              <a:rPr sz="1800" dirty="0">
+                <a:latin typeface="Courier"/>
+              </a:rPr>
+              <a:t>=8</a:t>
+            </a:r>
+          </a:p>
+        </p:txBody>
+      </p:sp>
       <p:pic>
         <p:nvPicPr>
-          <p:cNvPr descr="PP_files/figure-pptx/unnamed-chunk-4-1.png" id="0" name="Picture 1"/>
+          <p:cNvPr id="4" name="Image 3">
+            <a:extLst>
+              <a:ext uri="{FF2B5EF4-FFF2-40B4-BE49-F238E27FC236}">
+                <a16:creationId xmlns:a16="http://schemas.microsoft.com/office/drawing/2014/main" id="{7E043058-A80C-4E49-AB8A-58631E6E3129}"/>
+              </a:ext>
+            </a:extLst>
+          </p:cNvPr>
+          <p:cNvPicPr>
+            <a:picLocks noChangeAspect="1"/>
+          </p:cNvPicPr>
+          <p:nvPr/>
+        </p:nvPicPr>
+        <p:blipFill>
+          <a:blip r:embed="rId2"/>
+          <a:stretch>
+            <a:fillRect/>
+          </a:stretch>
+        </p:blipFill>
+        <p:spPr>
+          <a:xfrm>
+            <a:off x="4675163" y="2059854"/>
+            <a:ext cx="5546481" cy="4798146"/>
+          </a:xfrm>
+          <a:prstGeom prst="rect">
+            <a:avLst/>
+          </a:prstGeom>
+        </p:spPr>
+      </p:pic>
+    </p:spTree>
+  </p:cSld>
+  <p:clrMapOvr>
+    <a:masterClrMapping/>
+  </p:clrMapOvr>
+</p:sld>
+</file>
+
+<file path=ppt/slides/slide17.xml><?xml version="1.0" encoding="utf-8"?>
+<p:sld xmlns:a="http://schemas.openxmlformats.org/drawingml/2006/main" xmlns:r="http://schemas.openxmlformats.org/officeDocument/2006/relationships" xmlns:p="http://schemas.openxmlformats.org/presentationml/2006/main">
+  <p:cSld>
+    <p:spTree>
+      <p:nvGrpSpPr>
+        <p:cNvPr id="1" name=""/>
+        <p:cNvGrpSpPr/>
+        <p:nvPr/>
+      </p:nvGrpSpPr>
+      <p:grpSpPr>
+        <a:xfrm>
+          <a:off x="0" y="0"/>
+          <a:ext cx="0" cy="0"/>
+          <a:chOff x="0" y="0"/>
+          <a:chExt cx="0" cy="0"/>
+        </a:xfrm>
+      </p:grpSpPr>
+      <p:sp>
+        <p:nvSpPr>
+          <p:cNvPr id="2" name="Title 1"/>
+          <p:cNvSpPr>
+            <a:spLocks noGrp="1"/>
+          </p:cNvSpPr>
+          <p:nvPr>
+            <p:ph type="title"/>
+          </p:nvPr>
+        </p:nvSpPr>
+        <p:spPr/>
+        <p:txBody>
+          <a:bodyPr/>
+          <a:lstStyle/>
+          <a:p>
+            <a:pPr marL="0" lvl="0" indent="0">
+              <a:buNone/>
+            </a:pPr>
+            <a:r>
+              <a:t>Modèles testés - Modèle de boosting de gradient stochastique (</a:t>
+            </a:r>
+            <a:r>
+              <a:rPr i="1"/>
+              <a:t>GBM</a:t>
+            </a:r>
+            <a:r>
+              <a:t>)</a:t>
+            </a:r>
+          </a:p>
+        </p:txBody>
+      </p:sp>
+      <p:sp>
+        <p:nvSpPr>
+          <p:cNvPr id="3" name="Content Placeholder 2"/>
+          <p:cNvSpPr>
+            <a:spLocks noGrp="1"/>
+          </p:cNvSpPr>
+          <p:nvPr>
+            <p:ph idx="1"/>
+          </p:nvPr>
+        </p:nvSpPr>
+        <p:spPr/>
+        <p:txBody>
+          <a:bodyPr>
+            <a:normAutofit/>
+          </a:bodyPr>
+          <a:lstStyle/>
+          <a:p>
+            <a:pPr lvl="1"/>
+            <a:r>
+              <a:rPr sz="1800" dirty="0" err="1"/>
+              <a:t>Sélection</a:t>
+            </a:r>
+            <a:r>
+              <a:rPr sz="1800" dirty="0"/>
+              <a:t> des </a:t>
+            </a:r>
+            <a:br>
+              <a:rPr lang="fr-CA" sz="1800" dirty="0"/>
+            </a:br>
+            <a:r>
+              <a:rPr sz="1800" dirty="0" err="1"/>
+              <a:t>hyparamètres</a:t>
+            </a:r>
+            <a:r>
+              <a:rPr sz="1800" dirty="0"/>
+              <a:t> à </a:t>
+            </a:r>
+            <a:r>
+              <a:rPr sz="1800" dirty="0" err="1"/>
+              <a:t>optimiser</a:t>
+            </a:r>
+            <a:endParaRPr sz="1800" dirty="0"/>
+          </a:p>
+        </p:txBody>
+      </p:sp>
+      <p:pic>
+        <p:nvPicPr>
+          <p:cNvPr id="4" name="Image 3">
+            <a:extLst>
+              <a:ext uri="{FF2B5EF4-FFF2-40B4-BE49-F238E27FC236}">
+                <a16:creationId xmlns:a16="http://schemas.microsoft.com/office/drawing/2014/main" id="{3378E903-5592-4B99-9AD3-21E674D92071}"/>
+              </a:ext>
+            </a:extLst>
+          </p:cNvPr>
+          <p:cNvPicPr>
+            <a:picLocks noChangeAspect="1"/>
+          </p:cNvPicPr>
+          <p:nvPr/>
+        </p:nvPicPr>
+        <p:blipFill>
+          <a:blip r:embed="rId2"/>
+          <a:stretch>
+            <a:fillRect/>
+          </a:stretch>
+        </p:blipFill>
+        <p:spPr>
+          <a:xfrm>
+            <a:off x="4169606" y="1895954"/>
+            <a:ext cx="5789053" cy="4962046"/>
+          </a:xfrm>
+          <a:prstGeom prst="rect">
+            <a:avLst/>
+          </a:prstGeom>
+        </p:spPr>
+      </p:pic>
+    </p:spTree>
+  </p:cSld>
+  <p:clrMapOvr>
+    <a:masterClrMapping/>
+  </p:clrMapOvr>
+</p:sld>
+</file>
+
+<file path=ppt/slides/slide18.xml><?xml version="1.0" encoding="utf-8"?>
+<p:sld xmlns:a="http://schemas.openxmlformats.org/drawingml/2006/main" xmlns:r="http://schemas.openxmlformats.org/officeDocument/2006/relationships" xmlns:p="http://schemas.openxmlformats.org/presentationml/2006/main">
+  <p:cSld>
+    <p:spTree>
+      <p:nvGrpSpPr>
+        <p:cNvPr id="1" name=""/>
+        <p:cNvGrpSpPr/>
+        <p:nvPr/>
+      </p:nvGrpSpPr>
+      <p:grpSpPr>
+        <a:xfrm>
+          <a:off x="0" y="0"/>
+          <a:ext cx="0" cy="0"/>
+          <a:chOff x="0" y="0"/>
+          <a:chExt cx="0" cy="0"/>
+        </a:xfrm>
+      </p:grpSpPr>
+      <p:sp>
+        <p:nvSpPr>
+          <p:cNvPr id="2" name="Title 1"/>
+          <p:cNvSpPr>
+            <a:spLocks noGrp="1"/>
+          </p:cNvSpPr>
+          <p:nvPr>
+            <p:ph type="title"/>
+          </p:nvPr>
+        </p:nvSpPr>
+        <p:spPr/>
+        <p:txBody>
+          <a:bodyPr/>
+          <a:lstStyle/>
+          <a:p>
+            <a:pPr marL="0" lvl="0" indent="0">
+              <a:buNone/>
+            </a:pPr>
+            <a:r>
+              <a:t>Modèles testés - Modèle de boosting de gradient stochastique (</a:t>
+            </a:r>
+            <a:r>
+              <a:rPr i="1"/>
+              <a:t>GBM</a:t>
+            </a:r>
+            <a:r>
+              <a:t>) (suite)</a:t>
+            </a:r>
+          </a:p>
+        </p:txBody>
+      </p:sp>
+      <p:graphicFrame>
+        <p:nvGraphicFramePr>
+          <p:cNvPr id="6" name="Content Placeholder 5"/>
+          <p:cNvGraphicFramePr>
+            <a:graphicFrameLocks noGrp="1"/>
+          </p:cNvGraphicFramePr>
+          <p:nvPr>
+            <p:ph idx="1"/>
+          </p:nvPr>
+        </p:nvGraphicFramePr>
+        <p:xfrm>
+          <a:off x="673100" y="2159000"/>
+          <a:ext cx="8572500" cy="2103120"/>
+        </p:xfrm>
+        <a:graphic>
+          <a:graphicData uri="http://schemas.openxmlformats.org/drawingml/2006/table">
+            <a:tbl>
+              <a:tblPr firstRow="1" bandRow="1">
+                <a:tableStyleId>{5C22544A-7EE6-4342-B048-85BDC9FD1C3A}</a:tableStyleId>
+              </a:tblPr>
+              <a:tblGrid>
+                <a:gridCol w="2857500">
+                  <a:extLst>
+                    <a:ext uri="{9D8B030D-6E8A-4147-A177-3AD203B41FA5}">
+                      <a16:colId xmlns:a16="http://schemas.microsoft.com/office/drawing/2014/main" val="20000"/>
+                    </a:ext>
+                  </a:extLst>
+                </a:gridCol>
+                <a:gridCol w="2857500">
+                  <a:extLst>
+                    <a:ext uri="{9D8B030D-6E8A-4147-A177-3AD203B41FA5}">
+                      <a16:colId xmlns:a16="http://schemas.microsoft.com/office/drawing/2014/main" val="20001"/>
+                    </a:ext>
+                  </a:extLst>
+                </a:gridCol>
+                <a:gridCol w="2857500">
+                  <a:extLst>
+                    <a:ext uri="{9D8B030D-6E8A-4147-A177-3AD203B41FA5}">
+                      <a16:colId xmlns:a16="http://schemas.microsoft.com/office/drawing/2014/main" val="20002"/>
+                    </a:ext>
+                  </a:extLst>
+                </a:gridCol>
+              </a:tblGrid>
+              <a:tr h="0">
+                <a:tc>
+                  <a:txBody>
+                    <a:bodyPr/>
+                    <a:lstStyle/>
+                    <a:p>
+                      <a:pPr marL="0" lvl="0" indent="0" algn="r">
+                        <a:buNone/>
+                      </a:pPr>
+                      <a:r>
+                        <a:t>Profondeur d</a:t>
+                      </a:r>
+                    </a:p>
+                  </a:txBody>
+                  <a:tcPr/>
+                </a:tc>
+                <a:tc>
+                  <a:txBody>
+                    <a:bodyPr/>
+                    <a:lstStyle/>
+                    <a:p>
+                      <a:pPr marL="0" lvl="0" indent="0" algn="r">
+                        <a:buNone/>
+                      </a:pPr>
+                      <a:r>
+                        <a:t>Nombre d’itérations optimal</a:t>
+                      </a:r>
+                    </a:p>
+                  </a:txBody>
+                  <a:tcPr/>
+                </a:tc>
+                <a:tc>
+                  <a:txBody>
+                    <a:bodyPr/>
+                    <a:lstStyle/>
+                    <a:p>
+                      <a:pPr marL="0" lvl="0" indent="0" algn="r">
+                        <a:buNone/>
+                      </a:pPr>
+                      <a:r>
+                        <a:t>EQM de validation croisée</a:t>
+                      </a:r>
+                    </a:p>
+                  </a:txBody>
+                  <a:tcPr/>
+                </a:tc>
+                <a:extLst>
+                  <a:ext uri="{0D108BD9-81ED-4DB2-BD59-A6C34878D82A}">
+                    <a16:rowId xmlns:a16="http://schemas.microsoft.com/office/drawing/2014/main" val="10000"/>
+                  </a:ext>
+                </a:extLst>
+              </a:tr>
+              <a:tr h="0">
+                <a:tc>
+                  <a:txBody>
+                    <a:bodyPr/>
+                    <a:lstStyle/>
+                    <a:p>
+                      <a:pPr marL="0" lvl="0" indent="0" algn="r">
+                        <a:buNone/>
+                      </a:pPr>
+                      <a:r>
+                        <a:t>3</a:t>
+                      </a:r>
+                    </a:p>
+                  </a:txBody>
+                  <a:tcPr/>
+                </a:tc>
+                <a:tc>
+                  <a:txBody>
+                    <a:bodyPr/>
+                    <a:lstStyle/>
+                    <a:p>
+                      <a:pPr marL="0" lvl="0" indent="0" algn="r">
+                        <a:buNone/>
+                      </a:pPr>
+                      <a:r>
+                        <a:t>29884</a:t>
+                      </a:r>
+                    </a:p>
+                  </a:txBody>
+                  <a:tcPr/>
+                </a:tc>
+                <a:tc>
+                  <a:txBody>
+                    <a:bodyPr/>
+                    <a:lstStyle/>
+                    <a:p>
+                      <a:pPr marL="0" lvl="0" indent="0" algn="r">
+                        <a:buNone/>
+                      </a:pPr>
+                      <a:r>
+                        <a:t>0.027029</a:t>
+                      </a:r>
+                    </a:p>
+                  </a:txBody>
+                  <a:tcPr/>
+                </a:tc>
+                <a:extLst>
+                  <a:ext uri="{0D108BD9-81ED-4DB2-BD59-A6C34878D82A}">
+                    <a16:rowId xmlns:a16="http://schemas.microsoft.com/office/drawing/2014/main" val="10001"/>
+                  </a:ext>
+                </a:extLst>
+              </a:tr>
+              <a:tr h="0">
+                <a:tc>
+                  <a:txBody>
+                    <a:bodyPr/>
+                    <a:lstStyle/>
+                    <a:p>
+                      <a:pPr marL="0" lvl="0" indent="0" algn="r">
+                        <a:buNone/>
+                      </a:pPr>
+                      <a:r>
+                        <a:t>5</a:t>
+                      </a:r>
+                    </a:p>
+                  </a:txBody>
+                  <a:tcPr/>
+                </a:tc>
+                <a:tc>
+                  <a:txBody>
+                    <a:bodyPr/>
+                    <a:lstStyle/>
+                    <a:p>
+                      <a:pPr marL="0" lvl="0" indent="0" algn="r">
+                        <a:buNone/>
+                      </a:pPr>
+                      <a:r>
+                        <a:t>18905</a:t>
+                      </a:r>
+                    </a:p>
+                  </a:txBody>
+                  <a:tcPr/>
+                </a:tc>
+                <a:tc>
+                  <a:txBody>
+                    <a:bodyPr/>
+                    <a:lstStyle/>
+                    <a:p>
+                      <a:pPr marL="0" lvl="0" indent="0" algn="r">
+                        <a:buNone/>
+                      </a:pPr>
+                      <a:r>
+                        <a:t>0.026559</a:t>
+                      </a:r>
+                    </a:p>
+                  </a:txBody>
+                  <a:tcPr/>
+                </a:tc>
+                <a:extLst>
+                  <a:ext uri="{0D108BD9-81ED-4DB2-BD59-A6C34878D82A}">
+                    <a16:rowId xmlns:a16="http://schemas.microsoft.com/office/drawing/2014/main" val="10002"/>
+                  </a:ext>
+                </a:extLst>
+              </a:tr>
+              <a:tr h="0">
+                <a:tc>
+                  <a:txBody>
+                    <a:bodyPr/>
+                    <a:lstStyle/>
+                    <a:p>
+                      <a:pPr marL="0" lvl="0" indent="0" algn="r">
+                        <a:buNone/>
+                      </a:pPr>
+                      <a:r>
+                        <a:t>7</a:t>
+                      </a:r>
+                    </a:p>
+                  </a:txBody>
+                  <a:tcPr/>
+                </a:tc>
+                <a:tc>
+                  <a:txBody>
+                    <a:bodyPr/>
+                    <a:lstStyle/>
+                    <a:p>
+                      <a:pPr marL="0" lvl="0" indent="0" algn="r">
+                        <a:buNone/>
+                      </a:pPr>
+                      <a:r>
+                        <a:t>12676</a:t>
+                      </a:r>
+                    </a:p>
+                  </a:txBody>
+                  <a:tcPr/>
+                </a:tc>
+                <a:tc>
+                  <a:txBody>
+                    <a:bodyPr/>
+                    <a:lstStyle/>
+                    <a:p>
+                      <a:pPr marL="0" lvl="0" indent="0" algn="r">
+                        <a:buNone/>
+                      </a:pPr>
+                      <a:r>
+                        <a:t>0.026556</a:t>
+                      </a:r>
+                    </a:p>
+                  </a:txBody>
+                  <a:tcPr/>
+                </a:tc>
+                <a:extLst>
+                  <a:ext uri="{0D108BD9-81ED-4DB2-BD59-A6C34878D82A}">
+                    <a16:rowId xmlns:a16="http://schemas.microsoft.com/office/drawing/2014/main" val="10003"/>
+                  </a:ext>
+                </a:extLst>
+              </a:tr>
+              <a:tr h="0">
+                <a:tc>
+                  <a:txBody>
+                    <a:bodyPr/>
+                    <a:lstStyle/>
+                    <a:p>
+                      <a:pPr marL="0" lvl="0" indent="0" algn="r">
+                        <a:buNone/>
+                      </a:pPr>
+                      <a:r>
+                        <a:t>9</a:t>
+                      </a:r>
+                    </a:p>
+                  </a:txBody>
+                  <a:tcPr/>
+                </a:tc>
+                <a:tc>
+                  <a:txBody>
+                    <a:bodyPr/>
+                    <a:lstStyle/>
+                    <a:p>
+                      <a:pPr marL="0" lvl="0" indent="0" algn="r">
+                        <a:buNone/>
+                      </a:pPr>
+                      <a:r>
+                        <a:t>10515</a:t>
+                      </a:r>
+                    </a:p>
+                  </a:txBody>
+                  <a:tcPr/>
+                </a:tc>
+                <a:tc>
+                  <a:txBody>
+                    <a:bodyPr/>
+                    <a:lstStyle/>
+                    <a:p>
+                      <a:pPr marL="0" lvl="0" indent="0" algn="r">
+                        <a:buNone/>
+                      </a:pPr>
+                      <a:r>
+                        <a:t>0.026378</a:t>
+                      </a:r>
+                    </a:p>
+                  </a:txBody>
+                  <a:tcPr/>
+                </a:tc>
+                <a:extLst>
+                  <a:ext uri="{0D108BD9-81ED-4DB2-BD59-A6C34878D82A}">
+                    <a16:rowId xmlns:a16="http://schemas.microsoft.com/office/drawing/2014/main" val="10004"/>
+                  </a:ext>
+                </a:extLst>
+              </a:tr>
+            </a:tbl>
+          </a:graphicData>
+        </a:graphic>
+      </p:graphicFrame>
+      <p:sp>
+        <p:nvSpPr>
+          <p:cNvPr id="3" name="TextBox 3"/>
+          <p:cNvSpPr txBox="1"/>
+          <p:nvPr/>
+        </p:nvSpPr>
+        <p:spPr>
+          <a:xfrm>
+            <a:off x="673100" y="5524500"/>
+            <a:ext cx="8585200" cy="508000"/>
+          </a:xfrm>
+          <a:prstGeom prst="rect">
+            <a:avLst/>
+          </a:prstGeom>
+          <a:noFill/>
+        </p:spPr>
+        <p:txBody>
+          <a:bodyPr/>
+          <a:lstStyle/>
+          <a:p>
+            <a:pPr marL="0" lvl="0" indent="0" algn="ctr">
+              <a:buNone/>
+            </a:pPr>
+            <a:r>
+              <a:t>L’EQM des modèles testés</a:t>
+            </a:r>
+          </a:p>
+        </p:txBody>
+      </p:sp>
+    </p:spTree>
+  </p:cSld>
+  <p:clrMapOvr>
+    <a:masterClrMapping/>
+  </p:clrMapOvr>
+</p:sld>
+</file>
+
+<file path=ppt/slides/slide19.xml><?xml version="1.0" encoding="utf-8"?>
+<p:sld xmlns:a="http://schemas.openxmlformats.org/drawingml/2006/main" xmlns:r="http://schemas.openxmlformats.org/officeDocument/2006/relationships" xmlns:p="http://schemas.openxmlformats.org/presentationml/2006/main">
+  <p:cSld>
+    <p:spTree>
+      <p:nvGrpSpPr>
+        <p:cNvPr id="1" name=""/>
+        <p:cNvGrpSpPr/>
+        <p:nvPr/>
+      </p:nvGrpSpPr>
+      <p:grpSpPr>
+        <a:xfrm>
+          <a:off x="0" y="0"/>
+          <a:ext cx="0" cy="0"/>
+          <a:chOff x="0" y="0"/>
+          <a:chExt cx="0" cy="0"/>
+        </a:xfrm>
+      </p:grpSpPr>
+      <p:sp>
+        <p:nvSpPr>
+          <p:cNvPr id="3" name="Content Placeholder 2"/>
+          <p:cNvSpPr>
+            <a:spLocks noGrp="1"/>
+          </p:cNvSpPr>
+          <p:nvPr>
+            <p:ph idx="1"/>
+          </p:nvPr>
+        </p:nvSpPr>
+        <p:spPr/>
+        <p:txBody>
+          <a:bodyPr/>
+          <a:lstStyle/>
+          <a:p>
+            <a:pPr lvl="1"/>
+            <a:r>
+              <a:t>Comparaison selon l’EQM de validation croisée</a:t>
+            </a:r>
+          </a:p>
+          <a:p>
+            <a:pPr lvl="1"/>
+            <a:r>
+              <a:t>Modèle final:</a:t>
+            </a:r>
+          </a:p>
+          <a:p>
+            <a:pPr lvl="2"/>
+            <a:r>
+              <a:rPr>
+                <a:latin typeface="Courier"/>
+              </a:rPr>
+              <a:t>d=9</a:t>
+            </a:r>
+          </a:p>
+          <a:p>
+            <a:pPr lvl="2"/>
+            <a:r>
+              <a:rPr>
+                <a:latin typeface="Courier"/>
+              </a:rPr>
+              <a:t>T=10515</a:t>
+            </a:r>
+          </a:p>
+        </p:txBody>
+      </p:sp>
+    </p:spTree>
+  </p:cSld>
+  <p:clrMapOvr>
+    <a:masterClrMapping/>
+  </p:clrMapOvr>
+</p:sld>
+</file>
+
+<file path=ppt/slides/slide2.xml><?xml version="1.0" encoding="utf-8"?>
+<p:sld xmlns:a="http://schemas.openxmlformats.org/drawingml/2006/main" xmlns:r="http://schemas.openxmlformats.org/officeDocument/2006/relationships" xmlns:p="http://schemas.openxmlformats.org/presentationml/2006/main">
+  <p:cSld>
+    <p:bg>
+      <p:bgPr>
+        <a:solidFill>
+          <a:schemeClr val="bg1"/>
+        </a:solidFill>
+        <a:effectLst/>
+      </p:bgPr>
+    </p:bg>
+    <p:spTree>
+      <p:nvGrpSpPr>
+        <p:cNvPr id="1" name=""/>
+        <p:cNvGrpSpPr/>
+        <p:nvPr/>
+      </p:nvGrpSpPr>
+      <p:grpSpPr>
+        <a:xfrm>
+          <a:off x="0" y="0"/>
+          <a:ext cx="0" cy="0"/>
+          <a:chOff x="0" y="0"/>
+          <a:chExt cx="0" cy="0"/>
+        </a:xfrm>
+      </p:grpSpPr>
+      <p:grpSp>
+        <p:nvGrpSpPr>
+          <p:cNvPr id="1030" name="Group 136">
+            <a:extLst>
+              <a:ext uri="{FF2B5EF4-FFF2-40B4-BE49-F238E27FC236}">
+                <a16:creationId xmlns:a16="http://schemas.microsoft.com/office/drawing/2014/main" id="{90A61547-2555-4DE2-A37F-A53E54917441}"/>
+              </a:ext>
+              <a:ext uri="{C183D7F6-B498-43B3-948B-1728B52AA6E4}">
+                <adec:decorative xmlns:adec="http://schemas.microsoft.com/office/drawing/2017/decorative" val="1"/>
+              </a:ext>
+            </a:extLst>
+          </p:cNvPr>
+          <p:cNvGrpSpPr>
+            <a:grpSpLocks noGrp="1" noUngrp="1" noRot="1" noChangeAspect="1" noMove="1" noResize="1"/>
+          </p:cNvGrpSpPr>
+          <p:nvPr>
+            <p:extLst>
+              <p:ext uri="{386F3935-93C4-4BCD-93E2-E3B085C9AB24}">
+                <p16:designElem xmlns:p16="http://schemas.microsoft.com/office/powerpoint/2015/main" val="1"/>
+              </p:ext>
+            </p:extLst>
+          </p:nvPr>
+        </p:nvGrpSpPr>
+        <p:grpSpPr>
+          <a:xfrm>
+            <a:off x="0" y="-8467"/>
+            <a:ext cx="12192000" cy="6866467"/>
+            <a:chOff x="0" y="-8467"/>
+            <a:chExt cx="12192000" cy="6866467"/>
+          </a:xfrm>
+        </p:grpSpPr>
+        <p:cxnSp>
+          <p:nvCxnSpPr>
+            <p:cNvPr id="138" name="Straight Connector 137">
+              <a:extLst>
+                <a:ext uri="{FF2B5EF4-FFF2-40B4-BE49-F238E27FC236}">
+                  <a16:creationId xmlns:a16="http://schemas.microsoft.com/office/drawing/2014/main" id="{5C2447E0-8F0D-479C-94E4-82BC8EB68C0C}"/>
+                </a:ext>
+                <a:ext uri="{C183D7F6-B498-43B3-948B-1728B52AA6E4}">
+                  <adec:decorative xmlns:adec="http://schemas.microsoft.com/office/drawing/2017/decorative" val="1"/>
+                </a:ext>
+              </a:extLst>
+            </p:cNvPr>
+            <p:cNvCxnSpPr/>
+            <p:nvPr>
+              <p:extLst>
+                <p:ext uri="{386F3935-93C4-4BCD-93E2-E3B085C9AB24}">
+                  <p16:designElem xmlns:p16="http://schemas.microsoft.com/office/powerpoint/2015/main" val="1"/>
+                </p:ext>
+              </p:extLst>
+            </p:nvPr>
+          </p:nvCxnSpPr>
+          <p:spPr>
+            <a:xfrm>
+              <a:off x="9371012" y="0"/>
+              <a:ext cx="1219200" cy="6858000"/>
+            </a:xfrm>
+            <a:prstGeom prst="line">
+              <a:avLst/>
+            </a:prstGeom>
+            <a:ln w="9525">
+              <a:solidFill>
+                <a:schemeClr val="bg1">
+                  <a:lumMod val="75000"/>
+                </a:schemeClr>
+              </a:solidFill>
+            </a:ln>
+          </p:spPr>
+          <p:style>
+            <a:lnRef idx="2">
+              <a:schemeClr val="accent1"/>
+            </a:lnRef>
+            <a:fillRef idx="0">
+              <a:schemeClr val="accent1"/>
+            </a:fillRef>
+            <a:effectRef idx="1">
+              <a:schemeClr val="accent1"/>
+            </a:effectRef>
+            <a:fontRef idx="minor">
+              <a:schemeClr val="tx1"/>
+            </a:fontRef>
+          </p:style>
+        </p:cxnSp>
+        <p:cxnSp>
+          <p:nvCxnSpPr>
+            <p:cNvPr id="139" name="Straight Connector 138">
+              <a:extLst>
+                <a:ext uri="{FF2B5EF4-FFF2-40B4-BE49-F238E27FC236}">
+                  <a16:creationId xmlns:a16="http://schemas.microsoft.com/office/drawing/2014/main" id="{1F943397-DCDD-44CB-BBA9-9510B7698DD2}"/>
+                </a:ext>
+                <a:ext uri="{C183D7F6-B498-43B3-948B-1728B52AA6E4}">
+                  <adec:decorative xmlns:adec="http://schemas.microsoft.com/office/drawing/2017/decorative" val="1"/>
+                </a:ext>
+              </a:extLst>
+            </p:cNvPr>
+            <p:cNvCxnSpPr/>
+            <p:nvPr>
+              <p:extLst>
+                <p:ext uri="{386F3935-93C4-4BCD-93E2-E3B085C9AB24}">
+                  <p16:designElem xmlns:p16="http://schemas.microsoft.com/office/powerpoint/2015/main" val="1"/>
+                </p:ext>
+              </p:extLst>
+            </p:nvPr>
+          </p:nvCxnSpPr>
+          <p:spPr>
+            <a:xfrm flipH="1">
+              <a:off x="7425267" y="3681413"/>
+              <a:ext cx="4763558" cy="3176587"/>
+            </a:xfrm>
+            <a:prstGeom prst="line">
+              <a:avLst/>
+            </a:prstGeom>
+            <a:ln w="9525">
+              <a:solidFill>
+                <a:schemeClr val="bg1">
+                  <a:lumMod val="85000"/>
+                </a:schemeClr>
+              </a:solidFill>
+            </a:ln>
+          </p:spPr>
+          <p:style>
+            <a:lnRef idx="2">
+              <a:schemeClr val="accent1"/>
+            </a:lnRef>
+            <a:fillRef idx="0">
+              <a:schemeClr val="accent1"/>
+            </a:fillRef>
+            <a:effectRef idx="1">
+              <a:schemeClr val="accent1"/>
+            </a:effectRef>
+            <a:fontRef idx="minor">
+              <a:schemeClr val="tx1"/>
+            </a:fontRef>
+          </p:style>
+        </p:cxnSp>
+        <p:sp>
+          <p:nvSpPr>
+            <p:cNvPr id="140" name="Rectangle 23">
+              <a:extLst>
+                <a:ext uri="{FF2B5EF4-FFF2-40B4-BE49-F238E27FC236}">
+                  <a16:creationId xmlns:a16="http://schemas.microsoft.com/office/drawing/2014/main" id="{E2630ADC-31DB-4C48-AC4A-DAAE5A7B8EA6}"/>
+                </a:ext>
+                <a:ext uri="{C183D7F6-B498-43B3-948B-1728B52AA6E4}">
+                  <adec:decorative xmlns:adec="http://schemas.microsoft.com/office/drawing/2017/decorative" val="1"/>
+                </a:ext>
+              </a:extLst>
+            </p:cNvPr>
+            <p:cNvSpPr/>
+            <p:nvPr>
+              <p:extLst>
+                <p:ext uri="{386F3935-93C4-4BCD-93E2-E3B085C9AB24}">
+                  <p16:designElem xmlns:p16="http://schemas.microsoft.com/office/powerpoint/2015/main" val="1"/>
+                </p:ext>
+              </p:extLst>
+            </p:nvPr>
+          </p:nvSpPr>
+          <p:spPr>
+            <a:xfrm>
+              <a:off x="9181476" y="-8467"/>
+              <a:ext cx="3007349" cy="6866467"/>
+            </a:xfrm>
+            <a:custGeom>
+              <a:avLst/>
+              <a:gdLst/>
+              <a:ahLst/>
+              <a:cxnLst/>
+              <a:rect l="l" t="t" r="r" b="b"/>
+              <a:pathLst>
+                <a:path w="3007349" h="6866467">
+                  <a:moveTo>
+                    <a:pt x="2045532" y="0"/>
+                  </a:moveTo>
+                  <a:lnTo>
+                    <a:pt x="3007349" y="0"/>
+                  </a:lnTo>
+                  <a:lnTo>
+                    <a:pt x="3007349" y="6866467"/>
+                  </a:lnTo>
+                  <a:lnTo>
+                    <a:pt x="0" y="6866467"/>
+                  </a:lnTo>
+                  <a:lnTo>
+                    <a:pt x="2045532" y="0"/>
+                  </a:lnTo>
+                  <a:close/>
+                </a:path>
+              </a:pathLst>
+            </a:custGeom>
+            <a:solidFill>
+              <a:schemeClr val="accent1">
+                <a:alpha val="30000"/>
+              </a:schemeClr>
+            </a:solidFill>
+            <a:ln>
+              <a:noFill/>
+            </a:ln>
+            <a:effectLst/>
+          </p:spPr>
+          <p:style>
+            <a:lnRef idx="1">
+              <a:schemeClr val="accent1"/>
+            </a:lnRef>
+            <a:fillRef idx="3">
+              <a:schemeClr val="accent1"/>
+            </a:fillRef>
+            <a:effectRef idx="2">
+              <a:schemeClr val="accent1"/>
+            </a:effectRef>
+            <a:fontRef idx="minor">
+              <a:schemeClr val="lt1"/>
+            </a:fontRef>
+          </p:style>
+        </p:sp>
+        <p:sp>
+          <p:nvSpPr>
+            <p:cNvPr id="141" name="Rectangle 25">
+              <a:extLst>
+                <a:ext uri="{FF2B5EF4-FFF2-40B4-BE49-F238E27FC236}">
+                  <a16:creationId xmlns:a16="http://schemas.microsoft.com/office/drawing/2014/main" id="{2CA5C44E-F54E-47E0-8989-4D8686B33C80}"/>
+                </a:ext>
+                <a:ext uri="{C183D7F6-B498-43B3-948B-1728B52AA6E4}">
+                  <adec:decorative xmlns:adec="http://schemas.microsoft.com/office/drawing/2017/decorative" val="1"/>
+                </a:ext>
+              </a:extLst>
+            </p:cNvPr>
+            <p:cNvSpPr/>
+            <p:nvPr>
+              <p:extLst>
+                <p:ext uri="{386F3935-93C4-4BCD-93E2-E3B085C9AB24}">
+                  <p16:designElem xmlns:p16="http://schemas.microsoft.com/office/powerpoint/2015/main" val="1"/>
+                </p:ext>
+              </p:extLst>
+            </p:nvPr>
+          </p:nvSpPr>
+          <p:spPr>
+            <a:xfrm>
+              <a:off x="9603442" y="-8467"/>
+              <a:ext cx="2588558" cy="6866467"/>
+            </a:xfrm>
+            <a:custGeom>
+              <a:avLst/>
+              <a:gdLst/>
+              <a:ahLst/>
+              <a:cxnLst/>
+              <a:rect l="l" t="t" r="r" b="b"/>
+              <a:pathLst>
+                <a:path w="2573311" h="6866467">
+                  <a:moveTo>
+                    <a:pt x="0" y="0"/>
+                  </a:moveTo>
+                  <a:lnTo>
+                    <a:pt x="2573311" y="0"/>
+                  </a:lnTo>
+                  <a:lnTo>
+                    <a:pt x="2573311" y="6866467"/>
+                  </a:lnTo>
+                  <a:lnTo>
+                    <a:pt x="1202336" y="6866467"/>
+                  </a:lnTo>
+                  <a:lnTo>
+                    <a:pt x="0" y="0"/>
+                  </a:lnTo>
+                  <a:close/>
+                </a:path>
+              </a:pathLst>
+            </a:custGeom>
+            <a:solidFill>
+              <a:schemeClr val="accent1">
+                <a:alpha val="20000"/>
+              </a:schemeClr>
+            </a:solidFill>
+            <a:ln>
+              <a:noFill/>
+            </a:ln>
+            <a:effectLst/>
+          </p:spPr>
+          <p:style>
+            <a:lnRef idx="1">
+              <a:schemeClr val="accent1"/>
+            </a:lnRef>
+            <a:fillRef idx="3">
+              <a:schemeClr val="accent1"/>
+            </a:fillRef>
+            <a:effectRef idx="2">
+              <a:schemeClr val="accent1"/>
+            </a:effectRef>
+            <a:fontRef idx="minor">
+              <a:schemeClr val="lt1"/>
+            </a:fontRef>
+          </p:style>
+        </p:sp>
+        <p:sp>
+          <p:nvSpPr>
+            <p:cNvPr id="142" name="Isosceles Triangle 141">
+              <a:extLst>
+                <a:ext uri="{FF2B5EF4-FFF2-40B4-BE49-F238E27FC236}">
+                  <a16:creationId xmlns:a16="http://schemas.microsoft.com/office/drawing/2014/main" id="{FF54E15E-830B-4375-A239-4C51954DEAEC}"/>
+                </a:ext>
+                <a:ext uri="{C183D7F6-B498-43B3-948B-1728B52AA6E4}">
+                  <adec:decorative xmlns:adec="http://schemas.microsoft.com/office/drawing/2017/decorative" val="1"/>
+                </a:ext>
+              </a:extLst>
+            </p:cNvPr>
+            <p:cNvSpPr/>
+            <p:nvPr>
+              <p:extLst>
+                <p:ext uri="{386F3935-93C4-4BCD-93E2-E3B085C9AB24}">
+                  <p16:designElem xmlns:p16="http://schemas.microsoft.com/office/powerpoint/2015/main" val="1"/>
+                </p:ext>
+              </p:extLst>
+            </p:nvPr>
+          </p:nvSpPr>
+          <p:spPr>
+            <a:xfrm>
+              <a:off x="8932333" y="3048000"/>
+              <a:ext cx="3259667" cy="3810000"/>
+            </a:xfrm>
+            <a:prstGeom prst="triangle">
+              <a:avLst>
+                <a:gd name="adj" fmla="val 100000"/>
+              </a:avLst>
+            </a:prstGeom>
+            <a:solidFill>
+              <a:schemeClr val="accent2">
+                <a:alpha val="72000"/>
+              </a:schemeClr>
+            </a:solidFill>
+            <a:ln>
+              <a:noFill/>
+            </a:ln>
+            <a:effectLst/>
+          </p:spPr>
+          <p:style>
+            <a:lnRef idx="1">
+              <a:schemeClr val="accent1"/>
+            </a:lnRef>
+            <a:fillRef idx="3">
+              <a:schemeClr val="accent1"/>
+            </a:fillRef>
+            <a:effectRef idx="2">
+              <a:schemeClr val="accent1"/>
+            </a:effectRef>
+            <a:fontRef idx="minor">
+              <a:schemeClr val="lt1"/>
+            </a:fontRef>
+          </p:style>
+        </p:sp>
+        <p:sp>
+          <p:nvSpPr>
+            <p:cNvPr id="143" name="Rectangle 27">
+              <a:extLst>
+                <a:ext uri="{FF2B5EF4-FFF2-40B4-BE49-F238E27FC236}">
+                  <a16:creationId xmlns:a16="http://schemas.microsoft.com/office/drawing/2014/main" id="{CB37E322-FF7E-4872-BD6B-50A48CBEA5CE}"/>
+                </a:ext>
+                <a:ext uri="{C183D7F6-B498-43B3-948B-1728B52AA6E4}">
+                  <adec:decorative xmlns:adec="http://schemas.microsoft.com/office/drawing/2017/decorative" val="1"/>
+                </a:ext>
+              </a:extLst>
+            </p:cNvPr>
+            <p:cNvSpPr/>
+            <p:nvPr>
+              <p:extLst>
+                <p:ext uri="{386F3935-93C4-4BCD-93E2-E3B085C9AB24}">
+                  <p16:designElem xmlns:p16="http://schemas.microsoft.com/office/powerpoint/2015/main" val="1"/>
+                </p:ext>
+              </p:extLst>
+            </p:nvPr>
+          </p:nvSpPr>
+          <p:spPr>
+            <a:xfrm>
+              <a:off x="9334500" y="-8467"/>
+              <a:ext cx="2854326" cy="6866467"/>
+            </a:xfrm>
+            <a:custGeom>
+              <a:avLst/>
+              <a:gdLst/>
+              <a:ahLst/>
+              <a:cxnLst/>
+              <a:rect l="l" t="t" r="r" b="b"/>
+              <a:pathLst>
+                <a:path w="2858013" h="6866467">
+                  <a:moveTo>
+                    <a:pt x="0" y="0"/>
+                  </a:moveTo>
+                  <a:lnTo>
+                    <a:pt x="2858013" y="0"/>
+                  </a:lnTo>
+                  <a:lnTo>
+                    <a:pt x="2858013" y="6866467"/>
+                  </a:lnTo>
+                  <a:lnTo>
+                    <a:pt x="2473942" y="6866467"/>
+                  </a:lnTo>
+                  <a:lnTo>
+                    <a:pt x="0" y="0"/>
+                  </a:lnTo>
+                  <a:close/>
+                </a:path>
+              </a:pathLst>
+            </a:custGeom>
+            <a:solidFill>
+              <a:schemeClr val="accent2">
+                <a:lumMod val="75000"/>
+                <a:alpha val="70000"/>
+              </a:schemeClr>
+            </a:solidFill>
+            <a:ln>
+              <a:noFill/>
+            </a:ln>
+            <a:effectLst/>
+          </p:spPr>
+          <p:style>
+            <a:lnRef idx="1">
+              <a:schemeClr val="accent1"/>
+            </a:lnRef>
+            <a:fillRef idx="3">
+              <a:schemeClr val="accent1"/>
+            </a:fillRef>
+            <a:effectRef idx="2">
+              <a:schemeClr val="accent1"/>
+            </a:effectRef>
+            <a:fontRef idx="minor">
+              <a:schemeClr val="lt1"/>
+            </a:fontRef>
+          </p:style>
+        </p:sp>
+        <p:sp>
+          <p:nvSpPr>
+            <p:cNvPr id="144" name="Rectangle 28">
+              <a:extLst>
+                <a:ext uri="{FF2B5EF4-FFF2-40B4-BE49-F238E27FC236}">
+                  <a16:creationId xmlns:a16="http://schemas.microsoft.com/office/drawing/2014/main" id="{710D0C1E-D2F8-45B2-AE14-1AC8E976F7A2}"/>
+                </a:ext>
+                <a:ext uri="{C183D7F6-B498-43B3-948B-1728B52AA6E4}">
+                  <adec:decorative xmlns:adec="http://schemas.microsoft.com/office/drawing/2017/decorative" val="1"/>
+                </a:ext>
+              </a:extLst>
+            </p:cNvPr>
+            <p:cNvSpPr/>
+            <p:nvPr>
+              <p:extLst>
+                <p:ext uri="{386F3935-93C4-4BCD-93E2-E3B085C9AB24}">
+                  <p16:designElem xmlns:p16="http://schemas.microsoft.com/office/powerpoint/2015/main" val="1"/>
+                </p:ext>
+              </p:extLst>
+            </p:nvPr>
+          </p:nvSpPr>
+          <p:spPr>
+            <a:xfrm>
+              <a:off x="10898730" y="-8467"/>
+              <a:ext cx="1290094" cy="6866467"/>
+            </a:xfrm>
+            <a:custGeom>
+              <a:avLst/>
+              <a:gdLst/>
+              <a:ahLst/>
+              <a:cxnLst/>
+              <a:rect l="l" t="t" r="r" b="b"/>
+              <a:pathLst>
+                <a:path w="1290094" h="6858000">
+                  <a:moveTo>
+                    <a:pt x="1019735" y="0"/>
+                  </a:moveTo>
+                  <a:lnTo>
+                    <a:pt x="1290094" y="0"/>
+                  </a:lnTo>
+                  <a:lnTo>
+                    <a:pt x="1290094" y="6858000"/>
+                  </a:lnTo>
+                  <a:lnTo>
+                    <a:pt x="0" y="6858000"/>
+                  </a:lnTo>
+                  <a:lnTo>
+                    <a:pt x="1019735" y="0"/>
+                  </a:lnTo>
+                  <a:close/>
+                </a:path>
+              </a:pathLst>
+            </a:custGeom>
+            <a:solidFill>
+              <a:schemeClr val="accent1">
+                <a:lumMod val="60000"/>
+                <a:lumOff val="40000"/>
+                <a:alpha val="70000"/>
+              </a:schemeClr>
+            </a:solidFill>
+            <a:ln>
+              <a:noFill/>
+            </a:ln>
+            <a:effectLst/>
+          </p:spPr>
+          <p:style>
+            <a:lnRef idx="1">
+              <a:schemeClr val="accent1"/>
+            </a:lnRef>
+            <a:fillRef idx="3">
+              <a:schemeClr val="accent1"/>
+            </a:fillRef>
+            <a:effectRef idx="2">
+              <a:schemeClr val="accent1"/>
+            </a:effectRef>
+            <a:fontRef idx="minor">
+              <a:schemeClr val="lt1"/>
+            </a:fontRef>
+          </p:style>
+        </p:sp>
+        <p:sp>
+          <p:nvSpPr>
+            <p:cNvPr id="145" name="Rectangle 29">
+              <a:extLst>
+                <a:ext uri="{FF2B5EF4-FFF2-40B4-BE49-F238E27FC236}">
+                  <a16:creationId xmlns:a16="http://schemas.microsoft.com/office/drawing/2014/main" id="{3216331B-17D0-4167-ABD2-B2198058C2D2}"/>
+                </a:ext>
+                <a:ext uri="{C183D7F6-B498-43B3-948B-1728B52AA6E4}">
+                  <adec:decorative xmlns:adec="http://schemas.microsoft.com/office/drawing/2017/decorative" val="1"/>
+                </a:ext>
+              </a:extLst>
+            </p:cNvPr>
+            <p:cNvSpPr/>
+            <p:nvPr>
+              <p:extLst>
+                <p:ext uri="{386F3935-93C4-4BCD-93E2-E3B085C9AB24}">
+                  <p16:designElem xmlns:p16="http://schemas.microsoft.com/office/powerpoint/2015/main" val="1"/>
+                </p:ext>
+              </p:extLst>
+            </p:nvPr>
+          </p:nvSpPr>
+          <p:spPr>
+            <a:xfrm>
+              <a:off x="10938999" y="-8467"/>
+              <a:ext cx="1249825" cy="6866467"/>
+            </a:xfrm>
+            <a:custGeom>
+              <a:avLst/>
+              <a:gdLst/>
+              <a:ahLst/>
+              <a:cxnLst/>
+              <a:rect l="l" t="t" r="r" b="b"/>
+              <a:pathLst>
+                <a:path w="1249825" h="6858000">
+                  <a:moveTo>
+                    <a:pt x="0" y="0"/>
+                  </a:moveTo>
+                  <a:lnTo>
+                    <a:pt x="1249825" y="0"/>
+                  </a:lnTo>
+                  <a:lnTo>
+                    <a:pt x="1249825" y="6858000"/>
+                  </a:lnTo>
+                  <a:lnTo>
+                    <a:pt x="1109382" y="6858000"/>
+                  </a:lnTo>
+                  <a:lnTo>
+                    <a:pt x="0" y="0"/>
+                  </a:lnTo>
+                  <a:close/>
+                </a:path>
+              </a:pathLst>
+            </a:custGeom>
+            <a:solidFill>
+              <a:schemeClr val="accent1">
+                <a:alpha val="65000"/>
+              </a:schemeClr>
+            </a:solidFill>
+            <a:ln>
+              <a:noFill/>
+            </a:ln>
+            <a:effectLst/>
+          </p:spPr>
+          <p:style>
+            <a:lnRef idx="1">
+              <a:schemeClr val="accent1"/>
+            </a:lnRef>
+            <a:fillRef idx="3">
+              <a:schemeClr val="accent1"/>
+            </a:fillRef>
+            <a:effectRef idx="2">
+              <a:schemeClr val="accent1"/>
+            </a:effectRef>
+            <a:fontRef idx="minor">
+              <a:schemeClr val="lt1"/>
+            </a:fontRef>
+          </p:style>
+        </p:sp>
+        <p:sp>
+          <p:nvSpPr>
+            <p:cNvPr id="146" name="Isosceles Triangle 145">
+              <a:extLst>
+                <a:ext uri="{FF2B5EF4-FFF2-40B4-BE49-F238E27FC236}">
+                  <a16:creationId xmlns:a16="http://schemas.microsoft.com/office/drawing/2014/main" id="{A53A7A96-3806-4BB3-91DE-6EED48AC787E}"/>
+                </a:ext>
+                <a:ext uri="{C183D7F6-B498-43B3-948B-1728B52AA6E4}">
+                  <adec:decorative xmlns:adec="http://schemas.microsoft.com/office/drawing/2017/decorative" val="1"/>
+                </a:ext>
+              </a:extLst>
+            </p:cNvPr>
+            <p:cNvSpPr/>
+            <p:nvPr>
+              <p:extLst>
+                <p:ext uri="{386F3935-93C4-4BCD-93E2-E3B085C9AB24}">
+                  <p16:designElem xmlns:p16="http://schemas.microsoft.com/office/powerpoint/2015/main" val="1"/>
+                </p:ext>
+              </p:extLst>
+            </p:nvPr>
+          </p:nvSpPr>
+          <p:spPr>
+            <a:xfrm>
+              <a:off x="10371666" y="3589867"/>
+              <a:ext cx="1817159" cy="3268133"/>
+            </a:xfrm>
+            <a:prstGeom prst="triangle">
+              <a:avLst>
+                <a:gd name="adj" fmla="val 100000"/>
+              </a:avLst>
+            </a:prstGeom>
+            <a:solidFill>
+              <a:schemeClr val="accent1">
+                <a:alpha val="80000"/>
+              </a:schemeClr>
+            </a:solidFill>
+            <a:ln>
+              <a:noFill/>
+            </a:ln>
+            <a:effectLst/>
+          </p:spPr>
+          <p:style>
+            <a:lnRef idx="1">
+              <a:schemeClr val="accent1"/>
+            </a:lnRef>
+            <a:fillRef idx="3">
+              <a:schemeClr val="accent1"/>
+            </a:fillRef>
+            <a:effectRef idx="2">
+              <a:schemeClr val="accent1"/>
+            </a:effectRef>
+            <a:fontRef idx="minor">
+              <a:schemeClr val="lt1"/>
+            </a:fontRef>
+          </p:style>
+        </p:sp>
+        <p:sp>
+          <p:nvSpPr>
+            <p:cNvPr id="147" name="Isosceles Triangle 146">
+              <a:extLst>
+                <a:ext uri="{FF2B5EF4-FFF2-40B4-BE49-F238E27FC236}">
+                  <a16:creationId xmlns:a16="http://schemas.microsoft.com/office/drawing/2014/main" id="{F8C2B86C-EE71-466E-8991-503F9C9C1B22}"/>
+                </a:ext>
+                <a:ext uri="{C183D7F6-B498-43B3-948B-1728B52AA6E4}">
+                  <adec:decorative xmlns:adec="http://schemas.microsoft.com/office/drawing/2017/decorative" val="1"/>
+                </a:ext>
+              </a:extLst>
+            </p:cNvPr>
+            <p:cNvSpPr/>
+            <p:nvPr>
+              <p:extLst>
+                <p:ext uri="{386F3935-93C4-4BCD-93E2-E3B085C9AB24}">
+                  <p16:designElem xmlns:p16="http://schemas.microsoft.com/office/powerpoint/2015/main" val="1"/>
+                </p:ext>
+              </p:extLst>
+            </p:nvPr>
+          </p:nvSpPr>
+          <p:spPr>
+            <a:xfrm rot="10800000">
+              <a:off x="0" y="0"/>
+              <a:ext cx="842596" cy="5666154"/>
+            </a:xfrm>
+            <a:prstGeom prst="triangle">
+              <a:avLst>
+                <a:gd name="adj" fmla="val 100000"/>
+              </a:avLst>
+            </a:prstGeom>
+            <a:solidFill>
+              <a:schemeClr val="accent1">
+                <a:alpha val="85000"/>
+              </a:schemeClr>
+            </a:solidFill>
+            <a:ln>
+              <a:noFill/>
+            </a:ln>
+            <a:effectLst/>
+          </p:spPr>
+          <p:style>
+            <a:lnRef idx="1">
+              <a:schemeClr val="accent1"/>
+            </a:lnRef>
+            <a:fillRef idx="3">
+              <a:schemeClr val="accent1"/>
+            </a:fillRef>
+            <a:effectRef idx="2">
+              <a:schemeClr val="accent1"/>
+            </a:effectRef>
+            <a:fontRef idx="minor">
+              <a:schemeClr val="lt1"/>
+            </a:fontRef>
+          </p:style>
+        </p:sp>
+      </p:grpSp>
+      <p:sp>
+        <p:nvSpPr>
+          <p:cNvPr id="2" name="Title 1"/>
+          <p:cNvSpPr>
+            <a:spLocks noGrp="1"/>
+          </p:cNvSpPr>
+          <p:nvPr>
+            <p:ph type="title"/>
+          </p:nvPr>
+        </p:nvSpPr>
+        <p:spPr>
+          <a:xfrm>
+            <a:off x="985968" y="4473225"/>
+            <a:ext cx="8288035" cy="1095059"/>
+          </a:xfrm>
+        </p:spPr>
+        <p:txBody>
+          <a:bodyPr vert="horz" lIns="91440" tIns="45720" rIns="91440" bIns="45720" rtlCol="0" anchor="b">
+            <a:normAutofit/>
+          </a:bodyPr>
+          <a:lstStyle/>
+          <a:p>
+            <a:pPr marL="0" lvl="0" indent="0" algn="ctr"/>
+            <a:r>
+              <a:rPr lang="en-US" sz="4800"/>
+              <a:t>Introduction</a:t>
+            </a:r>
+          </a:p>
+        </p:txBody>
+      </p:sp>
+      <p:pic>
+        <p:nvPicPr>
+          <p:cNvPr id="1028" name="Picture 4" descr="Maison, Condo à vendre Laval - Stéphane Levasseur Courtier immobilier">
+            <a:extLst>
+              <a:ext uri="{FF2B5EF4-FFF2-40B4-BE49-F238E27FC236}">
+                <a16:creationId xmlns:a16="http://schemas.microsoft.com/office/drawing/2014/main" id="{D798EB45-754C-4D73-8621-CD6E131D0FAF}"/>
+              </a:ext>
+            </a:extLst>
+          </p:cNvPr>
+          <p:cNvPicPr>
+            <a:picLocks noChangeAspect="1" noChangeArrowheads="1"/>
+          </p:cNvPicPr>
+          <p:nvPr/>
+        </p:nvPicPr>
+        <p:blipFill>
+          <a:blip r:embed="rId2">
+            <a:extLst>
+              <a:ext uri="{28A0092B-C50C-407E-A947-70E740481C1C}">
+                <a14:useLocalDpi xmlns:a14="http://schemas.microsoft.com/office/drawing/2010/main" val="0"/>
+              </a:ext>
+            </a:extLst>
+          </a:blip>
+          <a:stretch>
+            <a:fillRect/>
+          </a:stretch>
+        </p:blipFill>
+        <p:spPr bwMode="auto">
+          <a:xfrm>
+            <a:off x="985965" y="1081945"/>
+            <a:ext cx="4251408" cy="3188555"/>
+          </a:xfrm>
+          <a:prstGeom prst="rect">
+            <a:avLst/>
+          </a:prstGeom>
+          <a:noFill/>
+          <a:extLst>
+            <a:ext uri="{909E8E84-426E-40DD-AFC4-6F175D3DCCD1}">
+              <a14:hiddenFill xmlns:a14="http://schemas.microsoft.com/office/drawing/2010/main">
+                <a:solidFill>
+                  <a:srgbClr val="FFFFFF"/>
+                </a:solidFill>
+              </a14:hiddenFill>
+            </a:ext>
+          </a:extLst>
+        </p:spPr>
+      </p:pic>
+      <p:pic>
+        <p:nvPicPr>
+          <p:cNvPr id="1026" name="Picture 2" descr="Maisons à Mascouche - Les Jardins du Coteau">
+            <a:extLst>
+              <a:ext uri="{FF2B5EF4-FFF2-40B4-BE49-F238E27FC236}">
+                <a16:creationId xmlns:a16="http://schemas.microsoft.com/office/drawing/2014/main" id="{26CEE944-300E-4D05-9EC2-E759A3291730}"/>
+              </a:ext>
+            </a:extLst>
+          </p:cNvPr>
+          <p:cNvPicPr>
+            <a:picLocks noChangeAspect="1" noChangeArrowheads="1"/>
+          </p:cNvPicPr>
+          <p:nvPr/>
+        </p:nvPicPr>
+        <p:blipFill>
+          <a:blip r:embed="rId3">
+            <a:extLst>
+              <a:ext uri="{28A0092B-C50C-407E-A947-70E740481C1C}">
+                <a14:useLocalDpi xmlns:a14="http://schemas.microsoft.com/office/drawing/2010/main" val="0"/>
+              </a:ext>
+            </a:extLst>
+          </a:blip>
+          <a:stretch>
+            <a:fillRect/>
+          </a:stretch>
+        </p:blipFill>
+        <p:spPr bwMode="auto">
+          <a:xfrm>
+            <a:off x="5244284" y="1192762"/>
+            <a:ext cx="4251408" cy="2954728"/>
+          </a:xfrm>
+          <a:prstGeom prst="rect">
+            <a:avLst/>
+          </a:prstGeom>
+          <a:noFill/>
+          <a:extLst>
+            <a:ext uri="{909E8E84-426E-40DD-AFC4-6F175D3DCCD1}">
+              <a14:hiddenFill xmlns:a14="http://schemas.microsoft.com/office/drawing/2010/main">
+                <a:solidFill>
+                  <a:srgbClr val="FFFFFF"/>
+                </a:solidFill>
+              </a14:hiddenFill>
+            </a:ext>
+          </a:extLst>
+        </p:spPr>
+      </p:pic>
+    </p:spTree>
+  </p:cSld>
+  <p:clrMapOvr>
+    <a:masterClrMapping/>
+  </p:clrMapOvr>
+</p:sld>
+</file>
+
+<file path=ppt/slides/slide20.xml><?xml version="1.0" encoding="utf-8"?>
+<p:sld xmlns:a="http://schemas.openxmlformats.org/drawingml/2006/main" xmlns:r="http://schemas.openxmlformats.org/officeDocument/2006/relationships" xmlns:p="http://schemas.openxmlformats.org/presentationml/2006/main">
+  <p:cSld>
+    <p:spTree>
+      <p:nvGrpSpPr>
+        <p:cNvPr id="1" name=""/>
+        <p:cNvGrpSpPr/>
+        <p:nvPr/>
+      </p:nvGrpSpPr>
+      <p:grpSpPr>
+        <a:xfrm>
+          <a:off x="0" y="0"/>
+          <a:ext cx="0" cy="0"/>
+          <a:chOff x="0" y="0"/>
+          <a:chExt cx="0" cy="0"/>
+        </a:xfrm>
+      </p:grpSpPr>
+      <p:sp>
+        <p:nvSpPr>
+          <p:cNvPr id="2" name="Title 1"/>
+          <p:cNvSpPr>
+            <a:spLocks noGrp="1"/>
+          </p:cNvSpPr>
+          <p:nvPr>
+            <p:ph type="title"/>
+          </p:nvPr>
+        </p:nvSpPr>
+        <p:spPr/>
+        <p:txBody>
+          <a:bodyPr/>
+          <a:lstStyle/>
+          <a:p>
+            <a:pPr marL="0" lvl="0" indent="0">
+              <a:buNone/>
+            </a:pPr>
+            <a:r>
+              <a:t>Comparaison des modèles</a:t>
+            </a:r>
+          </a:p>
+        </p:txBody>
+      </p:sp>
+      <p:graphicFrame>
+        <p:nvGraphicFramePr>
+          <p:cNvPr id="6" name="Content Placeholder 5"/>
+          <p:cNvGraphicFramePr>
+            <a:graphicFrameLocks noGrp="1"/>
+          </p:cNvGraphicFramePr>
+          <p:nvPr>
+            <p:ph idx="1"/>
+          </p:nvPr>
+        </p:nvGraphicFramePr>
+        <p:xfrm>
+          <a:off x="673100" y="2159000"/>
+          <a:ext cx="8585200" cy="2926080"/>
+        </p:xfrm>
+        <a:graphic>
+          <a:graphicData uri="http://schemas.openxmlformats.org/drawingml/2006/table">
+            <a:tbl>
+              <a:tblPr firstRow="1" bandRow="1">
+                <a:tableStyleId>{5C22544A-7EE6-4342-B048-85BDC9FD1C3A}</a:tableStyleId>
+              </a:tblPr>
+              <a:tblGrid>
+                <a:gridCol w="4292600">
+                  <a:extLst>
+                    <a:ext uri="{9D8B030D-6E8A-4147-A177-3AD203B41FA5}">
+                      <a16:colId xmlns:a16="http://schemas.microsoft.com/office/drawing/2014/main" val="20000"/>
+                    </a:ext>
+                  </a:extLst>
+                </a:gridCol>
+                <a:gridCol w="4292600">
+                  <a:extLst>
+                    <a:ext uri="{9D8B030D-6E8A-4147-A177-3AD203B41FA5}">
+                      <a16:colId xmlns:a16="http://schemas.microsoft.com/office/drawing/2014/main" val="20001"/>
+                    </a:ext>
+                  </a:extLst>
+                </a:gridCol>
+              </a:tblGrid>
+              <a:tr h="0">
+                <a:tc>
+                  <a:txBody>
+                    <a:bodyPr/>
+                    <a:lstStyle/>
+                    <a:p>
+                      <a:pPr marL="0" lvl="0" indent="0" algn="l">
+                        <a:buNone/>
+                      </a:pPr>
+                      <a:r>
+                        <a:t>Modèles</a:t>
+                      </a:r>
+                    </a:p>
+                  </a:txBody>
+                  <a:tcPr/>
+                </a:tc>
+                <a:tc>
+                  <a:txBody>
+                    <a:bodyPr/>
+                    <a:lstStyle/>
+                    <a:p>
+                      <a:pPr marL="0" lvl="0" indent="0" algn="r">
+                        <a:buNone/>
+                      </a:pPr>
+                      <a:r>
+                        <a:t>EQM</a:t>
+                      </a:r>
+                    </a:p>
+                  </a:txBody>
+                  <a:tcPr/>
+                </a:tc>
+                <a:extLst>
+                  <a:ext uri="{0D108BD9-81ED-4DB2-BD59-A6C34878D82A}">
+                    <a16:rowId xmlns:a16="http://schemas.microsoft.com/office/drawing/2014/main" val="10000"/>
+                  </a:ext>
+                </a:extLst>
+              </a:tr>
+              <a:tr h="0">
+                <a:tc>
+                  <a:txBody>
+                    <a:bodyPr/>
+                    <a:lstStyle/>
+                    <a:p>
+                      <a:pPr marL="0" lvl="0" indent="0" algn="l">
+                        <a:buNone/>
+                      </a:pPr>
+                      <a:r>
+                        <a:t>Modèle de base</a:t>
+                      </a:r>
+                    </a:p>
+                  </a:txBody>
+                  <a:tcPr/>
+                </a:tc>
+                <a:tc>
+                  <a:txBody>
+                    <a:bodyPr/>
+                    <a:lstStyle/>
+                    <a:p>
+                      <a:pPr marL="0" lvl="0" indent="0" algn="r">
+                        <a:buNone/>
+                      </a:pPr>
+                      <a:r>
+                        <a:t>0.05300</a:t>
+                      </a:r>
+                    </a:p>
+                  </a:txBody>
+                  <a:tcPr/>
+                </a:tc>
+                <a:extLst>
+                  <a:ext uri="{0D108BD9-81ED-4DB2-BD59-A6C34878D82A}">
+                    <a16:rowId xmlns:a16="http://schemas.microsoft.com/office/drawing/2014/main" val="10001"/>
+                  </a:ext>
+                </a:extLst>
+              </a:tr>
+              <a:tr h="0">
+                <a:tc>
+                  <a:txBody>
+                    <a:bodyPr/>
+                    <a:lstStyle/>
+                    <a:p>
+                      <a:pPr marL="0" lvl="0" indent="0" algn="l">
+                        <a:buNone/>
+                      </a:pPr>
+                      <a:r>
+                        <a:t>Modèle Lasso</a:t>
+                      </a:r>
+                    </a:p>
+                  </a:txBody>
+                  <a:tcPr/>
+                </a:tc>
+                <a:tc>
+                  <a:txBody>
+                    <a:bodyPr/>
+                    <a:lstStyle/>
+                    <a:p>
+                      <a:pPr marL="0" lvl="0" indent="0" algn="r">
+                        <a:buNone/>
+                      </a:pPr>
+                      <a:r>
+                        <a:t>0.05245</a:t>
+                      </a:r>
+                    </a:p>
+                  </a:txBody>
+                  <a:tcPr/>
+                </a:tc>
+                <a:extLst>
+                  <a:ext uri="{0D108BD9-81ED-4DB2-BD59-A6C34878D82A}">
+                    <a16:rowId xmlns:a16="http://schemas.microsoft.com/office/drawing/2014/main" val="10002"/>
+                  </a:ext>
+                </a:extLst>
+              </a:tr>
+              <a:tr h="0">
+                <a:tc>
+                  <a:txBody>
+                    <a:bodyPr/>
+                    <a:lstStyle/>
+                    <a:p>
+                      <a:pPr marL="0" lvl="0" indent="0" algn="l">
+                        <a:buNone/>
+                      </a:pPr>
+                      <a:r>
+                        <a:t>K plus proches voisins</a:t>
+                      </a:r>
+                    </a:p>
+                  </a:txBody>
+                  <a:tcPr/>
+                </a:tc>
+                <a:tc>
+                  <a:txBody>
+                    <a:bodyPr/>
+                    <a:lstStyle/>
+                    <a:p>
+                      <a:pPr marL="0" lvl="0" indent="0" algn="r">
+                        <a:buNone/>
+                      </a:pPr>
+                      <a:r>
+                        <a:t>0.04570</a:t>
+                      </a:r>
+                    </a:p>
+                  </a:txBody>
+                  <a:tcPr/>
+                </a:tc>
+                <a:extLst>
+                  <a:ext uri="{0D108BD9-81ED-4DB2-BD59-A6C34878D82A}">
+                    <a16:rowId xmlns:a16="http://schemas.microsoft.com/office/drawing/2014/main" val="10003"/>
+                  </a:ext>
+                </a:extLst>
+              </a:tr>
+              <a:tr h="0">
+                <a:tc>
+                  <a:txBody>
+                    <a:bodyPr/>
+                    <a:lstStyle/>
+                    <a:p>
+                      <a:pPr marL="0" lvl="0" indent="0" algn="l">
+                        <a:buNone/>
+                      </a:pPr>
+                      <a:r>
+                        <a:t>Arbre de décision</a:t>
+                      </a:r>
+                    </a:p>
+                  </a:txBody>
+                  <a:tcPr/>
+                </a:tc>
+                <a:tc>
+                  <a:txBody>
+                    <a:bodyPr/>
+                    <a:lstStyle/>
+                    <a:p>
+                      <a:pPr marL="0" lvl="0" indent="0" algn="r">
+                        <a:buNone/>
+                      </a:pPr>
+                      <a:r>
+                        <a:t>0.04962</a:t>
+                      </a:r>
+                    </a:p>
+                  </a:txBody>
+                  <a:tcPr/>
+                </a:tc>
+                <a:extLst>
+                  <a:ext uri="{0D108BD9-81ED-4DB2-BD59-A6C34878D82A}">
+                    <a16:rowId xmlns:a16="http://schemas.microsoft.com/office/drawing/2014/main" val="10004"/>
+                  </a:ext>
+                </a:extLst>
+              </a:tr>
+              <a:tr h="0">
+                <a:tc>
+                  <a:txBody>
+                    <a:bodyPr/>
+                    <a:lstStyle/>
+                    <a:p>
+                      <a:pPr marL="0" lvl="0" indent="0" algn="l">
+                        <a:buNone/>
+                      </a:pPr>
+                      <a:r>
+                        <a:t>Bagging</a:t>
+                      </a:r>
+                    </a:p>
+                  </a:txBody>
+                  <a:tcPr/>
+                </a:tc>
+                <a:tc>
+                  <a:txBody>
+                    <a:bodyPr/>
+                    <a:lstStyle/>
+                    <a:p>
+                      <a:pPr marL="0" lvl="0" indent="0" algn="r">
+                        <a:buNone/>
+                      </a:pPr>
+                      <a:r>
+                        <a:t>0.03350</a:t>
+                      </a:r>
+                    </a:p>
+                  </a:txBody>
+                  <a:tcPr/>
+                </a:tc>
+                <a:extLst>
+                  <a:ext uri="{0D108BD9-81ED-4DB2-BD59-A6C34878D82A}">
+                    <a16:rowId xmlns:a16="http://schemas.microsoft.com/office/drawing/2014/main" val="10005"/>
+                  </a:ext>
+                </a:extLst>
+              </a:tr>
+              <a:tr h="0">
+                <a:tc>
+                  <a:txBody>
+                    <a:bodyPr/>
+                    <a:lstStyle/>
+                    <a:p>
+                      <a:pPr marL="0" lvl="0" indent="0" algn="l">
+                        <a:buNone/>
+                      </a:pPr>
+                      <a:r>
+                        <a:t>Forêt aléatoire</a:t>
+                      </a:r>
+                    </a:p>
+                  </a:txBody>
+                  <a:tcPr/>
+                </a:tc>
+                <a:tc>
+                  <a:txBody>
+                    <a:bodyPr/>
+                    <a:lstStyle/>
+                    <a:p>
+                      <a:pPr marL="0" lvl="0" indent="0" algn="r">
+                        <a:buNone/>
+                      </a:pPr>
+                      <a:r>
+                        <a:t>0.03253</a:t>
+                      </a:r>
+                    </a:p>
+                  </a:txBody>
+                  <a:tcPr/>
+                </a:tc>
+                <a:extLst>
+                  <a:ext uri="{0D108BD9-81ED-4DB2-BD59-A6C34878D82A}">
+                    <a16:rowId xmlns:a16="http://schemas.microsoft.com/office/drawing/2014/main" val="10006"/>
+                  </a:ext>
+                </a:extLst>
+              </a:tr>
+              <a:tr h="0">
+                <a:tc>
+                  <a:txBody>
+                    <a:bodyPr/>
+                    <a:lstStyle/>
+                    <a:p>
+                      <a:pPr marL="0" lvl="0" indent="0" algn="l">
+                        <a:buNone/>
+                      </a:pPr>
+                      <a:r>
+                        <a:t>Gradient boosting (GBM)</a:t>
+                      </a:r>
+                    </a:p>
+                  </a:txBody>
+                  <a:tcPr/>
+                </a:tc>
+                <a:tc>
+                  <a:txBody>
+                    <a:bodyPr/>
+                    <a:lstStyle/>
+                    <a:p>
+                      <a:pPr marL="0" lvl="0" indent="0" algn="r">
+                        <a:buNone/>
+                      </a:pPr>
+                      <a:r>
+                        <a:t>3.00000</a:t>
+                      </a:r>
+                    </a:p>
+                  </a:txBody>
+                  <a:tcPr/>
+                </a:tc>
+                <a:extLst>
+                  <a:ext uri="{0D108BD9-81ED-4DB2-BD59-A6C34878D82A}">
+                    <a16:rowId xmlns:a16="http://schemas.microsoft.com/office/drawing/2014/main" val="10007"/>
+                  </a:ext>
+                </a:extLst>
+              </a:tr>
+            </a:tbl>
+          </a:graphicData>
+        </a:graphic>
+      </p:graphicFrame>
+      <p:sp>
+        <p:nvSpPr>
+          <p:cNvPr id="3" name="TextBox 3"/>
+          <p:cNvSpPr txBox="1"/>
+          <p:nvPr/>
+        </p:nvSpPr>
+        <p:spPr>
+          <a:xfrm>
+            <a:off x="673100" y="5524500"/>
+            <a:ext cx="8585200" cy="508000"/>
+          </a:xfrm>
+          <a:prstGeom prst="rect">
+            <a:avLst/>
+          </a:prstGeom>
+          <a:noFill/>
+        </p:spPr>
+        <p:txBody>
+          <a:bodyPr/>
+          <a:lstStyle/>
+          <a:p>
+            <a:pPr marL="0" lvl="0" indent="0" algn="ctr">
+              <a:buNone/>
+            </a:pPr>
+            <a:r>
+              <a:t>L’EQM des sept modèles testés</a:t>
+            </a:r>
+          </a:p>
+        </p:txBody>
+      </p:sp>
+    </p:spTree>
+  </p:cSld>
+  <p:clrMapOvr>
+    <a:masterClrMapping/>
+  </p:clrMapOvr>
+</p:sld>
+</file>
+
+<file path=ppt/slides/slide21.xml><?xml version="1.0" encoding="utf-8"?>
+<p:sld xmlns:a="http://schemas.openxmlformats.org/drawingml/2006/main" xmlns:r="http://schemas.openxmlformats.org/officeDocument/2006/relationships" xmlns:p="http://schemas.openxmlformats.org/presentationml/2006/main">
+  <p:cSld>
+    <p:spTree>
+      <p:nvGrpSpPr>
+        <p:cNvPr id="1" name=""/>
+        <p:cNvGrpSpPr/>
+        <p:nvPr/>
+      </p:nvGrpSpPr>
+      <p:grpSpPr>
+        <a:xfrm>
+          <a:off x="0" y="0"/>
+          <a:ext cx="0" cy="0"/>
+          <a:chOff x="0" y="0"/>
+          <a:chExt cx="0" cy="0"/>
+        </a:xfrm>
+      </p:grpSpPr>
+      <p:sp>
+        <p:nvSpPr>
+          <p:cNvPr id="2" name="Title 1"/>
+          <p:cNvSpPr>
+            <a:spLocks noGrp="1"/>
+          </p:cNvSpPr>
+          <p:nvPr>
+            <p:ph type="title"/>
+          </p:nvPr>
+        </p:nvSpPr>
+        <p:spPr/>
+        <p:txBody>
+          <a:bodyPr/>
+          <a:lstStyle/>
+          <a:p>
+            <a:pPr marL="0" lvl="0" indent="0">
+              <a:buNone/>
+            </a:pPr>
+            <a:r>
+              <a:t>Forêt aléatoire</a:t>
+            </a:r>
+          </a:p>
+        </p:txBody>
+      </p:sp>
+      <p:pic>
+        <p:nvPicPr>
+          <p:cNvPr id="3" name="Image 2">
+            <a:extLst>
+              <a:ext uri="{FF2B5EF4-FFF2-40B4-BE49-F238E27FC236}">
+                <a16:creationId xmlns:a16="http://schemas.microsoft.com/office/drawing/2014/main" id="{CFCA15EE-05F3-4060-BCD8-CB7A3E70FC85}"/>
+              </a:ext>
+            </a:extLst>
+          </p:cNvPr>
+          <p:cNvPicPr>
+            <a:picLocks noChangeAspect="1"/>
+          </p:cNvPicPr>
+          <p:nvPr/>
+        </p:nvPicPr>
+        <p:blipFill>
+          <a:blip r:embed="rId2"/>
+          <a:stretch>
+            <a:fillRect/>
+          </a:stretch>
+        </p:blipFill>
+        <p:spPr>
+          <a:xfrm>
+            <a:off x="2917998" y="1364566"/>
+            <a:ext cx="5995403" cy="5188634"/>
+          </a:xfrm>
+          <a:prstGeom prst="rect">
+            <a:avLst/>
+          </a:prstGeom>
+        </p:spPr>
+      </p:pic>
+    </p:spTree>
+  </p:cSld>
+  <p:clrMapOvr>
+    <a:masterClrMapping/>
+  </p:clrMapOvr>
+</p:sld>
+</file>
+
+<file path=ppt/slides/slide22.xml><?xml version="1.0" encoding="utf-8"?>
+<p:sld xmlns:a="http://schemas.openxmlformats.org/drawingml/2006/main" xmlns:r="http://schemas.openxmlformats.org/officeDocument/2006/relationships" xmlns:p="http://schemas.openxmlformats.org/presentationml/2006/main">
+  <p:cSld>
+    <p:spTree>
+      <p:nvGrpSpPr>
+        <p:cNvPr id="1" name=""/>
+        <p:cNvGrpSpPr/>
+        <p:nvPr/>
+      </p:nvGrpSpPr>
+      <p:grpSpPr>
+        <a:xfrm>
+          <a:off x="0" y="0"/>
+          <a:ext cx="0" cy="0"/>
+          <a:chOff x="0" y="0"/>
+          <a:chExt cx="0" cy="0"/>
+        </a:xfrm>
+      </p:grpSpPr>
+      <p:sp>
+        <p:nvSpPr>
+          <p:cNvPr id="2" name="Title 1"/>
+          <p:cNvSpPr>
+            <a:spLocks noGrp="1"/>
+          </p:cNvSpPr>
+          <p:nvPr>
+            <p:ph type="title"/>
+          </p:nvPr>
+        </p:nvSpPr>
+        <p:spPr/>
+        <p:txBody>
+          <a:bodyPr/>
+          <a:lstStyle/>
+          <a:p>
+            <a:pPr marL="0" lvl="0" indent="0">
+              <a:buNone/>
+            </a:pPr>
+            <a:r>
+              <a:t>Forêt aléatoire (suite)</a:t>
+            </a:r>
+          </a:p>
+        </p:txBody>
+      </p:sp>
+      <p:pic>
+        <p:nvPicPr>
+          <p:cNvPr id="4" name="Image 3">
+            <a:extLst>
+              <a:ext uri="{FF2B5EF4-FFF2-40B4-BE49-F238E27FC236}">
+                <a16:creationId xmlns:a16="http://schemas.microsoft.com/office/drawing/2014/main" id="{2C028C6D-E0F8-4D78-BDE5-C04B4C7F42AE}"/>
+              </a:ext>
+            </a:extLst>
+          </p:cNvPr>
+          <p:cNvPicPr>
+            <a:picLocks noChangeAspect="1"/>
+          </p:cNvPicPr>
+          <p:nvPr/>
+        </p:nvPicPr>
+        <p:blipFill>
+          <a:blip r:embed="rId2"/>
+          <a:stretch>
+            <a:fillRect/>
+          </a:stretch>
+        </p:blipFill>
+        <p:spPr>
+          <a:xfrm>
+            <a:off x="2011681" y="1416912"/>
+            <a:ext cx="6142306" cy="5309862"/>
+          </a:xfrm>
+          <a:prstGeom prst="rect">
+            <a:avLst/>
+          </a:prstGeom>
+        </p:spPr>
+      </p:pic>
+      <p:pic>
+        <p:nvPicPr>
+          <p:cNvPr id="5" name="Picture 2" descr="Sticker mural Rose des vents &gt; Décomotif">
+            <a:extLst>
+              <a:ext uri="{FF2B5EF4-FFF2-40B4-BE49-F238E27FC236}">
+                <a16:creationId xmlns:a16="http://schemas.microsoft.com/office/drawing/2014/main" id="{EA72AEDC-C67A-410A-8B5C-4E2D74342375}"/>
+              </a:ext>
+            </a:extLst>
+          </p:cNvPr>
+          <p:cNvPicPr>
+            <a:picLocks noChangeAspect="1" noChangeArrowheads="1"/>
+          </p:cNvPicPr>
+          <p:nvPr/>
+        </p:nvPicPr>
+        <p:blipFill>
+          <a:blip r:embed="rId3">
+            <a:extLst>
+              <a:ext uri="{28A0092B-C50C-407E-A947-70E740481C1C}">
+                <a14:useLocalDpi xmlns:a14="http://schemas.microsoft.com/office/drawing/2010/main" val="0"/>
+              </a:ext>
+            </a:extLst>
+          </a:blip>
+          <a:srcRect/>
+          <a:stretch>
+            <a:fillRect/>
+          </a:stretch>
+        </p:blipFill>
+        <p:spPr bwMode="auto">
+          <a:xfrm rot="5400000">
+            <a:off x="10126786" y="52388"/>
+            <a:ext cx="1878012" cy="1878012"/>
+          </a:xfrm>
+          <a:prstGeom prst="rect">
+            <a:avLst/>
+          </a:prstGeom>
+          <a:noFill/>
+          <a:extLst>
+            <a:ext uri="{909E8E84-426E-40DD-AFC4-6F175D3DCCD1}">
+              <a14:hiddenFill xmlns:a14="http://schemas.microsoft.com/office/drawing/2010/main">
+                <a:solidFill>
+                  <a:srgbClr val="FFFFFF"/>
+                </a:solidFill>
+              </a14:hiddenFill>
+            </a:ext>
+          </a:extLst>
+        </p:spPr>
+      </p:pic>
+    </p:spTree>
+  </p:cSld>
+  <p:clrMapOvr>
+    <a:masterClrMapping/>
+  </p:clrMapOvr>
+</p:sld>
+</file>
+
+<file path=ppt/slides/slide23.xml><?xml version="1.0" encoding="utf-8"?>
+<p:sld xmlns:a="http://schemas.openxmlformats.org/drawingml/2006/main" xmlns:r="http://schemas.openxmlformats.org/officeDocument/2006/relationships" xmlns:p="http://schemas.openxmlformats.org/presentationml/2006/main">
+  <p:cSld>
+    <p:spTree>
+      <p:nvGrpSpPr>
+        <p:cNvPr id="1" name=""/>
+        <p:cNvGrpSpPr/>
+        <p:nvPr/>
+      </p:nvGrpSpPr>
+      <p:grpSpPr>
+        <a:xfrm>
+          <a:off x="0" y="0"/>
+          <a:ext cx="0" cy="0"/>
+          <a:chOff x="0" y="0"/>
+          <a:chExt cx="0" cy="0"/>
+        </a:xfrm>
+      </p:grpSpPr>
+      <p:sp>
+        <p:nvSpPr>
+          <p:cNvPr id="2" name="Title 1"/>
+          <p:cNvSpPr>
+            <a:spLocks noGrp="1"/>
+          </p:cNvSpPr>
+          <p:nvPr>
+            <p:ph type="title"/>
+          </p:nvPr>
+        </p:nvSpPr>
+        <p:spPr/>
+        <p:txBody>
+          <a:bodyPr/>
+          <a:lstStyle/>
+          <a:p>
+            <a:pPr marL="0" lvl="0" indent="0">
+              <a:buNone/>
+            </a:pPr>
+            <a:r>
+              <a:t>Forêt aléatoire (suite)</a:t>
+            </a:r>
+          </a:p>
+        </p:txBody>
+      </p:sp>
+      <p:pic>
+        <p:nvPicPr>
+          <p:cNvPr id="4" name="Image 3">
+            <a:extLst>
+              <a:ext uri="{FF2B5EF4-FFF2-40B4-BE49-F238E27FC236}">
+                <a16:creationId xmlns:a16="http://schemas.microsoft.com/office/drawing/2014/main" id="{9096405A-B9FF-471F-AC25-14F542D10E46}"/>
+              </a:ext>
+            </a:extLst>
+          </p:cNvPr>
+          <p:cNvPicPr>
+            <a:picLocks noChangeAspect="1"/>
+          </p:cNvPicPr>
+          <p:nvPr/>
+        </p:nvPicPr>
+        <p:blipFill>
+          <a:blip r:embed="rId2"/>
+          <a:stretch>
+            <a:fillRect/>
+          </a:stretch>
+        </p:blipFill>
+        <p:spPr>
+          <a:xfrm>
+            <a:off x="2466975" y="1439572"/>
+            <a:ext cx="6128385" cy="5291965"/>
+          </a:xfrm>
+          <a:prstGeom prst="rect">
+            <a:avLst/>
+          </a:prstGeom>
+        </p:spPr>
+      </p:pic>
+    </p:spTree>
+  </p:cSld>
+  <p:clrMapOvr>
+    <a:masterClrMapping/>
+  </p:clrMapOvr>
+</p:sld>
+</file>
+
+<file path=ppt/slides/slide24.xml><?xml version="1.0" encoding="utf-8"?>
+<p:sld xmlns:a="http://schemas.openxmlformats.org/drawingml/2006/main" xmlns:r="http://schemas.openxmlformats.org/officeDocument/2006/relationships" xmlns:p="http://schemas.openxmlformats.org/presentationml/2006/main">
+  <p:cSld>
+    <p:spTree>
+      <p:nvGrpSpPr>
+        <p:cNvPr id="1" name=""/>
+        <p:cNvGrpSpPr/>
+        <p:nvPr/>
+      </p:nvGrpSpPr>
+      <p:grpSpPr>
+        <a:xfrm>
+          <a:off x="0" y="0"/>
+          <a:ext cx="0" cy="0"/>
+          <a:chOff x="0" y="0"/>
+          <a:chExt cx="0" cy="0"/>
+        </a:xfrm>
+      </p:grpSpPr>
+      <p:sp>
+        <p:nvSpPr>
+          <p:cNvPr id="2" name="Title 1"/>
+          <p:cNvSpPr>
+            <a:spLocks noGrp="1"/>
+          </p:cNvSpPr>
+          <p:nvPr>
+            <p:ph type="title"/>
+          </p:nvPr>
+        </p:nvSpPr>
+        <p:spPr/>
+        <p:txBody>
+          <a:bodyPr/>
+          <a:lstStyle/>
+          <a:p>
+            <a:pPr marL="0" lvl="0" indent="0">
+              <a:buNone/>
+            </a:pPr>
+            <a:r>
+              <a:t>Forêt aléatoire (suite)</a:t>
+            </a:r>
+          </a:p>
+        </p:txBody>
+      </p:sp>
+      <p:pic>
+        <p:nvPicPr>
+          <p:cNvPr id="4" name="Image 3">
+            <a:extLst>
+              <a:ext uri="{FF2B5EF4-FFF2-40B4-BE49-F238E27FC236}">
+                <a16:creationId xmlns:a16="http://schemas.microsoft.com/office/drawing/2014/main" id="{6FA724EA-58C3-4908-A48F-62266152D4D8}"/>
+              </a:ext>
+            </a:extLst>
+          </p:cNvPr>
+          <p:cNvPicPr>
+            <a:picLocks noChangeAspect="1"/>
+          </p:cNvPicPr>
+          <p:nvPr/>
+        </p:nvPicPr>
+        <p:blipFill>
+          <a:blip r:embed="rId2"/>
+          <a:stretch>
+            <a:fillRect/>
+          </a:stretch>
+        </p:blipFill>
+        <p:spPr>
+          <a:xfrm>
+            <a:off x="2917998" y="1423355"/>
+            <a:ext cx="6293616" cy="5434645"/>
+          </a:xfrm>
+          <a:prstGeom prst="rect">
+            <a:avLst/>
+          </a:prstGeom>
+        </p:spPr>
+      </p:pic>
+      <p:pic>
+        <p:nvPicPr>
+          <p:cNvPr id="2050" name="Picture 2" descr="Sticker mural Rose des vents &gt; Décomotif">
+            <a:extLst>
+              <a:ext uri="{FF2B5EF4-FFF2-40B4-BE49-F238E27FC236}">
+                <a16:creationId xmlns:a16="http://schemas.microsoft.com/office/drawing/2014/main" id="{16E69075-ABCD-4E6D-8120-FC9E7E997ACE}"/>
+              </a:ext>
+            </a:extLst>
+          </p:cNvPr>
+          <p:cNvPicPr>
+            <a:picLocks noChangeAspect="1" noChangeArrowheads="1"/>
+          </p:cNvPicPr>
+          <p:nvPr/>
+        </p:nvPicPr>
+        <p:blipFill>
+          <a:blip r:embed="rId3">
+            <a:extLst>
+              <a:ext uri="{28A0092B-C50C-407E-A947-70E740481C1C}">
+                <a14:useLocalDpi xmlns:a14="http://schemas.microsoft.com/office/drawing/2010/main" val="0"/>
+              </a:ext>
+            </a:extLst>
+          </a:blip>
+          <a:srcRect/>
+          <a:stretch>
+            <a:fillRect/>
+          </a:stretch>
+        </p:blipFill>
+        <p:spPr bwMode="auto">
+          <a:xfrm>
+            <a:off x="10126786" y="52388"/>
+            <a:ext cx="1878012" cy="1878012"/>
+          </a:xfrm>
+          <a:prstGeom prst="rect">
+            <a:avLst/>
+          </a:prstGeom>
+          <a:noFill/>
+          <a:extLst>
+            <a:ext uri="{909E8E84-426E-40DD-AFC4-6F175D3DCCD1}">
+              <a14:hiddenFill xmlns:a14="http://schemas.microsoft.com/office/drawing/2010/main">
+                <a:solidFill>
+                  <a:srgbClr val="FFFFFF"/>
+                </a:solidFill>
+              </a14:hiddenFill>
+            </a:ext>
+          </a:extLst>
+        </p:spPr>
+      </p:pic>
+    </p:spTree>
+  </p:cSld>
+  <p:clrMapOvr>
+    <a:masterClrMapping/>
+  </p:clrMapOvr>
+</p:sld>
+</file>
+
+<file path=ppt/slides/slide25.xml><?xml version="1.0" encoding="utf-8"?>
+<p:sld xmlns:a="http://schemas.openxmlformats.org/drawingml/2006/main" xmlns:r="http://schemas.openxmlformats.org/officeDocument/2006/relationships" xmlns:p="http://schemas.openxmlformats.org/presentationml/2006/main">
+  <p:cSld>
+    <p:spTree>
+      <p:nvGrpSpPr>
+        <p:cNvPr id="1" name=""/>
+        <p:cNvGrpSpPr/>
+        <p:nvPr/>
+      </p:nvGrpSpPr>
+      <p:grpSpPr>
+        <a:xfrm>
+          <a:off x="0" y="0"/>
+          <a:ext cx="0" cy="0"/>
+          <a:chOff x="0" y="0"/>
+          <a:chExt cx="0" cy="0"/>
+        </a:xfrm>
+      </p:grpSpPr>
+      <p:sp>
+        <p:nvSpPr>
+          <p:cNvPr id="2" name="Title 1"/>
+          <p:cNvSpPr>
+            <a:spLocks noGrp="1"/>
+          </p:cNvSpPr>
+          <p:nvPr>
+            <p:ph type="title"/>
+          </p:nvPr>
+        </p:nvSpPr>
+        <p:spPr/>
+        <p:txBody>
+          <a:bodyPr/>
+          <a:lstStyle/>
+          <a:p>
+            <a:pPr marL="0" lvl="0" indent="0">
+              <a:buNone/>
+            </a:pPr>
+            <a:r>
+              <a:t>Modèle de boosting de gradient stochastique</a:t>
+            </a:r>
+          </a:p>
+        </p:txBody>
+      </p:sp>
+    </p:spTree>
+  </p:cSld>
+  <p:clrMapOvr>
+    <a:masterClrMapping/>
+  </p:clrMapOvr>
+</p:sld>
+</file>
+
+<file path=ppt/slides/slide26.xml><?xml version="1.0" encoding="utf-8"?>
+<p:sld xmlns:a="http://schemas.openxmlformats.org/drawingml/2006/main" xmlns:r="http://schemas.openxmlformats.org/officeDocument/2006/relationships" xmlns:p="http://schemas.openxmlformats.org/presentationml/2006/main">
+  <p:cSld>
+    <p:spTree>
+      <p:nvGrpSpPr>
+        <p:cNvPr id="1" name=""/>
+        <p:cNvGrpSpPr/>
+        <p:nvPr/>
+      </p:nvGrpSpPr>
+      <p:grpSpPr>
+        <a:xfrm>
+          <a:off x="0" y="0"/>
+          <a:ext cx="0" cy="0"/>
+          <a:chOff x="0" y="0"/>
+          <a:chExt cx="0" cy="0"/>
+        </a:xfrm>
+      </p:grpSpPr>
+      <p:sp>
+        <p:nvSpPr>
+          <p:cNvPr id="2" name="Title 1"/>
+          <p:cNvSpPr>
+            <a:spLocks noGrp="1"/>
+          </p:cNvSpPr>
+          <p:nvPr>
+            <p:ph type="title"/>
+          </p:nvPr>
+        </p:nvSpPr>
+        <p:spPr/>
+        <p:txBody>
+          <a:bodyPr/>
+          <a:lstStyle/>
+          <a:p>
+            <a:pPr marL="0" lvl="0" indent="0">
+              <a:buNone/>
+            </a:pPr>
+            <a:r>
+              <a:t>Modèle de boosting de gradient stochastique (suite)</a:t>
+            </a:r>
+          </a:p>
+        </p:txBody>
+      </p:sp>
+      <p:pic>
+        <p:nvPicPr>
+          <p:cNvPr id="3" name="Picture 1" descr="PP_files/figure-pptx/unnamed-chunk-12-1.png"/>
           <p:cNvPicPr>
             <a:picLocks noGrp="1" noChangeAspect="1"/>
           </p:cNvPicPr>
@@ -7016,10 +9671,13 @@
       </p:pic>
     </p:spTree>
   </p:cSld>
+  <p:clrMapOvr>
+    <a:masterClrMapping/>
+  </p:clrMapOvr>
 </p:sld>
 </file>
 
-<file path=ppt/slides/slide17.xml><?xml version="1.0" encoding="utf-8"?>
+<file path=ppt/slides/slide27.xml><?xml version="1.0" encoding="utf-8"?>
 <p:sld xmlns:a="http://schemas.openxmlformats.org/drawingml/2006/main" xmlns:r="http://schemas.openxmlformats.org/officeDocument/2006/relationships" xmlns:p="http://schemas.openxmlformats.org/presentationml/2006/main">
   <p:cSld>
     <p:spTree>
@@ -7051,115 +9709,101 @@
           <a:bodyPr/>
           <a:lstStyle/>
           <a:p>
-            <a:pPr lvl="0" marL="0" indent="0">
+            <a:pPr marL="0" lvl="0" indent="0">
               <a:buNone/>
             </a:pPr>
             <a:r>
-              <a:rPr/>
-              <a:t>Modèle</a:t>
-            </a:r>
-            <a:r>
-              <a:rPr/>
-              <a:t> </a:t>
-            </a:r>
-            <a:r>
-              <a:rPr/>
-              <a:t>testés</a:t>
-            </a:r>
-            <a:r>
-              <a:rPr/>
-              <a:t> </a:t>
-            </a:r>
-            <a:r>
-              <a:rPr/>
-              <a:t>-</a:t>
-            </a:r>
-            <a:r>
-              <a:rPr/>
-              <a:t> </a:t>
-            </a:r>
-            <a:r>
-              <a:rPr/>
-              <a:t>Forêt</a:t>
-            </a:r>
-            <a:r>
-              <a:rPr/>
-              <a:t> </a:t>
-            </a:r>
-            <a:r>
-              <a:rPr/>
-              <a:t>aléatoire</a:t>
-            </a:r>
-          </a:p>
-        </p:txBody>
-      </p:sp>
-      <p:sp>
-        <p:nvSpPr>
-          <p:cNvPr id="3" name="Content Placeholder 2"/>
-          <p:cNvSpPr>
-            <a:spLocks noGrp="1"/>
-          </p:cNvSpPr>
-          <p:nvPr>
-            <p:ph idx="1"/>
-          </p:nvPr>
-        </p:nvSpPr>
-        <p:spPr/>
-        <p:txBody>
-          <a:bodyPr/>
-          <a:lstStyle/>
-          <a:p>
-            <a:pPr lvl="1"/>
-            <a:r>
-              <a:rPr sz="1800">
-                <a:latin typeface="Courier"/>
-              </a:rPr>
-              <a:t>sampsize= 0.75*nrow(donnees.train)</a:t>
-            </a:r>
-          </a:p>
-          <a:p>
-            <a:pPr lvl="1"/>
-            <a:r>
-              <a:rPr sz="1800">
-                <a:latin typeface="Courier"/>
-              </a:rPr>
-              <a:t>cp=0</a:t>
-            </a:r>
-          </a:p>
-          <a:p>
-            <a:pPr lvl="1"/>
-            <a:r>
-              <a:rPr sz="1800">
-                <a:latin typeface="Courier"/>
-              </a:rPr>
-              <a:t>nodesize=5</a:t>
-            </a:r>
-          </a:p>
-          <a:p>
-            <a:pPr lvl="1"/>
-            <a:r>
-              <a:rPr sz="1800">
-                <a:latin typeface="Courier"/>
-              </a:rPr>
-              <a:t>ntree=150</a:t>
-            </a:r>
-          </a:p>
-          <a:p>
-            <a:pPr lvl="1"/>
-            <a:r>
-              <a:rPr sz="1800">
-                <a:latin typeface="Courier"/>
-              </a:rPr>
-              <a:t>mtry=8</a:t>
-            </a:r>
-          </a:p>
-        </p:txBody>
-      </p:sp>
+              <a:t>Modèle de boosting de gradient stochastique (suite)</a:t>
+            </a:r>
+          </a:p>
+        </p:txBody>
+      </p:sp>
+      <p:pic>
+        <p:nvPicPr>
+          <p:cNvPr id="3" name="Picture 1" descr="PP_files/figure-pptx/unnamed-chunk-13-1.png"/>
+          <p:cNvPicPr>
+            <a:picLocks noGrp="1" noChangeAspect="1"/>
+          </p:cNvPicPr>
+          <p:nvPr/>
+        </p:nvPicPr>
+        <p:blipFill>
+          <a:blip r:embed="rId2"/>
+          <a:stretch>
+            <a:fillRect/>
+          </a:stretch>
+        </p:blipFill>
+        <p:spPr bwMode="auto">
+          <a:xfrm>
+            <a:off x="2540000" y="2159000"/>
+            <a:ext cx="4838700" cy="3873500"/>
+          </a:xfrm>
+          <a:prstGeom prst="rect">
+            <a:avLst/>
+          </a:prstGeom>
+          <a:noFill/>
+          <a:ln w="9525">
+            <a:noFill/>
+            <a:headEnd/>
+            <a:tailEnd/>
+          </a:ln>
+        </p:spPr>
+      </p:pic>
+      <p:pic>
+        <p:nvPicPr>
+          <p:cNvPr id="4" name="Picture 2" descr="Sticker mural Rose des vents &gt; Décomotif">
+            <a:extLst>
+              <a:ext uri="{FF2B5EF4-FFF2-40B4-BE49-F238E27FC236}">
+                <a16:creationId xmlns:a16="http://schemas.microsoft.com/office/drawing/2014/main" id="{01487D9F-F712-4022-AB87-A86F28902507}"/>
+              </a:ext>
+            </a:extLst>
+          </p:cNvPr>
+          <p:cNvPicPr>
+            <a:picLocks noChangeAspect="1" noChangeArrowheads="1"/>
+          </p:cNvPicPr>
+          <p:nvPr/>
+        </p:nvPicPr>
+        <p:blipFill>
+          <a:blip r:embed="rId3">
+            <a:extLst>
+              <a:ext uri="{28A0092B-C50C-407E-A947-70E740481C1C}">
+                <a14:useLocalDpi xmlns:a14="http://schemas.microsoft.com/office/drawing/2010/main" val="0"/>
+              </a:ext>
+            </a:extLst>
+          </a:blip>
+          <a:srcRect/>
+          <a:stretch>
+            <a:fillRect/>
+          </a:stretch>
+        </p:blipFill>
+        <p:spPr bwMode="auto">
+          <a:xfrm rot="5400000">
+            <a:off x="10126786" y="52388"/>
+            <a:ext cx="1878012" cy="1878012"/>
+          </a:xfrm>
+          <a:prstGeom prst="rect">
+            <a:avLst/>
+          </a:prstGeom>
+          <a:noFill/>
+          <a:extLst>
+            <a:ext uri="{909E8E84-426E-40DD-AFC4-6F175D3DCCD1}">
+              <a14:hiddenFill xmlns:a14="http://schemas.microsoft.com/office/drawing/2010/main">
+                <a:solidFill>
+                  <a:srgbClr val="FFFFFF"/>
+                </a:solidFill>
+              </a14:hiddenFill>
+            </a:ext>
+          </a:extLst>
+        </p:spPr>
+      </p:pic>
     </p:spTree>
   </p:cSld>
+  <p:clrMapOvr>
+    <a:masterClrMapping/>
+  </p:clrMapOvr>
 </p:sld>
 </file>
 
-<file path=ppt/slides/slide18.xml><?xml version="1.0" encoding="utf-8"?>
+<file path=ppt/slides/slide28.xml><?xml version="1.0" encoding="utf-8"?>
 <p:sld xmlns:a="http://schemas.openxmlformats.org/drawingml/2006/main" xmlns:r="http://schemas.openxmlformats.org/officeDocument/2006/relationships" xmlns:p="http://schemas.openxmlformats.org/presentationml/2006/main">
   <p:cSld>
     <p:spTree>
@@ -7176,9 +9820,33 @@
           <a:chExt cx="0" cy="0"/>
         </a:xfrm>
       </p:grpSpPr>
+      <p:sp>
+        <p:nvSpPr>
+          <p:cNvPr id="2" name="Title 1"/>
+          <p:cNvSpPr>
+            <a:spLocks noGrp="1"/>
+          </p:cNvSpPr>
+          <p:nvPr>
+            <p:ph type="title"/>
+          </p:nvPr>
+        </p:nvSpPr>
+        <p:spPr/>
+        <p:txBody>
+          <a:bodyPr/>
+          <a:lstStyle/>
+          <a:p>
+            <a:pPr marL="0" lvl="0" indent="0">
+              <a:buNone/>
+            </a:pPr>
+            <a:r>
+              <a:t>Modèle de boosting de gradient stochastique (suite)</a:t>
+            </a:r>
+          </a:p>
+        </p:txBody>
+      </p:sp>
       <p:pic>
         <p:nvPicPr>
-          <p:cNvPr descr="PP_files/figure-pptx/unnamed-chunk-5-1.png" id="0" name="Picture 1"/>
+          <p:cNvPr id="3" name="Picture 1" descr="PP_files/figure-pptx/unnamed-chunk-14-1.png"/>
           <p:cNvPicPr>
             <a:picLocks noGrp="1" noChangeAspect="1"/>
           </p:cNvPicPr>
@@ -7208,10 +9876,13 @@
       </p:pic>
     </p:spTree>
   </p:cSld>
+  <p:clrMapOvr>
+    <a:masterClrMapping/>
+  </p:clrMapOvr>
 </p:sld>
 </file>
 
-<file path=ppt/slides/slide19.xml><?xml version="1.0" encoding="utf-8"?>
+<file path=ppt/slides/slide29.xml><?xml version="1.0" encoding="utf-8"?>
 <p:sld xmlns:a="http://schemas.openxmlformats.org/drawingml/2006/main" xmlns:r="http://schemas.openxmlformats.org/officeDocument/2006/relationships" xmlns:p="http://schemas.openxmlformats.org/presentationml/2006/main">
   <p:cSld>
     <p:spTree>
@@ -7243,191 +9914,18 @@
           <a:bodyPr/>
           <a:lstStyle/>
           <a:p>
-            <a:pPr lvl="0" marL="0" indent="0">
+            <a:pPr marL="0" lvl="0" indent="0">
               <a:buNone/>
             </a:pPr>
             <a:r>
-              <a:rPr/>
-              <a:t>Modèles</a:t>
-            </a:r>
-            <a:r>
-              <a:rPr/>
-              <a:t> </a:t>
-            </a:r>
-            <a:r>
-              <a:rPr/>
-              <a:t>testés</a:t>
-            </a:r>
-            <a:r>
-              <a:rPr/>
-              <a:t> </a:t>
-            </a:r>
-            <a:r>
-              <a:rPr/>
-              <a:t>-</a:t>
-            </a:r>
-            <a:r>
-              <a:rPr/>
-              <a:t> </a:t>
-            </a:r>
-            <a:r>
-              <a:rPr/>
-              <a:t>Modèle</a:t>
-            </a:r>
-            <a:r>
-              <a:rPr/>
-              <a:t> </a:t>
-            </a:r>
-            <a:r>
-              <a:rPr/>
-              <a:t>de</a:t>
-            </a:r>
-            <a:r>
-              <a:rPr/>
-              <a:t> </a:t>
-            </a:r>
-            <a:r>
-              <a:rPr/>
-              <a:t>boosting</a:t>
-            </a:r>
-            <a:r>
-              <a:rPr/>
-              <a:t> </a:t>
-            </a:r>
-            <a:r>
-              <a:rPr/>
-              <a:t>de</a:t>
-            </a:r>
-            <a:r>
-              <a:rPr/>
-              <a:t> </a:t>
-            </a:r>
-            <a:r>
-              <a:rPr/>
-              <a:t>gradient</a:t>
-            </a:r>
-            <a:r>
-              <a:rPr/>
-              <a:t> </a:t>
-            </a:r>
-            <a:r>
-              <a:rPr/>
-              <a:t>stochastique</a:t>
-            </a:r>
-            <a:r>
-              <a:rPr/>
-              <a:t> </a:t>
-            </a:r>
-            <a:r>
-              <a:rPr/>
-              <a:t>(</a:t>
-            </a:r>
-            <a:r>
-              <a:rPr i="1"/>
-              <a:t>GBM</a:t>
-            </a:r>
-            <a:r>
-              <a:rPr/>
-              <a:t>)</a:t>
-            </a:r>
-          </a:p>
-        </p:txBody>
-      </p:sp>
-      <p:sp>
-        <p:nvSpPr>
-          <p:cNvPr id="3" name="Content Placeholder 2"/>
-          <p:cNvSpPr>
-            <a:spLocks noGrp="1"/>
-          </p:cNvSpPr>
-          <p:nvPr>
-            <p:ph idx="1"/>
-          </p:nvPr>
-        </p:nvSpPr>
-        <p:spPr/>
-        <p:txBody>
-          <a:bodyPr/>
-          <a:lstStyle/>
-          <a:p>
-            <a:pPr lvl="1"/>
-            <a:r>
-              <a:rPr/>
-              <a:t>Sélection des hyparamètres à optimiser</a:t>
-            </a:r>
-          </a:p>
-        </p:txBody>
-      </p:sp>
-    </p:spTree>
-  </p:cSld>
-</p:sld>
-</file>
-
-<file path=ppt/slides/slide2.xml><?xml version="1.0" encoding="utf-8"?>
-<p:sld xmlns:a="http://schemas.openxmlformats.org/drawingml/2006/main" xmlns:r="http://schemas.openxmlformats.org/officeDocument/2006/relationships" xmlns:p="http://schemas.openxmlformats.org/presentationml/2006/main">
-  <p:cSld>
-    <p:spTree>
-      <p:nvGrpSpPr>
-        <p:cNvPr id="1" name=""/>
-        <p:cNvGrpSpPr/>
-        <p:nvPr/>
-      </p:nvGrpSpPr>
-      <p:grpSpPr>
-        <a:xfrm>
-          <a:off x="0" y="0"/>
-          <a:ext cx="0" cy="0"/>
-          <a:chOff x="0" y="0"/>
-          <a:chExt cx="0" cy="0"/>
-        </a:xfrm>
-      </p:grpSpPr>
-      <p:sp>
-        <p:nvSpPr>
-          <p:cNvPr id="2" name="Title 1"/>
-          <p:cNvSpPr>
-            <a:spLocks noGrp="1"/>
-          </p:cNvSpPr>
-          <p:nvPr>
-            <p:ph type="title"/>
-          </p:nvPr>
-        </p:nvSpPr>
-        <p:spPr/>
-        <p:txBody>
-          <a:bodyPr/>
-          <a:lstStyle/>
-          <a:p>
-            <a:pPr lvl="0" marL="0" indent="0">
-              <a:buNone/>
-            </a:pPr>
-            <a:r>
-              <a:rPr/>
-              <a:t>Introduction</a:t>
-            </a:r>
-          </a:p>
-        </p:txBody>
-      </p:sp>
-    </p:spTree>
-  </p:cSld>
-</p:sld>
-</file>
-
-<file path=ppt/slides/slide20.xml><?xml version="1.0" encoding="utf-8"?>
-<p:sld xmlns:a="http://schemas.openxmlformats.org/drawingml/2006/main" xmlns:r="http://schemas.openxmlformats.org/officeDocument/2006/relationships" xmlns:p="http://schemas.openxmlformats.org/presentationml/2006/main">
-  <p:cSld>
-    <p:spTree>
-      <p:nvGrpSpPr>
-        <p:cNvPr id="1" name=""/>
-        <p:cNvGrpSpPr/>
-        <p:nvPr/>
-      </p:nvGrpSpPr>
-      <p:grpSpPr>
-        <a:xfrm>
-          <a:off x="0" y="0"/>
-          <a:ext cx="0" cy="0"/>
-          <a:chOff x="0" y="0"/>
-          <a:chExt cx="0" cy="0"/>
-        </a:xfrm>
-      </p:grpSpPr>
+              <a:t>Modèle de boosting de gradient stochastique (suite)</a:t>
+            </a:r>
+          </a:p>
+        </p:txBody>
+      </p:sp>
       <p:pic>
         <p:nvPicPr>
-          <p:cNvPr descr="PP_files/figure-pptx/unnamed-chunk-6-1.png" id="0" name="Picture 1"/>
+          <p:cNvPr id="3" name="Picture 1" descr="PP_files/figure-pptx/unnamed-chunk-15-1.png"/>
           <p:cNvPicPr>
             <a:picLocks noGrp="1" noChangeAspect="1"/>
           </p:cNvPicPr>
@@ -7457,10 +9955,13 @@
       </p:pic>
     </p:spTree>
   </p:cSld>
+  <p:clrMapOvr>
+    <a:masterClrMapping/>
+  </p:clrMapOvr>
 </p:sld>
 </file>
 
-<file path=ppt/slides/slide21.xml><?xml version="1.0" encoding="utf-8"?>
+<file path=ppt/slides/slide3.xml><?xml version="1.0" encoding="utf-8"?>
 <p:sld xmlns:a="http://schemas.openxmlformats.org/drawingml/2006/main" xmlns:r="http://schemas.openxmlformats.org/officeDocument/2006/relationships" xmlns:p="http://schemas.openxmlformats.org/presentationml/2006/main">
   <p:cSld>
     <p:spTree>
@@ -7492,479 +9993,167 @@
           <a:bodyPr/>
           <a:lstStyle/>
           <a:p>
-            <a:pPr lvl="0" marL="0" indent="0">
+            <a:pPr marL="0" lvl="0" indent="0">
               <a:buNone/>
             </a:pPr>
             <a:r>
-              <a:rPr/>
-              <a:t>Modèles</a:t>
-            </a:r>
-            <a:r>
-              <a:rPr/>
-              <a:t> </a:t>
-            </a:r>
-            <a:r>
-              <a:rPr/>
-              <a:t>testés</a:t>
-            </a:r>
-            <a:r>
-              <a:rPr/>
-              <a:t> </a:t>
-            </a:r>
-            <a:r>
-              <a:rPr/>
-              <a:t>-</a:t>
-            </a:r>
-            <a:r>
-              <a:rPr/>
-              <a:t> </a:t>
-            </a:r>
-            <a:r>
-              <a:rPr/>
-              <a:t>Modèle</a:t>
-            </a:r>
-            <a:r>
-              <a:rPr/>
-              <a:t> </a:t>
-            </a:r>
-            <a:r>
-              <a:rPr/>
-              <a:t>de</a:t>
-            </a:r>
-            <a:r>
-              <a:rPr/>
-              <a:t> </a:t>
-            </a:r>
-            <a:r>
-              <a:rPr/>
-              <a:t>boosting</a:t>
-            </a:r>
-            <a:r>
-              <a:rPr/>
-              <a:t> </a:t>
-            </a:r>
-            <a:r>
-              <a:rPr/>
-              <a:t>de</a:t>
-            </a:r>
-            <a:r>
-              <a:rPr/>
-              <a:t> </a:t>
-            </a:r>
-            <a:r>
-              <a:rPr/>
-              <a:t>gradient</a:t>
-            </a:r>
-            <a:r>
-              <a:rPr/>
-              <a:t> </a:t>
-            </a:r>
-            <a:r>
-              <a:rPr/>
-              <a:t>stochastique</a:t>
-            </a:r>
-            <a:r>
-              <a:rPr/>
-              <a:t> </a:t>
-            </a:r>
-            <a:r>
-              <a:rPr/>
-              <a:t>(</a:t>
-            </a:r>
-            <a:r>
-              <a:rPr i="1"/>
-              <a:t>GBM</a:t>
-            </a:r>
-            <a:r>
-              <a:rPr/>
-              <a:t>)</a:t>
-            </a:r>
-            <a:r>
-              <a:rPr/>
-              <a:t> </a:t>
-            </a:r>
-            <a:r>
-              <a:rPr/>
-              <a:t>(suite)</a:t>
-            </a:r>
-          </a:p>
-        </p:txBody>
-      </p:sp>
-      <p:graphicFrame>
-        <p:nvGraphicFramePr>
-          <p:cNvPr id="6" name="Content Placeholder 5"/>
-          <p:cNvGraphicFramePr>
-            <a:graphicFrameLocks noGrp="1"/>
-          </p:cNvGraphicFramePr>
+              <a:t>Plan de la présentation</a:t>
+            </a:r>
+          </a:p>
+        </p:txBody>
+      </p:sp>
+      <p:sp>
+        <p:nvSpPr>
+          <p:cNvPr id="3" name="Content Placeholder 2"/>
+          <p:cNvSpPr>
+            <a:spLocks noGrp="1"/>
+          </p:cNvSpPr>
           <p:nvPr>
             <p:ph idx="1"/>
           </p:nvPr>
-        </p:nvGraphicFramePr>
-        <p:xfrm>
-          <a:off x="673100" y="2159000"/>
-          <a:ext cx="8585200" cy="3365500"/>
-        </p:xfrm>
-        <a:graphic>
-          <a:graphicData uri="http://schemas.openxmlformats.org/drawingml/2006/table">
-            <a:tbl>
-              <a:tblPr firstRow="1" bandRow="1">
-                <a:tableStyleId>{5C22544A-7EE6-4342-B048-85BDC9FD1C3A}</a:tableStyleId>
-              </a:tblPr>
-              <a:tblGrid>
-                <a:gridCol w="2857500"/>
-                <a:gridCol w="2857500"/>
-                <a:gridCol w="2857500"/>
-              </a:tblGrid>
-              <a:tr h="0">
-                <a:tc>
-                  <a:txBody>
-                    <a:bodyPr/>
-                    <a:lstStyle/>
-                    <a:p>
-                      <a:pPr lvl="0" marL="0" indent="0" algn="r">
-                        <a:buNone/>
-                      </a:pPr>
-                      <a:r>
-                        <a:rPr/>
-                        <a:t>Profondeur</a:t>
-                      </a:r>
-                      <a:r>
-                        <a:rPr/>
-                        <a:t> </a:t>
-                      </a:r>
-                      <a:r>
-                        <a:rPr/>
-                        <a:t>d</a:t>
-                      </a:r>
-                    </a:p>
-                  </a:txBody>
-                  <a:tcPr/>
-                </a:tc>
-                <a:tc>
-                  <a:txBody>
-                    <a:bodyPr/>
-                    <a:lstStyle/>
-                    <a:p>
-                      <a:pPr lvl="0" marL="0" indent="0" algn="r">
-                        <a:buNone/>
-                      </a:pPr>
-                      <a:r>
-                        <a:rPr/>
-                        <a:t>Nombre</a:t>
-                      </a:r>
-                      <a:r>
-                        <a:rPr/>
-                        <a:t> </a:t>
-                      </a:r>
-                      <a:r>
-                        <a:rPr/>
-                        <a:t>d’itérations</a:t>
-                      </a:r>
-                      <a:r>
-                        <a:rPr/>
-                        <a:t> </a:t>
-                      </a:r>
-                      <a:r>
-                        <a:rPr/>
-                        <a:t>optimal</a:t>
-                      </a:r>
-                    </a:p>
-                  </a:txBody>
-                  <a:tcPr/>
-                </a:tc>
-                <a:tc>
-                  <a:txBody>
-                    <a:bodyPr/>
-                    <a:lstStyle/>
-                    <a:p>
-                      <a:pPr lvl="0" marL="0" indent="0" algn="r">
-                        <a:buNone/>
-                      </a:pPr>
-                      <a:r>
-                        <a:rPr/>
-                        <a:t>EQM</a:t>
-                      </a:r>
-                      <a:r>
-                        <a:rPr/>
-                        <a:t> </a:t>
-                      </a:r>
-                      <a:r>
-                        <a:rPr/>
-                        <a:t>de</a:t>
-                      </a:r>
-                      <a:r>
-                        <a:rPr/>
-                        <a:t> </a:t>
-                      </a:r>
-                      <a:r>
-                        <a:rPr/>
-                        <a:t>validation</a:t>
-                      </a:r>
-                      <a:r>
-                        <a:rPr/>
-                        <a:t> </a:t>
-                      </a:r>
-                      <a:r>
-                        <a:rPr/>
-                        <a:t>croisée</a:t>
-                      </a:r>
-                    </a:p>
-                  </a:txBody>
-                  <a:tcPr/>
-                </a:tc>
-              </a:tr>
-              <a:tr h="0">
-                <a:tc>
-                  <a:txBody>
-                    <a:bodyPr/>
-                    <a:lstStyle/>
-                    <a:p>
-                      <a:pPr lvl="0" marL="0" indent="0" algn="r">
-                        <a:buNone/>
-                      </a:pPr>
-                      <a:r>
-                        <a:rPr/>
-                        <a:t>3</a:t>
-                      </a:r>
-                    </a:p>
-                  </a:txBody>
-                </a:tc>
-                <a:tc>
-                  <a:txBody>
-                    <a:bodyPr/>
-                    <a:lstStyle/>
-                    <a:p>
-                      <a:pPr lvl="0" marL="0" indent="0" algn="r">
-                        <a:buNone/>
-                      </a:pPr>
-                      <a:r>
-                        <a:rPr/>
-                        <a:t>29884</a:t>
-                      </a:r>
-                    </a:p>
-                  </a:txBody>
-                </a:tc>
-                <a:tc>
-                  <a:txBody>
-                    <a:bodyPr/>
-                    <a:lstStyle/>
-                    <a:p>
-                      <a:pPr lvl="0" marL="0" indent="0" algn="r">
-                        <a:buNone/>
-                      </a:pPr>
-                      <a:r>
-                        <a:rPr/>
-                        <a:t>0.027029</a:t>
-                      </a:r>
-                    </a:p>
-                  </a:txBody>
-                </a:tc>
-              </a:tr>
-              <a:tr h="0">
-                <a:tc>
-                  <a:txBody>
-                    <a:bodyPr/>
-                    <a:lstStyle/>
-                    <a:p>
-                      <a:pPr lvl="0" marL="0" indent="0" algn="r">
-                        <a:buNone/>
-                      </a:pPr>
-                      <a:r>
-                        <a:rPr/>
-                        <a:t>5</a:t>
-                      </a:r>
-                    </a:p>
-                  </a:txBody>
-                </a:tc>
-                <a:tc>
-                  <a:txBody>
-                    <a:bodyPr/>
-                    <a:lstStyle/>
-                    <a:p>
-                      <a:pPr lvl="0" marL="0" indent="0" algn="r">
-                        <a:buNone/>
-                      </a:pPr>
-                      <a:r>
-                        <a:rPr/>
-                        <a:t>18905</a:t>
-                      </a:r>
-                    </a:p>
-                  </a:txBody>
-                </a:tc>
-                <a:tc>
-                  <a:txBody>
-                    <a:bodyPr/>
-                    <a:lstStyle/>
-                    <a:p>
-                      <a:pPr lvl="0" marL="0" indent="0" algn="r">
-                        <a:buNone/>
-                      </a:pPr>
-                      <a:r>
-                        <a:rPr/>
-                        <a:t>0.026559</a:t>
-                      </a:r>
-                    </a:p>
-                  </a:txBody>
-                </a:tc>
-              </a:tr>
-              <a:tr h="0">
-                <a:tc>
-                  <a:txBody>
-                    <a:bodyPr/>
-                    <a:lstStyle/>
-                    <a:p>
-                      <a:pPr lvl="0" marL="0" indent="0" algn="r">
-                        <a:buNone/>
-                      </a:pPr>
-                      <a:r>
-                        <a:rPr/>
-                        <a:t>7</a:t>
-                      </a:r>
-                    </a:p>
-                  </a:txBody>
-                </a:tc>
-                <a:tc>
-                  <a:txBody>
-                    <a:bodyPr/>
-                    <a:lstStyle/>
-                    <a:p>
-                      <a:pPr lvl="0" marL="0" indent="0" algn="r">
-                        <a:buNone/>
-                      </a:pPr>
-                      <a:r>
-                        <a:rPr/>
-                        <a:t>12676</a:t>
-                      </a:r>
-                    </a:p>
-                  </a:txBody>
-                </a:tc>
-                <a:tc>
-                  <a:txBody>
-                    <a:bodyPr/>
-                    <a:lstStyle/>
-                    <a:p>
-                      <a:pPr lvl="0" marL="0" indent="0" algn="r">
-                        <a:buNone/>
-                      </a:pPr>
-                      <a:r>
-                        <a:rPr/>
-                        <a:t>0.026556</a:t>
-                      </a:r>
-                    </a:p>
-                  </a:txBody>
-                </a:tc>
-              </a:tr>
-              <a:tr h="0">
-                <a:tc>
-                  <a:txBody>
-                    <a:bodyPr/>
-                    <a:lstStyle/>
-                    <a:p>
-                      <a:pPr lvl="0" marL="0" indent="0" algn="r">
-                        <a:buNone/>
-                      </a:pPr>
-                      <a:r>
-                        <a:rPr/>
-                        <a:t>9</a:t>
-                      </a:r>
-                    </a:p>
-                  </a:txBody>
-                </a:tc>
-                <a:tc>
-                  <a:txBody>
-                    <a:bodyPr/>
-                    <a:lstStyle/>
-                    <a:p>
-                      <a:pPr lvl="0" marL="0" indent="0" algn="r">
-                        <a:buNone/>
-                      </a:pPr>
-                      <a:r>
-                        <a:rPr/>
-                        <a:t>10515</a:t>
-                      </a:r>
-                    </a:p>
-                  </a:txBody>
-                </a:tc>
-                <a:tc>
-                  <a:txBody>
-                    <a:bodyPr/>
-                    <a:lstStyle/>
-                    <a:p>
-                      <a:pPr lvl="0" marL="0" indent="0" algn="r">
-                        <a:buNone/>
-                      </a:pPr>
-                      <a:r>
-                        <a:rPr/>
-                        <a:t>0.026378</a:t>
-                      </a:r>
-                    </a:p>
-                  </a:txBody>
-                </a:tc>
-              </a:tr>
-            </a:tbl>
-          </a:graphicData>
-        </a:graphic>
-      </p:graphicFrame>
-      <p:sp>
-        <p:nvSpPr>
-          <p:cNvPr id="1" name="TextBox 3"/>
-          <p:cNvSpPr txBox="1"/>
-          <p:nvPr/>
-        </p:nvSpPr>
-        <p:spPr>
-          <a:xfrm>
-            <a:off x="673100" y="5524500"/>
-            <a:ext cx="8585200" cy="508000"/>
-          </a:xfrm>
-          <a:prstGeom prst="rect">
-            <a:avLst/>
-          </a:prstGeom>
-          <a:noFill/>
-        </p:spPr>
+        </p:nvSpPr>
+        <p:spPr/>
         <p:txBody>
           <a:bodyPr/>
           <a:lstStyle/>
           <a:p>
-            <a:pPr lvl="0" marL="0" indent="0" algn="ctr">
-              <a:buNone/>
-            </a:pPr>
-            <a:r>
-              <a:rPr/>
-              <a:t>L’EQM</a:t>
-            </a:r>
-            <a:r>
-              <a:rPr/>
+            <a:pPr lvl="1"/>
+            <a:r>
+              <a:rPr sz="1800" dirty="0"/>
+              <a:t>Description du </a:t>
+            </a:r>
+            <a:r>
+              <a:rPr sz="1800" dirty="0" err="1"/>
+              <a:t>problème</a:t>
+            </a:r>
+            <a:endParaRPr sz="1800" dirty="0"/>
+          </a:p>
+          <a:p>
+            <a:pPr lvl="1"/>
+            <a:r>
+              <a:rPr sz="1800" dirty="0"/>
+              <a:t>Base de </a:t>
+            </a:r>
+            <a:r>
+              <a:rPr sz="1800" dirty="0" err="1"/>
+              <a:t>données</a:t>
+            </a:r>
+            <a:r>
+              <a:rPr sz="1800" dirty="0"/>
+              <a:t> à </a:t>
+            </a:r>
+            <a:r>
+              <a:rPr sz="1800" dirty="0" err="1"/>
+              <a:t>l’étude</a:t>
+            </a:r>
+            <a:endParaRPr sz="1800" dirty="0"/>
+          </a:p>
+          <a:p>
+            <a:pPr lvl="1"/>
+            <a:r>
+              <a:rPr sz="1800" dirty="0" err="1"/>
+              <a:t>Prétraitement</a:t>
+            </a:r>
+            <a:r>
+              <a:rPr sz="1800" dirty="0"/>
+              <a:t> des </a:t>
+            </a:r>
+            <a:r>
+              <a:rPr sz="1800" dirty="0" err="1"/>
+              <a:t>données</a:t>
+            </a:r>
+            <a:endParaRPr sz="1800" dirty="0"/>
+          </a:p>
+          <a:p>
+            <a:pPr lvl="1"/>
+            <a:r>
+              <a:rPr sz="1800" dirty="0" err="1"/>
+              <a:t>Analyse</a:t>
+            </a:r>
+            <a:r>
+              <a:rPr sz="1800" dirty="0"/>
               <a:t> </a:t>
             </a:r>
             <a:r>
-              <a:rPr/>
-              <a:t>des</a:t>
-            </a:r>
-            <a:r>
-              <a:rPr/>
+              <a:rPr sz="1800" dirty="0" err="1"/>
+              <a:t>exploratoire</a:t>
+            </a:r>
+            <a:endParaRPr sz="1800" dirty="0"/>
+          </a:p>
+          <a:p>
+            <a:pPr lvl="1"/>
+            <a:r>
+              <a:rPr sz="1800" dirty="0" err="1"/>
+              <a:t>Modèles</a:t>
+            </a:r>
+            <a:r>
+              <a:rPr sz="1800" dirty="0"/>
               <a:t> </a:t>
             </a:r>
             <a:r>
-              <a:rPr/>
+              <a:rPr sz="1800" dirty="0" err="1"/>
+              <a:t>testés</a:t>
+            </a:r>
+            <a:endParaRPr sz="1800" dirty="0"/>
+          </a:p>
+          <a:p>
+            <a:pPr lvl="1"/>
+            <a:r>
+              <a:rPr sz="1800" dirty="0" err="1"/>
+              <a:t>Comparaison</a:t>
+            </a:r>
+            <a:r>
+              <a:rPr sz="1800" dirty="0"/>
+              <a:t> des </a:t>
+            </a:r>
+            <a:r>
+              <a:rPr sz="1800" dirty="0" err="1"/>
               <a:t>modèles</a:t>
             </a:r>
-            <a:r>
-              <a:rPr/>
+            <a:endParaRPr sz="1800" dirty="0"/>
+          </a:p>
+          <a:p>
+            <a:pPr lvl="1"/>
+            <a:r>
+              <a:rPr sz="1800" dirty="0" err="1"/>
+              <a:t>Forêt</a:t>
+            </a:r>
+            <a:r>
+              <a:rPr sz="1800" dirty="0"/>
               <a:t> </a:t>
             </a:r>
             <a:r>
-              <a:rPr/>
-              <a:t>testés</a:t>
-            </a:r>
+              <a:rPr sz="1800" dirty="0" err="1"/>
+              <a:t>aléatoire</a:t>
+            </a:r>
+            <a:endParaRPr sz="1800" dirty="0"/>
+          </a:p>
+          <a:p>
+            <a:pPr lvl="1"/>
+            <a:r>
+              <a:rPr sz="1800" dirty="0"/>
+              <a:t>GBM</a:t>
+            </a:r>
+          </a:p>
+          <a:p>
+            <a:pPr lvl="1"/>
+            <a:r>
+              <a:rPr sz="1800" dirty="0"/>
+              <a:t>Conclusion</a:t>
+            </a:r>
+            <a:endParaRPr dirty="0"/>
           </a:p>
         </p:txBody>
       </p:sp>
     </p:spTree>
   </p:cSld>
+  <p:clrMapOvr>
+    <a:masterClrMapping/>
+  </p:clrMapOvr>
 </p:sld>
 </file>
 
-<file path=ppt/slides/slide22.xml><?xml version="1.0" encoding="utf-8"?>
+<file path=ppt/slides/slide30.xml><?xml version="1.0" encoding="utf-8"?>
 <p:sld xmlns:a="http://schemas.openxmlformats.org/drawingml/2006/main" xmlns:r="http://schemas.openxmlformats.org/officeDocument/2006/relationships" xmlns:p="http://schemas.openxmlformats.org/presentationml/2006/main">
   <p:cSld>
     <p:spTree>
@@ -7983,12 +10172,12 @@
       </p:grpSpPr>
       <p:sp>
         <p:nvSpPr>
-          <p:cNvPr id="3" name="Content Placeholder 2"/>
-          <p:cNvSpPr>
-            <a:spLocks noGrp="1"/>
-          </p:cNvSpPr>
-          <p:nvPr>
-            <p:ph idx="1"/>
+          <p:cNvPr id="2" name="Title 1"/>
+          <p:cNvSpPr>
+            <a:spLocks noGrp="1"/>
+          </p:cNvSpPr>
+          <p:nvPr>
+            <p:ph type="title"/>
           </p:nvPr>
         </p:nvSpPr>
         <p:spPr/>
@@ -7996,45 +10185,101 @@
           <a:bodyPr/>
           <a:lstStyle/>
           <a:p>
-            <a:pPr lvl="1"/>
-            <a:r>
-              <a:rPr/>
-              <a:t>Comparaison selon l’EQM de validation croisée</a:t>
-            </a:r>
-          </a:p>
-          <a:p>
-            <a:pPr lvl="1"/>
-            <a:r>
-              <a:rPr/>
-              <a:t>Modèle final:</a:t>
-            </a:r>
-          </a:p>
-          <a:p>
-            <a:pPr lvl="2"/>
-            <a:r>
-              <a:rPr sz="1800">
-                <a:latin typeface="Courier"/>
-              </a:rPr>
-              <a:t>d=9</a:t>
-            </a:r>
-          </a:p>
-          <a:p>
-            <a:pPr lvl="2"/>
-            <a:r>
-              <a:rPr sz="1800">
-                <a:latin typeface="Courier"/>
-              </a:rPr>
-              <a:t>T=10515</a:t>
-            </a:r>
-          </a:p>
-        </p:txBody>
-      </p:sp>
+            <a:pPr marL="0" lvl="0" indent="0">
+              <a:buNone/>
+            </a:pPr>
+            <a:r>
+              <a:t>Modèle de boosting de gradient stochastique (suite)</a:t>
+            </a:r>
+          </a:p>
+        </p:txBody>
+      </p:sp>
+      <p:pic>
+        <p:nvPicPr>
+          <p:cNvPr id="3" name="Picture 1" descr="PP_files/figure-pptx/unnamed-chunk-16-1.png"/>
+          <p:cNvPicPr>
+            <a:picLocks noGrp="1" noChangeAspect="1"/>
+          </p:cNvPicPr>
+          <p:nvPr/>
+        </p:nvPicPr>
+        <p:blipFill>
+          <a:blip r:embed="rId2"/>
+          <a:stretch>
+            <a:fillRect/>
+          </a:stretch>
+        </p:blipFill>
+        <p:spPr bwMode="auto">
+          <a:xfrm>
+            <a:off x="2540000" y="2159000"/>
+            <a:ext cx="4838700" cy="3873500"/>
+          </a:xfrm>
+          <a:prstGeom prst="rect">
+            <a:avLst/>
+          </a:prstGeom>
+          <a:noFill/>
+          <a:ln w="9525">
+            <a:noFill/>
+            <a:headEnd/>
+            <a:tailEnd/>
+          </a:ln>
+        </p:spPr>
+      </p:pic>
+      <p:pic>
+        <p:nvPicPr>
+          <p:cNvPr id="4" name="Picture 2" descr="Sticker mural Rose des vents &gt; Décomotif">
+            <a:extLst>
+              <a:ext uri="{FF2B5EF4-FFF2-40B4-BE49-F238E27FC236}">
+                <a16:creationId xmlns:a16="http://schemas.microsoft.com/office/drawing/2014/main" id="{5DD484AA-F8D2-492A-BE8A-FC90287C9437}"/>
+              </a:ext>
+            </a:extLst>
+          </p:cNvPr>
+          <p:cNvPicPr>
+            <a:picLocks noChangeAspect="1" noChangeArrowheads="1"/>
+          </p:cNvPicPr>
+          <p:nvPr/>
+        </p:nvPicPr>
+        <p:blipFill>
+          <a:blip r:embed="rId3">
+            <a:extLst>
+              <a:ext uri="{28A0092B-C50C-407E-A947-70E740481C1C}">
+                <a14:useLocalDpi xmlns:a14="http://schemas.microsoft.com/office/drawing/2010/main" val="0"/>
+              </a:ext>
+            </a:extLst>
+          </a:blip>
+          <a:srcRect/>
+          <a:stretch>
+            <a:fillRect/>
+          </a:stretch>
+        </p:blipFill>
+        <p:spPr bwMode="auto">
+          <a:xfrm>
+            <a:off x="10126786" y="52388"/>
+            <a:ext cx="1878012" cy="1878012"/>
+          </a:xfrm>
+          <a:prstGeom prst="rect">
+            <a:avLst/>
+          </a:prstGeom>
+          <a:noFill/>
+          <a:extLst>
+            <a:ext uri="{909E8E84-426E-40DD-AFC4-6F175D3DCCD1}">
+              <a14:hiddenFill xmlns:a14="http://schemas.microsoft.com/office/drawing/2010/main">
+                <a:solidFill>
+                  <a:srgbClr val="FFFFFF"/>
+                </a:solidFill>
+              </a14:hiddenFill>
+            </a:ext>
+          </a:extLst>
+        </p:spPr>
+      </p:pic>
     </p:spTree>
   </p:cSld>
+  <p:clrMapOvr>
+    <a:masterClrMapping/>
+  </p:clrMapOvr>
 </p:sld>
 </file>
 
-<file path=ppt/slides/slide23.xml><?xml version="1.0" encoding="utf-8"?>
+<file path=ppt/slides/slide31.xml><?xml version="1.0" encoding="utf-8"?>
 <p:sld xmlns:a="http://schemas.openxmlformats.org/drawingml/2006/main" xmlns:r="http://schemas.openxmlformats.org/officeDocument/2006/relationships" xmlns:p="http://schemas.openxmlformats.org/presentationml/2006/main">
   <p:cSld>
     <p:spTree>
@@ -8066,526 +10311,18 @@
           <a:bodyPr/>
           <a:lstStyle/>
           <a:p>
-            <a:pPr lvl="0" marL="0" indent="0">
+            <a:pPr marL="0" lvl="0" indent="0">
               <a:buNone/>
             </a:pPr>
             <a:r>
-              <a:rPr/>
-              <a:t>Comparaison</a:t>
-            </a:r>
-            <a:r>
-              <a:rPr/>
-              <a:t> </a:t>
-            </a:r>
-            <a:r>
-              <a:rPr/>
-              <a:t>des</a:t>
-            </a:r>
-            <a:r>
-              <a:rPr/>
-              <a:t> </a:t>
-            </a:r>
-            <a:r>
-              <a:rPr/>
-              <a:t>modèles</a:t>
-            </a:r>
-          </a:p>
-        </p:txBody>
-      </p:sp>
-      <p:graphicFrame>
-        <p:nvGraphicFramePr>
-          <p:cNvPr id="6" name="Content Placeholder 5"/>
-          <p:cNvGraphicFramePr>
-            <a:graphicFrameLocks noGrp="1"/>
-          </p:cNvGraphicFramePr>
-          <p:nvPr>
-            <p:ph idx="1"/>
-          </p:nvPr>
-        </p:nvGraphicFramePr>
-        <p:xfrm>
-          <a:off x="673100" y="2159000"/>
-          <a:ext cx="8585200" cy="3365500"/>
-        </p:xfrm>
-        <a:graphic>
-          <a:graphicData uri="http://schemas.openxmlformats.org/drawingml/2006/table">
-            <a:tbl>
-              <a:tblPr firstRow="1" bandRow="1">
-                <a:tableStyleId>{5C22544A-7EE6-4342-B048-85BDC9FD1C3A}</a:tableStyleId>
-              </a:tblPr>
-              <a:tblGrid>
-                <a:gridCol w="4292600"/>
-                <a:gridCol w="4292600"/>
-              </a:tblGrid>
-              <a:tr h="0">
-                <a:tc>
-                  <a:txBody>
-                    <a:bodyPr/>
-                    <a:lstStyle/>
-                    <a:p>
-                      <a:pPr lvl="0" marL="0" indent="0" algn="l">
-                        <a:buNone/>
-                      </a:pPr>
-                      <a:r>
-                        <a:rPr/>
-                        <a:t>Modèles</a:t>
-                      </a:r>
-                    </a:p>
-                  </a:txBody>
-                  <a:tcPr/>
-                </a:tc>
-                <a:tc>
-                  <a:txBody>
-                    <a:bodyPr/>
-                    <a:lstStyle/>
-                    <a:p>
-                      <a:pPr lvl="0" marL="0" indent="0" algn="r">
-                        <a:buNone/>
-                      </a:pPr>
-                      <a:r>
-                        <a:rPr/>
-                        <a:t>EQM</a:t>
-                      </a:r>
-                    </a:p>
-                  </a:txBody>
-                  <a:tcPr/>
-                </a:tc>
-              </a:tr>
-              <a:tr h="0">
-                <a:tc>
-                  <a:txBody>
-                    <a:bodyPr/>
-                    <a:lstStyle/>
-                    <a:p>
-                      <a:pPr lvl="0" marL="0" indent="0" algn="l">
-                        <a:buNone/>
-                      </a:pPr>
-                      <a:r>
-                        <a:rPr/>
-                        <a:t>Modèle</a:t>
-                      </a:r>
-                      <a:r>
-                        <a:rPr/>
-                        <a:t> </a:t>
-                      </a:r>
-                      <a:r>
-                        <a:rPr/>
-                        <a:t>de</a:t>
-                      </a:r>
-                      <a:r>
-                        <a:rPr/>
-                        <a:t> </a:t>
-                      </a:r>
-                      <a:r>
-                        <a:rPr/>
-                        <a:t>base</a:t>
-                      </a:r>
-                    </a:p>
-                  </a:txBody>
-                </a:tc>
-                <a:tc>
-                  <a:txBody>
-                    <a:bodyPr/>
-                    <a:lstStyle/>
-                    <a:p>
-                      <a:pPr lvl="0" marL="0" indent="0" algn="r">
-                        <a:buNone/>
-                      </a:pPr>
-                      <a:r>
-                        <a:rPr/>
-                        <a:t>0.05300</a:t>
-                      </a:r>
-                    </a:p>
-                  </a:txBody>
-                </a:tc>
-              </a:tr>
-              <a:tr h="0">
-                <a:tc>
-                  <a:txBody>
-                    <a:bodyPr/>
-                    <a:lstStyle/>
-                    <a:p>
-                      <a:pPr lvl="0" marL="0" indent="0" algn="l">
-                        <a:buNone/>
-                      </a:pPr>
-                      <a:r>
-                        <a:rPr/>
-                        <a:t>Modèle</a:t>
-                      </a:r>
-                      <a:r>
-                        <a:rPr/>
-                        <a:t> </a:t>
-                      </a:r>
-                      <a:r>
-                        <a:rPr/>
-                        <a:t>Lasso</a:t>
-                      </a:r>
-                    </a:p>
-                  </a:txBody>
-                </a:tc>
-                <a:tc>
-                  <a:txBody>
-                    <a:bodyPr/>
-                    <a:lstStyle/>
-                    <a:p>
-                      <a:pPr lvl="0" marL="0" indent="0" algn="r">
-                        <a:buNone/>
-                      </a:pPr>
-                      <a:r>
-                        <a:rPr/>
-                        <a:t>0.05245</a:t>
-                      </a:r>
-                    </a:p>
-                  </a:txBody>
-                </a:tc>
-              </a:tr>
-              <a:tr h="0">
-                <a:tc>
-                  <a:txBody>
-                    <a:bodyPr/>
-                    <a:lstStyle/>
-                    <a:p>
-                      <a:pPr lvl="0" marL="0" indent="0" algn="l">
-                        <a:buNone/>
-                      </a:pPr>
-                      <a:r>
-                        <a:rPr/>
-                        <a:t>K</a:t>
-                      </a:r>
-                      <a:r>
-                        <a:rPr/>
-                        <a:t> </a:t>
-                      </a:r>
-                      <a:r>
-                        <a:rPr/>
-                        <a:t>plus</a:t>
-                      </a:r>
-                      <a:r>
-                        <a:rPr/>
-                        <a:t> </a:t>
-                      </a:r>
-                      <a:r>
-                        <a:rPr/>
-                        <a:t>proches</a:t>
-                      </a:r>
-                      <a:r>
-                        <a:rPr/>
-                        <a:t> </a:t>
-                      </a:r>
-                      <a:r>
-                        <a:rPr/>
-                        <a:t>voisins</a:t>
-                      </a:r>
-                    </a:p>
-                  </a:txBody>
-                </a:tc>
-                <a:tc>
-                  <a:txBody>
-                    <a:bodyPr/>
-                    <a:lstStyle/>
-                    <a:p>
-                      <a:pPr lvl="0" marL="0" indent="0" algn="r">
-                        <a:buNone/>
-                      </a:pPr>
-                      <a:r>
-                        <a:rPr/>
-                        <a:t>0.04570</a:t>
-                      </a:r>
-                    </a:p>
-                  </a:txBody>
-                </a:tc>
-              </a:tr>
-              <a:tr h="0">
-                <a:tc>
-                  <a:txBody>
-                    <a:bodyPr/>
-                    <a:lstStyle/>
-                    <a:p>
-                      <a:pPr lvl="0" marL="0" indent="0" algn="l">
-                        <a:buNone/>
-                      </a:pPr>
-                      <a:r>
-                        <a:rPr/>
-                        <a:t>Arbre</a:t>
-                      </a:r>
-                      <a:r>
-                        <a:rPr/>
-                        <a:t> </a:t>
-                      </a:r>
-                      <a:r>
-                        <a:rPr/>
-                        <a:t>de</a:t>
-                      </a:r>
-                      <a:r>
-                        <a:rPr/>
-                        <a:t> </a:t>
-                      </a:r>
-                      <a:r>
-                        <a:rPr/>
-                        <a:t>décision</a:t>
-                      </a:r>
-                    </a:p>
-                  </a:txBody>
-                </a:tc>
-                <a:tc>
-                  <a:txBody>
-                    <a:bodyPr/>
-                    <a:lstStyle/>
-                    <a:p>
-                      <a:pPr lvl="0" marL="0" indent="0" algn="r">
-                        <a:buNone/>
-                      </a:pPr>
-                      <a:r>
-                        <a:rPr/>
-                        <a:t>0.04962</a:t>
-                      </a:r>
-                    </a:p>
-                  </a:txBody>
-                </a:tc>
-              </a:tr>
-              <a:tr h="0">
-                <a:tc>
-                  <a:txBody>
-                    <a:bodyPr/>
-                    <a:lstStyle/>
-                    <a:p>
-                      <a:pPr lvl="0" marL="0" indent="0" algn="l">
-                        <a:buNone/>
-                      </a:pPr>
-                      <a:r>
-                        <a:rPr/>
-                        <a:t>Bagging</a:t>
-                      </a:r>
-                    </a:p>
-                  </a:txBody>
-                </a:tc>
-                <a:tc>
-                  <a:txBody>
-                    <a:bodyPr/>
-                    <a:lstStyle/>
-                    <a:p>
-                      <a:pPr lvl="0" marL="0" indent="0" algn="r">
-                        <a:buNone/>
-                      </a:pPr>
-                      <a:r>
-                        <a:rPr/>
-                        <a:t>0.03350</a:t>
-                      </a:r>
-                    </a:p>
-                  </a:txBody>
-                </a:tc>
-              </a:tr>
-              <a:tr h="0">
-                <a:tc>
-                  <a:txBody>
-                    <a:bodyPr/>
-                    <a:lstStyle/>
-                    <a:p>
-                      <a:pPr lvl="0" marL="0" indent="0" algn="l">
-                        <a:buNone/>
-                      </a:pPr>
-                      <a:r>
-                        <a:rPr/>
-                        <a:t>Forêt</a:t>
-                      </a:r>
-                      <a:r>
-                        <a:rPr/>
-                        <a:t> </a:t>
-                      </a:r>
-                      <a:r>
-                        <a:rPr/>
-                        <a:t>aléatoire</a:t>
-                      </a:r>
-                    </a:p>
-                  </a:txBody>
-                </a:tc>
-                <a:tc>
-                  <a:txBody>
-                    <a:bodyPr/>
-                    <a:lstStyle/>
-                    <a:p>
-                      <a:pPr lvl="0" marL="0" indent="0" algn="r">
-                        <a:buNone/>
-                      </a:pPr>
-                      <a:r>
-                        <a:rPr/>
-                        <a:t>0.03253</a:t>
-                      </a:r>
-                    </a:p>
-                  </a:txBody>
-                </a:tc>
-              </a:tr>
-              <a:tr h="0">
-                <a:tc>
-                  <a:txBody>
-                    <a:bodyPr/>
-                    <a:lstStyle/>
-                    <a:p>
-                      <a:pPr lvl="0" marL="0" indent="0" algn="l">
-                        <a:buNone/>
-                      </a:pPr>
-                      <a:r>
-                        <a:rPr/>
-                        <a:t>Gradient</a:t>
-                      </a:r>
-                      <a:r>
-                        <a:rPr/>
-                        <a:t> </a:t>
-                      </a:r>
-                      <a:r>
-                        <a:rPr/>
-                        <a:t>boosting</a:t>
-                      </a:r>
-                      <a:r>
-                        <a:rPr/>
-                        <a:t> </a:t>
-                      </a:r>
-                      <a:r>
-                        <a:rPr/>
-                        <a:t>(GBM)</a:t>
-                      </a:r>
-                    </a:p>
-                  </a:txBody>
-                </a:tc>
-                <a:tc>
-                  <a:txBody>
-                    <a:bodyPr/>
-                    <a:lstStyle/>
-                    <a:p>
-                      <a:pPr lvl="0" marL="0" indent="0" algn="r">
-                        <a:buNone/>
-                      </a:pPr>
-                      <a:r>
-                        <a:rPr/>
-                        <a:t>3.00000</a:t>
-                      </a:r>
-                    </a:p>
-                  </a:txBody>
-                </a:tc>
-              </a:tr>
-            </a:tbl>
-          </a:graphicData>
-        </a:graphic>
-      </p:graphicFrame>
-      <p:sp>
-        <p:nvSpPr>
-          <p:cNvPr id="1" name="TextBox 3"/>
-          <p:cNvSpPr txBox="1"/>
-          <p:nvPr/>
-        </p:nvSpPr>
-        <p:spPr>
-          <a:xfrm>
-            <a:off x="673100" y="5524500"/>
-            <a:ext cx="8585200" cy="508000"/>
-          </a:xfrm>
-          <a:prstGeom prst="rect">
-            <a:avLst/>
-          </a:prstGeom>
-          <a:noFill/>
-        </p:spPr>
-        <p:txBody>
-          <a:bodyPr/>
-          <a:lstStyle/>
-          <a:p>
-            <a:pPr lvl="0" marL="0" indent="0" algn="ctr">
-              <a:buNone/>
-            </a:pPr>
-            <a:r>
-              <a:rPr/>
-              <a:t>L’EQM</a:t>
-            </a:r>
-            <a:r>
-              <a:rPr/>
-              <a:t> </a:t>
-            </a:r>
-            <a:r>
-              <a:rPr/>
-              <a:t>des</a:t>
-            </a:r>
-            <a:r>
-              <a:rPr/>
-              <a:t> </a:t>
-            </a:r>
-            <a:r>
-              <a:rPr/>
-              <a:t>sept</a:t>
-            </a:r>
-            <a:r>
-              <a:rPr/>
-              <a:t> </a:t>
-            </a:r>
-            <a:r>
-              <a:rPr/>
-              <a:t>modèles</a:t>
-            </a:r>
-            <a:r>
-              <a:rPr/>
-              <a:t> </a:t>
-            </a:r>
-            <a:r>
-              <a:rPr/>
-              <a:t>testés</a:t>
-            </a:r>
-          </a:p>
-        </p:txBody>
-      </p:sp>
-    </p:spTree>
-  </p:cSld>
-</p:sld>
-</file>
-
-<file path=ppt/slides/slide24.xml><?xml version="1.0" encoding="utf-8"?>
-<p:sld xmlns:a="http://schemas.openxmlformats.org/drawingml/2006/main" xmlns:r="http://schemas.openxmlformats.org/officeDocument/2006/relationships" xmlns:p="http://schemas.openxmlformats.org/presentationml/2006/main">
-  <p:cSld>
-    <p:spTree>
-      <p:nvGrpSpPr>
-        <p:cNvPr id="1" name=""/>
-        <p:cNvGrpSpPr/>
-        <p:nvPr/>
-      </p:nvGrpSpPr>
-      <p:grpSpPr>
-        <a:xfrm>
-          <a:off x="0" y="0"/>
-          <a:ext cx="0" cy="0"/>
-          <a:chOff x="0" y="0"/>
-          <a:chExt cx="0" cy="0"/>
-        </a:xfrm>
-      </p:grpSpPr>
-      <p:sp>
-        <p:nvSpPr>
-          <p:cNvPr id="2" name="Title 1"/>
-          <p:cNvSpPr>
-            <a:spLocks noGrp="1"/>
-          </p:cNvSpPr>
-          <p:nvPr>
-            <p:ph type="title"/>
-          </p:nvPr>
-        </p:nvSpPr>
-        <p:spPr/>
-        <p:txBody>
-          <a:bodyPr/>
-          <a:lstStyle/>
-          <a:p>
-            <a:pPr lvl="0" marL="0" indent="0">
-              <a:buNone/>
-            </a:pPr>
-            <a:r>
-              <a:rPr/>
-              <a:t>Forêt</a:t>
-            </a:r>
-            <a:r>
-              <a:rPr/>
-              <a:t> </a:t>
-            </a:r>
-            <a:r>
-              <a:rPr/>
-              <a:t>aléatoire</a:t>
+              <a:t>Modèle de boosting de gradient stochastique (suite)</a:t>
             </a:r>
           </a:p>
         </p:txBody>
       </p:sp>
       <p:pic>
         <p:nvPicPr>
-          <p:cNvPr descr="PP_files/figure-pptx/unnamed-chunk-9-1.png" id="0" name="Picture 1"/>
+          <p:cNvPr id="3" name="Picture 1" descr="PP_files/figure-pptx/unnamed-chunk-17-1.png"/>
           <p:cNvPicPr>
             <a:picLocks noGrp="1" noChangeAspect="1"/>
           </p:cNvPicPr>
@@ -8615,10 +10352,13 @@
       </p:pic>
     </p:spTree>
   </p:cSld>
+  <p:clrMapOvr>
+    <a:masterClrMapping/>
+  </p:clrMapOvr>
 </p:sld>
 </file>
 
-<file path=ppt/slides/slide25.xml><?xml version="1.0" encoding="utf-8"?>
+<file path=ppt/slides/slide32.xml><?xml version="1.0" encoding="utf-8"?>
 <p:sld xmlns:a="http://schemas.openxmlformats.org/drawingml/2006/main" xmlns:r="http://schemas.openxmlformats.org/officeDocument/2006/relationships" xmlns:p="http://schemas.openxmlformats.org/presentationml/2006/main">
   <p:cSld>
     <p:spTree>
@@ -8650,35 +10390,18 @@
           <a:bodyPr/>
           <a:lstStyle/>
           <a:p>
-            <a:pPr lvl="0" marL="0" indent="0">
+            <a:pPr marL="0" lvl="0" indent="0">
               <a:buNone/>
             </a:pPr>
             <a:r>
-              <a:rPr/>
-              <a:t>Forêt</a:t>
-            </a:r>
-            <a:r>
-              <a:rPr/>
-              <a:t> </a:t>
-            </a:r>
-            <a:r>
-              <a:rPr/>
-              <a:t>aléatoire</a:t>
-            </a:r>
-            <a:r>
-              <a:rPr/>
-              <a:t> </a:t>
-            </a:r>
-            <a:r>
-              <a:rPr/>
-              <a:t>(suite)</a:t>
+              <a:t>Modèle de boosting de gradient stochastique (suite)</a:t>
             </a:r>
           </a:p>
         </p:txBody>
       </p:sp>
       <p:pic>
         <p:nvPicPr>
-          <p:cNvPr descr="PP_files/figure-pptx/unnamed-chunk-10-1.png" id="0" name="Picture 1"/>
+          <p:cNvPr id="3" name="Picture 1" descr="PP_files/figure-pptx/unnamed-chunk-18-1.png"/>
           <p:cNvPicPr>
             <a:picLocks noGrp="1" noChangeAspect="1"/>
           </p:cNvPicPr>
@@ -8706,897 +10429,58 @@
           </a:ln>
         </p:spPr>
       </p:pic>
-    </p:spTree>
-  </p:cSld>
-</p:sld>
-</file>
-
-<file path=ppt/slides/slide26.xml><?xml version="1.0" encoding="utf-8"?>
-<p:sld xmlns:a="http://schemas.openxmlformats.org/drawingml/2006/main" xmlns:r="http://schemas.openxmlformats.org/officeDocument/2006/relationships" xmlns:p="http://schemas.openxmlformats.org/presentationml/2006/main">
-  <p:cSld>
-    <p:spTree>
-      <p:nvGrpSpPr>
-        <p:cNvPr id="1" name=""/>
-        <p:cNvGrpSpPr/>
-        <p:nvPr/>
-      </p:nvGrpSpPr>
-      <p:grpSpPr>
-        <a:xfrm>
-          <a:off x="0" y="0"/>
-          <a:ext cx="0" cy="0"/>
-          <a:chOff x="0" y="0"/>
-          <a:chExt cx="0" cy="0"/>
-        </a:xfrm>
-      </p:grpSpPr>
-      <p:sp>
-        <p:nvSpPr>
-          <p:cNvPr id="2" name="Title 1"/>
-          <p:cNvSpPr>
-            <a:spLocks noGrp="1"/>
-          </p:cNvSpPr>
-          <p:nvPr>
-            <p:ph type="title"/>
-          </p:nvPr>
-        </p:nvSpPr>
-        <p:spPr/>
-        <p:txBody>
-          <a:bodyPr/>
-          <a:lstStyle/>
-          <a:p>
-            <a:pPr lvl="0" marL="0" indent="0">
-              <a:buNone/>
-            </a:pPr>
-            <a:r>
-              <a:rPr/>
-              <a:t>Forêt</a:t>
-            </a:r>
-            <a:r>
-              <a:rPr/>
-              <a:t> </a:t>
-            </a:r>
-            <a:r>
-              <a:rPr/>
-              <a:t>aléatoire</a:t>
-            </a:r>
-            <a:r>
-              <a:rPr/>
-              <a:t> </a:t>
-            </a:r>
-            <a:r>
-              <a:rPr/>
-              <a:t>(suite)</a:t>
-            </a:r>
-          </a:p>
-        </p:txBody>
-      </p:sp>
       <p:pic>
         <p:nvPicPr>
-          <p:cNvPr descr="PP_files/figure-pptx/unnamed-chunk-11-1.png" id="0" name="Picture 1"/>
+          <p:cNvPr id="4" name="Picture 2" descr="Sticker mural Rose des vents &gt; Décomotif">
+            <a:extLst>
+              <a:ext uri="{FF2B5EF4-FFF2-40B4-BE49-F238E27FC236}">
+                <a16:creationId xmlns:a16="http://schemas.microsoft.com/office/drawing/2014/main" id="{62C76E18-09A6-4568-B5B9-7A518C1D152B}"/>
+              </a:ext>
+            </a:extLst>
+          </p:cNvPr>
           <p:cNvPicPr>
-            <a:picLocks noGrp="1" noChangeAspect="1"/>
+            <a:picLocks noChangeAspect="1" noChangeArrowheads="1"/>
           </p:cNvPicPr>
           <p:nvPr/>
         </p:nvPicPr>
         <p:blipFill>
-          <a:blip r:embed="rId2"/>
+          <a:blip r:embed="rId3">
+            <a:extLst>
+              <a:ext uri="{28A0092B-C50C-407E-A947-70E740481C1C}">
+                <a14:useLocalDpi xmlns:a14="http://schemas.microsoft.com/office/drawing/2010/main" val="0"/>
+              </a:ext>
+            </a:extLst>
+          </a:blip>
+          <a:srcRect/>
           <a:stretch>
             <a:fillRect/>
           </a:stretch>
         </p:blipFill>
         <p:spPr bwMode="auto">
           <a:xfrm>
-            <a:off x="2540000" y="2159000"/>
-            <a:ext cx="4838700" cy="3873500"/>
+            <a:off x="10126786" y="52388"/>
+            <a:ext cx="1878012" cy="1878012"/>
           </a:xfrm>
           <a:prstGeom prst="rect">
             <a:avLst/>
           </a:prstGeom>
           <a:noFill/>
-          <a:ln w="9525">
-            <a:noFill/>
-            <a:headEnd/>
-            <a:tailEnd/>
-          </a:ln>
+          <a:extLst>
+            <a:ext uri="{909E8E84-426E-40DD-AFC4-6F175D3DCCD1}">
+              <a14:hiddenFill xmlns:a14="http://schemas.microsoft.com/office/drawing/2010/main">
+                <a:solidFill>
+                  <a:srgbClr val="FFFFFF"/>
+                </a:solidFill>
+              </a14:hiddenFill>
+            </a:ext>
+          </a:extLst>
         </p:spPr>
       </p:pic>
     </p:spTree>
   </p:cSld>
-</p:sld>
-</file>
-
-<file path=ppt/slides/slide27.xml><?xml version="1.0" encoding="utf-8"?>
-<p:sld xmlns:a="http://schemas.openxmlformats.org/drawingml/2006/main" xmlns:r="http://schemas.openxmlformats.org/officeDocument/2006/relationships" xmlns:p="http://schemas.openxmlformats.org/presentationml/2006/main">
-  <p:cSld>
-    <p:spTree>
-      <p:nvGrpSpPr>
-        <p:cNvPr id="1" name=""/>
-        <p:cNvGrpSpPr/>
-        <p:nvPr/>
-      </p:nvGrpSpPr>
-      <p:grpSpPr>
-        <a:xfrm>
-          <a:off x="0" y="0"/>
-          <a:ext cx="0" cy="0"/>
-          <a:chOff x="0" y="0"/>
-          <a:chExt cx="0" cy="0"/>
-        </a:xfrm>
-      </p:grpSpPr>
-      <p:sp>
-        <p:nvSpPr>
-          <p:cNvPr id="2" name="Title 1"/>
-          <p:cNvSpPr>
-            <a:spLocks noGrp="1"/>
-          </p:cNvSpPr>
-          <p:nvPr>
-            <p:ph type="title"/>
-          </p:nvPr>
-        </p:nvSpPr>
-        <p:spPr/>
-        <p:txBody>
-          <a:bodyPr/>
-          <a:lstStyle/>
-          <a:p>
-            <a:pPr lvl="0" marL="0" indent="0">
-              <a:buNone/>
-            </a:pPr>
-            <a:r>
-              <a:rPr/>
-              <a:t>Forêt</a:t>
-            </a:r>
-            <a:r>
-              <a:rPr/>
-              <a:t> </a:t>
-            </a:r>
-            <a:r>
-              <a:rPr/>
-              <a:t>aléatoire</a:t>
-            </a:r>
-            <a:r>
-              <a:rPr/>
-              <a:t> </a:t>
-            </a:r>
-            <a:r>
-              <a:rPr/>
-              <a:t>(suite)</a:t>
-            </a:r>
-          </a:p>
-        </p:txBody>
-      </p:sp>
-      <p:pic>
-        <p:nvPicPr>
-          <p:cNvPr descr="PP_files/figure-pptx/unnamed-chunk-12-1.png" id="0" name="Picture 1"/>
-          <p:cNvPicPr>
-            <a:picLocks noGrp="1" noChangeAspect="1"/>
-          </p:cNvPicPr>
-          <p:nvPr/>
-        </p:nvPicPr>
-        <p:blipFill>
-          <a:blip r:embed="rId2"/>
-          <a:stretch>
-            <a:fillRect/>
-          </a:stretch>
-        </p:blipFill>
-        <p:spPr bwMode="auto">
-          <a:xfrm>
-            <a:off x="2540000" y="2159000"/>
-            <a:ext cx="4838700" cy="3873500"/>
-          </a:xfrm>
-          <a:prstGeom prst="rect">
-            <a:avLst/>
-          </a:prstGeom>
-          <a:noFill/>
-          <a:ln w="9525">
-            <a:noFill/>
-            <a:headEnd/>
-            <a:tailEnd/>
-          </a:ln>
-        </p:spPr>
-      </p:pic>
-    </p:spTree>
-  </p:cSld>
-</p:sld>
-</file>
-
-<file path=ppt/slides/slide28.xml><?xml version="1.0" encoding="utf-8"?>
-<p:sld xmlns:a="http://schemas.openxmlformats.org/drawingml/2006/main" xmlns:r="http://schemas.openxmlformats.org/officeDocument/2006/relationships" xmlns:p="http://schemas.openxmlformats.org/presentationml/2006/main">
-  <p:cSld>
-    <p:spTree>
-      <p:nvGrpSpPr>
-        <p:cNvPr id="1" name=""/>
-        <p:cNvGrpSpPr/>
-        <p:nvPr/>
-      </p:nvGrpSpPr>
-      <p:grpSpPr>
-        <a:xfrm>
-          <a:off x="0" y="0"/>
-          <a:ext cx="0" cy="0"/>
-          <a:chOff x="0" y="0"/>
-          <a:chExt cx="0" cy="0"/>
-        </a:xfrm>
-      </p:grpSpPr>
-      <p:sp>
-        <p:nvSpPr>
-          <p:cNvPr id="2" name="Title 1"/>
-          <p:cNvSpPr>
-            <a:spLocks noGrp="1"/>
-          </p:cNvSpPr>
-          <p:nvPr>
-            <p:ph type="title"/>
-          </p:nvPr>
-        </p:nvSpPr>
-        <p:spPr/>
-        <p:txBody>
-          <a:bodyPr/>
-          <a:lstStyle/>
-          <a:p>
-            <a:pPr lvl="0" marL="0" indent="0">
-              <a:buNone/>
-            </a:pPr>
-            <a:r>
-              <a:rPr/>
-              <a:t>Forêt</a:t>
-            </a:r>
-            <a:r>
-              <a:rPr/>
-              <a:t> </a:t>
-            </a:r>
-            <a:r>
-              <a:rPr/>
-              <a:t>aléatoire</a:t>
-            </a:r>
-            <a:r>
-              <a:rPr/>
-              <a:t> </a:t>
-            </a:r>
-            <a:r>
-              <a:rPr/>
-              <a:t>(suite)</a:t>
-            </a:r>
-          </a:p>
-        </p:txBody>
-      </p:sp>
-      <p:pic>
-        <p:nvPicPr>
-          <p:cNvPr descr="PP_files/figure-pptx/unnamed-chunk-13-1.png" id="0" name="Picture 1"/>
-          <p:cNvPicPr>
-            <a:picLocks noGrp="1" noChangeAspect="1"/>
-          </p:cNvPicPr>
-          <p:nvPr/>
-        </p:nvPicPr>
-        <p:blipFill>
-          <a:blip r:embed="rId2"/>
-          <a:stretch>
-            <a:fillRect/>
-          </a:stretch>
-        </p:blipFill>
-        <p:spPr bwMode="auto">
-          <a:xfrm>
-            <a:off x="2540000" y="2159000"/>
-            <a:ext cx="4838700" cy="3873500"/>
-          </a:xfrm>
-          <a:prstGeom prst="rect">
-            <a:avLst/>
-          </a:prstGeom>
-          <a:noFill/>
-          <a:ln w="9525">
-            <a:noFill/>
-            <a:headEnd/>
-            <a:tailEnd/>
-          </a:ln>
-        </p:spPr>
-      </p:pic>
-    </p:spTree>
-  </p:cSld>
-</p:sld>
-</file>
-
-<file path=ppt/slides/slide29.xml><?xml version="1.0" encoding="utf-8"?>
-<p:sld xmlns:a="http://schemas.openxmlformats.org/drawingml/2006/main" xmlns:r="http://schemas.openxmlformats.org/officeDocument/2006/relationships" xmlns:p="http://schemas.openxmlformats.org/presentationml/2006/main">
-  <p:cSld>
-    <p:spTree>
-      <p:nvGrpSpPr>
-        <p:cNvPr id="1" name=""/>
-        <p:cNvGrpSpPr/>
-        <p:nvPr/>
-      </p:nvGrpSpPr>
-      <p:grpSpPr>
-        <a:xfrm>
-          <a:off x="0" y="0"/>
-          <a:ext cx="0" cy="0"/>
-          <a:chOff x="0" y="0"/>
-          <a:chExt cx="0" cy="0"/>
-        </a:xfrm>
-      </p:grpSpPr>
-      <p:sp>
-        <p:nvSpPr>
-          <p:cNvPr id="2" name="Title 1"/>
-          <p:cNvSpPr>
-            <a:spLocks noGrp="1"/>
-          </p:cNvSpPr>
-          <p:nvPr>
-            <p:ph type="title"/>
-          </p:nvPr>
-        </p:nvSpPr>
-        <p:spPr/>
-        <p:txBody>
-          <a:bodyPr/>
-          <a:lstStyle/>
-          <a:p>
-            <a:pPr lvl="0" marL="0" indent="0">
-              <a:buNone/>
-            </a:pPr>
-            <a:r>
-              <a:rPr/>
-              <a:t>Forêt</a:t>
-            </a:r>
-            <a:r>
-              <a:rPr/>
-              <a:t> </a:t>
-            </a:r>
-            <a:r>
-              <a:rPr/>
-              <a:t>aléatoire</a:t>
-            </a:r>
-            <a:r>
-              <a:rPr/>
-              <a:t> </a:t>
-            </a:r>
-            <a:r>
-              <a:rPr/>
-              <a:t>(suite)</a:t>
-            </a:r>
-          </a:p>
-        </p:txBody>
-      </p:sp>
-      <p:pic>
-        <p:nvPicPr>
-          <p:cNvPr descr="PP_files/figure-pptx/unnamed-chunk-14-1.png" id="0" name="Picture 1"/>
-          <p:cNvPicPr>
-            <a:picLocks noGrp="1" noChangeAspect="1"/>
-          </p:cNvPicPr>
-          <p:nvPr/>
-        </p:nvPicPr>
-        <p:blipFill>
-          <a:blip r:embed="rId2"/>
-          <a:stretch>
-            <a:fillRect/>
-          </a:stretch>
-        </p:blipFill>
-        <p:spPr bwMode="auto">
-          <a:xfrm>
-            <a:off x="2540000" y="2159000"/>
-            <a:ext cx="4838700" cy="3873500"/>
-          </a:xfrm>
-          <a:prstGeom prst="rect">
-            <a:avLst/>
-          </a:prstGeom>
-          <a:noFill/>
-          <a:ln w="9525">
-            <a:noFill/>
-            <a:headEnd/>
-            <a:tailEnd/>
-          </a:ln>
-        </p:spPr>
-      </p:pic>
-    </p:spTree>
-  </p:cSld>
-</p:sld>
-</file>
-
-<file path=ppt/slides/slide3.xml><?xml version="1.0" encoding="utf-8"?>
-<p:sld xmlns:a="http://schemas.openxmlformats.org/drawingml/2006/main" xmlns:r="http://schemas.openxmlformats.org/officeDocument/2006/relationships" xmlns:p="http://schemas.openxmlformats.org/presentationml/2006/main">
-  <p:cSld>
-    <p:spTree>
-      <p:nvGrpSpPr>
-        <p:cNvPr id="1" name=""/>
-        <p:cNvGrpSpPr/>
-        <p:nvPr/>
-      </p:nvGrpSpPr>
-      <p:grpSpPr>
-        <a:xfrm>
-          <a:off x="0" y="0"/>
-          <a:ext cx="0" cy="0"/>
-          <a:chOff x="0" y="0"/>
-          <a:chExt cx="0" cy="0"/>
-        </a:xfrm>
-      </p:grpSpPr>
-      <p:sp>
-        <p:nvSpPr>
-          <p:cNvPr id="2" name="Title 1"/>
-          <p:cNvSpPr>
-            <a:spLocks noGrp="1"/>
-          </p:cNvSpPr>
-          <p:nvPr>
-            <p:ph type="title"/>
-          </p:nvPr>
-        </p:nvSpPr>
-        <p:spPr/>
-        <p:txBody>
-          <a:bodyPr/>
-          <a:lstStyle/>
-          <a:p>
-            <a:pPr lvl="0" marL="0" indent="0">
-              <a:buNone/>
-            </a:pPr>
-            <a:r>
-              <a:rPr/>
-              <a:t>Plan</a:t>
-            </a:r>
-            <a:r>
-              <a:rPr/>
-              <a:t> </a:t>
-            </a:r>
-            <a:r>
-              <a:rPr/>
-              <a:t>de</a:t>
-            </a:r>
-            <a:r>
-              <a:rPr/>
-              <a:t> </a:t>
-            </a:r>
-            <a:r>
-              <a:rPr/>
-              <a:t>la</a:t>
-            </a:r>
-            <a:r>
-              <a:rPr/>
-              <a:t> </a:t>
-            </a:r>
-            <a:r>
-              <a:rPr/>
-              <a:t>présentation</a:t>
-            </a:r>
-          </a:p>
-        </p:txBody>
-      </p:sp>
-      <p:sp>
-        <p:nvSpPr>
-          <p:cNvPr id="3" name="Content Placeholder 2"/>
-          <p:cNvSpPr>
-            <a:spLocks noGrp="1"/>
-          </p:cNvSpPr>
-          <p:nvPr>
-            <p:ph idx="1"/>
-          </p:nvPr>
-        </p:nvSpPr>
-        <p:spPr/>
-        <p:txBody>
-          <a:bodyPr/>
-          <a:lstStyle/>
-          <a:p>
-            <a:pPr lvl="1"/>
-            <a:r>
-              <a:rPr/>
-              <a:t>Description du problème</a:t>
-            </a:r>
-          </a:p>
-          <a:p>
-            <a:pPr lvl="1"/>
-            <a:r>
-              <a:rPr/>
-              <a:t>Base de données à l’étude</a:t>
-            </a:r>
-          </a:p>
-          <a:p>
-            <a:pPr lvl="1"/>
-            <a:r>
-              <a:rPr/>
-              <a:t>Prétraitement des données</a:t>
-            </a:r>
-          </a:p>
-          <a:p>
-            <a:pPr lvl="1"/>
-            <a:r>
-              <a:rPr/>
-              <a:t>Analyse exploratoire</a:t>
-            </a:r>
-          </a:p>
-          <a:p>
-            <a:pPr lvl="1"/>
-            <a:r>
-              <a:rPr/>
-              <a:t>Modèles testés</a:t>
-            </a:r>
-          </a:p>
-          <a:p>
-            <a:pPr lvl="1"/>
-            <a:r>
-              <a:rPr/>
-              <a:t>Comparaison des modèles</a:t>
-            </a:r>
-          </a:p>
-          <a:p>
-            <a:pPr lvl="1"/>
-            <a:r>
-              <a:rPr/>
-              <a:t>Forêt aléatoire</a:t>
-            </a:r>
-          </a:p>
-          <a:p>
-            <a:pPr lvl="1"/>
-            <a:r>
-              <a:rPr/>
-              <a:t>GBM</a:t>
-            </a:r>
-          </a:p>
-          <a:p>
-            <a:pPr lvl="1"/>
-            <a:r>
-              <a:rPr/>
-              <a:t>Conclusion</a:t>
-            </a:r>
-          </a:p>
-        </p:txBody>
-      </p:sp>
-    </p:spTree>
-  </p:cSld>
-</p:sld>
-</file>
-
-<file path=ppt/slides/slide30.xml><?xml version="1.0" encoding="utf-8"?>
-<p:sld xmlns:a="http://schemas.openxmlformats.org/drawingml/2006/main" xmlns:r="http://schemas.openxmlformats.org/officeDocument/2006/relationships" xmlns:p="http://schemas.openxmlformats.org/presentationml/2006/main">
-  <p:cSld>
-    <p:spTree>
-      <p:nvGrpSpPr>
-        <p:cNvPr id="1" name=""/>
-        <p:cNvGrpSpPr/>
-        <p:nvPr/>
-      </p:nvGrpSpPr>
-      <p:grpSpPr>
-        <a:xfrm>
-          <a:off x="0" y="0"/>
-          <a:ext cx="0" cy="0"/>
-          <a:chOff x="0" y="0"/>
-          <a:chExt cx="0" cy="0"/>
-        </a:xfrm>
-      </p:grpSpPr>
-      <p:sp>
-        <p:nvSpPr>
-          <p:cNvPr id="2" name="Title 1"/>
-          <p:cNvSpPr>
-            <a:spLocks noGrp="1"/>
-          </p:cNvSpPr>
-          <p:nvPr>
-            <p:ph type="title"/>
-          </p:nvPr>
-        </p:nvSpPr>
-        <p:spPr/>
-        <p:txBody>
-          <a:bodyPr/>
-          <a:lstStyle/>
-          <a:p>
-            <a:pPr lvl="0" marL="0" indent="0">
-              <a:buNone/>
-            </a:pPr>
-            <a:r>
-              <a:rPr/>
-              <a:t>Modèle</a:t>
-            </a:r>
-            <a:r>
-              <a:rPr/>
-              <a:t> </a:t>
-            </a:r>
-            <a:r>
-              <a:rPr/>
-              <a:t>de</a:t>
-            </a:r>
-            <a:r>
-              <a:rPr/>
-              <a:t> </a:t>
-            </a:r>
-            <a:r>
-              <a:rPr/>
-              <a:t>boosting</a:t>
-            </a:r>
-            <a:r>
-              <a:rPr/>
-              <a:t> </a:t>
-            </a:r>
-            <a:r>
-              <a:rPr/>
-              <a:t>de</a:t>
-            </a:r>
-            <a:r>
-              <a:rPr/>
-              <a:t> </a:t>
-            </a:r>
-            <a:r>
-              <a:rPr/>
-              <a:t>gradient</a:t>
-            </a:r>
-            <a:r>
-              <a:rPr/>
-              <a:t> </a:t>
-            </a:r>
-            <a:r>
-              <a:rPr/>
-              <a:t>stochastique</a:t>
-            </a:r>
-          </a:p>
-        </p:txBody>
-      </p:sp>
-      <p:pic>
-        <p:nvPicPr>
-          <p:cNvPr descr="PP_files/figure-pptx/unnamed-chunk-15-1.png" id="0" name="Picture 1"/>
-          <p:cNvPicPr>
-            <a:picLocks noGrp="1" noChangeAspect="1"/>
-          </p:cNvPicPr>
-          <p:nvPr/>
-        </p:nvPicPr>
-        <p:blipFill>
-          <a:blip r:embed="rId2"/>
-          <a:stretch>
-            <a:fillRect/>
-          </a:stretch>
-        </p:blipFill>
-        <p:spPr bwMode="auto">
-          <a:xfrm>
-            <a:off x="2540000" y="2159000"/>
-            <a:ext cx="4838700" cy="3873500"/>
-          </a:xfrm>
-          <a:prstGeom prst="rect">
-            <a:avLst/>
-          </a:prstGeom>
-          <a:noFill/>
-          <a:ln w="9525">
-            <a:noFill/>
-            <a:headEnd/>
-            <a:tailEnd/>
-          </a:ln>
-        </p:spPr>
-      </p:pic>
-    </p:spTree>
-  </p:cSld>
-</p:sld>
-</file>
-
-<file path=ppt/slides/slide31.xml><?xml version="1.0" encoding="utf-8"?>
-<p:sld xmlns:a="http://schemas.openxmlformats.org/drawingml/2006/main" xmlns:r="http://schemas.openxmlformats.org/officeDocument/2006/relationships" xmlns:p="http://schemas.openxmlformats.org/presentationml/2006/main">
-  <p:cSld>
-    <p:spTree>
-      <p:nvGrpSpPr>
-        <p:cNvPr id="1" name=""/>
-        <p:cNvGrpSpPr/>
-        <p:nvPr/>
-      </p:nvGrpSpPr>
-      <p:grpSpPr>
-        <a:xfrm>
-          <a:off x="0" y="0"/>
-          <a:ext cx="0" cy="0"/>
-          <a:chOff x="0" y="0"/>
-          <a:chExt cx="0" cy="0"/>
-        </a:xfrm>
-      </p:grpSpPr>
-      <p:sp>
-        <p:nvSpPr>
-          <p:cNvPr id="2" name="Title 1"/>
-          <p:cNvSpPr>
-            <a:spLocks noGrp="1"/>
-          </p:cNvSpPr>
-          <p:nvPr>
-            <p:ph type="title"/>
-          </p:nvPr>
-        </p:nvSpPr>
-        <p:spPr/>
-        <p:txBody>
-          <a:bodyPr/>
-          <a:lstStyle/>
-          <a:p>
-            <a:pPr lvl="0" marL="0" indent="0">
-              <a:buNone/>
-            </a:pPr>
-            <a:r>
-              <a:rPr/>
-              <a:t>Modèle</a:t>
-            </a:r>
-            <a:r>
-              <a:rPr/>
-              <a:t> </a:t>
-            </a:r>
-            <a:r>
-              <a:rPr/>
-              <a:t>de</a:t>
-            </a:r>
-            <a:r>
-              <a:rPr/>
-              <a:t> </a:t>
-            </a:r>
-            <a:r>
-              <a:rPr/>
-              <a:t>boosting</a:t>
-            </a:r>
-            <a:r>
-              <a:rPr/>
-              <a:t> </a:t>
-            </a:r>
-            <a:r>
-              <a:rPr/>
-              <a:t>de</a:t>
-            </a:r>
-            <a:r>
-              <a:rPr/>
-              <a:t> </a:t>
-            </a:r>
-            <a:r>
-              <a:rPr/>
-              <a:t>gradient</a:t>
-            </a:r>
-            <a:r>
-              <a:rPr/>
-              <a:t> </a:t>
-            </a:r>
-            <a:r>
-              <a:rPr/>
-              <a:t>stochastique</a:t>
-            </a:r>
-            <a:r>
-              <a:rPr/>
-              <a:t> </a:t>
-            </a:r>
-            <a:r>
-              <a:rPr/>
-              <a:t>(suite)</a:t>
-            </a:r>
-          </a:p>
-        </p:txBody>
-      </p:sp>
-      <p:pic>
-        <p:nvPicPr>
-          <p:cNvPr descr="PP_files/figure-pptx/unnamed-chunk-16-1.png" id="0" name="Picture 1"/>
-          <p:cNvPicPr>
-            <a:picLocks noGrp="1" noChangeAspect="1"/>
-          </p:cNvPicPr>
-          <p:nvPr/>
-        </p:nvPicPr>
-        <p:blipFill>
-          <a:blip r:embed="rId2"/>
-          <a:stretch>
-            <a:fillRect/>
-          </a:stretch>
-        </p:blipFill>
-        <p:spPr bwMode="auto">
-          <a:xfrm>
-            <a:off x="2540000" y="2159000"/>
-            <a:ext cx="4838700" cy="3873500"/>
-          </a:xfrm>
-          <a:prstGeom prst="rect">
-            <a:avLst/>
-          </a:prstGeom>
-          <a:noFill/>
-          <a:ln w="9525">
-            <a:noFill/>
-            <a:headEnd/>
-            <a:tailEnd/>
-          </a:ln>
-        </p:spPr>
-      </p:pic>
-    </p:spTree>
-  </p:cSld>
-</p:sld>
-</file>
-
-<file path=ppt/slides/slide32.xml><?xml version="1.0" encoding="utf-8"?>
-<p:sld xmlns:a="http://schemas.openxmlformats.org/drawingml/2006/main" xmlns:r="http://schemas.openxmlformats.org/officeDocument/2006/relationships" xmlns:p="http://schemas.openxmlformats.org/presentationml/2006/main">
-  <p:cSld>
-    <p:spTree>
-      <p:nvGrpSpPr>
-        <p:cNvPr id="1" name=""/>
-        <p:cNvGrpSpPr/>
-        <p:nvPr/>
-      </p:nvGrpSpPr>
-      <p:grpSpPr>
-        <a:xfrm>
-          <a:off x="0" y="0"/>
-          <a:ext cx="0" cy="0"/>
-          <a:chOff x="0" y="0"/>
-          <a:chExt cx="0" cy="0"/>
-        </a:xfrm>
-      </p:grpSpPr>
-      <p:sp>
-        <p:nvSpPr>
-          <p:cNvPr id="2" name="Title 1"/>
-          <p:cNvSpPr>
-            <a:spLocks noGrp="1"/>
-          </p:cNvSpPr>
-          <p:nvPr>
-            <p:ph type="title"/>
-          </p:nvPr>
-        </p:nvSpPr>
-        <p:spPr/>
-        <p:txBody>
-          <a:bodyPr/>
-          <a:lstStyle/>
-          <a:p>
-            <a:pPr lvl="0" marL="0" indent="0">
-              <a:buNone/>
-            </a:pPr>
-            <a:r>
-              <a:rPr/>
-              <a:t>Modèle</a:t>
-            </a:r>
-            <a:r>
-              <a:rPr/>
-              <a:t> </a:t>
-            </a:r>
-            <a:r>
-              <a:rPr/>
-              <a:t>de</a:t>
-            </a:r>
-            <a:r>
-              <a:rPr/>
-              <a:t> </a:t>
-            </a:r>
-            <a:r>
-              <a:rPr/>
-              <a:t>boosting</a:t>
-            </a:r>
-            <a:r>
-              <a:rPr/>
-              <a:t> </a:t>
-            </a:r>
-            <a:r>
-              <a:rPr/>
-              <a:t>de</a:t>
-            </a:r>
-            <a:r>
-              <a:rPr/>
-              <a:t> </a:t>
-            </a:r>
-            <a:r>
-              <a:rPr/>
-              <a:t>gradient</a:t>
-            </a:r>
-            <a:r>
-              <a:rPr/>
-              <a:t> </a:t>
-            </a:r>
-            <a:r>
-              <a:rPr/>
-              <a:t>stochastique</a:t>
-            </a:r>
-            <a:r>
-              <a:rPr/>
-              <a:t> </a:t>
-            </a:r>
-            <a:r>
-              <a:rPr/>
-              <a:t>(suite)</a:t>
-            </a:r>
-          </a:p>
-        </p:txBody>
-      </p:sp>
-      <p:pic>
-        <p:nvPicPr>
-          <p:cNvPr descr="PP_files/figure-pptx/unnamed-chunk-17-1.png" id="0" name="Picture 1"/>
-          <p:cNvPicPr>
-            <a:picLocks noGrp="1" noChangeAspect="1"/>
-          </p:cNvPicPr>
-          <p:nvPr/>
-        </p:nvPicPr>
-        <p:blipFill>
-          <a:blip r:embed="rId2"/>
-          <a:stretch>
-            <a:fillRect/>
-          </a:stretch>
-        </p:blipFill>
-        <p:spPr bwMode="auto">
-          <a:xfrm>
-            <a:off x="2540000" y="2159000"/>
-            <a:ext cx="4838700" cy="3873500"/>
-          </a:xfrm>
-          <a:prstGeom prst="rect">
-            <a:avLst/>
-          </a:prstGeom>
-          <a:noFill/>
-          <a:ln w="9525">
-            <a:noFill/>
-            <a:headEnd/>
-            <a:tailEnd/>
-          </a:ln>
-        </p:spPr>
-      </p:pic>
-    </p:spTree>
-  </p:cSld>
+  <p:clrMapOvr>
+    <a:masterClrMapping/>
+  </p:clrMapOvr>
 </p:sld>
 </file>
 
@@ -9632,96 +10516,133 @@
           <a:bodyPr/>
           <a:lstStyle/>
           <a:p>
-            <a:pPr lvl="0" marL="0" indent="0">
+            <a:pPr marL="0" lvl="0" indent="0">
               <a:buNone/>
             </a:pPr>
             <a:r>
-              <a:rPr/>
+              <a:t>Conclusion</a:t>
+            </a:r>
+          </a:p>
+        </p:txBody>
+      </p:sp>
+      <p:sp>
+        <p:nvSpPr>
+          <p:cNvPr id="3" name="Content Placeholder 2"/>
+          <p:cNvSpPr>
+            <a:spLocks noGrp="1"/>
+          </p:cNvSpPr>
+          <p:nvPr>
+            <p:ph idx="1"/>
+          </p:nvPr>
+        </p:nvSpPr>
+        <p:spPr/>
+        <p:txBody>
+          <a:bodyPr>
+            <a:normAutofit/>
+          </a:bodyPr>
+          <a:lstStyle/>
+          <a:p>
+            <a:pPr lvl="1"/>
+            <a:r>
+              <a:rPr sz="1800" dirty="0" err="1"/>
               <a:t>Modèle</a:t>
             </a:r>
             <a:r>
-              <a:rPr/>
+              <a:rPr sz="1800" dirty="0"/>
               <a:t> </a:t>
             </a:r>
             <a:r>
-              <a:rPr/>
-              <a:t>de</a:t>
-            </a:r>
-            <a:r>
-              <a:rPr/>
+              <a:rPr sz="1800" i="1" dirty="0"/>
+              <a:t>GBM</a:t>
+            </a:r>
+            <a:r>
+              <a:rPr sz="1800" dirty="0"/>
               <a:t> </a:t>
             </a:r>
             <a:r>
-              <a:rPr/>
-              <a:t>boosting</a:t>
-            </a:r>
-            <a:r>
-              <a:rPr/>
+              <a:rPr sz="1800" dirty="0" err="1"/>
+              <a:t>retenu</a:t>
+            </a:r>
+            <a:endParaRPr sz="1800" dirty="0"/>
+          </a:p>
+          <a:p>
+            <a:pPr lvl="1"/>
+            <a:r>
+              <a:rPr sz="1800" dirty="0"/>
+              <a:t>Limitations</a:t>
+            </a:r>
+          </a:p>
+          <a:p>
+            <a:pPr lvl="2"/>
+            <a:r>
+              <a:rPr sz="1600" dirty="0" err="1"/>
+              <a:t>Échelle</a:t>
+            </a:r>
+            <a:r>
+              <a:rPr sz="1600" dirty="0"/>
               <a:t> </a:t>
             </a:r>
             <a:r>
-              <a:rPr/>
-              <a:t>de</a:t>
-            </a:r>
-            <a:r>
-              <a:rPr/>
+              <a:rPr sz="1600" dirty="0" err="1"/>
+              <a:t>logarithmique</a:t>
+            </a:r>
+            <a:endParaRPr sz="1600" dirty="0"/>
+          </a:p>
+          <a:p>
+            <a:pPr lvl="2"/>
+            <a:r>
+              <a:rPr sz="1600" dirty="0" err="1"/>
+              <a:t>Effet</a:t>
+            </a:r>
+            <a:r>
+              <a:rPr sz="1600" dirty="0"/>
+              <a:t> de </a:t>
+            </a:r>
+            <a:r>
+              <a:rPr sz="1600" dirty="0" err="1"/>
+              <a:t>l’inflation</a:t>
+            </a:r>
+            <a:endParaRPr sz="1600" dirty="0"/>
+          </a:p>
+          <a:p>
+            <a:pPr lvl="1"/>
+            <a:r>
+              <a:rPr sz="1800" dirty="0" err="1"/>
+              <a:t>Possibilité</a:t>
+            </a:r>
+            <a:r>
+              <a:rPr sz="1800" dirty="0"/>
               <a:t> </a:t>
             </a:r>
             <a:r>
-              <a:rPr/>
-              <a:t>gradient</a:t>
-            </a:r>
-            <a:r>
-              <a:rPr/>
-              <a:t> </a:t>
-            </a:r>
-            <a:r>
-              <a:rPr/>
-              <a:t>stochastique</a:t>
-            </a:r>
-            <a:r>
-              <a:rPr/>
-              <a:t> </a:t>
-            </a:r>
-            <a:r>
-              <a:rPr/>
-              <a:t>(suite)</a:t>
-            </a:r>
-          </a:p>
-        </p:txBody>
-      </p:sp>
-      <p:pic>
-        <p:nvPicPr>
-          <p:cNvPr descr="PP_files/figure-pptx/unnamed-chunk-18-1.png" id="0" name="Picture 1"/>
-          <p:cNvPicPr>
-            <a:picLocks noGrp="1" noChangeAspect="1"/>
-          </p:cNvPicPr>
-          <p:nvPr/>
-        </p:nvPicPr>
-        <p:blipFill>
-          <a:blip r:embed="rId2"/>
-          <a:stretch>
-            <a:fillRect/>
-          </a:stretch>
-        </p:blipFill>
-        <p:spPr bwMode="auto">
-          <a:xfrm>
-            <a:off x="2540000" y="2159000"/>
-            <a:ext cx="4838700" cy="3873500"/>
-          </a:xfrm>
-          <a:prstGeom prst="rect">
-            <a:avLst/>
-          </a:prstGeom>
-          <a:noFill/>
-          <a:ln w="9525">
-            <a:noFill/>
-            <a:headEnd/>
-            <a:tailEnd/>
-          </a:ln>
-        </p:spPr>
-      </p:pic>
+              <a:rPr sz="1800" dirty="0" err="1"/>
+              <a:t>d’utilisation</a:t>
+            </a:r>
+            <a:r>
+              <a:rPr sz="1800" dirty="0"/>
+              <a:t> dans </a:t>
+            </a:r>
+            <a:r>
+              <a:rPr sz="1800" dirty="0" err="1"/>
+              <a:t>d’autres</a:t>
+            </a:r>
+            <a:r>
+              <a:rPr sz="1800" dirty="0"/>
+              <a:t> zones </a:t>
+            </a:r>
+            <a:r>
+              <a:rPr sz="1800" dirty="0" err="1"/>
+              <a:t>géographiques</a:t>
+            </a:r>
+            <a:endParaRPr sz="1800" dirty="0"/>
+          </a:p>
+        </p:txBody>
+      </p:sp>
     </p:spTree>
   </p:cSld>
+  <p:clrMapOvr>
+    <a:masterClrMapping/>
+  </p:clrMapOvr>
 </p:sld>
 </file>
 
@@ -9757,96 +10678,182 @@
           <a:bodyPr/>
           <a:lstStyle/>
           <a:p>
-            <a:pPr lvl="0" marL="0" indent="0">
+            <a:pPr marL="0" lvl="0" indent="0">
               <a:buNone/>
             </a:pPr>
             <a:r>
-              <a:rPr/>
-              <a:t>Modèle</a:t>
-            </a:r>
-            <a:r>
-              <a:rPr/>
+              <a:t>Bibliographie</a:t>
+            </a:r>
+          </a:p>
+        </p:txBody>
+      </p:sp>
+      <p:sp>
+        <p:nvSpPr>
+          <p:cNvPr id="3" name="Content Placeholder 2"/>
+          <p:cNvSpPr>
+            <a:spLocks noGrp="1"/>
+          </p:cNvSpPr>
+          <p:nvPr>
+            <p:ph idx="1"/>
+          </p:nvPr>
+        </p:nvSpPr>
+        <p:spPr/>
+        <p:txBody>
+          <a:bodyPr>
+            <a:normAutofit/>
+          </a:bodyPr>
+          <a:lstStyle/>
+          <a:p>
+            <a:pPr lvl="1">
+              <a:buAutoNum type="arabicPeriod"/>
+            </a:pPr>
+            <a:r>
+              <a:rPr sz="1800" dirty="0"/>
+              <a:t>Kaggle, </a:t>
+            </a:r>
+            <a:r>
+              <a:rPr sz="1800" dirty="0" err="1"/>
+              <a:t>harlfoxen</a:t>
+            </a:r>
+            <a:r>
+              <a:rPr sz="1800" dirty="0"/>
+              <a:t> (2017). House sales in King County, USA. </a:t>
+            </a:r>
+            <a:r>
+              <a:rPr sz="1800" dirty="0" err="1"/>
+              <a:t>Récupéré</a:t>
+            </a:r>
+            <a:r>
+              <a:rPr sz="1800" dirty="0"/>
+              <a:t> le 27 </a:t>
+            </a:r>
+            <a:r>
+              <a:rPr sz="1800" dirty="0" err="1"/>
+              <a:t>février</a:t>
+            </a:r>
+            <a:r>
+              <a:rPr sz="1800" dirty="0"/>
+              <a:t> 2020 de </a:t>
+            </a:r>
+            <a:r>
+              <a:rPr sz="1800" dirty="0">
+                <a:hlinkClick r:id="rId2"/>
+              </a:rPr>
+              <a:t>https://www.kaggle.com/harlfoxem/housesalesprediction</a:t>
+            </a:r>
+            <a:r>
+              <a:rPr sz="1800" dirty="0"/>
+              <a:t>. </a:t>
+            </a:r>
+          </a:p>
+          <a:p>
+            <a:pPr lvl="1">
+              <a:buAutoNum type="arabicPeriod"/>
+            </a:pPr>
+            <a:r>
+              <a:rPr sz="1800" dirty="0"/>
+              <a:t>Max Kuhn (2020). caret: Classification and Regression Training. R package version 6.0-85. </a:t>
+            </a:r>
+            <a:r>
+              <a:rPr sz="1800" dirty="0">
+                <a:hlinkClick r:id="rId3"/>
+              </a:rPr>
+              <a:t>https://CRAN.R-project.org/package=caret</a:t>
+            </a:r>
+            <a:r>
+              <a:rPr sz="1800" dirty="0"/>
               <a:t> </a:t>
             </a:r>
-            <a:r>
-              <a:rPr/>
-              <a:t>de</a:t>
-            </a:r>
-            <a:r>
-              <a:rPr/>
+          </a:p>
+          <a:p>
+            <a:pPr lvl="1">
+              <a:buAutoNum type="arabicPeriod"/>
+            </a:pPr>
+            <a:r>
+              <a:rPr sz="1800" dirty="0"/>
+              <a:t>Terry </a:t>
+            </a:r>
+            <a:r>
+              <a:rPr sz="1800" dirty="0" err="1"/>
+              <a:t>Therneau</a:t>
+            </a:r>
+            <a:r>
+              <a:rPr sz="1800" dirty="0"/>
+              <a:t> and Beth Atkinson (2019). </a:t>
+            </a:r>
+            <a:r>
+              <a:rPr sz="1800" dirty="0" err="1"/>
+              <a:t>rpart</a:t>
+            </a:r>
+            <a:r>
+              <a:rPr sz="1800" dirty="0"/>
+              <a:t>: Recursive Partitioning and Regression Trees. R package version 4.1-15. </a:t>
+            </a:r>
+            <a:r>
+              <a:rPr sz="1800" dirty="0">
+                <a:hlinkClick r:id="rId4"/>
+              </a:rPr>
+              <a:t>https://CRAN.R-project.org/package=rpart</a:t>
+            </a:r>
+            <a:r>
+              <a:rPr sz="1800" dirty="0"/>
               <a:t> </a:t>
             </a:r>
-            <a:r>
-              <a:rPr/>
-              <a:t>boosting</a:t>
-            </a:r>
-            <a:r>
-              <a:rPr/>
-              <a:t> </a:t>
-            </a:r>
-            <a:r>
-              <a:rPr/>
-              <a:t>de</a:t>
-            </a:r>
-            <a:r>
-              <a:rPr/>
-              <a:t> </a:t>
-            </a:r>
-            <a:r>
-              <a:rPr/>
-              <a:t>gradient</a:t>
-            </a:r>
-            <a:r>
-              <a:rPr/>
-              <a:t> </a:t>
-            </a:r>
-            <a:r>
-              <a:rPr/>
-              <a:t>stochastique</a:t>
-            </a:r>
-            <a:r>
-              <a:rPr/>
-              <a:t> </a:t>
-            </a:r>
-            <a:r>
-              <a:rPr/>
-              <a:t>(suite)</a:t>
-            </a:r>
-          </a:p>
-        </p:txBody>
-      </p:sp>
-      <p:pic>
-        <p:nvPicPr>
-          <p:cNvPr descr="PP_files/figure-pptx/unnamed-chunk-19-1.png" id="0" name="Picture 1"/>
-          <p:cNvPicPr>
-            <a:picLocks noGrp="1" noChangeAspect="1"/>
-          </p:cNvPicPr>
-          <p:nvPr/>
-        </p:nvPicPr>
-        <p:blipFill>
-          <a:blip r:embed="rId2"/>
-          <a:stretch>
-            <a:fillRect/>
-          </a:stretch>
-        </p:blipFill>
-        <p:spPr bwMode="auto">
-          <a:xfrm>
-            <a:off x="2540000" y="2159000"/>
-            <a:ext cx="4838700" cy="3873500"/>
-          </a:xfrm>
-          <a:prstGeom prst="rect">
-            <a:avLst/>
-          </a:prstGeom>
-          <a:noFill/>
-          <a:ln w="9525">
-            <a:noFill/>
-            <a:headEnd/>
-            <a:tailEnd/>
-          </a:ln>
-        </p:spPr>
-      </p:pic>
+          </a:p>
+          <a:p>
+            <a:pPr lvl="1">
+              <a:buAutoNum type="arabicPeriod"/>
+            </a:pPr>
+            <a:r>
+              <a:rPr sz="1800" dirty="0"/>
+              <a:t>Stephen </a:t>
+            </a:r>
+            <a:r>
+              <a:rPr sz="1800" dirty="0" err="1"/>
+              <a:t>Milborrow</a:t>
+            </a:r>
+            <a:r>
+              <a:rPr sz="1800" dirty="0"/>
+              <a:t> (2019). </a:t>
+            </a:r>
+            <a:r>
+              <a:rPr sz="1800" dirty="0" err="1"/>
+              <a:t>rpart.plot</a:t>
+            </a:r>
+            <a:r>
+              <a:rPr sz="1800" dirty="0"/>
+              <a:t>: Plot ‘</a:t>
+            </a:r>
+            <a:r>
+              <a:rPr sz="1800" dirty="0" err="1"/>
+              <a:t>rpart</a:t>
+            </a:r>
+            <a:r>
+              <a:rPr sz="1800" dirty="0"/>
+              <a:t>’ Models: An Enhanced Version of ‘</a:t>
+            </a:r>
+            <a:r>
+              <a:rPr sz="1800" dirty="0" err="1"/>
+              <a:t>plot.rpart</a:t>
+            </a:r>
+            <a:r>
+              <a:rPr sz="1800" dirty="0"/>
+              <a:t>’. R package version 3.0.8. </a:t>
+            </a:r>
+            <a:r>
+              <a:rPr sz="1800" dirty="0">
+                <a:hlinkClick r:id="rId5"/>
+              </a:rPr>
+              <a:t>https://CRAN.R-project.org/package=rpart.plot</a:t>
+            </a:r>
+          </a:p>
+        </p:txBody>
+      </p:sp>
     </p:spTree>
   </p:cSld>
+  <p:clrMapOvr>
+    <a:masterClrMapping/>
+  </p:clrMapOvr>
 </p:sld>
 </file>
 
@@ -9882,587 +10889,164 @@
           <a:bodyPr/>
           <a:lstStyle/>
           <a:p>
-            <a:pPr lvl="0" marL="0" indent="0">
+            <a:pPr marL="0" lvl="0" indent="0">
               <a:buNone/>
             </a:pPr>
             <a:r>
-              <a:rPr/>
-              <a:t>Modèle</a:t>
-            </a:r>
-            <a:r>
-              <a:rPr/>
+              <a:t>Bibliographie</a:t>
+            </a:r>
+          </a:p>
+        </p:txBody>
+      </p:sp>
+      <p:sp>
+        <p:nvSpPr>
+          <p:cNvPr id="3" name="Content Placeholder 2"/>
+          <p:cNvSpPr>
+            <a:spLocks noGrp="1"/>
+          </p:cNvSpPr>
+          <p:nvPr>
+            <p:ph idx="1"/>
+          </p:nvPr>
+        </p:nvSpPr>
+        <p:spPr/>
+        <p:txBody>
+          <a:bodyPr>
+            <a:normAutofit/>
+          </a:bodyPr>
+          <a:lstStyle/>
+          <a:p>
+            <a:pPr lvl="1">
+              <a:buAutoNum type="arabicPeriod" startAt="5"/>
+            </a:pPr>
+            <a:r>
+              <a:rPr sz="1800" dirty="0"/>
+              <a:t>A. </a:t>
+            </a:r>
+            <a:r>
+              <a:rPr sz="1800" dirty="0" err="1"/>
+              <a:t>Liaw</a:t>
+            </a:r>
+            <a:r>
+              <a:rPr sz="1800" dirty="0"/>
+              <a:t> and M. Wiener (2002). Classification and Regression by </a:t>
+            </a:r>
+            <a:r>
+              <a:rPr sz="1800" dirty="0" err="1"/>
+              <a:t>randomForest</a:t>
+            </a:r>
+            <a:r>
+              <a:rPr sz="1800" dirty="0"/>
+              <a:t>. R News 2(3), 18–22. </a:t>
+            </a:r>
+          </a:p>
+          <a:p>
+            <a:pPr lvl="1">
+              <a:buAutoNum type="arabicPeriod" startAt="5"/>
+            </a:pPr>
+            <a:r>
+              <a:rPr sz="1800" dirty="0"/>
+              <a:t>Brandon Greenwell, Bradley </a:t>
+            </a:r>
+            <a:r>
+              <a:rPr sz="1800" dirty="0" err="1"/>
+              <a:t>Boehmke</a:t>
+            </a:r>
+            <a:r>
+              <a:rPr sz="1800" dirty="0"/>
+              <a:t>, Jay Cunningham and GBM Developers (2019). </a:t>
+            </a:r>
+            <a:r>
+              <a:rPr sz="1800" dirty="0" err="1"/>
+              <a:t>gbm</a:t>
+            </a:r>
+            <a:r>
+              <a:rPr sz="1800" dirty="0"/>
+              <a:t>: Generalized Boosted Regression Models. R package version 2.1.5. </a:t>
+            </a:r>
+            <a:r>
+              <a:rPr sz="1800" dirty="0">
+                <a:hlinkClick r:id="rId2"/>
+              </a:rPr>
+              <a:t>https://CRAN.R-project.org/package=gbm</a:t>
+            </a:r>
+            <a:r>
+              <a:rPr sz="1800" dirty="0"/>
               <a:t> </a:t>
             </a:r>
-            <a:r>
-              <a:rPr/>
-              <a:t>de</a:t>
-            </a:r>
-            <a:r>
-              <a:rPr/>
-              <a:t> </a:t>
-            </a:r>
-            <a:r>
-              <a:rPr/>
-              <a:t>boosting</a:t>
-            </a:r>
-            <a:r>
-              <a:rPr/>
-              <a:t> </a:t>
-            </a:r>
-            <a:r>
-              <a:rPr/>
-              <a:t>de</a:t>
-            </a:r>
-            <a:r>
-              <a:rPr/>
-              <a:t> </a:t>
-            </a:r>
-            <a:r>
-              <a:rPr/>
-              <a:t>gradient</a:t>
-            </a:r>
-            <a:r>
-              <a:rPr/>
-              <a:t> </a:t>
-            </a:r>
-            <a:r>
-              <a:rPr/>
-              <a:t>stochastique</a:t>
-            </a:r>
-            <a:r>
-              <a:rPr/>
-              <a:t> </a:t>
-            </a:r>
-            <a:r>
-              <a:rPr/>
-              <a:t>(suite)</a:t>
-            </a:r>
-          </a:p>
-        </p:txBody>
-      </p:sp>
-      <p:pic>
-        <p:nvPicPr>
-          <p:cNvPr descr="PP_files/figure-pptx/unnamed-chunk-20-1.png" id="0" name="Picture 1"/>
-          <p:cNvPicPr>
-            <a:picLocks noGrp="1" noChangeAspect="1"/>
-          </p:cNvPicPr>
-          <p:nvPr/>
-        </p:nvPicPr>
-        <p:blipFill>
-          <a:blip r:embed="rId2"/>
-          <a:stretch>
-            <a:fillRect/>
-          </a:stretch>
-        </p:blipFill>
-        <p:spPr bwMode="auto">
-          <a:xfrm>
-            <a:off x="2540000" y="2159000"/>
-            <a:ext cx="4838700" cy="3873500"/>
-          </a:xfrm>
-          <a:prstGeom prst="rect">
-            <a:avLst/>
-          </a:prstGeom>
-          <a:noFill/>
-          <a:ln w="9525">
-            <a:noFill/>
-            <a:headEnd/>
-            <a:tailEnd/>
-          </a:ln>
-        </p:spPr>
-      </p:pic>
+          </a:p>
+          <a:p>
+            <a:pPr lvl="1">
+              <a:buAutoNum type="arabicPeriod" startAt="5"/>
+            </a:pPr>
+            <a:r>
+              <a:rPr sz="1800" dirty="0"/>
+              <a:t>Jerome Friedman, Trevor Hastie, Robert </a:t>
+            </a:r>
+            <a:r>
+              <a:rPr sz="1800" dirty="0" err="1"/>
+              <a:t>Tibshirani</a:t>
+            </a:r>
+            <a:r>
+              <a:rPr sz="1800" dirty="0"/>
+              <a:t> (2010). Regularization Paths for Generalized Linear Models via Coordinate Descent. Journal of Statistical Software, 33(1), 1-22. URL </a:t>
+            </a:r>
+            <a:r>
+              <a:rPr sz="1800" dirty="0">
+                <a:hlinkClick r:id="rId3"/>
+              </a:rPr>
+              <a:t>http://www.jstatsoft.org/v33/i01/</a:t>
+            </a:r>
+            <a:r>
+              <a:rPr sz="1800" dirty="0"/>
+              <a:t>. </a:t>
+            </a:r>
+          </a:p>
+          <a:p>
+            <a:pPr lvl="1">
+              <a:buAutoNum type="arabicPeriod" startAt="5"/>
+            </a:pPr>
+            <a:r>
+              <a:rPr sz="1800" dirty="0"/>
+              <a:t>Alina </a:t>
+            </a:r>
+            <a:r>
+              <a:rPr sz="1800" dirty="0" err="1"/>
+              <a:t>Beygelzimer</a:t>
+            </a:r>
+            <a:r>
+              <a:rPr sz="1800" dirty="0"/>
+              <a:t>, Sham </a:t>
+            </a:r>
+            <a:r>
+              <a:rPr sz="1800" dirty="0" err="1"/>
+              <a:t>Kakadet</a:t>
+            </a:r>
+            <a:r>
+              <a:rPr sz="1800" dirty="0"/>
+              <a:t>, John Langford, Sunil Arya, David Mount and </a:t>
+            </a:r>
+            <a:r>
+              <a:rPr sz="1800" dirty="0" err="1"/>
+              <a:t>Shengqiao</a:t>
+            </a:r>
+            <a:r>
+              <a:rPr sz="1800" dirty="0"/>
+              <a:t> Li (2019). FNN: Fast Nearest Neighbor Search Algorithms and Applications. R package version 1.1.3. </a:t>
+            </a:r>
+            <a:r>
+              <a:rPr sz="1800" dirty="0">
+                <a:hlinkClick r:id="rId4"/>
+              </a:rPr>
+              <a:t>https://CRAN.R-project.org/package=FNN</a:t>
+            </a:r>
+          </a:p>
+        </p:txBody>
+      </p:sp>
     </p:spTree>
   </p:cSld>
-</p:sld>
-</file>
-
-<file path=ppt/slides/slide36.xml><?xml version="1.0" encoding="utf-8"?>
-<p:sld xmlns:a="http://schemas.openxmlformats.org/drawingml/2006/main" xmlns:r="http://schemas.openxmlformats.org/officeDocument/2006/relationships" xmlns:p="http://schemas.openxmlformats.org/presentationml/2006/main">
-  <p:cSld>
-    <p:spTree>
-      <p:nvGrpSpPr>
-        <p:cNvPr id="1" name=""/>
-        <p:cNvGrpSpPr/>
-        <p:nvPr/>
-      </p:nvGrpSpPr>
-      <p:grpSpPr>
-        <a:xfrm>
-          <a:off x="0" y="0"/>
-          <a:ext cx="0" cy="0"/>
-          <a:chOff x="0" y="0"/>
-          <a:chExt cx="0" cy="0"/>
-        </a:xfrm>
-      </p:grpSpPr>
-      <p:sp>
-        <p:nvSpPr>
-          <p:cNvPr id="2" name="Title 1"/>
-          <p:cNvSpPr>
-            <a:spLocks noGrp="1"/>
-          </p:cNvSpPr>
-          <p:nvPr>
-            <p:ph type="title"/>
-          </p:nvPr>
-        </p:nvSpPr>
-        <p:spPr/>
-        <p:txBody>
-          <a:bodyPr/>
-          <a:lstStyle/>
-          <a:p>
-            <a:pPr lvl="0" marL="0" indent="0">
-              <a:buNone/>
-            </a:pPr>
-            <a:r>
-              <a:rPr/>
-              <a:t>Modèle</a:t>
-            </a:r>
-            <a:r>
-              <a:rPr/>
-              <a:t> </a:t>
-            </a:r>
-            <a:r>
-              <a:rPr/>
-              <a:t>de</a:t>
-            </a:r>
-            <a:r>
-              <a:rPr/>
-              <a:t> </a:t>
-            </a:r>
-            <a:r>
-              <a:rPr/>
-              <a:t>boosting</a:t>
-            </a:r>
-            <a:r>
-              <a:rPr/>
-              <a:t> </a:t>
-            </a:r>
-            <a:r>
-              <a:rPr/>
-              <a:t>de</a:t>
-            </a:r>
-            <a:r>
-              <a:rPr/>
-              <a:t> </a:t>
-            </a:r>
-            <a:r>
-              <a:rPr/>
-              <a:t>gradient</a:t>
-            </a:r>
-            <a:r>
-              <a:rPr/>
-              <a:t> </a:t>
-            </a:r>
-            <a:r>
-              <a:rPr/>
-              <a:t>stochastique</a:t>
-            </a:r>
-            <a:r>
-              <a:rPr/>
-              <a:t> </a:t>
-            </a:r>
-            <a:r>
-              <a:rPr/>
-              <a:t>(suite)</a:t>
-            </a:r>
-          </a:p>
-        </p:txBody>
-      </p:sp>
-      <p:pic>
-        <p:nvPicPr>
-          <p:cNvPr descr="PP_files/figure-pptx/unnamed-chunk-21-1.png" id="0" name="Picture 1"/>
-          <p:cNvPicPr>
-            <a:picLocks noGrp="1" noChangeAspect="1"/>
-          </p:cNvPicPr>
-          <p:nvPr/>
-        </p:nvPicPr>
-        <p:blipFill>
-          <a:blip r:embed="rId2"/>
-          <a:stretch>
-            <a:fillRect/>
-          </a:stretch>
-        </p:blipFill>
-        <p:spPr bwMode="auto">
-          <a:xfrm>
-            <a:off x="2540000" y="2159000"/>
-            <a:ext cx="4838700" cy="3873500"/>
-          </a:xfrm>
-          <a:prstGeom prst="rect">
-            <a:avLst/>
-          </a:prstGeom>
-          <a:noFill/>
-          <a:ln w="9525">
-            <a:noFill/>
-            <a:headEnd/>
-            <a:tailEnd/>
-          </a:ln>
-        </p:spPr>
-      </p:pic>
-    </p:spTree>
-  </p:cSld>
-</p:sld>
-</file>
-
-<file path=ppt/slides/slide37.xml><?xml version="1.0" encoding="utf-8"?>
-<p:sld xmlns:a="http://schemas.openxmlformats.org/drawingml/2006/main" xmlns:r="http://schemas.openxmlformats.org/officeDocument/2006/relationships" xmlns:p="http://schemas.openxmlformats.org/presentationml/2006/main">
-  <p:cSld>
-    <p:spTree>
-      <p:nvGrpSpPr>
-        <p:cNvPr id="1" name=""/>
-        <p:cNvGrpSpPr/>
-        <p:nvPr/>
-      </p:nvGrpSpPr>
-      <p:grpSpPr>
-        <a:xfrm>
-          <a:off x="0" y="0"/>
-          <a:ext cx="0" cy="0"/>
-          <a:chOff x="0" y="0"/>
-          <a:chExt cx="0" cy="0"/>
-        </a:xfrm>
-      </p:grpSpPr>
-      <p:sp>
-        <p:nvSpPr>
-          <p:cNvPr id="2" name="Title 1"/>
-          <p:cNvSpPr>
-            <a:spLocks noGrp="1"/>
-          </p:cNvSpPr>
-          <p:nvPr>
-            <p:ph type="title"/>
-          </p:nvPr>
-        </p:nvSpPr>
-        <p:spPr/>
-        <p:txBody>
-          <a:bodyPr/>
-          <a:lstStyle/>
-          <a:p>
-            <a:pPr lvl="0" marL="0" indent="0">
-              <a:buNone/>
-            </a:pPr>
-            <a:r>
-              <a:rPr/>
-              <a:t>Modèle</a:t>
-            </a:r>
-            <a:r>
-              <a:rPr/>
-              <a:t> </a:t>
-            </a:r>
-            <a:r>
-              <a:rPr/>
-              <a:t>de</a:t>
-            </a:r>
-            <a:r>
-              <a:rPr/>
-              <a:t> </a:t>
-            </a:r>
-            <a:r>
-              <a:rPr/>
-              <a:t>boosting</a:t>
-            </a:r>
-            <a:r>
-              <a:rPr/>
-              <a:t> </a:t>
-            </a:r>
-            <a:r>
-              <a:rPr/>
-              <a:t>de</a:t>
-            </a:r>
-            <a:r>
-              <a:rPr/>
-              <a:t> </a:t>
-            </a:r>
-            <a:r>
-              <a:rPr/>
-              <a:t>gradient</a:t>
-            </a:r>
-            <a:r>
-              <a:rPr/>
-              <a:t> </a:t>
-            </a:r>
-            <a:r>
-              <a:rPr/>
-              <a:t>stochastique</a:t>
-            </a:r>
-            <a:r>
-              <a:rPr/>
-              <a:t> </a:t>
-            </a:r>
-            <a:r>
-              <a:rPr/>
-              <a:t>(suite)</a:t>
-            </a:r>
-          </a:p>
-        </p:txBody>
-      </p:sp>
-      <p:pic>
-        <p:nvPicPr>
-          <p:cNvPr descr="PP_files/figure-pptx/unnamed-chunk-22-1.png" id="0" name="Picture 1"/>
-          <p:cNvPicPr>
-            <a:picLocks noGrp="1" noChangeAspect="1"/>
-          </p:cNvPicPr>
-          <p:nvPr/>
-        </p:nvPicPr>
-        <p:blipFill>
-          <a:blip r:embed="rId2"/>
-          <a:stretch>
-            <a:fillRect/>
-          </a:stretch>
-        </p:blipFill>
-        <p:spPr bwMode="auto">
-          <a:xfrm>
-            <a:off x="2540000" y="2159000"/>
-            <a:ext cx="4838700" cy="3873500"/>
-          </a:xfrm>
-          <a:prstGeom prst="rect">
-            <a:avLst/>
-          </a:prstGeom>
-          <a:noFill/>
-          <a:ln w="9525">
-            <a:noFill/>
-            <a:headEnd/>
-            <a:tailEnd/>
-          </a:ln>
-        </p:spPr>
-      </p:pic>
-    </p:spTree>
-  </p:cSld>
-</p:sld>
-</file>
-
-<file path=ppt/slides/slide38.xml><?xml version="1.0" encoding="utf-8"?>
-<p:sld xmlns:a="http://schemas.openxmlformats.org/drawingml/2006/main" xmlns:r="http://schemas.openxmlformats.org/officeDocument/2006/relationships" xmlns:p="http://schemas.openxmlformats.org/presentationml/2006/main">
-  <p:cSld>
-    <p:spTree>
-      <p:nvGrpSpPr>
-        <p:cNvPr id="1" name=""/>
-        <p:cNvGrpSpPr/>
-        <p:nvPr/>
-      </p:nvGrpSpPr>
-      <p:grpSpPr>
-        <a:xfrm>
-          <a:off x="0" y="0"/>
-          <a:ext cx="0" cy="0"/>
-          <a:chOff x="0" y="0"/>
-          <a:chExt cx="0" cy="0"/>
-        </a:xfrm>
-      </p:grpSpPr>
-      <p:sp>
-        <p:nvSpPr>
-          <p:cNvPr id="2" name="Title 1"/>
-          <p:cNvSpPr>
-            <a:spLocks noGrp="1"/>
-          </p:cNvSpPr>
-          <p:nvPr>
-            <p:ph type="title"/>
-          </p:nvPr>
-        </p:nvSpPr>
-        <p:spPr/>
-        <p:txBody>
-          <a:bodyPr/>
-          <a:lstStyle/>
-          <a:p>
-            <a:pPr lvl="0" marL="0" indent="0">
-              <a:buNone/>
-            </a:pPr>
-            <a:r>
-              <a:rPr/>
-              <a:t>Conclusion</a:t>
-            </a:r>
-          </a:p>
-        </p:txBody>
-      </p:sp>
-      <p:sp>
-        <p:nvSpPr>
-          <p:cNvPr id="3" name="Content Placeholder 2"/>
-          <p:cNvSpPr>
-            <a:spLocks noGrp="1"/>
-          </p:cNvSpPr>
-          <p:nvPr>
-            <p:ph idx="1"/>
-          </p:nvPr>
-        </p:nvSpPr>
-        <p:spPr/>
-        <p:txBody>
-          <a:bodyPr/>
-          <a:lstStyle/>
-          <a:p>
-            <a:pPr lvl="1"/>
-            <a:r>
-              <a:rPr/>
-              <a:t>Modèle </a:t>
-            </a:r>
-            <a:r>
-              <a:rPr i="1"/>
-              <a:t>GBM</a:t>
-            </a:r>
-            <a:r>
-              <a:rPr/>
-              <a:t> retenu</a:t>
-            </a:r>
-          </a:p>
-          <a:p>
-            <a:pPr lvl="1"/>
-            <a:r>
-              <a:rPr/>
-              <a:t>Limitations</a:t>
-            </a:r>
-          </a:p>
-          <a:p>
-            <a:pPr lvl="2"/>
-            <a:r>
-              <a:rPr/>
-              <a:t>Échelle logarithmique</a:t>
-            </a:r>
-          </a:p>
-          <a:p>
-            <a:pPr lvl="2"/>
-            <a:r>
-              <a:rPr/>
-              <a:t>Effet de l’inflation</a:t>
-            </a:r>
-          </a:p>
-          <a:p>
-            <a:pPr lvl="1"/>
-            <a:r>
-              <a:rPr/>
-              <a:t>Possibilité d’utilisation dans d’autres zones géographiques</a:t>
-            </a:r>
-          </a:p>
-        </p:txBody>
-      </p:sp>
-    </p:spTree>
-  </p:cSld>
-</p:sld>
-</file>
-
-<file path=ppt/slides/slide39.xml><?xml version="1.0" encoding="utf-8"?>
-<p:sld xmlns:a="http://schemas.openxmlformats.org/drawingml/2006/main" xmlns:r="http://schemas.openxmlformats.org/officeDocument/2006/relationships" xmlns:p="http://schemas.openxmlformats.org/presentationml/2006/main">
-  <p:cSld>
-    <p:spTree>
-      <p:nvGrpSpPr>
-        <p:cNvPr id="1" name=""/>
-        <p:cNvGrpSpPr/>
-        <p:nvPr/>
-      </p:nvGrpSpPr>
-      <p:grpSpPr>
-        <a:xfrm>
-          <a:off x="0" y="0"/>
-          <a:ext cx="0" cy="0"/>
-          <a:chOff x="0" y="0"/>
-          <a:chExt cx="0" cy="0"/>
-        </a:xfrm>
-      </p:grpSpPr>
-      <p:sp>
-        <p:nvSpPr>
-          <p:cNvPr id="2" name="Title 1"/>
-          <p:cNvSpPr>
-            <a:spLocks noGrp="1"/>
-          </p:cNvSpPr>
-          <p:nvPr>
-            <p:ph type="title"/>
-          </p:nvPr>
-        </p:nvSpPr>
-        <p:spPr/>
-        <p:txBody>
-          <a:bodyPr/>
-          <a:lstStyle/>
-          <a:p>
-            <a:pPr lvl="0" marL="0" indent="0">
-              <a:buNone/>
-            </a:pPr>
-            <a:r>
-              <a:rPr/>
-              <a:t>Bibliographie</a:t>
-            </a:r>
-          </a:p>
-        </p:txBody>
-      </p:sp>
-      <p:sp>
-        <p:nvSpPr>
-          <p:cNvPr id="3" name="Content Placeholder 2"/>
-          <p:cNvSpPr>
-            <a:spLocks noGrp="1"/>
-          </p:cNvSpPr>
-          <p:nvPr>
-            <p:ph idx="1"/>
-          </p:nvPr>
-        </p:nvSpPr>
-        <p:spPr/>
-        <p:txBody>
-          <a:bodyPr/>
-          <a:lstStyle/>
-          <a:p>
-            <a:pPr lvl="1">
-              <a:buAutoNum type="arabicPeriod"/>
-            </a:pPr>
-            <a:r>
-              <a:rPr/>
-              <a:t>Kaggle, harlfoxen (2017). House sales in King County, USA. Récupéré le 27 février 2020 de </a:t>
-            </a:r>
-            <a:r>
-              <a:rPr>
-                <a:hlinkClick r:id="rId2"/>
-              </a:rPr>
-              <a:t>https://www.kaggle.com/harlfoxem/housesalesprediction</a:t>
-            </a:r>
-            <a:r>
-              <a:rPr/>
-              <a:t>. </a:t>
-            </a:r>
-          </a:p>
-          <a:p>
-            <a:pPr lvl="1">
-              <a:buAutoNum type="arabicPeriod"/>
-            </a:pPr>
-            <a:r>
-              <a:rPr/>
-              <a:t>Max Kuhn (2020). caret: Classification and Regression Training. R package version 6.0-85. </a:t>
-            </a:r>
-            <a:r>
-              <a:rPr>
-                <a:hlinkClick r:id="rId3"/>
-              </a:rPr>
-              <a:t>https://CRAN.R-project.org/package=caret</a:t>
-            </a:r>
-            <a:r>
-              <a:rPr/>
-              <a:t> </a:t>
-            </a:r>
-          </a:p>
-          <a:p>
-            <a:pPr lvl="1">
-              <a:buAutoNum type="arabicPeriod"/>
-            </a:pPr>
-            <a:r>
-              <a:rPr/>
-              <a:t>Terry Therneau and Beth Atkinson (2019). rpart: Recursive Partitioning and Regression Trees. R package version 4.1-15. </a:t>
-            </a:r>
-            <a:r>
-              <a:rPr>
-                <a:hlinkClick r:id="rId4"/>
-              </a:rPr>
-              <a:t>https://CRAN.R-project.org/package=rpart</a:t>
-            </a:r>
-            <a:r>
-              <a:rPr/>
-              <a:t> </a:t>
-            </a:r>
-          </a:p>
-          <a:p>
-            <a:pPr lvl="1">
-              <a:buAutoNum type="arabicPeriod"/>
-            </a:pPr>
-            <a:r>
-              <a:rPr/>
-              <a:t>Stephen Milborrow (2019). rpart.plot: Plot ‘rpart’ Models: An Enhanced Version of ‘plot.rpart’. R package version 3.0.8. </a:t>
-            </a:r>
-            <a:r>
-              <a:rPr>
-                <a:hlinkClick r:id="rId5"/>
-              </a:rPr>
-              <a:t>https://CRAN.R-project.org/package=rpart.plot</a:t>
-            </a:r>
-          </a:p>
-        </p:txBody>
-      </p:sp>
-    </p:spTree>
-  </p:cSld>
+  <p:clrMapOvr>
+    <a:masterClrMapping/>
+  </p:clrMapOvr>
 </p:sld>
 </file>
 
@@ -10498,196 +11082,151 @@
           <a:bodyPr/>
           <a:lstStyle/>
           <a:p>
-            <a:pPr lvl="0" marL="0" indent="0">
+            <a:pPr marL="0" lvl="0" indent="0">
               <a:buNone/>
             </a:pPr>
             <a:r>
-              <a:rPr/>
-              <a:t>Description</a:t>
-            </a:r>
-            <a:r>
-              <a:rPr/>
+              <a:t>Description du problème</a:t>
+            </a:r>
+          </a:p>
+        </p:txBody>
+      </p:sp>
+      <p:sp>
+        <p:nvSpPr>
+          <p:cNvPr id="3" name="Content Placeholder 2"/>
+          <p:cNvSpPr>
+            <a:spLocks noGrp="1"/>
+          </p:cNvSpPr>
+          <p:nvPr>
+            <p:ph idx="1"/>
+          </p:nvPr>
+        </p:nvSpPr>
+        <p:spPr/>
+        <p:txBody>
+          <a:bodyPr>
+            <a:normAutofit/>
+          </a:bodyPr>
+          <a:lstStyle/>
+          <a:p>
+            <a:pPr lvl="1"/>
+            <a:r>
+              <a:rPr sz="1800" dirty="0" err="1"/>
+              <a:t>Quelques</a:t>
+            </a:r>
+            <a:r>
+              <a:rPr sz="1800" dirty="0"/>
               <a:t> </a:t>
             </a:r>
             <a:r>
-              <a:rPr/>
-              <a:t>du</a:t>
-            </a:r>
-            <a:r>
-              <a:rPr/>
+              <a:rPr sz="1800" dirty="0" err="1"/>
+              <a:t>utilités</a:t>
+            </a:r>
+            <a:r>
+              <a:rPr sz="1800" dirty="0"/>
               <a:t> </a:t>
             </a:r>
             <a:r>
-              <a:rPr/>
-              <a:t>problème</a:t>
-            </a:r>
-          </a:p>
-        </p:txBody>
-      </p:sp>
-      <p:sp>
-        <p:nvSpPr>
-          <p:cNvPr id="3" name="Content Placeholder 2"/>
-          <p:cNvSpPr>
-            <a:spLocks noGrp="1"/>
-          </p:cNvSpPr>
-          <p:nvPr>
-            <p:ph idx="1"/>
-          </p:nvPr>
-        </p:nvSpPr>
-        <p:spPr/>
-        <p:txBody>
-          <a:bodyPr/>
-          <a:lstStyle/>
-          <a:p>
-            <a:pPr lvl="1"/>
-            <a:r>
-              <a:rPr/>
-              <a:t>Quelques utilités actuarielles</a:t>
-            </a:r>
+              <a:rPr sz="1800" dirty="0" err="1"/>
+              <a:t>actuarielles</a:t>
+            </a:r>
+            <a:endParaRPr sz="1800" dirty="0"/>
           </a:p>
           <a:p>
             <a:pPr lvl="2"/>
             <a:r>
-              <a:rPr/>
-              <a:t>Futures soumissions d’assurance habitation</a:t>
+              <a:rPr sz="1600" dirty="0"/>
+              <a:t>Futures </a:t>
+            </a:r>
+            <a:r>
+              <a:rPr sz="1600" dirty="0" err="1"/>
+              <a:t>soumissions</a:t>
+            </a:r>
+            <a:r>
+              <a:rPr sz="1600" dirty="0"/>
+              <a:t> </a:t>
+            </a:r>
+            <a:r>
+              <a:rPr sz="1600" dirty="0" err="1"/>
+              <a:t>d’assurance</a:t>
+            </a:r>
+            <a:r>
+              <a:rPr sz="1600" dirty="0"/>
+              <a:t> habitation</a:t>
             </a:r>
           </a:p>
           <a:p>
             <a:pPr lvl="2"/>
             <a:r>
-              <a:rPr/>
-              <a:t>Prêts hypothécaire à des fins de hedging</a:t>
-            </a:r>
-          </a:p>
-        </p:txBody>
-      </p:sp>
+              <a:rPr sz="1600" dirty="0" err="1"/>
+              <a:t>Prêts</a:t>
+            </a:r>
+            <a:r>
+              <a:rPr sz="1600" dirty="0"/>
+              <a:t> </a:t>
+            </a:r>
+            <a:r>
+              <a:rPr sz="1600" dirty="0" err="1"/>
+              <a:t>hypothécaire</a:t>
+            </a:r>
+            <a:r>
+              <a:rPr sz="1600" dirty="0"/>
+              <a:t> à des fins de hedging</a:t>
+            </a:r>
+          </a:p>
+        </p:txBody>
+      </p:sp>
+      <p:pic>
+        <p:nvPicPr>
+          <p:cNvPr id="3074" name="Picture 2" descr="Est-ce que votre assurance habitation couvre votre ordinateur ...">
+            <a:extLst>
+              <a:ext uri="{FF2B5EF4-FFF2-40B4-BE49-F238E27FC236}">
+                <a16:creationId xmlns:a16="http://schemas.microsoft.com/office/drawing/2014/main" id="{0CB4A5AC-96DA-4BC0-AD66-6428A7D2C2FF}"/>
+              </a:ext>
+            </a:extLst>
+          </p:cNvPr>
+          <p:cNvPicPr>
+            <a:picLocks noChangeAspect="1" noChangeArrowheads="1"/>
+          </p:cNvPicPr>
+          <p:nvPr/>
+        </p:nvPicPr>
+        <p:blipFill>
+          <a:blip r:embed="rId2">
+            <a:extLst>
+              <a:ext uri="{28A0092B-C50C-407E-A947-70E740481C1C}">
+                <a14:useLocalDpi xmlns:a14="http://schemas.microsoft.com/office/drawing/2010/main" val="0"/>
+              </a:ext>
+            </a:extLst>
+          </a:blip>
+          <a:srcRect/>
+          <a:stretch>
+            <a:fillRect/>
+          </a:stretch>
+        </p:blipFill>
+        <p:spPr bwMode="auto">
+          <a:xfrm>
+            <a:off x="5565898" y="3519297"/>
+            <a:ext cx="3367087" cy="2522065"/>
+          </a:xfrm>
+          <a:prstGeom prst="rect">
+            <a:avLst/>
+          </a:prstGeom>
+          <a:noFill/>
+          <a:extLst>
+            <a:ext uri="{909E8E84-426E-40DD-AFC4-6F175D3DCCD1}">
+              <a14:hiddenFill xmlns:a14="http://schemas.microsoft.com/office/drawing/2010/main">
+                <a:solidFill>
+                  <a:srgbClr val="FFFFFF"/>
+                </a:solidFill>
+              </a14:hiddenFill>
+            </a:ext>
+          </a:extLst>
+        </p:spPr>
+      </p:pic>
     </p:spTree>
   </p:cSld>
-</p:sld>
-</file>
-
-<file path=ppt/slides/slide40.xml><?xml version="1.0" encoding="utf-8"?>
-<p:sld xmlns:a="http://schemas.openxmlformats.org/drawingml/2006/main" xmlns:r="http://schemas.openxmlformats.org/officeDocument/2006/relationships" xmlns:p="http://schemas.openxmlformats.org/presentationml/2006/main">
-  <p:cSld>
-    <p:spTree>
-      <p:nvGrpSpPr>
-        <p:cNvPr id="1" name=""/>
-        <p:cNvGrpSpPr/>
-        <p:nvPr/>
-      </p:nvGrpSpPr>
-      <p:grpSpPr>
-        <a:xfrm>
-          <a:off x="0" y="0"/>
-          <a:ext cx="0" cy="0"/>
-          <a:chOff x="0" y="0"/>
-          <a:chExt cx="0" cy="0"/>
-        </a:xfrm>
-      </p:grpSpPr>
-      <p:sp>
-        <p:nvSpPr>
-          <p:cNvPr id="2" name="Title 1"/>
-          <p:cNvSpPr>
-            <a:spLocks noGrp="1"/>
-          </p:cNvSpPr>
-          <p:nvPr>
-            <p:ph type="title"/>
-          </p:nvPr>
-        </p:nvSpPr>
-        <p:spPr/>
-        <p:txBody>
-          <a:bodyPr/>
-          <a:lstStyle/>
-          <a:p>
-            <a:pPr lvl="0" marL="0" indent="0">
-              <a:buNone/>
-            </a:pPr>
-            <a:r>
-              <a:rPr/>
-              <a:t>Bibliographie</a:t>
-            </a:r>
-          </a:p>
-        </p:txBody>
-      </p:sp>
-      <p:sp>
-        <p:nvSpPr>
-          <p:cNvPr id="3" name="Content Placeholder 2"/>
-          <p:cNvSpPr>
-            <a:spLocks noGrp="1"/>
-          </p:cNvSpPr>
-          <p:nvPr>
-            <p:ph idx="1"/>
-          </p:nvPr>
-        </p:nvSpPr>
-        <p:spPr/>
-        <p:txBody>
-          <a:bodyPr/>
-          <a:lstStyle/>
-          <a:p>
-            <a:pPr lvl="1">
-              <a:buAutoNum type="arabicPeriod"/>
-            </a:pPr>
-            <a:r>
-              <a:rPr/>
-              <a:t>A. Liaw and M. Wiener (2002). Classification and Regression by randomForest. R News 2(3), 18–22. </a:t>
-            </a:r>
-          </a:p>
-          <a:p>
-            <a:pPr lvl="1">
-              <a:buAutoNum type="arabicPeriod"/>
-            </a:pPr>
-            <a:r>
-              <a:rPr/>
-              <a:t>Brandon Greenwell, Bradley Boehmke, Jay Cunningham and GBM Developers (2019). gbm: Generalized Boosted Regression Models. R package version 2.1.5. </a:t>
-            </a:r>
-            <a:r>
-              <a:rPr>
-                <a:hlinkClick r:id="rId2"/>
-              </a:rPr>
-              <a:t>https://CRAN.R-project.org/package=gbm</a:t>
-            </a:r>
-            <a:r>
-              <a:rPr/>
-              <a:t> </a:t>
-            </a:r>
-          </a:p>
-          <a:p>
-            <a:pPr lvl="1">
-              <a:buAutoNum type="arabicPeriod"/>
-            </a:pPr>
-            <a:r>
-              <a:rPr/>
-              <a:t>Jerome Friedman, Trevor Hastie, Robert Tibshirani (2010). Regularization Paths for Generalized Linear Models via Coordinate Descent. Journal of Statistical Software, 33(1), 1-22. URL </a:t>
-            </a:r>
-            <a:r>
-              <a:rPr>
-                <a:hlinkClick r:id="rId3"/>
-              </a:rPr>
-              <a:t>http://www.jstatsoft.org/v33/i01/</a:t>
-            </a:r>
-            <a:r>
-              <a:rPr/>
-              <a:t>. </a:t>
-            </a:r>
-          </a:p>
-          <a:p>
-            <a:pPr lvl="1">
-              <a:buAutoNum type="arabicPeriod"/>
-            </a:pPr>
-            <a:r>
-              <a:rPr/>
-              <a:t>Alina Beygelzimer, Sham Kakadet, John Langford, Sunil Arya, David Mount and Shengqiao Li (2019). FNN: Fast Nearest Neighbor Search Algorithms and Applications. R package version 1.1.3. </a:t>
-            </a:r>
-            <a:r>
-              <a:rPr>
-                <a:hlinkClick r:id="rId4"/>
-              </a:rPr>
-              <a:t>https://CRAN.R-project.org/package=FNN</a:t>
-            </a:r>
-          </a:p>
-        </p:txBody>
-      </p:sp>
-    </p:spTree>
-  </p:cSld>
+  <p:clrMapOvr>
+    <a:masterClrMapping/>
+  </p:clrMapOvr>
 </p:sld>
 </file>
 
@@ -10723,87 +11262,119 @@
           <a:bodyPr/>
           <a:lstStyle/>
           <a:p>
-            <a:pPr lvl="0" marL="0" indent="0">
+            <a:pPr marL="0" lvl="0" indent="0">
               <a:buNone/>
             </a:pPr>
             <a:r>
-              <a:rPr/>
-              <a:t>Base</a:t>
-            </a:r>
-            <a:r>
-              <a:rPr/>
+              <a:t>Base de données à l’étude</a:t>
+            </a:r>
+          </a:p>
+        </p:txBody>
+      </p:sp>
+      <p:sp>
+        <p:nvSpPr>
+          <p:cNvPr id="3" name="Content Placeholder 2"/>
+          <p:cNvSpPr>
+            <a:spLocks noGrp="1"/>
+          </p:cNvSpPr>
+          <p:nvPr>
+            <p:ph idx="1"/>
+          </p:nvPr>
+        </p:nvSpPr>
+        <p:spPr/>
+        <p:txBody>
+          <a:bodyPr>
+            <a:normAutofit/>
+          </a:bodyPr>
+          <a:lstStyle/>
+          <a:p>
+            <a:pPr lvl="1"/>
+            <a:r>
+              <a:rPr sz="1800" dirty="0"/>
+              <a:t>Prix de vente des </a:t>
+            </a:r>
+            <a:r>
+              <a:rPr sz="1800" dirty="0" err="1"/>
+              <a:t>maisons</a:t>
+            </a:r>
+            <a:r>
+              <a:rPr sz="1800" dirty="0"/>
+              <a:t> dans le </a:t>
+            </a:r>
+            <a:r>
+              <a:rPr sz="1800" dirty="0" err="1"/>
+              <a:t>comté</a:t>
+            </a:r>
+            <a:r>
+              <a:rPr sz="1800" dirty="0"/>
+              <a:t> de King County (Washington, USA)</a:t>
+            </a:r>
+          </a:p>
+          <a:p>
+            <a:pPr lvl="1"/>
+            <a:r>
+              <a:rPr sz="1800" dirty="0" err="1"/>
+              <a:t>Maisons</a:t>
+            </a:r>
+            <a:r>
+              <a:rPr sz="1800" dirty="0"/>
               <a:t> </a:t>
             </a:r>
             <a:r>
-              <a:rPr/>
-              <a:t>de</a:t>
-            </a:r>
-            <a:r>
-              <a:rPr/>
-              <a:t> </a:t>
-            </a:r>
-            <a:r>
-              <a:rPr/>
-              <a:t>données</a:t>
-            </a:r>
-            <a:r>
-              <a:rPr/>
-              <a:t> </a:t>
-            </a:r>
-            <a:r>
-              <a:rPr/>
-              <a:t>à</a:t>
-            </a:r>
-            <a:r>
-              <a:rPr/>
-              <a:t> </a:t>
-            </a:r>
-            <a:r>
-              <a:rPr/>
-              <a:t>l’étude</a:t>
-            </a:r>
-          </a:p>
-        </p:txBody>
-      </p:sp>
-      <p:sp>
-        <p:nvSpPr>
-          <p:cNvPr id="3" name="Content Placeholder 2"/>
-          <p:cNvSpPr>
-            <a:spLocks noGrp="1"/>
-          </p:cNvSpPr>
-          <p:nvPr>
-            <p:ph idx="1"/>
-          </p:nvPr>
-        </p:nvSpPr>
-        <p:spPr/>
-        <p:txBody>
-          <a:bodyPr/>
-          <a:lstStyle/>
+              <a:rPr sz="1800" dirty="0" err="1"/>
+              <a:t>vendues</a:t>
+            </a:r>
+            <a:r>
+              <a:rPr sz="1800" dirty="0"/>
+              <a:t> entre </a:t>
+            </a:r>
+            <a:r>
+              <a:rPr sz="1800" dirty="0" err="1"/>
+              <a:t>mai</a:t>
+            </a:r>
+            <a:r>
+              <a:rPr sz="1800" dirty="0"/>
+              <a:t> 2014 et </a:t>
+            </a:r>
+            <a:r>
+              <a:rPr sz="1800" dirty="0" err="1"/>
+              <a:t>mai</a:t>
+            </a:r>
+            <a:r>
+              <a:rPr sz="1800" dirty="0"/>
+              <a:t> 2015</a:t>
+            </a:r>
+          </a:p>
           <a:p>
             <a:pPr lvl="1"/>
             <a:r>
-              <a:rPr/>
-              <a:t>Prix de vente des maisons dans le comté de King County (Washington, USA)</a:t>
-            </a:r>
-          </a:p>
-          <a:p>
-            <a:pPr lvl="1"/>
-            <a:r>
-              <a:rPr/>
-              <a:t>Maisons vendues entre mai 2014 et mai 2015</a:t>
-            </a:r>
-          </a:p>
-          <a:p>
-            <a:pPr lvl="1"/>
-            <a:r>
-              <a:rPr/>
-              <a:t>21 613 lignes pour 21 colonnes (variables)</a:t>
+              <a:rPr sz="1800" dirty="0"/>
+              <a:t>21 613 </a:t>
+            </a:r>
+            <a:r>
+              <a:rPr sz="1800" dirty="0" err="1"/>
+              <a:t>lignes</a:t>
+            </a:r>
+            <a:r>
+              <a:rPr sz="1800" dirty="0"/>
+              <a:t> pour 21 </a:t>
+            </a:r>
+            <a:r>
+              <a:rPr sz="1800" dirty="0" err="1"/>
+              <a:t>colonnes</a:t>
+            </a:r>
+            <a:r>
+              <a:rPr sz="1800" dirty="0"/>
+              <a:t> (variables)</a:t>
             </a:r>
           </a:p>
         </p:txBody>
       </p:sp>
     </p:spTree>
   </p:cSld>
+  <p:clrMapOvr>
+    <a:masterClrMapping/>
+  </p:clrMapOvr>
 </p:sld>
 </file>
 
@@ -10839,28 +11410,11 @@
           <a:bodyPr/>
           <a:lstStyle/>
           <a:p>
-            <a:pPr lvl="0" marL="0" indent="0">
+            <a:pPr marL="0" lvl="0" indent="0">
               <a:buNone/>
             </a:pPr>
             <a:r>
-              <a:rPr/>
-              <a:t>Prétraitement</a:t>
-            </a:r>
-            <a:r>
-              <a:rPr/>
-              <a:t> </a:t>
-            </a:r>
-            <a:r>
-              <a:rPr/>
-              <a:t>des</a:t>
-            </a:r>
-            <a:r>
-              <a:rPr/>
-              <a:t> </a:t>
-            </a:r>
-            <a:r>
-              <a:rPr/>
-              <a:t>données</a:t>
+              <a:t>Prétraitement des données</a:t>
             </a:r>
           </a:p>
         </p:txBody>
@@ -10882,63 +11436,91 @@
           <a:p>
             <a:pPr lvl="1"/>
             <a:r>
-              <a:rPr/>
-              <a:t>Traitements des erreurs</a:t>
-            </a:r>
+              <a:rPr sz="1800" dirty="0" err="1"/>
+              <a:t>Traitements</a:t>
+            </a:r>
+            <a:r>
+              <a:rPr sz="1800" dirty="0"/>
+              <a:t> des </a:t>
+            </a:r>
+            <a:r>
+              <a:rPr sz="1800" dirty="0" err="1"/>
+              <a:t>erreurs</a:t>
+            </a:r>
+            <a:endParaRPr sz="1800" dirty="0"/>
           </a:p>
           <a:p>
             <a:pPr lvl="2"/>
             <a:r>
-              <a:rPr/>
+              <a:rPr sz="1600" dirty="0" err="1"/>
               <a:t>Doublons</a:t>
             </a:r>
+            <a:endParaRPr sz="1600" dirty="0"/>
           </a:p>
           <a:p>
             <a:pPr lvl="2"/>
             <a:r>
-              <a:rPr/>
-              <a:t>Suppression de données</a:t>
-            </a:r>
+              <a:rPr sz="1600" dirty="0"/>
+              <a:t>Suppression de </a:t>
+            </a:r>
+            <a:r>
+              <a:rPr sz="1600" dirty="0" err="1"/>
+              <a:t>données</a:t>
+            </a:r>
+            <a:endParaRPr sz="1600" dirty="0"/>
           </a:p>
           <a:p>
             <a:pPr lvl="1"/>
             <a:r>
-              <a:rPr/>
-              <a:t>Variables retirées</a:t>
-            </a:r>
+              <a:rPr sz="1800" dirty="0"/>
+              <a:t>Variables </a:t>
+            </a:r>
+            <a:r>
+              <a:rPr sz="1800" dirty="0" err="1"/>
+              <a:t>retirées</a:t>
+            </a:r>
+            <a:endParaRPr sz="1800" dirty="0"/>
           </a:p>
           <a:p>
             <a:pPr lvl="1"/>
             <a:r>
-              <a:rPr/>
-              <a:t>Création de variables</a:t>
+              <a:rPr sz="1800" dirty="0" err="1"/>
+              <a:t>Création</a:t>
+            </a:r>
+            <a:r>
+              <a:rPr sz="1800" dirty="0"/>
+              <a:t> de variables</a:t>
             </a:r>
           </a:p>
           <a:p>
             <a:pPr lvl="2"/>
             <a:r>
-              <a:rPr i="1"/>
+              <a:rPr sz="1600" i="1" dirty="0"/>
               <a:t>age</a:t>
             </a:r>
           </a:p>
           <a:p>
             <a:pPr lvl="2"/>
             <a:r>
-              <a:rPr i="1"/>
+              <a:rPr sz="1600" i="1" dirty="0"/>
               <a:t>reno</a:t>
             </a:r>
           </a:p>
           <a:p>
             <a:pPr lvl="2"/>
             <a:r>
-              <a:rPr i="1"/>
+              <a:rPr sz="1600" i="1" dirty="0" err="1"/>
               <a:t>expensive_area</a:t>
             </a:r>
+            <a:endParaRPr i="1" dirty="0"/>
           </a:p>
         </p:txBody>
       </p:sp>
     </p:spTree>
   </p:cSld>
+  <p:clrMapOvr>
+    <a:masterClrMapping/>
+  </p:clrMapOvr>
 </p:sld>
 </file>
 
@@ -10974,53 +11556,26 @@
           <a:bodyPr/>
           <a:lstStyle/>
           <a:p>
-            <a:pPr lvl="0" marL="0" indent="0">
+            <a:pPr marL="0" lvl="0" indent="0">
               <a:buNone/>
             </a:pPr>
             <a:r>
-              <a:rPr/>
-              <a:t>Analyse</a:t>
-            </a:r>
-            <a:r>
-              <a:rPr/>
-              <a:t> </a:t>
-            </a:r>
-            <a:r>
-              <a:rPr/>
-              <a:t>exploratoire</a:t>
-            </a:r>
-            <a:r>
-              <a:rPr/>
-              <a:t> </a:t>
-            </a:r>
-            <a:r>
-              <a:rPr/>
-              <a:t>-</a:t>
-            </a:r>
-            <a:r>
-              <a:rPr/>
-              <a:t> </a:t>
-            </a:r>
-            <a:r>
-              <a:rPr/>
-              <a:t>Variable</a:t>
-            </a:r>
-            <a:r>
-              <a:rPr/>
-              <a:t> </a:t>
-            </a:r>
-            <a:r>
-              <a:rPr/>
-              <a:t>réponse</a:t>
+              <a:t>Analyse exploratoire - Variable réponse</a:t>
             </a:r>
           </a:p>
         </p:txBody>
       </p:sp>
       <p:pic>
         <p:nvPicPr>
-          <p:cNvPr descr="PP_files/figure-pptx/unnamed-chunk-1-1.png" id="0" name="Picture 1"/>
+          <p:cNvPr id="4" name="Image 3">
+            <a:extLst>
+              <a:ext uri="{FF2B5EF4-FFF2-40B4-BE49-F238E27FC236}">
+                <a16:creationId xmlns:a16="http://schemas.microsoft.com/office/drawing/2014/main" id="{65D8498E-C9C5-4F10-93E4-3C363B47F3A5}"/>
+              </a:ext>
+            </a:extLst>
+          </p:cNvPr>
           <p:cNvPicPr>
-            <a:picLocks noGrp="1" noChangeAspect="1"/>
+            <a:picLocks noChangeAspect="1"/>
           </p:cNvPicPr>
           <p:nvPr/>
         </p:nvPicPr>
@@ -11030,24 +11585,21 @@
             <a:fillRect/>
           </a:stretch>
         </p:blipFill>
-        <p:spPr bwMode="auto">
+        <p:spPr>
           <a:xfrm>
-            <a:off x="2540000" y="2159000"/>
-            <a:ext cx="4838700" cy="3873500"/>
+            <a:off x="936842" y="1930400"/>
+            <a:ext cx="9167773" cy="4318000"/>
           </a:xfrm>
           <a:prstGeom prst="rect">
             <a:avLst/>
           </a:prstGeom>
-          <a:noFill/>
-          <a:ln w="9525">
-            <a:noFill/>
-            <a:headEnd/>
-            <a:tailEnd/>
-          </a:ln>
         </p:spPr>
       </p:pic>
     </p:spTree>
   </p:cSld>
+  <p:clrMapOvr>
+    <a:masterClrMapping/>
+  </p:clrMapOvr>
 </p:sld>
 </file>
 
@@ -11083,53 +11635,26 @@
           <a:bodyPr/>
           <a:lstStyle/>
           <a:p>
-            <a:pPr lvl="0" marL="0" indent="0">
+            <a:pPr marL="0" lvl="0" indent="0">
               <a:buNone/>
             </a:pPr>
             <a:r>
-              <a:rPr/>
-              <a:t>Analyse</a:t>
-            </a:r>
-            <a:r>
-              <a:rPr/>
-              <a:t> </a:t>
-            </a:r>
-            <a:r>
-              <a:rPr/>
-              <a:t>exploratoire</a:t>
-            </a:r>
-            <a:r>
-              <a:rPr/>
-              <a:t> </a:t>
-            </a:r>
-            <a:r>
-              <a:rPr/>
-              <a:t>-</a:t>
-            </a:r>
-            <a:r>
-              <a:rPr/>
-              <a:t> </a:t>
-            </a:r>
-            <a:r>
-              <a:rPr/>
-              <a:t>Carte</a:t>
-            </a:r>
-            <a:r>
-              <a:rPr/>
-              <a:t> </a:t>
-            </a:r>
-            <a:r>
-              <a:rPr/>
-              <a:t>thermique</a:t>
+              <a:t>Analyse exploratoire - Carte thermique</a:t>
             </a:r>
           </a:p>
         </p:txBody>
       </p:sp>
       <p:pic>
         <p:nvPicPr>
-          <p:cNvPr descr="PP_files/figure-pptx/unnamed-chunk-2-1.png" id="0" name="Picture 1"/>
+          <p:cNvPr id="4" name="Image 3">
+            <a:extLst>
+              <a:ext uri="{FF2B5EF4-FFF2-40B4-BE49-F238E27FC236}">
+                <a16:creationId xmlns:a16="http://schemas.microsoft.com/office/drawing/2014/main" id="{7A7428A5-3DA8-4B65-8633-F76E0F1F29C7}"/>
+              </a:ext>
+            </a:extLst>
+          </p:cNvPr>
           <p:cNvPicPr>
-            <a:picLocks noGrp="1" noChangeAspect="1"/>
+            <a:picLocks noChangeAspect="1"/>
           </p:cNvPicPr>
           <p:nvPr/>
         </p:nvPicPr>
@@ -11139,24 +11664,21 @@
             <a:fillRect/>
           </a:stretch>
         </p:blipFill>
-        <p:spPr bwMode="auto">
+        <p:spPr>
           <a:xfrm>
-            <a:off x="2540000" y="2159000"/>
-            <a:ext cx="4838700" cy="3873500"/>
+            <a:off x="1256200" y="1601673"/>
+            <a:ext cx="7409498" cy="4947301"/>
           </a:xfrm>
           <a:prstGeom prst="rect">
             <a:avLst/>
           </a:prstGeom>
-          <a:noFill/>
-          <a:ln w="9525">
-            <a:noFill/>
-            <a:headEnd/>
-            <a:tailEnd/>
-          </a:ln>
         </p:spPr>
       </p:pic>
     </p:spTree>
   </p:cSld>
+  <p:clrMapOvr>
+    <a:masterClrMapping/>
+  </p:clrMapOvr>
 </p:sld>
 </file>
 
@@ -11192,45 +11714,26 @@
           <a:bodyPr/>
           <a:lstStyle/>
           <a:p>
-            <a:pPr lvl="0" marL="0" indent="0">
+            <a:pPr marL="0" lvl="0" indent="0">
               <a:buNone/>
             </a:pPr>
             <a:r>
-              <a:rPr/>
-              <a:t>Analyse</a:t>
-            </a:r>
-            <a:r>
-              <a:rPr/>
-              <a:t> </a:t>
-            </a:r>
-            <a:r>
-              <a:rPr/>
-              <a:t>en</a:t>
-            </a:r>
-            <a:r>
-              <a:rPr/>
-              <a:t> </a:t>
-            </a:r>
-            <a:r>
-              <a:rPr/>
-              <a:t>composantes</a:t>
-            </a:r>
-            <a:r>
-              <a:rPr/>
-              <a:t> </a:t>
-            </a:r>
-            <a:r>
-              <a:rPr/>
-              <a:t>principales</a:t>
+              <a:t>Analyse en composantes principales</a:t>
             </a:r>
           </a:p>
         </p:txBody>
       </p:sp>
       <p:pic>
         <p:nvPicPr>
-          <p:cNvPr descr="PP_files/figure-pptx/unnamed-chunk-3-1.png" id="0" name="Picture 1"/>
+          <p:cNvPr id="4" name="Image 3">
+            <a:extLst>
+              <a:ext uri="{FF2B5EF4-FFF2-40B4-BE49-F238E27FC236}">
+                <a16:creationId xmlns:a16="http://schemas.microsoft.com/office/drawing/2014/main" id="{958E7A10-00B1-4D85-8127-B83BEF1BA72D}"/>
+              </a:ext>
+            </a:extLst>
+          </p:cNvPr>
           <p:cNvPicPr>
-            <a:picLocks noGrp="1" noChangeAspect="1"/>
+            <a:picLocks noChangeAspect="1"/>
           </p:cNvPicPr>
           <p:nvPr/>
         </p:nvPicPr>
@@ -11240,24 +11743,21 @@
             <a:fillRect/>
           </a:stretch>
         </p:blipFill>
-        <p:spPr bwMode="auto">
+        <p:spPr>
           <a:xfrm>
-            <a:off x="2540000" y="2159000"/>
-            <a:ext cx="4838700" cy="3873500"/>
+            <a:off x="2917998" y="1597246"/>
+            <a:ext cx="5743868" cy="4975004"/>
           </a:xfrm>
           <a:prstGeom prst="rect">
             <a:avLst/>
           </a:prstGeom>
-          <a:noFill/>
-          <a:ln w="9525">
-            <a:noFill/>
-            <a:headEnd/>
-            <a:tailEnd/>
-          </a:ln>
         </p:spPr>
       </p:pic>
     </p:spTree>
   </p:cSld>
+  <p:clrMapOvr>
+    <a:masterClrMapping/>
+  </p:clrMapOvr>
 </p:sld>
 </file>
 

--- a/PP.pptx
+++ b/PP.pptx
@@ -6341,8 +6341,8 @@
           </a:p>
         </p:txBody>
       </p:sp>
-      <mc:AlternateContent xmlns:mc="http://schemas.openxmlformats.org/markup-compatibility/2006">
-        <mc:Choice xmlns:a14="http://schemas.microsoft.com/office/drawing/2010/main" Requires="a14">
+      <mc:AlternateContent xmlns:mc="http://schemas.openxmlformats.org/markup-compatibility/2006" xmlns:a14="http://schemas.microsoft.com/office/drawing/2010/main">
+        <mc:Choice Requires="a14">
           <p:sp>
             <p:nvSpPr>
               <p:cNvPr id="3" name="Content Placeholder 2"/>
@@ -6426,7 +6426,7 @@
             </p:txBody>
           </p:sp>
         </mc:Choice>
-        <mc:Fallback>
+        <mc:Fallback xmlns="">
           <p:sp>
             <p:nvSpPr>
               <p:cNvPr id="3" name="Content Placeholder 2"/>
@@ -6516,8 +6516,8 @@
           </a:p>
         </p:txBody>
       </p:sp>
-      <mc:AlternateContent xmlns:mc="http://schemas.openxmlformats.org/markup-compatibility/2006">
-        <mc:Choice xmlns:a14="http://schemas.microsoft.com/office/drawing/2010/main" Requires="a14">
+      <mc:AlternateContent xmlns:mc="http://schemas.openxmlformats.org/markup-compatibility/2006" xmlns:a14="http://schemas.microsoft.com/office/drawing/2010/main">
+        <mc:Choice Requires="a14">
           <p:sp>
             <p:nvSpPr>
               <p:cNvPr id="3" name="Content Placeholder 2"/>
@@ -6584,7 +6584,7 @@
             </p:txBody>
           </p:sp>
         </mc:Choice>
-        <mc:Fallback>
+        <mc:Fallback xmlns="">
           <p:sp>
             <p:nvSpPr>
               <p:cNvPr id="3" name="Content Placeholder 2"/>
@@ -7068,7 +7068,7 @@
         </p:blipFill>
         <p:spPr>
           <a:xfrm>
-            <a:off x="5289453" y="1908792"/>
+            <a:off x="5528604" y="1908792"/>
             <a:ext cx="5776106" cy="4948759"/>
           </a:xfrm>
           <a:prstGeom prst="rect">

--- a/PP.pptx
+++ b/PP.pptx
@@ -7004,6 +7004,27 @@
               </a:rPr>
               <a:t>=17</a:t>
             </a:r>
+            <a:endParaRPr lang="fr-CA" sz="1800" dirty="0">
+              <a:latin typeface="Courier"/>
+            </a:endParaRPr>
+          </a:p>
+          <a:p>
+            <a:pPr lvl="1"/>
+            <a:r>
+              <a:rPr lang="fr-CA" sz="1800" dirty="0" err="1">
+                <a:latin typeface="Courier"/>
+              </a:rPr>
+              <a:t>ntree</a:t>
+            </a:r>
+            <a:r>
+              <a:rPr lang="fr-CA" sz="1800" dirty="0">
+                <a:latin typeface="Courier"/>
+              </a:rPr>
+              <a:t>=500</a:t>
+            </a:r>
+            <a:endParaRPr sz="1800" dirty="0">
+              <a:latin typeface="Courier"/>
+            </a:endParaRPr>
           </a:p>
           <a:p>
             <a:pPr lvl="1"/>
@@ -7013,6 +7034,15 @@
               </a:rPr>
               <a:t>cp=0</a:t>
             </a:r>
+            <a:r>
+              <a:rPr lang="fr-CA" sz="1800" dirty="0">
+                <a:latin typeface="Courier"/>
+              </a:rPr>
+              <a:t> (par défaut)</a:t>
+            </a:r>
+            <a:endParaRPr sz="1800" dirty="0">
+              <a:latin typeface="Courier"/>
+            </a:endParaRPr>
           </a:p>
           <a:p>
             <a:pPr lvl="1"/>
@@ -7028,21 +7058,15 @@
               </a:rPr>
               <a:t>=5</a:t>
             </a:r>
-          </a:p>
-          <a:p>
-            <a:pPr lvl="1"/>
-            <a:r>
-              <a:rPr sz="1800" dirty="0" err="1">
+            <a:r>
+              <a:rPr lang="fr-CA" sz="1800" dirty="0">
                 <a:latin typeface="Courier"/>
               </a:rPr>
-              <a:t>ntree</a:t>
-            </a:r>
-            <a:r>
-              <a:rPr sz="1800" dirty="0">
-                <a:latin typeface="Courier"/>
-              </a:rPr>
-              <a:t>=500</a:t>
-            </a:r>
+              <a:t> (par défaut)</a:t>
+            </a:r>
+            <a:endParaRPr sz="1800" dirty="0">
+              <a:latin typeface="Courier"/>
+            </a:endParaRPr>
           </a:p>
         </p:txBody>
       </p:sp>
@@ -7158,7 +7182,22 @@
               <a:rPr sz="1800" dirty="0">
                 <a:latin typeface="Courier"/>
               </a:rPr>
-              <a:t>= 0.75*</a:t>
+              <a:t>= </a:t>
+            </a:r>
+            <a:r>
+              <a:rPr sz="1800" dirty="0">
+                <a:solidFill>
+                  <a:srgbClr val="0070C0"/>
+                </a:solidFill>
+                <a:latin typeface="Courier"/>
+              </a:rPr>
+              <a:t>0.75</a:t>
+            </a:r>
+            <a:r>
+              <a:rPr sz="1800" dirty="0">
+                <a:latin typeface="Courier"/>
+              </a:rPr>
+              <a:t>*</a:t>
             </a:r>
             <a:r>
               <a:rPr sz="1800" dirty="0" err="1">
@@ -7188,30 +7227,6 @@
           <a:p>
             <a:pPr lvl="1"/>
             <a:r>
-              <a:rPr sz="1800" dirty="0">
-                <a:latin typeface="Courier"/>
-              </a:rPr>
-              <a:t>cp=0</a:t>
-            </a:r>
-          </a:p>
-          <a:p>
-            <a:pPr lvl="1"/>
-            <a:r>
-              <a:rPr sz="1800" dirty="0" err="1">
-                <a:latin typeface="Courier"/>
-              </a:rPr>
-              <a:t>nodesize</a:t>
-            </a:r>
-            <a:r>
-              <a:rPr sz="1800" dirty="0">
-                <a:latin typeface="Courier"/>
-              </a:rPr>
-              <a:t>=5</a:t>
-            </a:r>
-          </a:p>
-          <a:p>
-            <a:pPr lvl="1"/>
-            <a:r>
               <a:rPr sz="1800" dirty="0" err="1">
                 <a:latin typeface="Courier"/>
               </a:rPr>
@@ -7221,7 +7236,16 @@
               <a:rPr sz="1800" dirty="0">
                 <a:latin typeface="Courier"/>
               </a:rPr>
-              <a:t>=150</a:t>
+              <a:t>=</a:t>
+            </a:r>
+            <a:r>
+              <a:rPr sz="1800" dirty="0">
+                <a:solidFill>
+                  <a:srgbClr val="0070C0"/>
+                </a:solidFill>
+                <a:latin typeface="Courier"/>
+              </a:rPr>
+              <a:t>150</a:t>
             </a:r>
           </a:p>
           <a:p>
@@ -7236,7 +7260,52 @@
               <a:rPr sz="1800" dirty="0">
                 <a:latin typeface="Courier"/>
               </a:rPr>
-              <a:t>=8</a:t>
+              <a:t>=</a:t>
+            </a:r>
+            <a:r>
+              <a:rPr sz="1800" dirty="0">
+                <a:solidFill>
+                  <a:srgbClr val="0070C0"/>
+                </a:solidFill>
+                <a:latin typeface="Courier"/>
+              </a:rPr>
+              <a:t>8</a:t>
+            </a:r>
+            <a:endParaRPr lang="fr-CA" sz="1800" dirty="0">
+              <a:solidFill>
+                <a:srgbClr val="0070C0"/>
+              </a:solidFill>
+              <a:latin typeface="Courier"/>
+            </a:endParaRPr>
+          </a:p>
+          <a:p>
+            <a:pPr lvl="1"/>
+            <a:r>
+              <a:rPr lang="fr-CA" sz="1800" dirty="0" err="1">
+                <a:latin typeface="Courier"/>
+              </a:rPr>
+              <a:t>cp</a:t>
+            </a:r>
+            <a:r>
+              <a:rPr lang="fr-CA" sz="1800" dirty="0">
+                <a:latin typeface="Courier"/>
+              </a:rPr>
+              <a:t>=0 (par défaut)</a:t>
+            </a:r>
+          </a:p>
+          <a:p>
+            <a:pPr lvl="1"/>
+            <a:r>
+              <a:rPr lang="fr-CA" sz="1800" dirty="0" err="1">
+                <a:latin typeface="Courier"/>
+              </a:rPr>
+              <a:t>nodesize</a:t>
+            </a:r>
+            <a:r>
+              <a:rPr lang="fr-CA" sz="1800" dirty="0">
+                <a:latin typeface="Courier"/>
+              </a:rPr>
+              <a:t>=5 (par défaut)</a:t>
             </a:r>
           </a:p>
         </p:txBody>

--- a/PP.pptx
+++ b/PP.pptx
@@ -910,7 +910,7 @@
           <a:p>
             <a:fld id="{5D5A7ACE-5314-0049-B55A-2FB85FFC4206}" type="slidenum">
               <a:rPr lang="fr-FR" smtClean="0"/>
-              <a:t>‹N°›</a:t>
+              <a:t>‹n°›</a:t>
             </a:fld>
             <a:endParaRPr lang="fr-FR"/>
           </a:p>
@@ -1161,7 +1161,7 @@
           <a:p>
             <a:fld id="{5D5A7ACE-5314-0049-B55A-2FB85FFC4206}" type="slidenum">
               <a:rPr lang="fr-FR" smtClean="0"/>
-              <a:t>‹N°›</a:t>
+              <a:t>‹n°›</a:t>
             </a:fld>
             <a:endParaRPr lang="fr-FR"/>
           </a:p>
@@ -1475,7 +1475,7 @@
           <a:p>
             <a:fld id="{5D5A7ACE-5314-0049-B55A-2FB85FFC4206}" type="slidenum">
               <a:rPr lang="fr-FR" smtClean="0"/>
-              <a:t>‹N°›</a:t>
+              <a:t>‹n°›</a:t>
             </a:fld>
             <a:endParaRPr lang="fr-FR"/>
           </a:p>
@@ -1816,7 +1816,7 @@
           <a:p>
             <a:fld id="{5D5A7ACE-5314-0049-B55A-2FB85FFC4206}" type="slidenum">
               <a:rPr lang="fr-FR" smtClean="0"/>
-              <a:t>‹N°›</a:t>
+              <a:t>‹n°›</a:t>
             </a:fld>
             <a:endParaRPr lang="fr-FR"/>
           </a:p>
@@ -2130,7 +2130,7 @@
           <a:p>
             <a:fld id="{5D5A7ACE-5314-0049-B55A-2FB85FFC4206}" type="slidenum">
               <a:rPr lang="fr-FR" smtClean="0"/>
-              <a:t>‹N°›</a:t>
+              <a:t>‹n°›</a:t>
             </a:fld>
             <a:endParaRPr lang="fr-FR"/>
           </a:p>
@@ -2523,7 +2523,7 @@
           <a:p>
             <a:fld id="{5D5A7ACE-5314-0049-B55A-2FB85FFC4206}" type="slidenum">
               <a:rPr lang="fr-FR" smtClean="0"/>
-              <a:t>‹N°›</a:t>
+              <a:t>‹n°›</a:t>
             </a:fld>
             <a:endParaRPr lang="fr-FR"/>
           </a:p>
@@ -2693,7 +2693,7 @@
           <a:p>
             <a:fld id="{5D5A7ACE-5314-0049-B55A-2FB85FFC4206}" type="slidenum">
               <a:rPr lang="fr-FR" smtClean="0"/>
-              <a:t>‹N°›</a:t>
+              <a:t>‹n°›</a:t>
             </a:fld>
             <a:endParaRPr lang="fr-FR"/>
           </a:p>
@@ -2873,7 +2873,7 @@
           <a:p>
             <a:fld id="{5D5A7ACE-5314-0049-B55A-2FB85FFC4206}" type="slidenum">
               <a:rPr lang="fr-FR" smtClean="0"/>
-              <a:t>‹N°›</a:t>
+              <a:t>‹n°›</a:t>
             </a:fld>
             <a:endParaRPr lang="fr-FR"/>
           </a:p>
@@ -3049,7 +3049,7 @@
           <a:p>
             <a:fld id="{5D5A7ACE-5314-0049-B55A-2FB85FFC4206}" type="slidenum">
               <a:rPr lang="fr-FR" smtClean="0"/>
-              <a:t>‹N°›</a:t>
+              <a:t>‹n°›</a:t>
             </a:fld>
             <a:endParaRPr lang="fr-FR"/>
           </a:p>
@@ -3296,7 +3296,7 @@
           <a:p>
             <a:fld id="{5D5A7ACE-5314-0049-B55A-2FB85FFC4206}" type="slidenum">
               <a:rPr lang="fr-FR" smtClean="0"/>
-              <a:t>‹N°›</a:t>
+              <a:t>‹n°›</a:t>
             </a:fld>
             <a:endParaRPr lang="fr-FR"/>
           </a:p>
@@ -3528,7 +3528,7 @@
           <a:p>
             <a:fld id="{5D5A7ACE-5314-0049-B55A-2FB85FFC4206}" type="slidenum">
               <a:rPr lang="fr-FR" smtClean="0"/>
-              <a:t>‹N°›</a:t>
+              <a:t>‹n°›</a:t>
             </a:fld>
             <a:endParaRPr lang="fr-FR"/>
           </a:p>
@@ -3902,7 +3902,7 @@
           <a:p>
             <a:fld id="{5D5A7ACE-5314-0049-B55A-2FB85FFC4206}" type="slidenum">
               <a:rPr lang="fr-FR" smtClean="0"/>
-              <a:t>‹N°›</a:t>
+              <a:t>‹n°›</a:t>
             </a:fld>
             <a:endParaRPr lang="fr-FR"/>
           </a:p>
@@ -4025,7 +4025,7 @@
           <a:p>
             <a:fld id="{5D5A7ACE-5314-0049-B55A-2FB85FFC4206}" type="slidenum">
               <a:rPr lang="fr-FR" smtClean="0"/>
-              <a:t>‹N°›</a:t>
+              <a:t>‹n°›</a:t>
             </a:fld>
             <a:endParaRPr lang="fr-FR"/>
           </a:p>
@@ -4120,7 +4120,7 @@
           <a:p>
             <a:fld id="{5D5A7ACE-5314-0049-B55A-2FB85FFC4206}" type="slidenum">
               <a:rPr lang="fr-FR" smtClean="0"/>
-              <a:t>‹N°›</a:t>
+              <a:t>‹n°›</a:t>
             </a:fld>
             <a:endParaRPr lang="fr-FR"/>
           </a:p>
@@ -4375,7 +4375,7 @@
           <a:p>
             <a:fld id="{5D5A7ACE-5314-0049-B55A-2FB85FFC4206}" type="slidenum">
               <a:rPr lang="fr-FR" smtClean="0"/>
-              <a:t>‹N°›</a:t>
+              <a:t>‹n°›</a:t>
             </a:fld>
             <a:endParaRPr lang="fr-FR"/>
           </a:p>
@@ -4638,7 +4638,7 @@
           <a:p>
             <a:fld id="{5D5A7ACE-5314-0049-B55A-2FB85FFC4206}" type="slidenum">
               <a:rPr lang="fr-FR" smtClean="0"/>
-              <a:t>‹N°›</a:t>
+              <a:t>‹n°›</a:t>
             </a:fld>
             <a:endParaRPr lang="fr-FR"/>
           </a:p>
@@ -5415,7 +5415,7 @@
           <a:p>
             <a:fld id="{5D5A7ACE-5314-0049-B55A-2FB85FFC4206}" type="slidenum">
               <a:rPr lang="fr-FR" smtClean="0"/>
-              <a:t>‹N°›</a:t>
+              <a:t>‹n°›</a:t>
             </a:fld>
             <a:endParaRPr lang="fr-FR"/>
           </a:p>
@@ -8843,6 +8843,11 @@
           </p:cNvGraphicFramePr>
           <p:nvPr>
             <p:ph idx="1"/>
+            <p:extLst>
+              <p:ext uri="{D42A27DB-BD31-4B8C-83A1-F6EECF244321}">
+                <p14:modId xmlns:p14="http://schemas.microsoft.com/office/powerpoint/2010/main" val="1613561615"/>
+              </p:ext>
+            </p:extLst>
           </p:nvPr>
         </p:nvGraphicFramePr>
         <p:xfrm>
@@ -9155,8 +9160,10 @@
                         <a:buNone/>
                       </a:pPr>
                       <a:r>
-                        <a:t>3.00000</a:t>
+                        <a:rPr lang="fr-CA" dirty="0"/>
+                        <a:t>0.02170</a:t>
                       </a:r>
+                      <a:endParaRPr dirty="0"/>
                     </a:p>
                   </a:txBody>
                   <a:tcPr/>
@@ -9710,9 +9717,15 @@
       </p:sp>
       <p:pic>
         <p:nvPicPr>
-          <p:cNvPr id="3" name="Picture 1" descr="PP_files/figure-pptx/unnamed-chunk-12-1.png"/>
+          <p:cNvPr id="5" name="Image 4">
+            <a:extLst>
+              <a:ext uri="{FF2B5EF4-FFF2-40B4-BE49-F238E27FC236}">
+                <a16:creationId xmlns:a16="http://schemas.microsoft.com/office/drawing/2014/main" id="{BE714145-6558-9043-92E3-14B2764621A4}"/>
+              </a:ext>
+            </a:extLst>
+          </p:cNvPr>
           <p:cNvPicPr>
-            <a:picLocks noGrp="1" noChangeAspect="1"/>
+            <a:picLocks noChangeAspect="1"/>
           </p:cNvPicPr>
           <p:nvPr/>
         </p:nvPicPr>
@@ -9722,20 +9735,14 @@
             <a:fillRect/>
           </a:stretch>
         </p:blipFill>
-        <p:spPr bwMode="auto">
+        <p:spPr>
           <a:xfrm>
-            <a:off x="2540000" y="2159000"/>
-            <a:ext cx="4838700" cy="3873500"/>
+            <a:off x="2618034" y="1930400"/>
+            <a:ext cx="5710845" cy="4592637"/>
           </a:xfrm>
           <a:prstGeom prst="rect">
             <a:avLst/>
           </a:prstGeom>
-          <a:noFill/>
-          <a:ln w="9525">
-            <a:noFill/>
-            <a:headEnd/>
-            <a:tailEnd/>
-          </a:ln>
         </p:spPr>
       </p:pic>
     </p:spTree>
@@ -9789,36 +9796,6 @@
       </p:sp>
       <p:pic>
         <p:nvPicPr>
-          <p:cNvPr id="3" name="Picture 1" descr="PP_files/figure-pptx/unnamed-chunk-13-1.png"/>
-          <p:cNvPicPr>
-            <a:picLocks noGrp="1" noChangeAspect="1"/>
-          </p:cNvPicPr>
-          <p:nvPr/>
-        </p:nvPicPr>
-        <p:blipFill>
-          <a:blip r:embed="rId2"/>
-          <a:stretch>
-            <a:fillRect/>
-          </a:stretch>
-        </p:blipFill>
-        <p:spPr bwMode="auto">
-          <a:xfrm>
-            <a:off x="2540000" y="2159000"/>
-            <a:ext cx="4838700" cy="3873500"/>
-          </a:xfrm>
-          <a:prstGeom prst="rect">
-            <a:avLst/>
-          </a:prstGeom>
-          <a:noFill/>
-          <a:ln w="9525">
-            <a:noFill/>
-            <a:headEnd/>
-            <a:tailEnd/>
-          </a:ln>
-        </p:spPr>
-      </p:pic>
-      <p:pic>
-        <p:nvPicPr>
           <p:cNvPr id="4" name="Picture 2" descr="Sticker mural Rose des vents &gt; Décomotif">
             <a:extLst>
               <a:ext uri="{FF2B5EF4-FFF2-40B4-BE49-F238E27FC236}">
@@ -9832,7 +9809,7 @@
           <p:nvPr/>
         </p:nvPicPr>
         <p:blipFill>
-          <a:blip r:embed="rId3">
+          <a:blip r:embed="rId2">
             <a:extLst>
               <a:ext uri="{28A0092B-C50C-407E-A947-70E740481C1C}">
                 <a14:useLocalDpi xmlns:a14="http://schemas.microsoft.com/office/drawing/2010/main" val="0"/>
@@ -9864,6 +9841,36 @@
           </a:extLst>
         </p:spPr>
       </p:pic>
+      <p:pic>
+        <p:nvPicPr>
+          <p:cNvPr id="6" name="Image 5">
+            <a:extLst>
+              <a:ext uri="{FF2B5EF4-FFF2-40B4-BE49-F238E27FC236}">
+                <a16:creationId xmlns:a16="http://schemas.microsoft.com/office/drawing/2014/main" id="{EC4CF58C-D79B-0341-80CE-921F0B9E8871}"/>
+              </a:ext>
+            </a:extLst>
+          </p:cNvPr>
+          <p:cNvPicPr>
+            <a:picLocks noChangeAspect="1"/>
+          </p:cNvPicPr>
+          <p:nvPr/>
+        </p:nvPicPr>
+        <p:blipFill>
+          <a:blip r:embed="rId3"/>
+          <a:stretch>
+            <a:fillRect/>
+          </a:stretch>
+        </p:blipFill>
+        <p:spPr>
+          <a:xfrm>
+            <a:off x="2471738" y="1930400"/>
+            <a:ext cx="5956300" cy="4790031"/>
+          </a:xfrm>
+          <a:prstGeom prst="rect">
+            <a:avLst/>
+          </a:prstGeom>
+        </p:spPr>
+      </p:pic>
     </p:spTree>
   </p:cSld>
   <p:clrMapOvr>
@@ -9915,9 +9922,15 @@
       </p:sp>
       <p:pic>
         <p:nvPicPr>
-          <p:cNvPr id="3" name="Picture 1" descr="PP_files/figure-pptx/unnamed-chunk-14-1.png"/>
+          <p:cNvPr id="5" name="Image 4">
+            <a:extLst>
+              <a:ext uri="{FF2B5EF4-FFF2-40B4-BE49-F238E27FC236}">
+                <a16:creationId xmlns:a16="http://schemas.microsoft.com/office/drawing/2014/main" id="{2380FAD3-6459-3C4C-AF41-2B88A7D031C0}"/>
+              </a:ext>
+            </a:extLst>
+          </p:cNvPr>
           <p:cNvPicPr>
-            <a:picLocks noGrp="1" noChangeAspect="1"/>
+            <a:picLocks noChangeAspect="1"/>
           </p:cNvPicPr>
           <p:nvPr/>
         </p:nvPicPr>
@@ -9927,20 +9940,14 @@
             <a:fillRect/>
           </a:stretch>
         </p:blipFill>
-        <p:spPr bwMode="auto">
+        <p:spPr>
           <a:xfrm>
-            <a:off x="2540000" y="2159000"/>
-            <a:ext cx="4838700" cy="3873500"/>
+            <a:off x="2686050" y="1930400"/>
+            <a:ext cx="5956300" cy="4790031"/>
           </a:xfrm>
           <a:prstGeom prst="rect">
             <a:avLst/>
           </a:prstGeom>
-          <a:noFill/>
-          <a:ln w="9525">
-            <a:noFill/>
-            <a:headEnd/>
-            <a:tailEnd/>
-          </a:ln>
         </p:spPr>
       </p:pic>
     </p:spTree>
@@ -9994,9 +10001,15 @@
       </p:sp>
       <p:pic>
         <p:nvPicPr>
-          <p:cNvPr id="3" name="Picture 1" descr="PP_files/figure-pptx/unnamed-chunk-15-1.png"/>
+          <p:cNvPr id="7" name="Image 6">
+            <a:extLst>
+              <a:ext uri="{FF2B5EF4-FFF2-40B4-BE49-F238E27FC236}">
+                <a16:creationId xmlns:a16="http://schemas.microsoft.com/office/drawing/2014/main" id="{3D178918-3F8E-F343-8AB2-BEE75E52FE54}"/>
+              </a:ext>
+            </a:extLst>
+          </p:cNvPr>
           <p:cNvPicPr>
-            <a:picLocks noGrp="1" noChangeAspect="1"/>
+            <a:picLocks noChangeAspect="1"/>
           </p:cNvPicPr>
           <p:nvPr/>
         </p:nvPicPr>
@@ -10006,20 +10019,14 @@
             <a:fillRect/>
           </a:stretch>
         </p:blipFill>
-        <p:spPr bwMode="auto">
+        <p:spPr>
           <a:xfrm>
-            <a:off x="2540000" y="2159000"/>
-            <a:ext cx="4838700" cy="3873500"/>
+            <a:off x="2460798" y="1822640"/>
+            <a:ext cx="6356004" cy="4716098"/>
           </a:xfrm>
           <a:prstGeom prst="rect">
             <a:avLst/>
           </a:prstGeom>
-          <a:noFill/>
-          <a:ln w="9525">
-            <a:noFill/>
-            <a:headEnd/>
-            <a:tailEnd/>
-          </a:ln>
         </p:spPr>
       </p:pic>
     </p:spTree>
@@ -11378,6 +11385,34 @@
               <a:rPr sz="1800" dirty="0"/>
               <a:t> de King County (Washington, USA)</a:t>
             </a:r>
+            <a:endParaRPr lang="fr-CA" sz="1800" dirty="0"/>
+          </a:p>
+          <a:p>
+            <a:pPr lvl="1"/>
+            <a:r>
+              <a:rPr lang="fr-CA" sz="1800" dirty="0"/>
+              <a:t>Caractéristique de la résidence</a:t>
+            </a:r>
+          </a:p>
+          <a:p>
+            <a:pPr lvl="1"/>
+            <a:r>
+              <a:rPr lang="fr-CA" sz="1800" dirty="0"/>
+              <a:t>Variables </a:t>
+            </a:r>
+            <a:r>
+              <a:rPr lang="fr-CA" sz="1800" dirty="0" err="1"/>
+              <a:t>spaciales</a:t>
+            </a:r>
+            <a:endParaRPr lang="fr-CA" sz="1800" dirty="0"/>
+          </a:p>
+          <a:p>
+            <a:pPr lvl="1"/>
+            <a:r>
+              <a:rPr lang="fr-CA" sz="1800" dirty="0"/>
+              <a:t>Caractéristiques de la superficie</a:t>
+            </a:r>
+            <a:endParaRPr sz="1800" dirty="0"/>
           </a:p>
           <a:p>
             <a:pPr lvl="1"/>

--- a/PP.pptx
+++ b/PP.pptx
@@ -38,8 +38,9 @@
     <p:sldId id="288" r:id="rId32"/>
     <p:sldId id="289" r:id="rId33"/>
     <p:sldId id="290" r:id="rId34"/>
-    <p:sldId id="291" r:id="rId35"/>
-    <p:sldId id="292" r:id="rId36"/>
+    <p:sldId id="293" r:id="rId35"/>
+    <p:sldId id="291" r:id="rId36"/>
+    <p:sldId id="292" r:id="rId37"/>
   </p:sldIdLst>
   <p:sldSz cx="12192000" cy="6858000"/>
   <p:notesSz cx="6858000" cy="9144000"/>
@@ -8845,7 +8846,7 @@
             <p:ph idx="1"/>
             <p:extLst>
               <p:ext uri="{D42A27DB-BD31-4B8C-83A1-F6EECF244321}">
-                <p14:modId xmlns:p14="http://schemas.microsoft.com/office/powerpoint/2010/main" val="1613561615"/>
+                <p14:modId xmlns:p14="http://schemas.microsoft.com/office/powerpoint/2010/main" val="2553106500"/>
               </p:ext>
             </p:extLst>
           </p:nvPr>
@@ -9161,7 +9162,7 @@
                       </a:pPr>
                       <a:r>
                         <a:rPr lang="fr-CA" dirty="0"/>
-                        <a:t>0.02170</a:t>
+                        <a:t>0.02717</a:t>
                       </a:r>
                       <a:endParaRPr dirty="0"/>
                     </a:p>
@@ -10741,6 +10742,105 @@
       </p:grpSpPr>
       <p:sp>
         <p:nvSpPr>
+          <p:cNvPr id="2" name="Titre 1">
+            <a:extLst>
+              <a:ext uri="{FF2B5EF4-FFF2-40B4-BE49-F238E27FC236}">
+                <a16:creationId xmlns:a16="http://schemas.microsoft.com/office/drawing/2014/main" id="{93DA1758-D16E-E241-9220-ADAD2B764B92}"/>
+              </a:ext>
+            </a:extLst>
+          </p:cNvPr>
+          <p:cNvSpPr>
+            <a:spLocks noGrp="1"/>
+          </p:cNvSpPr>
+          <p:nvPr>
+            <p:ph type="title"/>
+          </p:nvPr>
+        </p:nvSpPr>
+        <p:spPr>
+          <a:xfrm>
+            <a:off x="0" y="2780175"/>
+            <a:ext cx="12192000" cy="1320800"/>
+          </a:xfrm>
+        </p:spPr>
+        <p:txBody>
+          <a:bodyPr>
+            <a:normAutofit/>
+          </a:bodyPr>
+          <a:lstStyle/>
+          <a:p>
+            <a:pPr algn="ctr"/>
+            <a:r>
+              <a:rPr lang="fr-FR" sz="4000" dirty="0"/>
+              <a:t>Questions ?</a:t>
+            </a:r>
+          </a:p>
+        </p:txBody>
+      </p:sp>
+      <p:sp>
+        <p:nvSpPr>
+          <p:cNvPr id="3" name="Espace réservé du contenu 2">
+            <a:extLst>
+              <a:ext uri="{FF2B5EF4-FFF2-40B4-BE49-F238E27FC236}">
+                <a16:creationId xmlns:a16="http://schemas.microsoft.com/office/drawing/2014/main" id="{4FD20BB5-D65D-D141-A57F-66363CA6980D}"/>
+              </a:ext>
+            </a:extLst>
+          </p:cNvPr>
+          <p:cNvSpPr>
+            <a:spLocks noGrp="1"/>
+          </p:cNvSpPr>
+          <p:nvPr>
+            <p:ph idx="1"/>
+          </p:nvPr>
+        </p:nvSpPr>
+        <p:spPr>
+          <a:xfrm>
+            <a:off x="3493476" y="1"/>
+            <a:ext cx="5886033" cy="1547446"/>
+          </a:xfrm>
+        </p:spPr>
+        <p:txBody>
+          <a:bodyPr/>
+          <a:lstStyle/>
+          <a:p>
+            <a:pPr marL="0" indent="0">
+              <a:buNone/>
+            </a:pPr>
+            <a:endParaRPr lang="fr-FR" dirty="0"/>
+          </a:p>
+        </p:txBody>
+      </p:sp>
+    </p:spTree>
+    <p:extLst>
+      <p:ext uri="{BB962C8B-B14F-4D97-AF65-F5344CB8AC3E}">
+        <p14:creationId xmlns:p14="http://schemas.microsoft.com/office/powerpoint/2010/main" val="1024047678"/>
+      </p:ext>
+    </p:extLst>
+  </p:cSld>
+  <p:clrMapOvr>
+    <a:masterClrMapping/>
+  </p:clrMapOvr>
+</p:sld>
+</file>
+
+<file path=ppt/slides/slide35.xml><?xml version="1.0" encoding="utf-8"?>
+<p:sld xmlns:a="http://schemas.openxmlformats.org/drawingml/2006/main" xmlns:r="http://schemas.openxmlformats.org/officeDocument/2006/relationships" xmlns:p="http://schemas.openxmlformats.org/presentationml/2006/main">
+  <p:cSld>
+    <p:spTree>
+      <p:nvGrpSpPr>
+        <p:cNvPr id="1" name=""/>
+        <p:cNvGrpSpPr/>
+        <p:nvPr/>
+      </p:nvGrpSpPr>
+      <p:grpSpPr>
+        <a:xfrm>
+          <a:off x="0" y="0"/>
+          <a:ext cx="0" cy="0"/>
+          <a:chOff x="0" y="0"/>
+          <a:chExt cx="0" cy="0"/>
+        </a:xfrm>
+      </p:grpSpPr>
+      <p:sp>
+        <p:nvSpPr>
           <p:cNvPr id="2" name="Title 1"/>
           <p:cNvSpPr>
             <a:spLocks noGrp="1"/>
@@ -10933,7 +11033,7 @@
 </p:sld>
 </file>
 
-<file path=ppt/slides/slide35.xml><?xml version="1.0" encoding="utf-8"?>
+<file path=ppt/slides/slide36.xml><?xml version="1.0" encoding="utf-8"?>
 <p:sld xmlns:a="http://schemas.openxmlformats.org/drawingml/2006/main" xmlns:r="http://schemas.openxmlformats.org/officeDocument/2006/relationships" xmlns:p="http://schemas.openxmlformats.org/presentationml/2006/main">
   <p:cSld>
     <p:spTree>
@@ -11398,13 +11498,8 @@
             <a:pPr lvl="1"/>
             <a:r>
               <a:rPr lang="fr-CA" sz="1800" dirty="0"/>
-              <a:t>Variables </a:t>
-            </a:r>
-            <a:r>
-              <a:rPr lang="fr-CA" sz="1800" dirty="0" err="1"/>
-              <a:t>spaciales</a:t>
-            </a:r>
-            <a:endParaRPr lang="fr-CA" sz="1800" dirty="0"/>
+              <a:t>Variables spatiales</a:t>
+            </a:r>
           </a:p>
           <a:p>
             <a:pPr lvl="1"/>

--- a/PP.pptx
+++ b/PP.pptx
@@ -7536,6 +7536,11 @@
           </p:cNvGraphicFramePr>
           <p:nvPr>
             <p:ph idx="1"/>
+            <p:extLst>
+              <p:ext uri="{D42A27DB-BD31-4B8C-83A1-F6EECF244321}">
+                <p14:modId xmlns:p14="http://schemas.microsoft.com/office/powerpoint/2010/main" val="1725328939"/>
+              </p:ext>
+            </p:extLst>
           </p:nvPr>
         </p:nvGraphicFramePr>
         <p:xfrm>
@@ -7648,7 +7653,16 @@
                         <a:buNone/>
                       </a:pPr>
                       <a:r>
-                        <a:t>29884</a:t>
+                        <a:rPr dirty="0"/>
+                        <a:t>29</a:t>
+                      </a:r>
+                      <a:r>
+                        <a:rPr lang="fr-CA" dirty="0"/>
+                        <a:t> </a:t>
+                      </a:r>
+                      <a:r>
+                        <a:rPr dirty="0"/>
+                        <a:t>884</a:t>
                       </a:r>
                     </a:p>
                   </a:txBody>
@@ -7663,7 +7677,16 @@
                         <a:buNone/>
                       </a:pPr>
                       <a:r>
-                        <a:t>0.027029</a:t>
+                        <a:rPr dirty="0"/>
+                        <a:t>0</a:t>
+                      </a:r>
+                      <a:r>
+                        <a:rPr lang="fr-CA" dirty="0"/>
+                        <a:t>,</a:t>
+                      </a:r>
+                      <a:r>
+                        <a:rPr dirty="0"/>
+                        <a:t>027029</a:t>
                       </a:r>
                     </a:p>
                   </a:txBody>
@@ -7700,7 +7723,16 @@
                         <a:buNone/>
                       </a:pPr>
                       <a:r>
-                        <a:t>18905</a:t>
+                        <a:rPr dirty="0"/>
+                        <a:t>18</a:t>
+                      </a:r>
+                      <a:r>
+                        <a:rPr lang="fr-CA" dirty="0"/>
+                        <a:t> </a:t>
+                      </a:r>
+                      <a:r>
+                        <a:rPr dirty="0"/>
+                        <a:t>905</a:t>
                       </a:r>
                     </a:p>
                   </a:txBody>
@@ -7715,7 +7747,16 @@
                         <a:buNone/>
                       </a:pPr>
                       <a:r>
-                        <a:t>0.026559</a:t>
+                        <a:rPr dirty="0"/>
+                        <a:t>0</a:t>
+                      </a:r>
+                      <a:r>
+                        <a:rPr lang="fr-CA" dirty="0"/>
+                        <a:t>,</a:t>
+                      </a:r>
+                      <a:r>
+                        <a:rPr dirty="0"/>
+                        <a:t>026559</a:t>
                       </a:r>
                     </a:p>
                   </a:txBody>
@@ -7752,7 +7793,16 @@
                         <a:buNone/>
                       </a:pPr>
                       <a:r>
-                        <a:t>12676</a:t>
+                        <a:rPr dirty="0"/>
+                        <a:t>12</a:t>
+                      </a:r>
+                      <a:r>
+                        <a:rPr lang="fr-CA" dirty="0"/>
+                        <a:t> </a:t>
+                      </a:r>
+                      <a:r>
+                        <a:rPr dirty="0"/>
+                        <a:t>676</a:t>
                       </a:r>
                     </a:p>
                   </a:txBody>
@@ -7767,7 +7817,16 @@
                         <a:buNone/>
                       </a:pPr>
                       <a:r>
-                        <a:t>0.026556</a:t>
+                        <a:rPr dirty="0"/>
+                        <a:t>0</a:t>
+                      </a:r>
+                      <a:r>
+                        <a:rPr lang="fr-CA" dirty="0"/>
+                        <a:t>,</a:t>
+                      </a:r>
+                      <a:r>
+                        <a:rPr dirty="0"/>
+                        <a:t>026556</a:t>
                       </a:r>
                     </a:p>
                   </a:txBody>
@@ -7804,7 +7863,16 @@
                         <a:buNone/>
                       </a:pPr>
                       <a:r>
-                        <a:t>10515</a:t>
+                        <a:rPr dirty="0"/>
+                        <a:t>10</a:t>
+                      </a:r>
+                      <a:r>
+                        <a:rPr lang="fr-CA" dirty="0"/>
+                        <a:t> </a:t>
+                      </a:r>
+                      <a:r>
+                        <a:rPr dirty="0"/>
+                        <a:t>515</a:t>
                       </a:r>
                     </a:p>
                   </a:txBody>
@@ -7819,7 +7887,16 @@
                         <a:buNone/>
                       </a:pPr>
                       <a:r>
-                        <a:t>0.026378</a:t>
+                        <a:rPr dirty="0"/>
+                        <a:t>0</a:t>
+                      </a:r>
+                      <a:r>
+                        <a:rPr lang="fr-CA" dirty="0"/>
+                        <a:t>,</a:t>
+                      </a:r>
+                      <a:r>
+                        <a:rPr dirty="0"/>
+                        <a:t>026378</a:t>
                       </a:r>
                     </a:p>
                   </a:txBody>
@@ -7906,19 +7983,50 @@
           <a:p>
             <a:pPr lvl="1"/>
             <a:r>
-              <a:t>Comparaison selon l’EQM de validation croisée</a:t>
-            </a:r>
+              <a:rPr dirty="0" err="1"/>
+              <a:t>Comparaison</a:t>
+            </a:r>
+            <a:r>
+              <a:rPr dirty="0"/>
+              <a:t> </a:t>
+            </a:r>
+            <a:r>
+              <a:rPr dirty="0" err="1"/>
+              <a:t>selon</a:t>
+            </a:r>
+            <a:r>
+              <a:rPr dirty="0"/>
+              <a:t> </a:t>
+            </a:r>
+            <a:r>
+              <a:rPr dirty="0" err="1"/>
+              <a:t>l’EQM</a:t>
+            </a:r>
+            <a:r>
+              <a:rPr dirty="0"/>
+              <a:t> de validation </a:t>
+            </a:r>
+            <a:r>
+              <a:rPr dirty="0" err="1"/>
+              <a:t>croisée</a:t>
+            </a:r>
+            <a:endParaRPr dirty="0"/>
           </a:p>
           <a:p>
             <a:pPr lvl="1"/>
             <a:r>
-              <a:t>Modèle final:</a:t>
+              <a:rPr dirty="0" err="1"/>
+              <a:t>Modèle</a:t>
+            </a:r>
+            <a:r>
+              <a:rPr dirty="0"/>
+              <a:t> final:</a:t>
             </a:r>
           </a:p>
           <a:p>
             <a:pPr lvl="2"/>
             <a:r>
-              <a:rPr>
+              <a:rPr dirty="0">
                 <a:latin typeface="Courier"/>
               </a:rPr>
               <a:t>d=9</a:t>
@@ -7927,7 +8035,7 @@
           <a:p>
             <a:pPr lvl="2"/>
             <a:r>
-              <a:rPr>
+              <a:rPr dirty="0">
                 <a:latin typeface="Courier"/>
               </a:rPr>
               <a:t>T=10515</a:t>
@@ -8846,7 +8954,7 @@
             <p:ph idx="1"/>
             <p:extLst>
               <p:ext uri="{D42A27DB-BD31-4B8C-83A1-F6EECF244321}">
-                <p14:modId xmlns:p14="http://schemas.microsoft.com/office/powerpoint/2010/main" val="2553106500"/>
+                <p14:modId xmlns:p14="http://schemas.microsoft.com/office/powerpoint/2010/main" val="2835671184"/>
               </p:ext>
             </p:extLst>
           </p:nvPr>
@@ -8939,7 +9047,16 @@
                         <a:buNone/>
                       </a:pPr>
                       <a:r>
-                        <a:t>0.05300</a:t>
+                        <a:rPr dirty="0"/>
+                        <a:t>0</a:t>
+                      </a:r>
+                      <a:r>
+                        <a:rPr lang="fr-CA" dirty="0"/>
+                        <a:t>,</a:t>
+                      </a:r>
+                      <a:r>
+                        <a:rPr dirty="0"/>
+                        <a:t>05300</a:t>
                       </a:r>
                     </a:p>
                   </a:txBody>
@@ -8976,7 +9093,16 @@
                         <a:buNone/>
                       </a:pPr>
                       <a:r>
-                        <a:t>0.05245</a:t>
+                        <a:rPr dirty="0"/>
+                        <a:t>0</a:t>
+                      </a:r>
+                      <a:r>
+                        <a:rPr lang="fr-CA" dirty="0"/>
+                        <a:t>,</a:t>
+                      </a:r>
+                      <a:r>
+                        <a:rPr dirty="0"/>
+                        <a:t>05245</a:t>
                       </a:r>
                     </a:p>
                   </a:txBody>
@@ -9013,7 +9139,16 @@
                         <a:buNone/>
                       </a:pPr>
                       <a:r>
-                        <a:t>0.04570</a:t>
+                        <a:rPr dirty="0"/>
+                        <a:t>0</a:t>
+                      </a:r>
+                      <a:r>
+                        <a:rPr lang="fr-CA" dirty="0"/>
+                        <a:t>,</a:t>
+                      </a:r>
+                      <a:r>
+                        <a:rPr dirty="0"/>
+                        <a:t>04570</a:t>
                       </a:r>
                     </a:p>
                   </a:txBody>
@@ -9050,7 +9185,16 @@
                         <a:buNone/>
                       </a:pPr>
                       <a:r>
-                        <a:t>0.04962</a:t>
+                        <a:rPr dirty="0"/>
+                        <a:t>0</a:t>
+                      </a:r>
+                      <a:r>
+                        <a:rPr lang="fr-CA" dirty="0"/>
+                        <a:t>,</a:t>
+                      </a:r>
+                      <a:r>
+                        <a:rPr dirty="0"/>
+                        <a:t>04962</a:t>
                       </a:r>
                     </a:p>
                   </a:txBody>
@@ -9087,7 +9231,16 @@
                         <a:buNone/>
                       </a:pPr>
                       <a:r>
-                        <a:t>0.03350</a:t>
+                        <a:rPr dirty="0"/>
+                        <a:t>0</a:t>
+                      </a:r>
+                      <a:r>
+                        <a:rPr lang="fr-CA" dirty="0"/>
+                        <a:t>,</a:t>
+                      </a:r>
+                      <a:r>
+                        <a:rPr dirty="0"/>
+                        <a:t>03350</a:t>
                       </a:r>
                     </a:p>
                   </a:txBody>
@@ -9124,7 +9277,16 @@
                         <a:buNone/>
                       </a:pPr>
                       <a:r>
-                        <a:t>0.03253</a:t>
+                        <a:rPr dirty="0"/>
+                        <a:t>0</a:t>
+                      </a:r>
+                      <a:r>
+                        <a:rPr lang="fr-CA" dirty="0"/>
+                        <a:t>,</a:t>
+                      </a:r>
+                      <a:r>
+                        <a:rPr dirty="0"/>
+                        <a:t>03253</a:t>
                       </a:r>
                     </a:p>
                   </a:txBody>
@@ -9162,7 +9324,7 @@
                       </a:pPr>
                       <a:r>
                         <a:rPr lang="fr-CA" dirty="0"/>
-                        <a:t>0.02717</a:t>
+                        <a:t>0,02717</a:t>
                       </a:r>
                       <a:endParaRPr dirty="0"/>
                     </a:p>

--- a/PP.pptx
+++ b/PP.pptx
@@ -23,20 +23,20 @@
     <p:sldId id="272" r:id="rId17"/>
     <p:sldId id="274" r:id="rId18"/>
     <p:sldId id="275" r:id="rId19"/>
-    <p:sldId id="276" r:id="rId20"/>
-    <p:sldId id="277" r:id="rId21"/>
-    <p:sldId id="278" r:id="rId22"/>
-    <p:sldId id="279" r:id="rId23"/>
-    <p:sldId id="280" r:id="rId24"/>
-    <p:sldId id="281" r:id="rId25"/>
-    <p:sldId id="282" r:id="rId26"/>
+    <p:sldId id="277" r:id="rId20"/>
+    <p:sldId id="278" r:id="rId21"/>
+    <p:sldId id="279" r:id="rId22"/>
+    <p:sldId id="280" r:id="rId23"/>
+    <p:sldId id="281" r:id="rId24"/>
+    <p:sldId id="282" r:id="rId25"/>
+    <p:sldId id="295" r:id="rId26"/>
     <p:sldId id="283" r:id="rId27"/>
     <p:sldId id="284" r:id="rId28"/>
     <p:sldId id="285" r:id="rId29"/>
     <p:sldId id="286" r:id="rId30"/>
     <p:sldId id="287" r:id="rId31"/>
-    <p:sldId id="288" r:id="rId32"/>
-    <p:sldId id="289" r:id="rId33"/>
+    <p:sldId id="289" r:id="rId32"/>
+    <p:sldId id="294" r:id="rId33"/>
     <p:sldId id="290" r:id="rId34"/>
     <p:sldId id="293" r:id="rId35"/>
     <p:sldId id="291" r:id="rId36"/>
@@ -911,7 +911,7 @@
           <a:p>
             <a:fld id="{5D5A7ACE-5314-0049-B55A-2FB85FFC4206}" type="slidenum">
               <a:rPr lang="fr-FR" smtClean="0"/>
-              <a:t>‹n°›</a:t>
+              <a:t>‹N°›</a:t>
             </a:fld>
             <a:endParaRPr lang="fr-FR"/>
           </a:p>
@@ -1162,7 +1162,7 @@
           <a:p>
             <a:fld id="{5D5A7ACE-5314-0049-B55A-2FB85FFC4206}" type="slidenum">
               <a:rPr lang="fr-FR" smtClean="0"/>
-              <a:t>‹n°›</a:t>
+              <a:t>‹N°›</a:t>
             </a:fld>
             <a:endParaRPr lang="fr-FR"/>
           </a:p>
@@ -1476,7 +1476,7 @@
           <a:p>
             <a:fld id="{5D5A7ACE-5314-0049-B55A-2FB85FFC4206}" type="slidenum">
               <a:rPr lang="fr-FR" smtClean="0"/>
-              <a:t>‹n°›</a:t>
+              <a:t>‹N°›</a:t>
             </a:fld>
             <a:endParaRPr lang="fr-FR"/>
           </a:p>
@@ -1817,7 +1817,7 @@
           <a:p>
             <a:fld id="{5D5A7ACE-5314-0049-B55A-2FB85FFC4206}" type="slidenum">
               <a:rPr lang="fr-FR" smtClean="0"/>
-              <a:t>‹n°›</a:t>
+              <a:t>‹N°›</a:t>
             </a:fld>
             <a:endParaRPr lang="fr-FR"/>
           </a:p>
@@ -2131,7 +2131,7 @@
           <a:p>
             <a:fld id="{5D5A7ACE-5314-0049-B55A-2FB85FFC4206}" type="slidenum">
               <a:rPr lang="fr-FR" smtClean="0"/>
-              <a:t>‹n°›</a:t>
+              <a:t>‹N°›</a:t>
             </a:fld>
             <a:endParaRPr lang="fr-FR"/>
           </a:p>
@@ -2524,7 +2524,7 @@
           <a:p>
             <a:fld id="{5D5A7ACE-5314-0049-B55A-2FB85FFC4206}" type="slidenum">
               <a:rPr lang="fr-FR" smtClean="0"/>
-              <a:t>‹n°›</a:t>
+              <a:t>‹N°›</a:t>
             </a:fld>
             <a:endParaRPr lang="fr-FR"/>
           </a:p>
@@ -2694,7 +2694,7 @@
           <a:p>
             <a:fld id="{5D5A7ACE-5314-0049-B55A-2FB85FFC4206}" type="slidenum">
               <a:rPr lang="fr-FR" smtClean="0"/>
-              <a:t>‹n°›</a:t>
+              <a:t>‹N°›</a:t>
             </a:fld>
             <a:endParaRPr lang="fr-FR"/>
           </a:p>
@@ -2874,7 +2874,7 @@
           <a:p>
             <a:fld id="{5D5A7ACE-5314-0049-B55A-2FB85FFC4206}" type="slidenum">
               <a:rPr lang="fr-FR" smtClean="0"/>
-              <a:t>‹n°›</a:t>
+              <a:t>‹N°›</a:t>
             </a:fld>
             <a:endParaRPr lang="fr-FR"/>
           </a:p>
@@ -3050,7 +3050,7 @@
           <a:p>
             <a:fld id="{5D5A7ACE-5314-0049-B55A-2FB85FFC4206}" type="slidenum">
               <a:rPr lang="fr-FR" smtClean="0"/>
-              <a:t>‹n°›</a:t>
+              <a:t>‹N°›</a:t>
             </a:fld>
             <a:endParaRPr lang="fr-FR"/>
           </a:p>
@@ -3297,7 +3297,7 @@
           <a:p>
             <a:fld id="{5D5A7ACE-5314-0049-B55A-2FB85FFC4206}" type="slidenum">
               <a:rPr lang="fr-FR" smtClean="0"/>
-              <a:t>‹n°›</a:t>
+              <a:t>‹N°›</a:t>
             </a:fld>
             <a:endParaRPr lang="fr-FR"/>
           </a:p>
@@ -3529,7 +3529,7 @@
           <a:p>
             <a:fld id="{5D5A7ACE-5314-0049-B55A-2FB85FFC4206}" type="slidenum">
               <a:rPr lang="fr-FR" smtClean="0"/>
-              <a:t>‹n°›</a:t>
+              <a:t>‹N°›</a:t>
             </a:fld>
             <a:endParaRPr lang="fr-FR"/>
           </a:p>
@@ -3903,7 +3903,7 @@
           <a:p>
             <a:fld id="{5D5A7ACE-5314-0049-B55A-2FB85FFC4206}" type="slidenum">
               <a:rPr lang="fr-FR" smtClean="0"/>
-              <a:t>‹n°›</a:t>
+              <a:t>‹N°›</a:t>
             </a:fld>
             <a:endParaRPr lang="fr-FR"/>
           </a:p>
@@ -4026,7 +4026,7 @@
           <a:p>
             <a:fld id="{5D5A7ACE-5314-0049-B55A-2FB85FFC4206}" type="slidenum">
               <a:rPr lang="fr-FR" smtClean="0"/>
-              <a:t>‹n°›</a:t>
+              <a:t>‹N°›</a:t>
             </a:fld>
             <a:endParaRPr lang="fr-FR"/>
           </a:p>
@@ -4121,7 +4121,7 @@
           <a:p>
             <a:fld id="{5D5A7ACE-5314-0049-B55A-2FB85FFC4206}" type="slidenum">
               <a:rPr lang="fr-FR" smtClean="0"/>
-              <a:t>‹n°›</a:t>
+              <a:t>‹N°›</a:t>
             </a:fld>
             <a:endParaRPr lang="fr-FR"/>
           </a:p>
@@ -4376,7 +4376,7 @@
           <a:p>
             <a:fld id="{5D5A7ACE-5314-0049-B55A-2FB85FFC4206}" type="slidenum">
               <a:rPr lang="fr-FR" smtClean="0"/>
-              <a:t>‹n°›</a:t>
+              <a:t>‹N°›</a:t>
             </a:fld>
             <a:endParaRPr lang="fr-FR"/>
           </a:p>
@@ -4639,7 +4639,7 @@
           <a:p>
             <a:fld id="{5D5A7ACE-5314-0049-B55A-2FB85FFC4206}" type="slidenum">
               <a:rPr lang="fr-FR" smtClean="0"/>
-              <a:t>‹n°›</a:t>
+              <a:t>‹N°›</a:t>
             </a:fld>
             <a:endParaRPr lang="fr-FR"/>
           </a:p>
@@ -5416,7 +5416,7 @@
           <a:p>
             <a:fld id="{5D5A7ACE-5314-0049-B55A-2FB85FFC4206}" type="slidenum">
               <a:rPr lang="fr-FR" smtClean="0"/>
-              <a:t>‹n°›</a:t>
+              <a:t>‹N°›</a:t>
             </a:fld>
             <a:endParaRPr lang="fr-FR"/>
           </a:p>
@@ -7385,13 +7385,43 @@
               <a:buNone/>
             </a:pPr>
             <a:r>
-              <a:t>Modèles testés - Modèle de boosting de gradient stochastique (</a:t>
-            </a:r>
-            <a:r>
-              <a:rPr i="1"/>
+              <a:rPr dirty="0" err="1"/>
+              <a:t>Modèles</a:t>
+            </a:r>
+            <a:r>
+              <a:rPr dirty="0"/>
+              <a:t> </a:t>
+            </a:r>
+            <a:r>
+              <a:rPr dirty="0" err="1"/>
+              <a:t>testés</a:t>
+            </a:r>
+            <a:r>
+              <a:rPr dirty="0"/>
+              <a:t> - </a:t>
+            </a:r>
+            <a:r>
+              <a:rPr dirty="0" err="1"/>
+              <a:t>Modèle</a:t>
+            </a:r>
+            <a:r>
+              <a:rPr dirty="0"/>
+              <a:t> de boosting de gradient </a:t>
+            </a:r>
+            <a:r>
+              <a:rPr dirty="0" err="1"/>
+              <a:t>stochastique</a:t>
+            </a:r>
+            <a:r>
+              <a:rPr dirty="0"/>
+              <a:t> (</a:t>
+            </a:r>
+            <a:r>
+              <a:rPr i="1" dirty="0"/>
               <a:t>GBM</a:t>
             </a:r>
             <a:r>
+              <a:rPr dirty="0"/>
               <a:t>)</a:t>
             </a:r>
           </a:p>
@@ -7516,13 +7546,43 @@
               <a:buNone/>
             </a:pPr>
             <a:r>
-              <a:t>Modèles testés - Modèle de boosting de gradient stochastique (</a:t>
-            </a:r>
-            <a:r>
-              <a:rPr i="1"/>
+              <a:rPr dirty="0" err="1"/>
+              <a:t>Modèles</a:t>
+            </a:r>
+            <a:r>
+              <a:rPr dirty="0"/>
+              <a:t> </a:t>
+            </a:r>
+            <a:r>
+              <a:rPr dirty="0" err="1"/>
+              <a:t>testés</a:t>
+            </a:r>
+            <a:r>
+              <a:rPr dirty="0"/>
+              <a:t> - </a:t>
+            </a:r>
+            <a:r>
+              <a:rPr dirty="0" err="1"/>
+              <a:t>Modèle</a:t>
+            </a:r>
+            <a:r>
+              <a:rPr dirty="0"/>
+              <a:t> de boosting de gradient </a:t>
+            </a:r>
+            <a:r>
+              <a:rPr dirty="0" err="1"/>
+              <a:t>stochastique</a:t>
+            </a:r>
+            <a:r>
+              <a:rPr dirty="0"/>
+              <a:t> (</a:t>
+            </a:r>
+            <a:r>
+              <a:rPr i="1" dirty="0"/>
               <a:t>GBM</a:t>
             </a:r>
             <a:r>
+              <a:rPr dirty="0"/>
               <a:t>) (suite)</a:t>
             </a:r>
           </a:p>
@@ -7538,13 +7598,13 @@
             <p:ph idx="1"/>
             <p:extLst>
               <p:ext uri="{D42A27DB-BD31-4B8C-83A1-F6EECF244321}">
-                <p14:modId xmlns:p14="http://schemas.microsoft.com/office/powerpoint/2010/main" val="1725328939"/>
+                <p14:modId xmlns:p14="http://schemas.microsoft.com/office/powerpoint/2010/main" val="3296587280"/>
               </p:ext>
             </p:extLst>
           </p:nvPr>
         </p:nvGraphicFramePr>
         <p:xfrm>
-          <a:off x="673100" y="2159000"/>
+          <a:off x="841776" y="3876041"/>
           <a:ext cx="8572500" cy="2103120"/>
         </p:xfrm>
         <a:graphic>
@@ -7616,8 +7676,14 @@
                         <a:buNone/>
                       </a:pPr>
                       <a:r>
-                        <a:t>EQM de validation croisée</a:t>
+                        <a:rPr dirty="0"/>
+                        <a:t>EQM de validation </a:t>
                       </a:r>
+                      <a:r>
+                        <a:rPr dirty="0" err="1"/>
+                        <a:t>croisée</a:t>
+                      </a:r>
+                      <a:endParaRPr dirty="0"/>
                     </a:p>
                   </a:txBody>
                   <a:tcPr/>
@@ -7920,7 +7986,7 @@
         </p:nvSpPr>
         <p:spPr>
           <a:xfrm>
-            <a:off x="673100" y="5524500"/>
+            <a:off x="939430" y="6248400"/>
             <a:ext cx="8585200" cy="508000"/>
           </a:xfrm>
           <a:prstGeom prst="rect">
@@ -7936,8 +8002,317 @@
               <a:buNone/>
             </a:pPr>
             <a:r>
-              <a:t>L’EQM des modèles testés</a:t>
-            </a:r>
+              <a:rPr dirty="0"/>
+              <a:t>L’EQM des </a:t>
+            </a:r>
+            <a:r>
+              <a:rPr dirty="0" err="1"/>
+              <a:t>modèles</a:t>
+            </a:r>
+            <a:r>
+              <a:rPr lang="fr-CA" dirty="0"/>
+              <a:t> de GBM</a:t>
+            </a:r>
+            <a:r>
+              <a:rPr dirty="0"/>
+              <a:t> </a:t>
+            </a:r>
+            <a:r>
+              <a:rPr dirty="0" err="1"/>
+              <a:t>testés</a:t>
+            </a:r>
+            <a:endParaRPr dirty="0"/>
+          </a:p>
+        </p:txBody>
+      </p:sp>
+      <p:sp>
+        <p:nvSpPr>
+          <p:cNvPr id="5" name="Content Placeholder 2">
+            <a:extLst>
+              <a:ext uri="{FF2B5EF4-FFF2-40B4-BE49-F238E27FC236}">
+                <a16:creationId xmlns:a16="http://schemas.microsoft.com/office/drawing/2014/main" id="{D597944E-0CB8-448F-AE9A-9540338C209A}"/>
+              </a:ext>
+            </a:extLst>
+          </p:cNvPr>
+          <p:cNvSpPr txBox="1">
+            <a:spLocks/>
+          </p:cNvSpPr>
+          <p:nvPr/>
+        </p:nvSpPr>
+        <p:spPr>
+          <a:xfrm>
+            <a:off x="490903" y="2066130"/>
+            <a:ext cx="8596668" cy="3880773"/>
+          </a:xfrm>
+          <a:prstGeom prst="rect">
+            <a:avLst/>
+          </a:prstGeom>
+        </p:spPr>
+        <p:txBody>
+          <a:bodyPr vert="horz" lIns="91440" tIns="45720" rIns="91440" bIns="45720" rtlCol="0">
+            <a:normAutofit/>
+          </a:bodyPr>
+          <a:lstStyle>
+            <a:lvl1pPr marL="342900" indent="-342900" algn="l" defTabSz="457200" rtl="0" eaLnBrk="1" latinLnBrk="0" hangingPunct="1">
+              <a:spcBef>
+                <a:spcPts val="1000"/>
+              </a:spcBef>
+              <a:spcAft>
+                <a:spcPts val="0"/>
+              </a:spcAft>
+              <a:buClr>
+                <a:schemeClr val="accent1"/>
+              </a:buClr>
+              <a:buSzPct val="80000"/>
+              <a:buFont typeface="Wingdings 3" charset="2"/>
+              <a:buChar char=""/>
+              <a:defRPr sz="1800" kern="1200">
+                <a:solidFill>
+                  <a:schemeClr val="tx1">
+                    <a:lumMod val="75000"/>
+                    <a:lumOff val="25000"/>
+                  </a:schemeClr>
+                </a:solidFill>
+                <a:latin typeface="+mn-lt"/>
+                <a:ea typeface="+mn-ea"/>
+                <a:cs typeface="+mn-cs"/>
+              </a:defRPr>
+            </a:lvl1pPr>
+            <a:lvl2pPr marL="742950" indent="-285750" algn="l" defTabSz="457200" rtl="0" eaLnBrk="1" latinLnBrk="0" hangingPunct="1">
+              <a:spcBef>
+                <a:spcPts val="1000"/>
+              </a:spcBef>
+              <a:spcAft>
+                <a:spcPts val="0"/>
+              </a:spcAft>
+              <a:buClr>
+                <a:schemeClr val="accent1"/>
+              </a:buClr>
+              <a:buSzPct val="80000"/>
+              <a:buFont typeface="Wingdings 3" charset="2"/>
+              <a:buChar char=""/>
+              <a:defRPr sz="1600" kern="1200">
+                <a:solidFill>
+                  <a:schemeClr val="tx1">
+                    <a:lumMod val="75000"/>
+                    <a:lumOff val="25000"/>
+                  </a:schemeClr>
+                </a:solidFill>
+                <a:latin typeface="+mn-lt"/>
+                <a:ea typeface="+mn-ea"/>
+                <a:cs typeface="+mn-cs"/>
+              </a:defRPr>
+            </a:lvl2pPr>
+            <a:lvl3pPr marL="1143000" indent="-228600" algn="l" defTabSz="457200" rtl="0" eaLnBrk="1" latinLnBrk="0" hangingPunct="1">
+              <a:spcBef>
+                <a:spcPts val="1000"/>
+              </a:spcBef>
+              <a:spcAft>
+                <a:spcPts val="0"/>
+              </a:spcAft>
+              <a:buClr>
+                <a:schemeClr val="accent1"/>
+              </a:buClr>
+              <a:buSzPct val="80000"/>
+              <a:buFont typeface="Wingdings 3" charset="2"/>
+              <a:buChar char=""/>
+              <a:defRPr sz="1400" kern="1200">
+                <a:solidFill>
+                  <a:schemeClr val="tx1">
+                    <a:lumMod val="75000"/>
+                    <a:lumOff val="25000"/>
+                  </a:schemeClr>
+                </a:solidFill>
+                <a:latin typeface="+mn-lt"/>
+                <a:ea typeface="+mn-ea"/>
+                <a:cs typeface="+mn-cs"/>
+              </a:defRPr>
+            </a:lvl3pPr>
+            <a:lvl4pPr marL="1600200" indent="-228600" algn="l" defTabSz="457200" rtl="0" eaLnBrk="1" latinLnBrk="0" hangingPunct="1">
+              <a:spcBef>
+                <a:spcPts val="1000"/>
+              </a:spcBef>
+              <a:spcAft>
+                <a:spcPts val="0"/>
+              </a:spcAft>
+              <a:buClr>
+                <a:schemeClr val="accent1"/>
+              </a:buClr>
+              <a:buSzPct val="80000"/>
+              <a:buFont typeface="Wingdings 3" charset="2"/>
+              <a:buChar char=""/>
+              <a:defRPr sz="1200" kern="1200">
+                <a:solidFill>
+                  <a:schemeClr val="tx1">
+                    <a:lumMod val="75000"/>
+                    <a:lumOff val="25000"/>
+                  </a:schemeClr>
+                </a:solidFill>
+                <a:latin typeface="+mn-lt"/>
+                <a:ea typeface="+mn-ea"/>
+                <a:cs typeface="+mn-cs"/>
+              </a:defRPr>
+            </a:lvl4pPr>
+            <a:lvl5pPr marL="2057400" indent="-228600" algn="l" defTabSz="457200" rtl="0" eaLnBrk="1" latinLnBrk="0" hangingPunct="1">
+              <a:spcBef>
+                <a:spcPts val="1000"/>
+              </a:spcBef>
+              <a:spcAft>
+                <a:spcPts val="0"/>
+              </a:spcAft>
+              <a:buClr>
+                <a:schemeClr val="accent1"/>
+              </a:buClr>
+              <a:buSzPct val="80000"/>
+              <a:buFont typeface="Wingdings 3" charset="2"/>
+              <a:buChar char=""/>
+              <a:defRPr sz="1200" kern="1200">
+                <a:solidFill>
+                  <a:schemeClr val="tx1">
+                    <a:lumMod val="75000"/>
+                    <a:lumOff val="25000"/>
+                  </a:schemeClr>
+                </a:solidFill>
+                <a:latin typeface="+mn-lt"/>
+                <a:ea typeface="+mn-ea"/>
+                <a:cs typeface="+mn-cs"/>
+              </a:defRPr>
+            </a:lvl5pPr>
+            <a:lvl6pPr marL="2514600" indent="-228600" algn="l" defTabSz="457200" rtl="0" eaLnBrk="1" latinLnBrk="0" hangingPunct="1">
+              <a:spcBef>
+                <a:spcPts val="1000"/>
+              </a:spcBef>
+              <a:spcAft>
+                <a:spcPts val="0"/>
+              </a:spcAft>
+              <a:buClr>
+                <a:schemeClr val="accent1"/>
+              </a:buClr>
+              <a:buSzPct val="80000"/>
+              <a:buFont typeface="Wingdings 3" charset="2"/>
+              <a:buChar char=""/>
+              <a:defRPr sz="1200" kern="1200">
+                <a:solidFill>
+                  <a:schemeClr val="tx1">
+                    <a:lumMod val="75000"/>
+                    <a:lumOff val="25000"/>
+                  </a:schemeClr>
+                </a:solidFill>
+                <a:latin typeface="+mn-lt"/>
+                <a:ea typeface="+mn-ea"/>
+                <a:cs typeface="+mn-cs"/>
+              </a:defRPr>
+            </a:lvl6pPr>
+            <a:lvl7pPr marL="2971800" indent="-228600" algn="l" defTabSz="457200" rtl="0" eaLnBrk="1" latinLnBrk="0" hangingPunct="1">
+              <a:spcBef>
+                <a:spcPts val="1000"/>
+              </a:spcBef>
+              <a:spcAft>
+                <a:spcPts val="0"/>
+              </a:spcAft>
+              <a:buClr>
+                <a:schemeClr val="accent1"/>
+              </a:buClr>
+              <a:buSzPct val="80000"/>
+              <a:buFont typeface="Wingdings 3" charset="2"/>
+              <a:buChar char=""/>
+              <a:defRPr sz="1200" kern="1200">
+                <a:solidFill>
+                  <a:schemeClr val="tx1">
+                    <a:lumMod val="75000"/>
+                    <a:lumOff val="25000"/>
+                  </a:schemeClr>
+                </a:solidFill>
+                <a:latin typeface="+mn-lt"/>
+                <a:ea typeface="+mn-ea"/>
+                <a:cs typeface="+mn-cs"/>
+              </a:defRPr>
+            </a:lvl7pPr>
+            <a:lvl8pPr marL="3429000" indent="-228600" algn="l" defTabSz="457200" rtl="0" eaLnBrk="1" latinLnBrk="0" hangingPunct="1">
+              <a:spcBef>
+                <a:spcPts val="1000"/>
+              </a:spcBef>
+              <a:spcAft>
+                <a:spcPts val="0"/>
+              </a:spcAft>
+              <a:buClr>
+                <a:schemeClr val="accent1"/>
+              </a:buClr>
+              <a:buSzPct val="80000"/>
+              <a:buFont typeface="Wingdings 3" charset="2"/>
+              <a:buChar char=""/>
+              <a:defRPr sz="1200" kern="1200">
+                <a:solidFill>
+                  <a:schemeClr val="tx1">
+                    <a:lumMod val="75000"/>
+                    <a:lumOff val="25000"/>
+                  </a:schemeClr>
+                </a:solidFill>
+                <a:latin typeface="+mn-lt"/>
+                <a:ea typeface="+mn-ea"/>
+                <a:cs typeface="+mn-cs"/>
+              </a:defRPr>
+            </a:lvl8pPr>
+            <a:lvl9pPr marL="3886200" indent="-228600" algn="l" defTabSz="457200" rtl="0" eaLnBrk="1" latinLnBrk="0" hangingPunct="1">
+              <a:spcBef>
+                <a:spcPts val="1000"/>
+              </a:spcBef>
+              <a:spcAft>
+                <a:spcPts val="0"/>
+              </a:spcAft>
+              <a:buClr>
+                <a:schemeClr val="accent1"/>
+              </a:buClr>
+              <a:buSzPct val="80000"/>
+              <a:buFont typeface="Wingdings 3" charset="2"/>
+              <a:buChar char=""/>
+              <a:defRPr sz="1200" kern="1200">
+                <a:solidFill>
+                  <a:schemeClr val="tx1">
+                    <a:lumMod val="75000"/>
+                    <a:lumOff val="25000"/>
+                  </a:schemeClr>
+                </a:solidFill>
+                <a:latin typeface="+mn-lt"/>
+                <a:ea typeface="+mn-ea"/>
+                <a:cs typeface="+mn-cs"/>
+              </a:defRPr>
+            </a:lvl9pPr>
+          </a:lstStyle>
+          <a:p>
+            <a:pPr lvl="1"/>
+            <a:r>
+              <a:rPr lang="fr-CA" sz="1800" dirty="0"/>
+              <a:t>Comparaison selon l’EQM de validation croisée</a:t>
+            </a:r>
+          </a:p>
+          <a:p>
+            <a:pPr lvl="1"/>
+            <a:r>
+              <a:rPr lang="fr-CA" sz="1800" dirty="0"/>
+              <a:t>Modèle final:</a:t>
+            </a:r>
+          </a:p>
+          <a:p>
+            <a:pPr lvl="2"/>
+            <a:r>
+              <a:rPr lang="fr-CA" sz="1600" dirty="0">
+                <a:latin typeface="Courier"/>
+              </a:rPr>
+              <a:t>d=9</a:t>
+            </a:r>
+          </a:p>
+          <a:p>
+            <a:pPr lvl="2"/>
+            <a:r>
+              <a:rPr lang="fr-CA" sz="1600" dirty="0">
+                <a:latin typeface="Courier"/>
+              </a:rPr>
+              <a:t>T=10515</a:t>
+            </a:r>
+            <a:endParaRPr lang="fr-CA" dirty="0">
+              <a:latin typeface="Courier"/>
+            </a:endParaRPr>
           </a:p>
         </p:txBody>
       </p:sp>
@@ -7968,12 +8343,12 @@
       </p:grpSpPr>
       <p:sp>
         <p:nvSpPr>
-          <p:cNvPr id="3" name="Content Placeholder 2"/>
-          <p:cNvSpPr>
-            <a:spLocks noGrp="1"/>
-          </p:cNvSpPr>
-          <p:nvPr>
-            <p:ph idx="1"/>
+          <p:cNvPr id="2" name="Title 1"/>
+          <p:cNvSpPr>
+            <a:spLocks noGrp="1"/>
+          </p:cNvSpPr>
+          <p:nvPr>
+            <p:ph type="title"/>
           </p:nvPr>
         </p:nvSpPr>
         <p:spPr/>
@@ -7981,64 +8356,437 @@
           <a:bodyPr/>
           <a:lstStyle/>
           <a:p>
-            <a:pPr lvl="1"/>
-            <a:r>
-              <a:rPr dirty="0" err="1"/>
-              <a:t>Comparaison</a:t>
-            </a:r>
-            <a:r>
-              <a:rPr dirty="0"/>
-              <a:t> </a:t>
-            </a:r>
-            <a:r>
-              <a:rPr dirty="0" err="1"/>
-              <a:t>selon</a:t>
-            </a:r>
-            <a:r>
-              <a:rPr dirty="0"/>
-              <a:t> </a:t>
-            </a:r>
-            <a:r>
-              <a:rPr dirty="0" err="1"/>
-              <a:t>l’EQM</a:t>
-            </a:r>
-            <a:r>
-              <a:rPr dirty="0"/>
-              <a:t> de validation </a:t>
-            </a:r>
-            <a:r>
-              <a:rPr dirty="0" err="1"/>
-              <a:t>croisée</a:t>
-            </a:r>
-            <a:endParaRPr dirty="0"/>
-          </a:p>
-          <a:p>
-            <a:pPr lvl="1"/>
-            <a:r>
-              <a:rPr dirty="0" err="1"/>
-              <a:t>Modèle</a:t>
-            </a:r>
-            <a:r>
-              <a:rPr dirty="0"/>
-              <a:t> final:</a:t>
-            </a:r>
-          </a:p>
-          <a:p>
-            <a:pPr lvl="2"/>
-            <a:r>
-              <a:rPr dirty="0">
-                <a:latin typeface="Courier"/>
-              </a:rPr>
-              <a:t>d=9</a:t>
-            </a:r>
-          </a:p>
-          <a:p>
-            <a:pPr lvl="2"/>
-            <a:r>
-              <a:rPr dirty="0">
-                <a:latin typeface="Courier"/>
-              </a:rPr>
-              <a:t>T=10515</a:t>
+            <a:pPr marL="0" lvl="0" indent="0">
+              <a:buNone/>
+            </a:pPr>
+            <a:r>
+              <a:t>Comparaison des modèles</a:t>
+            </a:r>
+          </a:p>
+        </p:txBody>
+      </p:sp>
+      <p:graphicFrame>
+        <p:nvGraphicFramePr>
+          <p:cNvPr id="6" name="Content Placeholder 5"/>
+          <p:cNvGraphicFramePr>
+            <a:graphicFrameLocks noGrp="1"/>
+          </p:cNvGraphicFramePr>
+          <p:nvPr>
+            <p:ph idx="1"/>
+            <p:extLst>
+              <p:ext uri="{D42A27DB-BD31-4B8C-83A1-F6EECF244321}">
+                <p14:modId xmlns:p14="http://schemas.microsoft.com/office/powerpoint/2010/main" val="2835671184"/>
+              </p:ext>
+            </p:extLst>
+          </p:nvPr>
+        </p:nvGraphicFramePr>
+        <p:xfrm>
+          <a:off x="673100" y="2159000"/>
+          <a:ext cx="8585200" cy="2926080"/>
+        </p:xfrm>
+        <a:graphic>
+          <a:graphicData uri="http://schemas.openxmlformats.org/drawingml/2006/table">
+            <a:tbl>
+              <a:tblPr firstRow="1" bandRow="1">
+                <a:tableStyleId>{5C22544A-7EE6-4342-B048-85BDC9FD1C3A}</a:tableStyleId>
+              </a:tblPr>
+              <a:tblGrid>
+                <a:gridCol w="4292600">
+                  <a:extLst>
+                    <a:ext uri="{9D8B030D-6E8A-4147-A177-3AD203B41FA5}">
+                      <a16:colId xmlns:a16="http://schemas.microsoft.com/office/drawing/2014/main" val="20000"/>
+                    </a:ext>
+                  </a:extLst>
+                </a:gridCol>
+                <a:gridCol w="4292600">
+                  <a:extLst>
+                    <a:ext uri="{9D8B030D-6E8A-4147-A177-3AD203B41FA5}">
+                      <a16:colId xmlns:a16="http://schemas.microsoft.com/office/drawing/2014/main" val="20001"/>
+                    </a:ext>
+                  </a:extLst>
+                </a:gridCol>
+              </a:tblGrid>
+              <a:tr h="0">
+                <a:tc>
+                  <a:txBody>
+                    <a:bodyPr/>
+                    <a:lstStyle/>
+                    <a:p>
+                      <a:pPr marL="0" lvl="0" indent="0" algn="l">
+                        <a:buNone/>
+                      </a:pPr>
+                      <a:r>
+                        <a:t>Modèles</a:t>
+                      </a:r>
+                    </a:p>
+                  </a:txBody>
+                  <a:tcPr/>
+                </a:tc>
+                <a:tc>
+                  <a:txBody>
+                    <a:bodyPr/>
+                    <a:lstStyle/>
+                    <a:p>
+                      <a:pPr marL="0" lvl="0" indent="0" algn="r">
+                        <a:buNone/>
+                      </a:pPr>
+                      <a:r>
+                        <a:t>EQM</a:t>
+                      </a:r>
+                    </a:p>
+                  </a:txBody>
+                  <a:tcPr/>
+                </a:tc>
+                <a:extLst>
+                  <a:ext uri="{0D108BD9-81ED-4DB2-BD59-A6C34878D82A}">
+                    <a16:rowId xmlns:a16="http://schemas.microsoft.com/office/drawing/2014/main" val="10000"/>
+                  </a:ext>
+                </a:extLst>
+              </a:tr>
+              <a:tr h="0">
+                <a:tc>
+                  <a:txBody>
+                    <a:bodyPr/>
+                    <a:lstStyle/>
+                    <a:p>
+                      <a:pPr marL="0" lvl="0" indent="0" algn="l">
+                        <a:buNone/>
+                      </a:pPr>
+                      <a:r>
+                        <a:t>Modèle de base</a:t>
+                      </a:r>
+                    </a:p>
+                  </a:txBody>
+                  <a:tcPr/>
+                </a:tc>
+                <a:tc>
+                  <a:txBody>
+                    <a:bodyPr/>
+                    <a:lstStyle/>
+                    <a:p>
+                      <a:pPr marL="0" lvl="0" indent="0" algn="r">
+                        <a:buNone/>
+                      </a:pPr>
+                      <a:r>
+                        <a:rPr dirty="0"/>
+                        <a:t>0</a:t>
+                      </a:r>
+                      <a:r>
+                        <a:rPr lang="fr-CA" dirty="0"/>
+                        <a:t>,</a:t>
+                      </a:r>
+                      <a:r>
+                        <a:rPr dirty="0"/>
+                        <a:t>05300</a:t>
+                      </a:r>
+                    </a:p>
+                  </a:txBody>
+                  <a:tcPr/>
+                </a:tc>
+                <a:extLst>
+                  <a:ext uri="{0D108BD9-81ED-4DB2-BD59-A6C34878D82A}">
+                    <a16:rowId xmlns:a16="http://schemas.microsoft.com/office/drawing/2014/main" val="10001"/>
+                  </a:ext>
+                </a:extLst>
+              </a:tr>
+              <a:tr h="0">
+                <a:tc>
+                  <a:txBody>
+                    <a:bodyPr/>
+                    <a:lstStyle/>
+                    <a:p>
+                      <a:pPr marL="0" lvl="0" indent="0" algn="l">
+                        <a:buNone/>
+                      </a:pPr>
+                      <a:r>
+                        <a:t>Modèle Lasso</a:t>
+                      </a:r>
+                    </a:p>
+                  </a:txBody>
+                  <a:tcPr/>
+                </a:tc>
+                <a:tc>
+                  <a:txBody>
+                    <a:bodyPr/>
+                    <a:lstStyle/>
+                    <a:p>
+                      <a:pPr marL="0" lvl="0" indent="0" algn="r">
+                        <a:buNone/>
+                      </a:pPr>
+                      <a:r>
+                        <a:rPr dirty="0"/>
+                        <a:t>0</a:t>
+                      </a:r>
+                      <a:r>
+                        <a:rPr lang="fr-CA" dirty="0"/>
+                        <a:t>,</a:t>
+                      </a:r>
+                      <a:r>
+                        <a:rPr dirty="0"/>
+                        <a:t>05245</a:t>
+                      </a:r>
+                    </a:p>
+                  </a:txBody>
+                  <a:tcPr/>
+                </a:tc>
+                <a:extLst>
+                  <a:ext uri="{0D108BD9-81ED-4DB2-BD59-A6C34878D82A}">
+                    <a16:rowId xmlns:a16="http://schemas.microsoft.com/office/drawing/2014/main" val="10002"/>
+                  </a:ext>
+                </a:extLst>
+              </a:tr>
+              <a:tr h="0">
+                <a:tc>
+                  <a:txBody>
+                    <a:bodyPr/>
+                    <a:lstStyle/>
+                    <a:p>
+                      <a:pPr marL="0" lvl="0" indent="0" algn="l">
+                        <a:buNone/>
+                      </a:pPr>
+                      <a:r>
+                        <a:t>K plus proches voisins</a:t>
+                      </a:r>
+                    </a:p>
+                  </a:txBody>
+                  <a:tcPr/>
+                </a:tc>
+                <a:tc>
+                  <a:txBody>
+                    <a:bodyPr/>
+                    <a:lstStyle/>
+                    <a:p>
+                      <a:pPr marL="0" lvl="0" indent="0" algn="r">
+                        <a:buNone/>
+                      </a:pPr>
+                      <a:r>
+                        <a:rPr dirty="0"/>
+                        <a:t>0</a:t>
+                      </a:r>
+                      <a:r>
+                        <a:rPr lang="fr-CA" dirty="0"/>
+                        <a:t>,</a:t>
+                      </a:r>
+                      <a:r>
+                        <a:rPr dirty="0"/>
+                        <a:t>04570</a:t>
+                      </a:r>
+                    </a:p>
+                  </a:txBody>
+                  <a:tcPr/>
+                </a:tc>
+                <a:extLst>
+                  <a:ext uri="{0D108BD9-81ED-4DB2-BD59-A6C34878D82A}">
+                    <a16:rowId xmlns:a16="http://schemas.microsoft.com/office/drawing/2014/main" val="10003"/>
+                  </a:ext>
+                </a:extLst>
+              </a:tr>
+              <a:tr h="0">
+                <a:tc>
+                  <a:txBody>
+                    <a:bodyPr/>
+                    <a:lstStyle/>
+                    <a:p>
+                      <a:pPr marL="0" lvl="0" indent="0" algn="l">
+                        <a:buNone/>
+                      </a:pPr>
+                      <a:r>
+                        <a:t>Arbre de décision</a:t>
+                      </a:r>
+                    </a:p>
+                  </a:txBody>
+                  <a:tcPr/>
+                </a:tc>
+                <a:tc>
+                  <a:txBody>
+                    <a:bodyPr/>
+                    <a:lstStyle/>
+                    <a:p>
+                      <a:pPr marL="0" lvl="0" indent="0" algn="r">
+                        <a:buNone/>
+                      </a:pPr>
+                      <a:r>
+                        <a:rPr dirty="0"/>
+                        <a:t>0</a:t>
+                      </a:r>
+                      <a:r>
+                        <a:rPr lang="fr-CA" dirty="0"/>
+                        <a:t>,</a:t>
+                      </a:r>
+                      <a:r>
+                        <a:rPr dirty="0"/>
+                        <a:t>04962</a:t>
+                      </a:r>
+                    </a:p>
+                  </a:txBody>
+                  <a:tcPr/>
+                </a:tc>
+                <a:extLst>
+                  <a:ext uri="{0D108BD9-81ED-4DB2-BD59-A6C34878D82A}">
+                    <a16:rowId xmlns:a16="http://schemas.microsoft.com/office/drawing/2014/main" val="10004"/>
+                  </a:ext>
+                </a:extLst>
+              </a:tr>
+              <a:tr h="0">
+                <a:tc>
+                  <a:txBody>
+                    <a:bodyPr/>
+                    <a:lstStyle/>
+                    <a:p>
+                      <a:pPr marL="0" lvl="0" indent="0" algn="l">
+                        <a:buNone/>
+                      </a:pPr>
+                      <a:r>
+                        <a:t>Bagging</a:t>
+                      </a:r>
+                    </a:p>
+                  </a:txBody>
+                  <a:tcPr/>
+                </a:tc>
+                <a:tc>
+                  <a:txBody>
+                    <a:bodyPr/>
+                    <a:lstStyle/>
+                    <a:p>
+                      <a:pPr marL="0" lvl="0" indent="0" algn="r">
+                        <a:buNone/>
+                      </a:pPr>
+                      <a:r>
+                        <a:rPr dirty="0"/>
+                        <a:t>0</a:t>
+                      </a:r>
+                      <a:r>
+                        <a:rPr lang="fr-CA" dirty="0"/>
+                        <a:t>,</a:t>
+                      </a:r>
+                      <a:r>
+                        <a:rPr dirty="0"/>
+                        <a:t>03350</a:t>
+                      </a:r>
+                    </a:p>
+                  </a:txBody>
+                  <a:tcPr/>
+                </a:tc>
+                <a:extLst>
+                  <a:ext uri="{0D108BD9-81ED-4DB2-BD59-A6C34878D82A}">
+                    <a16:rowId xmlns:a16="http://schemas.microsoft.com/office/drawing/2014/main" val="10005"/>
+                  </a:ext>
+                </a:extLst>
+              </a:tr>
+              <a:tr h="0">
+                <a:tc>
+                  <a:txBody>
+                    <a:bodyPr/>
+                    <a:lstStyle/>
+                    <a:p>
+                      <a:pPr marL="0" lvl="0" indent="0" algn="l">
+                        <a:buNone/>
+                      </a:pPr>
+                      <a:r>
+                        <a:t>Forêt aléatoire</a:t>
+                      </a:r>
+                    </a:p>
+                  </a:txBody>
+                  <a:tcPr/>
+                </a:tc>
+                <a:tc>
+                  <a:txBody>
+                    <a:bodyPr/>
+                    <a:lstStyle/>
+                    <a:p>
+                      <a:pPr marL="0" lvl="0" indent="0" algn="r">
+                        <a:buNone/>
+                      </a:pPr>
+                      <a:r>
+                        <a:rPr dirty="0"/>
+                        <a:t>0</a:t>
+                      </a:r>
+                      <a:r>
+                        <a:rPr lang="fr-CA" dirty="0"/>
+                        <a:t>,</a:t>
+                      </a:r>
+                      <a:r>
+                        <a:rPr dirty="0"/>
+                        <a:t>03253</a:t>
+                      </a:r>
+                    </a:p>
+                  </a:txBody>
+                  <a:tcPr/>
+                </a:tc>
+                <a:extLst>
+                  <a:ext uri="{0D108BD9-81ED-4DB2-BD59-A6C34878D82A}">
+                    <a16:rowId xmlns:a16="http://schemas.microsoft.com/office/drawing/2014/main" val="10006"/>
+                  </a:ext>
+                </a:extLst>
+              </a:tr>
+              <a:tr h="0">
+                <a:tc>
+                  <a:txBody>
+                    <a:bodyPr/>
+                    <a:lstStyle/>
+                    <a:p>
+                      <a:pPr marL="0" lvl="0" indent="0" algn="l">
+                        <a:buNone/>
+                      </a:pPr>
+                      <a:r>
+                        <a:t>Gradient boosting (GBM)</a:t>
+                      </a:r>
+                    </a:p>
+                  </a:txBody>
+                  <a:tcPr/>
+                </a:tc>
+                <a:tc>
+                  <a:txBody>
+                    <a:bodyPr/>
+                    <a:lstStyle/>
+                    <a:p>
+                      <a:pPr marL="0" lvl="0" indent="0" algn="r">
+                        <a:buNone/>
+                      </a:pPr>
+                      <a:r>
+                        <a:rPr lang="fr-CA" dirty="0"/>
+                        <a:t>0,02717</a:t>
+                      </a:r>
+                      <a:endParaRPr dirty="0"/>
+                    </a:p>
+                  </a:txBody>
+                  <a:tcPr/>
+                </a:tc>
+                <a:extLst>
+                  <a:ext uri="{0D108BD9-81ED-4DB2-BD59-A6C34878D82A}">
+                    <a16:rowId xmlns:a16="http://schemas.microsoft.com/office/drawing/2014/main" val="10007"/>
+                  </a:ext>
+                </a:extLst>
+              </a:tr>
+            </a:tbl>
+          </a:graphicData>
+        </a:graphic>
+      </p:graphicFrame>
+      <p:sp>
+        <p:nvSpPr>
+          <p:cNvPr id="3" name="TextBox 3"/>
+          <p:cNvSpPr txBox="1"/>
+          <p:nvPr/>
+        </p:nvSpPr>
+        <p:spPr>
+          <a:xfrm>
+            <a:off x="673100" y="5524500"/>
+            <a:ext cx="8585200" cy="508000"/>
+          </a:xfrm>
+          <a:prstGeom prst="rect">
+            <a:avLst/>
+          </a:prstGeom>
+          <a:noFill/>
+        </p:spPr>
+        <p:txBody>
+          <a:bodyPr/>
+          <a:lstStyle/>
+          <a:p>
+            <a:pPr marL="0" lvl="0" indent="0" algn="ctr">
+              <a:buNone/>
+            </a:pPr>
+            <a:r>
+              <a:t>L’EQM des sept modèles testés</a:t>
             </a:r>
           </a:p>
         </p:txBody>
@@ -8831,8 +9579,8 @@
         </p:blipFill>
         <p:spPr bwMode="auto">
           <a:xfrm>
-            <a:off x="985965" y="1081945"/>
-            <a:ext cx="4251408" cy="3188555"/>
+            <a:off x="1048679" y="1192762"/>
+            <a:ext cx="3949801" cy="2962350"/>
           </a:xfrm>
           <a:prstGeom prst="rect">
             <a:avLst/>
@@ -8877,7 +9625,7 @@
         </p:blipFill>
         <p:spPr bwMode="auto">
           <a:xfrm>
-            <a:off x="5244284" y="1192762"/>
+            <a:off x="5197775" y="1192762"/>
             <a:ext cx="4251408" cy="2954728"/>
           </a:xfrm>
           <a:prstGeom prst="rect">
@@ -8939,483 +9687,22 @@
               <a:buNone/>
             </a:pPr>
             <a:r>
-              <a:t>Comparaison des modèles</a:t>
-            </a:r>
-          </a:p>
-        </p:txBody>
-      </p:sp>
-      <p:graphicFrame>
-        <p:nvGraphicFramePr>
-          <p:cNvPr id="6" name="Content Placeholder 5"/>
-          <p:cNvGraphicFramePr>
-            <a:graphicFrameLocks noGrp="1"/>
-          </p:cNvGraphicFramePr>
-          <p:nvPr>
-            <p:ph idx="1"/>
-            <p:extLst>
-              <p:ext uri="{D42A27DB-BD31-4B8C-83A1-F6EECF244321}">
-                <p14:modId xmlns:p14="http://schemas.microsoft.com/office/powerpoint/2010/main" val="2835671184"/>
-              </p:ext>
-            </p:extLst>
-          </p:nvPr>
-        </p:nvGraphicFramePr>
-        <p:xfrm>
-          <a:off x="673100" y="2159000"/>
-          <a:ext cx="8585200" cy="2926080"/>
-        </p:xfrm>
-        <a:graphic>
-          <a:graphicData uri="http://schemas.openxmlformats.org/drawingml/2006/table">
-            <a:tbl>
-              <a:tblPr firstRow="1" bandRow="1">
-                <a:tableStyleId>{5C22544A-7EE6-4342-B048-85BDC9FD1C3A}</a:tableStyleId>
-              </a:tblPr>
-              <a:tblGrid>
-                <a:gridCol w="4292600">
-                  <a:extLst>
-                    <a:ext uri="{9D8B030D-6E8A-4147-A177-3AD203B41FA5}">
-                      <a16:colId xmlns:a16="http://schemas.microsoft.com/office/drawing/2014/main" val="20000"/>
-                    </a:ext>
-                  </a:extLst>
-                </a:gridCol>
-                <a:gridCol w="4292600">
-                  <a:extLst>
-                    <a:ext uri="{9D8B030D-6E8A-4147-A177-3AD203B41FA5}">
-                      <a16:colId xmlns:a16="http://schemas.microsoft.com/office/drawing/2014/main" val="20001"/>
-                    </a:ext>
-                  </a:extLst>
-                </a:gridCol>
-              </a:tblGrid>
-              <a:tr h="0">
-                <a:tc>
-                  <a:txBody>
-                    <a:bodyPr/>
-                    <a:lstStyle/>
-                    <a:p>
-                      <a:pPr marL="0" lvl="0" indent="0" algn="l">
-                        <a:buNone/>
-                      </a:pPr>
-                      <a:r>
-                        <a:t>Modèles</a:t>
-                      </a:r>
-                    </a:p>
-                  </a:txBody>
-                  <a:tcPr/>
-                </a:tc>
-                <a:tc>
-                  <a:txBody>
-                    <a:bodyPr/>
-                    <a:lstStyle/>
-                    <a:p>
-                      <a:pPr marL="0" lvl="0" indent="0" algn="r">
-                        <a:buNone/>
-                      </a:pPr>
-                      <a:r>
-                        <a:t>EQM</a:t>
-                      </a:r>
-                    </a:p>
-                  </a:txBody>
-                  <a:tcPr/>
-                </a:tc>
-                <a:extLst>
-                  <a:ext uri="{0D108BD9-81ED-4DB2-BD59-A6C34878D82A}">
-                    <a16:rowId xmlns:a16="http://schemas.microsoft.com/office/drawing/2014/main" val="10000"/>
-                  </a:ext>
-                </a:extLst>
-              </a:tr>
-              <a:tr h="0">
-                <a:tc>
-                  <a:txBody>
-                    <a:bodyPr/>
-                    <a:lstStyle/>
-                    <a:p>
-                      <a:pPr marL="0" lvl="0" indent="0" algn="l">
-                        <a:buNone/>
-                      </a:pPr>
-                      <a:r>
-                        <a:t>Modèle de base</a:t>
-                      </a:r>
-                    </a:p>
-                  </a:txBody>
-                  <a:tcPr/>
-                </a:tc>
-                <a:tc>
-                  <a:txBody>
-                    <a:bodyPr/>
-                    <a:lstStyle/>
-                    <a:p>
-                      <a:pPr marL="0" lvl="0" indent="0" algn="r">
-                        <a:buNone/>
-                      </a:pPr>
-                      <a:r>
-                        <a:rPr dirty="0"/>
-                        <a:t>0</a:t>
-                      </a:r>
-                      <a:r>
-                        <a:rPr lang="fr-CA" dirty="0"/>
-                        <a:t>,</a:t>
-                      </a:r>
-                      <a:r>
-                        <a:rPr dirty="0"/>
-                        <a:t>05300</a:t>
-                      </a:r>
-                    </a:p>
-                  </a:txBody>
-                  <a:tcPr/>
-                </a:tc>
-                <a:extLst>
-                  <a:ext uri="{0D108BD9-81ED-4DB2-BD59-A6C34878D82A}">
-                    <a16:rowId xmlns:a16="http://schemas.microsoft.com/office/drawing/2014/main" val="10001"/>
-                  </a:ext>
-                </a:extLst>
-              </a:tr>
-              <a:tr h="0">
-                <a:tc>
-                  <a:txBody>
-                    <a:bodyPr/>
-                    <a:lstStyle/>
-                    <a:p>
-                      <a:pPr marL="0" lvl="0" indent="0" algn="l">
-                        <a:buNone/>
-                      </a:pPr>
-                      <a:r>
-                        <a:t>Modèle Lasso</a:t>
-                      </a:r>
-                    </a:p>
-                  </a:txBody>
-                  <a:tcPr/>
-                </a:tc>
-                <a:tc>
-                  <a:txBody>
-                    <a:bodyPr/>
-                    <a:lstStyle/>
-                    <a:p>
-                      <a:pPr marL="0" lvl="0" indent="0" algn="r">
-                        <a:buNone/>
-                      </a:pPr>
-                      <a:r>
-                        <a:rPr dirty="0"/>
-                        <a:t>0</a:t>
-                      </a:r>
-                      <a:r>
-                        <a:rPr lang="fr-CA" dirty="0"/>
-                        <a:t>,</a:t>
-                      </a:r>
-                      <a:r>
-                        <a:rPr dirty="0"/>
-                        <a:t>05245</a:t>
-                      </a:r>
-                    </a:p>
-                  </a:txBody>
-                  <a:tcPr/>
-                </a:tc>
-                <a:extLst>
-                  <a:ext uri="{0D108BD9-81ED-4DB2-BD59-A6C34878D82A}">
-                    <a16:rowId xmlns:a16="http://schemas.microsoft.com/office/drawing/2014/main" val="10002"/>
-                  </a:ext>
-                </a:extLst>
-              </a:tr>
-              <a:tr h="0">
-                <a:tc>
-                  <a:txBody>
-                    <a:bodyPr/>
-                    <a:lstStyle/>
-                    <a:p>
-                      <a:pPr marL="0" lvl="0" indent="0" algn="l">
-                        <a:buNone/>
-                      </a:pPr>
-                      <a:r>
-                        <a:t>K plus proches voisins</a:t>
-                      </a:r>
-                    </a:p>
-                  </a:txBody>
-                  <a:tcPr/>
-                </a:tc>
-                <a:tc>
-                  <a:txBody>
-                    <a:bodyPr/>
-                    <a:lstStyle/>
-                    <a:p>
-                      <a:pPr marL="0" lvl="0" indent="0" algn="r">
-                        <a:buNone/>
-                      </a:pPr>
-                      <a:r>
-                        <a:rPr dirty="0"/>
-                        <a:t>0</a:t>
-                      </a:r>
-                      <a:r>
-                        <a:rPr lang="fr-CA" dirty="0"/>
-                        <a:t>,</a:t>
-                      </a:r>
-                      <a:r>
-                        <a:rPr dirty="0"/>
-                        <a:t>04570</a:t>
-                      </a:r>
-                    </a:p>
-                  </a:txBody>
-                  <a:tcPr/>
-                </a:tc>
-                <a:extLst>
-                  <a:ext uri="{0D108BD9-81ED-4DB2-BD59-A6C34878D82A}">
-                    <a16:rowId xmlns:a16="http://schemas.microsoft.com/office/drawing/2014/main" val="10003"/>
-                  </a:ext>
-                </a:extLst>
-              </a:tr>
-              <a:tr h="0">
-                <a:tc>
-                  <a:txBody>
-                    <a:bodyPr/>
-                    <a:lstStyle/>
-                    <a:p>
-                      <a:pPr marL="0" lvl="0" indent="0" algn="l">
-                        <a:buNone/>
-                      </a:pPr>
-                      <a:r>
-                        <a:t>Arbre de décision</a:t>
-                      </a:r>
-                    </a:p>
-                  </a:txBody>
-                  <a:tcPr/>
-                </a:tc>
-                <a:tc>
-                  <a:txBody>
-                    <a:bodyPr/>
-                    <a:lstStyle/>
-                    <a:p>
-                      <a:pPr marL="0" lvl="0" indent="0" algn="r">
-                        <a:buNone/>
-                      </a:pPr>
-                      <a:r>
-                        <a:rPr dirty="0"/>
-                        <a:t>0</a:t>
-                      </a:r>
-                      <a:r>
-                        <a:rPr lang="fr-CA" dirty="0"/>
-                        <a:t>,</a:t>
-                      </a:r>
-                      <a:r>
-                        <a:rPr dirty="0"/>
-                        <a:t>04962</a:t>
-                      </a:r>
-                    </a:p>
-                  </a:txBody>
-                  <a:tcPr/>
-                </a:tc>
-                <a:extLst>
-                  <a:ext uri="{0D108BD9-81ED-4DB2-BD59-A6C34878D82A}">
-                    <a16:rowId xmlns:a16="http://schemas.microsoft.com/office/drawing/2014/main" val="10004"/>
-                  </a:ext>
-                </a:extLst>
-              </a:tr>
-              <a:tr h="0">
-                <a:tc>
-                  <a:txBody>
-                    <a:bodyPr/>
-                    <a:lstStyle/>
-                    <a:p>
-                      <a:pPr marL="0" lvl="0" indent="0" algn="l">
-                        <a:buNone/>
-                      </a:pPr>
-                      <a:r>
-                        <a:t>Bagging</a:t>
-                      </a:r>
-                    </a:p>
-                  </a:txBody>
-                  <a:tcPr/>
-                </a:tc>
-                <a:tc>
-                  <a:txBody>
-                    <a:bodyPr/>
-                    <a:lstStyle/>
-                    <a:p>
-                      <a:pPr marL="0" lvl="0" indent="0" algn="r">
-                        <a:buNone/>
-                      </a:pPr>
-                      <a:r>
-                        <a:rPr dirty="0"/>
-                        <a:t>0</a:t>
-                      </a:r>
-                      <a:r>
-                        <a:rPr lang="fr-CA" dirty="0"/>
-                        <a:t>,</a:t>
-                      </a:r>
-                      <a:r>
-                        <a:rPr dirty="0"/>
-                        <a:t>03350</a:t>
-                      </a:r>
-                    </a:p>
-                  </a:txBody>
-                  <a:tcPr/>
-                </a:tc>
-                <a:extLst>
-                  <a:ext uri="{0D108BD9-81ED-4DB2-BD59-A6C34878D82A}">
-                    <a16:rowId xmlns:a16="http://schemas.microsoft.com/office/drawing/2014/main" val="10005"/>
-                  </a:ext>
-                </a:extLst>
-              </a:tr>
-              <a:tr h="0">
-                <a:tc>
-                  <a:txBody>
-                    <a:bodyPr/>
-                    <a:lstStyle/>
-                    <a:p>
-                      <a:pPr marL="0" lvl="0" indent="0" algn="l">
-                        <a:buNone/>
-                      </a:pPr>
-                      <a:r>
-                        <a:t>Forêt aléatoire</a:t>
-                      </a:r>
-                    </a:p>
-                  </a:txBody>
-                  <a:tcPr/>
-                </a:tc>
-                <a:tc>
-                  <a:txBody>
-                    <a:bodyPr/>
-                    <a:lstStyle/>
-                    <a:p>
-                      <a:pPr marL="0" lvl="0" indent="0" algn="r">
-                        <a:buNone/>
-                      </a:pPr>
-                      <a:r>
-                        <a:rPr dirty="0"/>
-                        <a:t>0</a:t>
-                      </a:r>
-                      <a:r>
-                        <a:rPr lang="fr-CA" dirty="0"/>
-                        <a:t>,</a:t>
-                      </a:r>
-                      <a:r>
-                        <a:rPr dirty="0"/>
-                        <a:t>03253</a:t>
-                      </a:r>
-                    </a:p>
-                  </a:txBody>
-                  <a:tcPr/>
-                </a:tc>
-                <a:extLst>
-                  <a:ext uri="{0D108BD9-81ED-4DB2-BD59-A6C34878D82A}">
-                    <a16:rowId xmlns:a16="http://schemas.microsoft.com/office/drawing/2014/main" val="10006"/>
-                  </a:ext>
-                </a:extLst>
-              </a:tr>
-              <a:tr h="0">
-                <a:tc>
-                  <a:txBody>
-                    <a:bodyPr/>
-                    <a:lstStyle/>
-                    <a:p>
-                      <a:pPr marL="0" lvl="0" indent="0" algn="l">
-                        <a:buNone/>
-                      </a:pPr>
-                      <a:r>
-                        <a:t>Gradient boosting (GBM)</a:t>
-                      </a:r>
-                    </a:p>
-                  </a:txBody>
-                  <a:tcPr/>
-                </a:tc>
-                <a:tc>
-                  <a:txBody>
-                    <a:bodyPr/>
-                    <a:lstStyle/>
-                    <a:p>
-                      <a:pPr marL="0" lvl="0" indent="0" algn="r">
-                        <a:buNone/>
-                      </a:pPr>
-                      <a:r>
-                        <a:rPr lang="fr-CA" dirty="0"/>
-                        <a:t>0,02717</a:t>
-                      </a:r>
-                      <a:endParaRPr dirty="0"/>
-                    </a:p>
-                  </a:txBody>
-                  <a:tcPr/>
-                </a:tc>
-                <a:extLst>
-                  <a:ext uri="{0D108BD9-81ED-4DB2-BD59-A6C34878D82A}">
-                    <a16:rowId xmlns:a16="http://schemas.microsoft.com/office/drawing/2014/main" val="10007"/>
-                  </a:ext>
-                </a:extLst>
-              </a:tr>
-            </a:tbl>
-          </a:graphicData>
-        </a:graphic>
-      </p:graphicFrame>
-      <p:sp>
-        <p:nvSpPr>
-          <p:cNvPr id="3" name="TextBox 3"/>
-          <p:cNvSpPr txBox="1"/>
-          <p:nvPr/>
-        </p:nvSpPr>
-        <p:spPr>
-          <a:xfrm>
-            <a:off x="673100" y="5524500"/>
-            <a:ext cx="8585200" cy="508000"/>
-          </a:xfrm>
-          <a:prstGeom prst="rect">
-            <a:avLst/>
-          </a:prstGeom>
-          <a:noFill/>
-        </p:spPr>
-        <p:txBody>
-          <a:bodyPr/>
-          <a:lstStyle/>
-          <a:p>
-            <a:pPr marL="0" lvl="0" indent="0" algn="ctr">
-              <a:buNone/>
-            </a:pPr>
-            <a:r>
-              <a:t>L’EQM des sept modèles testés</a:t>
-            </a:r>
-          </a:p>
-        </p:txBody>
-      </p:sp>
-    </p:spTree>
-  </p:cSld>
-  <p:clrMapOvr>
-    <a:masterClrMapping/>
-  </p:clrMapOvr>
-</p:sld>
-</file>
-
-<file path=ppt/slides/slide21.xml><?xml version="1.0" encoding="utf-8"?>
-<p:sld xmlns:a="http://schemas.openxmlformats.org/drawingml/2006/main" xmlns:r="http://schemas.openxmlformats.org/officeDocument/2006/relationships" xmlns:p="http://schemas.openxmlformats.org/presentationml/2006/main">
-  <p:cSld>
-    <p:spTree>
-      <p:nvGrpSpPr>
-        <p:cNvPr id="1" name=""/>
-        <p:cNvGrpSpPr/>
-        <p:nvPr/>
-      </p:nvGrpSpPr>
-      <p:grpSpPr>
-        <a:xfrm>
-          <a:off x="0" y="0"/>
-          <a:ext cx="0" cy="0"/>
-          <a:chOff x="0" y="0"/>
-          <a:chExt cx="0" cy="0"/>
-        </a:xfrm>
-      </p:grpSpPr>
-      <p:sp>
-        <p:nvSpPr>
-          <p:cNvPr id="2" name="Title 1"/>
-          <p:cNvSpPr>
-            <a:spLocks noGrp="1"/>
-          </p:cNvSpPr>
-          <p:nvPr>
-            <p:ph type="title"/>
-          </p:nvPr>
-        </p:nvSpPr>
-        <p:spPr/>
-        <p:txBody>
-          <a:bodyPr/>
-          <a:lstStyle/>
-          <a:p>
-            <a:pPr marL="0" lvl="0" indent="0">
-              <a:buNone/>
-            </a:pPr>
-            <a:r>
-              <a:t>Forêt aléatoire</a:t>
-            </a:r>
+              <a:rPr dirty="0" err="1"/>
+              <a:t>Forêt</a:t>
+            </a:r>
+            <a:r>
+              <a:rPr dirty="0"/>
+              <a:t> </a:t>
+            </a:r>
+            <a:r>
+              <a:rPr dirty="0" err="1"/>
+              <a:t>aléatoire</a:t>
+            </a:r>
+            <a:r>
+              <a:rPr lang="fr-CA" dirty="0"/>
+              <a:t>, interprétation</a:t>
+            </a:r>
+            <a:endParaRPr dirty="0"/>
           </a:p>
         </p:txBody>
       </p:sp>
@@ -9457,7 +9744,7 @@
 </p:sld>
 </file>
 
-<file path=ppt/slides/slide22.xml><?xml version="1.0" encoding="utf-8"?>
+<file path=ppt/slides/slide21.xml><?xml version="1.0" encoding="utf-8"?>
 <p:sld xmlns:a="http://schemas.openxmlformats.org/drawingml/2006/main" xmlns:r="http://schemas.openxmlformats.org/officeDocument/2006/relationships" xmlns:p="http://schemas.openxmlformats.org/presentationml/2006/main">
   <p:cSld>
     <p:spTree>
@@ -9493,7 +9780,24 @@
               <a:buNone/>
             </a:pPr>
             <a:r>
-              <a:t>Forêt aléatoire (suite)</a:t>
+              <a:rPr dirty="0" err="1"/>
+              <a:t>Forêt</a:t>
+            </a:r>
+            <a:r>
+              <a:rPr dirty="0"/>
+              <a:t> </a:t>
+            </a:r>
+            <a:r>
+              <a:rPr dirty="0" err="1"/>
+              <a:t>aléatoire</a:t>
+            </a:r>
+            <a:r>
+              <a:rPr lang="fr-CA" dirty="0"/>
+              <a:t>, interprétation</a:t>
+            </a:r>
+            <a:r>
+              <a:rPr dirty="0"/>
+              <a:t> (suite)</a:t>
             </a:r>
           </a:p>
         </p:txBody>
@@ -9583,7 +9887,7 @@
 </p:sld>
 </file>
 
-<file path=ppt/slides/slide23.xml><?xml version="1.0" encoding="utf-8"?>
+<file path=ppt/slides/slide22.xml><?xml version="1.0" encoding="utf-8"?>
 <p:sld xmlns:a="http://schemas.openxmlformats.org/drawingml/2006/main" xmlns:r="http://schemas.openxmlformats.org/officeDocument/2006/relationships" xmlns:p="http://schemas.openxmlformats.org/presentationml/2006/main">
   <p:cSld>
     <p:spTree>
@@ -9619,7 +9923,24 @@
               <a:buNone/>
             </a:pPr>
             <a:r>
-              <a:t>Forêt aléatoire (suite)</a:t>
+              <a:rPr dirty="0" err="1"/>
+              <a:t>Forêt</a:t>
+            </a:r>
+            <a:r>
+              <a:rPr dirty="0"/>
+              <a:t> </a:t>
+            </a:r>
+            <a:r>
+              <a:rPr dirty="0" err="1"/>
+              <a:t>aléatoire</a:t>
+            </a:r>
+            <a:r>
+              <a:rPr lang="fr-CA" dirty="0"/>
+              <a:t>, interprétation</a:t>
+            </a:r>
+            <a:r>
+              <a:rPr dirty="0"/>
+              <a:t> (suite)</a:t>
             </a:r>
           </a:p>
         </p:txBody>
@@ -9662,7 +9983,7 @@
 </p:sld>
 </file>
 
-<file path=ppt/slides/slide24.xml><?xml version="1.0" encoding="utf-8"?>
+<file path=ppt/slides/slide23.xml><?xml version="1.0" encoding="utf-8"?>
 <p:sld xmlns:a="http://schemas.openxmlformats.org/drawingml/2006/main" xmlns:r="http://schemas.openxmlformats.org/officeDocument/2006/relationships" xmlns:p="http://schemas.openxmlformats.org/presentationml/2006/main">
   <p:cSld>
     <p:spTree>
@@ -9698,7 +10019,24 @@
               <a:buNone/>
             </a:pPr>
             <a:r>
-              <a:t>Forêt aléatoire (suite)</a:t>
+              <a:rPr dirty="0" err="1"/>
+              <a:t>Forêt</a:t>
+            </a:r>
+            <a:r>
+              <a:rPr dirty="0"/>
+              <a:t> </a:t>
+            </a:r>
+            <a:r>
+              <a:rPr dirty="0" err="1"/>
+              <a:t>aléatoire</a:t>
+            </a:r>
+            <a:r>
+              <a:rPr lang="fr-CA" dirty="0"/>
+              <a:t>, interprétation</a:t>
+            </a:r>
+            <a:r>
+              <a:rPr dirty="0"/>
+              <a:t> (suite)</a:t>
             </a:r>
           </a:p>
         </p:txBody>
@@ -9788,6 +10126,135 @@
 </p:sld>
 </file>
 
+<file path=ppt/slides/slide24.xml><?xml version="1.0" encoding="utf-8"?>
+<p:sld xmlns:a="http://schemas.openxmlformats.org/drawingml/2006/main" xmlns:r="http://schemas.openxmlformats.org/officeDocument/2006/relationships" xmlns:p="http://schemas.openxmlformats.org/presentationml/2006/main">
+  <p:cSld>
+    <p:spTree>
+      <p:nvGrpSpPr>
+        <p:cNvPr id="1" name=""/>
+        <p:cNvGrpSpPr/>
+        <p:nvPr/>
+      </p:nvGrpSpPr>
+      <p:grpSpPr>
+        <a:xfrm>
+          <a:off x="0" y="0"/>
+          <a:ext cx="0" cy="0"/>
+          <a:chOff x="0" y="0"/>
+          <a:chExt cx="0" cy="0"/>
+        </a:xfrm>
+      </p:grpSpPr>
+      <p:sp>
+        <p:nvSpPr>
+          <p:cNvPr id="2" name="Title 1"/>
+          <p:cNvSpPr>
+            <a:spLocks noGrp="1"/>
+          </p:cNvSpPr>
+          <p:nvPr>
+            <p:ph type="title"/>
+          </p:nvPr>
+        </p:nvSpPr>
+        <p:spPr/>
+        <p:txBody>
+          <a:bodyPr/>
+          <a:lstStyle/>
+          <a:p>
+            <a:pPr marL="0" lvl="0" indent="0">
+              <a:buNone/>
+            </a:pPr>
+            <a:r>
+              <a:rPr lang="fr-CA" dirty="0"/>
+              <a:t>Modèle de </a:t>
+            </a:r>
+            <a:r>
+              <a:rPr lang="fr-CA" dirty="0" err="1"/>
+              <a:t>boosting</a:t>
+            </a:r>
+            <a:r>
+              <a:rPr lang="fr-CA" dirty="0"/>
+              <a:t> de gradient stochastique, interprétation</a:t>
+            </a:r>
+          </a:p>
+        </p:txBody>
+      </p:sp>
+      <p:sp>
+        <p:nvSpPr>
+          <p:cNvPr id="4" name="Content Placeholder 2">
+            <a:extLst>
+              <a:ext uri="{FF2B5EF4-FFF2-40B4-BE49-F238E27FC236}">
+                <a16:creationId xmlns:a16="http://schemas.microsoft.com/office/drawing/2014/main" id="{BD14D81D-FAF1-4F87-814B-DD5C6A4DD353}"/>
+              </a:ext>
+            </a:extLst>
+          </p:cNvPr>
+          <p:cNvSpPr>
+            <a:spLocks noGrp="1"/>
+          </p:cNvSpPr>
+          <p:nvPr>
+            <p:ph idx="1"/>
+          </p:nvPr>
+        </p:nvSpPr>
+        <p:spPr>
+          <a:xfrm>
+            <a:off x="251928" y="2429214"/>
+            <a:ext cx="8596668" cy="3880773"/>
+          </a:xfrm>
+        </p:spPr>
+        <p:txBody>
+          <a:bodyPr>
+            <a:normAutofit/>
+          </a:bodyPr>
+          <a:lstStyle/>
+          <a:p>
+            <a:pPr lvl="1"/>
+            <a:r>
+              <a:rPr lang="fr-CA" sz="1800" dirty="0"/>
+              <a:t>Analyse des résultats obtenus</a:t>
+            </a:r>
+            <a:endParaRPr lang="fr-CA" sz="1600" dirty="0"/>
+          </a:p>
+          <a:p>
+            <a:pPr lvl="2"/>
+            <a:endParaRPr lang="fr-CA" sz="1600" dirty="0"/>
+          </a:p>
+        </p:txBody>
+      </p:sp>
+      <p:pic>
+        <p:nvPicPr>
+          <p:cNvPr id="9" name="Image 8">
+            <a:extLst>
+              <a:ext uri="{FF2B5EF4-FFF2-40B4-BE49-F238E27FC236}">
+                <a16:creationId xmlns:a16="http://schemas.microsoft.com/office/drawing/2014/main" id="{84B47287-8DBF-4839-A89F-6D1F22352CF8}"/>
+              </a:ext>
+            </a:extLst>
+          </p:cNvPr>
+          <p:cNvPicPr>
+            <a:picLocks noChangeAspect="1"/>
+          </p:cNvPicPr>
+          <p:nvPr/>
+        </p:nvPicPr>
+        <p:blipFill>
+          <a:blip r:embed="rId2"/>
+          <a:stretch>
+            <a:fillRect/>
+          </a:stretch>
+        </p:blipFill>
+        <p:spPr>
+          <a:xfrm>
+            <a:off x="4434583" y="1966309"/>
+            <a:ext cx="7505489" cy="4730205"/>
+          </a:xfrm>
+          <a:prstGeom prst="rect">
+            <a:avLst/>
+          </a:prstGeom>
+        </p:spPr>
+      </p:pic>
+    </p:spTree>
+  </p:cSld>
+  <p:clrMapOvr>
+    <a:masterClrMapping/>
+  </p:clrMapOvr>
+</p:sld>
+</file>
+
 <file path=ppt/slides/slide25.xml><?xml version="1.0" encoding="utf-8"?>
 <p:sld xmlns:a="http://schemas.openxmlformats.org/drawingml/2006/main" xmlns:r="http://schemas.openxmlformats.org/officeDocument/2006/relationships" xmlns:p="http://schemas.openxmlformats.org/presentationml/2006/main">
   <p:cSld>
@@ -9824,12 +10291,86 @@
               <a:buNone/>
             </a:pPr>
             <a:r>
-              <a:t>Modèle de boosting de gradient stochastique</a:t>
-            </a:r>
-          </a:p>
-        </p:txBody>
-      </p:sp>
+              <a:rPr lang="fr-CA" dirty="0"/>
+              <a:t>Modèle de </a:t>
+            </a:r>
+            <a:r>
+              <a:rPr lang="fr-CA" dirty="0" err="1"/>
+              <a:t>boosting</a:t>
+            </a:r>
+            <a:r>
+              <a:rPr lang="fr-CA" dirty="0"/>
+              <a:t> de gradient stochastique, interprétation (suite)</a:t>
+            </a:r>
+          </a:p>
+        </p:txBody>
+      </p:sp>
+      <p:pic>
+        <p:nvPicPr>
+          <p:cNvPr id="5" name="Image 4" descr="Une image contenant capture d’écran&#10;&#10;Description générée automatiquement">
+            <a:extLst>
+              <a:ext uri="{FF2B5EF4-FFF2-40B4-BE49-F238E27FC236}">
+                <a16:creationId xmlns:a16="http://schemas.microsoft.com/office/drawing/2014/main" id="{ADE37AB2-0AF3-4375-BC77-2AF4F84BDEEB}"/>
+              </a:ext>
+            </a:extLst>
+          </p:cNvPr>
+          <p:cNvPicPr>
+            <a:picLocks noChangeAspect="1"/>
+          </p:cNvPicPr>
+          <p:nvPr/>
+        </p:nvPicPr>
+        <p:blipFill>
+          <a:blip r:embed="rId2"/>
+          <a:stretch>
+            <a:fillRect/>
+          </a:stretch>
+        </p:blipFill>
+        <p:spPr>
+          <a:xfrm>
+            <a:off x="1652748" y="1780084"/>
+            <a:ext cx="8125734" cy="5122745"/>
+          </a:xfrm>
+          <a:prstGeom prst="rect">
+            <a:avLst/>
+          </a:prstGeom>
+        </p:spPr>
+      </p:pic>
+      <p:pic>
+        <p:nvPicPr>
+          <p:cNvPr id="8" name="Image 7">
+            <a:extLst>
+              <a:ext uri="{FF2B5EF4-FFF2-40B4-BE49-F238E27FC236}">
+                <a16:creationId xmlns:a16="http://schemas.microsoft.com/office/drawing/2014/main" id="{0ADF966B-7C53-4384-9F6B-E28594E7AC70}"/>
+              </a:ext>
+            </a:extLst>
+          </p:cNvPr>
+          <p:cNvPicPr>
+            <a:picLocks noChangeAspect="1"/>
+          </p:cNvPicPr>
+          <p:nvPr/>
+        </p:nvPicPr>
+        <p:blipFill>
+          <a:blip r:embed="rId3"/>
+          <a:stretch>
+            <a:fillRect/>
+          </a:stretch>
+        </p:blipFill>
+        <p:spPr>
+          <a:xfrm>
+            <a:off x="1324947" y="2528598"/>
+            <a:ext cx="1011311" cy="3303036"/>
+          </a:xfrm>
+          <a:prstGeom prst="rect">
+            <a:avLst/>
+          </a:prstGeom>
+        </p:spPr>
+      </p:pic>
     </p:spTree>
+    <p:extLst>
+      <p:ext uri="{BB962C8B-B14F-4D97-AF65-F5344CB8AC3E}">
+        <p14:creationId xmlns:p14="http://schemas.microsoft.com/office/powerpoint/2010/main" val="295238514"/>
+      </p:ext>
+    </p:extLst>
   </p:cSld>
   <p:clrMapOvr>
     <a:masterClrMapping/>
@@ -9873,7 +10414,24 @@
               <a:buNone/>
             </a:pPr>
             <a:r>
-              <a:t>Modèle de boosting de gradient stochastique (suite)</a:t>
+              <a:rPr dirty="0" err="1"/>
+              <a:t>Modèle</a:t>
+            </a:r>
+            <a:r>
+              <a:rPr dirty="0"/>
+              <a:t> de boosting de gradient </a:t>
+            </a:r>
+            <a:r>
+              <a:rPr dirty="0" err="1"/>
+              <a:t>stochastique</a:t>
+            </a:r>
+            <a:r>
+              <a:rPr lang="fr-CA" dirty="0"/>
+              <a:t>, interprétation</a:t>
+            </a:r>
+            <a:r>
+              <a:rPr dirty="0"/>
+              <a:t> (suite)</a:t>
             </a:r>
           </a:p>
         </p:txBody>
@@ -9948,11 +10506,26 @@
           <a:bodyPr/>
           <a:lstStyle/>
           <a:p>
-            <a:pPr marL="0" lvl="0" indent="0">
-              <a:buNone/>
-            </a:pPr>
-            <a:r>
-              <a:t>Modèle de boosting de gradient stochastique (suite)</a:t>
+            <a:pPr lvl="0"/>
+            <a:r>
+              <a:rPr dirty="0" err="1"/>
+              <a:t>Modèle</a:t>
+            </a:r>
+            <a:r>
+              <a:rPr dirty="0"/>
+              <a:t> de boosting de gradient </a:t>
+            </a:r>
+            <a:r>
+              <a:rPr dirty="0" err="1"/>
+              <a:t>stochastique</a:t>
+            </a:r>
+            <a:r>
+              <a:rPr lang="fr-CA" dirty="0"/>
+              <a:t>, interprétation</a:t>
+            </a:r>
+            <a:r>
+              <a:rPr dirty="0"/>
+              <a:t> (suite)</a:t>
             </a:r>
           </a:p>
         </p:txBody>
@@ -10078,7 +10651,24 @@
               <a:buNone/>
             </a:pPr>
             <a:r>
-              <a:t>Modèle de boosting de gradient stochastique (suite)</a:t>
+              <a:rPr dirty="0" err="1"/>
+              <a:t>Modèle</a:t>
+            </a:r>
+            <a:r>
+              <a:rPr dirty="0"/>
+              <a:t> de boosting de gradient </a:t>
+            </a:r>
+            <a:r>
+              <a:rPr dirty="0" err="1"/>
+              <a:t>stochastique</a:t>
+            </a:r>
+            <a:r>
+              <a:rPr lang="fr-CA" dirty="0"/>
+              <a:t>, interprétation</a:t>
+            </a:r>
+            <a:r>
+              <a:rPr dirty="0"/>
+              <a:t> (suite)</a:t>
             </a:r>
           </a:p>
         </p:txBody>
@@ -10157,7 +10747,24 @@
               <a:buNone/>
             </a:pPr>
             <a:r>
-              <a:t>Modèle de boosting de gradient stochastique (suite)</a:t>
+              <a:rPr dirty="0" err="1"/>
+              <a:t>Modèle</a:t>
+            </a:r>
+            <a:r>
+              <a:rPr dirty="0"/>
+              <a:t> de boosting de gradient </a:t>
+            </a:r>
+            <a:r>
+              <a:rPr dirty="0" err="1"/>
+              <a:t>stochastique</a:t>
+            </a:r>
+            <a:r>
+              <a:rPr lang="fr-CA" dirty="0"/>
+              <a:t>, interprétation</a:t>
+            </a:r>
+            <a:r>
+              <a:rPr dirty="0"/>
+              <a:t> (suite)</a:t>
             </a:r>
           </a:p>
         </p:txBody>
@@ -10428,41 +11035,28 @@
               <a:buNone/>
             </a:pPr>
             <a:r>
-              <a:t>Modèle de boosting de gradient stochastique (suite)</a:t>
-            </a:r>
-          </a:p>
-        </p:txBody>
-      </p:sp>
-      <p:pic>
-        <p:nvPicPr>
-          <p:cNvPr id="3" name="Picture 1" descr="PP_files/figure-pptx/unnamed-chunk-16-1.png"/>
-          <p:cNvPicPr>
-            <a:picLocks noGrp="1" noChangeAspect="1"/>
-          </p:cNvPicPr>
-          <p:nvPr/>
-        </p:nvPicPr>
-        <p:blipFill>
-          <a:blip r:embed="rId2"/>
-          <a:stretch>
-            <a:fillRect/>
-          </a:stretch>
-        </p:blipFill>
-        <p:spPr bwMode="auto">
-          <a:xfrm>
-            <a:off x="2540000" y="2159000"/>
-            <a:ext cx="4838700" cy="3873500"/>
-          </a:xfrm>
-          <a:prstGeom prst="rect">
-            <a:avLst/>
-          </a:prstGeom>
-          <a:noFill/>
-          <a:ln w="9525">
-            <a:noFill/>
-            <a:headEnd/>
-            <a:tailEnd/>
-          </a:ln>
-        </p:spPr>
-      </p:pic>
+              <a:rPr dirty="0" err="1"/>
+              <a:t>Modèle</a:t>
+            </a:r>
+            <a:r>
+              <a:rPr dirty="0"/>
+              <a:t> de boosting de gradient </a:t>
+            </a:r>
+            <a:r>
+              <a:rPr dirty="0" err="1"/>
+              <a:t>stochastique</a:t>
+            </a:r>
+            <a:r>
+              <a:rPr lang="fr-CA" dirty="0"/>
+              <a:t>, interprétation</a:t>
+            </a:r>
+            <a:r>
+              <a:rPr dirty="0"/>
+              <a:t> (suite)</a:t>
+            </a:r>
+          </a:p>
+        </p:txBody>
+      </p:sp>
       <p:pic>
         <p:nvPicPr>
           <p:cNvPr id="4" name="Picture 2" descr="Sticker mural Rose des vents &gt; Décomotif">
@@ -10478,7 +11072,7 @@
           <p:nvPr/>
         </p:nvPicPr>
         <p:blipFill>
-          <a:blip r:embed="rId3">
+          <a:blip r:embed="rId2">
             <a:extLst>
               <a:ext uri="{28A0092B-C50C-407E-A947-70E740481C1C}">
                 <a14:useLocalDpi xmlns:a14="http://schemas.microsoft.com/office/drawing/2010/main" val="0"/>
@@ -10510,6 +11104,36 @@
           </a:extLst>
         </p:spPr>
       </p:pic>
+      <p:pic>
+        <p:nvPicPr>
+          <p:cNvPr id="7" name="Image 6" descr="Une image contenant capture d’écran&#10;&#10;Description générée automatiquement">
+            <a:extLst>
+              <a:ext uri="{FF2B5EF4-FFF2-40B4-BE49-F238E27FC236}">
+                <a16:creationId xmlns:a16="http://schemas.microsoft.com/office/drawing/2014/main" id="{C449FD0B-0D8B-49AE-A853-14F5E667FB5E}"/>
+              </a:ext>
+            </a:extLst>
+          </p:cNvPr>
+          <p:cNvPicPr>
+            <a:picLocks noChangeAspect="1"/>
+          </p:cNvPicPr>
+          <p:nvPr/>
+        </p:nvPicPr>
+        <p:blipFill>
+          <a:blip r:embed="rId3"/>
+          <a:stretch>
+            <a:fillRect/>
+          </a:stretch>
+        </p:blipFill>
+        <p:spPr>
+          <a:xfrm>
+            <a:off x="1525813" y="2153619"/>
+            <a:ext cx="6899710" cy="4349817"/>
+          </a:xfrm>
+          <a:prstGeom prst="rect">
+            <a:avLst/>
+          </a:prstGeom>
+        </p:spPr>
+      </p:pic>
     </p:spTree>
   </p:cSld>
   <p:clrMapOvr>
@@ -10554,120 +11178,28 @@
               <a:buNone/>
             </a:pPr>
             <a:r>
-              <a:t>Modèle de boosting de gradient stochastique (suite)</a:t>
-            </a:r>
-          </a:p>
-        </p:txBody>
-      </p:sp>
-      <p:pic>
-        <p:nvPicPr>
-          <p:cNvPr id="3" name="Picture 1" descr="PP_files/figure-pptx/unnamed-chunk-17-1.png"/>
-          <p:cNvPicPr>
-            <a:picLocks noGrp="1" noChangeAspect="1"/>
-          </p:cNvPicPr>
-          <p:nvPr/>
-        </p:nvPicPr>
-        <p:blipFill>
-          <a:blip r:embed="rId2"/>
-          <a:stretch>
-            <a:fillRect/>
-          </a:stretch>
-        </p:blipFill>
-        <p:spPr bwMode="auto">
-          <a:xfrm>
-            <a:off x="2540000" y="2159000"/>
-            <a:ext cx="4838700" cy="3873500"/>
-          </a:xfrm>
-          <a:prstGeom prst="rect">
-            <a:avLst/>
-          </a:prstGeom>
-          <a:noFill/>
-          <a:ln w="9525">
-            <a:noFill/>
-            <a:headEnd/>
-            <a:tailEnd/>
-          </a:ln>
-        </p:spPr>
-      </p:pic>
-    </p:spTree>
-  </p:cSld>
-  <p:clrMapOvr>
-    <a:masterClrMapping/>
-  </p:clrMapOvr>
-</p:sld>
-</file>
-
-<file path=ppt/slides/slide32.xml><?xml version="1.0" encoding="utf-8"?>
-<p:sld xmlns:a="http://schemas.openxmlformats.org/drawingml/2006/main" xmlns:r="http://schemas.openxmlformats.org/officeDocument/2006/relationships" xmlns:p="http://schemas.openxmlformats.org/presentationml/2006/main">
-  <p:cSld>
-    <p:spTree>
-      <p:nvGrpSpPr>
-        <p:cNvPr id="1" name=""/>
-        <p:cNvGrpSpPr/>
-        <p:nvPr/>
-      </p:nvGrpSpPr>
-      <p:grpSpPr>
-        <a:xfrm>
-          <a:off x="0" y="0"/>
-          <a:ext cx="0" cy="0"/>
-          <a:chOff x="0" y="0"/>
-          <a:chExt cx="0" cy="0"/>
-        </a:xfrm>
-      </p:grpSpPr>
-      <p:sp>
-        <p:nvSpPr>
-          <p:cNvPr id="2" name="Title 1"/>
-          <p:cNvSpPr>
-            <a:spLocks noGrp="1"/>
-          </p:cNvSpPr>
-          <p:nvPr>
-            <p:ph type="title"/>
-          </p:nvPr>
-        </p:nvSpPr>
-        <p:spPr/>
-        <p:txBody>
-          <a:bodyPr/>
-          <a:lstStyle/>
-          <a:p>
-            <a:pPr marL="0" lvl="0" indent="0">
-              <a:buNone/>
-            </a:pPr>
-            <a:r>
-              <a:t>Modèle de boosting de gradient stochastique (suite)</a:t>
-            </a:r>
-          </a:p>
-        </p:txBody>
-      </p:sp>
-      <p:pic>
-        <p:nvPicPr>
-          <p:cNvPr id="3" name="Picture 1" descr="PP_files/figure-pptx/unnamed-chunk-18-1.png"/>
-          <p:cNvPicPr>
-            <a:picLocks noGrp="1" noChangeAspect="1"/>
-          </p:cNvPicPr>
-          <p:nvPr/>
-        </p:nvPicPr>
-        <p:blipFill>
-          <a:blip r:embed="rId2"/>
-          <a:stretch>
-            <a:fillRect/>
-          </a:stretch>
-        </p:blipFill>
-        <p:spPr bwMode="auto">
-          <a:xfrm>
-            <a:off x="2540000" y="2159000"/>
-            <a:ext cx="4838700" cy="3873500"/>
-          </a:xfrm>
-          <a:prstGeom prst="rect">
-            <a:avLst/>
-          </a:prstGeom>
-          <a:noFill/>
-          <a:ln w="9525">
-            <a:noFill/>
-            <a:headEnd/>
-            <a:tailEnd/>
-          </a:ln>
-        </p:spPr>
-      </p:pic>
+              <a:rPr dirty="0" err="1"/>
+              <a:t>Modèle</a:t>
+            </a:r>
+            <a:r>
+              <a:rPr dirty="0"/>
+              <a:t> de boosting de gradient </a:t>
+            </a:r>
+            <a:r>
+              <a:rPr dirty="0" err="1"/>
+              <a:t>stochastique</a:t>
+            </a:r>
+            <a:r>
+              <a:rPr lang="fr-CA" dirty="0"/>
+              <a:t>, interprétation</a:t>
+            </a:r>
+            <a:r>
+              <a:rPr dirty="0"/>
+              <a:t> (suite)</a:t>
+            </a:r>
+          </a:p>
+        </p:txBody>
+      </p:sp>
       <p:pic>
         <p:nvPicPr>
           <p:cNvPr id="4" name="Picture 2" descr="Sticker mural Rose des vents &gt; Décomotif">
@@ -10683,7 +11215,7 @@
           <p:nvPr/>
         </p:nvPicPr>
         <p:blipFill>
-          <a:blip r:embed="rId3">
+          <a:blip r:embed="rId2">
             <a:extLst>
               <a:ext uri="{28A0092B-C50C-407E-A947-70E740481C1C}">
                 <a14:useLocalDpi xmlns:a14="http://schemas.microsoft.com/office/drawing/2010/main" val="0"/>
@@ -10715,7 +11247,158 @@
           </a:extLst>
         </p:spPr>
       </p:pic>
+      <p:pic>
+        <p:nvPicPr>
+          <p:cNvPr id="6" name="Image 5" descr="Une image contenant capture d’écran, horloge&#10;&#10;Description générée automatiquement">
+            <a:extLst>
+              <a:ext uri="{FF2B5EF4-FFF2-40B4-BE49-F238E27FC236}">
+                <a16:creationId xmlns:a16="http://schemas.microsoft.com/office/drawing/2014/main" id="{07D23780-C802-4EC0-B879-74C892777CBC}"/>
+              </a:ext>
+            </a:extLst>
+          </p:cNvPr>
+          <p:cNvPicPr>
+            <a:picLocks noChangeAspect="1"/>
+          </p:cNvPicPr>
+          <p:nvPr/>
+        </p:nvPicPr>
+        <p:blipFill>
+          <a:blip r:embed="rId3"/>
+          <a:stretch>
+            <a:fillRect/>
+          </a:stretch>
+        </p:blipFill>
+        <p:spPr>
+          <a:xfrm>
+            <a:off x="1351010" y="2042368"/>
+            <a:ext cx="7249315" cy="4570220"/>
+          </a:xfrm>
+          <a:prstGeom prst="rect">
+            <a:avLst/>
+          </a:prstGeom>
+        </p:spPr>
+      </p:pic>
     </p:spTree>
+  </p:cSld>
+  <p:clrMapOvr>
+    <a:masterClrMapping/>
+  </p:clrMapOvr>
+</p:sld>
+</file>
+
+<file path=ppt/slides/slide32.xml><?xml version="1.0" encoding="utf-8"?>
+<p:sld xmlns:a="http://schemas.openxmlformats.org/drawingml/2006/main" xmlns:r="http://schemas.openxmlformats.org/officeDocument/2006/relationships" xmlns:p="http://schemas.openxmlformats.org/presentationml/2006/main">
+  <p:cSld>
+    <p:spTree>
+      <p:nvGrpSpPr>
+        <p:cNvPr id="1" name=""/>
+        <p:cNvGrpSpPr/>
+        <p:nvPr/>
+      </p:nvGrpSpPr>
+      <p:grpSpPr>
+        <a:xfrm>
+          <a:off x="0" y="0"/>
+          <a:ext cx="0" cy="0"/>
+          <a:chOff x="0" y="0"/>
+          <a:chExt cx="0" cy="0"/>
+        </a:xfrm>
+      </p:grpSpPr>
+      <p:sp>
+        <p:nvSpPr>
+          <p:cNvPr id="2" name="Title 1"/>
+          <p:cNvSpPr>
+            <a:spLocks noGrp="1"/>
+          </p:cNvSpPr>
+          <p:nvPr>
+            <p:ph type="title"/>
+          </p:nvPr>
+        </p:nvSpPr>
+        <p:spPr/>
+        <p:txBody>
+          <a:bodyPr/>
+          <a:lstStyle/>
+          <a:p>
+            <a:pPr marL="0" lvl="0" indent="0">
+              <a:buNone/>
+            </a:pPr>
+            <a:r>
+              <a:rPr lang="fr-CA" dirty="0"/>
+              <a:t>Modèle de </a:t>
+            </a:r>
+            <a:r>
+              <a:rPr lang="fr-CA" dirty="0" err="1"/>
+              <a:t>boosting</a:t>
+            </a:r>
+            <a:r>
+              <a:rPr lang="fr-CA" dirty="0"/>
+              <a:t> de gradient stochastique, interprétation (suite)</a:t>
+            </a:r>
+            <a:endParaRPr dirty="0"/>
+          </a:p>
+        </p:txBody>
+      </p:sp>
+      <p:sp>
+        <p:nvSpPr>
+          <p:cNvPr id="3" name="Content Placeholder 2"/>
+          <p:cNvSpPr>
+            <a:spLocks noGrp="1"/>
+          </p:cNvSpPr>
+          <p:nvPr>
+            <p:ph idx="1"/>
+          </p:nvPr>
+        </p:nvSpPr>
+        <p:spPr/>
+        <p:txBody>
+          <a:bodyPr>
+            <a:normAutofit/>
+          </a:bodyPr>
+          <a:lstStyle/>
+          <a:p>
+            <a:pPr lvl="1"/>
+            <a:r>
+              <a:rPr lang="fr-CA" sz="1800" dirty="0"/>
+              <a:t>Avantages</a:t>
+            </a:r>
+          </a:p>
+          <a:p>
+            <a:pPr lvl="1"/>
+            <a:r>
+              <a:rPr lang="fr-CA" sz="1800" dirty="0"/>
+              <a:t>Désavantages</a:t>
+            </a:r>
+          </a:p>
+          <a:p>
+            <a:pPr lvl="2"/>
+            <a:r>
+              <a:rPr lang="fr-CA" sz="1600" dirty="0"/>
+              <a:t>Temps de calcul très long</a:t>
+            </a:r>
+          </a:p>
+          <a:p>
+            <a:pPr lvl="2"/>
+            <a:r>
+              <a:rPr lang="fr-CA" sz="1600" dirty="0"/>
+              <a:t>Difficile d’interprétation</a:t>
+            </a:r>
+          </a:p>
+          <a:p>
+            <a:pPr lvl="2"/>
+            <a:r>
+              <a:rPr lang="fr-CA" sz="1600" dirty="0"/>
+              <a:t>Pas d’intervalles de confiance</a:t>
+            </a:r>
+          </a:p>
+          <a:p>
+            <a:pPr lvl="2"/>
+            <a:endParaRPr sz="1600" dirty="0"/>
+          </a:p>
+        </p:txBody>
+      </p:sp>
+    </p:spTree>
+    <p:extLst>
+      <p:ext uri="{BB962C8B-B14F-4D97-AF65-F5344CB8AC3E}">
+        <p14:creationId xmlns:p14="http://schemas.microsoft.com/office/powerpoint/2010/main" val="120498780"/>
+      </p:ext>
+    </p:extLst>
   </p:cSld>
   <p:clrMapOvr>
     <a:masterClrMapping/>
@@ -10920,7 +11603,7 @@
         </p:nvSpPr>
         <p:spPr>
           <a:xfrm>
-            <a:off x="0" y="2780175"/>
+            <a:off x="-806689" y="2287412"/>
             <a:ext cx="12192000" cy="1320800"/>
           </a:xfrm>
         </p:spPr>
@@ -10938,39 +11621,53 @@
           </a:p>
         </p:txBody>
       </p:sp>
-      <p:sp>
-        <p:nvSpPr>
-          <p:cNvPr id="3" name="Espace réservé du contenu 2">
+      <p:pic>
+        <p:nvPicPr>
+          <p:cNvPr id="1026" name="Picture 2" descr="Cinq questions pour faire le point sur le coronavirus">
             <a:extLst>
               <a:ext uri="{FF2B5EF4-FFF2-40B4-BE49-F238E27FC236}">
-                <a16:creationId xmlns:a16="http://schemas.microsoft.com/office/drawing/2014/main" id="{4FD20BB5-D65D-D141-A57F-66363CA6980D}"/>
+                <a16:creationId xmlns:a16="http://schemas.microsoft.com/office/drawing/2014/main" id="{F088C23C-2610-4297-9358-68847A509871}"/>
               </a:ext>
             </a:extLst>
           </p:cNvPr>
-          <p:cNvSpPr>
-            <a:spLocks noGrp="1"/>
-          </p:cNvSpPr>
-          <p:nvPr>
-            <p:ph idx="1"/>
-          </p:nvPr>
-        </p:nvSpPr>
-        <p:spPr>
+          <p:cNvPicPr>
+            <a:picLocks noChangeAspect="1" noChangeArrowheads="1"/>
+          </p:cNvPicPr>
+          <p:nvPr/>
+        </p:nvPicPr>
+        <p:blipFill>
+          <a:blip r:embed="rId2">
+            <a:extLst>
+              <a:ext uri="{28A0092B-C50C-407E-A947-70E740481C1C}">
+                <a14:useLocalDpi xmlns:a14="http://schemas.microsoft.com/office/drawing/2010/main" val="0"/>
+              </a:ext>
+            </a:extLst>
+          </a:blip>
+          <a:srcRect/>
+          <a:stretch>
+            <a:fillRect/>
+          </a:stretch>
+        </p:blipFill>
+        <p:spPr bwMode="auto">
           <a:xfrm>
-            <a:off x="3493476" y="1"/>
-            <a:ext cx="5886033" cy="1547446"/>
+            <a:off x="2431811" y="3535726"/>
+            <a:ext cx="5715000" cy="2857500"/>
           </a:xfrm>
+          <a:prstGeom prst="rect">
+            <a:avLst/>
+          </a:prstGeom>
+          <a:noFill/>
+          <a:extLst>
+            <a:ext uri="{909E8E84-426E-40DD-AFC4-6F175D3DCCD1}">
+              <a14:hiddenFill xmlns:a14="http://schemas.microsoft.com/office/drawing/2010/main">
+                <a:solidFill>
+                  <a:srgbClr val="FFFFFF"/>
+                </a:solidFill>
+              </a14:hiddenFill>
+            </a:ext>
+          </a:extLst>
         </p:spPr>
-        <p:txBody>
-          <a:bodyPr/>
-          <a:lstStyle/>
-          <a:p>
-            <a:pPr marL="0" indent="0">
-              <a:buNone/>
-            </a:pPr>
-            <a:endParaRPr lang="fr-FR" dirty="0"/>
-          </a:p>
-        </p:txBody>
-      </p:sp>
+      </p:pic>
     </p:spTree>
     <p:extLst>
       <p:ext uri="{BB962C8B-B14F-4D97-AF65-F5344CB8AC3E}">

--- a/PP.pptx
+++ b/PP.pptx
@@ -869,7 +869,7 @@
           <a:p>
             <a:fld id="{27F54CF7-68EA-2049-AF1D-68CFF274CF67}" type="datetimeFigureOut">
               <a:rPr lang="fr-FR" smtClean="0"/>
-              <a:t>21/04/2020</a:t>
+              <a:t>22/04/2020</a:t>
             </a:fld>
             <a:endParaRPr lang="fr-FR"/>
           </a:p>
@@ -1120,7 +1120,7 @@
           <a:p>
             <a:fld id="{27F54CF7-68EA-2049-AF1D-68CFF274CF67}" type="datetimeFigureOut">
               <a:rPr lang="fr-FR" smtClean="0"/>
-              <a:t>21/04/2020</a:t>
+              <a:t>22/04/2020</a:t>
             </a:fld>
             <a:endParaRPr lang="fr-FR"/>
           </a:p>
@@ -1434,7 +1434,7 @@
           <a:p>
             <a:fld id="{27F54CF7-68EA-2049-AF1D-68CFF274CF67}" type="datetimeFigureOut">
               <a:rPr lang="fr-FR" smtClean="0"/>
-              <a:t>21/04/2020</a:t>
+              <a:t>22/04/2020</a:t>
             </a:fld>
             <a:endParaRPr lang="fr-FR"/>
           </a:p>
@@ -1775,7 +1775,7 @@
           <a:p>
             <a:fld id="{27F54CF7-68EA-2049-AF1D-68CFF274CF67}" type="datetimeFigureOut">
               <a:rPr lang="fr-FR" smtClean="0"/>
-              <a:t>21/04/2020</a:t>
+              <a:t>22/04/2020</a:t>
             </a:fld>
             <a:endParaRPr lang="fr-FR"/>
           </a:p>
@@ -2089,7 +2089,7 @@
           <a:p>
             <a:fld id="{27F54CF7-68EA-2049-AF1D-68CFF274CF67}" type="datetimeFigureOut">
               <a:rPr lang="fr-FR" smtClean="0"/>
-              <a:t>21/04/2020</a:t>
+              <a:t>22/04/2020</a:t>
             </a:fld>
             <a:endParaRPr lang="fr-FR"/>
           </a:p>
@@ -2482,7 +2482,7 @@
           <a:p>
             <a:fld id="{27F54CF7-68EA-2049-AF1D-68CFF274CF67}" type="datetimeFigureOut">
               <a:rPr lang="fr-FR" smtClean="0"/>
-              <a:t>21/04/2020</a:t>
+              <a:t>22/04/2020</a:t>
             </a:fld>
             <a:endParaRPr lang="fr-FR"/>
           </a:p>
@@ -2652,7 +2652,7 @@
           <a:p>
             <a:fld id="{27F54CF7-68EA-2049-AF1D-68CFF274CF67}" type="datetimeFigureOut">
               <a:rPr lang="fr-FR" smtClean="0"/>
-              <a:t>21/04/2020</a:t>
+              <a:t>22/04/2020</a:t>
             </a:fld>
             <a:endParaRPr lang="fr-FR"/>
           </a:p>
@@ -2832,7 +2832,7 @@
           <a:p>
             <a:fld id="{27F54CF7-68EA-2049-AF1D-68CFF274CF67}" type="datetimeFigureOut">
               <a:rPr lang="fr-FR" smtClean="0"/>
-              <a:t>21/04/2020</a:t>
+              <a:t>22/04/2020</a:t>
             </a:fld>
             <a:endParaRPr lang="fr-FR"/>
           </a:p>
@@ -3008,7 +3008,7 @@
           <a:p>
             <a:fld id="{27F54CF7-68EA-2049-AF1D-68CFF274CF67}" type="datetimeFigureOut">
               <a:rPr lang="fr-FR" smtClean="0"/>
-              <a:t>21/04/2020</a:t>
+              <a:t>22/04/2020</a:t>
             </a:fld>
             <a:endParaRPr lang="fr-FR"/>
           </a:p>
@@ -3255,7 +3255,7 @@
           <a:p>
             <a:fld id="{27F54CF7-68EA-2049-AF1D-68CFF274CF67}" type="datetimeFigureOut">
               <a:rPr lang="fr-FR" smtClean="0"/>
-              <a:t>21/04/2020</a:t>
+              <a:t>22/04/2020</a:t>
             </a:fld>
             <a:endParaRPr lang="fr-FR"/>
           </a:p>
@@ -3487,7 +3487,7 @@
           <a:p>
             <a:fld id="{27F54CF7-68EA-2049-AF1D-68CFF274CF67}" type="datetimeFigureOut">
               <a:rPr lang="fr-FR" smtClean="0"/>
-              <a:t>21/04/2020</a:t>
+              <a:t>22/04/2020</a:t>
             </a:fld>
             <a:endParaRPr lang="fr-FR"/>
           </a:p>
@@ -3861,7 +3861,7 @@
           <a:p>
             <a:fld id="{27F54CF7-68EA-2049-AF1D-68CFF274CF67}" type="datetimeFigureOut">
               <a:rPr lang="fr-FR" smtClean="0"/>
-              <a:t>21/04/2020</a:t>
+              <a:t>22/04/2020</a:t>
             </a:fld>
             <a:endParaRPr lang="fr-FR"/>
           </a:p>
@@ -3984,7 +3984,7 @@
           <a:p>
             <a:fld id="{27F54CF7-68EA-2049-AF1D-68CFF274CF67}" type="datetimeFigureOut">
               <a:rPr lang="fr-FR" smtClean="0"/>
-              <a:t>21/04/2020</a:t>
+              <a:t>22/04/2020</a:t>
             </a:fld>
             <a:endParaRPr lang="fr-FR"/>
           </a:p>
@@ -4079,7 +4079,7 @@
           <a:p>
             <a:fld id="{27F54CF7-68EA-2049-AF1D-68CFF274CF67}" type="datetimeFigureOut">
               <a:rPr lang="fr-FR" smtClean="0"/>
-              <a:t>21/04/2020</a:t>
+              <a:t>22/04/2020</a:t>
             </a:fld>
             <a:endParaRPr lang="fr-FR"/>
           </a:p>
@@ -4334,7 +4334,7 @@
           <a:p>
             <a:fld id="{27F54CF7-68EA-2049-AF1D-68CFF274CF67}" type="datetimeFigureOut">
               <a:rPr lang="fr-FR" smtClean="0"/>
-              <a:t>21/04/2020</a:t>
+              <a:t>22/04/2020</a:t>
             </a:fld>
             <a:endParaRPr lang="fr-FR"/>
           </a:p>
@@ -4597,7 +4597,7 @@
           <a:p>
             <a:fld id="{27F54CF7-68EA-2049-AF1D-68CFF274CF67}" type="datetimeFigureOut">
               <a:rPr lang="fr-FR" smtClean="0"/>
-              <a:t>21/04/2020</a:t>
+              <a:t>22/04/2020</a:t>
             </a:fld>
             <a:endParaRPr lang="fr-FR"/>
           </a:p>
@@ -5340,7 +5340,7 @@
           <a:p>
             <a:fld id="{27F54CF7-68EA-2049-AF1D-68CFF274CF67}" type="datetimeFigureOut">
               <a:rPr lang="fr-FR" smtClean="0"/>
-              <a:t>21/04/2020</a:t>
+              <a:t>22/04/2020</a:t>
             </a:fld>
             <a:endParaRPr lang="fr-FR"/>
           </a:p>
@@ -10219,10 +10219,10 @@
       </p:sp>
       <p:pic>
         <p:nvPicPr>
-          <p:cNvPr id="9" name="Image 8">
+          <p:cNvPr id="5" name="Image 4" descr="Une image contenant texte, carte&#10;&#10;Description générée automatiquement">
             <a:extLst>
               <a:ext uri="{FF2B5EF4-FFF2-40B4-BE49-F238E27FC236}">
-                <a16:creationId xmlns:a16="http://schemas.microsoft.com/office/drawing/2014/main" id="{84B47287-8DBF-4839-A89F-6D1F22352CF8}"/>
+                <a16:creationId xmlns:a16="http://schemas.microsoft.com/office/drawing/2014/main" id="{9E563C16-DE3A-49D9-B3C2-8C4F0340E738}"/>
               </a:ext>
             </a:extLst>
           </p:cNvPr>
@@ -10239,8 +10239,8 @@
         </p:blipFill>
         <p:spPr>
           <a:xfrm>
-            <a:off x="4434583" y="1966309"/>
-            <a:ext cx="7505489" cy="4730205"/>
+            <a:off x="4253271" y="1930400"/>
+            <a:ext cx="7449590" cy="4696480"/>
           </a:xfrm>
           <a:prstGeom prst="rect">
             <a:avLst/>

--- a/PP.pptx
+++ b/PP.pptx
@@ -6927,10 +6927,51 @@
               <a:buNone/>
             </a:pPr>
             <a:r>
-              <a:t>Modèles testés - Ensemble d’arbres de décision agrégées par </a:t>
-            </a:r>
-            <a:r>
-              <a:rPr i="1"/>
+              <a:rPr dirty="0" err="1"/>
+              <a:t>Modèles</a:t>
+            </a:r>
+            <a:r>
+              <a:rPr dirty="0"/>
+              <a:t> </a:t>
+            </a:r>
+            <a:r>
+              <a:rPr dirty="0" err="1"/>
+              <a:t>testés</a:t>
+            </a:r>
+            <a:r>
+              <a:rPr dirty="0"/>
+              <a:t> - Ensemble </a:t>
+            </a:r>
+            <a:r>
+              <a:rPr dirty="0" err="1"/>
+              <a:t>d’arbres</a:t>
+            </a:r>
+            <a:r>
+              <a:rPr dirty="0"/>
+              <a:t> de </a:t>
+            </a:r>
+            <a:r>
+              <a:rPr dirty="0" err="1"/>
+              <a:t>décision</a:t>
+            </a:r>
+            <a:r>
+              <a:rPr dirty="0"/>
+              <a:t> </a:t>
+            </a:r>
+            <a:r>
+              <a:rPr dirty="0" err="1"/>
+              <a:t>agrégé</a:t>
+            </a:r>
+            <a:r>
+              <a:rPr lang="fr-CA" dirty="0"/>
+              <a:t>e</a:t>
+            </a:r>
+            <a:r>
+              <a:rPr dirty="0"/>
+              <a:t>s par </a:t>
+            </a:r>
+            <a:r>
+              <a:rPr i="1" dirty="0"/>
               <a:t>bagging</a:t>
             </a:r>
           </a:p>
@@ -7145,8 +7186,38 @@
               <a:buNone/>
             </a:pPr>
             <a:r>
-              <a:t>Modèle testés - Forêt aléatoire</a:t>
-            </a:r>
+              <a:rPr dirty="0" err="1"/>
+              <a:t>Modèle</a:t>
+            </a:r>
+            <a:r>
+              <a:rPr lang="fr-CA" dirty="0"/>
+              <a:t>s</a:t>
+            </a:r>
+            <a:r>
+              <a:rPr dirty="0"/>
+              <a:t> </a:t>
+            </a:r>
+            <a:r>
+              <a:rPr dirty="0" err="1"/>
+              <a:t>testés</a:t>
+            </a:r>
+            <a:r>
+              <a:rPr dirty="0"/>
+              <a:t> - </a:t>
+            </a:r>
+            <a:r>
+              <a:rPr dirty="0" err="1"/>
+              <a:t>Forêt</a:t>
+            </a:r>
+            <a:r>
+              <a:rPr dirty="0"/>
+              <a:t> </a:t>
+            </a:r>
+            <a:r>
+              <a:rPr dirty="0" err="1"/>
+              <a:t>aléatoire</a:t>
+            </a:r>
+            <a:endParaRPr dirty="0"/>
           </a:p>
         </p:txBody>
       </p:sp>
@@ -8003,15 +8074,11 @@
             </a:pPr>
             <a:r>
               <a:rPr dirty="0"/>
-              <a:t>L’EQM des </a:t>
-            </a:r>
-            <a:r>
-              <a:rPr dirty="0" err="1"/>
-              <a:t>modèles</a:t>
+              <a:t>L’EQM des</a:t>
             </a:r>
             <a:r>
               <a:rPr lang="fr-CA" dirty="0"/>
-              <a:t> de GBM</a:t>
+              <a:t> GBM</a:t>
             </a:r>
             <a:r>
               <a:rPr dirty="0"/>
@@ -12204,6 +12271,10 @@
               <a:t>hypothécaire</a:t>
             </a:r>
             <a:r>
+              <a:rPr lang="fr-CA" sz="1600" dirty="0"/>
+              <a:t>s</a:t>
+            </a:r>
+            <a:r>
               <a:rPr sz="1600" dirty="0"/>
               <a:t> à des fins de hedging</a:t>
             </a:r>
@@ -12350,7 +12421,7 @@
             <a:pPr lvl="1"/>
             <a:r>
               <a:rPr lang="fr-CA" sz="1800" dirty="0"/>
-              <a:t>Caractéristique de la résidence</a:t>
+              <a:t>Caractéristiques de la résidence</a:t>
             </a:r>
           </a:p>
           <a:p>
@@ -12495,7 +12566,7 @@
             <a:pPr lvl="1"/>
             <a:r>
               <a:rPr sz="1800" dirty="0" err="1"/>
-              <a:t>Traitements</a:t>
+              <a:t>Traitement</a:t>
             </a:r>
             <a:r>
               <a:rPr sz="1800" dirty="0"/>
